--- a/이미지 리소스 제작용.pptx
+++ b/이미지 리소스 제작용.pptx
@@ -4523,6 +4523,54 @@
           <a:chExt cx="0" cy="0"/>
         </a:xfrm>
       </p:grpSpPr>
+      <p:sp>
+        <p:nvSpPr>
+          <p:cNvPr id="42" name="직사각형 41"/>
+          <p:cNvSpPr/>
+          <p:nvPr/>
+        </p:nvSpPr>
+        <p:spPr>
+          <a:xfrm rot="5400000">
+            <a:off x="3621751" y="2199421"/>
+            <a:ext cx="585788" cy="1757363"/>
+          </a:xfrm>
+          <a:prstGeom prst="rect">
+            <a:avLst/>
+          </a:prstGeom>
+          <a:solidFill>
+            <a:srgbClr val="6E3232"/>
+          </a:solidFill>
+          <a:ln w="38100">
+            <a:solidFill>
+              <a:schemeClr val="tx1"/>
+            </a:solidFill>
+          </a:ln>
+        </p:spPr>
+        <p:style>
+          <a:lnRef idx="2">
+            <a:schemeClr val="accent1">
+              <a:shade val="50000"/>
+            </a:schemeClr>
+          </a:lnRef>
+          <a:fillRef idx="1">
+            <a:schemeClr val="accent1"/>
+          </a:fillRef>
+          <a:effectRef idx="0">
+            <a:schemeClr val="accent1"/>
+          </a:effectRef>
+          <a:fontRef idx="minor">
+            <a:schemeClr val="lt1"/>
+          </a:fontRef>
+        </p:style>
+        <p:txBody>
+          <a:bodyPr rtlCol="0" anchor="ctr"/>
+          <a:lstStyle/>
+          <a:p>
+            <a:pPr algn="ctr"/>
+            <a:endParaRPr lang="ko-KR" altLang="en-US"/>
+          </a:p>
+        </p:txBody>
+      </p:sp>
       <p:pic>
         <p:nvPicPr>
           <p:cNvPr id="1026" name="Picture 2" descr="https://static.wikia.nocookie.net/survivio/images/d/d4/Space_Cubes.jpeg/revision/latest/scale-to-width-down/180?cb=20200505222241"/>
@@ -4544,7 +4592,7 @@
         </p:blipFill>
         <p:spPr bwMode="auto">
           <a:xfrm>
-            <a:off x="3454399" y="2247900"/>
+            <a:off x="0" y="0"/>
             <a:ext cx="1577975" cy="1590675"/>
           </a:xfrm>
           <a:prstGeom prst="rect">
@@ -4570,7 +4618,7 @@
         </p:nvGrpSpPr>
         <p:grpSpPr>
           <a:xfrm>
-            <a:off x="1541462" y="138112"/>
+            <a:off x="4445663" y="819756"/>
             <a:ext cx="1173422" cy="1171574"/>
             <a:chOff x="1541462" y="138112"/>
             <a:chExt cx="1173422" cy="1171574"/>
@@ -5314,7 +5362,7 @@
         </p:nvGrpSpPr>
         <p:grpSpPr>
           <a:xfrm>
-            <a:off x="131763" y="138112"/>
+            <a:off x="3035964" y="819756"/>
             <a:ext cx="1173421" cy="1171574"/>
             <a:chOff x="131763" y="138112"/>
             <a:chExt cx="1173421" cy="1171574"/>
@@ -6050,6 +6098,3154 @@
           </p:txBody>
         </p:sp>
       </p:grpSp>
+      <p:sp>
+        <p:nvSpPr>
+          <p:cNvPr id="6" name="TextBox 5"/>
+          <p:cNvSpPr txBox="1"/>
+          <p:nvPr/>
+        </p:nvSpPr>
+        <p:spPr>
+          <a:xfrm>
+            <a:off x="1805940" y="160020"/>
+            <a:ext cx="9525000" cy="369332"/>
+          </a:xfrm>
+          <a:prstGeom prst="rect">
+            <a:avLst/>
+          </a:prstGeom>
+          <a:noFill/>
+        </p:spPr>
+        <p:txBody>
+          <a:bodyPr wrap="square" rtlCol="0">
+            <a:spAutoFit/>
+          </a:bodyPr>
+          <a:lstStyle/>
+          <a:p>
+            <a:r>
+              <a:rPr lang="en-US" altLang="ko-KR" dirty="0" smtClean="0"/>
+              <a:t>1.63cm = 61.5px</a:t>
+            </a:r>
+          </a:p>
+        </p:txBody>
+      </p:sp>
+      <p:sp>
+        <p:nvSpPr>
+          <p:cNvPr id="8" name="TextBox 7"/>
+          <p:cNvSpPr txBox="1"/>
+          <p:nvPr/>
+        </p:nvSpPr>
+        <p:spPr>
+          <a:xfrm>
+            <a:off x="6858000" y="754380"/>
+            <a:ext cx="2659380" cy="369332"/>
+          </a:xfrm>
+          <a:prstGeom prst="rect">
+            <a:avLst/>
+          </a:prstGeom>
+          <a:noFill/>
+        </p:spPr>
+        <p:txBody>
+          <a:bodyPr wrap="square" rtlCol="0">
+            <a:spAutoFit/>
+          </a:bodyPr>
+          <a:lstStyle/>
+          <a:p>
+            <a:r>
+              <a:rPr lang="en-US" altLang="ko-KR" dirty="0"/>
+              <a:t>1000px = 26.46 cm </a:t>
+            </a:r>
+            <a:endParaRPr lang="ko-KR" altLang="en-US" dirty="0"/>
+          </a:p>
+        </p:txBody>
+      </p:sp>
+      <p:sp>
+        <p:nvSpPr>
+          <p:cNvPr id="86" name="직사각형 85"/>
+          <p:cNvSpPr/>
+          <p:nvPr/>
+        </p:nvSpPr>
+        <p:spPr>
+          <a:xfrm rot="5400000">
+            <a:off x="3035457" y="3808515"/>
+            <a:ext cx="585788" cy="586800"/>
+          </a:xfrm>
+          <a:prstGeom prst="rect">
+            <a:avLst/>
+          </a:prstGeom>
+          <a:solidFill>
+            <a:srgbClr val="6E3232"/>
+          </a:solidFill>
+          <a:ln w="38100">
+            <a:solidFill>
+              <a:schemeClr val="tx1"/>
+            </a:solidFill>
+          </a:ln>
+        </p:spPr>
+        <p:style>
+          <a:lnRef idx="2">
+            <a:schemeClr val="accent1">
+              <a:shade val="50000"/>
+            </a:schemeClr>
+          </a:lnRef>
+          <a:fillRef idx="1">
+            <a:schemeClr val="accent1"/>
+          </a:fillRef>
+          <a:effectRef idx="0">
+            <a:schemeClr val="accent1"/>
+          </a:effectRef>
+          <a:fontRef idx="minor">
+            <a:schemeClr val="lt1"/>
+          </a:fontRef>
+        </p:style>
+        <p:txBody>
+          <a:bodyPr rtlCol="0" anchor="ctr"/>
+          <a:lstStyle/>
+          <a:p>
+            <a:pPr algn="ctr"/>
+            <a:endParaRPr lang="ko-KR" altLang="en-US"/>
+          </a:p>
+        </p:txBody>
+      </p:sp>
+      <p:sp>
+        <p:nvSpPr>
+          <p:cNvPr id="94" name="직사각형 93"/>
+          <p:cNvSpPr/>
+          <p:nvPr/>
+        </p:nvSpPr>
+        <p:spPr>
+          <a:xfrm rot="5400000">
+            <a:off x="3035457" y="4394303"/>
+            <a:ext cx="585788" cy="586800"/>
+          </a:xfrm>
+          <a:prstGeom prst="rect">
+            <a:avLst/>
+          </a:prstGeom>
+          <a:solidFill>
+            <a:srgbClr val="6E3232"/>
+          </a:solidFill>
+          <a:ln w="38100">
+            <a:solidFill>
+              <a:schemeClr val="tx1"/>
+            </a:solidFill>
+          </a:ln>
+        </p:spPr>
+        <p:style>
+          <a:lnRef idx="2">
+            <a:schemeClr val="accent1">
+              <a:shade val="50000"/>
+            </a:schemeClr>
+          </a:lnRef>
+          <a:fillRef idx="1">
+            <a:schemeClr val="accent1"/>
+          </a:fillRef>
+          <a:effectRef idx="0">
+            <a:schemeClr val="accent1"/>
+          </a:effectRef>
+          <a:fontRef idx="minor">
+            <a:schemeClr val="lt1"/>
+          </a:fontRef>
+        </p:style>
+        <p:txBody>
+          <a:bodyPr rtlCol="0" anchor="ctr"/>
+          <a:lstStyle/>
+          <a:p>
+            <a:pPr algn="ctr"/>
+            <a:endParaRPr lang="ko-KR" altLang="en-US"/>
+          </a:p>
+        </p:txBody>
+      </p:sp>
+      <p:sp>
+        <p:nvSpPr>
+          <p:cNvPr id="95" name="직사각형 94"/>
+          <p:cNvSpPr/>
+          <p:nvPr/>
+        </p:nvSpPr>
+        <p:spPr>
+          <a:xfrm rot="5400000">
+            <a:off x="3621243" y="4394303"/>
+            <a:ext cx="585788" cy="586800"/>
+          </a:xfrm>
+          <a:prstGeom prst="rect">
+            <a:avLst/>
+          </a:prstGeom>
+          <a:solidFill>
+            <a:srgbClr val="6E3232"/>
+          </a:solidFill>
+          <a:ln w="38100">
+            <a:solidFill>
+              <a:schemeClr val="tx1"/>
+            </a:solidFill>
+          </a:ln>
+        </p:spPr>
+        <p:style>
+          <a:lnRef idx="2">
+            <a:schemeClr val="accent1">
+              <a:shade val="50000"/>
+            </a:schemeClr>
+          </a:lnRef>
+          <a:fillRef idx="1">
+            <a:schemeClr val="accent1"/>
+          </a:fillRef>
+          <a:effectRef idx="0">
+            <a:schemeClr val="accent1"/>
+          </a:effectRef>
+          <a:fontRef idx="minor">
+            <a:schemeClr val="lt1"/>
+          </a:fontRef>
+        </p:style>
+        <p:txBody>
+          <a:bodyPr rtlCol="0" anchor="ctr"/>
+          <a:lstStyle/>
+          <a:p>
+            <a:pPr algn="ctr"/>
+            <a:endParaRPr lang="ko-KR" altLang="en-US"/>
+          </a:p>
+        </p:txBody>
+      </p:sp>
+      <p:sp>
+        <p:nvSpPr>
+          <p:cNvPr id="96" name="직사각형 95"/>
+          <p:cNvSpPr/>
+          <p:nvPr/>
+        </p:nvSpPr>
+        <p:spPr>
+          <a:xfrm rot="5400000">
+            <a:off x="3621243" y="4977599"/>
+            <a:ext cx="585788" cy="586800"/>
+          </a:xfrm>
+          <a:prstGeom prst="rect">
+            <a:avLst/>
+          </a:prstGeom>
+          <a:solidFill>
+            <a:srgbClr val="6E3232"/>
+          </a:solidFill>
+          <a:ln w="38100">
+            <a:solidFill>
+              <a:schemeClr val="tx1"/>
+            </a:solidFill>
+          </a:ln>
+        </p:spPr>
+        <p:style>
+          <a:lnRef idx="2">
+            <a:schemeClr val="accent1">
+              <a:shade val="50000"/>
+            </a:schemeClr>
+          </a:lnRef>
+          <a:fillRef idx="1">
+            <a:schemeClr val="accent1"/>
+          </a:fillRef>
+          <a:effectRef idx="0">
+            <a:schemeClr val="accent1"/>
+          </a:effectRef>
+          <a:fontRef idx="minor">
+            <a:schemeClr val="lt1"/>
+          </a:fontRef>
+        </p:style>
+        <p:txBody>
+          <a:bodyPr rtlCol="0" anchor="ctr"/>
+          <a:lstStyle/>
+          <a:p>
+            <a:pPr algn="ctr"/>
+            <a:endParaRPr lang="ko-KR" altLang="en-US"/>
+          </a:p>
+        </p:txBody>
+      </p:sp>
+      <p:sp>
+        <p:nvSpPr>
+          <p:cNvPr id="97" name="직사각형 96"/>
+          <p:cNvSpPr/>
+          <p:nvPr/>
+        </p:nvSpPr>
+        <p:spPr>
+          <a:xfrm rot="5400000">
+            <a:off x="4938524" y="3808515"/>
+            <a:ext cx="585788" cy="586800"/>
+          </a:xfrm>
+          <a:prstGeom prst="rect">
+            <a:avLst/>
+          </a:prstGeom>
+          <a:solidFill>
+            <a:srgbClr val="6E3232"/>
+          </a:solidFill>
+          <a:ln w="38100">
+            <a:solidFill>
+              <a:schemeClr val="tx1"/>
+            </a:solidFill>
+          </a:ln>
+        </p:spPr>
+        <p:style>
+          <a:lnRef idx="2">
+            <a:schemeClr val="accent1">
+              <a:shade val="50000"/>
+            </a:schemeClr>
+          </a:lnRef>
+          <a:fillRef idx="1">
+            <a:schemeClr val="accent1"/>
+          </a:fillRef>
+          <a:effectRef idx="0">
+            <a:schemeClr val="accent1"/>
+          </a:effectRef>
+          <a:fontRef idx="minor">
+            <a:schemeClr val="lt1"/>
+          </a:fontRef>
+        </p:style>
+        <p:txBody>
+          <a:bodyPr rtlCol="0" anchor="ctr"/>
+          <a:lstStyle/>
+          <a:p>
+            <a:pPr algn="ctr"/>
+            <a:endParaRPr lang="ko-KR" altLang="en-US"/>
+          </a:p>
+        </p:txBody>
+      </p:sp>
+      <p:sp>
+        <p:nvSpPr>
+          <p:cNvPr id="98" name="직사각형 97"/>
+          <p:cNvSpPr/>
+          <p:nvPr/>
+        </p:nvSpPr>
+        <p:spPr>
+          <a:xfrm rot="5400000">
+            <a:off x="4352738" y="4394303"/>
+            <a:ext cx="585788" cy="586800"/>
+          </a:xfrm>
+          <a:prstGeom prst="rect">
+            <a:avLst/>
+          </a:prstGeom>
+          <a:solidFill>
+            <a:srgbClr val="6E3232"/>
+          </a:solidFill>
+          <a:ln w="38100">
+            <a:solidFill>
+              <a:schemeClr val="tx1"/>
+            </a:solidFill>
+          </a:ln>
+        </p:spPr>
+        <p:style>
+          <a:lnRef idx="2">
+            <a:schemeClr val="accent1">
+              <a:shade val="50000"/>
+            </a:schemeClr>
+          </a:lnRef>
+          <a:fillRef idx="1">
+            <a:schemeClr val="accent1"/>
+          </a:fillRef>
+          <a:effectRef idx="0">
+            <a:schemeClr val="accent1"/>
+          </a:effectRef>
+          <a:fontRef idx="minor">
+            <a:schemeClr val="lt1"/>
+          </a:fontRef>
+        </p:style>
+        <p:txBody>
+          <a:bodyPr rtlCol="0" anchor="ctr"/>
+          <a:lstStyle/>
+          <a:p>
+            <a:pPr algn="ctr"/>
+            <a:endParaRPr lang="ko-KR" altLang="en-US"/>
+          </a:p>
+        </p:txBody>
+      </p:sp>
+      <p:sp>
+        <p:nvSpPr>
+          <p:cNvPr id="99" name="직사각형 98"/>
+          <p:cNvSpPr/>
+          <p:nvPr/>
+        </p:nvSpPr>
+        <p:spPr>
+          <a:xfrm rot="5400000">
+            <a:off x="4938524" y="4394303"/>
+            <a:ext cx="585788" cy="586800"/>
+          </a:xfrm>
+          <a:prstGeom prst="rect">
+            <a:avLst/>
+          </a:prstGeom>
+          <a:solidFill>
+            <a:srgbClr val="6E3232"/>
+          </a:solidFill>
+          <a:ln w="38100">
+            <a:solidFill>
+              <a:schemeClr val="tx1"/>
+            </a:solidFill>
+          </a:ln>
+        </p:spPr>
+        <p:style>
+          <a:lnRef idx="2">
+            <a:schemeClr val="accent1">
+              <a:shade val="50000"/>
+            </a:schemeClr>
+          </a:lnRef>
+          <a:fillRef idx="1">
+            <a:schemeClr val="accent1"/>
+          </a:fillRef>
+          <a:effectRef idx="0">
+            <a:schemeClr val="accent1"/>
+          </a:effectRef>
+          <a:fontRef idx="minor">
+            <a:schemeClr val="lt1"/>
+          </a:fontRef>
+        </p:style>
+        <p:txBody>
+          <a:bodyPr rtlCol="0" anchor="ctr"/>
+          <a:lstStyle/>
+          <a:p>
+            <a:pPr algn="ctr"/>
+            <a:endParaRPr lang="ko-KR" altLang="en-US"/>
+          </a:p>
+        </p:txBody>
+      </p:sp>
+      <p:sp>
+        <p:nvSpPr>
+          <p:cNvPr id="100" name="직사각형 99"/>
+          <p:cNvSpPr/>
+          <p:nvPr/>
+        </p:nvSpPr>
+        <p:spPr>
+          <a:xfrm rot="5400000">
+            <a:off x="4358590" y="4977599"/>
+            <a:ext cx="585788" cy="586800"/>
+          </a:xfrm>
+          <a:prstGeom prst="rect">
+            <a:avLst/>
+          </a:prstGeom>
+          <a:solidFill>
+            <a:srgbClr val="6E3232"/>
+          </a:solidFill>
+          <a:ln w="38100">
+            <a:solidFill>
+              <a:schemeClr val="tx1"/>
+            </a:solidFill>
+          </a:ln>
+        </p:spPr>
+        <p:style>
+          <a:lnRef idx="2">
+            <a:schemeClr val="accent1">
+              <a:shade val="50000"/>
+            </a:schemeClr>
+          </a:lnRef>
+          <a:fillRef idx="1">
+            <a:schemeClr val="accent1"/>
+          </a:fillRef>
+          <a:effectRef idx="0">
+            <a:schemeClr val="accent1"/>
+          </a:effectRef>
+          <a:fontRef idx="minor">
+            <a:schemeClr val="lt1"/>
+          </a:fontRef>
+        </p:style>
+        <p:txBody>
+          <a:bodyPr rtlCol="0" anchor="ctr"/>
+          <a:lstStyle/>
+          <a:p>
+            <a:pPr algn="ctr"/>
+            <a:endParaRPr lang="ko-KR" altLang="en-US"/>
+          </a:p>
+        </p:txBody>
+      </p:sp>
+      <p:sp>
+        <p:nvSpPr>
+          <p:cNvPr id="109" name="직사각형 108"/>
+          <p:cNvSpPr/>
+          <p:nvPr/>
+        </p:nvSpPr>
+        <p:spPr>
+          <a:xfrm rot="5400000">
+            <a:off x="7574985" y="3222727"/>
+            <a:ext cx="585788" cy="586800"/>
+          </a:xfrm>
+          <a:prstGeom prst="rect">
+            <a:avLst/>
+          </a:prstGeom>
+          <a:solidFill>
+            <a:srgbClr val="6E3232"/>
+          </a:solidFill>
+          <a:ln w="38100">
+            <a:solidFill>
+              <a:schemeClr val="tx1"/>
+            </a:solidFill>
+          </a:ln>
+        </p:spPr>
+        <p:style>
+          <a:lnRef idx="2">
+            <a:schemeClr val="accent1">
+              <a:shade val="50000"/>
+            </a:schemeClr>
+          </a:lnRef>
+          <a:fillRef idx="1">
+            <a:schemeClr val="accent1"/>
+          </a:fillRef>
+          <a:effectRef idx="0">
+            <a:schemeClr val="accent1"/>
+          </a:effectRef>
+          <a:fontRef idx="minor">
+            <a:schemeClr val="lt1"/>
+          </a:fontRef>
+        </p:style>
+        <p:txBody>
+          <a:bodyPr rtlCol="0" anchor="ctr"/>
+          <a:lstStyle/>
+          <a:p>
+            <a:pPr algn="ctr"/>
+            <a:endParaRPr lang="ko-KR" altLang="en-US"/>
+          </a:p>
+        </p:txBody>
+      </p:sp>
+      <p:sp>
+        <p:nvSpPr>
+          <p:cNvPr id="110" name="직사각형 109"/>
+          <p:cNvSpPr/>
+          <p:nvPr/>
+        </p:nvSpPr>
+        <p:spPr>
+          <a:xfrm rot="5400000">
+            <a:off x="7575998" y="4394303"/>
+            <a:ext cx="585788" cy="586800"/>
+          </a:xfrm>
+          <a:prstGeom prst="rect">
+            <a:avLst/>
+          </a:prstGeom>
+          <a:solidFill>
+            <a:srgbClr val="6E3232"/>
+          </a:solidFill>
+          <a:ln w="38100">
+            <a:solidFill>
+              <a:schemeClr val="tx1"/>
+            </a:solidFill>
+          </a:ln>
+        </p:spPr>
+        <p:style>
+          <a:lnRef idx="2">
+            <a:schemeClr val="accent1">
+              <a:shade val="50000"/>
+            </a:schemeClr>
+          </a:lnRef>
+          <a:fillRef idx="1">
+            <a:schemeClr val="accent1"/>
+          </a:fillRef>
+          <a:effectRef idx="0">
+            <a:schemeClr val="accent1"/>
+          </a:effectRef>
+          <a:fontRef idx="minor">
+            <a:schemeClr val="lt1"/>
+          </a:fontRef>
+        </p:style>
+        <p:txBody>
+          <a:bodyPr rtlCol="0" anchor="ctr"/>
+          <a:lstStyle/>
+          <a:p>
+            <a:pPr algn="ctr"/>
+            <a:endParaRPr lang="ko-KR" altLang="en-US"/>
+          </a:p>
+        </p:txBody>
+      </p:sp>
+      <p:sp>
+        <p:nvSpPr>
+          <p:cNvPr id="111" name="직사각형 110"/>
+          <p:cNvSpPr/>
+          <p:nvPr/>
+        </p:nvSpPr>
+        <p:spPr>
+          <a:xfrm rot="5400000">
+            <a:off x="7574985" y="3808515"/>
+            <a:ext cx="585788" cy="586800"/>
+          </a:xfrm>
+          <a:prstGeom prst="rect">
+            <a:avLst/>
+          </a:prstGeom>
+          <a:solidFill>
+            <a:srgbClr val="6E3232"/>
+          </a:solidFill>
+          <a:ln w="38100">
+            <a:solidFill>
+              <a:schemeClr val="tx1"/>
+            </a:solidFill>
+          </a:ln>
+        </p:spPr>
+        <p:style>
+          <a:lnRef idx="2">
+            <a:schemeClr val="accent1">
+              <a:shade val="50000"/>
+            </a:schemeClr>
+          </a:lnRef>
+          <a:fillRef idx="1">
+            <a:schemeClr val="accent1"/>
+          </a:fillRef>
+          <a:effectRef idx="0">
+            <a:schemeClr val="accent1"/>
+          </a:effectRef>
+          <a:fontRef idx="minor">
+            <a:schemeClr val="lt1"/>
+          </a:fontRef>
+        </p:style>
+        <p:txBody>
+          <a:bodyPr rtlCol="0" anchor="ctr"/>
+          <a:lstStyle/>
+          <a:p>
+            <a:pPr algn="ctr"/>
+            <a:endParaRPr lang="ko-KR" altLang="en-US"/>
+          </a:p>
+        </p:txBody>
+      </p:sp>
+      <p:sp>
+        <p:nvSpPr>
+          <p:cNvPr id="112" name="직사각형 111"/>
+          <p:cNvSpPr/>
+          <p:nvPr/>
+        </p:nvSpPr>
+        <p:spPr>
+          <a:xfrm rot="5400000">
+            <a:off x="7574984" y="4977599"/>
+            <a:ext cx="585788" cy="586800"/>
+          </a:xfrm>
+          <a:prstGeom prst="rect">
+            <a:avLst/>
+          </a:prstGeom>
+          <a:solidFill>
+            <a:srgbClr val="6E3232"/>
+          </a:solidFill>
+          <a:ln w="38100">
+            <a:solidFill>
+              <a:schemeClr val="tx1"/>
+            </a:solidFill>
+          </a:ln>
+        </p:spPr>
+        <p:style>
+          <a:lnRef idx="2">
+            <a:schemeClr val="accent1">
+              <a:shade val="50000"/>
+            </a:schemeClr>
+          </a:lnRef>
+          <a:fillRef idx="1">
+            <a:schemeClr val="accent1"/>
+          </a:fillRef>
+          <a:effectRef idx="0">
+            <a:schemeClr val="accent1"/>
+          </a:effectRef>
+          <a:fontRef idx="minor">
+            <a:schemeClr val="lt1"/>
+          </a:fontRef>
+        </p:style>
+        <p:txBody>
+          <a:bodyPr rtlCol="0" anchor="ctr"/>
+          <a:lstStyle/>
+          <a:p>
+            <a:pPr algn="ctr"/>
+            <a:endParaRPr lang="ko-KR" altLang="en-US"/>
+          </a:p>
+        </p:txBody>
+      </p:sp>
+      <p:grpSp>
+        <p:nvGrpSpPr>
+          <p:cNvPr id="32" name="그룹 31"/>
+          <p:cNvGrpSpPr/>
+          <p:nvPr/>
+        </p:nvGrpSpPr>
+        <p:grpSpPr>
+          <a:xfrm rot="16200000">
+            <a:off x="9332488" y="4101682"/>
+            <a:ext cx="587814" cy="2340660"/>
+            <a:chOff x="8991614" y="3223233"/>
+            <a:chExt cx="587814" cy="2340660"/>
+          </a:xfrm>
+        </p:grpSpPr>
+        <p:sp>
+          <p:nvSpPr>
+            <p:cNvPr id="113" name="직사각형 112"/>
+            <p:cNvSpPr/>
+            <p:nvPr/>
+          </p:nvSpPr>
+          <p:spPr>
+            <a:xfrm rot="5400000">
+              <a:off x="8992121" y="3222727"/>
+              <a:ext cx="585788" cy="586800"/>
+            </a:xfrm>
+            <a:prstGeom prst="rect">
+              <a:avLst/>
+            </a:prstGeom>
+            <a:solidFill>
+              <a:srgbClr val="6E3232"/>
+            </a:solidFill>
+            <a:ln w="38100">
+              <a:solidFill>
+                <a:schemeClr val="tx1"/>
+              </a:solidFill>
+            </a:ln>
+          </p:spPr>
+          <p:style>
+            <a:lnRef idx="2">
+              <a:schemeClr val="accent1">
+                <a:shade val="50000"/>
+              </a:schemeClr>
+            </a:lnRef>
+            <a:fillRef idx="1">
+              <a:schemeClr val="accent1"/>
+            </a:fillRef>
+            <a:effectRef idx="0">
+              <a:schemeClr val="accent1"/>
+            </a:effectRef>
+            <a:fontRef idx="minor">
+              <a:schemeClr val="lt1"/>
+            </a:fontRef>
+          </p:style>
+          <p:txBody>
+            <a:bodyPr rtlCol="0" anchor="ctr"/>
+            <a:lstStyle/>
+            <a:p>
+              <a:pPr algn="ctr"/>
+              <a:endParaRPr lang="ko-KR" altLang="en-US"/>
+            </a:p>
+          </p:txBody>
+        </p:sp>
+        <p:sp>
+          <p:nvSpPr>
+            <p:cNvPr id="114" name="직사각형 113"/>
+            <p:cNvSpPr/>
+            <p:nvPr/>
+          </p:nvSpPr>
+          <p:spPr>
+            <a:xfrm rot="5400000">
+              <a:off x="8993134" y="4394303"/>
+              <a:ext cx="585788" cy="586800"/>
+            </a:xfrm>
+            <a:prstGeom prst="rect">
+              <a:avLst/>
+            </a:prstGeom>
+            <a:solidFill>
+              <a:srgbClr val="6E3232"/>
+            </a:solidFill>
+            <a:ln w="38100">
+              <a:solidFill>
+                <a:schemeClr val="tx1"/>
+              </a:solidFill>
+            </a:ln>
+          </p:spPr>
+          <p:style>
+            <a:lnRef idx="2">
+              <a:schemeClr val="accent1">
+                <a:shade val="50000"/>
+              </a:schemeClr>
+            </a:lnRef>
+            <a:fillRef idx="1">
+              <a:schemeClr val="accent1"/>
+            </a:fillRef>
+            <a:effectRef idx="0">
+              <a:schemeClr val="accent1"/>
+            </a:effectRef>
+            <a:fontRef idx="minor">
+              <a:schemeClr val="lt1"/>
+            </a:fontRef>
+          </p:style>
+          <p:txBody>
+            <a:bodyPr rtlCol="0" anchor="ctr"/>
+            <a:lstStyle/>
+            <a:p>
+              <a:pPr algn="ctr"/>
+              <a:endParaRPr lang="ko-KR" altLang="en-US"/>
+            </a:p>
+          </p:txBody>
+        </p:sp>
+        <p:sp>
+          <p:nvSpPr>
+            <p:cNvPr id="115" name="직사각형 114"/>
+            <p:cNvSpPr/>
+            <p:nvPr/>
+          </p:nvSpPr>
+          <p:spPr>
+            <a:xfrm rot="5400000">
+              <a:off x="8992121" y="3808515"/>
+              <a:ext cx="585788" cy="586800"/>
+            </a:xfrm>
+            <a:prstGeom prst="rect">
+              <a:avLst/>
+            </a:prstGeom>
+            <a:solidFill>
+              <a:srgbClr val="6E3232"/>
+            </a:solidFill>
+            <a:ln w="38100">
+              <a:solidFill>
+                <a:schemeClr val="tx1"/>
+              </a:solidFill>
+            </a:ln>
+          </p:spPr>
+          <p:style>
+            <a:lnRef idx="2">
+              <a:schemeClr val="accent1">
+                <a:shade val="50000"/>
+              </a:schemeClr>
+            </a:lnRef>
+            <a:fillRef idx="1">
+              <a:schemeClr val="accent1"/>
+            </a:fillRef>
+            <a:effectRef idx="0">
+              <a:schemeClr val="accent1"/>
+            </a:effectRef>
+            <a:fontRef idx="minor">
+              <a:schemeClr val="lt1"/>
+            </a:fontRef>
+          </p:style>
+          <p:txBody>
+            <a:bodyPr rtlCol="0" anchor="ctr"/>
+            <a:lstStyle/>
+            <a:p>
+              <a:pPr algn="ctr"/>
+              <a:endParaRPr lang="ko-KR" altLang="en-US"/>
+            </a:p>
+          </p:txBody>
+        </p:sp>
+        <p:sp>
+          <p:nvSpPr>
+            <p:cNvPr id="116" name="직사각형 115"/>
+            <p:cNvSpPr/>
+            <p:nvPr/>
+          </p:nvSpPr>
+          <p:spPr>
+            <a:xfrm rot="5400000">
+              <a:off x="8992120" y="4977599"/>
+              <a:ext cx="585788" cy="586800"/>
+            </a:xfrm>
+            <a:prstGeom prst="rect">
+              <a:avLst/>
+            </a:prstGeom>
+            <a:solidFill>
+              <a:srgbClr val="6E3232"/>
+            </a:solidFill>
+            <a:ln w="38100">
+              <a:solidFill>
+                <a:schemeClr val="tx1"/>
+              </a:solidFill>
+            </a:ln>
+          </p:spPr>
+          <p:style>
+            <a:lnRef idx="2">
+              <a:schemeClr val="accent1">
+                <a:shade val="50000"/>
+              </a:schemeClr>
+            </a:lnRef>
+            <a:fillRef idx="1">
+              <a:schemeClr val="accent1"/>
+            </a:fillRef>
+            <a:effectRef idx="0">
+              <a:schemeClr val="accent1"/>
+            </a:effectRef>
+            <a:fontRef idx="minor">
+              <a:schemeClr val="lt1"/>
+            </a:fontRef>
+          </p:style>
+          <p:txBody>
+            <a:bodyPr rtlCol="0" anchor="ctr"/>
+            <a:lstStyle/>
+            <a:p>
+              <a:pPr algn="ctr"/>
+              <a:endParaRPr lang="ko-KR" altLang="en-US"/>
+            </a:p>
+          </p:txBody>
+        </p:sp>
+      </p:grpSp>
+      <p:sp>
+        <p:nvSpPr>
+          <p:cNvPr id="118" name="직사각형 117"/>
+          <p:cNvSpPr/>
+          <p:nvPr/>
+        </p:nvSpPr>
+        <p:spPr>
+          <a:xfrm rot="5400000">
+            <a:off x="1518065" y="2418516"/>
+            <a:ext cx="585788" cy="586800"/>
+          </a:xfrm>
+          <a:prstGeom prst="rect">
+            <a:avLst/>
+          </a:prstGeom>
+          <a:solidFill>
+            <a:srgbClr val="6E3232"/>
+          </a:solidFill>
+          <a:ln w="38100">
+            <a:solidFill>
+              <a:schemeClr val="tx1"/>
+            </a:solidFill>
+          </a:ln>
+        </p:spPr>
+        <p:style>
+          <a:lnRef idx="2">
+            <a:schemeClr val="accent1">
+              <a:shade val="50000"/>
+            </a:schemeClr>
+          </a:lnRef>
+          <a:fillRef idx="1">
+            <a:schemeClr val="accent1"/>
+          </a:fillRef>
+          <a:effectRef idx="0">
+            <a:schemeClr val="accent1"/>
+          </a:effectRef>
+          <a:fontRef idx="minor">
+            <a:schemeClr val="lt1"/>
+          </a:fontRef>
+        </p:style>
+        <p:txBody>
+          <a:bodyPr rtlCol="0" anchor="ctr"/>
+          <a:lstStyle/>
+          <a:p>
+            <a:pPr algn="ctr"/>
+            <a:endParaRPr lang="ko-KR" altLang="en-US"/>
+          </a:p>
+        </p:txBody>
+      </p:sp>
+      <p:sp>
+        <p:nvSpPr>
+          <p:cNvPr id="119" name="직사각형 118"/>
+          <p:cNvSpPr/>
+          <p:nvPr/>
+        </p:nvSpPr>
+        <p:spPr>
+          <a:xfrm rot="5400000">
+            <a:off x="1519078" y="3590092"/>
+            <a:ext cx="585788" cy="586800"/>
+          </a:xfrm>
+          <a:prstGeom prst="rect">
+            <a:avLst/>
+          </a:prstGeom>
+          <a:solidFill>
+            <a:srgbClr val="6E3232"/>
+          </a:solidFill>
+          <a:ln w="38100">
+            <a:solidFill>
+              <a:schemeClr val="tx1"/>
+            </a:solidFill>
+          </a:ln>
+        </p:spPr>
+        <p:style>
+          <a:lnRef idx="2">
+            <a:schemeClr val="accent1">
+              <a:shade val="50000"/>
+            </a:schemeClr>
+          </a:lnRef>
+          <a:fillRef idx="1">
+            <a:schemeClr val="accent1"/>
+          </a:fillRef>
+          <a:effectRef idx="0">
+            <a:schemeClr val="accent1"/>
+          </a:effectRef>
+          <a:fontRef idx="minor">
+            <a:schemeClr val="lt1"/>
+          </a:fontRef>
+        </p:style>
+        <p:txBody>
+          <a:bodyPr rtlCol="0" anchor="ctr"/>
+          <a:lstStyle/>
+          <a:p>
+            <a:pPr algn="ctr"/>
+            <a:endParaRPr lang="ko-KR" altLang="en-US"/>
+          </a:p>
+        </p:txBody>
+      </p:sp>
+      <p:sp>
+        <p:nvSpPr>
+          <p:cNvPr id="120" name="직사각형 119"/>
+          <p:cNvSpPr/>
+          <p:nvPr/>
+        </p:nvSpPr>
+        <p:spPr>
+          <a:xfrm rot="5400000">
+            <a:off x="1518065" y="3004304"/>
+            <a:ext cx="585788" cy="586800"/>
+          </a:xfrm>
+          <a:prstGeom prst="rect">
+            <a:avLst/>
+          </a:prstGeom>
+          <a:solidFill>
+            <a:srgbClr val="6E3232"/>
+          </a:solidFill>
+          <a:ln w="38100">
+            <a:solidFill>
+              <a:schemeClr val="tx1"/>
+            </a:solidFill>
+          </a:ln>
+        </p:spPr>
+        <p:style>
+          <a:lnRef idx="2">
+            <a:schemeClr val="accent1">
+              <a:shade val="50000"/>
+            </a:schemeClr>
+          </a:lnRef>
+          <a:fillRef idx="1">
+            <a:schemeClr val="accent1"/>
+          </a:fillRef>
+          <a:effectRef idx="0">
+            <a:schemeClr val="accent1"/>
+          </a:effectRef>
+          <a:fontRef idx="minor">
+            <a:schemeClr val="lt1"/>
+          </a:fontRef>
+        </p:style>
+        <p:txBody>
+          <a:bodyPr rtlCol="0" anchor="ctr"/>
+          <a:lstStyle/>
+          <a:p>
+            <a:pPr algn="ctr"/>
+            <a:endParaRPr lang="ko-KR" altLang="en-US"/>
+          </a:p>
+        </p:txBody>
+      </p:sp>
+      <p:sp>
+        <p:nvSpPr>
+          <p:cNvPr id="121" name="직사각형 120"/>
+          <p:cNvSpPr/>
+          <p:nvPr/>
+        </p:nvSpPr>
+        <p:spPr>
+          <a:xfrm rot="5400000">
+            <a:off x="2102840" y="3004304"/>
+            <a:ext cx="585788" cy="586800"/>
+          </a:xfrm>
+          <a:prstGeom prst="rect">
+            <a:avLst/>
+          </a:prstGeom>
+          <a:solidFill>
+            <a:srgbClr val="6E3232"/>
+          </a:solidFill>
+          <a:ln w="38100">
+            <a:solidFill>
+              <a:schemeClr val="tx1"/>
+            </a:solidFill>
+          </a:ln>
+        </p:spPr>
+        <p:style>
+          <a:lnRef idx="2">
+            <a:schemeClr val="accent1">
+              <a:shade val="50000"/>
+            </a:schemeClr>
+          </a:lnRef>
+          <a:fillRef idx="1">
+            <a:schemeClr val="accent1"/>
+          </a:fillRef>
+          <a:effectRef idx="0">
+            <a:schemeClr val="accent1"/>
+          </a:effectRef>
+          <a:fontRef idx="minor">
+            <a:schemeClr val="lt1"/>
+          </a:fontRef>
+        </p:style>
+        <p:txBody>
+          <a:bodyPr rtlCol="0" anchor="ctr"/>
+          <a:lstStyle/>
+          <a:p>
+            <a:pPr algn="ctr"/>
+            <a:endParaRPr lang="ko-KR" altLang="en-US"/>
+          </a:p>
+        </p:txBody>
+      </p:sp>
+      <p:grpSp>
+        <p:nvGrpSpPr>
+          <p:cNvPr id="33" name="그룹 32"/>
+          <p:cNvGrpSpPr/>
+          <p:nvPr/>
+        </p:nvGrpSpPr>
+        <p:grpSpPr>
+          <a:xfrm rot="10800000">
+            <a:off x="111233" y="2419022"/>
+            <a:ext cx="1171575" cy="1757364"/>
+            <a:chOff x="8475140" y="2087218"/>
+            <a:chExt cx="1171575" cy="1757364"/>
+          </a:xfrm>
+        </p:grpSpPr>
+        <p:sp>
+          <p:nvSpPr>
+            <p:cNvPr id="122" name="직사각형 121"/>
+            <p:cNvSpPr/>
+            <p:nvPr/>
+          </p:nvSpPr>
+          <p:spPr>
+            <a:xfrm rot="5400000">
+              <a:off x="8475646" y="2086712"/>
+              <a:ext cx="585788" cy="586800"/>
+            </a:xfrm>
+            <a:prstGeom prst="rect">
+              <a:avLst/>
+            </a:prstGeom>
+            <a:solidFill>
+              <a:srgbClr val="6E3232"/>
+            </a:solidFill>
+            <a:ln w="38100">
+              <a:solidFill>
+                <a:schemeClr val="tx1"/>
+              </a:solidFill>
+            </a:ln>
+          </p:spPr>
+          <p:style>
+            <a:lnRef idx="2">
+              <a:schemeClr val="accent1">
+                <a:shade val="50000"/>
+              </a:schemeClr>
+            </a:lnRef>
+            <a:fillRef idx="1">
+              <a:schemeClr val="accent1"/>
+            </a:fillRef>
+            <a:effectRef idx="0">
+              <a:schemeClr val="accent1"/>
+            </a:effectRef>
+            <a:fontRef idx="minor">
+              <a:schemeClr val="lt1"/>
+            </a:fontRef>
+          </p:style>
+          <p:txBody>
+            <a:bodyPr rtlCol="0" anchor="ctr"/>
+            <a:lstStyle/>
+            <a:p>
+              <a:pPr algn="ctr"/>
+              <a:endParaRPr lang="ko-KR" altLang="en-US"/>
+            </a:p>
+          </p:txBody>
+        </p:sp>
+        <p:sp>
+          <p:nvSpPr>
+            <p:cNvPr id="123" name="직사각형 122"/>
+            <p:cNvSpPr/>
+            <p:nvPr/>
+          </p:nvSpPr>
+          <p:spPr>
+            <a:xfrm rot="5400000">
+              <a:off x="8476659" y="3258288"/>
+              <a:ext cx="585788" cy="586800"/>
+            </a:xfrm>
+            <a:prstGeom prst="rect">
+              <a:avLst/>
+            </a:prstGeom>
+            <a:solidFill>
+              <a:srgbClr val="6E3232"/>
+            </a:solidFill>
+            <a:ln w="38100">
+              <a:solidFill>
+                <a:schemeClr val="tx1"/>
+              </a:solidFill>
+            </a:ln>
+          </p:spPr>
+          <p:style>
+            <a:lnRef idx="2">
+              <a:schemeClr val="accent1">
+                <a:shade val="50000"/>
+              </a:schemeClr>
+            </a:lnRef>
+            <a:fillRef idx="1">
+              <a:schemeClr val="accent1"/>
+            </a:fillRef>
+            <a:effectRef idx="0">
+              <a:schemeClr val="accent1"/>
+            </a:effectRef>
+            <a:fontRef idx="minor">
+              <a:schemeClr val="lt1"/>
+            </a:fontRef>
+          </p:style>
+          <p:txBody>
+            <a:bodyPr rtlCol="0" anchor="ctr"/>
+            <a:lstStyle/>
+            <a:p>
+              <a:pPr algn="ctr"/>
+              <a:endParaRPr lang="ko-KR" altLang="en-US"/>
+            </a:p>
+          </p:txBody>
+        </p:sp>
+        <p:sp>
+          <p:nvSpPr>
+            <p:cNvPr id="124" name="직사각형 123"/>
+            <p:cNvSpPr/>
+            <p:nvPr/>
+          </p:nvSpPr>
+          <p:spPr>
+            <a:xfrm rot="5400000">
+              <a:off x="8475646" y="2672500"/>
+              <a:ext cx="585788" cy="586800"/>
+            </a:xfrm>
+            <a:prstGeom prst="rect">
+              <a:avLst/>
+            </a:prstGeom>
+            <a:solidFill>
+              <a:srgbClr val="6E3232"/>
+            </a:solidFill>
+            <a:ln w="38100">
+              <a:solidFill>
+                <a:schemeClr val="tx1"/>
+              </a:solidFill>
+            </a:ln>
+          </p:spPr>
+          <p:style>
+            <a:lnRef idx="2">
+              <a:schemeClr val="accent1">
+                <a:shade val="50000"/>
+              </a:schemeClr>
+            </a:lnRef>
+            <a:fillRef idx="1">
+              <a:schemeClr val="accent1"/>
+            </a:fillRef>
+            <a:effectRef idx="0">
+              <a:schemeClr val="accent1"/>
+            </a:effectRef>
+            <a:fontRef idx="minor">
+              <a:schemeClr val="lt1"/>
+            </a:fontRef>
+          </p:style>
+          <p:txBody>
+            <a:bodyPr rtlCol="0" anchor="ctr"/>
+            <a:lstStyle/>
+            <a:p>
+              <a:pPr algn="ctr"/>
+              <a:endParaRPr lang="ko-KR" altLang="en-US"/>
+            </a:p>
+          </p:txBody>
+        </p:sp>
+        <p:sp>
+          <p:nvSpPr>
+            <p:cNvPr id="125" name="직사각형 124"/>
+            <p:cNvSpPr/>
+            <p:nvPr/>
+          </p:nvSpPr>
+          <p:spPr>
+            <a:xfrm rot="5400000">
+              <a:off x="9060421" y="2672500"/>
+              <a:ext cx="585788" cy="586800"/>
+            </a:xfrm>
+            <a:prstGeom prst="rect">
+              <a:avLst/>
+            </a:prstGeom>
+            <a:solidFill>
+              <a:srgbClr val="6E3232"/>
+            </a:solidFill>
+            <a:ln w="38100">
+              <a:solidFill>
+                <a:schemeClr val="tx1"/>
+              </a:solidFill>
+            </a:ln>
+          </p:spPr>
+          <p:style>
+            <a:lnRef idx="2">
+              <a:schemeClr val="accent1">
+                <a:shade val="50000"/>
+              </a:schemeClr>
+            </a:lnRef>
+            <a:fillRef idx="1">
+              <a:schemeClr val="accent1"/>
+            </a:fillRef>
+            <a:effectRef idx="0">
+              <a:schemeClr val="accent1"/>
+            </a:effectRef>
+            <a:fontRef idx="minor">
+              <a:schemeClr val="lt1"/>
+            </a:fontRef>
+          </p:style>
+          <p:txBody>
+            <a:bodyPr rtlCol="0" anchor="ctr"/>
+            <a:lstStyle/>
+            <a:p>
+              <a:pPr algn="ctr"/>
+              <a:endParaRPr lang="ko-KR" altLang="en-US"/>
+            </a:p>
+          </p:txBody>
+        </p:sp>
+      </p:grpSp>
+      <p:grpSp>
+        <p:nvGrpSpPr>
+          <p:cNvPr id="34" name="그룹 33"/>
+          <p:cNvGrpSpPr/>
+          <p:nvPr/>
+        </p:nvGrpSpPr>
+        <p:grpSpPr>
+          <a:xfrm rot="16200000">
+            <a:off x="1695547" y="5195516"/>
+            <a:ext cx="1170563" cy="1758376"/>
+            <a:chOff x="1518065" y="4601080"/>
+            <a:chExt cx="1170563" cy="1758376"/>
+          </a:xfrm>
+        </p:grpSpPr>
+        <p:sp>
+          <p:nvSpPr>
+            <p:cNvPr id="126" name="직사각형 125"/>
+            <p:cNvSpPr/>
+            <p:nvPr/>
+          </p:nvSpPr>
+          <p:spPr>
+            <a:xfrm>
+              <a:off x="1518065" y="4601080"/>
+              <a:ext cx="585788" cy="586800"/>
+            </a:xfrm>
+            <a:prstGeom prst="rect">
+              <a:avLst/>
+            </a:prstGeom>
+            <a:solidFill>
+              <a:srgbClr val="6E3232"/>
+            </a:solidFill>
+            <a:ln w="38100">
+              <a:solidFill>
+                <a:schemeClr val="tx1"/>
+              </a:solidFill>
+            </a:ln>
+          </p:spPr>
+          <p:style>
+            <a:lnRef idx="2">
+              <a:schemeClr val="accent1">
+                <a:shade val="50000"/>
+              </a:schemeClr>
+            </a:lnRef>
+            <a:fillRef idx="1">
+              <a:schemeClr val="accent1"/>
+            </a:fillRef>
+            <a:effectRef idx="0">
+              <a:schemeClr val="accent1"/>
+            </a:effectRef>
+            <a:fontRef idx="minor">
+              <a:schemeClr val="lt1"/>
+            </a:fontRef>
+          </p:style>
+          <p:txBody>
+            <a:bodyPr rtlCol="0" anchor="ctr"/>
+            <a:lstStyle/>
+            <a:p>
+              <a:pPr algn="ctr"/>
+              <a:endParaRPr lang="ko-KR" altLang="en-US"/>
+            </a:p>
+          </p:txBody>
+        </p:sp>
+        <p:sp>
+          <p:nvSpPr>
+            <p:cNvPr id="127" name="직사각형 126"/>
+            <p:cNvSpPr/>
+            <p:nvPr/>
+          </p:nvSpPr>
+          <p:spPr>
+            <a:xfrm>
+              <a:off x="1519078" y="5772656"/>
+              <a:ext cx="585788" cy="586800"/>
+            </a:xfrm>
+            <a:prstGeom prst="rect">
+              <a:avLst/>
+            </a:prstGeom>
+            <a:solidFill>
+              <a:srgbClr val="6E3232"/>
+            </a:solidFill>
+            <a:ln w="38100">
+              <a:solidFill>
+                <a:schemeClr val="tx1"/>
+              </a:solidFill>
+            </a:ln>
+          </p:spPr>
+          <p:style>
+            <a:lnRef idx="2">
+              <a:schemeClr val="accent1">
+                <a:shade val="50000"/>
+              </a:schemeClr>
+            </a:lnRef>
+            <a:fillRef idx="1">
+              <a:schemeClr val="accent1"/>
+            </a:fillRef>
+            <a:effectRef idx="0">
+              <a:schemeClr val="accent1"/>
+            </a:effectRef>
+            <a:fontRef idx="minor">
+              <a:schemeClr val="lt1"/>
+            </a:fontRef>
+          </p:style>
+          <p:txBody>
+            <a:bodyPr rtlCol="0" anchor="ctr"/>
+            <a:lstStyle/>
+            <a:p>
+              <a:pPr algn="ctr"/>
+              <a:endParaRPr lang="ko-KR" altLang="en-US"/>
+            </a:p>
+          </p:txBody>
+        </p:sp>
+        <p:sp>
+          <p:nvSpPr>
+            <p:cNvPr id="128" name="직사각형 127"/>
+            <p:cNvSpPr/>
+            <p:nvPr/>
+          </p:nvSpPr>
+          <p:spPr>
+            <a:xfrm>
+              <a:off x="1518065" y="5186868"/>
+              <a:ext cx="585788" cy="586800"/>
+            </a:xfrm>
+            <a:prstGeom prst="rect">
+              <a:avLst/>
+            </a:prstGeom>
+            <a:solidFill>
+              <a:srgbClr val="6E3232"/>
+            </a:solidFill>
+            <a:ln w="38100">
+              <a:solidFill>
+                <a:schemeClr val="tx1"/>
+              </a:solidFill>
+            </a:ln>
+          </p:spPr>
+          <p:style>
+            <a:lnRef idx="2">
+              <a:schemeClr val="accent1">
+                <a:shade val="50000"/>
+              </a:schemeClr>
+            </a:lnRef>
+            <a:fillRef idx="1">
+              <a:schemeClr val="accent1"/>
+            </a:fillRef>
+            <a:effectRef idx="0">
+              <a:schemeClr val="accent1"/>
+            </a:effectRef>
+            <a:fontRef idx="minor">
+              <a:schemeClr val="lt1"/>
+            </a:fontRef>
+          </p:style>
+          <p:txBody>
+            <a:bodyPr rtlCol="0" anchor="ctr"/>
+            <a:lstStyle/>
+            <a:p>
+              <a:pPr algn="ctr"/>
+              <a:endParaRPr lang="ko-KR" altLang="en-US"/>
+            </a:p>
+          </p:txBody>
+        </p:sp>
+        <p:sp>
+          <p:nvSpPr>
+            <p:cNvPr id="129" name="직사각형 128"/>
+            <p:cNvSpPr/>
+            <p:nvPr/>
+          </p:nvSpPr>
+          <p:spPr>
+            <a:xfrm>
+              <a:off x="2102840" y="5186868"/>
+              <a:ext cx="585788" cy="586800"/>
+            </a:xfrm>
+            <a:prstGeom prst="rect">
+              <a:avLst/>
+            </a:prstGeom>
+            <a:solidFill>
+              <a:srgbClr val="6E3232"/>
+            </a:solidFill>
+            <a:ln w="38100">
+              <a:solidFill>
+                <a:schemeClr val="tx1"/>
+              </a:solidFill>
+            </a:ln>
+          </p:spPr>
+          <p:style>
+            <a:lnRef idx="2">
+              <a:schemeClr val="accent1">
+                <a:shade val="50000"/>
+              </a:schemeClr>
+            </a:lnRef>
+            <a:fillRef idx="1">
+              <a:schemeClr val="accent1"/>
+            </a:fillRef>
+            <a:effectRef idx="0">
+              <a:schemeClr val="accent1"/>
+            </a:effectRef>
+            <a:fontRef idx="minor">
+              <a:schemeClr val="lt1"/>
+            </a:fontRef>
+          </p:style>
+          <p:txBody>
+            <a:bodyPr rtlCol="0" anchor="ctr"/>
+            <a:lstStyle/>
+            <a:p>
+              <a:pPr algn="ctr"/>
+              <a:endParaRPr lang="ko-KR" altLang="en-US"/>
+            </a:p>
+          </p:txBody>
+        </p:sp>
+      </p:grpSp>
+      <p:grpSp>
+        <p:nvGrpSpPr>
+          <p:cNvPr id="130" name="그룹 129"/>
+          <p:cNvGrpSpPr/>
+          <p:nvPr/>
+        </p:nvGrpSpPr>
+        <p:grpSpPr>
+          <a:xfrm rot="5400000">
+            <a:off x="345180" y="4978105"/>
+            <a:ext cx="1171575" cy="1757364"/>
+            <a:chOff x="8475140" y="2087218"/>
+            <a:chExt cx="1171575" cy="1757364"/>
+          </a:xfrm>
+        </p:grpSpPr>
+        <p:sp>
+          <p:nvSpPr>
+            <p:cNvPr id="131" name="직사각형 130"/>
+            <p:cNvSpPr/>
+            <p:nvPr/>
+          </p:nvSpPr>
+          <p:spPr>
+            <a:xfrm rot="5400000">
+              <a:off x="8475646" y="2086712"/>
+              <a:ext cx="585788" cy="586800"/>
+            </a:xfrm>
+            <a:prstGeom prst="rect">
+              <a:avLst/>
+            </a:prstGeom>
+            <a:solidFill>
+              <a:srgbClr val="6E3232"/>
+            </a:solidFill>
+            <a:ln w="38100">
+              <a:solidFill>
+                <a:schemeClr val="tx1"/>
+              </a:solidFill>
+            </a:ln>
+          </p:spPr>
+          <p:style>
+            <a:lnRef idx="2">
+              <a:schemeClr val="accent1">
+                <a:shade val="50000"/>
+              </a:schemeClr>
+            </a:lnRef>
+            <a:fillRef idx="1">
+              <a:schemeClr val="accent1"/>
+            </a:fillRef>
+            <a:effectRef idx="0">
+              <a:schemeClr val="accent1"/>
+            </a:effectRef>
+            <a:fontRef idx="minor">
+              <a:schemeClr val="lt1"/>
+            </a:fontRef>
+          </p:style>
+          <p:txBody>
+            <a:bodyPr rtlCol="0" anchor="ctr"/>
+            <a:lstStyle/>
+            <a:p>
+              <a:pPr algn="ctr"/>
+              <a:endParaRPr lang="ko-KR" altLang="en-US"/>
+            </a:p>
+          </p:txBody>
+        </p:sp>
+        <p:sp>
+          <p:nvSpPr>
+            <p:cNvPr id="132" name="직사각형 131"/>
+            <p:cNvSpPr/>
+            <p:nvPr/>
+          </p:nvSpPr>
+          <p:spPr>
+            <a:xfrm rot="5400000">
+              <a:off x="8476659" y="3258288"/>
+              <a:ext cx="585788" cy="586800"/>
+            </a:xfrm>
+            <a:prstGeom prst="rect">
+              <a:avLst/>
+            </a:prstGeom>
+            <a:solidFill>
+              <a:srgbClr val="6E3232"/>
+            </a:solidFill>
+            <a:ln w="38100">
+              <a:solidFill>
+                <a:schemeClr val="tx1"/>
+              </a:solidFill>
+            </a:ln>
+          </p:spPr>
+          <p:style>
+            <a:lnRef idx="2">
+              <a:schemeClr val="accent1">
+                <a:shade val="50000"/>
+              </a:schemeClr>
+            </a:lnRef>
+            <a:fillRef idx="1">
+              <a:schemeClr val="accent1"/>
+            </a:fillRef>
+            <a:effectRef idx="0">
+              <a:schemeClr val="accent1"/>
+            </a:effectRef>
+            <a:fontRef idx="minor">
+              <a:schemeClr val="lt1"/>
+            </a:fontRef>
+          </p:style>
+          <p:txBody>
+            <a:bodyPr rtlCol="0" anchor="ctr"/>
+            <a:lstStyle/>
+            <a:p>
+              <a:pPr algn="ctr"/>
+              <a:endParaRPr lang="ko-KR" altLang="en-US"/>
+            </a:p>
+          </p:txBody>
+        </p:sp>
+        <p:sp>
+          <p:nvSpPr>
+            <p:cNvPr id="133" name="직사각형 132"/>
+            <p:cNvSpPr/>
+            <p:nvPr/>
+          </p:nvSpPr>
+          <p:spPr>
+            <a:xfrm rot="5400000">
+              <a:off x="8475646" y="2672500"/>
+              <a:ext cx="585788" cy="586800"/>
+            </a:xfrm>
+            <a:prstGeom prst="rect">
+              <a:avLst/>
+            </a:prstGeom>
+            <a:solidFill>
+              <a:srgbClr val="6E3232"/>
+            </a:solidFill>
+            <a:ln w="38100">
+              <a:solidFill>
+                <a:schemeClr val="tx1"/>
+              </a:solidFill>
+            </a:ln>
+          </p:spPr>
+          <p:style>
+            <a:lnRef idx="2">
+              <a:schemeClr val="accent1">
+                <a:shade val="50000"/>
+              </a:schemeClr>
+            </a:lnRef>
+            <a:fillRef idx="1">
+              <a:schemeClr val="accent1"/>
+            </a:fillRef>
+            <a:effectRef idx="0">
+              <a:schemeClr val="accent1"/>
+            </a:effectRef>
+            <a:fontRef idx="minor">
+              <a:schemeClr val="lt1"/>
+            </a:fontRef>
+          </p:style>
+          <p:txBody>
+            <a:bodyPr rtlCol="0" anchor="ctr"/>
+            <a:lstStyle/>
+            <a:p>
+              <a:pPr algn="ctr"/>
+              <a:endParaRPr lang="ko-KR" altLang="en-US"/>
+            </a:p>
+          </p:txBody>
+        </p:sp>
+        <p:sp>
+          <p:nvSpPr>
+            <p:cNvPr id="134" name="직사각형 133"/>
+            <p:cNvSpPr/>
+            <p:nvPr/>
+          </p:nvSpPr>
+          <p:spPr>
+            <a:xfrm rot="5400000">
+              <a:off x="9060421" y="2672500"/>
+              <a:ext cx="585788" cy="586800"/>
+            </a:xfrm>
+            <a:prstGeom prst="rect">
+              <a:avLst/>
+            </a:prstGeom>
+            <a:solidFill>
+              <a:srgbClr val="6E3232"/>
+            </a:solidFill>
+            <a:ln w="38100">
+              <a:solidFill>
+                <a:schemeClr val="tx1"/>
+              </a:solidFill>
+            </a:ln>
+          </p:spPr>
+          <p:style>
+            <a:lnRef idx="2">
+              <a:schemeClr val="accent1">
+                <a:shade val="50000"/>
+              </a:schemeClr>
+            </a:lnRef>
+            <a:fillRef idx="1">
+              <a:schemeClr val="accent1"/>
+            </a:fillRef>
+            <a:effectRef idx="0">
+              <a:schemeClr val="accent1"/>
+            </a:effectRef>
+            <a:fontRef idx="minor">
+              <a:schemeClr val="lt1"/>
+            </a:fontRef>
+          </p:style>
+          <p:txBody>
+            <a:bodyPr rtlCol="0" anchor="ctr"/>
+            <a:lstStyle/>
+            <a:p>
+              <a:pPr algn="ctr"/>
+              <a:endParaRPr lang="ko-KR" altLang="en-US"/>
+            </a:p>
+          </p:txBody>
+        </p:sp>
+      </p:grpSp>
+      <p:sp>
+        <p:nvSpPr>
+          <p:cNvPr id="4" name="직사각형 3"/>
+          <p:cNvSpPr/>
+          <p:nvPr/>
+        </p:nvSpPr>
+        <p:spPr>
+          <a:xfrm>
+            <a:off x="3035964" y="2193579"/>
+            <a:ext cx="585788" cy="591628"/>
+          </a:xfrm>
+          <a:prstGeom prst="rect">
+            <a:avLst/>
+          </a:prstGeom>
+          <a:solidFill>
+            <a:srgbClr val="6E3232"/>
+          </a:solidFill>
+          <a:ln w="38100">
+            <a:solidFill>
+              <a:schemeClr val="tx1"/>
+            </a:solidFill>
+          </a:ln>
+        </p:spPr>
+        <p:style>
+          <a:lnRef idx="2">
+            <a:schemeClr val="accent1">
+              <a:shade val="50000"/>
+            </a:schemeClr>
+          </a:lnRef>
+          <a:fillRef idx="1">
+            <a:schemeClr val="accent1"/>
+          </a:fillRef>
+          <a:effectRef idx="0">
+            <a:schemeClr val="accent1"/>
+          </a:effectRef>
+          <a:fontRef idx="minor">
+            <a:schemeClr val="lt1"/>
+          </a:fontRef>
+        </p:style>
+        <p:txBody>
+          <a:bodyPr rtlCol="0" anchor="ctr"/>
+          <a:lstStyle/>
+          <a:p>
+            <a:pPr algn="ctr"/>
+            <a:endParaRPr lang="ko-KR" altLang="en-US"/>
+          </a:p>
+        </p:txBody>
+      </p:sp>
+      <p:sp>
+        <p:nvSpPr>
+          <p:cNvPr id="81" name="팔각형 80"/>
+          <p:cNvSpPr/>
+          <p:nvPr/>
+        </p:nvSpPr>
+        <p:spPr>
+          <a:xfrm>
+            <a:off x="3096188" y="2262185"/>
+            <a:ext cx="465340" cy="465340"/>
+          </a:xfrm>
+          <a:prstGeom prst="octagon">
+            <a:avLst>
+              <a:gd name="adj" fmla="val 11945"/>
+            </a:avLst>
+          </a:prstGeom>
+          <a:solidFill>
+            <a:srgbClr val="838D90"/>
+          </a:solidFill>
+          <a:ln w="38100">
+            <a:solidFill>
+              <a:schemeClr val="tx1"/>
+            </a:solidFill>
+          </a:ln>
+        </p:spPr>
+        <p:style>
+          <a:lnRef idx="2">
+            <a:schemeClr val="accent1">
+              <a:shade val="50000"/>
+            </a:schemeClr>
+          </a:lnRef>
+          <a:fillRef idx="1">
+            <a:schemeClr val="accent1"/>
+          </a:fillRef>
+          <a:effectRef idx="0">
+            <a:schemeClr val="accent1"/>
+          </a:effectRef>
+          <a:fontRef idx="minor">
+            <a:schemeClr val="lt1"/>
+          </a:fontRef>
+        </p:style>
+        <p:txBody>
+          <a:bodyPr rtlCol="0" anchor="ctr"/>
+          <a:lstStyle/>
+          <a:p>
+            <a:pPr algn="ctr"/>
+            <a:endParaRPr lang="ko-KR" altLang="en-US"/>
+          </a:p>
+        </p:txBody>
+      </p:sp>
+      <p:sp>
+        <p:nvSpPr>
+          <p:cNvPr id="82" name="팔각형 81"/>
+          <p:cNvSpPr/>
+          <p:nvPr/>
+        </p:nvSpPr>
+        <p:spPr>
+          <a:xfrm>
+            <a:off x="3181913" y="2347910"/>
+            <a:ext cx="293890" cy="293890"/>
+          </a:xfrm>
+          <a:prstGeom prst="octagon">
+            <a:avLst>
+              <a:gd name="adj" fmla="val 11945"/>
+            </a:avLst>
+          </a:prstGeom>
+          <a:solidFill>
+            <a:srgbClr val="6E3232"/>
+          </a:solidFill>
+          <a:ln w="38100">
+            <a:solidFill>
+              <a:schemeClr val="tx1"/>
+            </a:solidFill>
+          </a:ln>
+        </p:spPr>
+        <p:style>
+          <a:lnRef idx="2">
+            <a:schemeClr val="accent1">
+              <a:shade val="50000"/>
+            </a:schemeClr>
+          </a:lnRef>
+          <a:fillRef idx="1">
+            <a:schemeClr val="accent1"/>
+          </a:fillRef>
+          <a:effectRef idx="0">
+            <a:schemeClr val="accent1"/>
+          </a:effectRef>
+          <a:fontRef idx="minor">
+            <a:schemeClr val="lt1"/>
+          </a:fontRef>
+        </p:style>
+        <p:txBody>
+          <a:bodyPr rtlCol="0" anchor="ctr"/>
+          <a:lstStyle/>
+          <a:p>
+            <a:pPr algn="ctr"/>
+            <a:endParaRPr lang="ko-KR" altLang="en-US"/>
+          </a:p>
+        </p:txBody>
+      </p:sp>
+      <p:sp>
+        <p:nvSpPr>
+          <p:cNvPr id="27" name="직사각형 26"/>
+          <p:cNvSpPr/>
+          <p:nvPr/>
+        </p:nvSpPr>
+        <p:spPr>
+          <a:xfrm>
+            <a:off x="3054321" y="2760761"/>
+            <a:ext cx="548421" cy="58838"/>
+          </a:xfrm>
+          <a:prstGeom prst="rect">
+            <a:avLst/>
+          </a:prstGeom>
+          <a:solidFill>
+            <a:srgbClr val="6E3232"/>
+          </a:solidFill>
+          <a:ln w="38100">
+            <a:noFill/>
+          </a:ln>
+        </p:spPr>
+        <p:style>
+          <a:lnRef idx="2">
+            <a:schemeClr val="accent1">
+              <a:shade val="50000"/>
+            </a:schemeClr>
+          </a:lnRef>
+          <a:fillRef idx="1">
+            <a:schemeClr val="accent1"/>
+          </a:fillRef>
+          <a:effectRef idx="0">
+            <a:schemeClr val="accent1"/>
+          </a:effectRef>
+          <a:fontRef idx="minor">
+            <a:schemeClr val="lt1"/>
+          </a:fontRef>
+        </p:style>
+        <p:txBody>
+          <a:bodyPr rtlCol="0" anchor="ctr"/>
+          <a:lstStyle/>
+          <a:p>
+            <a:pPr algn="ctr"/>
+            <a:endParaRPr lang="ko-KR" altLang="en-US"/>
+          </a:p>
+        </p:txBody>
+      </p:sp>
+      <p:sp>
+        <p:nvSpPr>
+          <p:cNvPr id="29" name="직사각형 28"/>
+          <p:cNvSpPr/>
+          <p:nvPr/>
+        </p:nvSpPr>
+        <p:spPr>
+          <a:xfrm>
+            <a:off x="3253193" y="2727525"/>
+            <a:ext cx="153554" cy="180178"/>
+          </a:xfrm>
+          <a:prstGeom prst="rect">
+            <a:avLst/>
+          </a:prstGeom>
+          <a:solidFill>
+            <a:srgbClr val="838D90"/>
+          </a:solidFill>
+          <a:ln w="38100">
+            <a:solidFill>
+              <a:schemeClr val="tx1"/>
+            </a:solidFill>
+          </a:ln>
+        </p:spPr>
+        <p:style>
+          <a:lnRef idx="2">
+            <a:schemeClr val="accent1">
+              <a:shade val="50000"/>
+            </a:schemeClr>
+          </a:lnRef>
+          <a:fillRef idx="1">
+            <a:schemeClr val="accent1"/>
+          </a:fillRef>
+          <a:effectRef idx="0">
+            <a:schemeClr val="accent1"/>
+          </a:effectRef>
+          <a:fontRef idx="minor">
+            <a:schemeClr val="lt1"/>
+          </a:fontRef>
+        </p:style>
+        <p:txBody>
+          <a:bodyPr rtlCol="0" anchor="ctr"/>
+          <a:lstStyle/>
+          <a:p>
+            <a:pPr algn="ctr"/>
+            <a:endParaRPr lang="ko-KR" altLang="en-US"/>
+          </a:p>
+        </p:txBody>
+      </p:sp>
+      <p:sp>
+        <p:nvSpPr>
+          <p:cNvPr id="31" name="양쪽 모서리가 잘린 사각형 30"/>
+          <p:cNvSpPr/>
+          <p:nvPr/>
+        </p:nvSpPr>
+        <p:spPr>
+          <a:xfrm rot="16200000">
+            <a:off x="3078396" y="2953820"/>
+            <a:ext cx="500928" cy="245873"/>
+          </a:xfrm>
+          <a:prstGeom prst="snip2SameRect">
+            <a:avLst>
+              <a:gd name="adj1" fmla="val 50000"/>
+              <a:gd name="adj2" fmla="val 50000"/>
+            </a:avLst>
+          </a:prstGeom>
+          <a:solidFill>
+            <a:srgbClr val="838D90"/>
+          </a:solidFill>
+          <a:ln w="38100">
+            <a:solidFill>
+              <a:schemeClr val="tx1"/>
+            </a:solidFill>
+          </a:ln>
+        </p:spPr>
+        <p:style>
+          <a:lnRef idx="2">
+            <a:schemeClr val="accent1">
+              <a:shade val="50000"/>
+            </a:schemeClr>
+          </a:lnRef>
+          <a:fillRef idx="1">
+            <a:schemeClr val="accent1"/>
+          </a:fillRef>
+          <a:effectRef idx="0">
+            <a:schemeClr val="accent1"/>
+          </a:effectRef>
+          <a:fontRef idx="minor">
+            <a:schemeClr val="lt1"/>
+          </a:fontRef>
+        </p:style>
+        <p:txBody>
+          <a:bodyPr rtlCol="0" anchor="ctr"/>
+          <a:lstStyle/>
+          <a:p>
+            <a:pPr algn="ctr"/>
+            <a:endParaRPr lang="ko-KR" altLang="en-US"/>
+          </a:p>
+        </p:txBody>
+      </p:sp>
+      <p:sp>
+        <p:nvSpPr>
+          <p:cNvPr id="83" name="양쪽 모서리가 잘린 사각형 82"/>
+          <p:cNvSpPr/>
+          <p:nvPr/>
+        </p:nvSpPr>
+        <p:spPr>
+          <a:xfrm rot="16200000">
+            <a:off x="3203463" y="3016491"/>
+            <a:ext cx="255364" cy="125342"/>
+          </a:xfrm>
+          <a:prstGeom prst="snip2SameRect">
+            <a:avLst>
+              <a:gd name="adj1" fmla="val 50000"/>
+              <a:gd name="adj2" fmla="val 50000"/>
+            </a:avLst>
+          </a:prstGeom>
+          <a:solidFill>
+            <a:srgbClr val="6E3232"/>
+          </a:solidFill>
+          <a:ln w="38100">
+            <a:solidFill>
+              <a:schemeClr val="tx1"/>
+            </a:solidFill>
+          </a:ln>
+        </p:spPr>
+        <p:style>
+          <a:lnRef idx="2">
+            <a:schemeClr val="accent1">
+              <a:shade val="50000"/>
+            </a:schemeClr>
+          </a:lnRef>
+          <a:fillRef idx="1">
+            <a:schemeClr val="accent1"/>
+          </a:fillRef>
+          <a:effectRef idx="0">
+            <a:schemeClr val="accent1"/>
+          </a:effectRef>
+          <a:fontRef idx="minor">
+            <a:schemeClr val="lt1"/>
+          </a:fontRef>
+        </p:style>
+        <p:txBody>
+          <a:bodyPr rtlCol="0" anchor="ctr"/>
+          <a:lstStyle/>
+          <a:p>
+            <a:pPr algn="ctr"/>
+            <a:endParaRPr lang="ko-KR" altLang="en-US"/>
+          </a:p>
+        </p:txBody>
+      </p:sp>
+      <p:sp>
+        <p:nvSpPr>
+          <p:cNvPr id="135" name="직사각형 134"/>
+          <p:cNvSpPr/>
+          <p:nvPr/>
+        </p:nvSpPr>
+        <p:spPr>
+          <a:xfrm>
+            <a:off x="3452872" y="2986596"/>
+            <a:ext cx="167089" cy="183012"/>
+          </a:xfrm>
+          <a:prstGeom prst="rect">
+            <a:avLst/>
+          </a:prstGeom>
+          <a:solidFill>
+            <a:srgbClr val="838D90"/>
+          </a:solidFill>
+          <a:ln w="38100">
+            <a:solidFill>
+              <a:schemeClr val="tx1"/>
+            </a:solidFill>
+          </a:ln>
+        </p:spPr>
+        <p:style>
+          <a:lnRef idx="2">
+            <a:schemeClr val="accent1">
+              <a:shade val="50000"/>
+            </a:schemeClr>
+          </a:lnRef>
+          <a:fillRef idx="1">
+            <a:schemeClr val="accent1"/>
+          </a:fillRef>
+          <a:effectRef idx="0">
+            <a:schemeClr val="accent1"/>
+          </a:effectRef>
+          <a:fontRef idx="minor">
+            <a:schemeClr val="lt1"/>
+          </a:fontRef>
+        </p:style>
+        <p:txBody>
+          <a:bodyPr rtlCol="0" anchor="ctr"/>
+          <a:lstStyle/>
+          <a:p>
+            <a:pPr algn="ctr"/>
+            <a:endParaRPr lang="ko-KR" altLang="en-US"/>
+          </a:p>
+        </p:txBody>
+      </p:sp>
+      <p:grpSp>
+        <p:nvGrpSpPr>
+          <p:cNvPr id="1029" name="그룹 1028"/>
+          <p:cNvGrpSpPr/>
+          <p:nvPr/>
+        </p:nvGrpSpPr>
+        <p:grpSpPr>
+          <a:xfrm>
+            <a:off x="3619961" y="2850837"/>
+            <a:ext cx="1102967" cy="450906"/>
+            <a:chOff x="3620738" y="2844185"/>
+            <a:chExt cx="1102190" cy="465340"/>
+          </a:xfrm>
+          <a:solidFill>
+            <a:srgbClr val="6E3232"/>
+          </a:solidFill>
+        </p:grpSpPr>
+        <p:sp>
+          <p:nvSpPr>
+            <p:cNvPr id="136" name="팔각형 135"/>
+            <p:cNvSpPr/>
+            <p:nvPr/>
+          </p:nvSpPr>
+          <p:spPr>
+            <a:xfrm>
+              <a:off x="3620738" y="2844185"/>
+              <a:ext cx="1102190" cy="465340"/>
+            </a:xfrm>
+            <a:prstGeom prst="octagon">
+              <a:avLst>
+                <a:gd name="adj" fmla="val 11945"/>
+              </a:avLst>
+            </a:prstGeom>
+            <a:grpFill/>
+            <a:ln w="38100">
+              <a:solidFill>
+                <a:schemeClr val="tx1"/>
+              </a:solidFill>
+            </a:ln>
+          </p:spPr>
+          <p:style>
+            <a:lnRef idx="2">
+              <a:schemeClr val="accent1">
+                <a:shade val="50000"/>
+              </a:schemeClr>
+            </a:lnRef>
+            <a:fillRef idx="1">
+              <a:schemeClr val="accent1"/>
+            </a:fillRef>
+            <a:effectRef idx="0">
+              <a:schemeClr val="accent1"/>
+            </a:effectRef>
+            <a:fontRef idx="minor">
+              <a:schemeClr val="lt1"/>
+            </a:fontRef>
+          </p:style>
+          <p:txBody>
+            <a:bodyPr rtlCol="0" anchor="ctr"/>
+            <a:lstStyle/>
+            <a:p>
+              <a:pPr algn="ctr"/>
+              <a:endParaRPr lang="ko-KR" altLang="en-US"/>
+            </a:p>
+          </p:txBody>
+        </p:sp>
+        <p:sp>
+          <p:nvSpPr>
+            <p:cNvPr id="61" name="이등변 삼각형 60"/>
+            <p:cNvSpPr/>
+            <p:nvPr/>
+          </p:nvSpPr>
+          <p:spPr>
+            <a:xfrm rot="5400000">
+              <a:off x="3676144" y="2932709"/>
+              <a:ext cx="212822" cy="290789"/>
+            </a:xfrm>
+            <a:prstGeom prst="triangle">
+              <a:avLst/>
+            </a:prstGeom>
+            <a:solidFill>
+              <a:srgbClr val="838D90"/>
+            </a:solidFill>
+            <a:ln w="19050">
+              <a:solidFill>
+                <a:schemeClr val="tx1"/>
+              </a:solidFill>
+            </a:ln>
+          </p:spPr>
+          <p:style>
+            <a:lnRef idx="2">
+              <a:schemeClr val="accent1">
+                <a:shade val="50000"/>
+              </a:schemeClr>
+            </a:lnRef>
+            <a:fillRef idx="1">
+              <a:schemeClr val="accent1"/>
+            </a:fillRef>
+            <a:effectRef idx="0">
+              <a:schemeClr val="accent1"/>
+            </a:effectRef>
+            <a:fontRef idx="minor">
+              <a:schemeClr val="lt1"/>
+            </a:fontRef>
+          </p:style>
+          <p:txBody>
+            <a:bodyPr rtlCol="0" anchor="ctr"/>
+            <a:lstStyle/>
+            <a:p>
+              <a:pPr algn="ctr"/>
+              <a:endParaRPr lang="ko-KR" altLang="en-US"/>
+            </a:p>
+          </p:txBody>
+        </p:sp>
+        <p:sp>
+          <p:nvSpPr>
+            <p:cNvPr id="141" name="이등변 삼각형 140"/>
+            <p:cNvSpPr/>
+            <p:nvPr/>
+          </p:nvSpPr>
+          <p:spPr>
+            <a:xfrm rot="16200000">
+              <a:off x="4462233" y="2932709"/>
+              <a:ext cx="212822" cy="290789"/>
+            </a:xfrm>
+            <a:prstGeom prst="triangle">
+              <a:avLst/>
+            </a:prstGeom>
+            <a:solidFill>
+              <a:srgbClr val="838D90"/>
+            </a:solidFill>
+            <a:ln w="19050">
+              <a:solidFill>
+                <a:schemeClr val="tx1"/>
+              </a:solidFill>
+            </a:ln>
+          </p:spPr>
+          <p:style>
+            <a:lnRef idx="2">
+              <a:schemeClr val="accent1">
+                <a:shade val="50000"/>
+              </a:schemeClr>
+            </a:lnRef>
+            <a:fillRef idx="1">
+              <a:schemeClr val="accent1"/>
+            </a:fillRef>
+            <a:effectRef idx="0">
+              <a:schemeClr val="accent1"/>
+            </a:effectRef>
+            <a:fontRef idx="minor">
+              <a:schemeClr val="lt1"/>
+            </a:fontRef>
+          </p:style>
+          <p:txBody>
+            <a:bodyPr rtlCol="0" anchor="ctr"/>
+            <a:lstStyle/>
+            <a:p>
+              <a:pPr algn="ctr"/>
+              <a:endParaRPr lang="ko-KR" altLang="en-US"/>
+            </a:p>
+          </p:txBody>
+        </p:sp>
+        <p:sp>
+          <p:nvSpPr>
+            <p:cNvPr id="142" name="이등변 삼각형 141"/>
+            <p:cNvSpPr/>
+            <p:nvPr/>
+          </p:nvSpPr>
+          <p:spPr>
+            <a:xfrm rot="10800000">
+              <a:off x="3878819" y="2862702"/>
+              <a:ext cx="586027" cy="121596"/>
+            </a:xfrm>
+            <a:prstGeom prst="triangle">
+              <a:avLst/>
+            </a:prstGeom>
+            <a:solidFill>
+              <a:srgbClr val="838D90"/>
+            </a:solidFill>
+            <a:ln w="19050">
+              <a:solidFill>
+                <a:schemeClr val="tx1"/>
+              </a:solidFill>
+            </a:ln>
+          </p:spPr>
+          <p:style>
+            <a:lnRef idx="2">
+              <a:schemeClr val="accent1">
+                <a:shade val="50000"/>
+              </a:schemeClr>
+            </a:lnRef>
+            <a:fillRef idx="1">
+              <a:schemeClr val="accent1"/>
+            </a:fillRef>
+            <a:effectRef idx="0">
+              <a:schemeClr val="accent1"/>
+            </a:effectRef>
+            <a:fontRef idx="minor">
+              <a:schemeClr val="lt1"/>
+            </a:fontRef>
+          </p:style>
+          <p:txBody>
+            <a:bodyPr rtlCol="0" anchor="ctr"/>
+            <a:lstStyle/>
+            <a:p>
+              <a:pPr algn="ctr"/>
+              <a:endParaRPr lang="ko-KR" altLang="en-US"/>
+            </a:p>
+          </p:txBody>
+        </p:sp>
+        <p:sp>
+          <p:nvSpPr>
+            <p:cNvPr id="143" name="이등변 삼각형 142"/>
+            <p:cNvSpPr/>
+            <p:nvPr/>
+          </p:nvSpPr>
+          <p:spPr>
+            <a:xfrm>
+              <a:off x="3878819" y="3178487"/>
+              <a:ext cx="586027" cy="121596"/>
+            </a:xfrm>
+            <a:prstGeom prst="triangle">
+              <a:avLst/>
+            </a:prstGeom>
+            <a:solidFill>
+              <a:srgbClr val="838D90"/>
+            </a:solidFill>
+            <a:ln w="19050">
+              <a:solidFill>
+                <a:schemeClr val="tx1"/>
+              </a:solidFill>
+            </a:ln>
+          </p:spPr>
+          <p:style>
+            <a:lnRef idx="2">
+              <a:schemeClr val="accent1">
+                <a:shade val="50000"/>
+              </a:schemeClr>
+            </a:lnRef>
+            <a:fillRef idx="1">
+              <a:schemeClr val="accent1"/>
+            </a:fillRef>
+            <a:effectRef idx="0">
+              <a:schemeClr val="accent1"/>
+            </a:effectRef>
+            <a:fontRef idx="minor">
+              <a:schemeClr val="lt1"/>
+            </a:fontRef>
+          </p:style>
+          <p:txBody>
+            <a:bodyPr rtlCol="0" anchor="ctr"/>
+            <a:lstStyle/>
+            <a:p>
+              <a:pPr algn="ctr"/>
+              <a:endParaRPr lang="ko-KR" altLang="en-US"/>
+            </a:p>
+          </p:txBody>
+        </p:sp>
+        <p:cxnSp>
+          <p:nvCxnSpPr>
+            <p:cNvPr id="36" name="직선 연결선 35"/>
+            <p:cNvCxnSpPr>
+              <a:stCxn id="136" idx="4"/>
+              <a:endCxn id="136" idx="7"/>
+            </p:cNvCxnSpPr>
+            <p:nvPr/>
+          </p:nvCxnSpPr>
+          <p:spPr>
+            <a:xfrm flipV="1">
+              <a:off x="3620738" y="2844185"/>
+              <a:ext cx="1046605" cy="409755"/>
+            </a:xfrm>
+            <a:prstGeom prst="line">
+              <a:avLst/>
+            </a:prstGeom>
+            <a:grpFill/>
+            <a:ln w="19050">
+              <a:solidFill>
+                <a:schemeClr val="tx1"/>
+              </a:solidFill>
+            </a:ln>
+          </p:spPr>
+          <p:style>
+            <a:lnRef idx="1">
+              <a:schemeClr val="accent1"/>
+            </a:lnRef>
+            <a:fillRef idx="0">
+              <a:schemeClr val="accent1"/>
+            </a:fillRef>
+            <a:effectRef idx="0">
+              <a:schemeClr val="accent1"/>
+            </a:effectRef>
+            <a:fontRef idx="minor">
+              <a:schemeClr val="tx1"/>
+            </a:fontRef>
+          </p:style>
+        </p:cxnSp>
+        <p:cxnSp>
+          <p:nvCxnSpPr>
+            <p:cNvPr id="137" name="직선 연결선 136"/>
+            <p:cNvCxnSpPr>
+              <a:stCxn id="136" idx="3"/>
+              <a:endCxn id="136" idx="0"/>
+            </p:cNvCxnSpPr>
+            <p:nvPr/>
+          </p:nvCxnSpPr>
+          <p:spPr>
+            <a:xfrm flipV="1">
+              <a:off x="3676323" y="2899770"/>
+              <a:ext cx="1046605" cy="409755"/>
+            </a:xfrm>
+            <a:prstGeom prst="line">
+              <a:avLst/>
+            </a:prstGeom>
+            <a:grpFill/>
+            <a:ln w="19050">
+              <a:solidFill>
+                <a:schemeClr val="tx1"/>
+              </a:solidFill>
+            </a:ln>
+          </p:spPr>
+          <p:style>
+            <a:lnRef idx="1">
+              <a:schemeClr val="accent1"/>
+            </a:lnRef>
+            <a:fillRef idx="0">
+              <a:schemeClr val="accent1"/>
+            </a:fillRef>
+            <a:effectRef idx="0">
+              <a:schemeClr val="accent1"/>
+            </a:effectRef>
+            <a:fontRef idx="minor">
+              <a:schemeClr val="tx1"/>
+            </a:fontRef>
+          </p:style>
+        </p:cxnSp>
+        <p:cxnSp>
+          <p:nvCxnSpPr>
+            <p:cNvPr id="138" name="직선 연결선 137"/>
+            <p:cNvCxnSpPr>
+              <a:stCxn id="136" idx="1"/>
+              <a:endCxn id="136" idx="6"/>
+            </p:cNvCxnSpPr>
+            <p:nvPr/>
+          </p:nvCxnSpPr>
+          <p:spPr>
+            <a:xfrm flipH="1" flipV="1">
+              <a:off x="3676323" y="2844185"/>
+              <a:ext cx="1046605" cy="409755"/>
+            </a:xfrm>
+            <a:prstGeom prst="line">
+              <a:avLst/>
+            </a:prstGeom>
+            <a:grpFill/>
+            <a:ln w="19050">
+              <a:solidFill>
+                <a:schemeClr val="tx1"/>
+              </a:solidFill>
+            </a:ln>
+          </p:spPr>
+          <p:style>
+            <a:lnRef idx="1">
+              <a:schemeClr val="accent1"/>
+            </a:lnRef>
+            <a:fillRef idx="0">
+              <a:schemeClr val="accent1"/>
+            </a:fillRef>
+            <a:effectRef idx="0">
+              <a:schemeClr val="accent1"/>
+            </a:effectRef>
+            <a:fontRef idx="minor">
+              <a:schemeClr val="tx1"/>
+            </a:fontRef>
+          </p:style>
+        </p:cxnSp>
+        <p:cxnSp>
+          <p:nvCxnSpPr>
+            <p:cNvPr id="139" name="직선 연결선 138"/>
+            <p:cNvCxnSpPr>
+              <a:stCxn id="136" idx="2"/>
+              <a:endCxn id="136" idx="5"/>
+            </p:cNvCxnSpPr>
+            <p:nvPr/>
+          </p:nvCxnSpPr>
+          <p:spPr>
+            <a:xfrm flipH="1" flipV="1">
+              <a:off x="3620738" y="2899770"/>
+              <a:ext cx="1046605" cy="409755"/>
+            </a:xfrm>
+            <a:prstGeom prst="line">
+              <a:avLst/>
+            </a:prstGeom>
+            <a:grpFill/>
+            <a:ln w="19050">
+              <a:solidFill>
+                <a:schemeClr val="tx1"/>
+              </a:solidFill>
+            </a:ln>
+          </p:spPr>
+          <p:style>
+            <a:lnRef idx="1">
+              <a:schemeClr val="accent1"/>
+            </a:lnRef>
+            <a:fillRef idx="0">
+              <a:schemeClr val="accent1"/>
+            </a:fillRef>
+            <a:effectRef idx="0">
+              <a:schemeClr val="accent1"/>
+            </a:effectRef>
+            <a:fontRef idx="minor">
+              <a:schemeClr val="tx1"/>
+            </a:fontRef>
+          </p:style>
+        </p:cxnSp>
+      </p:grpSp>
+      <p:sp>
+        <p:nvSpPr>
+          <p:cNvPr id="1030" name="다이아몬드 1029"/>
+          <p:cNvSpPr/>
+          <p:nvPr/>
+        </p:nvSpPr>
+        <p:spPr>
+          <a:xfrm>
+            <a:off x="4092224" y="3040466"/>
+            <a:ext cx="157400" cy="71806"/>
+          </a:xfrm>
+          <a:prstGeom prst="diamond">
+            <a:avLst/>
+          </a:prstGeom>
+          <a:solidFill>
+            <a:srgbClr val="838D90"/>
+          </a:solidFill>
+          <a:ln w="38100">
+            <a:noFill/>
+          </a:ln>
+        </p:spPr>
+        <p:style>
+          <a:lnRef idx="2">
+            <a:schemeClr val="accent1">
+              <a:shade val="50000"/>
+            </a:schemeClr>
+          </a:lnRef>
+          <a:fillRef idx="1">
+            <a:schemeClr val="accent1"/>
+          </a:fillRef>
+          <a:effectRef idx="0">
+            <a:schemeClr val="accent1"/>
+          </a:effectRef>
+          <a:fontRef idx="minor">
+            <a:schemeClr val="lt1"/>
+          </a:fontRef>
+        </p:style>
+        <p:txBody>
+          <a:bodyPr rtlCol="0" anchor="ctr"/>
+          <a:lstStyle/>
+          <a:p>
+            <a:pPr algn="ctr"/>
+            <a:endParaRPr lang="ko-KR" altLang="en-US"/>
+          </a:p>
+        </p:txBody>
+      </p:sp>
+      <p:sp>
+        <p:nvSpPr>
+          <p:cNvPr id="151" name="직사각형 150"/>
+          <p:cNvSpPr/>
+          <p:nvPr/>
+        </p:nvSpPr>
+        <p:spPr>
+          <a:xfrm rot="5400000">
+            <a:off x="5507125" y="2199422"/>
+            <a:ext cx="585788" cy="1757363"/>
+          </a:xfrm>
+          <a:prstGeom prst="rect">
+            <a:avLst/>
+          </a:prstGeom>
+          <a:solidFill>
+            <a:srgbClr val="6E3232"/>
+          </a:solidFill>
+          <a:ln w="38100">
+            <a:solidFill>
+              <a:schemeClr val="tx1"/>
+            </a:solidFill>
+          </a:ln>
+        </p:spPr>
+        <p:style>
+          <a:lnRef idx="2">
+            <a:schemeClr val="accent1">
+              <a:shade val="50000"/>
+            </a:schemeClr>
+          </a:lnRef>
+          <a:fillRef idx="1">
+            <a:schemeClr val="accent1"/>
+          </a:fillRef>
+          <a:effectRef idx="0">
+            <a:schemeClr val="accent1"/>
+          </a:effectRef>
+          <a:fontRef idx="minor">
+            <a:schemeClr val="lt1"/>
+          </a:fontRef>
+        </p:style>
+        <p:txBody>
+          <a:bodyPr rtlCol="0" anchor="ctr"/>
+          <a:lstStyle/>
+          <a:p>
+            <a:pPr algn="ctr"/>
+            <a:endParaRPr lang="ko-KR" altLang="en-US"/>
+          </a:p>
+        </p:txBody>
+      </p:sp>
+      <p:sp>
+        <p:nvSpPr>
+          <p:cNvPr id="152" name="직사각형 151"/>
+          <p:cNvSpPr/>
+          <p:nvPr/>
+        </p:nvSpPr>
+        <p:spPr>
+          <a:xfrm>
+            <a:off x="4921338" y="2193580"/>
+            <a:ext cx="585788" cy="591628"/>
+          </a:xfrm>
+          <a:prstGeom prst="rect">
+            <a:avLst/>
+          </a:prstGeom>
+          <a:solidFill>
+            <a:srgbClr val="6E3232"/>
+          </a:solidFill>
+          <a:ln w="38100">
+            <a:solidFill>
+              <a:schemeClr val="tx1"/>
+            </a:solidFill>
+          </a:ln>
+        </p:spPr>
+        <p:style>
+          <a:lnRef idx="2">
+            <a:schemeClr val="accent1">
+              <a:shade val="50000"/>
+            </a:schemeClr>
+          </a:lnRef>
+          <a:fillRef idx="1">
+            <a:schemeClr val="accent1"/>
+          </a:fillRef>
+          <a:effectRef idx="0">
+            <a:schemeClr val="accent1"/>
+          </a:effectRef>
+          <a:fontRef idx="minor">
+            <a:schemeClr val="lt1"/>
+          </a:fontRef>
+        </p:style>
+        <p:txBody>
+          <a:bodyPr rtlCol="0" anchor="ctr"/>
+          <a:lstStyle/>
+          <a:p>
+            <a:pPr algn="ctr"/>
+            <a:endParaRPr lang="ko-KR" altLang="en-US"/>
+          </a:p>
+        </p:txBody>
+      </p:sp>
+      <p:sp>
+        <p:nvSpPr>
+          <p:cNvPr id="153" name="팔각형 152"/>
+          <p:cNvSpPr/>
+          <p:nvPr/>
+        </p:nvSpPr>
+        <p:spPr>
+          <a:xfrm>
+            <a:off x="4981562" y="2262186"/>
+            <a:ext cx="465340" cy="465340"/>
+          </a:xfrm>
+          <a:prstGeom prst="octagon">
+            <a:avLst>
+              <a:gd name="adj" fmla="val 11945"/>
+            </a:avLst>
+          </a:prstGeom>
+          <a:solidFill>
+            <a:srgbClr val="838D90"/>
+          </a:solidFill>
+          <a:ln w="38100">
+            <a:solidFill>
+              <a:schemeClr val="tx1"/>
+            </a:solidFill>
+          </a:ln>
+        </p:spPr>
+        <p:style>
+          <a:lnRef idx="2">
+            <a:schemeClr val="accent1">
+              <a:shade val="50000"/>
+            </a:schemeClr>
+          </a:lnRef>
+          <a:fillRef idx="1">
+            <a:schemeClr val="accent1"/>
+          </a:fillRef>
+          <a:effectRef idx="0">
+            <a:schemeClr val="accent1"/>
+          </a:effectRef>
+          <a:fontRef idx="minor">
+            <a:schemeClr val="lt1"/>
+          </a:fontRef>
+        </p:style>
+        <p:txBody>
+          <a:bodyPr rtlCol="0" anchor="ctr"/>
+          <a:lstStyle/>
+          <a:p>
+            <a:pPr algn="ctr"/>
+            <a:endParaRPr lang="ko-KR" altLang="en-US"/>
+          </a:p>
+        </p:txBody>
+      </p:sp>
+      <p:sp>
+        <p:nvSpPr>
+          <p:cNvPr id="154" name="팔각형 153"/>
+          <p:cNvSpPr/>
+          <p:nvPr/>
+        </p:nvSpPr>
+        <p:spPr>
+          <a:xfrm>
+            <a:off x="5067287" y="2347911"/>
+            <a:ext cx="293890" cy="293890"/>
+          </a:xfrm>
+          <a:prstGeom prst="octagon">
+            <a:avLst>
+              <a:gd name="adj" fmla="val 11945"/>
+            </a:avLst>
+          </a:prstGeom>
+          <a:solidFill>
+            <a:srgbClr val="6E3232"/>
+          </a:solidFill>
+          <a:ln w="38100">
+            <a:solidFill>
+              <a:schemeClr val="tx1"/>
+            </a:solidFill>
+          </a:ln>
+        </p:spPr>
+        <p:style>
+          <a:lnRef idx="2">
+            <a:schemeClr val="accent1">
+              <a:shade val="50000"/>
+            </a:schemeClr>
+          </a:lnRef>
+          <a:fillRef idx="1">
+            <a:schemeClr val="accent1"/>
+          </a:fillRef>
+          <a:effectRef idx="0">
+            <a:schemeClr val="accent1"/>
+          </a:effectRef>
+          <a:fontRef idx="minor">
+            <a:schemeClr val="lt1"/>
+          </a:fontRef>
+        </p:style>
+        <p:txBody>
+          <a:bodyPr rtlCol="0" anchor="ctr"/>
+          <a:lstStyle/>
+          <a:p>
+            <a:pPr algn="ctr"/>
+            <a:endParaRPr lang="ko-KR" altLang="en-US"/>
+          </a:p>
+        </p:txBody>
+      </p:sp>
+      <p:sp>
+        <p:nvSpPr>
+          <p:cNvPr id="155" name="직사각형 154"/>
+          <p:cNvSpPr/>
+          <p:nvPr/>
+        </p:nvSpPr>
+        <p:spPr>
+          <a:xfrm>
+            <a:off x="4939695" y="2760762"/>
+            <a:ext cx="548421" cy="58838"/>
+          </a:xfrm>
+          <a:prstGeom prst="rect">
+            <a:avLst/>
+          </a:prstGeom>
+          <a:solidFill>
+            <a:srgbClr val="6E3232"/>
+          </a:solidFill>
+          <a:ln w="38100">
+            <a:noFill/>
+          </a:ln>
+        </p:spPr>
+        <p:style>
+          <a:lnRef idx="2">
+            <a:schemeClr val="accent1">
+              <a:shade val="50000"/>
+            </a:schemeClr>
+          </a:lnRef>
+          <a:fillRef idx="1">
+            <a:schemeClr val="accent1"/>
+          </a:fillRef>
+          <a:effectRef idx="0">
+            <a:schemeClr val="accent1"/>
+          </a:effectRef>
+          <a:fontRef idx="minor">
+            <a:schemeClr val="lt1"/>
+          </a:fontRef>
+        </p:style>
+        <p:txBody>
+          <a:bodyPr rtlCol="0" anchor="ctr"/>
+          <a:lstStyle/>
+          <a:p>
+            <a:pPr algn="ctr"/>
+            <a:endParaRPr lang="ko-KR" altLang="en-US"/>
+          </a:p>
+        </p:txBody>
+      </p:sp>
+      <p:sp>
+        <p:nvSpPr>
+          <p:cNvPr id="156" name="직사각형 155"/>
+          <p:cNvSpPr/>
+          <p:nvPr/>
+        </p:nvSpPr>
+        <p:spPr>
+          <a:xfrm>
+            <a:off x="5138567" y="2727526"/>
+            <a:ext cx="153554" cy="180178"/>
+          </a:xfrm>
+          <a:prstGeom prst="rect">
+            <a:avLst/>
+          </a:prstGeom>
+          <a:solidFill>
+            <a:srgbClr val="838D90"/>
+          </a:solidFill>
+          <a:ln w="38100">
+            <a:solidFill>
+              <a:schemeClr val="tx1"/>
+            </a:solidFill>
+          </a:ln>
+        </p:spPr>
+        <p:style>
+          <a:lnRef idx="2">
+            <a:schemeClr val="accent1">
+              <a:shade val="50000"/>
+            </a:schemeClr>
+          </a:lnRef>
+          <a:fillRef idx="1">
+            <a:schemeClr val="accent1"/>
+          </a:fillRef>
+          <a:effectRef idx="0">
+            <a:schemeClr val="accent1"/>
+          </a:effectRef>
+          <a:fontRef idx="minor">
+            <a:schemeClr val="lt1"/>
+          </a:fontRef>
+        </p:style>
+        <p:txBody>
+          <a:bodyPr rtlCol="0" anchor="ctr"/>
+          <a:lstStyle/>
+          <a:p>
+            <a:pPr algn="ctr"/>
+            <a:endParaRPr lang="ko-KR" altLang="en-US"/>
+          </a:p>
+        </p:txBody>
+      </p:sp>
+      <p:sp>
+        <p:nvSpPr>
+          <p:cNvPr id="157" name="양쪽 모서리가 잘린 사각형 156"/>
+          <p:cNvSpPr/>
+          <p:nvPr/>
+        </p:nvSpPr>
+        <p:spPr>
+          <a:xfrm rot="16200000">
+            <a:off x="4963770" y="2953821"/>
+            <a:ext cx="500928" cy="245873"/>
+          </a:xfrm>
+          <a:prstGeom prst="snip2SameRect">
+            <a:avLst>
+              <a:gd name="adj1" fmla="val 50000"/>
+              <a:gd name="adj2" fmla="val 50000"/>
+            </a:avLst>
+          </a:prstGeom>
+          <a:solidFill>
+            <a:srgbClr val="838D90"/>
+          </a:solidFill>
+          <a:ln w="38100">
+            <a:solidFill>
+              <a:schemeClr val="tx1"/>
+            </a:solidFill>
+          </a:ln>
+        </p:spPr>
+        <p:style>
+          <a:lnRef idx="2">
+            <a:schemeClr val="accent1">
+              <a:shade val="50000"/>
+            </a:schemeClr>
+          </a:lnRef>
+          <a:fillRef idx="1">
+            <a:schemeClr val="accent1"/>
+          </a:fillRef>
+          <a:effectRef idx="0">
+            <a:schemeClr val="accent1"/>
+          </a:effectRef>
+          <a:fontRef idx="minor">
+            <a:schemeClr val="lt1"/>
+          </a:fontRef>
+        </p:style>
+        <p:txBody>
+          <a:bodyPr rtlCol="0" anchor="ctr"/>
+          <a:lstStyle/>
+          <a:p>
+            <a:pPr algn="ctr"/>
+            <a:endParaRPr lang="ko-KR" altLang="en-US"/>
+          </a:p>
+        </p:txBody>
+      </p:sp>
+      <p:sp>
+        <p:nvSpPr>
+          <p:cNvPr id="158" name="양쪽 모서리가 잘린 사각형 157"/>
+          <p:cNvSpPr/>
+          <p:nvPr/>
+        </p:nvSpPr>
+        <p:spPr>
+          <a:xfrm rot="16200000">
+            <a:off x="5088837" y="3016492"/>
+            <a:ext cx="255364" cy="125342"/>
+          </a:xfrm>
+          <a:prstGeom prst="snip2SameRect">
+            <a:avLst>
+              <a:gd name="adj1" fmla="val 50000"/>
+              <a:gd name="adj2" fmla="val 50000"/>
+            </a:avLst>
+          </a:prstGeom>
+          <a:solidFill>
+            <a:srgbClr val="6E3232"/>
+          </a:solidFill>
+          <a:ln w="38100">
+            <a:solidFill>
+              <a:schemeClr val="tx1"/>
+            </a:solidFill>
+          </a:ln>
+        </p:spPr>
+        <p:style>
+          <a:lnRef idx="2">
+            <a:schemeClr val="accent1">
+              <a:shade val="50000"/>
+            </a:schemeClr>
+          </a:lnRef>
+          <a:fillRef idx="1">
+            <a:schemeClr val="accent1"/>
+          </a:fillRef>
+          <a:effectRef idx="0">
+            <a:schemeClr val="accent1"/>
+          </a:effectRef>
+          <a:fontRef idx="minor">
+            <a:schemeClr val="lt1"/>
+          </a:fontRef>
+        </p:style>
+        <p:txBody>
+          <a:bodyPr rtlCol="0" anchor="ctr"/>
+          <a:lstStyle/>
+          <a:p>
+            <a:pPr algn="ctr"/>
+            <a:endParaRPr lang="ko-KR" altLang="en-US"/>
+          </a:p>
+        </p:txBody>
+      </p:sp>
+      <p:sp>
+        <p:nvSpPr>
+          <p:cNvPr id="159" name="직사각형 158"/>
+          <p:cNvSpPr/>
+          <p:nvPr/>
+        </p:nvSpPr>
+        <p:spPr>
+          <a:xfrm>
+            <a:off x="5338246" y="2986597"/>
+            <a:ext cx="167089" cy="183012"/>
+          </a:xfrm>
+          <a:prstGeom prst="rect">
+            <a:avLst/>
+          </a:prstGeom>
+          <a:solidFill>
+            <a:srgbClr val="838D90"/>
+          </a:solidFill>
+          <a:ln w="38100">
+            <a:solidFill>
+              <a:schemeClr val="tx1"/>
+            </a:solidFill>
+          </a:ln>
+        </p:spPr>
+        <p:style>
+          <a:lnRef idx="2">
+            <a:schemeClr val="accent1">
+              <a:shade val="50000"/>
+            </a:schemeClr>
+          </a:lnRef>
+          <a:fillRef idx="1">
+            <a:schemeClr val="accent1"/>
+          </a:fillRef>
+          <a:effectRef idx="0">
+            <a:schemeClr val="accent1"/>
+          </a:effectRef>
+          <a:fontRef idx="minor">
+            <a:schemeClr val="lt1"/>
+          </a:fontRef>
+        </p:style>
+        <p:txBody>
+          <a:bodyPr rtlCol="0" anchor="ctr"/>
+          <a:lstStyle/>
+          <a:p>
+            <a:pPr algn="ctr"/>
+            <a:endParaRPr lang="ko-KR" altLang="en-US"/>
+          </a:p>
+        </p:txBody>
+      </p:sp>
+      <p:sp>
+        <p:nvSpPr>
+          <p:cNvPr id="161" name="직사각형 160"/>
+          <p:cNvSpPr/>
+          <p:nvPr/>
+        </p:nvSpPr>
+        <p:spPr>
+          <a:xfrm>
+            <a:off x="5505335" y="2850838"/>
+            <a:ext cx="1102967" cy="450906"/>
+          </a:xfrm>
+          <a:prstGeom prst="rect">
+            <a:avLst/>
+          </a:prstGeom>
+          <a:solidFill>
+            <a:srgbClr val="838D90"/>
+          </a:solidFill>
+          <a:ln w="38100">
+            <a:solidFill>
+              <a:schemeClr val="tx1"/>
+            </a:solidFill>
+          </a:ln>
+        </p:spPr>
+        <p:style>
+          <a:lnRef idx="2">
+            <a:schemeClr val="accent1">
+              <a:shade val="50000"/>
+            </a:schemeClr>
+          </a:lnRef>
+          <a:fillRef idx="1">
+            <a:schemeClr val="accent1"/>
+          </a:fillRef>
+          <a:effectRef idx="0">
+            <a:schemeClr val="accent1"/>
+          </a:effectRef>
+          <a:fontRef idx="minor">
+            <a:schemeClr val="lt1"/>
+          </a:fontRef>
+        </p:style>
+        <p:txBody>
+          <a:bodyPr rtlCol="0" anchor="ctr"/>
+          <a:lstStyle/>
+          <a:p>
+            <a:pPr algn="ctr"/>
+            <a:endParaRPr lang="ko-KR" altLang="en-US"/>
+          </a:p>
+        </p:txBody>
+      </p:sp>
+      <p:sp>
+        <p:nvSpPr>
+          <p:cNvPr id="171" name="직사각형 170"/>
+          <p:cNvSpPr/>
+          <p:nvPr/>
+        </p:nvSpPr>
+        <p:spPr>
+          <a:xfrm>
+            <a:off x="5587999" y="2949514"/>
+            <a:ext cx="945670" cy="253554"/>
+          </a:xfrm>
+          <a:prstGeom prst="rect">
+            <a:avLst/>
+          </a:prstGeom>
+          <a:solidFill>
+            <a:srgbClr val="838D90"/>
+          </a:solidFill>
+          <a:ln w="38100">
+            <a:solidFill>
+              <a:schemeClr val="tx1"/>
+            </a:solidFill>
+          </a:ln>
+        </p:spPr>
+        <p:style>
+          <a:lnRef idx="2">
+            <a:schemeClr val="accent1">
+              <a:shade val="50000"/>
+            </a:schemeClr>
+          </a:lnRef>
+          <a:fillRef idx="1">
+            <a:schemeClr val="accent1"/>
+          </a:fillRef>
+          <a:effectRef idx="0">
+            <a:schemeClr val="accent1"/>
+          </a:effectRef>
+          <a:fontRef idx="minor">
+            <a:schemeClr val="lt1"/>
+          </a:fontRef>
+        </p:style>
+        <p:txBody>
+          <a:bodyPr rtlCol="0" anchor="ctr"/>
+          <a:lstStyle/>
+          <a:p>
+            <a:pPr algn="ctr"/>
+            <a:endParaRPr lang="ko-KR" altLang="en-US"/>
+          </a:p>
+        </p:txBody>
+      </p:sp>
+      <p:cxnSp>
+        <p:nvCxnSpPr>
+          <p:cNvPr id="1032" name="직선 연결선 1031"/>
+          <p:cNvCxnSpPr/>
+          <p:nvPr/>
+        </p:nvCxnSpPr>
+        <p:spPr>
+          <a:xfrm flipH="1" flipV="1">
+            <a:off x="5505335" y="2850837"/>
+            <a:ext cx="82664" cy="98677"/>
+          </a:xfrm>
+          <a:prstGeom prst="line">
+            <a:avLst/>
+          </a:prstGeom>
+          <a:ln w="38100">
+            <a:solidFill>
+              <a:schemeClr val="tx1"/>
+            </a:solidFill>
+          </a:ln>
+        </p:spPr>
+        <p:style>
+          <a:lnRef idx="1">
+            <a:schemeClr val="accent1"/>
+          </a:lnRef>
+          <a:fillRef idx="0">
+            <a:schemeClr val="accent1"/>
+          </a:fillRef>
+          <a:effectRef idx="0">
+            <a:schemeClr val="accent1"/>
+          </a:effectRef>
+          <a:fontRef idx="minor">
+            <a:schemeClr val="tx1"/>
+          </a:fontRef>
+        </p:style>
+      </p:cxnSp>
+      <p:cxnSp>
+        <p:nvCxnSpPr>
+          <p:cNvPr id="174" name="직선 연결선 173"/>
+          <p:cNvCxnSpPr/>
+          <p:nvPr/>
+        </p:nvCxnSpPr>
+        <p:spPr>
+          <a:xfrm flipV="1">
+            <a:off x="6530603" y="2850837"/>
+            <a:ext cx="78648" cy="98677"/>
+          </a:xfrm>
+          <a:prstGeom prst="line">
+            <a:avLst/>
+          </a:prstGeom>
+          <a:ln w="38100">
+            <a:solidFill>
+              <a:schemeClr val="tx1"/>
+            </a:solidFill>
+          </a:ln>
+        </p:spPr>
+        <p:style>
+          <a:lnRef idx="1">
+            <a:schemeClr val="accent1"/>
+          </a:lnRef>
+          <a:fillRef idx="0">
+            <a:schemeClr val="accent1"/>
+          </a:fillRef>
+          <a:effectRef idx="0">
+            <a:schemeClr val="accent1"/>
+          </a:effectRef>
+          <a:fontRef idx="minor">
+            <a:schemeClr val="tx1"/>
+          </a:fontRef>
+        </p:style>
+      </p:cxnSp>
+      <p:cxnSp>
+        <p:nvCxnSpPr>
+          <p:cNvPr id="179" name="직선 연결선 178"/>
+          <p:cNvCxnSpPr/>
+          <p:nvPr/>
+        </p:nvCxnSpPr>
+        <p:spPr>
+          <a:xfrm>
+            <a:off x="6526004" y="3199444"/>
+            <a:ext cx="77699" cy="102299"/>
+          </a:xfrm>
+          <a:prstGeom prst="line">
+            <a:avLst/>
+          </a:prstGeom>
+          <a:ln w="38100">
+            <a:solidFill>
+              <a:schemeClr val="tx1"/>
+            </a:solidFill>
+          </a:ln>
+        </p:spPr>
+        <p:style>
+          <a:lnRef idx="1">
+            <a:schemeClr val="accent1"/>
+          </a:lnRef>
+          <a:fillRef idx="0">
+            <a:schemeClr val="accent1"/>
+          </a:fillRef>
+          <a:effectRef idx="0">
+            <a:schemeClr val="accent1"/>
+          </a:effectRef>
+          <a:fontRef idx="minor">
+            <a:schemeClr val="tx1"/>
+          </a:fontRef>
+        </p:style>
+      </p:cxnSp>
     </p:spTree>
     <p:extLst>
       <p:ext uri="{BB962C8B-B14F-4D97-AF65-F5344CB8AC3E}">
@@ -6346,6 +9542,31 @@
         </a:fontRef>
       </a:style>
     </a:spDef>
+    <a:lnDef>
+      <a:spPr>
+        <a:ln w="38100">
+          <a:solidFill>
+            <a:schemeClr val="tx1"/>
+          </a:solidFill>
+        </a:ln>
+      </a:spPr>
+      <a:bodyPr/>
+      <a:lstStyle/>
+      <a:style>
+        <a:lnRef idx="1">
+          <a:schemeClr val="accent1"/>
+        </a:lnRef>
+        <a:fillRef idx="0">
+          <a:schemeClr val="accent1"/>
+        </a:fillRef>
+        <a:effectRef idx="0">
+          <a:schemeClr val="accent1"/>
+        </a:effectRef>
+        <a:fontRef idx="minor">
+          <a:schemeClr val="tx1"/>
+        </a:fontRef>
+      </a:style>
+    </a:lnDef>
   </a:objectDefaults>
   <a:extraClrSchemeLst/>
   <a:extLst>

--- a/이미지 리소스 제작용.pptx
+++ b/이미지 리소스 제작용.pptx
@@ -7,6 +7,7 @@
   <p:sldIdLst>
     <p:sldId id="256" r:id="rId2"/>
     <p:sldId id="257" r:id="rId3"/>
+    <p:sldId id="258" r:id="rId4"/>
   </p:sldIdLst>
   <p:sldSz cx="12192000" cy="6858000"/>
   <p:notesSz cx="6858000" cy="9144000"/>
@@ -4523,54 +4524,6 @@
           <a:chExt cx="0" cy="0"/>
         </a:xfrm>
       </p:grpSpPr>
-      <p:sp>
-        <p:nvSpPr>
-          <p:cNvPr id="42" name="직사각형 41"/>
-          <p:cNvSpPr/>
-          <p:nvPr/>
-        </p:nvSpPr>
-        <p:spPr>
-          <a:xfrm rot="5400000">
-            <a:off x="3621751" y="2199421"/>
-            <a:ext cx="585788" cy="1757363"/>
-          </a:xfrm>
-          <a:prstGeom prst="rect">
-            <a:avLst/>
-          </a:prstGeom>
-          <a:solidFill>
-            <a:srgbClr val="6E3232"/>
-          </a:solidFill>
-          <a:ln w="38100">
-            <a:solidFill>
-              <a:schemeClr val="tx1"/>
-            </a:solidFill>
-          </a:ln>
-        </p:spPr>
-        <p:style>
-          <a:lnRef idx="2">
-            <a:schemeClr val="accent1">
-              <a:shade val="50000"/>
-            </a:schemeClr>
-          </a:lnRef>
-          <a:fillRef idx="1">
-            <a:schemeClr val="accent1"/>
-          </a:fillRef>
-          <a:effectRef idx="0">
-            <a:schemeClr val="accent1"/>
-          </a:effectRef>
-          <a:fontRef idx="minor">
-            <a:schemeClr val="lt1"/>
-          </a:fontRef>
-        </p:style>
-        <p:txBody>
-          <a:bodyPr rtlCol="0" anchor="ctr"/>
-          <a:lstStyle/>
-          <a:p>
-            <a:pPr algn="ctr"/>
-            <a:endParaRPr lang="ko-KR" altLang="en-US"/>
-          </a:p>
-        </p:txBody>
-      </p:sp>
       <p:pic>
         <p:nvPicPr>
           <p:cNvPr id="1026" name="Picture 2" descr="https://static.wikia.nocookie.net/survivio/images/d/d4/Space_Cubes.jpeg/revision/latest/scale-to-width-down/180?cb=20200505222241"/>
@@ -7753,19 +7706,2030 @@
           </p:txBody>
         </p:sp>
       </p:grpSp>
+      <p:grpSp>
+        <p:nvGrpSpPr>
+          <p:cNvPr id="22" name="그룹 21"/>
+          <p:cNvGrpSpPr/>
+          <p:nvPr/>
+        </p:nvGrpSpPr>
+        <p:grpSpPr>
+          <a:xfrm>
+            <a:off x="9180031" y="1453194"/>
+            <a:ext cx="1757364" cy="1177418"/>
+            <a:chOff x="3035963" y="2193579"/>
+            <a:chExt cx="1757364" cy="1177418"/>
+          </a:xfrm>
+        </p:grpSpPr>
+        <p:sp>
+          <p:nvSpPr>
+            <p:cNvPr id="42" name="직사각형 41"/>
+            <p:cNvSpPr/>
+            <p:nvPr/>
+          </p:nvSpPr>
+          <p:spPr>
+            <a:xfrm rot="5400000">
+              <a:off x="3621751" y="2199421"/>
+              <a:ext cx="585788" cy="1757363"/>
+            </a:xfrm>
+            <a:prstGeom prst="rect">
+              <a:avLst/>
+            </a:prstGeom>
+            <a:solidFill>
+              <a:srgbClr val="6E3232"/>
+            </a:solidFill>
+            <a:ln w="38100">
+              <a:solidFill>
+                <a:schemeClr val="tx1"/>
+              </a:solidFill>
+            </a:ln>
+          </p:spPr>
+          <p:style>
+            <a:lnRef idx="2">
+              <a:schemeClr val="accent1">
+                <a:shade val="50000"/>
+              </a:schemeClr>
+            </a:lnRef>
+            <a:fillRef idx="1">
+              <a:schemeClr val="accent1"/>
+            </a:fillRef>
+            <a:effectRef idx="0">
+              <a:schemeClr val="accent1"/>
+            </a:effectRef>
+            <a:fontRef idx="minor">
+              <a:schemeClr val="lt1"/>
+            </a:fontRef>
+          </p:style>
+          <p:txBody>
+            <a:bodyPr rtlCol="0" anchor="ctr"/>
+            <a:lstStyle/>
+            <a:p>
+              <a:pPr algn="ctr"/>
+              <a:endParaRPr lang="ko-KR" altLang="en-US"/>
+            </a:p>
+          </p:txBody>
+        </p:sp>
+        <p:sp>
+          <p:nvSpPr>
+            <p:cNvPr id="135" name="직사각형 134"/>
+            <p:cNvSpPr/>
+            <p:nvPr/>
+          </p:nvSpPr>
+          <p:spPr>
+            <a:xfrm>
+              <a:off x="3451796" y="2986596"/>
+              <a:ext cx="1341531" cy="183012"/>
+            </a:xfrm>
+            <a:prstGeom prst="rect">
+              <a:avLst/>
+            </a:prstGeom>
+            <a:solidFill>
+              <a:srgbClr val="838D90"/>
+            </a:solidFill>
+            <a:ln w="38100">
+              <a:solidFill>
+                <a:schemeClr val="tx1"/>
+              </a:solidFill>
+            </a:ln>
+          </p:spPr>
+          <p:style>
+            <a:lnRef idx="2">
+              <a:schemeClr val="accent1">
+                <a:shade val="50000"/>
+              </a:schemeClr>
+            </a:lnRef>
+            <a:fillRef idx="1">
+              <a:schemeClr val="accent1"/>
+            </a:fillRef>
+            <a:effectRef idx="0">
+              <a:schemeClr val="accent1"/>
+            </a:effectRef>
+            <a:fontRef idx="minor">
+              <a:schemeClr val="lt1"/>
+            </a:fontRef>
+          </p:style>
+          <p:txBody>
+            <a:bodyPr rtlCol="0" anchor="ctr"/>
+            <a:lstStyle/>
+            <a:p>
+              <a:pPr algn="ctr"/>
+              <a:endParaRPr lang="ko-KR" altLang="en-US"/>
+            </a:p>
+          </p:txBody>
+        </p:sp>
+        <p:sp>
+          <p:nvSpPr>
+            <p:cNvPr id="4" name="직사각형 3"/>
+            <p:cNvSpPr/>
+            <p:nvPr/>
+          </p:nvSpPr>
+          <p:spPr>
+            <a:xfrm>
+              <a:off x="3035964" y="2193579"/>
+              <a:ext cx="585788" cy="591628"/>
+            </a:xfrm>
+            <a:prstGeom prst="rect">
+              <a:avLst/>
+            </a:prstGeom>
+            <a:solidFill>
+              <a:srgbClr val="6E3232"/>
+            </a:solidFill>
+            <a:ln w="38100">
+              <a:solidFill>
+                <a:schemeClr val="tx1"/>
+              </a:solidFill>
+            </a:ln>
+          </p:spPr>
+          <p:style>
+            <a:lnRef idx="2">
+              <a:schemeClr val="accent1">
+                <a:shade val="50000"/>
+              </a:schemeClr>
+            </a:lnRef>
+            <a:fillRef idx="1">
+              <a:schemeClr val="accent1"/>
+            </a:fillRef>
+            <a:effectRef idx="0">
+              <a:schemeClr val="accent1"/>
+            </a:effectRef>
+            <a:fontRef idx="minor">
+              <a:schemeClr val="lt1"/>
+            </a:fontRef>
+          </p:style>
+          <p:txBody>
+            <a:bodyPr rtlCol="0" anchor="ctr"/>
+            <a:lstStyle/>
+            <a:p>
+              <a:pPr algn="ctr"/>
+              <a:endParaRPr lang="ko-KR" altLang="en-US"/>
+            </a:p>
+          </p:txBody>
+        </p:sp>
+        <p:grpSp>
+          <p:nvGrpSpPr>
+            <p:cNvPr id="20" name="그룹 19"/>
+            <p:cNvGrpSpPr/>
+            <p:nvPr/>
+          </p:nvGrpSpPr>
+          <p:grpSpPr>
+            <a:xfrm>
+              <a:off x="3096188" y="2248013"/>
+              <a:ext cx="465340" cy="465340"/>
+              <a:chOff x="3096188" y="2262185"/>
+              <a:chExt cx="465340" cy="465340"/>
+            </a:xfrm>
+          </p:grpSpPr>
+          <p:sp>
+            <p:nvSpPr>
+              <p:cNvPr id="81" name="팔각형 80"/>
+              <p:cNvSpPr/>
+              <p:nvPr/>
+            </p:nvSpPr>
+            <p:spPr>
+              <a:xfrm>
+                <a:off x="3096188" y="2262185"/>
+                <a:ext cx="465340" cy="465340"/>
+              </a:xfrm>
+              <a:prstGeom prst="octagon">
+                <a:avLst>
+                  <a:gd name="adj" fmla="val 11945"/>
+                </a:avLst>
+              </a:prstGeom>
+              <a:solidFill>
+                <a:srgbClr val="838D90"/>
+              </a:solidFill>
+              <a:ln w="38100">
+                <a:solidFill>
+                  <a:schemeClr val="tx1"/>
+                </a:solidFill>
+              </a:ln>
+            </p:spPr>
+            <p:style>
+              <a:lnRef idx="2">
+                <a:schemeClr val="accent1">
+                  <a:shade val="50000"/>
+                </a:schemeClr>
+              </a:lnRef>
+              <a:fillRef idx="1">
+                <a:schemeClr val="accent1"/>
+              </a:fillRef>
+              <a:effectRef idx="0">
+                <a:schemeClr val="accent1"/>
+              </a:effectRef>
+              <a:fontRef idx="minor">
+                <a:schemeClr val="lt1"/>
+              </a:fontRef>
+            </p:style>
+            <p:txBody>
+              <a:bodyPr rtlCol="0" anchor="ctr"/>
+              <a:lstStyle/>
+              <a:p>
+                <a:pPr algn="ctr"/>
+                <a:endParaRPr lang="ko-KR" altLang="en-US"/>
+              </a:p>
+            </p:txBody>
+          </p:sp>
+          <p:sp>
+            <p:nvSpPr>
+              <p:cNvPr id="82" name="팔각형 81"/>
+              <p:cNvSpPr/>
+              <p:nvPr/>
+            </p:nvSpPr>
+            <p:spPr>
+              <a:xfrm>
+                <a:off x="3181913" y="2347910"/>
+                <a:ext cx="293890" cy="293890"/>
+              </a:xfrm>
+              <a:prstGeom prst="octagon">
+                <a:avLst>
+                  <a:gd name="adj" fmla="val 11945"/>
+                </a:avLst>
+              </a:prstGeom>
+              <a:solidFill>
+                <a:srgbClr val="6E3232"/>
+              </a:solidFill>
+              <a:ln w="38100">
+                <a:solidFill>
+                  <a:schemeClr val="tx1"/>
+                </a:solidFill>
+              </a:ln>
+            </p:spPr>
+            <p:style>
+              <a:lnRef idx="2">
+                <a:schemeClr val="accent1">
+                  <a:shade val="50000"/>
+                </a:schemeClr>
+              </a:lnRef>
+              <a:fillRef idx="1">
+                <a:schemeClr val="accent1"/>
+              </a:fillRef>
+              <a:effectRef idx="0">
+                <a:schemeClr val="accent1"/>
+              </a:effectRef>
+              <a:fontRef idx="minor">
+                <a:schemeClr val="lt1"/>
+              </a:fontRef>
+            </p:style>
+            <p:txBody>
+              <a:bodyPr rtlCol="0" anchor="ctr"/>
+              <a:lstStyle/>
+              <a:p>
+                <a:pPr algn="ctr"/>
+                <a:endParaRPr lang="ko-KR" altLang="en-US"/>
+              </a:p>
+            </p:txBody>
+          </p:sp>
+        </p:grpSp>
+        <p:sp>
+          <p:nvSpPr>
+            <p:cNvPr id="27" name="직사각형 26"/>
+            <p:cNvSpPr/>
+            <p:nvPr/>
+          </p:nvSpPr>
+          <p:spPr>
+            <a:xfrm>
+              <a:off x="3054321" y="2760761"/>
+              <a:ext cx="548421" cy="58838"/>
+            </a:xfrm>
+            <a:prstGeom prst="rect">
+              <a:avLst/>
+            </a:prstGeom>
+            <a:solidFill>
+              <a:srgbClr val="6E3232"/>
+            </a:solidFill>
+            <a:ln w="38100">
+              <a:noFill/>
+            </a:ln>
+          </p:spPr>
+          <p:style>
+            <a:lnRef idx="2">
+              <a:schemeClr val="accent1">
+                <a:shade val="50000"/>
+              </a:schemeClr>
+            </a:lnRef>
+            <a:fillRef idx="1">
+              <a:schemeClr val="accent1"/>
+            </a:fillRef>
+            <a:effectRef idx="0">
+              <a:schemeClr val="accent1"/>
+            </a:effectRef>
+            <a:fontRef idx="minor">
+              <a:schemeClr val="lt1"/>
+            </a:fontRef>
+          </p:style>
+          <p:txBody>
+            <a:bodyPr rtlCol="0" anchor="ctr"/>
+            <a:lstStyle/>
+            <a:p>
+              <a:pPr algn="ctr"/>
+              <a:endParaRPr lang="ko-KR" altLang="en-US"/>
+            </a:p>
+          </p:txBody>
+        </p:sp>
+        <p:sp>
+          <p:nvSpPr>
+            <p:cNvPr id="29" name="직사각형 28"/>
+            <p:cNvSpPr/>
+            <p:nvPr/>
+          </p:nvSpPr>
+          <p:spPr>
+            <a:xfrm>
+              <a:off x="3253193" y="2713353"/>
+              <a:ext cx="153554" cy="352299"/>
+            </a:xfrm>
+            <a:prstGeom prst="rect">
+              <a:avLst/>
+            </a:prstGeom>
+            <a:solidFill>
+              <a:srgbClr val="838D90"/>
+            </a:solidFill>
+            <a:ln w="38100">
+              <a:solidFill>
+                <a:schemeClr val="tx1"/>
+              </a:solidFill>
+            </a:ln>
+          </p:spPr>
+          <p:style>
+            <a:lnRef idx="2">
+              <a:schemeClr val="accent1">
+                <a:shade val="50000"/>
+              </a:schemeClr>
+            </a:lnRef>
+            <a:fillRef idx="1">
+              <a:schemeClr val="accent1"/>
+            </a:fillRef>
+            <a:effectRef idx="0">
+              <a:schemeClr val="accent1"/>
+            </a:effectRef>
+            <a:fontRef idx="minor">
+              <a:schemeClr val="lt1"/>
+            </a:fontRef>
+          </p:style>
+          <p:txBody>
+            <a:bodyPr rtlCol="0" anchor="ctr"/>
+            <a:lstStyle/>
+            <a:p>
+              <a:pPr algn="ctr"/>
+              <a:endParaRPr lang="ko-KR" altLang="en-US"/>
+            </a:p>
+          </p:txBody>
+        </p:sp>
+        <p:sp>
+          <p:nvSpPr>
+            <p:cNvPr id="31" name="양쪽 모서리가 잘린 사각형 30"/>
+            <p:cNvSpPr/>
+            <p:nvPr/>
+          </p:nvSpPr>
+          <p:spPr>
+            <a:xfrm rot="16200000">
+              <a:off x="3078396" y="2953820"/>
+              <a:ext cx="500928" cy="245873"/>
+            </a:xfrm>
+            <a:prstGeom prst="snip2SameRect">
+              <a:avLst>
+                <a:gd name="adj1" fmla="val 50000"/>
+                <a:gd name="adj2" fmla="val 50000"/>
+              </a:avLst>
+            </a:prstGeom>
+            <a:solidFill>
+              <a:srgbClr val="838D90"/>
+            </a:solidFill>
+            <a:ln w="38100">
+              <a:solidFill>
+                <a:schemeClr val="tx1"/>
+              </a:solidFill>
+            </a:ln>
+          </p:spPr>
+          <p:style>
+            <a:lnRef idx="2">
+              <a:schemeClr val="accent1">
+                <a:shade val="50000"/>
+              </a:schemeClr>
+            </a:lnRef>
+            <a:fillRef idx="1">
+              <a:schemeClr val="accent1"/>
+            </a:fillRef>
+            <a:effectRef idx="0">
+              <a:schemeClr val="accent1"/>
+            </a:effectRef>
+            <a:fontRef idx="minor">
+              <a:schemeClr val="lt1"/>
+            </a:fontRef>
+          </p:style>
+          <p:txBody>
+            <a:bodyPr rtlCol="0" anchor="ctr"/>
+            <a:lstStyle/>
+            <a:p>
+              <a:pPr algn="ctr"/>
+              <a:endParaRPr lang="ko-KR" altLang="en-US"/>
+            </a:p>
+          </p:txBody>
+        </p:sp>
+        <p:sp>
+          <p:nvSpPr>
+            <p:cNvPr id="83" name="양쪽 모서리가 잘린 사각형 82"/>
+            <p:cNvSpPr/>
+            <p:nvPr/>
+          </p:nvSpPr>
+          <p:spPr>
+            <a:xfrm rot="16200000">
+              <a:off x="3203463" y="3016491"/>
+              <a:ext cx="255364" cy="125342"/>
+            </a:xfrm>
+            <a:prstGeom prst="snip2SameRect">
+              <a:avLst>
+                <a:gd name="adj1" fmla="val 50000"/>
+                <a:gd name="adj2" fmla="val 50000"/>
+              </a:avLst>
+            </a:prstGeom>
+            <a:solidFill>
+              <a:srgbClr val="6E3232"/>
+            </a:solidFill>
+            <a:ln w="38100">
+              <a:solidFill>
+                <a:schemeClr val="tx1"/>
+              </a:solidFill>
+            </a:ln>
+          </p:spPr>
+          <p:style>
+            <a:lnRef idx="2">
+              <a:schemeClr val="accent1">
+                <a:shade val="50000"/>
+              </a:schemeClr>
+            </a:lnRef>
+            <a:fillRef idx="1">
+              <a:schemeClr val="accent1"/>
+            </a:fillRef>
+            <a:effectRef idx="0">
+              <a:schemeClr val="accent1"/>
+            </a:effectRef>
+            <a:fontRef idx="minor">
+              <a:schemeClr val="lt1"/>
+            </a:fontRef>
+          </p:style>
+          <p:txBody>
+            <a:bodyPr rtlCol="0" anchor="ctr"/>
+            <a:lstStyle/>
+            <a:p>
+              <a:pPr algn="ctr"/>
+              <a:endParaRPr lang="ko-KR" altLang="en-US"/>
+            </a:p>
+          </p:txBody>
+        </p:sp>
+        <p:grpSp>
+          <p:nvGrpSpPr>
+            <p:cNvPr id="21" name="그룹 20"/>
+            <p:cNvGrpSpPr/>
+            <p:nvPr/>
+          </p:nvGrpSpPr>
+          <p:grpSpPr>
+            <a:xfrm>
+              <a:off x="3571499" y="2849735"/>
+              <a:ext cx="1103200" cy="452386"/>
+              <a:chOff x="3619727" y="2849735"/>
+              <a:chExt cx="1103200" cy="452386"/>
+            </a:xfrm>
+          </p:grpSpPr>
+          <p:grpSp>
+            <p:nvGrpSpPr>
+              <p:cNvPr id="1029" name="그룹 1028"/>
+              <p:cNvGrpSpPr/>
+              <p:nvPr/>
+            </p:nvGrpSpPr>
+            <p:grpSpPr>
+              <a:xfrm>
+                <a:off x="3619727" y="2849735"/>
+                <a:ext cx="1103200" cy="452386"/>
+                <a:chOff x="3620505" y="2843045"/>
+                <a:chExt cx="1102423" cy="466867"/>
+              </a:xfrm>
+              <a:solidFill>
+                <a:srgbClr val="6E3232"/>
+              </a:solidFill>
+            </p:grpSpPr>
+            <p:sp>
+              <p:nvSpPr>
+                <p:cNvPr id="136" name="팔각형 135"/>
+                <p:cNvSpPr/>
+                <p:nvPr/>
+              </p:nvSpPr>
+              <p:spPr>
+                <a:xfrm>
+                  <a:off x="3620738" y="2844185"/>
+                  <a:ext cx="1102190" cy="465340"/>
+                </a:xfrm>
+                <a:prstGeom prst="octagon">
+                  <a:avLst>
+                    <a:gd name="adj" fmla="val 11945"/>
+                  </a:avLst>
+                </a:prstGeom>
+                <a:grpFill/>
+                <a:ln w="38100">
+                  <a:solidFill>
+                    <a:schemeClr val="tx1"/>
+                  </a:solidFill>
+                </a:ln>
+              </p:spPr>
+              <p:style>
+                <a:lnRef idx="2">
+                  <a:schemeClr val="accent1">
+                    <a:shade val="50000"/>
+                  </a:schemeClr>
+                </a:lnRef>
+                <a:fillRef idx="1">
+                  <a:schemeClr val="accent1"/>
+                </a:fillRef>
+                <a:effectRef idx="0">
+                  <a:schemeClr val="accent1"/>
+                </a:effectRef>
+                <a:fontRef idx="minor">
+                  <a:schemeClr val="lt1"/>
+                </a:fontRef>
+              </p:style>
+              <p:txBody>
+                <a:bodyPr rtlCol="0" anchor="ctr"/>
+                <a:lstStyle/>
+                <a:p>
+                  <a:pPr algn="ctr"/>
+                  <a:endParaRPr lang="ko-KR" altLang="en-US"/>
+                </a:p>
+              </p:txBody>
+            </p:sp>
+            <p:sp>
+              <p:nvSpPr>
+                <p:cNvPr id="61" name="이등변 삼각형 60"/>
+                <p:cNvSpPr/>
+                <p:nvPr/>
+              </p:nvSpPr>
+              <p:spPr>
+                <a:xfrm rot="5400000">
+                  <a:off x="3659489" y="2932709"/>
+                  <a:ext cx="212822" cy="290789"/>
+                </a:xfrm>
+                <a:prstGeom prst="triangle">
+                  <a:avLst/>
+                </a:prstGeom>
+                <a:solidFill>
+                  <a:srgbClr val="838D90"/>
+                </a:solidFill>
+                <a:ln w="38100">
+                  <a:solidFill>
+                    <a:schemeClr val="tx1"/>
+                  </a:solidFill>
+                </a:ln>
+              </p:spPr>
+              <p:style>
+                <a:lnRef idx="2">
+                  <a:schemeClr val="accent1">
+                    <a:shade val="50000"/>
+                  </a:schemeClr>
+                </a:lnRef>
+                <a:fillRef idx="1">
+                  <a:schemeClr val="accent1"/>
+                </a:fillRef>
+                <a:effectRef idx="0">
+                  <a:schemeClr val="accent1"/>
+                </a:effectRef>
+                <a:fontRef idx="minor">
+                  <a:schemeClr val="lt1"/>
+                </a:fontRef>
+              </p:style>
+              <p:txBody>
+                <a:bodyPr rtlCol="0" anchor="ctr"/>
+                <a:lstStyle/>
+                <a:p>
+                  <a:pPr algn="ctr"/>
+                  <a:endParaRPr lang="ko-KR" altLang="en-US"/>
+                </a:p>
+              </p:txBody>
+            </p:sp>
+            <p:sp>
+              <p:nvSpPr>
+                <p:cNvPr id="141" name="이등변 삼각형 140"/>
+                <p:cNvSpPr/>
+                <p:nvPr/>
+              </p:nvSpPr>
+              <p:spPr>
+                <a:xfrm rot="16200000">
+                  <a:off x="4469370" y="2932709"/>
+                  <a:ext cx="212822" cy="290789"/>
+                </a:xfrm>
+                <a:prstGeom prst="triangle">
+                  <a:avLst/>
+                </a:prstGeom>
+                <a:solidFill>
+                  <a:srgbClr val="838D90"/>
+                </a:solidFill>
+                <a:ln w="38100">
+                  <a:solidFill>
+                    <a:schemeClr val="tx1"/>
+                  </a:solidFill>
+                </a:ln>
+              </p:spPr>
+              <p:style>
+                <a:lnRef idx="2">
+                  <a:schemeClr val="accent1">
+                    <a:shade val="50000"/>
+                  </a:schemeClr>
+                </a:lnRef>
+                <a:fillRef idx="1">
+                  <a:schemeClr val="accent1"/>
+                </a:fillRef>
+                <a:effectRef idx="0">
+                  <a:schemeClr val="accent1"/>
+                </a:effectRef>
+                <a:fontRef idx="minor">
+                  <a:schemeClr val="lt1"/>
+                </a:fontRef>
+              </p:style>
+              <p:txBody>
+                <a:bodyPr rtlCol="0" anchor="ctr"/>
+                <a:lstStyle/>
+                <a:p>
+                  <a:pPr algn="ctr"/>
+                  <a:endParaRPr lang="ko-KR" altLang="en-US"/>
+                </a:p>
+              </p:txBody>
+            </p:sp>
+            <p:sp>
+              <p:nvSpPr>
+                <p:cNvPr id="142" name="이등변 삼각형 141"/>
+                <p:cNvSpPr/>
+                <p:nvPr/>
+              </p:nvSpPr>
+              <p:spPr>
+                <a:xfrm rot="10800000">
+                  <a:off x="3878819" y="2843045"/>
+                  <a:ext cx="586027" cy="121596"/>
+                </a:xfrm>
+                <a:prstGeom prst="triangle">
+                  <a:avLst/>
+                </a:prstGeom>
+                <a:solidFill>
+                  <a:srgbClr val="838D90"/>
+                </a:solidFill>
+                <a:ln w="38100">
+                  <a:solidFill>
+                    <a:schemeClr val="tx1"/>
+                  </a:solidFill>
+                </a:ln>
+              </p:spPr>
+              <p:style>
+                <a:lnRef idx="2">
+                  <a:schemeClr val="accent1">
+                    <a:shade val="50000"/>
+                  </a:schemeClr>
+                </a:lnRef>
+                <a:fillRef idx="1">
+                  <a:schemeClr val="accent1"/>
+                </a:fillRef>
+                <a:effectRef idx="0">
+                  <a:schemeClr val="accent1"/>
+                </a:effectRef>
+                <a:fontRef idx="minor">
+                  <a:schemeClr val="lt1"/>
+                </a:fontRef>
+              </p:style>
+              <p:txBody>
+                <a:bodyPr rtlCol="0" anchor="ctr"/>
+                <a:lstStyle/>
+                <a:p>
+                  <a:pPr algn="ctr"/>
+                  <a:endParaRPr lang="ko-KR" altLang="en-US"/>
+                </a:p>
+              </p:txBody>
+            </p:sp>
+            <p:sp>
+              <p:nvSpPr>
+                <p:cNvPr id="143" name="이등변 삼각형 142"/>
+                <p:cNvSpPr/>
+                <p:nvPr/>
+              </p:nvSpPr>
+              <p:spPr>
+                <a:xfrm>
+                  <a:off x="3878819" y="3188316"/>
+                  <a:ext cx="586027" cy="121596"/>
+                </a:xfrm>
+                <a:prstGeom prst="triangle">
+                  <a:avLst/>
+                </a:prstGeom>
+                <a:solidFill>
+                  <a:srgbClr val="838D90"/>
+                </a:solidFill>
+                <a:ln w="38100">
+                  <a:solidFill>
+                    <a:schemeClr val="tx1"/>
+                  </a:solidFill>
+                </a:ln>
+              </p:spPr>
+              <p:style>
+                <a:lnRef idx="2">
+                  <a:schemeClr val="accent1">
+                    <a:shade val="50000"/>
+                  </a:schemeClr>
+                </a:lnRef>
+                <a:fillRef idx="1">
+                  <a:schemeClr val="accent1"/>
+                </a:fillRef>
+                <a:effectRef idx="0">
+                  <a:schemeClr val="accent1"/>
+                </a:effectRef>
+                <a:fontRef idx="minor">
+                  <a:schemeClr val="lt1"/>
+                </a:fontRef>
+              </p:style>
+              <p:txBody>
+                <a:bodyPr rtlCol="0" anchor="ctr"/>
+                <a:lstStyle/>
+                <a:p>
+                  <a:pPr algn="ctr"/>
+                  <a:endParaRPr lang="ko-KR" altLang="en-US"/>
+                </a:p>
+              </p:txBody>
+            </p:sp>
+            <p:cxnSp>
+              <p:nvCxnSpPr>
+                <p:cNvPr id="36" name="직선 연결선 35"/>
+                <p:cNvCxnSpPr>
+                  <a:stCxn id="136" idx="4"/>
+                  <a:endCxn id="136" idx="7"/>
+                </p:cNvCxnSpPr>
+                <p:nvPr/>
+              </p:nvCxnSpPr>
+              <p:spPr>
+                <a:xfrm flipV="1">
+                  <a:off x="3620738" y="2844185"/>
+                  <a:ext cx="1046605" cy="409755"/>
+                </a:xfrm>
+                <a:prstGeom prst="line">
+                  <a:avLst/>
+                </a:prstGeom>
+                <a:grpFill/>
+                <a:ln w="38100">
+                  <a:solidFill>
+                    <a:schemeClr val="tx1"/>
+                  </a:solidFill>
+                </a:ln>
+              </p:spPr>
+              <p:style>
+                <a:lnRef idx="1">
+                  <a:schemeClr val="accent1"/>
+                </a:lnRef>
+                <a:fillRef idx="0">
+                  <a:schemeClr val="accent1"/>
+                </a:fillRef>
+                <a:effectRef idx="0">
+                  <a:schemeClr val="accent1"/>
+                </a:effectRef>
+                <a:fontRef idx="minor">
+                  <a:schemeClr val="tx1"/>
+                </a:fontRef>
+              </p:style>
+            </p:cxnSp>
+            <p:cxnSp>
+              <p:nvCxnSpPr>
+                <p:cNvPr id="137" name="직선 연결선 136"/>
+                <p:cNvCxnSpPr>
+                  <a:stCxn id="136" idx="3"/>
+                  <a:endCxn id="136" idx="0"/>
+                </p:cNvCxnSpPr>
+                <p:nvPr/>
+              </p:nvCxnSpPr>
+              <p:spPr>
+                <a:xfrm flipV="1">
+                  <a:off x="3676323" y="2899770"/>
+                  <a:ext cx="1046605" cy="409755"/>
+                </a:xfrm>
+                <a:prstGeom prst="line">
+                  <a:avLst/>
+                </a:prstGeom>
+                <a:grpFill/>
+                <a:ln w="38100">
+                  <a:solidFill>
+                    <a:schemeClr val="tx1"/>
+                  </a:solidFill>
+                </a:ln>
+              </p:spPr>
+              <p:style>
+                <a:lnRef idx="1">
+                  <a:schemeClr val="accent1"/>
+                </a:lnRef>
+                <a:fillRef idx="0">
+                  <a:schemeClr val="accent1"/>
+                </a:fillRef>
+                <a:effectRef idx="0">
+                  <a:schemeClr val="accent1"/>
+                </a:effectRef>
+                <a:fontRef idx="minor">
+                  <a:schemeClr val="tx1"/>
+                </a:fontRef>
+              </p:style>
+            </p:cxnSp>
+            <p:cxnSp>
+              <p:nvCxnSpPr>
+                <p:cNvPr id="138" name="직선 연결선 137"/>
+                <p:cNvCxnSpPr>
+                  <a:stCxn id="136" idx="1"/>
+                  <a:endCxn id="136" idx="6"/>
+                </p:cNvCxnSpPr>
+                <p:nvPr/>
+              </p:nvCxnSpPr>
+              <p:spPr>
+                <a:xfrm flipH="1" flipV="1">
+                  <a:off x="3676323" y="2844185"/>
+                  <a:ext cx="1046605" cy="409755"/>
+                </a:xfrm>
+                <a:prstGeom prst="line">
+                  <a:avLst/>
+                </a:prstGeom>
+                <a:grpFill/>
+                <a:ln w="38100">
+                  <a:solidFill>
+                    <a:schemeClr val="tx1"/>
+                  </a:solidFill>
+                </a:ln>
+              </p:spPr>
+              <p:style>
+                <a:lnRef idx="1">
+                  <a:schemeClr val="accent1"/>
+                </a:lnRef>
+                <a:fillRef idx="0">
+                  <a:schemeClr val="accent1"/>
+                </a:fillRef>
+                <a:effectRef idx="0">
+                  <a:schemeClr val="accent1"/>
+                </a:effectRef>
+                <a:fontRef idx="minor">
+                  <a:schemeClr val="tx1"/>
+                </a:fontRef>
+              </p:style>
+            </p:cxnSp>
+            <p:cxnSp>
+              <p:nvCxnSpPr>
+                <p:cNvPr id="139" name="직선 연결선 138"/>
+                <p:cNvCxnSpPr>
+                  <a:stCxn id="136" idx="2"/>
+                  <a:endCxn id="136" idx="5"/>
+                </p:cNvCxnSpPr>
+                <p:nvPr/>
+              </p:nvCxnSpPr>
+              <p:spPr>
+                <a:xfrm flipH="1" flipV="1">
+                  <a:off x="3620738" y="2899770"/>
+                  <a:ext cx="1046605" cy="409755"/>
+                </a:xfrm>
+                <a:prstGeom prst="line">
+                  <a:avLst/>
+                </a:prstGeom>
+                <a:grpFill/>
+                <a:ln w="38100">
+                  <a:solidFill>
+                    <a:schemeClr val="tx1"/>
+                  </a:solidFill>
+                </a:ln>
+              </p:spPr>
+              <p:style>
+                <a:lnRef idx="1">
+                  <a:schemeClr val="accent1"/>
+                </a:lnRef>
+                <a:fillRef idx="0">
+                  <a:schemeClr val="accent1"/>
+                </a:fillRef>
+                <a:effectRef idx="0">
+                  <a:schemeClr val="accent1"/>
+                </a:effectRef>
+                <a:fontRef idx="minor">
+                  <a:schemeClr val="tx1"/>
+                </a:fontRef>
+              </p:style>
+            </p:cxnSp>
+          </p:grpSp>
+          <p:sp>
+            <p:nvSpPr>
+              <p:cNvPr id="1030" name="다이아몬드 1029"/>
+              <p:cNvSpPr/>
+              <p:nvPr/>
+            </p:nvSpPr>
+            <p:spPr>
+              <a:xfrm>
+                <a:off x="4092224" y="3040466"/>
+                <a:ext cx="157400" cy="71806"/>
+              </a:xfrm>
+              <a:prstGeom prst="diamond">
+                <a:avLst/>
+              </a:prstGeom>
+              <a:solidFill>
+                <a:srgbClr val="838D90"/>
+              </a:solidFill>
+              <a:ln w="38100">
+                <a:noFill/>
+              </a:ln>
+            </p:spPr>
+            <p:style>
+              <a:lnRef idx="2">
+                <a:schemeClr val="accent1">
+                  <a:shade val="50000"/>
+                </a:schemeClr>
+              </a:lnRef>
+              <a:fillRef idx="1">
+                <a:schemeClr val="accent1"/>
+              </a:fillRef>
+              <a:effectRef idx="0">
+                <a:schemeClr val="accent1"/>
+              </a:effectRef>
+              <a:fontRef idx="minor">
+                <a:schemeClr val="lt1"/>
+              </a:fontRef>
+            </p:style>
+            <p:txBody>
+              <a:bodyPr rtlCol="0" anchor="ctr"/>
+              <a:lstStyle/>
+              <a:p>
+                <a:pPr algn="ctr"/>
+                <a:endParaRPr lang="ko-KR" altLang="en-US"/>
+              </a:p>
+            </p:txBody>
+          </p:sp>
+        </p:grpSp>
+      </p:grpSp>
+      <p:grpSp>
+        <p:nvGrpSpPr>
+          <p:cNvPr id="24" name="그룹 23"/>
+          <p:cNvGrpSpPr/>
+          <p:nvPr/>
+        </p:nvGrpSpPr>
+        <p:grpSpPr>
+          <a:xfrm>
+            <a:off x="3067332" y="2194464"/>
+            <a:ext cx="1757364" cy="1177418"/>
+            <a:chOff x="3067332" y="2194464"/>
+            <a:chExt cx="1757364" cy="1177418"/>
+          </a:xfrm>
+        </p:grpSpPr>
+        <p:sp>
+          <p:nvSpPr>
+            <p:cNvPr id="184" name="양쪽 모서리가 잘린 사각형 183"/>
+            <p:cNvSpPr/>
+            <p:nvPr/>
+          </p:nvSpPr>
+          <p:spPr>
+            <a:xfrm rot="5400000">
+              <a:off x="3653120" y="2200306"/>
+              <a:ext cx="585788" cy="1757363"/>
+            </a:xfrm>
+            <a:prstGeom prst="snip2SameRect">
+              <a:avLst/>
+            </a:prstGeom>
+            <a:solidFill>
+              <a:srgbClr val="6E3232"/>
+            </a:solidFill>
+            <a:ln w="38100">
+              <a:solidFill>
+                <a:schemeClr val="tx1"/>
+              </a:solidFill>
+            </a:ln>
+          </p:spPr>
+          <p:style>
+            <a:lnRef idx="2">
+              <a:schemeClr val="accent1">
+                <a:shade val="50000"/>
+              </a:schemeClr>
+            </a:lnRef>
+            <a:fillRef idx="1">
+              <a:schemeClr val="accent1"/>
+            </a:fillRef>
+            <a:effectRef idx="0">
+              <a:schemeClr val="accent1"/>
+            </a:effectRef>
+            <a:fontRef idx="minor">
+              <a:schemeClr val="lt1"/>
+            </a:fontRef>
+          </p:style>
+          <p:txBody>
+            <a:bodyPr rtlCol="0" anchor="ctr"/>
+            <a:lstStyle/>
+            <a:p>
+              <a:pPr algn="ctr"/>
+              <a:endParaRPr lang="ko-KR" altLang="en-US"/>
+            </a:p>
+          </p:txBody>
+        </p:sp>
+        <p:sp>
+          <p:nvSpPr>
+            <p:cNvPr id="185" name="직사각형 184"/>
+            <p:cNvSpPr/>
+            <p:nvPr/>
+          </p:nvSpPr>
+          <p:spPr>
+            <a:xfrm>
+              <a:off x="3483165" y="3113157"/>
+              <a:ext cx="198191" cy="82538"/>
+            </a:xfrm>
+            <a:prstGeom prst="rect">
+              <a:avLst/>
+            </a:prstGeom>
+            <a:solidFill>
+              <a:srgbClr val="838D90"/>
+            </a:solidFill>
+            <a:ln w="38100">
+              <a:solidFill>
+                <a:schemeClr val="tx1"/>
+              </a:solidFill>
+            </a:ln>
+          </p:spPr>
+          <p:style>
+            <a:lnRef idx="2">
+              <a:schemeClr val="accent1">
+                <a:shade val="50000"/>
+              </a:schemeClr>
+            </a:lnRef>
+            <a:fillRef idx="1">
+              <a:schemeClr val="accent1"/>
+            </a:fillRef>
+            <a:effectRef idx="0">
+              <a:schemeClr val="accent1"/>
+            </a:effectRef>
+            <a:fontRef idx="minor">
+              <a:schemeClr val="lt1"/>
+            </a:fontRef>
+          </p:style>
+          <p:txBody>
+            <a:bodyPr rtlCol="0" anchor="ctr"/>
+            <a:lstStyle/>
+            <a:p>
+              <a:pPr algn="ctr"/>
+              <a:endParaRPr lang="ko-KR" altLang="en-US"/>
+            </a:p>
+          </p:txBody>
+        </p:sp>
+        <p:sp>
+          <p:nvSpPr>
+            <p:cNvPr id="186" name="양쪽 모서리가 잘린 사각형 185"/>
+            <p:cNvSpPr/>
+            <p:nvPr/>
+          </p:nvSpPr>
+          <p:spPr>
+            <a:xfrm>
+              <a:off x="3067333" y="2194464"/>
+              <a:ext cx="585788" cy="591628"/>
+            </a:xfrm>
+            <a:prstGeom prst="snip2SameRect">
+              <a:avLst/>
+            </a:prstGeom>
+            <a:solidFill>
+              <a:srgbClr val="6E3232"/>
+            </a:solidFill>
+            <a:ln w="38100">
+              <a:solidFill>
+                <a:schemeClr val="tx1"/>
+              </a:solidFill>
+            </a:ln>
+          </p:spPr>
+          <p:style>
+            <a:lnRef idx="2">
+              <a:schemeClr val="accent1">
+                <a:shade val="50000"/>
+              </a:schemeClr>
+            </a:lnRef>
+            <a:fillRef idx="1">
+              <a:schemeClr val="accent1"/>
+            </a:fillRef>
+            <a:effectRef idx="0">
+              <a:schemeClr val="accent1"/>
+            </a:effectRef>
+            <a:fontRef idx="minor">
+              <a:schemeClr val="lt1"/>
+            </a:fontRef>
+          </p:style>
+          <p:txBody>
+            <a:bodyPr rtlCol="0" anchor="ctr"/>
+            <a:lstStyle/>
+            <a:p>
+              <a:pPr algn="ctr"/>
+              <a:endParaRPr lang="ko-KR" altLang="en-US"/>
+            </a:p>
+          </p:txBody>
+        </p:sp>
+        <p:grpSp>
+          <p:nvGrpSpPr>
+            <p:cNvPr id="187" name="그룹 186"/>
+            <p:cNvGrpSpPr/>
+            <p:nvPr/>
+          </p:nvGrpSpPr>
+          <p:grpSpPr>
+            <a:xfrm>
+              <a:off x="3127557" y="2255370"/>
+              <a:ext cx="465340" cy="465340"/>
+              <a:chOff x="3096188" y="2262185"/>
+              <a:chExt cx="465340" cy="465340"/>
+            </a:xfrm>
+          </p:grpSpPr>
+          <p:sp>
+            <p:nvSpPr>
+              <p:cNvPr id="204" name="팔각형 203"/>
+              <p:cNvSpPr/>
+              <p:nvPr/>
+            </p:nvSpPr>
+            <p:spPr>
+              <a:xfrm>
+                <a:off x="3096188" y="2262185"/>
+                <a:ext cx="465340" cy="465340"/>
+              </a:xfrm>
+              <a:prstGeom prst="octagon">
+                <a:avLst>
+                  <a:gd name="adj" fmla="val 11945"/>
+                </a:avLst>
+              </a:prstGeom>
+              <a:solidFill>
+                <a:srgbClr val="838D90"/>
+              </a:solidFill>
+              <a:ln w="38100">
+                <a:solidFill>
+                  <a:schemeClr val="tx1"/>
+                </a:solidFill>
+              </a:ln>
+            </p:spPr>
+            <p:style>
+              <a:lnRef idx="2">
+                <a:schemeClr val="accent1">
+                  <a:shade val="50000"/>
+                </a:schemeClr>
+              </a:lnRef>
+              <a:fillRef idx="1">
+                <a:schemeClr val="accent1"/>
+              </a:fillRef>
+              <a:effectRef idx="0">
+                <a:schemeClr val="accent1"/>
+              </a:effectRef>
+              <a:fontRef idx="minor">
+                <a:schemeClr val="lt1"/>
+              </a:fontRef>
+            </p:style>
+            <p:txBody>
+              <a:bodyPr rtlCol="0" anchor="ctr"/>
+              <a:lstStyle/>
+              <a:p>
+                <a:pPr algn="ctr"/>
+                <a:endParaRPr lang="ko-KR" altLang="en-US"/>
+              </a:p>
+            </p:txBody>
+          </p:sp>
+          <p:sp>
+            <p:nvSpPr>
+              <p:cNvPr id="205" name="팔각형 204"/>
+              <p:cNvSpPr/>
+              <p:nvPr/>
+            </p:nvSpPr>
+            <p:spPr>
+              <a:xfrm>
+                <a:off x="3181913" y="2347910"/>
+                <a:ext cx="293890" cy="293890"/>
+              </a:xfrm>
+              <a:prstGeom prst="octagon">
+                <a:avLst>
+                  <a:gd name="adj" fmla="val 11945"/>
+                </a:avLst>
+              </a:prstGeom>
+              <a:solidFill>
+                <a:srgbClr val="6E3232"/>
+              </a:solidFill>
+              <a:ln w="38100">
+                <a:solidFill>
+                  <a:schemeClr val="tx1"/>
+                </a:solidFill>
+              </a:ln>
+            </p:spPr>
+            <p:style>
+              <a:lnRef idx="2">
+                <a:schemeClr val="accent1">
+                  <a:shade val="50000"/>
+                </a:schemeClr>
+              </a:lnRef>
+              <a:fillRef idx="1">
+                <a:schemeClr val="accent1"/>
+              </a:fillRef>
+              <a:effectRef idx="0">
+                <a:schemeClr val="accent1"/>
+              </a:effectRef>
+              <a:fontRef idx="minor">
+                <a:schemeClr val="lt1"/>
+              </a:fontRef>
+            </p:style>
+            <p:txBody>
+              <a:bodyPr rtlCol="0" anchor="ctr"/>
+              <a:lstStyle/>
+              <a:p>
+                <a:pPr algn="ctr"/>
+                <a:endParaRPr lang="ko-KR" altLang="en-US"/>
+              </a:p>
+            </p:txBody>
+          </p:sp>
+        </p:grpSp>
+        <p:sp>
+          <p:nvSpPr>
+            <p:cNvPr id="188" name="직사각형 187"/>
+            <p:cNvSpPr/>
+            <p:nvPr/>
+          </p:nvSpPr>
+          <p:spPr>
+            <a:xfrm>
+              <a:off x="3085690" y="2761646"/>
+              <a:ext cx="548421" cy="58838"/>
+            </a:xfrm>
+            <a:prstGeom prst="rect">
+              <a:avLst/>
+            </a:prstGeom>
+            <a:solidFill>
+              <a:srgbClr val="6E3232"/>
+            </a:solidFill>
+            <a:ln w="38100">
+              <a:noFill/>
+            </a:ln>
+          </p:spPr>
+          <p:style>
+            <a:lnRef idx="2">
+              <a:schemeClr val="accent1">
+                <a:shade val="50000"/>
+              </a:schemeClr>
+            </a:lnRef>
+            <a:fillRef idx="1">
+              <a:schemeClr val="accent1"/>
+            </a:fillRef>
+            <a:effectRef idx="0">
+              <a:schemeClr val="accent1"/>
+            </a:effectRef>
+            <a:fontRef idx="minor">
+              <a:schemeClr val="lt1"/>
+            </a:fontRef>
+          </p:style>
+          <p:txBody>
+            <a:bodyPr rtlCol="0" anchor="ctr"/>
+            <a:lstStyle/>
+            <a:p>
+              <a:pPr algn="ctr"/>
+              <a:endParaRPr lang="ko-KR" altLang="en-US"/>
+            </a:p>
+          </p:txBody>
+        </p:sp>
+        <p:sp>
+          <p:nvSpPr>
+            <p:cNvPr id="189" name="직사각형 188"/>
+            <p:cNvSpPr/>
+            <p:nvPr/>
+          </p:nvSpPr>
+          <p:spPr>
+            <a:xfrm>
+              <a:off x="3284562" y="2736995"/>
+              <a:ext cx="153554" cy="222295"/>
+            </a:xfrm>
+            <a:prstGeom prst="rect">
+              <a:avLst/>
+            </a:prstGeom>
+            <a:solidFill>
+              <a:srgbClr val="838D90"/>
+            </a:solidFill>
+            <a:ln w="38100">
+              <a:solidFill>
+                <a:schemeClr val="tx1"/>
+              </a:solidFill>
+            </a:ln>
+          </p:spPr>
+          <p:style>
+            <a:lnRef idx="2">
+              <a:schemeClr val="accent1">
+                <a:shade val="50000"/>
+              </a:schemeClr>
+            </a:lnRef>
+            <a:fillRef idx="1">
+              <a:schemeClr val="accent1"/>
+            </a:fillRef>
+            <a:effectRef idx="0">
+              <a:schemeClr val="accent1"/>
+            </a:effectRef>
+            <a:fontRef idx="minor">
+              <a:schemeClr val="lt1"/>
+            </a:fontRef>
+          </p:style>
+          <p:txBody>
+            <a:bodyPr rtlCol="0" anchor="ctr"/>
+            <a:lstStyle/>
+            <a:p>
+              <a:pPr algn="ctr"/>
+              <a:endParaRPr lang="ko-KR" altLang="en-US"/>
+            </a:p>
+          </p:txBody>
+        </p:sp>
+        <p:sp>
+          <p:nvSpPr>
+            <p:cNvPr id="190" name="양쪽 모서리가 잘린 사각형 189"/>
+            <p:cNvSpPr/>
+            <p:nvPr/>
+          </p:nvSpPr>
+          <p:spPr>
+            <a:xfrm rot="16200000">
+              <a:off x="3109765" y="2956051"/>
+              <a:ext cx="500928" cy="245873"/>
+            </a:xfrm>
+            <a:prstGeom prst="snip2SameRect">
+              <a:avLst>
+                <a:gd name="adj1" fmla="val 50000"/>
+                <a:gd name="adj2" fmla="val 50000"/>
+              </a:avLst>
+            </a:prstGeom>
+            <a:solidFill>
+              <a:srgbClr val="838D90"/>
+            </a:solidFill>
+            <a:ln w="38100">
+              <a:solidFill>
+                <a:schemeClr val="tx1"/>
+              </a:solidFill>
+            </a:ln>
+          </p:spPr>
+          <p:style>
+            <a:lnRef idx="2">
+              <a:schemeClr val="accent1">
+                <a:shade val="50000"/>
+              </a:schemeClr>
+            </a:lnRef>
+            <a:fillRef idx="1">
+              <a:schemeClr val="accent1"/>
+            </a:fillRef>
+            <a:effectRef idx="0">
+              <a:schemeClr val="accent1"/>
+            </a:effectRef>
+            <a:fontRef idx="minor">
+              <a:schemeClr val="lt1"/>
+            </a:fontRef>
+          </p:style>
+          <p:txBody>
+            <a:bodyPr rtlCol="0" anchor="ctr"/>
+            <a:lstStyle/>
+            <a:p>
+              <a:pPr algn="ctr"/>
+              <a:endParaRPr lang="ko-KR" altLang="en-US"/>
+            </a:p>
+          </p:txBody>
+        </p:sp>
+        <p:sp>
+          <p:nvSpPr>
+            <p:cNvPr id="191" name="양쪽 모서리가 잘린 사각형 190"/>
+            <p:cNvSpPr/>
+            <p:nvPr/>
+          </p:nvSpPr>
+          <p:spPr>
+            <a:xfrm rot="16200000">
+              <a:off x="3234832" y="3017376"/>
+              <a:ext cx="255364" cy="125342"/>
+            </a:xfrm>
+            <a:prstGeom prst="snip2SameRect">
+              <a:avLst>
+                <a:gd name="adj1" fmla="val 50000"/>
+                <a:gd name="adj2" fmla="val 50000"/>
+              </a:avLst>
+            </a:prstGeom>
+            <a:solidFill>
+              <a:srgbClr val="6E3232"/>
+            </a:solidFill>
+            <a:ln w="38100">
+              <a:solidFill>
+                <a:schemeClr val="tx1"/>
+              </a:solidFill>
+            </a:ln>
+          </p:spPr>
+          <p:style>
+            <a:lnRef idx="2">
+              <a:schemeClr val="accent1">
+                <a:shade val="50000"/>
+              </a:schemeClr>
+            </a:lnRef>
+            <a:fillRef idx="1">
+              <a:schemeClr val="accent1"/>
+            </a:fillRef>
+            <a:effectRef idx="0">
+              <a:schemeClr val="accent1"/>
+            </a:effectRef>
+            <a:fontRef idx="minor">
+              <a:schemeClr val="lt1"/>
+            </a:fontRef>
+          </p:style>
+          <p:txBody>
+            <a:bodyPr rtlCol="0" anchor="ctr"/>
+            <a:lstStyle/>
+            <a:p>
+              <a:pPr algn="ctr"/>
+              <a:endParaRPr lang="ko-KR" altLang="en-US"/>
+            </a:p>
+          </p:txBody>
+        </p:sp>
+        <p:grpSp>
+          <p:nvGrpSpPr>
+            <p:cNvPr id="206" name="그룹 205"/>
+            <p:cNvGrpSpPr/>
+            <p:nvPr/>
+          </p:nvGrpSpPr>
+          <p:grpSpPr>
+            <a:xfrm>
+              <a:off x="3681357" y="2840245"/>
+              <a:ext cx="465340" cy="477485"/>
+              <a:chOff x="3096188" y="2262185"/>
+              <a:chExt cx="465340" cy="465340"/>
+            </a:xfrm>
+          </p:grpSpPr>
+          <p:sp>
+            <p:nvSpPr>
+              <p:cNvPr id="207" name="팔각형 206"/>
+              <p:cNvSpPr/>
+              <p:nvPr/>
+            </p:nvSpPr>
+            <p:spPr>
+              <a:xfrm>
+                <a:off x="3096188" y="2262185"/>
+                <a:ext cx="465340" cy="465340"/>
+              </a:xfrm>
+              <a:prstGeom prst="octagon">
+                <a:avLst>
+                  <a:gd name="adj" fmla="val 11945"/>
+                </a:avLst>
+              </a:prstGeom>
+              <a:solidFill>
+                <a:srgbClr val="838D90"/>
+              </a:solidFill>
+              <a:ln w="38100">
+                <a:solidFill>
+                  <a:schemeClr val="tx1"/>
+                </a:solidFill>
+              </a:ln>
+            </p:spPr>
+            <p:style>
+              <a:lnRef idx="2">
+                <a:schemeClr val="accent1">
+                  <a:shade val="50000"/>
+                </a:schemeClr>
+              </a:lnRef>
+              <a:fillRef idx="1">
+                <a:schemeClr val="accent1"/>
+              </a:fillRef>
+              <a:effectRef idx="0">
+                <a:schemeClr val="accent1"/>
+              </a:effectRef>
+              <a:fontRef idx="minor">
+                <a:schemeClr val="lt1"/>
+              </a:fontRef>
+            </p:style>
+            <p:txBody>
+              <a:bodyPr rtlCol="0" anchor="ctr"/>
+              <a:lstStyle/>
+              <a:p>
+                <a:pPr algn="ctr"/>
+                <a:endParaRPr lang="ko-KR" altLang="en-US"/>
+              </a:p>
+            </p:txBody>
+          </p:sp>
+          <p:sp>
+            <p:nvSpPr>
+              <p:cNvPr id="208" name="팔각형 207"/>
+              <p:cNvSpPr/>
+              <p:nvPr/>
+            </p:nvSpPr>
+            <p:spPr>
+              <a:xfrm>
+                <a:off x="3181913" y="2347910"/>
+                <a:ext cx="293890" cy="293890"/>
+              </a:xfrm>
+              <a:prstGeom prst="octagon">
+                <a:avLst>
+                  <a:gd name="adj" fmla="val 11945"/>
+                </a:avLst>
+              </a:prstGeom>
+              <a:solidFill>
+                <a:srgbClr val="6E3232"/>
+              </a:solidFill>
+              <a:ln w="38100">
+                <a:solidFill>
+                  <a:schemeClr val="tx1"/>
+                </a:solidFill>
+              </a:ln>
+            </p:spPr>
+            <p:style>
+              <a:lnRef idx="2">
+                <a:schemeClr val="accent1">
+                  <a:shade val="50000"/>
+                </a:schemeClr>
+              </a:lnRef>
+              <a:fillRef idx="1">
+                <a:schemeClr val="accent1"/>
+              </a:fillRef>
+              <a:effectRef idx="0">
+                <a:schemeClr val="accent1"/>
+              </a:effectRef>
+              <a:fontRef idx="minor">
+                <a:schemeClr val="lt1"/>
+              </a:fontRef>
+            </p:style>
+            <p:txBody>
+              <a:bodyPr rtlCol="0" anchor="ctr"/>
+              <a:lstStyle/>
+              <a:p>
+                <a:pPr algn="ctr"/>
+                <a:endParaRPr lang="ko-KR" altLang="en-US"/>
+              </a:p>
+            </p:txBody>
+          </p:sp>
+        </p:grpSp>
+        <p:grpSp>
+          <p:nvGrpSpPr>
+            <p:cNvPr id="209" name="그룹 208"/>
+            <p:cNvGrpSpPr/>
+            <p:nvPr/>
+          </p:nvGrpSpPr>
+          <p:grpSpPr>
+            <a:xfrm>
+              <a:off x="4289042" y="2840245"/>
+              <a:ext cx="465340" cy="477485"/>
+              <a:chOff x="3096188" y="2262185"/>
+              <a:chExt cx="465340" cy="465340"/>
+            </a:xfrm>
+          </p:grpSpPr>
+          <p:sp>
+            <p:nvSpPr>
+              <p:cNvPr id="210" name="팔각형 209"/>
+              <p:cNvSpPr/>
+              <p:nvPr/>
+            </p:nvSpPr>
+            <p:spPr>
+              <a:xfrm>
+                <a:off x="3096188" y="2262185"/>
+                <a:ext cx="465340" cy="465340"/>
+              </a:xfrm>
+              <a:prstGeom prst="octagon">
+                <a:avLst>
+                  <a:gd name="adj" fmla="val 11945"/>
+                </a:avLst>
+              </a:prstGeom>
+              <a:solidFill>
+                <a:srgbClr val="838D90"/>
+              </a:solidFill>
+              <a:ln w="38100">
+                <a:solidFill>
+                  <a:schemeClr val="tx1"/>
+                </a:solidFill>
+              </a:ln>
+            </p:spPr>
+            <p:style>
+              <a:lnRef idx="2">
+                <a:schemeClr val="accent1">
+                  <a:shade val="50000"/>
+                </a:schemeClr>
+              </a:lnRef>
+              <a:fillRef idx="1">
+                <a:schemeClr val="accent1"/>
+              </a:fillRef>
+              <a:effectRef idx="0">
+                <a:schemeClr val="accent1"/>
+              </a:effectRef>
+              <a:fontRef idx="minor">
+                <a:schemeClr val="lt1"/>
+              </a:fontRef>
+            </p:style>
+            <p:txBody>
+              <a:bodyPr rtlCol="0" anchor="ctr"/>
+              <a:lstStyle/>
+              <a:p>
+                <a:pPr algn="ctr"/>
+                <a:endParaRPr lang="ko-KR" altLang="en-US"/>
+              </a:p>
+            </p:txBody>
+          </p:sp>
+          <p:sp>
+            <p:nvSpPr>
+              <p:cNvPr id="211" name="팔각형 210"/>
+              <p:cNvSpPr/>
+              <p:nvPr/>
+            </p:nvSpPr>
+            <p:spPr>
+              <a:xfrm>
+                <a:off x="3181913" y="2347910"/>
+                <a:ext cx="293890" cy="293890"/>
+              </a:xfrm>
+              <a:prstGeom prst="octagon">
+                <a:avLst>
+                  <a:gd name="adj" fmla="val 11945"/>
+                </a:avLst>
+              </a:prstGeom>
+              <a:solidFill>
+                <a:srgbClr val="6E3232"/>
+              </a:solidFill>
+              <a:ln w="38100">
+                <a:solidFill>
+                  <a:schemeClr val="tx1"/>
+                </a:solidFill>
+              </a:ln>
+            </p:spPr>
+            <p:style>
+              <a:lnRef idx="2">
+                <a:schemeClr val="accent1">
+                  <a:shade val="50000"/>
+                </a:schemeClr>
+              </a:lnRef>
+              <a:fillRef idx="1">
+                <a:schemeClr val="accent1"/>
+              </a:fillRef>
+              <a:effectRef idx="0">
+                <a:schemeClr val="accent1"/>
+              </a:effectRef>
+              <a:fontRef idx="minor">
+                <a:schemeClr val="lt1"/>
+              </a:fontRef>
+            </p:style>
+            <p:txBody>
+              <a:bodyPr rtlCol="0" anchor="ctr"/>
+              <a:lstStyle/>
+              <a:p>
+                <a:pPr algn="ctr"/>
+                <a:endParaRPr lang="ko-KR" altLang="en-US"/>
+              </a:p>
+            </p:txBody>
+          </p:sp>
+        </p:grpSp>
+        <p:sp>
+          <p:nvSpPr>
+            <p:cNvPr id="213" name="직사각형 212"/>
+            <p:cNvSpPr/>
+            <p:nvPr/>
+          </p:nvSpPr>
+          <p:spPr>
+            <a:xfrm>
+              <a:off x="4754382" y="3024987"/>
+              <a:ext cx="70314" cy="108000"/>
+            </a:xfrm>
+            <a:prstGeom prst="rect">
+              <a:avLst/>
+            </a:prstGeom>
+            <a:solidFill>
+              <a:srgbClr val="838D90"/>
+            </a:solidFill>
+            <a:ln w="38100">
+              <a:solidFill>
+                <a:schemeClr val="tx1"/>
+              </a:solidFill>
+            </a:ln>
+          </p:spPr>
+          <p:style>
+            <a:lnRef idx="2">
+              <a:schemeClr val="accent1">
+                <a:shade val="50000"/>
+              </a:schemeClr>
+            </a:lnRef>
+            <a:fillRef idx="1">
+              <a:schemeClr val="accent1"/>
+            </a:fillRef>
+            <a:effectRef idx="0">
+              <a:schemeClr val="accent1"/>
+            </a:effectRef>
+            <a:fontRef idx="minor">
+              <a:schemeClr val="lt1"/>
+            </a:fontRef>
+          </p:style>
+          <p:txBody>
+            <a:bodyPr rtlCol="0" anchor="ctr"/>
+            <a:lstStyle/>
+            <a:p>
+              <a:pPr algn="ctr"/>
+              <a:endParaRPr lang="ko-KR" altLang="en-US"/>
+            </a:p>
+          </p:txBody>
+        </p:sp>
+        <p:sp>
+          <p:nvSpPr>
+            <p:cNvPr id="214" name="직사각형 213"/>
+            <p:cNvSpPr/>
+            <p:nvPr/>
+          </p:nvSpPr>
+          <p:spPr>
+            <a:xfrm>
+              <a:off x="4150692" y="2952364"/>
+              <a:ext cx="138349" cy="253246"/>
+            </a:xfrm>
+            <a:prstGeom prst="rect">
+              <a:avLst/>
+            </a:prstGeom>
+            <a:solidFill>
+              <a:srgbClr val="838D90"/>
+            </a:solidFill>
+            <a:ln w="38100">
+              <a:solidFill>
+                <a:schemeClr val="tx1"/>
+              </a:solidFill>
+            </a:ln>
+          </p:spPr>
+          <p:style>
+            <a:lnRef idx="2">
+              <a:schemeClr val="accent1">
+                <a:shade val="50000"/>
+              </a:schemeClr>
+            </a:lnRef>
+            <a:fillRef idx="1">
+              <a:schemeClr val="accent1"/>
+            </a:fillRef>
+            <a:effectRef idx="0">
+              <a:schemeClr val="accent1"/>
+            </a:effectRef>
+            <a:fontRef idx="minor">
+              <a:schemeClr val="lt1"/>
+            </a:fontRef>
+          </p:style>
+          <p:txBody>
+            <a:bodyPr rtlCol="0" anchor="ctr"/>
+            <a:lstStyle/>
+            <a:p>
+              <a:pPr algn="ctr"/>
+              <a:endParaRPr lang="ko-KR" altLang="en-US"/>
+            </a:p>
+          </p:txBody>
+        </p:sp>
+        <p:sp>
+          <p:nvSpPr>
+            <p:cNvPr id="212" name="직사각형 211"/>
+            <p:cNvSpPr/>
+            <p:nvPr/>
+          </p:nvSpPr>
+          <p:spPr>
+            <a:xfrm>
+              <a:off x="4060972" y="3024987"/>
+              <a:ext cx="313796" cy="108000"/>
+            </a:xfrm>
+            <a:prstGeom prst="rect">
+              <a:avLst/>
+            </a:prstGeom>
+            <a:solidFill>
+              <a:srgbClr val="6E3232"/>
+            </a:solidFill>
+            <a:ln w="38100">
+              <a:solidFill>
+                <a:schemeClr val="tx1"/>
+              </a:solidFill>
+            </a:ln>
+          </p:spPr>
+          <p:style>
+            <a:lnRef idx="2">
+              <a:schemeClr val="accent1">
+                <a:shade val="50000"/>
+              </a:schemeClr>
+            </a:lnRef>
+            <a:fillRef idx="1">
+              <a:schemeClr val="accent1"/>
+            </a:fillRef>
+            <a:effectRef idx="0">
+              <a:schemeClr val="accent1"/>
+            </a:effectRef>
+            <a:fontRef idx="minor">
+              <a:schemeClr val="lt1"/>
+            </a:fontRef>
+          </p:style>
+          <p:txBody>
+            <a:bodyPr rtlCol="0" anchor="ctr"/>
+            <a:lstStyle/>
+            <a:p>
+              <a:pPr algn="ctr"/>
+              <a:endParaRPr lang="ko-KR" altLang="en-US"/>
+            </a:p>
+          </p:txBody>
+        </p:sp>
+        <p:sp>
+          <p:nvSpPr>
+            <p:cNvPr id="215" name="직사각형 214"/>
+            <p:cNvSpPr/>
+            <p:nvPr/>
+          </p:nvSpPr>
+          <p:spPr>
+            <a:xfrm>
+              <a:off x="4041958" y="3041351"/>
+              <a:ext cx="352425" cy="75272"/>
+            </a:xfrm>
+            <a:prstGeom prst="rect">
+              <a:avLst/>
+            </a:prstGeom>
+            <a:solidFill>
+              <a:srgbClr val="6E3232"/>
+            </a:solidFill>
+            <a:ln w="38100">
+              <a:noFill/>
+            </a:ln>
+          </p:spPr>
+          <p:style>
+            <a:lnRef idx="2">
+              <a:schemeClr val="accent1">
+                <a:shade val="50000"/>
+              </a:schemeClr>
+            </a:lnRef>
+            <a:fillRef idx="1">
+              <a:schemeClr val="accent1"/>
+            </a:fillRef>
+            <a:effectRef idx="0">
+              <a:schemeClr val="accent1"/>
+            </a:effectRef>
+            <a:fontRef idx="minor">
+              <a:schemeClr val="lt1"/>
+            </a:fontRef>
+          </p:style>
+          <p:txBody>
+            <a:bodyPr rtlCol="0" anchor="ctr"/>
+            <a:lstStyle/>
+            <a:p>
+              <a:pPr algn="ctr"/>
+              <a:endParaRPr lang="ko-KR" altLang="en-US"/>
+            </a:p>
+          </p:txBody>
+        </p:sp>
+        <p:sp>
+          <p:nvSpPr>
+            <p:cNvPr id="216" name="직사각형 215"/>
+            <p:cNvSpPr/>
+            <p:nvPr/>
+          </p:nvSpPr>
+          <p:spPr>
+            <a:xfrm>
+              <a:off x="3483165" y="2959290"/>
+              <a:ext cx="198191" cy="82538"/>
+            </a:xfrm>
+            <a:prstGeom prst="rect">
+              <a:avLst/>
+            </a:prstGeom>
+            <a:solidFill>
+              <a:srgbClr val="838D90"/>
+            </a:solidFill>
+            <a:ln w="38100">
+              <a:solidFill>
+                <a:schemeClr val="tx1"/>
+              </a:solidFill>
+            </a:ln>
+          </p:spPr>
+          <p:style>
+            <a:lnRef idx="2">
+              <a:schemeClr val="accent1">
+                <a:shade val="50000"/>
+              </a:schemeClr>
+            </a:lnRef>
+            <a:fillRef idx="1">
+              <a:schemeClr val="accent1"/>
+            </a:fillRef>
+            <a:effectRef idx="0">
+              <a:schemeClr val="accent1"/>
+            </a:effectRef>
+            <a:fontRef idx="minor">
+              <a:schemeClr val="lt1"/>
+            </a:fontRef>
+          </p:style>
+          <p:txBody>
+            <a:bodyPr rtlCol="0" anchor="ctr"/>
+            <a:lstStyle/>
+            <a:p>
+              <a:pPr algn="ctr"/>
+              <a:endParaRPr lang="ko-KR" altLang="en-US"/>
+            </a:p>
+          </p:txBody>
+        </p:sp>
+        <p:sp>
+          <p:nvSpPr>
+            <p:cNvPr id="217" name="직사각형 216"/>
+            <p:cNvSpPr/>
+            <p:nvPr/>
+          </p:nvSpPr>
+          <p:spPr>
+            <a:xfrm>
+              <a:off x="3069557" y="3113157"/>
+              <a:ext cx="164216" cy="82538"/>
+            </a:xfrm>
+            <a:prstGeom prst="rect">
+              <a:avLst/>
+            </a:prstGeom>
+            <a:solidFill>
+              <a:srgbClr val="838D90"/>
+            </a:solidFill>
+            <a:ln w="38100">
+              <a:solidFill>
+                <a:schemeClr val="tx1"/>
+              </a:solidFill>
+            </a:ln>
+          </p:spPr>
+          <p:style>
+            <a:lnRef idx="2">
+              <a:schemeClr val="accent1">
+                <a:shade val="50000"/>
+              </a:schemeClr>
+            </a:lnRef>
+            <a:fillRef idx="1">
+              <a:schemeClr val="accent1"/>
+            </a:fillRef>
+            <a:effectRef idx="0">
+              <a:schemeClr val="accent1"/>
+            </a:effectRef>
+            <a:fontRef idx="minor">
+              <a:schemeClr val="lt1"/>
+            </a:fontRef>
+          </p:style>
+          <p:txBody>
+            <a:bodyPr rtlCol="0" anchor="ctr"/>
+            <a:lstStyle/>
+            <a:p>
+              <a:pPr algn="ctr"/>
+              <a:endParaRPr lang="ko-KR" altLang="en-US"/>
+            </a:p>
+          </p:txBody>
+        </p:sp>
+        <p:sp>
+          <p:nvSpPr>
+            <p:cNvPr id="218" name="직사각형 217"/>
+            <p:cNvSpPr/>
+            <p:nvPr/>
+          </p:nvSpPr>
+          <p:spPr>
+            <a:xfrm>
+              <a:off x="3069557" y="2959290"/>
+              <a:ext cx="164216" cy="82538"/>
+            </a:xfrm>
+            <a:prstGeom prst="rect">
+              <a:avLst/>
+            </a:prstGeom>
+            <a:solidFill>
+              <a:srgbClr val="838D90"/>
+            </a:solidFill>
+            <a:ln w="38100">
+              <a:solidFill>
+                <a:schemeClr val="tx1"/>
+              </a:solidFill>
+            </a:ln>
+          </p:spPr>
+          <p:style>
+            <a:lnRef idx="2">
+              <a:schemeClr val="accent1">
+                <a:shade val="50000"/>
+              </a:schemeClr>
+            </a:lnRef>
+            <a:fillRef idx="1">
+              <a:schemeClr val="accent1"/>
+            </a:fillRef>
+            <a:effectRef idx="0">
+              <a:schemeClr val="accent1"/>
+            </a:effectRef>
+            <a:fontRef idx="minor">
+              <a:schemeClr val="lt1"/>
+            </a:fontRef>
+          </p:style>
+          <p:txBody>
+            <a:bodyPr rtlCol="0" anchor="ctr"/>
+            <a:lstStyle/>
+            <a:p>
+              <a:pPr algn="ctr"/>
+              <a:endParaRPr lang="ko-KR" altLang="en-US"/>
+            </a:p>
+          </p:txBody>
+        </p:sp>
+      </p:grpSp>
+    </p:spTree>
+    <p:extLst>
+      <p:ext uri="{BB962C8B-B14F-4D97-AF65-F5344CB8AC3E}">
+        <p14:creationId xmlns:p14="http://schemas.microsoft.com/office/powerpoint/2010/main" val="869583626"/>
+      </p:ext>
+    </p:extLst>
+  </p:cSld>
+  <p:clrMapOvr>
+    <a:masterClrMapping/>
+  </p:clrMapOvr>
+</p:sld>
+</file>
+
+<file path=ppt/slides/slide3.xml><?xml version="1.0" encoding="utf-8"?>
+<p:sld xmlns:a="http://schemas.openxmlformats.org/drawingml/2006/main" xmlns:r="http://schemas.openxmlformats.org/officeDocument/2006/relationships" xmlns:p="http://schemas.openxmlformats.org/presentationml/2006/main">
+  <p:cSld>
+    <p:spTree>
+      <p:nvGrpSpPr>
+        <p:cNvPr id="1" name=""/>
+        <p:cNvGrpSpPr/>
+        <p:nvPr/>
+      </p:nvGrpSpPr>
+      <p:grpSpPr>
+        <a:xfrm>
+          <a:off x="0" y="0"/>
+          <a:ext cx="0" cy="0"/>
+          <a:chOff x="0" y="0"/>
+          <a:chExt cx="0" cy="0"/>
+        </a:xfrm>
+      </p:grpSpPr>
       <p:sp>
         <p:nvSpPr>
-          <p:cNvPr id="4" name="직사각형 3"/>
+          <p:cNvPr id="16" name="팔각형 15"/>
           <p:cNvSpPr/>
           <p:nvPr/>
         </p:nvSpPr>
         <p:spPr>
           <a:xfrm>
-            <a:off x="3035964" y="2193579"/>
-            <a:ext cx="585788" cy="591628"/>
+            <a:off x="6268399" y="819755"/>
+            <a:ext cx="585788" cy="2343150"/>
           </a:xfrm>
-          <a:prstGeom prst="rect">
-            <a:avLst/>
+          <a:prstGeom prst="octagon">
+            <a:avLst>
+              <a:gd name="adj" fmla="val 12622"/>
+            </a:avLst>
           </a:prstGeom>
           <a:solidFill>
             <a:srgbClr val="6E3232"/>
@@ -7803,22 +9767,851 @@
       </p:sp>
       <p:sp>
         <p:nvSpPr>
-          <p:cNvPr id="81" name="팔각형 80"/>
+          <p:cNvPr id="203" name="직사각형 202"/>
           <p:cNvSpPr/>
           <p:nvPr/>
         </p:nvSpPr>
         <p:spPr>
           <a:xfrm>
-            <a:off x="3096188" y="2262185"/>
-            <a:ext cx="465340" cy="465340"/>
+            <a:off x="6514979" y="1348117"/>
+            <a:ext cx="92628" cy="1286427"/>
           </a:xfrm>
-          <a:prstGeom prst="octagon">
-            <a:avLst>
-              <a:gd name="adj" fmla="val 11945"/>
-            </a:avLst>
+          <a:prstGeom prst="rect">
+            <a:avLst/>
           </a:prstGeom>
           <a:solidFill>
             <a:srgbClr val="838D90"/>
+          </a:solidFill>
+          <a:ln w="38100">
+            <a:solidFill>
+              <a:schemeClr val="tx1"/>
+            </a:solidFill>
+          </a:ln>
+        </p:spPr>
+        <p:style>
+          <a:lnRef idx="2">
+            <a:schemeClr val="accent1">
+              <a:shade val="50000"/>
+            </a:schemeClr>
+          </a:lnRef>
+          <a:fillRef idx="1">
+            <a:schemeClr val="accent1"/>
+          </a:fillRef>
+          <a:effectRef idx="0">
+            <a:schemeClr val="accent1"/>
+          </a:effectRef>
+          <a:fontRef idx="minor">
+            <a:schemeClr val="lt1"/>
+          </a:fontRef>
+        </p:style>
+        <p:txBody>
+          <a:bodyPr rtlCol="0" anchor="ctr"/>
+          <a:lstStyle/>
+          <a:p>
+            <a:pPr algn="ctr"/>
+            <a:endParaRPr lang="ko-KR" altLang="en-US"/>
+          </a:p>
+        </p:txBody>
+      </p:sp>
+      <p:pic>
+        <p:nvPicPr>
+          <p:cNvPr id="1026" name="Picture 2" descr="https://static.wikia.nocookie.net/survivio/images/d/d4/Space_Cubes.jpeg/revision/latest/scale-to-width-down/180?cb=20200505222241"/>
+          <p:cNvPicPr>
+            <a:picLocks noChangeAspect="1" noChangeArrowheads="1"/>
+          </p:cNvPicPr>
+          <p:nvPr/>
+        </p:nvPicPr>
+        <p:blipFill rotWithShape="1">
+          <a:blip r:embed="rId2">
+            <a:extLst>
+              <a:ext uri="{28A0092B-C50C-407E-A947-70E740481C1C}">
+                <a14:useLocalDpi xmlns:a14="http://schemas.microsoft.com/office/drawing/2010/main" val="0"/>
+              </a:ext>
+            </a:extLst>
+          </a:blip>
+          <a:srcRect l="7963"/>
+          <a:stretch/>
+        </p:blipFill>
+        <p:spPr bwMode="auto">
+          <a:xfrm>
+            <a:off x="0" y="0"/>
+            <a:ext cx="1577975" cy="1590675"/>
+          </a:xfrm>
+          <a:prstGeom prst="rect">
+            <a:avLst/>
+          </a:prstGeom>
+          <a:noFill/>
+          <a:extLst>
+            <a:ext uri="{909E8E84-426E-40DD-AFC4-6F175D3DCCD1}">
+              <a14:hiddenFill xmlns:a14="http://schemas.microsoft.com/office/drawing/2010/main">
+                <a:solidFill>
+                  <a:srgbClr val="FFFFFF"/>
+                </a:solidFill>
+              </a14:hiddenFill>
+            </a:ext>
+          </a:extLst>
+        </p:spPr>
+      </p:pic>
+      <p:grpSp>
+        <p:nvGrpSpPr>
+          <p:cNvPr id="79" name="그룹 78"/>
+          <p:cNvGrpSpPr/>
+          <p:nvPr/>
+        </p:nvGrpSpPr>
+        <p:grpSpPr>
+          <a:xfrm>
+            <a:off x="3035964" y="819756"/>
+            <a:ext cx="1173421" cy="1171574"/>
+            <a:chOff x="131763" y="138112"/>
+            <a:chExt cx="1173421" cy="1171574"/>
+          </a:xfrm>
+        </p:grpSpPr>
+        <p:sp>
+          <p:nvSpPr>
+            <p:cNvPr id="3" name="팔각형 2"/>
+            <p:cNvSpPr/>
+            <p:nvPr/>
+          </p:nvSpPr>
+          <p:spPr>
+            <a:xfrm>
+              <a:off x="131764" y="138114"/>
+              <a:ext cx="1171572" cy="1171572"/>
+            </a:xfrm>
+            <a:prstGeom prst="octagon">
+              <a:avLst>
+                <a:gd name="adj" fmla="val 11945"/>
+              </a:avLst>
+            </a:prstGeom>
+            <a:solidFill>
+              <a:srgbClr val="6E3232"/>
+            </a:solidFill>
+            <a:ln w="38100">
+              <a:solidFill>
+                <a:schemeClr val="tx1"/>
+              </a:solidFill>
+            </a:ln>
+          </p:spPr>
+          <p:style>
+            <a:lnRef idx="2">
+              <a:schemeClr val="accent1">
+                <a:shade val="50000"/>
+              </a:schemeClr>
+            </a:lnRef>
+            <a:fillRef idx="1">
+              <a:schemeClr val="accent1"/>
+            </a:fillRef>
+            <a:effectRef idx="0">
+              <a:schemeClr val="accent1"/>
+            </a:effectRef>
+            <a:fontRef idx="minor">
+              <a:schemeClr val="lt1"/>
+            </a:fontRef>
+          </p:style>
+          <p:txBody>
+            <a:bodyPr rtlCol="0" anchor="ctr"/>
+            <a:lstStyle/>
+            <a:p>
+              <a:pPr algn="ctr"/>
+              <a:endParaRPr lang="ko-KR" altLang="en-US"/>
+            </a:p>
+          </p:txBody>
+        </p:sp>
+        <p:sp>
+          <p:nvSpPr>
+            <p:cNvPr id="5" name="사다리꼴 4"/>
+            <p:cNvSpPr/>
+            <p:nvPr/>
+          </p:nvSpPr>
+          <p:spPr>
+            <a:xfrm>
+              <a:off x="296069" y="1124843"/>
+              <a:ext cx="842962" cy="184843"/>
+            </a:xfrm>
+            <a:prstGeom prst="trapezoid">
+              <a:avLst/>
+            </a:prstGeom>
+            <a:solidFill>
+              <a:srgbClr val="838D90"/>
+            </a:solidFill>
+            <a:ln w="38100">
+              <a:solidFill>
+                <a:schemeClr val="tx1"/>
+              </a:solidFill>
+            </a:ln>
+          </p:spPr>
+          <p:style>
+            <a:lnRef idx="2">
+              <a:schemeClr val="accent1">
+                <a:shade val="50000"/>
+              </a:schemeClr>
+            </a:lnRef>
+            <a:fillRef idx="1">
+              <a:schemeClr val="accent1"/>
+            </a:fillRef>
+            <a:effectRef idx="0">
+              <a:schemeClr val="accent1"/>
+            </a:effectRef>
+            <a:fontRef idx="minor">
+              <a:schemeClr val="lt1"/>
+            </a:fontRef>
+          </p:style>
+          <p:txBody>
+            <a:bodyPr rot="0" spcFirstLastPara="0" vertOverflow="overflow" horzOverflow="overflow" vert="horz" wrap="square" lIns="91440" tIns="45720" rIns="91440" bIns="45720" numCol="1" spcCol="0" rtlCol="0" fromWordArt="0" anchor="ctr" anchorCtr="0" forceAA="0" compatLnSpc="1">
+              <a:prstTxWarp prst="textNoShape">
+                <a:avLst/>
+              </a:prstTxWarp>
+              <a:noAutofit/>
+            </a:bodyPr>
+            <a:lstStyle/>
+            <a:p>
+              <a:pPr algn="ctr"/>
+              <a:endParaRPr lang="ko-KR" altLang="en-US"/>
+            </a:p>
+          </p:txBody>
+        </p:sp>
+        <p:sp>
+          <p:nvSpPr>
+            <p:cNvPr id="28" name="사다리꼴 27"/>
+            <p:cNvSpPr/>
+            <p:nvPr/>
+          </p:nvSpPr>
+          <p:spPr>
+            <a:xfrm rot="10800000">
+              <a:off x="296069" y="138112"/>
+              <a:ext cx="842962" cy="184844"/>
+            </a:xfrm>
+            <a:prstGeom prst="trapezoid">
+              <a:avLst/>
+            </a:prstGeom>
+            <a:solidFill>
+              <a:srgbClr val="838D90"/>
+            </a:solidFill>
+            <a:ln w="38100">
+              <a:solidFill>
+                <a:schemeClr val="tx1"/>
+              </a:solidFill>
+            </a:ln>
+          </p:spPr>
+          <p:style>
+            <a:lnRef idx="2">
+              <a:schemeClr val="accent1">
+                <a:shade val="50000"/>
+              </a:schemeClr>
+            </a:lnRef>
+            <a:fillRef idx="1">
+              <a:schemeClr val="accent1"/>
+            </a:fillRef>
+            <a:effectRef idx="0">
+              <a:schemeClr val="accent1"/>
+            </a:effectRef>
+            <a:fontRef idx="minor">
+              <a:schemeClr val="lt1"/>
+            </a:fontRef>
+          </p:style>
+          <p:txBody>
+            <a:bodyPr rot="0" spcFirstLastPara="0" vertOverflow="overflow" horzOverflow="overflow" vert="horz" wrap="square" lIns="91440" tIns="45720" rIns="91440" bIns="45720" numCol="1" spcCol="0" rtlCol="0" fromWordArt="0" anchor="ctr" anchorCtr="0" forceAA="0" compatLnSpc="1">
+              <a:prstTxWarp prst="textNoShape">
+                <a:avLst/>
+              </a:prstTxWarp>
+              <a:noAutofit/>
+            </a:bodyPr>
+            <a:lstStyle/>
+            <a:p>
+              <a:pPr algn="ctr"/>
+              <a:endParaRPr lang="ko-KR" altLang="en-US"/>
+            </a:p>
+          </p:txBody>
+        </p:sp>
+        <p:sp>
+          <p:nvSpPr>
+            <p:cNvPr id="37" name="사다리꼴 36"/>
+            <p:cNvSpPr/>
+            <p:nvPr/>
+          </p:nvSpPr>
+          <p:spPr>
+            <a:xfrm rot="5400000">
+              <a:off x="-197296" y="631478"/>
+              <a:ext cx="842962" cy="184843"/>
+            </a:xfrm>
+            <a:prstGeom prst="trapezoid">
+              <a:avLst/>
+            </a:prstGeom>
+            <a:solidFill>
+              <a:srgbClr val="838D90"/>
+            </a:solidFill>
+            <a:ln w="38100">
+              <a:solidFill>
+                <a:schemeClr val="tx1"/>
+              </a:solidFill>
+            </a:ln>
+          </p:spPr>
+          <p:style>
+            <a:lnRef idx="2">
+              <a:schemeClr val="accent1">
+                <a:shade val="50000"/>
+              </a:schemeClr>
+            </a:lnRef>
+            <a:fillRef idx="1">
+              <a:schemeClr val="accent1"/>
+            </a:fillRef>
+            <a:effectRef idx="0">
+              <a:schemeClr val="accent1"/>
+            </a:effectRef>
+            <a:fontRef idx="minor">
+              <a:schemeClr val="lt1"/>
+            </a:fontRef>
+          </p:style>
+          <p:txBody>
+            <a:bodyPr rot="0" spcFirstLastPara="0" vertOverflow="overflow" horzOverflow="overflow" vert="horz" wrap="square" lIns="91440" tIns="45720" rIns="91440" bIns="45720" numCol="1" spcCol="0" rtlCol="0" fromWordArt="0" anchor="ctr" anchorCtr="0" forceAA="0" compatLnSpc="1">
+              <a:prstTxWarp prst="textNoShape">
+                <a:avLst/>
+              </a:prstTxWarp>
+              <a:noAutofit/>
+            </a:bodyPr>
+            <a:lstStyle/>
+            <a:p>
+              <a:pPr algn="ctr"/>
+              <a:endParaRPr lang="ko-KR" altLang="en-US"/>
+            </a:p>
+          </p:txBody>
+        </p:sp>
+        <p:sp>
+          <p:nvSpPr>
+            <p:cNvPr id="38" name="사다리꼴 37"/>
+            <p:cNvSpPr/>
+            <p:nvPr/>
+          </p:nvSpPr>
+          <p:spPr>
+            <a:xfrm rot="16200000">
+              <a:off x="789436" y="631479"/>
+              <a:ext cx="842962" cy="184842"/>
+            </a:xfrm>
+            <a:prstGeom prst="trapezoid">
+              <a:avLst/>
+            </a:prstGeom>
+            <a:solidFill>
+              <a:srgbClr val="838D90"/>
+            </a:solidFill>
+            <a:ln w="38100">
+              <a:solidFill>
+                <a:schemeClr val="tx1"/>
+              </a:solidFill>
+            </a:ln>
+          </p:spPr>
+          <p:style>
+            <a:lnRef idx="2">
+              <a:schemeClr val="accent1">
+                <a:shade val="50000"/>
+              </a:schemeClr>
+            </a:lnRef>
+            <a:fillRef idx="1">
+              <a:schemeClr val="accent1"/>
+            </a:fillRef>
+            <a:effectRef idx="0">
+              <a:schemeClr val="accent1"/>
+            </a:effectRef>
+            <a:fontRef idx="minor">
+              <a:schemeClr val="lt1"/>
+            </a:fontRef>
+          </p:style>
+          <p:txBody>
+            <a:bodyPr rot="0" spcFirstLastPara="0" vertOverflow="overflow" horzOverflow="overflow" vert="horz" wrap="square" lIns="91440" tIns="45720" rIns="91440" bIns="45720" numCol="1" spcCol="0" rtlCol="0" fromWordArt="0" anchor="ctr" anchorCtr="0" forceAA="0" compatLnSpc="1">
+              <a:prstTxWarp prst="textNoShape">
+                <a:avLst/>
+              </a:prstTxWarp>
+              <a:noAutofit/>
+            </a:bodyPr>
+            <a:lstStyle/>
+            <a:p>
+              <a:pPr algn="ctr"/>
+              <a:endParaRPr lang="ko-KR" altLang="en-US"/>
+            </a:p>
+          </p:txBody>
+        </p:sp>
+        <p:cxnSp>
+          <p:nvCxnSpPr>
+            <p:cNvPr id="7" name="직선 연결선 6"/>
+            <p:cNvCxnSpPr>
+              <a:stCxn id="28" idx="3"/>
+              <a:endCxn id="37" idx="1"/>
+            </p:cNvCxnSpPr>
+            <p:nvPr/>
+          </p:nvCxnSpPr>
+          <p:spPr>
+            <a:xfrm flipH="1">
+              <a:off x="224185" y="230534"/>
+              <a:ext cx="94989" cy="94990"/>
+            </a:xfrm>
+            <a:prstGeom prst="line">
+              <a:avLst/>
+            </a:prstGeom>
+            <a:ln w="38100">
+              <a:solidFill>
+                <a:schemeClr val="tx1"/>
+              </a:solidFill>
+            </a:ln>
+          </p:spPr>
+          <p:style>
+            <a:lnRef idx="1">
+              <a:schemeClr val="accent1"/>
+            </a:lnRef>
+            <a:fillRef idx="0">
+              <a:schemeClr val="accent1"/>
+            </a:fillRef>
+            <a:effectRef idx="0">
+              <a:schemeClr val="accent1"/>
+            </a:effectRef>
+            <a:fontRef idx="minor">
+              <a:schemeClr val="tx1"/>
+            </a:fontRef>
+          </p:style>
+        </p:cxnSp>
+        <p:cxnSp>
+          <p:nvCxnSpPr>
+            <p:cNvPr id="39" name="직선 연결선 38"/>
+            <p:cNvCxnSpPr>
+              <a:stCxn id="5" idx="1"/>
+              <a:endCxn id="37" idx="3"/>
+            </p:cNvCxnSpPr>
+            <p:nvPr/>
+          </p:nvCxnSpPr>
+          <p:spPr>
+            <a:xfrm flipH="1" flipV="1">
+              <a:off x="224185" y="1122276"/>
+              <a:ext cx="94989" cy="94989"/>
+            </a:xfrm>
+            <a:prstGeom prst="line">
+              <a:avLst/>
+            </a:prstGeom>
+            <a:ln w="38100">
+              <a:solidFill>
+                <a:schemeClr val="tx1"/>
+              </a:solidFill>
+            </a:ln>
+          </p:spPr>
+          <p:style>
+            <a:lnRef idx="1">
+              <a:schemeClr val="accent1"/>
+            </a:lnRef>
+            <a:fillRef idx="0">
+              <a:schemeClr val="accent1"/>
+            </a:fillRef>
+            <a:effectRef idx="0">
+              <a:schemeClr val="accent1"/>
+            </a:effectRef>
+            <a:fontRef idx="minor">
+              <a:schemeClr val="tx1"/>
+            </a:fontRef>
+          </p:style>
+        </p:cxnSp>
+        <p:cxnSp>
+          <p:nvCxnSpPr>
+            <p:cNvPr id="40" name="직선 연결선 39"/>
+            <p:cNvCxnSpPr>
+              <a:stCxn id="38" idx="1"/>
+              <a:endCxn id="5" idx="3"/>
+            </p:cNvCxnSpPr>
+            <p:nvPr/>
+          </p:nvCxnSpPr>
+          <p:spPr>
+            <a:xfrm flipH="1">
+              <a:off x="1115926" y="1122276"/>
+              <a:ext cx="94991" cy="94989"/>
+            </a:xfrm>
+            <a:prstGeom prst="line">
+              <a:avLst/>
+            </a:prstGeom>
+            <a:ln w="38100">
+              <a:solidFill>
+                <a:schemeClr val="tx1"/>
+              </a:solidFill>
+            </a:ln>
+          </p:spPr>
+          <p:style>
+            <a:lnRef idx="1">
+              <a:schemeClr val="accent1"/>
+            </a:lnRef>
+            <a:fillRef idx="0">
+              <a:schemeClr val="accent1"/>
+            </a:fillRef>
+            <a:effectRef idx="0">
+              <a:schemeClr val="accent1"/>
+            </a:effectRef>
+            <a:fontRef idx="minor">
+              <a:schemeClr val="tx1"/>
+            </a:fontRef>
+          </p:style>
+        </p:cxnSp>
+        <p:cxnSp>
+          <p:nvCxnSpPr>
+            <p:cNvPr id="41" name="직선 연결선 40"/>
+            <p:cNvCxnSpPr>
+              <a:stCxn id="38" idx="3"/>
+              <a:endCxn id="28" idx="1"/>
+            </p:cNvCxnSpPr>
+            <p:nvPr/>
+          </p:nvCxnSpPr>
+          <p:spPr>
+            <a:xfrm flipH="1" flipV="1">
+              <a:off x="1115925" y="230534"/>
+              <a:ext cx="94992" cy="94990"/>
+            </a:xfrm>
+            <a:prstGeom prst="line">
+              <a:avLst/>
+            </a:prstGeom>
+            <a:ln w="38100">
+              <a:solidFill>
+                <a:schemeClr val="tx1"/>
+              </a:solidFill>
+            </a:ln>
+          </p:spPr>
+          <p:style>
+            <a:lnRef idx="1">
+              <a:schemeClr val="accent1"/>
+            </a:lnRef>
+            <a:fillRef idx="0">
+              <a:schemeClr val="accent1"/>
+            </a:fillRef>
+            <a:effectRef idx="0">
+              <a:schemeClr val="accent1"/>
+            </a:effectRef>
+            <a:fontRef idx="minor">
+              <a:schemeClr val="tx1"/>
+            </a:fontRef>
+          </p:style>
+        </p:cxnSp>
+        <p:sp>
+          <p:nvSpPr>
+            <p:cNvPr id="51" name="팔각형 50"/>
+            <p:cNvSpPr/>
+            <p:nvPr/>
+          </p:nvSpPr>
+          <p:spPr>
+            <a:xfrm>
+              <a:off x="409027" y="415377"/>
+              <a:ext cx="617046" cy="617046"/>
+            </a:xfrm>
+            <a:prstGeom prst="octagon">
+              <a:avLst>
+                <a:gd name="adj" fmla="val 11945"/>
+              </a:avLst>
+            </a:prstGeom>
+            <a:solidFill>
+              <a:srgbClr val="838D90"/>
+            </a:solidFill>
+            <a:ln w="38100">
+              <a:solidFill>
+                <a:schemeClr val="tx1"/>
+              </a:solidFill>
+            </a:ln>
+          </p:spPr>
+          <p:style>
+            <a:lnRef idx="2">
+              <a:schemeClr val="accent1">
+                <a:shade val="50000"/>
+              </a:schemeClr>
+            </a:lnRef>
+            <a:fillRef idx="1">
+              <a:schemeClr val="accent1"/>
+            </a:fillRef>
+            <a:effectRef idx="0">
+              <a:schemeClr val="accent1"/>
+            </a:effectRef>
+            <a:fontRef idx="minor">
+              <a:schemeClr val="lt1"/>
+            </a:fontRef>
+          </p:style>
+          <p:txBody>
+            <a:bodyPr rtlCol="0" anchor="ctr"/>
+            <a:lstStyle/>
+            <a:p>
+              <a:pPr algn="ctr"/>
+              <a:endParaRPr lang="ko-KR" altLang="en-US"/>
+            </a:p>
+          </p:txBody>
+        </p:sp>
+        <p:sp>
+          <p:nvSpPr>
+            <p:cNvPr id="50" name="타원 49"/>
+            <p:cNvSpPr/>
+            <p:nvPr/>
+          </p:nvSpPr>
+          <p:spPr>
+            <a:xfrm>
+              <a:off x="531812" y="538162"/>
+              <a:ext cx="371476" cy="371476"/>
+            </a:xfrm>
+            <a:prstGeom prst="ellipse">
+              <a:avLst/>
+            </a:prstGeom>
+            <a:solidFill>
+              <a:srgbClr val="6E3232"/>
+            </a:solidFill>
+            <a:ln w="38100">
+              <a:solidFill>
+                <a:schemeClr val="tx1"/>
+              </a:solidFill>
+            </a:ln>
+          </p:spPr>
+          <p:style>
+            <a:lnRef idx="2">
+              <a:schemeClr val="accent1">
+                <a:shade val="50000"/>
+              </a:schemeClr>
+            </a:lnRef>
+            <a:fillRef idx="1">
+              <a:schemeClr val="accent1"/>
+            </a:fillRef>
+            <a:effectRef idx="0">
+              <a:schemeClr val="accent1"/>
+            </a:effectRef>
+            <a:fontRef idx="minor">
+              <a:schemeClr val="lt1"/>
+            </a:fontRef>
+          </p:style>
+          <p:txBody>
+            <a:bodyPr rot="0" spcFirstLastPara="0" vertOverflow="overflow" horzOverflow="overflow" vert="horz" wrap="square" lIns="91440" tIns="45720" rIns="91440" bIns="45720" numCol="1" spcCol="0" rtlCol="0" fromWordArt="0" anchor="ctr" anchorCtr="0" forceAA="0" compatLnSpc="1">
+              <a:prstTxWarp prst="textNoShape">
+                <a:avLst/>
+              </a:prstTxWarp>
+              <a:noAutofit/>
+            </a:bodyPr>
+            <a:lstStyle/>
+            <a:p>
+              <a:pPr algn="ctr"/>
+              <a:endParaRPr lang="ko-KR" altLang="en-US"/>
+            </a:p>
+          </p:txBody>
+        </p:sp>
+        <p:sp>
+          <p:nvSpPr>
+            <p:cNvPr id="56" name="사다리꼴 55"/>
+            <p:cNvSpPr/>
+            <p:nvPr/>
+          </p:nvSpPr>
+          <p:spPr>
+            <a:xfrm>
+              <a:off x="531813" y="1124842"/>
+              <a:ext cx="371475" cy="184844"/>
+            </a:xfrm>
+            <a:prstGeom prst="trapezoid">
+              <a:avLst/>
+            </a:prstGeom>
+            <a:solidFill>
+              <a:srgbClr val="6E3232"/>
+            </a:solidFill>
+            <a:ln w="38100">
+              <a:solidFill>
+                <a:schemeClr val="tx1"/>
+              </a:solidFill>
+            </a:ln>
+          </p:spPr>
+          <p:style>
+            <a:lnRef idx="2">
+              <a:schemeClr val="accent1">
+                <a:shade val="50000"/>
+              </a:schemeClr>
+            </a:lnRef>
+            <a:fillRef idx="1">
+              <a:schemeClr val="accent1"/>
+            </a:fillRef>
+            <a:effectRef idx="0">
+              <a:schemeClr val="accent1"/>
+            </a:effectRef>
+            <a:fontRef idx="minor">
+              <a:schemeClr val="lt1"/>
+            </a:fontRef>
+          </p:style>
+          <p:txBody>
+            <a:bodyPr rot="0" spcFirstLastPara="0" vertOverflow="overflow" horzOverflow="overflow" vert="horz" wrap="square" lIns="91440" tIns="45720" rIns="91440" bIns="45720" numCol="1" spcCol="0" rtlCol="0" fromWordArt="0" anchor="ctr" anchorCtr="0" forceAA="0" compatLnSpc="1">
+              <a:prstTxWarp prst="textNoShape">
+                <a:avLst/>
+              </a:prstTxWarp>
+              <a:noAutofit/>
+            </a:bodyPr>
+            <a:lstStyle/>
+            <a:p>
+              <a:pPr algn="ctr"/>
+              <a:endParaRPr lang="ko-KR" altLang="en-US"/>
+            </a:p>
+          </p:txBody>
+        </p:sp>
+        <p:sp>
+          <p:nvSpPr>
+            <p:cNvPr id="58" name="사다리꼴 57"/>
+            <p:cNvSpPr/>
+            <p:nvPr/>
+          </p:nvSpPr>
+          <p:spPr>
+            <a:xfrm rot="16200000">
+              <a:off x="1027025" y="631481"/>
+              <a:ext cx="371475" cy="184842"/>
+            </a:xfrm>
+            <a:prstGeom prst="trapezoid">
+              <a:avLst/>
+            </a:prstGeom>
+            <a:solidFill>
+              <a:srgbClr val="6E3232"/>
+            </a:solidFill>
+            <a:ln w="38100">
+              <a:solidFill>
+                <a:schemeClr val="tx1"/>
+              </a:solidFill>
+            </a:ln>
+          </p:spPr>
+          <p:style>
+            <a:lnRef idx="2">
+              <a:schemeClr val="accent1">
+                <a:shade val="50000"/>
+              </a:schemeClr>
+            </a:lnRef>
+            <a:fillRef idx="1">
+              <a:schemeClr val="accent1"/>
+            </a:fillRef>
+            <a:effectRef idx="0">
+              <a:schemeClr val="accent1"/>
+            </a:effectRef>
+            <a:fontRef idx="minor">
+              <a:schemeClr val="lt1"/>
+            </a:fontRef>
+          </p:style>
+          <p:txBody>
+            <a:bodyPr rot="0" spcFirstLastPara="0" vertOverflow="overflow" horzOverflow="overflow" vert="horz" wrap="square" lIns="91440" tIns="45720" rIns="91440" bIns="45720" numCol="1" spcCol="0" rtlCol="0" fromWordArt="0" anchor="ctr" anchorCtr="0" forceAA="0" compatLnSpc="1">
+              <a:prstTxWarp prst="textNoShape">
+                <a:avLst/>
+              </a:prstTxWarp>
+              <a:noAutofit/>
+            </a:bodyPr>
+            <a:lstStyle/>
+            <a:p>
+              <a:pPr algn="ctr"/>
+              <a:endParaRPr lang="ko-KR" altLang="en-US"/>
+            </a:p>
+          </p:txBody>
+        </p:sp>
+        <p:sp>
+          <p:nvSpPr>
+            <p:cNvPr id="60" name="사다리꼴 59"/>
+            <p:cNvSpPr/>
+            <p:nvPr/>
+          </p:nvSpPr>
+          <p:spPr>
+            <a:xfrm rot="10800000">
+              <a:off x="531813" y="138112"/>
+              <a:ext cx="371475" cy="184844"/>
+            </a:xfrm>
+            <a:prstGeom prst="trapezoid">
+              <a:avLst/>
+            </a:prstGeom>
+            <a:solidFill>
+              <a:srgbClr val="6E3232"/>
+            </a:solidFill>
+            <a:ln w="38100">
+              <a:solidFill>
+                <a:schemeClr val="tx1"/>
+              </a:solidFill>
+            </a:ln>
+          </p:spPr>
+          <p:style>
+            <a:lnRef idx="2">
+              <a:schemeClr val="accent1">
+                <a:shade val="50000"/>
+              </a:schemeClr>
+            </a:lnRef>
+            <a:fillRef idx="1">
+              <a:schemeClr val="accent1"/>
+            </a:fillRef>
+            <a:effectRef idx="0">
+              <a:schemeClr val="accent1"/>
+            </a:effectRef>
+            <a:fontRef idx="minor">
+              <a:schemeClr val="lt1"/>
+            </a:fontRef>
+          </p:style>
+          <p:txBody>
+            <a:bodyPr rot="0" spcFirstLastPara="0" vertOverflow="overflow" horzOverflow="overflow" vert="horz" wrap="square" lIns="91440" tIns="45720" rIns="91440" bIns="45720" numCol="1" spcCol="0" rtlCol="0" fromWordArt="0" anchor="ctr" anchorCtr="0" forceAA="0" compatLnSpc="1">
+              <a:prstTxWarp prst="textNoShape">
+                <a:avLst/>
+              </a:prstTxWarp>
+              <a:noAutofit/>
+            </a:bodyPr>
+            <a:lstStyle/>
+            <a:p>
+              <a:pPr algn="ctr"/>
+              <a:endParaRPr lang="ko-KR" altLang="en-US"/>
+            </a:p>
+          </p:txBody>
+        </p:sp>
+        <p:sp>
+          <p:nvSpPr>
+            <p:cNvPr id="78" name="사다리꼴 77"/>
+            <p:cNvSpPr/>
+            <p:nvPr/>
+          </p:nvSpPr>
+          <p:spPr>
+            <a:xfrm rot="5400000">
+              <a:off x="39321" y="632354"/>
+              <a:ext cx="371475" cy="183097"/>
+            </a:xfrm>
+            <a:prstGeom prst="trapezoid">
+              <a:avLst/>
+            </a:prstGeom>
+            <a:solidFill>
+              <a:srgbClr val="6E3232"/>
+            </a:solidFill>
+            <a:ln w="38100">
+              <a:solidFill>
+                <a:schemeClr val="tx1"/>
+              </a:solidFill>
+            </a:ln>
+          </p:spPr>
+          <p:style>
+            <a:lnRef idx="2">
+              <a:schemeClr val="accent1">
+                <a:shade val="50000"/>
+              </a:schemeClr>
+            </a:lnRef>
+            <a:fillRef idx="1">
+              <a:schemeClr val="accent1"/>
+            </a:fillRef>
+            <a:effectRef idx="0">
+              <a:schemeClr val="accent1"/>
+            </a:effectRef>
+            <a:fontRef idx="minor">
+              <a:schemeClr val="lt1"/>
+            </a:fontRef>
+          </p:style>
+          <p:txBody>
+            <a:bodyPr rot="0" spcFirstLastPara="0" vertOverflow="overflow" horzOverflow="overflow" vert="horz" wrap="square" lIns="91440" tIns="45720" rIns="91440" bIns="45720" numCol="1" spcCol="0" rtlCol="0" fromWordArt="0" anchor="ctr" anchorCtr="0" forceAA="0" compatLnSpc="1">
+              <a:prstTxWarp prst="textNoShape">
+                <a:avLst/>
+              </a:prstTxWarp>
+              <a:noAutofit/>
+            </a:bodyPr>
+            <a:lstStyle/>
+            <a:p>
+              <a:pPr algn="ctr"/>
+              <a:endParaRPr lang="ko-KR" altLang="en-US"/>
+            </a:p>
+          </p:txBody>
+        </p:sp>
+      </p:grpSp>
+      <p:sp>
+        <p:nvSpPr>
+          <p:cNvPr id="86" name="직사각형 85"/>
+          <p:cNvSpPr/>
+          <p:nvPr/>
+        </p:nvSpPr>
+        <p:spPr>
+          <a:xfrm rot="5400000">
+            <a:off x="3035457" y="3808515"/>
+            <a:ext cx="585788" cy="586800"/>
+          </a:xfrm>
+          <a:prstGeom prst="rect">
+            <a:avLst/>
+          </a:prstGeom>
+          <a:solidFill>
+            <a:srgbClr val="6E3232"/>
           </a:solidFill>
           <a:ln w="38100">
             <a:solidFill>
@@ -7853,19 +10646,17 @@
       </p:sp>
       <p:sp>
         <p:nvSpPr>
-          <p:cNvPr id="82" name="팔각형 81"/>
+          <p:cNvPr id="94" name="직사각형 93"/>
           <p:cNvSpPr/>
           <p:nvPr/>
         </p:nvSpPr>
         <p:spPr>
-          <a:xfrm>
-            <a:off x="3181913" y="2347910"/>
-            <a:ext cx="293890" cy="293890"/>
+          <a:xfrm rot="5400000">
+            <a:off x="3035457" y="4394303"/>
+            <a:ext cx="585788" cy="586800"/>
           </a:xfrm>
-          <a:prstGeom prst="octagon">
-            <a:avLst>
-              <a:gd name="adj" fmla="val 11945"/>
-            </a:avLst>
+          <a:prstGeom prst="rect">
+            <a:avLst/>
           </a:prstGeom>
           <a:solidFill>
             <a:srgbClr val="6E3232"/>
@@ -7903,14 +10694,2632 @@
       </p:sp>
       <p:sp>
         <p:nvSpPr>
-          <p:cNvPr id="27" name="직사각형 26"/>
+          <p:cNvPr id="95" name="직사각형 94"/>
+          <p:cNvSpPr/>
+          <p:nvPr/>
+        </p:nvSpPr>
+        <p:spPr>
+          <a:xfrm rot="5400000">
+            <a:off x="3621243" y="4394303"/>
+            <a:ext cx="585788" cy="586800"/>
+          </a:xfrm>
+          <a:prstGeom prst="rect">
+            <a:avLst/>
+          </a:prstGeom>
+          <a:solidFill>
+            <a:srgbClr val="6E3232"/>
+          </a:solidFill>
+          <a:ln w="38100">
+            <a:solidFill>
+              <a:schemeClr val="tx1"/>
+            </a:solidFill>
+          </a:ln>
+        </p:spPr>
+        <p:style>
+          <a:lnRef idx="2">
+            <a:schemeClr val="accent1">
+              <a:shade val="50000"/>
+            </a:schemeClr>
+          </a:lnRef>
+          <a:fillRef idx="1">
+            <a:schemeClr val="accent1"/>
+          </a:fillRef>
+          <a:effectRef idx="0">
+            <a:schemeClr val="accent1"/>
+          </a:effectRef>
+          <a:fontRef idx="minor">
+            <a:schemeClr val="lt1"/>
+          </a:fontRef>
+        </p:style>
+        <p:txBody>
+          <a:bodyPr rtlCol="0" anchor="ctr"/>
+          <a:lstStyle/>
+          <a:p>
+            <a:pPr algn="ctr"/>
+            <a:endParaRPr lang="ko-KR" altLang="en-US"/>
+          </a:p>
+        </p:txBody>
+      </p:sp>
+      <p:sp>
+        <p:nvSpPr>
+          <p:cNvPr id="96" name="직사각형 95"/>
+          <p:cNvSpPr/>
+          <p:nvPr/>
+        </p:nvSpPr>
+        <p:spPr>
+          <a:xfrm rot="5400000">
+            <a:off x="3621243" y="4977599"/>
+            <a:ext cx="585788" cy="586800"/>
+          </a:xfrm>
+          <a:prstGeom prst="rect">
+            <a:avLst/>
+          </a:prstGeom>
+          <a:solidFill>
+            <a:srgbClr val="6E3232"/>
+          </a:solidFill>
+          <a:ln w="38100">
+            <a:solidFill>
+              <a:schemeClr val="tx1"/>
+            </a:solidFill>
+          </a:ln>
+        </p:spPr>
+        <p:style>
+          <a:lnRef idx="2">
+            <a:schemeClr val="accent1">
+              <a:shade val="50000"/>
+            </a:schemeClr>
+          </a:lnRef>
+          <a:fillRef idx="1">
+            <a:schemeClr val="accent1"/>
+          </a:fillRef>
+          <a:effectRef idx="0">
+            <a:schemeClr val="accent1"/>
+          </a:effectRef>
+          <a:fontRef idx="minor">
+            <a:schemeClr val="lt1"/>
+          </a:fontRef>
+        </p:style>
+        <p:txBody>
+          <a:bodyPr rtlCol="0" anchor="ctr"/>
+          <a:lstStyle/>
+          <a:p>
+            <a:pPr algn="ctr"/>
+            <a:endParaRPr lang="ko-KR" altLang="en-US"/>
+          </a:p>
+        </p:txBody>
+      </p:sp>
+      <p:sp>
+        <p:nvSpPr>
+          <p:cNvPr id="97" name="직사각형 96"/>
+          <p:cNvSpPr/>
+          <p:nvPr/>
+        </p:nvSpPr>
+        <p:spPr>
+          <a:xfrm rot="5400000">
+            <a:off x="4938524" y="3808515"/>
+            <a:ext cx="585788" cy="586800"/>
+          </a:xfrm>
+          <a:prstGeom prst="rect">
+            <a:avLst/>
+          </a:prstGeom>
+          <a:solidFill>
+            <a:srgbClr val="6E3232"/>
+          </a:solidFill>
+          <a:ln w="38100">
+            <a:solidFill>
+              <a:schemeClr val="tx1"/>
+            </a:solidFill>
+          </a:ln>
+        </p:spPr>
+        <p:style>
+          <a:lnRef idx="2">
+            <a:schemeClr val="accent1">
+              <a:shade val="50000"/>
+            </a:schemeClr>
+          </a:lnRef>
+          <a:fillRef idx="1">
+            <a:schemeClr val="accent1"/>
+          </a:fillRef>
+          <a:effectRef idx="0">
+            <a:schemeClr val="accent1"/>
+          </a:effectRef>
+          <a:fontRef idx="minor">
+            <a:schemeClr val="lt1"/>
+          </a:fontRef>
+        </p:style>
+        <p:txBody>
+          <a:bodyPr rtlCol="0" anchor="ctr"/>
+          <a:lstStyle/>
+          <a:p>
+            <a:pPr algn="ctr"/>
+            <a:endParaRPr lang="ko-KR" altLang="en-US"/>
+          </a:p>
+        </p:txBody>
+      </p:sp>
+      <p:sp>
+        <p:nvSpPr>
+          <p:cNvPr id="98" name="직사각형 97"/>
+          <p:cNvSpPr/>
+          <p:nvPr/>
+        </p:nvSpPr>
+        <p:spPr>
+          <a:xfrm rot="5400000">
+            <a:off x="4352738" y="4394303"/>
+            <a:ext cx="585788" cy="586800"/>
+          </a:xfrm>
+          <a:prstGeom prst="rect">
+            <a:avLst/>
+          </a:prstGeom>
+          <a:solidFill>
+            <a:srgbClr val="6E3232"/>
+          </a:solidFill>
+          <a:ln w="38100">
+            <a:solidFill>
+              <a:schemeClr val="tx1"/>
+            </a:solidFill>
+          </a:ln>
+        </p:spPr>
+        <p:style>
+          <a:lnRef idx="2">
+            <a:schemeClr val="accent1">
+              <a:shade val="50000"/>
+            </a:schemeClr>
+          </a:lnRef>
+          <a:fillRef idx="1">
+            <a:schemeClr val="accent1"/>
+          </a:fillRef>
+          <a:effectRef idx="0">
+            <a:schemeClr val="accent1"/>
+          </a:effectRef>
+          <a:fontRef idx="minor">
+            <a:schemeClr val="lt1"/>
+          </a:fontRef>
+        </p:style>
+        <p:txBody>
+          <a:bodyPr rtlCol="0" anchor="ctr"/>
+          <a:lstStyle/>
+          <a:p>
+            <a:pPr algn="ctr"/>
+            <a:endParaRPr lang="ko-KR" altLang="en-US"/>
+          </a:p>
+        </p:txBody>
+      </p:sp>
+      <p:sp>
+        <p:nvSpPr>
+          <p:cNvPr id="99" name="직사각형 98"/>
+          <p:cNvSpPr/>
+          <p:nvPr/>
+        </p:nvSpPr>
+        <p:spPr>
+          <a:xfrm rot="5400000">
+            <a:off x="4938524" y="4394303"/>
+            <a:ext cx="585788" cy="586800"/>
+          </a:xfrm>
+          <a:prstGeom prst="rect">
+            <a:avLst/>
+          </a:prstGeom>
+          <a:solidFill>
+            <a:srgbClr val="6E3232"/>
+          </a:solidFill>
+          <a:ln w="38100">
+            <a:solidFill>
+              <a:schemeClr val="tx1"/>
+            </a:solidFill>
+          </a:ln>
+        </p:spPr>
+        <p:style>
+          <a:lnRef idx="2">
+            <a:schemeClr val="accent1">
+              <a:shade val="50000"/>
+            </a:schemeClr>
+          </a:lnRef>
+          <a:fillRef idx="1">
+            <a:schemeClr val="accent1"/>
+          </a:fillRef>
+          <a:effectRef idx="0">
+            <a:schemeClr val="accent1"/>
+          </a:effectRef>
+          <a:fontRef idx="minor">
+            <a:schemeClr val="lt1"/>
+          </a:fontRef>
+        </p:style>
+        <p:txBody>
+          <a:bodyPr rtlCol="0" anchor="ctr"/>
+          <a:lstStyle/>
+          <a:p>
+            <a:pPr algn="ctr"/>
+            <a:endParaRPr lang="ko-KR" altLang="en-US"/>
+          </a:p>
+        </p:txBody>
+      </p:sp>
+      <p:sp>
+        <p:nvSpPr>
+          <p:cNvPr id="100" name="직사각형 99"/>
+          <p:cNvSpPr/>
+          <p:nvPr/>
+        </p:nvSpPr>
+        <p:spPr>
+          <a:xfrm rot="5400000">
+            <a:off x="4358590" y="4977599"/>
+            <a:ext cx="585788" cy="586800"/>
+          </a:xfrm>
+          <a:prstGeom prst="rect">
+            <a:avLst/>
+          </a:prstGeom>
+          <a:solidFill>
+            <a:srgbClr val="6E3232"/>
+          </a:solidFill>
+          <a:ln w="38100">
+            <a:solidFill>
+              <a:schemeClr val="tx1"/>
+            </a:solidFill>
+          </a:ln>
+        </p:spPr>
+        <p:style>
+          <a:lnRef idx="2">
+            <a:schemeClr val="accent1">
+              <a:shade val="50000"/>
+            </a:schemeClr>
+          </a:lnRef>
+          <a:fillRef idx="1">
+            <a:schemeClr val="accent1"/>
+          </a:fillRef>
+          <a:effectRef idx="0">
+            <a:schemeClr val="accent1"/>
+          </a:effectRef>
+          <a:fontRef idx="minor">
+            <a:schemeClr val="lt1"/>
+          </a:fontRef>
+        </p:style>
+        <p:txBody>
+          <a:bodyPr rtlCol="0" anchor="ctr"/>
+          <a:lstStyle/>
+          <a:p>
+            <a:pPr algn="ctr"/>
+            <a:endParaRPr lang="ko-KR" altLang="en-US"/>
+          </a:p>
+        </p:txBody>
+      </p:sp>
+      <p:grpSp>
+        <p:nvGrpSpPr>
+          <p:cNvPr id="32" name="그룹 31"/>
+          <p:cNvGrpSpPr/>
+          <p:nvPr/>
+        </p:nvGrpSpPr>
+        <p:grpSpPr>
+          <a:xfrm rot="16200000">
+            <a:off x="9332488" y="4101682"/>
+            <a:ext cx="587814" cy="2340660"/>
+            <a:chOff x="8991614" y="3223233"/>
+            <a:chExt cx="587814" cy="2340660"/>
+          </a:xfrm>
+        </p:grpSpPr>
+        <p:sp>
+          <p:nvSpPr>
+            <p:cNvPr id="113" name="직사각형 112"/>
+            <p:cNvSpPr/>
+            <p:nvPr/>
+          </p:nvSpPr>
+          <p:spPr>
+            <a:xfrm rot="5400000">
+              <a:off x="8992121" y="3222727"/>
+              <a:ext cx="585788" cy="586800"/>
+            </a:xfrm>
+            <a:prstGeom prst="rect">
+              <a:avLst/>
+            </a:prstGeom>
+            <a:solidFill>
+              <a:srgbClr val="6E3232"/>
+            </a:solidFill>
+            <a:ln w="38100">
+              <a:solidFill>
+                <a:schemeClr val="tx1"/>
+              </a:solidFill>
+            </a:ln>
+          </p:spPr>
+          <p:style>
+            <a:lnRef idx="2">
+              <a:schemeClr val="accent1">
+                <a:shade val="50000"/>
+              </a:schemeClr>
+            </a:lnRef>
+            <a:fillRef idx="1">
+              <a:schemeClr val="accent1"/>
+            </a:fillRef>
+            <a:effectRef idx="0">
+              <a:schemeClr val="accent1"/>
+            </a:effectRef>
+            <a:fontRef idx="minor">
+              <a:schemeClr val="lt1"/>
+            </a:fontRef>
+          </p:style>
+          <p:txBody>
+            <a:bodyPr rtlCol="0" anchor="ctr"/>
+            <a:lstStyle/>
+            <a:p>
+              <a:pPr algn="ctr"/>
+              <a:endParaRPr lang="ko-KR" altLang="en-US"/>
+            </a:p>
+          </p:txBody>
+        </p:sp>
+        <p:sp>
+          <p:nvSpPr>
+            <p:cNvPr id="114" name="직사각형 113"/>
+            <p:cNvSpPr/>
+            <p:nvPr/>
+          </p:nvSpPr>
+          <p:spPr>
+            <a:xfrm rot="5400000">
+              <a:off x="8993134" y="4394303"/>
+              <a:ext cx="585788" cy="586800"/>
+            </a:xfrm>
+            <a:prstGeom prst="rect">
+              <a:avLst/>
+            </a:prstGeom>
+            <a:solidFill>
+              <a:srgbClr val="6E3232"/>
+            </a:solidFill>
+            <a:ln w="38100">
+              <a:solidFill>
+                <a:schemeClr val="tx1"/>
+              </a:solidFill>
+            </a:ln>
+          </p:spPr>
+          <p:style>
+            <a:lnRef idx="2">
+              <a:schemeClr val="accent1">
+                <a:shade val="50000"/>
+              </a:schemeClr>
+            </a:lnRef>
+            <a:fillRef idx="1">
+              <a:schemeClr val="accent1"/>
+            </a:fillRef>
+            <a:effectRef idx="0">
+              <a:schemeClr val="accent1"/>
+            </a:effectRef>
+            <a:fontRef idx="minor">
+              <a:schemeClr val="lt1"/>
+            </a:fontRef>
+          </p:style>
+          <p:txBody>
+            <a:bodyPr rtlCol="0" anchor="ctr"/>
+            <a:lstStyle/>
+            <a:p>
+              <a:pPr algn="ctr"/>
+              <a:endParaRPr lang="ko-KR" altLang="en-US"/>
+            </a:p>
+          </p:txBody>
+        </p:sp>
+        <p:sp>
+          <p:nvSpPr>
+            <p:cNvPr id="115" name="직사각형 114"/>
+            <p:cNvSpPr/>
+            <p:nvPr/>
+          </p:nvSpPr>
+          <p:spPr>
+            <a:xfrm rot="5400000">
+              <a:off x="8992121" y="3808515"/>
+              <a:ext cx="585788" cy="586800"/>
+            </a:xfrm>
+            <a:prstGeom prst="rect">
+              <a:avLst/>
+            </a:prstGeom>
+            <a:solidFill>
+              <a:srgbClr val="6E3232"/>
+            </a:solidFill>
+            <a:ln w="38100">
+              <a:solidFill>
+                <a:schemeClr val="tx1"/>
+              </a:solidFill>
+            </a:ln>
+          </p:spPr>
+          <p:style>
+            <a:lnRef idx="2">
+              <a:schemeClr val="accent1">
+                <a:shade val="50000"/>
+              </a:schemeClr>
+            </a:lnRef>
+            <a:fillRef idx="1">
+              <a:schemeClr val="accent1"/>
+            </a:fillRef>
+            <a:effectRef idx="0">
+              <a:schemeClr val="accent1"/>
+            </a:effectRef>
+            <a:fontRef idx="minor">
+              <a:schemeClr val="lt1"/>
+            </a:fontRef>
+          </p:style>
+          <p:txBody>
+            <a:bodyPr rtlCol="0" anchor="ctr"/>
+            <a:lstStyle/>
+            <a:p>
+              <a:pPr algn="ctr"/>
+              <a:endParaRPr lang="ko-KR" altLang="en-US"/>
+            </a:p>
+          </p:txBody>
+        </p:sp>
+        <p:sp>
+          <p:nvSpPr>
+            <p:cNvPr id="116" name="직사각형 115"/>
+            <p:cNvSpPr/>
+            <p:nvPr/>
+          </p:nvSpPr>
+          <p:spPr>
+            <a:xfrm rot="5400000">
+              <a:off x="8992120" y="4977599"/>
+              <a:ext cx="585788" cy="586800"/>
+            </a:xfrm>
+            <a:prstGeom prst="rect">
+              <a:avLst/>
+            </a:prstGeom>
+            <a:solidFill>
+              <a:srgbClr val="6E3232"/>
+            </a:solidFill>
+            <a:ln w="38100">
+              <a:solidFill>
+                <a:schemeClr val="tx1"/>
+              </a:solidFill>
+            </a:ln>
+          </p:spPr>
+          <p:style>
+            <a:lnRef idx="2">
+              <a:schemeClr val="accent1">
+                <a:shade val="50000"/>
+              </a:schemeClr>
+            </a:lnRef>
+            <a:fillRef idx="1">
+              <a:schemeClr val="accent1"/>
+            </a:fillRef>
+            <a:effectRef idx="0">
+              <a:schemeClr val="accent1"/>
+            </a:effectRef>
+            <a:fontRef idx="minor">
+              <a:schemeClr val="lt1"/>
+            </a:fontRef>
+          </p:style>
+          <p:txBody>
+            <a:bodyPr rtlCol="0" anchor="ctr"/>
+            <a:lstStyle/>
+            <a:p>
+              <a:pPr algn="ctr"/>
+              <a:endParaRPr lang="ko-KR" altLang="en-US"/>
+            </a:p>
+          </p:txBody>
+        </p:sp>
+      </p:grpSp>
+      <p:sp>
+        <p:nvSpPr>
+          <p:cNvPr id="118" name="직사각형 117"/>
+          <p:cNvSpPr/>
+          <p:nvPr/>
+        </p:nvSpPr>
+        <p:spPr>
+          <a:xfrm rot="5400000">
+            <a:off x="1518065" y="2418516"/>
+            <a:ext cx="585788" cy="586800"/>
+          </a:xfrm>
+          <a:prstGeom prst="rect">
+            <a:avLst/>
+          </a:prstGeom>
+          <a:solidFill>
+            <a:srgbClr val="6E3232"/>
+          </a:solidFill>
+          <a:ln w="38100">
+            <a:solidFill>
+              <a:schemeClr val="tx1"/>
+            </a:solidFill>
+          </a:ln>
+        </p:spPr>
+        <p:style>
+          <a:lnRef idx="2">
+            <a:schemeClr val="accent1">
+              <a:shade val="50000"/>
+            </a:schemeClr>
+          </a:lnRef>
+          <a:fillRef idx="1">
+            <a:schemeClr val="accent1"/>
+          </a:fillRef>
+          <a:effectRef idx="0">
+            <a:schemeClr val="accent1"/>
+          </a:effectRef>
+          <a:fontRef idx="minor">
+            <a:schemeClr val="lt1"/>
+          </a:fontRef>
+        </p:style>
+        <p:txBody>
+          <a:bodyPr rtlCol="0" anchor="ctr"/>
+          <a:lstStyle/>
+          <a:p>
+            <a:pPr algn="ctr"/>
+            <a:endParaRPr lang="ko-KR" altLang="en-US"/>
+          </a:p>
+        </p:txBody>
+      </p:sp>
+      <p:sp>
+        <p:nvSpPr>
+          <p:cNvPr id="119" name="직사각형 118"/>
+          <p:cNvSpPr/>
+          <p:nvPr/>
+        </p:nvSpPr>
+        <p:spPr>
+          <a:xfrm rot="5400000">
+            <a:off x="1519078" y="3590092"/>
+            <a:ext cx="585788" cy="586800"/>
+          </a:xfrm>
+          <a:prstGeom prst="rect">
+            <a:avLst/>
+          </a:prstGeom>
+          <a:solidFill>
+            <a:srgbClr val="6E3232"/>
+          </a:solidFill>
+          <a:ln w="38100">
+            <a:solidFill>
+              <a:schemeClr val="tx1"/>
+            </a:solidFill>
+          </a:ln>
+        </p:spPr>
+        <p:style>
+          <a:lnRef idx="2">
+            <a:schemeClr val="accent1">
+              <a:shade val="50000"/>
+            </a:schemeClr>
+          </a:lnRef>
+          <a:fillRef idx="1">
+            <a:schemeClr val="accent1"/>
+          </a:fillRef>
+          <a:effectRef idx="0">
+            <a:schemeClr val="accent1"/>
+          </a:effectRef>
+          <a:fontRef idx="minor">
+            <a:schemeClr val="lt1"/>
+          </a:fontRef>
+        </p:style>
+        <p:txBody>
+          <a:bodyPr rtlCol="0" anchor="ctr"/>
+          <a:lstStyle/>
+          <a:p>
+            <a:pPr algn="ctr"/>
+            <a:endParaRPr lang="ko-KR" altLang="en-US"/>
+          </a:p>
+        </p:txBody>
+      </p:sp>
+      <p:sp>
+        <p:nvSpPr>
+          <p:cNvPr id="120" name="직사각형 119"/>
+          <p:cNvSpPr/>
+          <p:nvPr/>
+        </p:nvSpPr>
+        <p:spPr>
+          <a:xfrm rot="5400000">
+            <a:off x="1518065" y="3004304"/>
+            <a:ext cx="585788" cy="586800"/>
+          </a:xfrm>
+          <a:prstGeom prst="rect">
+            <a:avLst/>
+          </a:prstGeom>
+          <a:solidFill>
+            <a:srgbClr val="6E3232"/>
+          </a:solidFill>
+          <a:ln w="38100">
+            <a:solidFill>
+              <a:schemeClr val="tx1"/>
+            </a:solidFill>
+          </a:ln>
+        </p:spPr>
+        <p:style>
+          <a:lnRef idx="2">
+            <a:schemeClr val="accent1">
+              <a:shade val="50000"/>
+            </a:schemeClr>
+          </a:lnRef>
+          <a:fillRef idx="1">
+            <a:schemeClr val="accent1"/>
+          </a:fillRef>
+          <a:effectRef idx="0">
+            <a:schemeClr val="accent1"/>
+          </a:effectRef>
+          <a:fontRef idx="minor">
+            <a:schemeClr val="lt1"/>
+          </a:fontRef>
+        </p:style>
+        <p:txBody>
+          <a:bodyPr rtlCol="0" anchor="ctr"/>
+          <a:lstStyle/>
+          <a:p>
+            <a:pPr algn="ctr"/>
+            <a:endParaRPr lang="ko-KR" altLang="en-US"/>
+          </a:p>
+        </p:txBody>
+      </p:sp>
+      <p:sp>
+        <p:nvSpPr>
+          <p:cNvPr id="121" name="직사각형 120"/>
+          <p:cNvSpPr/>
+          <p:nvPr/>
+        </p:nvSpPr>
+        <p:spPr>
+          <a:xfrm rot="5400000">
+            <a:off x="2102840" y="3004304"/>
+            <a:ext cx="585788" cy="586800"/>
+          </a:xfrm>
+          <a:prstGeom prst="rect">
+            <a:avLst/>
+          </a:prstGeom>
+          <a:solidFill>
+            <a:srgbClr val="6E3232"/>
+          </a:solidFill>
+          <a:ln w="38100">
+            <a:solidFill>
+              <a:schemeClr val="tx1"/>
+            </a:solidFill>
+          </a:ln>
+        </p:spPr>
+        <p:style>
+          <a:lnRef idx="2">
+            <a:schemeClr val="accent1">
+              <a:shade val="50000"/>
+            </a:schemeClr>
+          </a:lnRef>
+          <a:fillRef idx="1">
+            <a:schemeClr val="accent1"/>
+          </a:fillRef>
+          <a:effectRef idx="0">
+            <a:schemeClr val="accent1"/>
+          </a:effectRef>
+          <a:fontRef idx="minor">
+            <a:schemeClr val="lt1"/>
+          </a:fontRef>
+        </p:style>
+        <p:txBody>
+          <a:bodyPr rtlCol="0" anchor="ctr"/>
+          <a:lstStyle/>
+          <a:p>
+            <a:pPr algn="ctr"/>
+            <a:endParaRPr lang="ko-KR" altLang="en-US"/>
+          </a:p>
+        </p:txBody>
+      </p:sp>
+      <p:grpSp>
+        <p:nvGrpSpPr>
+          <p:cNvPr id="33" name="그룹 32"/>
+          <p:cNvGrpSpPr/>
+          <p:nvPr/>
+        </p:nvGrpSpPr>
+        <p:grpSpPr>
+          <a:xfrm rot="10800000">
+            <a:off x="111233" y="2419022"/>
+            <a:ext cx="1171575" cy="1757364"/>
+            <a:chOff x="8475140" y="2087218"/>
+            <a:chExt cx="1171575" cy="1757364"/>
+          </a:xfrm>
+        </p:grpSpPr>
+        <p:sp>
+          <p:nvSpPr>
+            <p:cNvPr id="122" name="직사각형 121"/>
+            <p:cNvSpPr/>
+            <p:nvPr/>
+          </p:nvSpPr>
+          <p:spPr>
+            <a:xfrm rot="5400000">
+              <a:off x="8475646" y="2086712"/>
+              <a:ext cx="585788" cy="586800"/>
+            </a:xfrm>
+            <a:prstGeom prst="rect">
+              <a:avLst/>
+            </a:prstGeom>
+            <a:solidFill>
+              <a:srgbClr val="6E3232"/>
+            </a:solidFill>
+            <a:ln w="38100">
+              <a:solidFill>
+                <a:schemeClr val="tx1"/>
+              </a:solidFill>
+            </a:ln>
+          </p:spPr>
+          <p:style>
+            <a:lnRef idx="2">
+              <a:schemeClr val="accent1">
+                <a:shade val="50000"/>
+              </a:schemeClr>
+            </a:lnRef>
+            <a:fillRef idx="1">
+              <a:schemeClr val="accent1"/>
+            </a:fillRef>
+            <a:effectRef idx="0">
+              <a:schemeClr val="accent1"/>
+            </a:effectRef>
+            <a:fontRef idx="minor">
+              <a:schemeClr val="lt1"/>
+            </a:fontRef>
+          </p:style>
+          <p:txBody>
+            <a:bodyPr rtlCol="0" anchor="ctr"/>
+            <a:lstStyle/>
+            <a:p>
+              <a:pPr algn="ctr"/>
+              <a:endParaRPr lang="ko-KR" altLang="en-US"/>
+            </a:p>
+          </p:txBody>
+        </p:sp>
+        <p:sp>
+          <p:nvSpPr>
+            <p:cNvPr id="123" name="직사각형 122"/>
+            <p:cNvSpPr/>
+            <p:nvPr/>
+          </p:nvSpPr>
+          <p:spPr>
+            <a:xfrm rot="5400000">
+              <a:off x="8476659" y="3258288"/>
+              <a:ext cx="585788" cy="586800"/>
+            </a:xfrm>
+            <a:prstGeom prst="rect">
+              <a:avLst/>
+            </a:prstGeom>
+            <a:solidFill>
+              <a:srgbClr val="6E3232"/>
+            </a:solidFill>
+            <a:ln w="38100">
+              <a:solidFill>
+                <a:schemeClr val="tx1"/>
+              </a:solidFill>
+            </a:ln>
+          </p:spPr>
+          <p:style>
+            <a:lnRef idx="2">
+              <a:schemeClr val="accent1">
+                <a:shade val="50000"/>
+              </a:schemeClr>
+            </a:lnRef>
+            <a:fillRef idx="1">
+              <a:schemeClr val="accent1"/>
+            </a:fillRef>
+            <a:effectRef idx="0">
+              <a:schemeClr val="accent1"/>
+            </a:effectRef>
+            <a:fontRef idx="minor">
+              <a:schemeClr val="lt1"/>
+            </a:fontRef>
+          </p:style>
+          <p:txBody>
+            <a:bodyPr rtlCol="0" anchor="ctr"/>
+            <a:lstStyle/>
+            <a:p>
+              <a:pPr algn="ctr"/>
+              <a:endParaRPr lang="ko-KR" altLang="en-US"/>
+            </a:p>
+          </p:txBody>
+        </p:sp>
+        <p:sp>
+          <p:nvSpPr>
+            <p:cNvPr id="124" name="직사각형 123"/>
+            <p:cNvSpPr/>
+            <p:nvPr/>
+          </p:nvSpPr>
+          <p:spPr>
+            <a:xfrm rot="5400000">
+              <a:off x="8475646" y="2672500"/>
+              <a:ext cx="585788" cy="586800"/>
+            </a:xfrm>
+            <a:prstGeom prst="rect">
+              <a:avLst/>
+            </a:prstGeom>
+            <a:solidFill>
+              <a:srgbClr val="6E3232"/>
+            </a:solidFill>
+            <a:ln w="38100">
+              <a:solidFill>
+                <a:schemeClr val="tx1"/>
+              </a:solidFill>
+            </a:ln>
+          </p:spPr>
+          <p:style>
+            <a:lnRef idx="2">
+              <a:schemeClr val="accent1">
+                <a:shade val="50000"/>
+              </a:schemeClr>
+            </a:lnRef>
+            <a:fillRef idx="1">
+              <a:schemeClr val="accent1"/>
+            </a:fillRef>
+            <a:effectRef idx="0">
+              <a:schemeClr val="accent1"/>
+            </a:effectRef>
+            <a:fontRef idx="minor">
+              <a:schemeClr val="lt1"/>
+            </a:fontRef>
+          </p:style>
+          <p:txBody>
+            <a:bodyPr rtlCol="0" anchor="ctr"/>
+            <a:lstStyle/>
+            <a:p>
+              <a:pPr algn="ctr"/>
+              <a:endParaRPr lang="ko-KR" altLang="en-US"/>
+            </a:p>
+          </p:txBody>
+        </p:sp>
+        <p:sp>
+          <p:nvSpPr>
+            <p:cNvPr id="125" name="직사각형 124"/>
+            <p:cNvSpPr/>
+            <p:nvPr/>
+          </p:nvSpPr>
+          <p:spPr>
+            <a:xfrm rot="5400000">
+              <a:off x="9060421" y="2672500"/>
+              <a:ext cx="585788" cy="586800"/>
+            </a:xfrm>
+            <a:prstGeom prst="rect">
+              <a:avLst/>
+            </a:prstGeom>
+            <a:solidFill>
+              <a:srgbClr val="6E3232"/>
+            </a:solidFill>
+            <a:ln w="38100">
+              <a:solidFill>
+                <a:schemeClr val="tx1"/>
+              </a:solidFill>
+            </a:ln>
+          </p:spPr>
+          <p:style>
+            <a:lnRef idx="2">
+              <a:schemeClr val="accent1">
+                <a:shade val="50000"/>
+              </a:schemeClr>
+            </a:lnRef>
+            <a:fillRef idx="1">
+              <a:schemeClr val="accent1"/>
+            </a:fillRef>
+            <a:effectRef idx="0">
+              <a:schemeClr val="accent1"/>
+            </a:effectRef>
+            <a:fontRef idx="minor">
+              <a:schemeClr val="lt1"/>
+            </a:fontRef>
+          </p:style>
+          <p:txBody>
+            <a:bodyPr rtlCol="0" anchor="ctr"/>
+            <a:lstStyle/>
+            <a:p>
+              <a:pPr algn="ctr"/>
+              <a:endParaRPr lang="ko-KR" altLang="en-US"/>
+            </a:p>
+          </p:txBody>
+        </p:sp>
+      </p:grpSp>
+      <p:grpSp>
+        <p:nvGrpSpPr>
+          <p:cNvPr id="34" name="그룹 33"/>
+          <p:cNvGrpSpPr/>
+          <p:nvPr/>
+        </p:nvGrpSpPr>
+        <p:grpSpPr>
+          <a:xfrm rot="16200000">
+            <a:off x="1695547" y="5195516"/>
+            <a:ext cx="1170563" cy="1758376"/>
+            <a:chOff x="1518065" y="4601080"/>
+            <a:chExt cx="1170563" cy="1758376"/>
+          </a:xfrm>
+        </p:grpSpPr>
+        <p:sp>
+          <p:nvSpPr>
+            <p:cNvPr id="126" name="직사각형 125"/>
+            <p:cNvSpPr/>
+            <p:nvPr/>
+          </p:nvSpPr>
+          <p:spPr>
+            <a:xfrm>
+              <a:off x="1518065" y="4601080"/>
+              <a:ext cx="585788" cy="586800"/>
+            </a:xfrm>
+            <a:prstGeom prst="rect">
+              <a:avLst/>
+            </a:prstGeom>
+            <a:solidFill>
+              <a:srgbClr val="6E3232"/>
+            </a:solidFill>
+            <a:ln w="38100">
+              <a:solidFill>
+                <a:schemeClr val="tx1"/>
+              </a:solidFill>
+            </a:ln>
+          </p:spPr>
+          <p:style>
+            <a:lnRef idx="2">
+              <a:schemeClr val="accent1">
+                <a:shade val="50000"/>
+              </a:schemeClr>
+            </a:lnRef>
+            <a:fillRef idx="1">
+              <a:schemeClr val="accent1"/>
+            </a:fillRef>
+            <a:effectRef idx="0">
+              <a:schemeClr val="accent1"/>
+            </a:effectRef>
+            <a:fontRef idx="minor">
+              <a:schemeClr val="lt1"/>
+            </a:fontRef>
+          </p:style>
+          <p:txBody>
+            <a:bodyPr rtlCol="0" anchor="ctr"/>
+            <a:lstStyle/>
+            <a:p>
+              <a:pPr algn="ctr"/>
+              <a:endParaRPr lang="ko-KR" altLang="en-US"/>
+            </a:p>
+          </p:txBody>
+        </p:sp>
+        <p:sp>
+          <p:nvSpPr>
+            <p:cNvPr id="127" name="직사각형 126"/>
+            <p:cNvSpPr/>
+            <p:nvPr/>
+          </p:nvSpPr>
+          <p:spPr>
+            <a:xfrm>
+              <a:off x="1519078" y="5772656"/>
+              <a:ext cx="585788" cy="586800"/>
+            </a:xfrm>
+            <a:prstGeom prst="rect">
+              <a:avLst/>
+            </a:prstGeom>
+            <a:solidFill>
+              <a:srgbClr val="6E3232"/>
+            </a:solidFill>
+            <a:ln w="38100">
+              <a:solidFill>
+                <a:schemeClr val="tx1"/>
+              </a:solidFill>
+            </a:ln>
+          </p:spPr>
+          <p:style>
+            <a:lnRef idx="2">
+              <a:schemeClr val="accent1">
+                <a:shade val="50000"/>
+              </a:schemeClr>
+            </a:lnRef>
+            <a:fillRef idx="1">
+              <a:schemeClr val="accent1"/>
+            </a:fillRef>
+            <a:effectRef idx="0">
+              <a:schemeClr val="accent1"/>
+            </a:effectRef>
+            <a:fontRef idx="minor">
+              <a:schemeClr val="lt1"/>
+            </a:fontRef>
+          </p:style>
+          <p:txBody>
+            <a:bodyPr rtlCol="0" anchor="ctr"/>
+            <a:lstStyle/>
+            <a:p>
+              <a:pPr algn="ctr"/>
+              <a:endParaRPr lang="ko-KR" altLang="en-US"/>
+            </a:p>
+          </p:txBody>
+        </p:sp>
+        <p:sp>
+          <p:nvSpPr>
+            <p:cNvPr id="128" name="직사각형 127"/>
+            <p:cNvSpPr/>
+            <p:nvPr/>
+          </p:nvSpPr>
+          <p:spPr>
+            <a:xfrm>
+              <a:off x="1518065" y="5186868"/>
+              <a:ext cx="585788" cy="586800"/>
+            </a:xfrm>
+            <a:prstGeom prst="rect">
+              <a:avLst/>
+            </a:prstGeom>
+            <a:solidFill>
+              <a:srgbClr val="6E3232"/>
+            </a:solidFill>
+            <a:ln w="38100">
+              <a:solidFill>
+                <a:schemeClr val="tx1"/>
+              </a:solidFill>
+            </a:ln>
+          </p:spPr>
+          <p:style>
+            <a:lnRef idx="2">
+              <a:schemeClr val="accent1">
+                <a:shade val="50000"/>
+              </a:schemeClr>
+            </a:lnRef>
+            <a:fillRef idx="1">
+              <a:schemeClr val="accent1"/>
+            </a:fillRef>
+            <a:effectRef idx="0">
+              <a:schemeClr val="accent1"/>
+            </a:effectRef>
+            <a:fontRef idx="minor">
+              <a:schemeClr val="lt1"/>
+            </a:fontRef>
+          </p:style>
+          <p:txBody>
+            <a:bodyPr rtlCol="0" anchor="ctr"/>
+            <a:lstStyle/>
+            <a:p>
+              <a:pPr algn="ctr"/>
+              <a:endParaRPr lang="ko-KR" altLang="en-US"/>
+            </a:p>
+          </p:txBody>
+        </p:sp>
+        <p:sp>
+          <p:nvSpPr>
+            <p:cNvPr id="129" name="직사각형 128"/>
+            <p:cNvSpPr/>
+            <p:nvPr/>
+          </p:nvSpPr>
+          <p:spPr>
+            <a:xfrm>
+              <a:off x="2102840" y="5186868"/>
+              <a:ext cx="585788" cy="586800"/>
+            </a:xfrm>
+            <a:prstGeom prst="rect">
+              <a:avLst/>
+            </a:prstGeom>
+            <a:solidFill>
+              <a:srgbClr val="6E3232"/>
+            </a:solidFill>
+            <a:ln w="38100">
+              <a:solidFill>
+                <a:schemeClr val="tx1"/>
+              </a:solidFill>
+            </a:ln>
+          </p:spPr>
+          <p:style>
+            <a:lnRef idx="2">
+              <a:schemeClr val="accent1">
+                <a:shade val="50000"/>
+              </a:schemeClr>
+            </a:lnRef>
+            <a:fillRef idx="1">
+              <a:schemeClr val="accent1"/>
+            </a:fillRef>
+            <a:effectRef idx="0">
+              <a:schemeClr val="accent1"/>
+            </a:effectRef>
+            <a:fontRef idx="minor">
+              <a:schemeClr val="lt1"/>
+            </a:fontRef>
+          </p:style>
+          <p:txBody>
+            <a:bodyPr rtlCol="0" anchor="ctr"/>
+            <a:lstStyle/>
+            <a:p>
+              <a:pPr algn="ctr"/>
+              <a:endParaRPr lang="ko-KR" altLang="en-US"/>
+            </a:p>
+          </p:txBody>
+        </p:sp>
+      </p:grpSp>
+      <p:grpSp>
+        <p:nvGrpSpPr>
+          <p:cNvPr id="130" name="그룹 129"/>
+          <p:cNvGrpSpPr/>
+          <p:nvPr/>
+        </p:nvGrpSpPr>
+        <p:grpSpPr>
+          <a:xfrm rot="5400000">
+            <a:off x="345180" y="4978105"/>
+            <a:ext cx="1171575" cy="1757364"/>
+            <a:chOff x="8475140" y="2087218"/>
+            <a:chExt cx="1171575" cy="1757364"/>
+          </a:xfrm>
+        </p:grpSpPr>
+        <p:sp>
+          <p:nvSpPr>
+            <p:cNvPr id="131" name="직사각형 130"/>
+            <p:cNvSpPr/>
+            <p:nvPr/>
+          </p:nvSpPr>
+          <p:spPr>
+            <a:xfrm rot="5400000">
+              <a:off x="8475646" y="2086712"/>
+              <a:ext cx="585788" cy="586800"/>
+            </a:xfrm>
+            <a:prstGeom prst="rect">
+              <a:avLst/>
+            </a:prstGeom>
+            <a:solidFill>
+              <a:srgbClr val="6E3232"/>
+            </a:solidFill>
+            <a:ln w="38100">
+              <a:solidFill>
+                <a:schemeClr val="tx1"/>
+              </a:solidFill>
+            </a:ln>
+          </p:spPr>
+          <p:style>
+            <a:lnRef idx="2">
+              <a:schemeClr val="accent1">
+                <a:shade val="50000"/>
+              </a:schemeClr>
+            </a:lnRef>
+            <a:fillRef idx="1">
+              <a:schemeClr val="accent1"/>
+            </a:fillRef>
+            <a:effectRef idx="0">
+              <a:schemeClr val="accent1"/>
+            </a:effectRef>
+            <a:fontRef idx="minor">
+              <a:schemeClr val="lt1"/>
+            </a:fontRef>
+          </p:style>
+          <p:txBody>
+            <a:bodyPr rtlCol="0" anchor="ctr"/>
+            <a:lstStyle/>
+            <a:p>
+              <a:pPr algn="ctr"/>
+              <a:endParaRPr lang="ko-KR" altLang="en-US"/>
+            </a:p>
+          </p:txBody>
+        </p:sp>
+        <p:sp>
+          <p:nvSpPr>
+            <p:cNvPr id="132" name="직사각형 131"/>
+            <p:cNvSpPr/>
+            <p:nvPr/>
+          </p:nvSpPr>
+          <p:spPr>
+            <a:xfrm rot="5400000">
+              <a:off x="8476659" y="3258288"/>
+              <a:ext cx="585788" cy="586800"/>
+            </a:xfrm>
+            <a:prstGeom prst="rect">
+              <a:avLst/>
+            </a:prstGeom>
+            <a:solidFill>
+              <a:srgbClr val="6E3232"/>
+            </a:solidFill>
+            <a:ln w="38100">
+              <a:solidFill>
+                <a:schemeClr val="tx1"/>
+              </a:solidFill>
+            </a:ln>
+          </p:spPr>
+          <p:style>
+            <a:lnRef idx="2">
+              <a:schemeClr val="accent1">
+                <a:shade val="50000"/>
+              </a:schemeClr>
+            </a:lnRef>
+            <a:fillRef idx="1">
+              <a:schemeClr val="accent1"/>
+            </a:fillRef>
+            <a:effectRef idx="0">
+              <a:schemeClr val="accent1"/>
+            </a:effectRef>
+            <a:fontRef idx="minor">
+              <a:schemeClr val="lt1"/>
+            </a:fontRef>
+          </p:style>
+          <p:txBody>
+            <a:bodyPr rtlCol="0" anchor="ctr"/>
+            <a:lstStyle/>
+            <a:p>
+              <a:pPr algn="ctr"/>
+              <a:endParaRPr lang="ko-KR" altLang="en-US"/>
+            </a:p>
+          </p:txBody>
+        </p:sp>
+        <p:sp>
+          <p:nvSpPr>
+            <p:cNvPr id="133" name="직사각형 132"/>
+            <p:cNvSpPr/>
+            <p:nvPr/>
+          </p:nvSpPr>
+          <p:spPr>
+            <a:xfrm rot="5400000">
+              <a:off x="8475646" y="2672500"/>
+              <a:ext cx="585788" cy="586800"/>
+            </a:xfrm>
+            <a:prstGeom prst="rect">
+              <a:avLst/>
+            </a:prstGeom>
+            <a:solidFill>
+              <a:srgbClr val="6E3232"/>
+            </a:solidFill>
+            <a:ln w="38100">
+              <a:solidFill>
+                <a:schemeClr val="tx1"/>
+              </a:solidFill>
+            </a:ln>
+          </p:spPr>
+          <p:style>
+            <a:lnRef idx="2">
+              <a:schemeClr val="accent1">
+                <a:shade val="50000"/>
+              </a:schemeClr>
+            </a:lnRef>
+            <a:fillRef idx="1">
+              <a:schemeClr val="accent1"/>
+            </a:fillRef>
+            <a:effectRef idx="0">
+              <a:schemeClr val="accent1"/>
+            </a:effectRef>
+            <a:fontRef idx="minor">
+              <a:schemeClr val="lt1"/>
+            </a:fontRef>
+          </p:style>
+          <p:txBody>
+            <a:bodyPr rtlCol="0" anchor="ctr"/>
+            <a:lstStyle/>
+            <a:p>
+              <a:pPr algn="ctr"/>
+              <a:endParaRPr lang="ko-KR" altLang="en-US"/>
+            </a:p>
+          </p:txBody>
+        </p:sp>
+        <p:sp>
+          <p:nvSpPr>
+            <p:cNvPr id="134" name="직사각형 133"/>
+            <p:cNvSpPr/>
+            <p:nvPr/>
+          </p:nvSpPr>
+          <p:spPr>
+            <a:xfrm rot="5400000">
+              <a:off x="9060421" y="2672500"/>
+              <a:ext cx="585788" cy="586800"/>
+            </a:xfrm>
+            <a:prstGeom prst="rect">
+              <a:avLst/>
+            </a:prstGeom>
+            <a:solidFill>
+              <a:srgbClr val="6E3232"/>
+            </a:solidFill>
+            <a:ln w="38100">
+              <a:solidFill>
+                <a:schemeClr val="tx1"/>
+              </a:solidFill>
+            </a:ln>
+          </p:spPr>
+          <p:style>
+            <a:lnRef idx="2">
+              <a:schemeClr val="accent1">
+                <a:shade val="50000"/>
+              </a:schemeClr>
+            </a:lnRef>
+            <a:fillRef idx="1">
+              <a:schemeClr val="accent1"/>
+            </a:fillRef>
+            <a:effectRef idx="0">
+              <a:schemeClr val="accent1"/>
+            </a:effectRef>
+            <a:fontRef idx="minor">
+              <a:schemeClr val="lt1"/>
+            </a:fontRef>
+          </p:style>
+          <p:txBody>
+            <a:bodyPr rtlCol="0" anchor="ctr"/>
+            <a:lstStyle/>
+            <a:p>
+              <a:pPr algn="ctr"/>
+              <a:endParaRPr lang="ko-KR" altLang="en-US"/>
+            </a:p>
+          </p:txBody>
+        </p:sp>
+      </p:grpSp>
+      <p:grpSp>
+        <p:nvGrpSpPr>
+          <p:cNvPr id="11" name="그룹 10"/>
+          <p:cNvGrpSpPr/>
+          <p:nvPr/>
+        </p:nvGrpSpPr>
+        <p:grpSpPr>
+          <a:xfrm>
+            <a:off x="3067332" y="2194464"/>
+            <a:ext cx="1757364" cy="1177418"/>
+            <a:chOff x="3067332" y="2194464"/>
+            <a:chExt cx="1757364" cy="1177418"/>
+          </a:xfrm>
+        </p:grpSpPr>
+        <p:sp>
+          <p:nvSpPr>
+            <p:cNvPr id="184" name="양쪽 모서리가 잘린 사각형 183"/>
+            <p:cNvSpPr/>
+            <p:nvPr/>
+          </p:nvSpPr>
+          <p:spPr>
+            <a:xfrm rot="5400000">
+              <a:off x="3653120" y="2200306"/>
+              <a:ext cx="585788" cy="1757363"/>
+            </a:xfrm>
+            <a:prstGeom prst="snip2SameRect">
+              <a:avLst/>
+            </a:prstGeom>
+            <a:solidFill>
+              <a:srgbClr val="6E3232"/>
+            </a:solidFill>
+            <a:ln w="38100">
+              <a:solidFill>
+                <a:schemeClr val="tx1"/>
+              </a:solidFill>
+            </a:ln>
+          </p:spPr>
+          <p:style>
+            <a:lnRef idx="2">
+              <a:schemeClr val="accent1">
+                <a:shade val="50000"/>
+              </a:schemeClr>
+            </a:lnRef>
+            <a:fillRef idx="1">
+              <a:schemeClr val="accent1"/>
+            </a:fillRef>
+            <a:effectRef idx="0">
+              <a:schemeClr val="accent1"/>
+            </a:effectRef>
+            <a:fontRef idx="minor">
+              <a:schemeClr val="lt1"/>
+            </a:fontRef>
+          </p:style>
+          <p:txBody>
+            <a:bodyPr rtlCol="0" anchor="ctr"/>
+            <a:lstStyle/>
+            <a:p>
+              <a:pPr algn="ctr"/>
+              <a:endParaRPr lang="ko-KR" altLang="en-US"/>
+            </a:p>
+          </p:txBody>
+        </p:sp>
+        <p:sp>
+          <p:nvSpPr>
+            <p:cNvPr id="185" name="직사각형 184"/>
+            <p:cNvSpPr/>
+            <p:nvPr/>
+          </p:nvSpPr>
+          <p:spPr>
+            <a:xfrm>
+              <a:off x="3483165" y="3113157"/>
+              <a:ext cx="198191" cy="82538"/>
+            </a:xfrm>
+            <a:prstGeom prst="rect">
+              <a:avLst/>
+            </a:prstGeom>
+            <a:solidFill>
+              <a:srgbClr val="838D90"/>
+            </a:solidFill>
+            <a:ln w="38100">
+              <a:solidFill>
+                <a:schemeClr val="tx1"/>
+              </a:solidFill>
+            </a:ln>
+          </p:spPr>
+          <p:style>
+            <a:lnRef idx="2">
+              <a:schemeClr val="accent1">
+                <a:shade val="50000"/>
+              </a:schemeClr>
+            </a:lnRef>
+            <a:fillRef idx="1">
+              <a:schemeClr val="accent1"/>
+            </a:fillRef>
+            <a:effectRef idx="0">
+              <a:schemeClr val="accent1"/>
+            </a:effectRef>
+            <a:fontRef idx="minor">
+              <a:schemeClr val="lt1"/>
+            </a:fontRef>
+          </p:style>
+          <p:txBody>
+            <a:bodyPr rtlCol="0" anchor="ctr"/>
+            <a:lstStyle/>
+            <a:p>
+              <a:pPr algn="ctr"/>
+              <a:endParaRPr lang="ko-KR" altLang="en-US"/>
+            </a:p>
+          </p:txBody>
+        </p:sp>
+        <p:sp>
+          <p:nvSpPr>
+            <p:cNvPr id="186" name="양쪽 모서리가 잘린 사각형 185"/>
+            <p:cNvSpPr/>
+            <p:nvPr/>
+          </p:nvSpPr>
+          <p:spPr>
+            <a:xfrm>
+              <a:off x="3067333" y="2194464"/>
+              <a:ext cx="585788" cy="591628"/>
+            </a:xfrm>
+            <a:prstGeom prst="snip2SameRect">
+              <a:avLst/>
+            </a:prstGeom>
+            <a:solidFill>
+              <a:srgbClr val="6E3232"/>
+            </a:solidFill>
+            <a:ln w="38100">
+              <a:solidFill>
+                <a:schemeClr val="tx1"/>
+              </a:solidFill>
+            </a:ln>
+          </p:spPr>
+          <p:style>
+            <a:lnRef idx="2">
+              <a:schemeClr val="accent1">
+                <a:shade val="50000"/>
+              </a:schemeClr>
+            </a:lnRef>
+            <a:fillRef idx="1">
+              <a:schemeClr val="accent1"/>
+            </a:fillRef>
+            <a:effectRef idx="0">
+              <a:schemeClr val="accent1"/>
+            </a:effectRef>
+            <a:fontRef idx="minor">
+              <a:schemeClr val="lt1"/>
+            </a:fontRef>
+          </p:style>
+          <p:txBody>
+            <a:bodyPr rtlCol="0" anchor="ctr"/>
+            <a:lstStyle/>
+            <a:p>
+              <a:pPr algn="ctr"/>
+              <a:endParaRPr lang="ko-KR" altLang="en-US"/>
+            </a:p>
+          </p:txBody>
+        </p:sp>
+        <p:grpSp>
+          <p:nvGrpSpPr>
+            <p:cNvPr id="187" name="그룹 186"/>
+            <p:cNvGrpSpPr/>
+            <p:nvPr/>
+          </p:nvGrpSpPr>
+          <p:grpSpPr>
+            <a:xfrm>
+              <a:off x="3127557" y="2255370"/>
+              <a:ext cx="465340" cy="465340"/>
+              <a:chOff x="3096188" y="2262185"/>
+              <a:chExt cx="465340" cy="465340"/>
+            </a:xfrm>
+          </p:grpSpPr>
+          <p:sp>
+            <p:nvSpPr>
+              <p:cNvPr id="204" name="팔각형 203"/>
+              <p:cNvSpPr/>
+              <p:nvPr/>
+            </p:nvSpPr>
+            <p:spPr>
+              <a:xfrm>
+                <a:off x="3096188" y="2262185"/>
+                <a:ext cx="465340" cy="465340"/>
+              </a:xfrm>
+              <a:prstGeom prst="octagon">
+                <a:avLst>
+                  <a:gd name="adj" fmla="val 11945"/>
+                </a:avLst>
+              </a:prstGeom>
+              <a:solidFill>
+                <a:srgbClr val="838D90"/>
+              </a:solidFill>
+              <a:ln w="38100">
+                <a:solidFill>
+                  <a:schemeClr val="tx1"/>
+                </a:solidFill>
+              </a:ln>
+            </p:spPr>
+            <p:style>
+              <a:lnRef idx="2">
+                <a:schemeClr val="accent1">
+                  <a:shade val="50000"/>
+                </a:schemeClr>
+              </a:lnRef>
+              <a:fillRef idx="1">
+                <a:schemeClr val="accent1"/>
+              </a:fillRef>
+              <a:effectRef idx="0">
+                <a:schemeClr val="accent1"/>
+              </a:effectRef>
+              <a:fontRef idx="minor">
+                <a:schemeClr val="lt1"/>
+              </a:fontRef>
+            </p:style>
+            <p:txBody>
+              <a:bodyPr rtlCol="0" anchor="ctr"/>
+              <a:lstStyle/>
+              <a:p>
+                <a:pPr algn="ctr"/>
+                <a:endParaRPr lang="ko-KR" altLang="en-US"/>
+              </a:p>
+            </p:txBody>
+          </p:sp>
+          <p:sp>
+            <p:nvSpPr>
+              <p:cNvPr id="205" name="팔각형 204"/>
+              <p:cNvSpPr/>
+              <p:nvPr/>
+            </p:nvSpPr>
+            <p:spPr>
+              <a:xfrm>
+                <a:off x="3181913" y="2347910"/>
+                <a:ext cx="293890" cy="293890"/>
+              </a:xfrm>
+              <a:prstGeom prst="octagon">
+                <a:avLst>
+                  <a:gd name="adj" fmla="val 11945"/>
+                </a:avLst>
+              </a:prstGeom>
+              <a:solidFill>
+                <a:srgbClr val="6E3232"/>
+              </a:solidFill>
+              <a:ln w="38100">
+                <a:solidFill>
+                  <a:schemeClr val="tx1"/>
+                </a:solidFill>
+              </a:ln>
+            </p:spPr>
+            <p:style>
+              <a:lnRef idx="2">
+                <a:schemeClr val="accent1">
+                  <a:shade val="50000"/>
+                </a:schemeClr>
+              </a:lnRef>
+              <a:fillRef idx="1">
+                <a:schemeClr val="accent1"/>
+              </a:fillRef>
+              <a:effectRef idx="0">
+                <a:schemeClr val="accent1"/>
+              </a:effectRef>
+              <a:fontRef idx="minor">
+                <a:schemeClr val="lt1"/>
+              </a:fontRef>
+            </p:style>
+            <p:txBody>
+              <a:bodyPr rtlCol="0" anchor="ctr"/>
+              <a:lstStyle/>
+              <a:p>
+                <a:pPr algn="ctr"/>
+                <a:endParaRPr lang="ko-KR" altLang="en-US"/>
+              </a:p>
+            </p:txBody>
+          </p:sp>
+        </p:grpSp>
+        <p:sp>
+          <p:nvSpPr>
+            <p:cNvPr id="189" name="직사각형 188"/>
+            <p:cNvSpPr/>
+            <p:nvPr/>
+          </p:nvSpPr>
+          <p:spPr>
+            <a:xfrm>
+              <a:off x="3284562" y="2736995"/>
+              <a:ext cx="153554" cy="222295"/>
+            </a:xfrm>
+            <a:prstGeom prst="rect">
+              <a:avLst/>
+            </a:prstGeom>
+            <a:solidFill>
+              <a:srgbClr val="838D90"/>
+            </a:solidFill>
+            <a:ln w="38100">
+              <a:solidFill>
+                <a:schemeClr val="tx1"/>
+              </a:solidFill>
+            </a:ln>
+          </p:spPr>
+          <p:style>
+            <a:lnRef idx="2">
+              <a:schemeClr val="accent1">
+                <a:shade val="50000"/>
+              </a:schemeClr>
+            </a:lnRef>
+            <a:fillRef idx="1">
+              <a:schemeClr val="accent1"/>
+            </a:fillRef>
+            <a:effectRef idx="0">
+              <a:schemeClr val="accent1"/>
+            </a:effectRef>
+            <a:fontRef idx="minor">
+              <a:schemeClr val="lt1"/>
+            </a:fontRef>
+          </p:style>
+          <p:txBody>
+            <a:bodyPr rtlCol="0" anchor="ctr"/>
+            <a:lstStyle/>
+            <a:p>
+              <a:pPr algn="ctr"/>
+              <a:endParaRPr lang="ko-KR" altLang="en-US"/>
+            </a:p>
+          </p:txBody>
+        </p:sp>
+        <p:sp>
+          <p:nvSpPr>
+            <p:cNvPr id="190" name="양쪽 모서리가 잘린 사각형 189"/>
+            <p:cNvSpPr/>
+            <p:nvPr/>
+          </p:nvSpPr>
+          <p:spPr>
+            <a:xfrm rot="16200000">
+              <a:off x="3109765" y="2956051"/>
+              <a:ext cx="500928" cy="245873"/>
+            </a:xfrm>
+            <a:prstGeom prst="snip2SameRect">
+              <a:avLst>
+                <a:gd name="adj1" fmla="val 50000"/>
+                <a:gd name="adj2" fmla="val 50000"/>
+              </a:avLst>
+            </a:prstGeom>
+            <a:solidFill>
+              <a:srgbClr val="838D90"/>
+            </a:solidFill>
+            <a:ln w="38100">
+              <a:solidFill>
+                <a:schemeClr val="tx1"/>
+              </a:solidFill>
+            </a:ln>
+          </p:spPr>
+          <p:style>
+            <a:lnRef idx="2">
+              <a:schemeClr val="accent1">
+                <a:shade val="50000"/>
+              </a:schemeClr>
+            </a:lnRef>
+            <a:fillRef idx="1">
+              <a:schemeClr val="accent1"/>
+            </a:fillRef>
+            <a:effectRef idx="0">
+              <a:schemeClr val="accent1"/>
+            </a:effectRef>
+            <a:fontRef idx="minor">
+              <a:schemeClr val="lt1"/>
+            </a:fontRef>
+          </p:style>
+          <p:txBody>
+            <a:bodyPr rtlCol="0" anchor="ctr"/>
+            <a:lstStyle/>
+            <a:p>
+              <a:pPr algn="ctr"/>
+              <a:endParaRPr lang="ko-KR" altLang="en-US"/>
+            </a:p>
+          </p:txBody>
+        </p:sp>
+        <p:sp>
+          <p:nvSpPr>
+            <p:cNvPr id="191" name="양쪽 모서리가 잘린 사각형 190"/>
+            <p:cNvSpPr/>
+            <p:nvPr/>
+          </p:nvSpPr>
+          <p:spPr>
+            <a:xfrm rot="16200000">
+              <a:off x="3234832" y="3017376"/>
+              <a:ext cx="255364" cy="125342"/>
+            </a:xfrm>
+            <a:prstGeom prst="snip2SameRect">
+              <a:avLst>
+                <a:gd name="adj1" fmla="val 50000"/>
+                <a:gd name="adj2" fmla="val 50000"/>
+              </a:avLst>
+            </a:prstGeom>
+            <a:solidFill>
+              <a:srgbClr val="6E3232"/>
+            </a:solidFill>
+            <a:ln w="38100">
+              <a:solidFill>
+                <a:schemeClr val="tx1"/>
+              </a:solidFill>
+            </a:ln>
+          </p:spPr>
+          <p:style>
+            <a:lnRef idx="2">
+              <a:schemeClr val="accent1">
+                <a:shade val="50000"/>
+              </a:schemeClr>
+            </a:lnRef>
+            <a:fillRef idx="1">
+              <a:schemeClr val="accent1"/>
+            </a:fillRef>
+            <a:effectRef idx="0">
+              <a:schemeClr val="accent1"/>
+            </a:effectRef>
+            <a:fontRef idx="minor">
+              <a:schemeClr val="lt1"/>
+            </a:fontRef>
+          </p:style>
+          <p:txBody>
+            <a:bodyPr rtlCol="0" anchor="ctr"/>
+            <a:lstStyle/>
+            <a:p>
+              <a:pPr algn="ctr"/>
+              <a:endParaRPr lang="ko-KR" altLang="en-US"/>
+            </a:p>
+          </p:txBody>
+        </p:sp>
+        <p:grpSp>
+          <p:nvGrpSpPr>
+            <p:cNvPr id="206" name="그룹 205"/>
+            <p:cNvGrpSpPr/>
+            <p:nvPr/>
+          </p:nvGrpSpPr>
+          <p:grpSpPr>
+            <a:xfrm>
+              <a:off x="3681357" y="2840245"/>
+              <a:ext cx="465340" cy="477485"/>
+              <a:chOff x="3096188" y="2262185"/>
+              <a:chExt cx="465340" cy="465340"/>
+            </a:xfrm>
+          </p:grpSpPr>
+          <p:sp>
+            <p:nvSpPr>
+              <p:cNvPr id="207" name="팔각형 206"/>
+              <p:cNvSpPr/>
+              <p:nvPr/>
+            </p:nvSpPr>
+            <p:spPr>
+              <a:xfrm>
+                <a:off x="3096188" y="2262185"/>
+                <a:ext cx="465340" cy="465340"/>
+              </a:xfrm>
+              <a:prstGeom prst="octagon">
+                <a:avLst>
+                  <a:gd name="adj" fmla="val 11945"/>
+                </a:avLst>
+              </a:prstGeom>
+              <a:solidFill>
+                <a:srgbClr val="838D90"/>
+              </a:solidFill>
+              <a:ln w="38100">
+                <a:solidFill>
+                  <a:schemeClr val="tx1"/>
+                </a:solidFill>
+              </a:ln>
+            </p:spPr>
+            <p:style>
+              <a:lnRef idx="2">
+                <a:schemeClr val="accent1">
+                  <a:shade val="50000"/>
+                </a:schemeClr>
+              </a:lnRef>
+              <a:fillRef idx="1">
+                <a:schemeClr val="accent1"/>
+              </a:fillRef>
+              <a:effectRef idx="0">
+                <a:schemeClr val="accent1"/>
+              </a:effectRef>
+              <a:fontRef idx="minor">
+                <a:schemeClr val="lt1"/>
+              </a:fontRef>
+            </p:style>
+            <p:txBody>
+              <a:bodyPr rtlCol="0" anchor="ctr"/>
+              <a:lstStyle/>
+              <a:p>
+                <a:pPr algn="ctr"/>
+                <a:endParaRPr lang="ko-KR" altLang="en-US"/>
+              </a:p>
+            </p:txBody>
+          </p:sp>
+          <p:sp>
+            <p:nvSpPr>
+              <p:cNvPr id="208" name="팔각형 207"/>
+              <p:cNvSpPr/>
+              <p:nvPr/>
+            </p:nvSpPr>
+            <p:spPr>
+              <a:xfrm>
+                <a:off x="3181913" y="2347910"/>
+                <a:ext cx="293890" cy="293890"/>
+              </a:xfrm>
+              <a:prstGeom prst="octagon">
+                <a:avLst>
+                  <a:gd name="adj" fmla="val 11945"/>
+                </a:avLst>
+              </a:prstGeom>
+              <a:solidFill>
+                <a:srgbClr val="6E3232"/>
+              </a:solidFill>
+              <a:ln w="38100">
+                <a:solidFill>
+                  <a:schemeClr val="tx1"/>
+                </a:solidFill>
+              </a:ln>
+            </p:spPr>
+            <p:style>
+              <a:lnRef idx="2">
+                <a:schemeClr val="accent1">
+                  <a:shade val="50000"/>
+                </a:schemeClr>
+              </a:lnRef>
+              <a:fillRef idx="1">
+                <a:schemeClr val="accent1"/>
+              </a:fillRef>
+              <a:effectRef idx="0">
+                <a:schemeClr val="accent1"/>
+              </a:effectRef>
+              <a:fontRef idx="minor">
+                <a:schemeClr val="lt1"/>
+              </a:fontRef>
+            </p:style>
+            <p:txBody>
+              <a:bodyPr rtlCol="0" anchor="ctr"/>
+              <a:lstStyle/>
+              <a:p>
+                <a:pPr algn="ctr"/>
+                <a:endParaRPr lang="ko-KR" altLang="en-US"/>
+              </a:p>
+            </p:txBody>
+          </p:sp>
+        </p:grpSp>
+        <p:grpSp>
+          <p:nvGrpSpPr>
+            <p:cNvPr id="209" name="그룹 208"/>
+            <p:cNvGrpSpPr/>
+            <p:nvPr/>
+          </p:nvGrpSpPr>
+          <p:grpSpPr>
+            <a:xfrm>
+              <a:off x="4289042" y="2840245"/>
+              <a:ext cx="465340" cy="477485"/>
+              <a:chOff x="3096188" y="2262185"/>
+              <a:chExt cx="465340" cy="465340"/>
+            </a:xfrm>
+          </p:grpSpPr>
+          <p:sp>
+            <p:nvSpPr>
+              <p:cNvPr id="210" name="팔각형 209"/>
+              <p:cNvSpPr/>
+              <p:nvPr/>
+            </p:nvSpPr>
+            <p:spPr>
+              <a:xfrm>
+                <a:off x="3096188" y="2262185"/>
+                <a:ext cx="465340" cy="465340"/>
+              </a:xfrm>
+              <a:prstGeom prst="octagon">
+                <a:avLst>
+                  <a:gd name="adj" fmla="val 11945"/>
+                </a:avLst>
+              </a:prstGeom>
+              <a:solidFill>
+                <a:srgbClr val="838D90"/>
+              </a:solidFill>
+              <a:ln w="38100">
+                <a:solidFill>
+                  <a:schemeClr val="tx1"/>
+                </a:solidFill>
+              </a:ln>
+            </p:spPr>
+            <p:style>
+              <a:lnRef idx="2">
+                <a:schemeClr val="accent1">
+                  <a:shade val="50000"/>
+                </a:schemeClr>
+              </a:lnRef>
+              <a:fillRef idx="1">
+                <a:schemeClr val="accent1"/>
+              </a:fillRef>
+              <a:effectRef idx="0">
+                <a:schemeClr val="accent1"/>
+              </a:effectRef>
+              <a:fontRef idx="minor">
+                <a:schemeClr val="lt1"/>
+              </a:fontRef>
+            </p:style>
+            <p:txBody>
+              <a:bodyPr rtlCol="0" anchor="ctr"/>
+              <a:lstStyle/>
+              <a:p>
+                <a:pPr algn="ctr"/>
+                <a:endParaRPr lang="ko-KR" altLang="en-US"/>
+              </a:p>
+            </p:txBody>
+          </p:sp>
+          <p:sp>
+            <p:nvSpPr>
+              <p:cNvPr id="211" name="팔각형 210"/>
+              <p:cNvSpPr/>
+              <p:nvPr/>
+            </p:nvSpPr>
+            <p:spPr>
+              <a:xfrm>
+                <a:off x="3181913" y="2347910"/>
+                <a:ext cx="293890" cy="293890"/>
+              </a:xfrm>
+              <a:prstGeom prst="octagon">
+                <a:avLst>
+                  <a:gd name="adj" fmla="val 11945"/>
+                </a:avLst>
+              </a:prstGeom>
+              <a:solidFill>
+                <a:srgbClr val="6E3232"/>
+              </a:solidFill>
+              <a:ln w="38100">
+                <a:solidFill>
+                  <a:schemeClr val="tx1"/>
+                </a:solidFill>
+              </a:ln>
+            </p:spPr>
+            <p:style>
+              <a:lnRef idx="2">
+                <a:schemeClr val="accent1">
+                  <a:shade val="50000"/>
+                </a:schemeClr>
+              </a:lnRef>
+              <a:fillRef idx="1">
+                <a:schemeClr val="accent1"/>
+              </a:fillRef>
+              <a:effectRef idx="0">
+                <a:schemeClr val="accent1"/>
+              </a:effectRef>
+              <a:fontRef idx="minor">
+                <a:schemeClr val="lt1"/>
+              </a:fontRef>
+            </p:style>
+            <p:txBody>
+              <a:bodyPr rtlCol="0" anchor="ctr"/>
+              <a:lstStyle/>
+              <a:p>
+                <a:pPr algn="ctr"/>
+                <a:endParaRPr lang="ko-KR" altLang="en-US"/>
+              </a:p>
+            </p:txBody>
+          </p:sp>
+        </p:grpSp>
+        <p:sp>
+          <p:nvSpPr>
+            <p:cNvPr id="213" name="직사각형 212"/>
+            <p:cNvSpPr/>
+            <p:nvPr/>
+          </p:nvSpPr>
+          <p:spPr>
+            <a:xfrm>
+              <a:off x="4754382" y="3024987"/>
+              <a:ext cx="70314" cy="108000"/>
+            </a:xfrm>
+            <a:prstGeom prst="rect">
+              <a:avLst/>
+            </a:prstGeom>
+            <a:solidFill>
+              <a:srgbClr val="838D90"/>
+            </a:solidFill>
+            <a:ln w="38100">
+              <a:solidFill>
+                <a:schemeClr val="tx1"/>
+              </a:solidFill>
+            </a:ln>
+          </p:spPr>
+          <p:style>
+            <a:lnRef idx="2">
+              <a:schemeClr val="accent1">
+                <a:shade val="50000"/>
+              </a:schemeClr>
+            </a:lnRef>
+            <a:fillRef idx="1">
+              <a:schemeClr val="accent1"/>
+            </a:fillRef>
+            <a:effectRef idx="0">
+              <a:schemeClr val="accent1"/>
+            </a:effectRef>
+            <a:fontRef idx="minor">
+              <a:schemeClr val="lt1"/>
+            </a:fontRef>
+          </p:style>
+          <p:txBody>
+            <a:bodyPr rtlCol="0" anchor="ctr"/>
+            <a:lstStyle/>
+            <a:p>
+              <a:pPr algn="ctr"/>
+              <a:endParaRPr lang="ko-KR" altLang="en-US"/>
+            </a:p>
+          </p:txBody>
+        </p:sp>
+        <p:sp>
+          <p:nvSpPr>
+            <p:cNvPr id="214" name="직사각형 213"/>
+            <p:cNvSpPr/>
+            <p:nvPr/>
+          </p:nvSpPr>
+          <p:spPr>
+            <a:xfrm>
+              <a:off x="4150692" y="2952364"/>
+              <a:ext cx="138349" cy="253246"/>
+            </a:xfrm>
+            <a:prstGeom prst="rect">
+              <a:avLst/>
+            </a:prstGeom>
+            <a:solidFill>
+              <a:srgbClr val="838D90"/>
+            </a:solidFill>
+            <a:ln w="38100">
+              <a:solidFill>
+                <a:schemeClr val="tx1"/>
+              </a:solidFill>
+            </a:ln>
+          </p:spPr>
+          <p:style>
+            <a:lnRef idx="2">
+              <a:schemeClr val="accent1">
+                <a:shade val="50000"/>
+              </a:schemeClr>
+            </a:lnRef>
+            <a:fillRef idx="1">
+              <a:schemeClr val="accent1"/>
+            </a:fillRef>
+            <a:effectRef idx="0">
+              <a:schemeClr val="accent1"/>
+            </a:effectRef>
+            <a:fontRef idx="minor">
+              <a:schemeClr val="lt1"/>
+            </a:fontRef>
+          </p:style>
+          <p:txBody>
+            <a:bodyPr rtlCol="0" anchor="ctr"/>
+            <a:lstStyle/>
+            <a:p>
+              <a:pPr algn="ctr"/>
+              <a:endParaRPr lang="ko-KR" altLang="en-US"/>
+            </a:p>
+          </p:txBody>
+        </p:sp>
+        <p:sp>
+          <p:nvSpPr>
+            <p:cNvPr id="212" name="직사각형 211"/>
+            <p:cNvSpPr/>
+            <p:nvPr/>
+          </p:nvSpPr>
+          <p:spPr>
+            <a:xfrm>
+              <a:off x="4060972" y="3024987"/>
+              <a:ext cx="313796" cy="108000"/>
+            </a:xfrm>
+            <a:prstGeom prst="rect">
+              <a:avLst/>
+            </a:prstGeom>
+            <a:solidFill>
+              <a:srgbClr val="6E3232"/>
+            </a:solidFill>
+            <a:ln w="38100">
+              <a:solidFill>
+                <a:schemeClr val="tx1"/>
+              </a:solidFill>
+            </a:ln>
+          </p:spPr>
+          <p:style>
+            <a:lnRef idx="2">
+              <a:schemeClr val="accent1">
+                <a:shade val="50000"/>
+              </a:schemeClr>
+            </a:lnRef>
+            <a:fillRef idx="1">
+              <a:schemeClr val="accent1"/>
+            </a:fillRef>
+            <a:effectRef idx="0">
+              <a:schemeClr val="accent1"/>
+            </a:effectRef>
+            <a:fontRef idx="minor">
+              <a:schemeClr val="lt1"/>
+            </a:fontRef>
+          </p:style>
+          <p:txBody>
+            <a:bodyPr rtlCol="0" anchor="ctr"/>
+            <a:lstStyle/>
+            <a:p>
+              <a:pPr algn="ctr"/>
+              <a:endParaRPr lang="ko-KR" altLang="en-US"/>
+            </a:p>
+          </p:txBody>
+        </p:sp>
+        <p:sp>
+          <p:nvSpPr>
+            <p:cNvPr id="215" name="직사각형 214"/>
+            <p:cNvSpPr/>
+            <p:nvPr/>
+          </p:nvSpPr>
+          <p:spPr>
+            <a:xfrm>
+              <a:off x="4041958" y="3041351"/>
+              <a:ext cx="352425" cy="75272"/>
+            </a:xfrm>
+            <a:prstGeom prst="rect">
+              <a:avLst/>
+            </a:prstGeom>
+            <a:solidFill>
+              <a:srgbClr val="6E3232"/>
+            </a:solidFill>
+            <a:ln w="38100">
+              <a:noFill/>
+            </a:ln>
+          </p:spPr>
+          <p:style>
+            <a:lnRef idx="2">
+              <a:schemeClr val="accent1">
+                <a:shade val="50000"/>
+              </a:schemeClr>
+            </a:lnRef>
+            <a:fillRef idx="1">
+              <a:schemeClr val="accent1"/>
+            </a:fillRef>
+            <a:effectRef idx="0">
+              <a:schemeClr val="accent1"/>
+            </a:effectRef>
+            <a:fontRef idx="minor">
+              <a:schemeClr val="lt1"/>
+            </a:fontRef>
+          </p:style>
+          <p:txBody>
+            <a:bodyPr rtlCol="0" anchor="ctr"/>
+            <a:lstStyle/>
+            <a:p>
+              <a:pPr algn="ctr"/>
+              <a:endParaRPr lang="ko-KR" altLang="en-US"/>
+            </a:p>
+          </p:txBody>
+        </p:sp>
+        <p:sp>
+          <p:nvSpPr>
+            <p:cNvPr id="216" name="직사각형 215"/>
+            <p:cNvSpPr/>
+            <p:nvPr/>
+          </p:nvSpPr>
+          <p:spPr>
+            <a:xfrm>
+              <a:off x="3483165" y="2959290"/>
+              <a:ext cx="198191" cy="82538"/>
+            </a:xfrm>
+            <a:prstGeom prst="rect">
+              <a:avLst/>
+            </a:prstGeom>
+            <a:solidFill>
+              <a:srgbClr val="838D90"/>
+            </a:solidFill>
+            <a:ln w="38100">
+              <a:solidFill>
+                <a:schemeClr val="tx1"/>
+              </a:solidFill>
+            </a:ln>
+          </p:spPr>
+          <p:style>
+            <a:lnRef idx="2">
+              <a:schemeClr val="accent1">
+                <a:shade val="50000"/>
+              </a:schemeClr>
+            </a:lnRef>
+            <a:fillRef idx="1">
+              <a:schemeClr val="accent1"/>
+            </a:fillRef>
+            <a:effectRef idx="0">
+              <a:schemeClr val="accent1"/>
+            </a:effectRef>
+            <a:fontRef idx="minor">
+              <a:schemeClr val="lt1"/>
+            </a:fontRef>
+          </p:style>
+          <p:txBody>
+            <a:bodyPr rtlCol="0" anchor="ctr"/>
+            <a:lstStyle/>
+            <a:p>
+              <a:pPr algn="ctr"/>
+              <a:endParaRPr lang="ko-KR" altLang="en-US"/>
+            </a:p>
+          </p:txBody>
+        </p:sp>
+        <p:sp>
+          <p:nvSpPr>
+            <p:cNvPr id="217" name="직사각형 216"/>
+            <p:cNvSpPr/>
+            <p:nvPr/>
+          </p:nvSpPr>
+          <p:spPr>
+            <a:xfrm>
+              <a:off x="3069557" y="3113157"/>
+              <a:ext cx="164216" cy="82538"/>
+            </a:xfrm>
+            <a:prstGeom prst="rect">
+              <a:avLst/>
+            </a:prstGeom>
+            <a:solidFill>
+              <a:srgbClr val="838D90"/>
+            </a:solidFill>
+            <a:ln w="38100">
+              <a:solidFill>
+                <a:schemeClr val="tx1"/>
+              </a:solidFill>
+            </a:ln>
+          </p:spPr>
+          <p:style>
+            <a:lnRef idx="2">
+              <a:schemeClr val="accent1">
+                <a:shade val="50000"/>
+              </a:schemeClr>
+            </a:lnRef>
+            <a:fillRef idx="1">
+              <a:schemeClr val="accent1"/>
+            </a:fillRef>
+            <a:effectRef idx="0">
+              <a:schemeClr val="accent1"/>
+            </a:effectRef>
+            <a:fontRef idx="minor">
+              <a:schemeClr val="lt1"/>
+            </a:fontRef>
+          </p:style>
+          <p:txBody>
+            <a:bodyPr rtlCol="0" anchor="ctr"/>
+            <a:lstStyle/>
+            <a:p>
+              <a:pPr algn="ctr"/>
+              <a:endParaRPr lang="ko-KR" altLang="en-US"/>
+            </a:p>
+          </p:txBody>
+        </p:sp>
+        <p:sp>
+          <p:nvSpPr>
+            <p:cNvPr id="218" name="직사각형 217"/>
+            <p:cNvSpPr/>
+            <p:nvPr/>
+          </p:nvSpPr>
+          <p:spPr>
+            <a:xfrm>
+              <a:off x="3069557" y="2959290"/>
+              <a:ext cx="164216" cy="82538"/>
+            </a:xfrm>
+            <a:prstGeom prst="rect">
+              <a:avLst/>
+            </a:prstGeom>
+            <a:solidFill>
+              <a:srgbClr val="838D90"/>
+            </a:solidFill>
+            <a:ln w="38100">
+              <a:solidFill>
+                <a:schemeClr val="tx1"/>
+              </a:solidFill>
+            </a:ln>
+          </p:spPr>
+          <p:style>
+            <a:lnRef idx="2">
+              <a:schemeClr val="accent1">
+                <a:shade val="50000"/>
+              </a:schemeClr>
+            </a:lnRef>
+            <a:fillRef idx="1">
+              <a:schemeClr val="accent1"/>
+            </a:fillRef>
+            <a:effectRef idx="0">
+              <a:schemeClr val="accent1"/>
+            </a:effectRef>
+            <a:fontRef idx="minor">
+              <a:schemeClr val="lt1"/>
+            </a:fontRef>
+          </p:style>
+          <p:txBody>
+            <a:bodyPr rtlCol="0" anchor="ctr"/>
+            <a:lstStyle/>
+            <a:p>
+              <a:pPr algn="ctr"/>
+              <a:endParaRPr lang="ko-KR" altLang="en-US"/>
+            </a:p>
+          </p:txBody>
+        </p:sp>
+      </p:grpSp>
+      <p:sp>
+        <p:nvSpPr>
+          <p:cNvPr id="2" name="양쪽 모서리가 잘린 사각형 1"/>
           <p:cNvSpPr/>
           <p:nvPr/>
         </p:nvSpPr>
         <p:spPr>
           <a:xfrm>
-            <a:off x="3054321" y="2760761"/>
-            <a:ext cx="548421" cy="58838"/>
+            <a:off x="4626818" y="819755"/>
+            <a:ext cx="585788" cy="1173600"/>
+          </a:xfrm>
+          <a:prstGeom prst="snip2SameRect">
+            <a:avLst/>
+          </a:prstGeom>
+          <a:solidFill>
+            <a:srgbClr val="6E3232"/>
+          </a:solidFill>
+          <a:ln w="38100">
+            <a:solidFill>
+              <a:schemeClr val="tx1"/>
+            </a:solidFill>
+          </a:ln>
+        </p:spPr>
+        <p:style>
+          <a:lnRef idx="2">
+            <a:schemeClr val="accent1">
+              <a:shade val="50000"/>
+            </a:schemeClr>
+          </a:lnRef>
+          <a:fillRef idx="1">
+            <a:schemeClr val="accent1"/>
+          </a:fillRef>
+          <a:effectRef idx="0">
+            <a:schemeClr val="accent1"/>
+          </a:effectRef>
+          <a:fontRef idx="minor">
+            <a:schemeClr val="lt1"/>
+          </a:fontRef>
+        </p:style>
+        <p:txBody>
+          <a:bodyPr rtlCol="0" anchor="ctr"/>
+          <a:lstStyle/>
+          <a:p>
+            <a:pPr algn="ctr"/>
+            <a:endParaRPr lang="ko-KR" altLang="en-US"/>
+          </a:p>
+        </p:txBody>
+      </p:sp>
+      <p:grpSp>
+        <p:nvGrpSpPr>
+          <p:cNvPr id="147" name="그룹 146"/>
+          <p:cNvGrpSpPr/>
+          <p:nvPr/>
+        </p:nvGrpSpPr>
+        <p:grpSpPr>
+          <a:xfrm rot="10800000">
+            <a:off x="5217777" y="1507944"/>
+            <a:ext cx="585788" cy="1173600"/>
+            <a:chOff x="5519051" y="1946796"/>
+            <a:chExt cx="585788" cy="1173600"/>
+          </a:xfrm>
+        </p:grpSpPr>
+        <p:sp>
+          <p:nvSpPr>
+            <p:cNvPr id="148" name="양쪽 모서리가 잘린 사각형 147"/>
+            <p:cNvSpPr/>
+            <p:nvPr/>
+          </p:nvSpPr>
+          <p:spPr>
+            <a:xfrm>
+              <a:off x="5519051" y="1946796"/>
+              <a:ext cx="585788" cy="1173600"/>
+            </a:xfrm>
+            <a:prstGeom prst="snip2SameRect">
+              <a:avLst/>
+            </a:prstGeom>
+            <a:solidFill>
+              <a:srgbClr val="6E3232"/>
+            </a:solidFill>
+            <a:ln w="38100">
+              <a:solidFill>
+                <a:schemeClr val="tx1"/>
+              </a:solidFill>
+            </a:ln>
+          </p:spPr>
+          <p:style>
+            <a:lnRef idx="2">
+              <a:schemeClr val="accent1">
+                <a:shade val="50000"/>
+              </a:schemeClr>
+            </a:lnRef>
+            <a:fillRef idx="1">
+              <a:schemeClr val="accent1"/>
+            </a:fillRef>
+            <a:effectRef idx="0">
+              <a:schemeClr val="accent1"/>
+            </a:effectRef>
+            <a:fontRef idx="minor">
+              <a:schemeClr val="lt1"/>
+            </a:fontRef>
+          </p:style>
+          <p:txBody>
+            <a:bodyPr rtlCol="0" anchor="ctr"/>
+            <a:lstStyle/>
+            <a:p>
+              <a:pPr algn="ctr"/>
+              <a:endParaRPr lang="ko-KR" altLang="en-US"/>
+            </a:p>
+          </p:txBody>
+        </p:sp>
+        <p:grpSp>
+          <p:nvGrpSpPr>
+            <p:cNvPr id="149" name="그룹 148"/>
+            <p:cNvGrpSpPr/>
+            <p:nvPr/>
+          </p:nvGrpSpPr>
+          <p:grpSpPr>
+            <a:xfrm>
+              <a:off x="5579275" y="2022700"/>
+              <a:ext cx="465340" cy="465340"/>
+              <a:chOff x="3096188" y="2262185"/>
+              <a:chExt cx="465340" cy="465340"/>
+            </a:xfrm>
+          </p:grpSpPr>
+          <p:sp>
+            <p:nvSpPr>
+              <p:cNvPr id="150" name="팔각형 149"/>
+              <p:cNvSpPr/>
+              <p:nvPr/>
+            </p:nvSpPr>
+            <p:spPr>
+              <a:xfrm>
+                <a:off x="3096188" y="2262185"/>
+                <a:ext cx="465340" cy="465340"/>
+              </a:xfrm>
+              <a:prstGeom prst="octagon">
+                <a:avLst>
+                  <a:gd name="adj" fmla="val 11945"/>
+                </a:avLst>
+              </a:prstGeom>
+              <a:solidFill>
+                <a:srgbClr val="838D90"/>
+              </a:solidFill>
+              <a:ln w="38100">
+                <a:solidFill>
+                  <a:schemeClr val="tx1"/>
+                </a:solidFill>
+              </a:ln>
+            </p:spPr>
+            <p:style>
+              <a:lnRef idx="2">
+                <a:schemeClr val="accent1">
+                  <a:shade val="50000"/>
+                </a:schemeClr>
+              </a:lnRef>
+              <a:fillRef idx="1">
+                <a:schemeClr val="accent1"/>
+              </a:fillRef>
+              <a:effectRef idx="0">
+                <a:schemeClr val="accent1"/>
+              </a:effectRef>
+              <a:fontRef idx="minor">
+                <a:schemeClr val="lt1"/>
+              </a:fontRef>
+            </p:style>
+            <p:txBody>
+              <a:bodyPr rtlCol="0" anchor="ctr"/>
+              <a:lstStyle/>
+              <a:p>
+                <a:pPr algn="ctr"/>
+                <a:endParaRPr lang="ko-KR" altLang="en-US"/>
+              </a:p>
+            </p:txBody>
+          </p:sp>
+          <p:sp>
+            <p:nvSpPr>
+              <p:cNvPr id="151" name="팔각형 150"/>
+              <p:cNvSpPr/>
+              <p:nvPr/>
+            </p:nvSpPr>
+            <p:spPr>
+              <a:xfrm>
+                <a:off x="3181913" y="2347910"/>
+                <a:ext cx="293890" cy="293890"/>
+              </a:xfrm>
+              <a:prstGeom prst="octagon">
+                <a:avLst>
+                  <a:gd name="adj" fmla="val 11945"/>
+                </a:avLst>
+              </a:prstGeom>
+              <a:solidFill>
+                <a:srgbClr val="6E3232"/>
+              </a:solidFill>
+              <a:ln w="38100">
+                <a:solidFill>
+                  <a:schemeClr val="tx1"/>
+                </a:solidFill>
+              </a:ln>
+            </p:spPr>
+            <p:style>
+              <a:lnRef idx="2">
+                <a:schemeClr val="accent1">
+                  <a:shade val="50000"/>
+                </a:schemeClr>
+              </a:lnRef>
+              <a:fillRef idx="1">
+                <a:schemeClr val="accent1"/>
+              </a:fillRef>
+              <a:effectRef idx="0">
+                <a:schemeClr val="accent1"/>
+              </a:effectRef>
+              <a:fontRef idx="minor">
+                <a:schemeClr val="lt1"/>
+              </a:fontRef>
+            </p:style>
+            <p:txBody>
+              <a:bodyPr rtlCol="0" anchor="ctr"/>
+              <a:lstStyle/>
+              <a:p>
+                <a:pPr algn="ctr"/>
+                <a:endParaRPr lang="ko-KR" altLang="en-US"/>
+              </a:p>
+            </p:txBody>
+          </p:sp>
+        </p:grpSp>
+      </p:grpSp>
+      <p:sp>
+        <p:nvSpPr>
+          <p:cNvPr id="152" name="직사각형 151"/>
+          <p:cNvSpPr/>
+          <p:nvPr/>
+        </p:nvSpPr>
+        <p:spPr>
+          <a:xfrm>
+            <a:off x="4873398" y="1364702"/>
+            <a:ext cx="92628" cy="434113"/>
+          </a:xfrm>
+          <a:prstGeom prst="rect">
+            <a:avLst/>
+          </a:prstGeom>
+          <a:solidFill>
+            <a:srgbClr val="838D90"/>
+          </a:solidFill>
+          <a:ln w="38100">
+            <a:solidFill>
+              <a:schemeClr val="tx1"/>
+            </a:solidFill>
+          </a:ln>
+        </p:spPr>
+        <p:style>
+          <a:lnRef idx="2">
+            <a:schemeClr val="accent1">
+              <a:shade val="50000"/>
+            </a:schemeClr>
+          </a:lnRef>
+          <a:fillRef idx="1">
+            <a:schemeClr val="accent1"/>
+          </a:fillRef>
+          <a:effectRef idx="0">
+            <a:schemeClr val="accent1"/>
+          </a:effectRef>
+          <a:fontRef idx="minor">
+            <a:schemeClr val="lt1"/>
+          </a:fontRef>
+        </p:style>
+        <p:txBody>
+          <a:bodyPr rtlCol="0" anchor="ctr"/>
+          <a:lstStyle/>
+          <a:p>
+            <a:pPr algn="ctr"/>
+            <a:endParaRPr lang="ko-KR" altLang="en-US"/>
+          </a:p>
+        </p:txBody>
+      </p:sp>
+      <p:sp>
+        <p:nvSpPr>
+          <p:cNvPr id="154" name="직사각형 153"/>
+          <p:cNvSpPr/>
+          <p:nvPr/>
+        </p:nvSpPr>
+        <p:spPr>
+          <a:xfrm>
+            <a:off x="5459186" y="1713204"/>
+            <a:ext cx="92628" cy="427096"/>
+          </a:xfrm>
+          <a:prstGeom prst="rect">
+            <a:avLst/>
+          </a:prstGeom>
+          <a:solidFill>
+            <a:srgbClr val="838D90"/>
+          </a:solidFill>
+          <a:ln w="38100">
+            <a:solidFill>
+              <a:schemeClr val="tx1"/>
+            </a:solidFill>
+          </a:ln>
+        </p:spPr>
+        <p:style>
+          <a:lnRef idx="2">
+            <a:schemeClr val="accent1">
+              <a:shade val="50000"/>
+            </a:schemeClr>
+          </a:lnRef>
+          <a:fillRef idx="1">
+            <a:schemeClr val="accent1"/>
+          </a:fillRef>
+          <a:effectRef idx="0">
+            <a:schemeClr val="accent1"/>
+          </a:effectRef>
+          <a:fontRef idx="minor">
+            <a:schemeClr val="lt1"/>
+          </a:fontRef>
+        </p:style>
+        <p:txBody>
+          <a:bodyPr rtlCol="0" anchor="ctr"/>
+          <a:lstStyle/>
+          <a:p>
+            <a:pPr algn="ctr"/>
+            <a:endParaRPr lang="ko-KR" altLang="en-US"/>
+          </a:p>
+        </p:txBody>
+      </p:sp>
+      <p:sp>
+        <p:nvSpPr>
+          <p:cNvPr id="13" name="직사각형 12"/>
+          <p:cNvSpPr/>
+          <p:nvPr/>
+        </p:nvSpPr>
+        <p:spPr>
+          <a:xfrm>
+            <a:off x="5162909" y="1526292"/>
+            <a:ext cx="95250" cy="448161"/>
           </a:xfrm>
           <a:prstGeom prst="rect">
             <a:avLst/>
@@ -7949,826 +13358,20 @@
       </p:sp>
       <p:sp>
         <p:nvSpPr>
-          <p:cNvPr id="29" name="직사각형 28"/>
+          <p:cNvPr id="162" name="직사각형 161"/>
           <p:cNvSpPr/>
           <p:nvPr/>
         </p:nvSpPr>
         <p:spPr>
-          <a:xfrm>
-            <a:off x="3253193" y="2727525"/>
-            <a:ext cx="153554" cy="180178"/>
+          <a:xfrm rot="5400000">
+            <a:off x="5183730" y="1507124"/>
+            <a:ext cx="57749" cy="678416"/>
           </a:xfrm>
           <a:prstGeom prst="rect">
             <a:avLst/>
           </a:prstGeom>
           <a:solidFill>
             <a:srgbClr val="838D90"/>
-          </a:solidFill>
-          <a:ln w="38100">
-            <a:solidFill>
-              <a:schemeClr val="tx1"/>
-            </a:solidFill>
-          </a:ln>
-        </p:spPr>
-        <p:style>
-          <a:lnRef idx="2">
-            <a:schemeClr val="accent1">
-              <a:shade val="50000"/>
-            </a:schemeClr>
-          </a:lnRef>
-          <a:fillRef idx="1">
-            <a:schemeClr val="accent1"/>
-          </a:fillRef>
-          <a:effectRef idx="0">
-            <a:schemeClr val="accent1"/>
-          </a:effectRef>
-          <a:fontRef idx="minor">
-            <a:schemeClr val="lt1"/>
-          </a:fontRef>
-        </p:style>
-        <p:txBody>
-          <a:bodyPr rtlCol="0" anchor="ctr"/>
-          <a:lstStyle/>
-          <a:p>
-            <a:pPr algn="ctr"/>
-            <a:endParaRPr lang="ko-KR" altLang="en-US"/>
-          </a:p>
-        </p:txBody>
-      </p:sp>
-      <p:sp>
-        <p:nvSpPr>
-          <p:cNvPr id="31" name="양쪽 모서리가 잘린 사각형 30"/>
-          <p:cNvSpPr/>
-          <p:nvPr/>
-        </p:nvSpPr>
-        <p:spPr>
-          <a:xfrm rot="16200000">
-            <a:off x="3078396" y="2953820"/>
-            <a:ext cx="500928" cy="245873"/>
-          </a:xfrm>
-          <a:prstGeom prst="snip2SameRect">
-            <a:avLst>
-              <a:gd name="adj1" fmla="val 50000"/>
-              <a:gd name="adj2" fmla="val 50000"/>
-            </a:avLst>
-          </a:prstGeom>
-          <a:solidFill>
-            <a:srgbClr val="838D90"/>
-          </a:solidFill>
-          <a:ln w="38100">
-            <a:solidFill>
-              <a:schemeClr val="tx1"/>
-            </a:solidFill>
-          </a:ln>
-        </p:spPr>
-        <p:style>
-          <a:lnRef idx="2">
-            <a:schemeClr val="accent1">
-              <a:shade val="50000"/>
-            </a:schemeClr>
-          </a:lnRef>
-          <a:fillRef idx="1">
-            <a:schemeClr val="accent1"/>
-          </a:fillRef>
-          <a:effectRef idx="0">
-            <a:schemeClr val="accent1"/>
-          </a:effectRef>
-          <a:fontRef idx="minor">
-            <a:schemeClr val="lt1"/>
-          </a:fontRef>
-        </p:style>
-        <p:txBody>
-          <a:bodyPr rtlCol="0" anchor="ctr"/>
-          <a:lstStyle/>
-          <a:p>
-            <a:pPr algn="ctr"/>
-            <a:endParaRPr lang="ko-KR" altLang="en-US"/>
-          </a:p>
-        </p:txBody>
-      </p:sp>
-      <p:sp>
-        <p:nvSpPr>
-          <p:cNvPr id="83" name="양쪽 모서리가 잘린 사각형 82"/>
-          <p:cNvSpPr/>
-          <p:nvPr/>
-        </p:nvSpPr>
-        <p:spPr>
-          <a:xfrm rot="16200000">
-            <a:off x="3203463" y="3016491"/>
-            <a:ext cx="255364" cy="125342"/>
-          </a:xfrm>
-          <a:prstGeom prst="snip2SameRect">
-            <a:avLst>
-              <a:gd name="adj1" fmla="val 50000"/>
-              <a:gd name="adj2" fmla="val 50000"/>
-            </a:avLst>
-          </a:prstGeom>
-          <a:solidFill>
-            <a:srgbClr val="6E3232"/>
-          </a:solidFill>
-          <a:ln w="38100">
-            <a:solidFill>
-              <a:schemeClr val="tx1"/>
-            </a:solidFill>
-          </a:ln>
-        </p:spPr>
-        <p:style>
-          <a:lnRef idx="2">
-            <a:schemeClr val="accent1">
-              <a:shade val="50000"/>
-            </a:schemeClr>
-          </a:lnRef>
-          <a:fillRef idx="1">
-            <a:schemeClr val="accent1"/>
-          </a:fillRef>
-          <a:effectRef idx="0">
-            <a:schemeClr val="accent1"/>
-          </a:effectRef>
-          <a:fontRef idx="minor">
-            <a:schemeClr val="lt1"/>
-          </a:fontRef>
-        </p:style>
-        <p:txBody>
-          <a:bodyPr rtlCol="0" anchor="ctr"/>
-          <a:lstStyle/>
-          <a:p>
-            <a:pPr algn="ctr"/>
-            <a:endParaRPr lang="ko-KR" altLang="en-US"/>
-          </a:p>
-        </p:txBody>
-      </p:sp>
-      <p:sp>
-        <p:nvSpPr>
-          <p:cNvPr id="135" name="직사각형 134"/>
-          <p:cNvSpPr/>
-          <p:nvPr/>
-        </p:nvSpPr>
-        <p:spPr>
-          <a:xfrm>
-            <a:off x="3452872" y="2986596"/>
-            <a:ext cx="167089" cy="183012"/>
-          </a:xfrm>
-          <a:prstGeom prst="rect">
-            <a:avLst/>
-          </a:prstGeom>
-          <a:solidFill>
-            <a:srgbClr val="838D90"/>
-          </a:solidFill>
-          <a:ln w="38100">
-            <a:solidFill>
-              <a:schemeClr val="tx1"/>
-            </a:solidFill>
-          </a:ln>
-        </p:spPr>
-        <p:style>
-          <a:lnRef idx="2">
-            <a:schemeClr val="accent1">
-              <a:shade val="50000"/>
-            </a:schemeClr>
-          </a:lnRef>
-          <a:fillRef idx="1">
-            <a:schemeClr val="accent1"/>
-          </a:fillRef>
-          <a:effectRef idx="0">
-            <a:schemeClr val="accent1"/>
-          </a:effectRef>
-          <a:fontRef idx="minor">
-            <a:schemeClr val="lt1"/>
-          </a:fontRef>
-        </p:style>
-        <p:txBody>
-          <a:bodyPr rtlCol="0" anchor="ctr"/>
-          <a:lstStyle/>
-          <a:p>
-            <a:pPr algn="ctr"/>
-            <a:endParaRPr lang="ko-KR" altLang="en-US"/>
-          </a:p>
-        </p:txBody>
-      </p:sp>
-      <p:grpSp>
-        <p:nvGrpSpPr>
-          <p:cNvPr id="1029" name="그룹 1028"/>
-          <p:cNvGrpSpPr/>
-          <p:nvPr/>
-        </p:nvGrpSpPr>
-        <p:grpSpPr>
-          <a:xfrm>
-            <a:off x="3619961" y="2850837"/>
-            <a:ext cx="1102967" cy="450906"/>
-            <a:chOff x="3620738" y="2844185"/>
-            <a:chExt cx="1102190" cy="465340"/>
-          </a:xfrm>
-          <a:solidFill>
-            <a:srgbClr val="6E3232"/>
-          </a:solidFill>
-        </p:grpSpPr>
-        <p:sp>
-          <p:nvSpPr>
-            <p:cNvPr id="136" name="팔각형 135"/>
-            <p:cNvSpPr/>
-            <p:nvPr/>
-          </p:nvSpPr>
-          <p:spPr>
-            <a:xfrm>
-              <a:off x="3620738" y="2844185"/>
-              <a:ext cx="1102190" cy="465340"/>
-            </a:xfrm>
-            <a:prstGeom prst="octagon">
-              <a:avLst>
-                <a:gd name="adj" fmla="val 11945"/>
-              </a:avLst>
-            </a:prstGeom>
-            <a:grpFill/>
-            <a:ln w="38100">
-              <a:solidFill>
-                <a:schemeClr val="tx1"/>
-              </a:solidFill>
-            </a:ln>
-          </p:spPr>
-          <p:style>
-            <a:lnRef idx="2">
-              <a:schemeClr val="accent1">
-                <a:shade val="50000"/>
-              </a:schemeClr>
-            </a:lnRef>
-            <a:fillRef idx="1">
-              <a:schemeClr val="accent1"/>
-            </a:fillRef>
-            <a:effectRef idx="0">
-              <a:schemeClr val="accent1"/>
-            </a:effectRef>
-            <a:fontRef idx="minor">
-              <a:schemeClr val="lt1"/>
-            </a:fontRef>
-          </p:style>
-          <p:txBody>
-            <a:bodyPr rtlCol="0" anchor="ctr"/>
-            <a:lstStyle/>
-            <a:p>
-              <a:pPr algn="ctr"/>
-              <a:endParaRPr lang="ko-KR" altLang="en-US"/>
-            </a:p>
-          </p:txBody>
-        </p:sp>
-        <p:sp>
-          <p:nvSpPr>
-            <p:cNvPr id="61" name="이등변 삼각형 60"/>
-            <p:cNvSpPr/>
-            <p:nvPr/>
-          </p:nvSpPr>
-          <p:spPr>
-            <a:xfrm rot="5400000">
-              <a:off x="3676144" y="2932709"/>
-              <a:ext cx="212822" cy="290789"/>
-            </a:xfrm>
-            <a:prstGeom prst="triangle">
-              <a:avLst/>
-            </a:prstGeom>
-            <a:solidFill>
-              <a:srgbClr val="838D90"/>
-            </a:solidFill>
-            <a:ln w="19050">
-              <a:solidFill>
-                <a:schemeClr val="tx1"/>
-              </a:solidFill>
-            </a:ln>
-          </p:spPr>
-          <p:style>
-            <a:lnRef idx="2">
-              <a:schemeClr val="accent1">
-                <a:shade val="50000"/>
-              </a:schemeClr>
-            </a:lnRef>
-            <a:fillRef idx="1">
-              <a:schemeClr val="accent1"/>
-            </a:fillRef>
-            <a:effectRef idx="0">
-              <a:schemeClr val="accent1"/>
-            </a:effectRef>
-            <a:fontRef idx="minor">
-              <a:schemeClr val="lt1"/>
-            </a:fontRef>
-          </p:style>
-          <p:txBody>
-            <a:bodyPr rtlCol="0" anchor="ctr"/>
-            <a:lstStyle/>
-            <a:p>
-              <a:pPr algn="ctr"/>
-              <a:endParaRPr lang="ko-KR" altLang="en-US"/>
-            </a:p>
-          </p:txBody>
-        </p:sp>
-        <p:sp>
-          <p:nvSpPr>
-            <p:cNvPr id="141" name="이등변 삼각형 140"/>
-            <p:cNvSpPr/>
-            <p:nvPr/>
-          </p:nvSpPr>
-          <p:spPr>
-            <a:xfrm rot="16200000">
-              <a:off x="4462233" y="2932709"/>
-              <a:ext cx="212822" cy="290789"/>
-            </a:xfrm>
-            <a:prstGeom prst="triangle">
-              <a:avLst/>
-            </a:prstGeom>
-            <a:solidFill>
-              <a:srgbClr val="838D90"/>
-            </a:solidFill>
-            <a:ln w="19050">
-              <a:solidFill>
-                <a:schemeClr val="tx1"/>
-              </a:solidFill>
-            </a:ln>
-          </p:spPr>
-          <p:style>
-            <a:lnRef idx="2">
-              <a:schemeClr val="accent1">
-                <a:shade val="50000"/>
-              </a:schemeClr>
-            </a:lnRef>
-            <a:fillRef idx="1">
-              <a:schemeClr val="accent1"/>
-            </a:fillRef>
-            <a:effectRef idx="0">
-              <a:schemeClr val="accent1"/>
-            </a:effectRef>
-            <a:fontRef idx="minor">
-              <a:schemeClr val="lt1"/>
-            </a:fontRef>
-          </p:style>
-          <p:txBody>
-            <a:bodyPr rtlCol="0" anchor="ctr"/>
-            <a:lstStyle/>
-            <a:p>
-              <a:pPr algn="ctr"/>
-              <a:endParaRPr lang="ko-KR" altLang="en-US"/>
-            </a:p>
-          </p:txBody>
-        </p:sp>
-        <p:sp>
-          <p:nvSpPr>
-            <p:cNvPr id="142" name="이등변 삼각형 141"/>
-            <p:cNvSpPr/>
-            <p:nvPr/>
-          </p:nvSpPr>
-          <p:spPr>
-            <a:xfrm rot="10800000">
-              <a:off x="3878819" y="2862702"/>
-              <a:ext cx="586027" cy="121596"/>
-            </a:xfrm>
-            <a:prstGeom prst="triangle">
-              <a:avLst/>
-            </a:prstGeom>
-            <a:solidFill>
-              <a:srgbClr val="838D90"/>
-            </a:solidFill>
-            <a:ln w="19050">
-              <a:solidFill>
-                <a:schemeClr val="tx1"/>
-              </a:solidFill>
-            </a:ln>
-          </p:spPr>
-          <p:style>
-            <a:lnRef idx="2">
-              <a:schemeClr val="accent1">
-                <a:shade val="50000"/>
-              </a:schemeClr>
-            </a:lnRef>
-            <a:fillRef idx="1">
-              <a:schemeClr val="accent1"/>
-            </a:fillRef>
-            <a:effectRef idx="0">
-              <a:schemeClr val="accent1"/>
-            </a:effectRef>
-            <a:fontRef idx="minor">
-              <a:schemeClr val="lt1"/>
-            </a:fontRef>
-          </p:style>
-          <p:txBody>
-            <a:bodyPr rtlCol="0" anchor="ctr"/>
-            <a:lstStyle/>
-            <a:p>
-              <a:pPr algn="ctr"/>
-              <a:endParaRPr lang="ko-KR" altLang="en-US"/>
-            </a:p>
-          </p:txBody>
-        </p:sp>
-        <p:sp>
-          <p:nvSpPr>
-            <p:cNvPr id="143" name="이등변 삼각형 142"/>
-            <p:cNvSpPr/>
-            <p:nvPr/>
-          </p:nvSpPr>
-          <p:spPr>
-            <a:xfrm>
-              <a:off x="3878819" y="3178487"/>
-              <a:ext cx="586027" cy="121596"/>
-            </a:xfrm>
-            <a:prstGeom prst="triangle">
-              <a:avLst/>
-            </a:prstGeom>
-            <a:solidFill>
-              <a:srgbClr val="838D90"/>
-            </a:solidFill>
-            <a:ln w="19050">
-              <a:solidFill>
-                <a:schemeClr val="tx1"/>
-              </a:solidFill>
-            </a:ln>
-          </p:spPr>
-          <p:style>
-            <a:lnRef idx="2">
-              <a:schemeClr val="accent1">
-                <a:shade val="50000"/>
-              </a:schemeClr>
-            </a:lnRef>
-            <a:fillRef idx="1">
-              <a:schemeClr val="accent1"/>
-            </a:fillRef>
-            <a:effectRef idx="0">
-              <a:schemeClr val="accent1"/>
-            </a:effectRef>
-            <a:fontRef idx="minor">
-              <a:schemeClr val="lt1"/>
-            </a:fontRef>
-          </p:style>
-          <p:txBody>
-            <a:bodyPr rtlCol="0" anchor="ctr"/>
-            <a:lstStyle/>
-            <a:p>
-              <a:pPr algn="ctr"/>
-              <a:endParaRPr lang="ko-KR" altLang="en-US"/>
-            </a:p>
-          </p:txBody>
-        </p:sp>
-        <p:cxnSp>
-          <p:nvCxnSpPr>
-            <p:cNvPr id="36" name="직선 연결선 35"/>
-            <p:cNvCxnSpPr>
-              <a:stCxn id="136" idx="4"/>
-              <a:endCxn id="136" idx="7"/>
-            </p:cNvCxnSpPr>
-            <p:nvPr/>
-          </p:nvCxnSpPr>
-          <p:spPr>
-            <a:xfrm flipV="1">
-              <a:off x="3620738" y="2844185"/>
-              <a:ext cx="1046605" cy="409755"/>
-            </a:xfrm>
-            <a:prstGeom prst="line">
-              <a:avLst/>
-            </a:prstGeom>
-            <a:grpFill/>
-            <a:ln w="19050">
-              <a:solidFill>
-                <a:schemeClr val="tx1"/>
-              </a:solidFill>
-            </a:ln>
-          </p:spPr>
-          <p:style>
-            <a:lnRef idx="1">
-              <a:schemeClr val="accent1"/>
-            </a:lnRef>
-            <a:fillRef idx="0">
-              <a:schemeClr val="accent1"/>
-            </a:fillRef>
-            <a:effectRef idx="0">
-              <a:schemeClr val="accent1"/>
-            </a:effectRef>
-            <a:fontRef idx="minor">
-              <a:schemeClr val="tx1"/>
-            </a:fontRef>
-          </p:style>
-        </p:cxnSp>
-        <p:cxnSp>
-          <p:nvCxnSpPr>
-            <p:cNvPr id="137" name="직선 연결선 136"/>
-            <p:cNvCxnSpPr>
-              <a:stCxn id="136" idx="3"/>
-              <a:endCxn id="136" idx="0"/>
-            </p:cNvCxnSpPr>
-            <p:nvPr/>
-          </p:nvCxnSpPr>
-          <p:spPr>
-            <a:xfrm flipV="1">
-              <a:off x="3676323" y="2899770"/>
-              <a:ext cx="1046605" cy="409755"/>
-            </a:xfrm>
-            <a:prstGeom prst="line">
-              <a:avLst/>
-            </a:prstGeom>
-            <a:grpFill/>
-            <a:ln w="19050">
-              <a:solidFill>
-                <a:schemeClr val="tx1"/>
-              </a:solidFill>
-            </a:ln>
-          </p:spPr>
-          <p:style>
-            <a:lnRef idx="1">
-              <a:schemeClr val="accent1"/>
-            </a:lnRef>
-            <a:fillRef idx="0">
-              <a:schemeClr val="accent1"/>
-            </a:fillRef>
-            <a:effectRef idx="0">
-              <a:schemeClr val="accent1"/>
-            </a:effectRef>
-            <a:fontRef idx="minor">
-              <a:schemeClr val="tx1"/>
-            </a:fontRef>
-          </p:style>
-        </p:cxnSp>
-        <p:cxnSp>
-          <p:nvCxnSpPr>
-            <p:cNvPr id="138" name="직선 연결선 137"/>
-            <p:cNvCxnSpPr>
-              <a:stCxn id="136" idx="1"/>
-              <a:endCxn id="136" idx="6"/>
-            </p:cNvCxnSpPr>
-            <p:nvPr/>
-          </p:nvCxnSpPr>
-          <p:spPr>
-            <a:xfrm flipH="1" flipV="1">
-              <a:off x="3676323" y="2844185"/>
-              <a:ext cx="1046605" cy="409755"/>
-            </a:xfrm>
-            <a:prstGeom prst="line">
-              <a:avLst/>
-            </a:prstGeom>
-            <a:grpFill/>
-            <a:ln w="19050">
-              <a:solidFill>
-                <a:schemeClr val="tx1"/>
-              </a:solidFill>
-            </a:ln>
-          </p:spPr>
-          <p:style>
-            <a:lnRef idx="1">
-              <a:schemeClr val="accent1"/>
-            </a:lnRef>
-            <a:fillRef idx="0">
-              <a:schemeClr val="accent1"/>
-            </a:fillRef>
-            <a:effectRef idx="0">
-              <a:schemeClr val="accent1"/>
-            </a:effectRef>
-            <a:fontRef idx="minor">
-              <a:schemeClr val="tx1"/>
-            </a:fontRef>
-          </p:style>
-        </p:cxnSp>
-        <p:cxnSp>
-          <p:nvCxnSpPr>
-            <p:cNvPr id="139" name="직선 연결선 138"/>
-            <p:cNvCxnSpPr>
-              <a:stCxn id="136" idx="2"/>
-              <a:endCxn id="136" idx="5"/>
-            </p:cNvCxnSpPr>
-            <p:nvPr/>
-          </p:nvCxnSpPr>
-          <p:spPr>
-            <a:xfrm flipH="1" flipV="1">
-              <a:off x="3620738" y="2899770"/>
-              <a:ext cx="1046605" cy="409755"/>
-            </a:xfrm>
-            <a:prstGeom prst="line">
-              <a:avLst/>
-            </a:prstGeom>
-            <a:grpFill/>
-            <a:ln w="19050">
-              <a:solidFill>
-                <a:schemeClr val="tx1"/>
-              </a:solidFill>
-            </a:ln>
-          </p:spPr>
-          <p:style>
-            <a:lnRef idx="1">
-              <a:schemeClr val="accent1"/>
-            </a:lnRef>
-            <a:fillRef idx="0">
-              <a:schemeClr val="accent1"/>
-            </a:fillRef>
-            <a:effectRef idx="0">
-              <a:schemeClr val="accent1"/>
-            </a:effectRef>
-            <a:fontRef idx="minor">
-              <a:schemeClr val="tx1"/>
-            </a:fontRef>
-          </p:style>
-        </p:cxnSp>
-      </p:grpSp>
-      <p:sp>
-        <p:nvSpPr>
-          <p:cNvPr id="1030" name="다이아몬드 1029"/>
-          <p:cNvSpPr/>
-          <p:nvPr/>
-        </p:nvSpPr>
-        <p:spPr>
-          <a:xfrm>
-            <a:off x="4092224" y="3040466"/>
-            <a:ext cx="157400" cy="71806"/>
-          </a:xfrm>
-          <a:prstGeom prst="diamond">
-            <a:avLst/>
-          </a:prstGeom>
-          <a:solidFill>
-            <a:srgbClr val="838D90"/>
-          </a:solidFill>
-          <a:ln w="38100">
-            <a:noFill/>
-          </a:ln>
-        </p:spPr>
-        <p:style>
-          <a:lnRef idx="2">
-            <a:schemeClr val="accent1">
-              <a:shade val="50000"/>
-            </a:schemeClr>
-          </a:lnRef>
-          <a:fillRef idx="1">
-            <a:schemeClr val="accent1"/>
-          </a:fillRef>
-          <a:effectRef idx="0">
-            <a:schemeClr val="accent1"/>
-          </a:effectRef>
-          <a:fontRef idx="minor">
-            <a:schemeClr val="lt1"/>
-          </a:fontRef>
-        </p:style>
-        <p:txBody>
-          <a:bodyPr rtlCol="0" anchor="ctr"/>
-          <a:lstStyle/>
-          <a:p>
-            <a:pPr algn="ctr"/>
-            <a:endParaRPr lang="ko-KR" altLang="en-US"/>
-          </a:p>
-        </p:txBody>
-      </p:sp>
-      <p:sp>
-        <p:nvSpPr>
-          <p:cNvPr id="151" name="직사각형 150"/>
-          <p:cNvSpPr/>
-          <p:nvPr/>
-        </p:nvSpPr>
-        <p:spPr>
-          <a:xfrm rot="5400000">
-            <a:off x="5507125" y="2199422"/>
-            <a:ext cx="585788" cy="1757363"/>
-          </a:xfrm>
-          <a:prstGeom prst="rect">
-            <a:avLst/>
-          </a:prstGeom>
-          <a:solidFill>
-            <a:srgbClr val="6E3232"/>
-          </a:solidFill>
-          <a:ln w="38100">
-            <a:solidFill>
-              <a:schemeClr val="tx1"/>
-            </a:solidFill>
-          </a:ln>
-        </p:spPr>
-        <p:style>
-          <a:lnRef idx="2">
-            <a:schemeClr val="accent1">
-              <a:shade val="50000"/>
-            </a:schemeClr>
-          </a:lnRef>
-          <a:fillRef idx="1">
-            <a:schemeClr val="accent1"/>
-          </a:fillRef>
-          <a:effectRef idx="0">
-            <a:schemeClr val="accent1"/>
-          </a:effectRef>
-          <a:fontRef idx="minor">
-            <a:schemeClr val="lt1"/>
-          </a:fontRef>
-        </p:style>
-        <p:txBody>
-          <a:bodyPr rtlCol="0" anchor="ctr"/>
-          <a:lstStyle/>
-          <a:p>
-            <a:pPr algn="ctr"/>
-            <a:endParaRPr lang="ko-KR" altLang="en-US"/>
-          </a:p>
-        </p:txBody>
-      </p:sp>
-      <p:sp>
-        <p:nvSpPr>
-          <p:cNvPr id="152" name="직사각형 151"/>
-          <p:cNvSpPr/>
-          <p:nvPr/>
-        </p:nvSpPr>
-        <p:spPr>
-          <a:xfrm>
-            <a:off x="4921338" y="2193580"/>
-            <a:ext cx="585788" cy="591628"/>
-          </a:xfrm>
-          <a:prstGeom prst="rect">
-            <a:avLst/>
-          </a:prstGeom>
-          <a:solidFill>
-            <a:srgbClr val="6E3232"/>
-          </a:solidFill>
-          <a:ln w="38100">
-            <a:solidFill>
-              <a:schemeClr val="tx1"/>
-            </a:solidFill>
-          </a:ln>
-        </p:spPr>
-        <p:style>
-          <a:lnRef idx="2">
-            <a:schemeClr val="accent1">
-              <a:shade val="50000"/>
-            </a:schemeClr>
-          </a:lnRef>
-          <a:fillRef idx="1">
-            <a:schemeClr val="accent1"/>
-          </a:fillRef>
-          <a:effectRef idx="0">
-            <a:schemeClr val="accent1"/>
-          </a:effectRef>
-          <a:fontRef idx="minor">
-            <a:schemeClr val="lt1"/>
-          </a:fontRef>
-        </p:style>
-        <p:txBody>
-          <a:bodyPr rtlCol="0" anchor="ctr"/>
-          <a:lstStyle/>
-          <a:p>
-            <a:pPr algn="ctr"/>
-            <a:endParaRPr lang="ko-KR" altLang="en-US"/>
-          </a:p>
-        </p:txBody>
-      </p:sp>
-      <p:sp>
-        <p:nvSpPr>
-          <p:cNvPr id="153" name="팔각형 152"/>
-          <p:cNvSpPr/>
-          <p:nvPr/>
-        </p:nvSpPr>
-        <p:spPr>
-          <a:xfrm>
-            <a:off x="4981562" y="2262186"/>
-            <a:ext cx="465340" cy="465340"/>
-          </a:xfrm>
-          <a:prstGeom prst="octagon">
-            <a:avLst>
-              <a:gd name="adj" fmla="val 11945"/>
-            </a:avLst>
-          </a:prstGeom>
-          <a:solidFill>
-            <a:srgbClr val="838D90"/>
-          </a:solidFill>
-          <a:ln w="38100">
-            <a:solidFill>
-              <a:schemeClr val="tx1"/>
-            </a:solidFill>
-          </a:ln>
-        </p:spPr>
-        <p:style>
-          <a:lnRef idx="2">
-            <a:schemeClr val="accent1">
-              <a:shade val="50000"/>
-            </a:schemeClr>
-          </a:lnRef>
-          <a:fillRef idx="1">
-            <a:schemeClr val="accent1"/>
-          </a:fillRef>
-          <a:effectRef idx="0">
-            <a:schemeClr val="accent1"/>
-          </a:effectRef>
-          <a:fontRef idx="minor">
-            <a:schemeClr val="lt1"/>
-          </a:fontRef>
-        </p:style>
-        <p:txBody>
-          <a:bodyPr rtlCol="0" anchor="ctr"/>
-          <a:lstStyle/>
-          <a:p>
-            <a:pPr algn="ctr"/>
-            <a:endParaRPr lang="ko-KR" altLang="en-US"/>
-          </a:p>
-        </p:txBody>
-      </p:sp>
-      <p:sp>
-        <p:nvSpPr>
-          <p:cNvPr id="154" name="팔각형 153"/>
-          <p:cNvSpPr/>
-          <p:nvPr/>
-        </p:nvSpPr>
-        <p:spPr>
-          <a:xfrm>
-            <a:off x="5067287" y="2347911"/>
-            <a:ext cx="293890" cy="293890"/>
-          </a:xfrm>
-          <a:prstGeom prst="octagon">
-            <a:avLst>
-              <a:gd name="adj" fmla="val 11945"/>
-            </a:avLst>
-          </a:prstGeom>
-          <a:solidFill>
-            <a:srgbClr val="6E3232"/>
           </a:solidFill>
           <a:ln w="38100">
             <a:solidFill>
@@ -8808,18 +13411,20 @@
           <p:nvPr/>
         </p:nvSpPr>
         <p:spPr>
-          <a:xfrm>
-            <a:off x="4939695" y="2760762"/>
-            <a:ext cx="548421" cy="58838"/>
+          <a:xfrm rot="5400000">
+            <a:off x="5181602" y="1321905"/>
+            <a:ext cx="62006" cy="678416"/>
           </a:xfrm>
           <a:prstGeom prst="rect">
             <a:avLst/>
           </a:prstGeom>
           <a:solidFill>
-            <a:srgbClr val="6E3232"/>
+            <a:srgbClr val="838D90"/>
           </a:solidFill>
           <a:ln w="38100">
-            <a:noFill/>
+            <a:solidFill>
+              <a:schemeClr val="tx1"/>
+            </a:solidFill>
           </a:ln>
         </p:spPr>
         <p:style>
@@ -8847,409 +13452,704 @@
           </a:p>
         </p:txBody>
       </p:sp>
-      <p:sp>
-        <p:nvSpPr>
-          <p:cNvPr id="156" name="직사각형 155"/>
-          <p:cNvSpPr/>
+      <p:grpSp>
+        <p:nvGrpSpPr>
+          <p:cNvPr id="158" name="그룹 157"/>
+          <p:cNvGrpSpPr/>
           <p:nvPr/>
-        </p:nvSpPr>
-        <p:spPr>
+        </p:nvGrpSpPr>
+        <p:grpSpPr>
+          <a:xfrm rot="5400000">
+            <a:off x="5389014" y="1502038"/>
+            <a:ext cx="245873" cy="500928"/>
+            <a:chOff x="3389692" y="2980924"/>
+            <a:chExt cx="245873" cy="500928"/>
+          </a:xfrm>
+        </p:grpSpPr>
+        <p:sp>
+          <p:nvSpPr>
+            <p:cNvPr id="159" name="양쪽 모서리가 잘린 사각형 158"/>
+            <p:cNvSpPr/>
+            <p:nvPr/>
+          </p:nvSpPr>
+          <p:spPr>
+            <a:xfrm rot="16200000">
+              <a:off x="3262165" y="3108451"/>
+              <a:ext cx="500928" cy="245873"/>
+            </a:xfrm>
+            <a:prstGeom prst="snip2SameRect">
+              <a:avLst>
+                <a:gd name="adj1" fmla="val 50000"/>
+                <a:gd name="adj2" fmla="val 50000"/>
+              </a:avLst>
+            </a:prstGeom>
+            <a:solidFill>
+              <a:srgbClr val="838D90"/>
+            </a:solidFill>
+            <a:ln w="38100">
+              <a:solidFill>
+                <a:schemeClr val="tx1"/>
+              </a:solidFill>
+            </a:ln>
+          </p:spPr>
+          <p:style>
+            <a:lnRef idx="2">
+              <a:schemeClr val="accent1">
+                <a:shade val="50000"/>
+              </a:schemeClr>
+            </a:lnRef>
+            <a:fillRef idx="1">
+              <a:schemeClr val="accent1"/>
+            </a:fillRef>
+            <a:effectRef idx="0">
+              <a:schemeClr val="accent1"/>
+            </a:effectRef>
+            <a:fontRef idx="minor">
+              <a:schemeClr val="lt1"/>
+            </a:fontRef>
+          </p:style>
+          <p:txBody>
+            <a:bodyPr rtlCol="0" anchor="ctr"/>
+            <a:lstStyle/>
+            <a:p>
+              <a:pPr algn="ctr"/>
+              <a:endParaRPr lang="ko-KR" altLang="en-US"/>
+            </a:p>
+          </p:txBody>
+        </p:sp>
+        <p:sp>
+          <p:nvSpPr>
+            <p:cNvPr id="160" name="양쪽 모서리가 잘린 사각형 159"/>
+            <p:cNvSpPr/>
+            <p:nvPr/>
+          </p:nvSpPr>
+          <p:spPr>
+            <a:xfrm rot="16200000">
+              <a:off x="3387232" y="3169776"/>
+              <a:ext cx="255364" cy="125342"/>
+            </a:xfrm>
+            <a:prstGeom prst="snip2SameRect">
+              <a:avLst>
+                <a:gd name="adj1" fmla="val 50000"/>
+                <a:gd name="adj2" fmla="val 50000"/>
+              </a:avLst>
+            </a:prstGeom>
+            <a:solidFill>
+              <a:srgbClr val="6E3232"/>
+            </a:solidFill>
+            <a:ln w="38100">
+              <a:solidFill>
+                <a:schemeClr val="tx1"/>
+              </a:solidFill>
+            </a:ln>
+          </p:spPr>
+          <p:style>
+            <a:lnRef idx="2">
+              <a:schemeClr val="accent1">
+                <a:shade val="50000"/>
+              </a:schemeClr>
+            </a:lnRef>
+            <a:fillRef idx="1">
+              <a:schemeClr val="accent1"/>
+            </a:fillRef>
+            <a:effectRef idx="0">
+              <a:schemeClr val="accent1"/>
+            </a:effectRef>
+            <a:fontRef idx="minor">
+              <a:schemeClr val="lt1"/>
+            </a:fontRef>
+          </p:style>
+          <p:txBody>
+            <a:bodyPr rtlCol="0" anchor="ctr"/>
+            <a:lstStyle/>
+            <a:p>
+              <a:pPr algn="ctr"/>
+              <a:endParaRPr lang="ko-KR" altLang="en-US"/>
+            </a:p>
+          </p:txBody>
+        </p:sp>
+      </p:grpSp>
+      <p:grpSp>
+        <p:nvGrpSpPr>
+          <p:cNvPr id="12" name="그룹 11"/>
+          <p:cNvGrpSpPr/>
+          <p:nvPr/>
+        </p:nvGrpSpPr>
+        <p:grpSpPr>
+          <a:xfrm rot="5400000">
+            <a:off x="4796775" y="1502037"/>
+            <a:ext cx="245873" cy="500928"/>
+            <a:chOff x="3389692" y="2980924"/>
+            <a:chExt cx="245873" cy="500928"/>
+          </a:xfrm>
+        </p:grpSpPr>
+        <p:sp>
+          <p:nvSpPr>
+            <p:cNvPr id="156" name="양쪽 모서리가 잘린 사각형 155"/>
+            <p:cNvSpPr/>
+            <p:nvPr/>
+          </p:nvSpPr>
+          <p:spPr>
+            <a:xfrm rot="16200000">
+              <a:off x="3262165" y="3108451"/>
+              <a:ext cx="500928" cy="245873"/>
+            </a:xfrm>
+            <a:prstGeom prst="snip2SameRect">
+              <a:avLst>
+                <a:gd name="adj1" fmla="val 50000"/>
+                <a:gd name="adj2" fmla="val 50000"/>
+              </a:avLst>
+            </a:prstGeom>
+            <a:solidFill>
+              <a:srgbClr val="838D90"/>
+            </a:solidFill>
+            <a:ln w="38100">
+              <a:solidFill>
+                <a:schemeClr val="tx1"/>
+              </a:solidFill>
+            </a:ln>
+          </p:spPr>
+          <p:style>
+            <a:lnRef idx="2">
+              <a:schemeClr val="accent1">
+                <a:shade val="50000"/>
+              </a:schemeClr>
+            </a:lnRef>
+            <a:fillRef idx="1">
+              <a:schemeClr val="accent1"/>
+            </a:fillRef>
+            <a:effectRef idx="0">
+              <a:schemeClr val="accent1"/>
+            </a:effectRef>
+            <a:fontRef idx="minor">
+              <a:schemeClr val="lt1"/>
+            </a:fontRef>
+          </p:style>
+          <p:txBody>
+            <a:bodyPr rtlCol="0" anchor="ctr"/>
+            <a:lstStyle/>
+            <a:p>
+              <a:pPr algn="ctr"/>
+              <a:endParaRPr lang="ko-KR" altLang="en-US"/>
+            </a:p>
+          </p:txBody>
+        </p:sp>
+        <p:sp>
+          <p:nvSpPr>
+            <p:cNvPr id="157" name="양쪽 모서리가 잘린 사각형 156"/>
+            <p:cNvSpPr/>
+            <p:nvPr/>
+          </p:nvSpPr>
+          <p:spPr>
+            <a:xfrm rot="16200000">
+              <a:off x="3387232" y="3169776"/>
+              <a:ext cx="255364" cy="125342"/>
+            </a:xfrm>
+            <a:prstGeom prst="snip2SameRect">
+              <a:avLst>
+                <a:gd name="adj1" fmla="val 50000"/>
+                <a:gd name="adj2" fmla="val 50000"/>
+              </a:avLst>
+            </a:prstGeom>
+            <a:solidFill>
+              <a:srgbClr val="6E3232"/>
+            </a:solidFill>
+            <a:ln w="38100">
+              <a:solidFill>
+                <a:schemeClr val="tx1"/>
+              </a:solidFill>
+            </a:ln>
+          </p:spPr>
+          <p:style>
+            <a:lnRef idx="2">
+              <a:schemeClr val="accent1">
+                <a:shade val="50000"/>
+              </a:schemeClr>
+            </a:lnRef>
+            <a:fillRef idx="1">
+              <a:schemeClr val="accent1"/>
+            </a:fillRef>
+            <a:effectRef idx="0">
+              <a:schemeClr val="accent1"/>
+            </a:effectRef>
+            <a:fontRef idx="minor">
+              <a:schemeClr val="lt1"/>
+            </a:fontRef>
+          </p:style>
+          <p:txBody>
+            <a:bodyPr rtlCol="0" anchor="ctr"/>
+            <a:lstStyle/>
+            <a:p>
+              <a:pPr algn="ctr"/>
+              <a:endParaRPr lang="ko-KR" altLang="en-US"/>
+            </a:p>
+          </p:txBody>
+        </p:sp>
+      </p:grpSp>
+      <p:grpSp>
+        <p:nvGrpSpPr>
+          <p:cNvPr id="144" name="그룹 143"/>
+          <p:cNvGrpSpPr/>
+          <p:nvPr/>
+        </p:nvGrpSpPr>
+        <p:grpSpPr>
           <a:xfrm>
-            <a:off x="5138567" y="2727526"/>
-            <a:ext cx="153554" cy="180178"/>
+            <a:off x="4687042" y="895659"/>
+            <a:ext cx="465340" cy="465340"/>
+            <a:chOff x="3096188" y="2262185"/>
+            <a:chExt cx="465340" cy="465340"/>
           </a:xfrm>
-          <a:prstGeom prst="rect">
-            <a:avLst/>
-          </a:prstGeom>
-          <a:solidFill>
-            <a:srgbClr val="838D90"/>
-          </a:solidFill>
-          <a:ln w="38100">
-            <a:solidFill>
-              <a:schemeClr val="tx1"/>
-            </a:solidFill>
-          </a:ln>
-        </p:spPr>
-        <p:style>
-          <a:lnRef idx="2">
-            <a:schemeClr val="accent1">
-              <a:shade val="50000"/>
-            </a:schemeClr>
-          </a:lnRef>
-          <a:fillRef idx="1">
-            <a:schemeClr val="accent1"/>
-          </a:fillRef>
-          <a:effectRef idx="0">
-            <a:schemeClr val="accent1"/>
-          </a:effectRef>
-          <a:fontRef idx="minor">
-            <a:schemeClr val="lt1"/>
-          </a:fontRef>
-        </p:style>
-        <p:txBody>
-          <a:bodyPr rtlCol="0" anchor="ctr"/>
-          <a:lstStyle/>
-          <a:p>
-            <a:pPr algn="ctr"/>
-            <a:endParaRPr lang="ko-KR" altLang="en-US"/>
-          </a:p>
-        </p:txBody>
-      </p:sp>
-      <p:sp>
-        <p:nvSpPr>
-          <p:cNvPr id="157" name="양쪽 모서리가 잘린 사각형 156"/>
-          <p:cNvSpPr/>
+        </p:grpSpPr>
+        <p:sp>
+          <p:nvSpPr>
+            <p:cNvPr id="145" name="팔각형 144"/>
+            <p:cNvSpPr/>
+            <p:nvPr/>
+          </p:nvSpPr>
+          <p:spPr>
+            <a:xfrm>
+              <a:off x="3096188" y="2262185"/>
+              <a:ext cx="465340" cy="465340"/>
+            </a:xfrm>
+            <a:prstGeom prst="octagon">
+              <a:avLst>
+                <a:gd name="adj" fmla="val 11945"/>
+              </a:avLst>
+            </a:prstGeom>
+            <a:solidFill>
+              <a:srgbClr val="838D90"/>
+            </a:solidFill>
+            <a:ln w="38100">
+              <a:solidFill>
+                <a:schemeClr val="tx1"/>
+              </a:solidFill>
+            </a:ln>
+          </p:spPr>
+          <p:style>
+            <a:lnRef idx="2">
+              <a:schemeClr val="accent1">
+                <a:shade val="50000"/>
+              </a:schemeClr>
+            </a:lnRef>
+            <a:fillRef idx="1">
+              <a:schemeClr val="accent1"/>
+            </a:fillRef>
+            <a:effectRef idx="0">
+              <a:schemeClr val="accent1"/>
+            </a:effectRef>
+            <a:fontRef idx="minor">
+              <a:schemeClr val="lt1"/>
+            </a:fontRef>
+          </p:style>
+          <p:txBody>
+            <a:bodyPr rtlCol="0" anchor="ctr"/>
+            <a:lstStyle/>
+            <a:p>
+              <a:pPr algn="ctr"/>
+              <a:endParaRPr lang="ko-KR" altLang="en-US"/>
+            </a:p>
+          </p:txBody>
+        </p:sp>
+        <p:sp>
+          <p:nvSpPr>
+            <p:cNvPr id="146" name="팔각형 145"/>
+            <p:cNvSpPr/>
+            <p:nvPr/>
+          </p:nvSpPr>
+          <p:spPr>
+            <a:xfrm>
+              <a:off x="3181913" y="2347910"/>
+              <a:ext cx="293890" cy="293890"/>
+            </a:xfrm>
+            <a:prstGeom prst="octagon">
+              <a:avLst>
+                <a:gd name="adj" fmla="val 11945"/>
+              </a:avLst>
+            </a:prstGeom>
+            <a:solidFill>
+              <a:srgbClr val="6E3232"/>
+            </a:solidFill>
+            <a:ln w="38100">
+              <a:solidFill>
+                <a:schemeClr val="tx1"/>
+              </a:solidFill>
+            </a:ln>
+          </p:spPr>
+          <p:style>
+            <a:lnRef idx="2">
+              <a:schemeClr val="accent1">
+                <a:shade val="50000"/>
+              </a:schemeClr>
+            </a:lnRef>
+            <a:fillRef idx="1">
+              <a:schemeClr val="accent1"/>
+            </a:fillRef>
+            <a:effectRef idx="0">
+              <a:schemeClr val="accent1"/>
+            </a:effectRef>
+            <a:fontRef idx="minor">
+              <a:schemeClr val="lt1"/>
+            </a:fontRef>
+          </p:style>
+          <p:txBody>
+            <a:bodyPr rtlCol="0" anchor="ctr"/>
+            <a:lstStyle/>
+            <a:p>
+              <a:pPr algn="ctr"/>
+              <a:endParaRPr lang="ko-KR" altLang="en-US"/>
+            </a:p>
+          </p:txBody>
+        </p:sp>
+      </p:grpSp>
+      <p:grpSp>
+        <p:nvGrpSpPr>
+          <p:cNvPr id="194" name="그룹 193"/>
+          <p:cNvGrpSpPr/>
           <p:nvPr/>
-        </p:nvSpPr>
-        <p:spPr>
-          <a:xfrm rot="16200000">
-            <a:off x="4963770" y="2953821"/>
-            <a:ext cx="500928" cy="245873"/>
+        </p:nvGrpSpPr>
+        <p:grpSpPr>
+          <a:xfrm>
+            <a:off x="6328623" y="883218"/>
+            <a:ext cx="465340" cy="465340"/>
+            <a:chOff x="3096188" y="2262185"/>
+            <a:chExt cx="465340" cy="465340"/>
           </a:xfrm>
-          <a:prstGeom prst="snip2SameRect">
-            <a:avLst>
-              <a:gd name="adj1" fmla="val 50000"/>
-              <a:gd name="adj2" fmla="val 50000"/>
-            </a:avLst>
-          </a:prstGeom>
-          <a:solidFill>
-            <a:srgbClr val="838D90"/>
-          </a:solidFill>
-          <a:ln w="38100">
-            <a:solidFill>
-              <a:schemeClr val="tx1"/>
-            </a:solidFill>
-          </a:ln>
-        </p:spPr>
-        <p:style>
-          <a:lnRef idx="2">
-            <a:schemeClr val="accent1">
-              <a:shade val="50000"/>
-            </a:schemeClr>
-          </a:lnRef>
-          <a:fillRef idx="1">
-            <a:schemeClr val="accent1"/>
-          </a:fillRef>
-          <a:effectRef idx="0">
-            <a:schemeClr val="accent1"/>
-          </a:effectRef>
-          <a:fontRef idx="minor">
-            <a:schemeClr val="lt1"/>
-          </a:fontRef>
-        </p:style>
-        <p:txBody>
-          <a:bodyPr rtlCol="0" anchor="ctr"/>
-          <a:lstStyle/>
-          <a:p>
-            <a:pPr algn="ctr"/>
-            <a:endParaRPr lang="ko-KR" altLang="en-US"/>
-          </a:p>
-        </p:txBody>
-      </p:sp>
-      <p:sp>
-        <p:nvSpPr>
-          <p:cNvPr id="158" name="양쪽 모서리가 잘린 사각형 157"/>
-          <p:cNvSpPr/>
+        </p:grpSpPr>
+        <p:sp>
+          <p:nvSpPr>
+            <p:cNvPr id="195" name="팔각형 194"/>
+            <p:cNvSpPr/>
+            <p:nvPr/>
+          </p:nvSpPr>
+          <p:spPr>
+            <a:xfrm>
+              <a:off x="3096188" y="2262185"/>
+              <a:ext cx="465340" cy="465340"/>
+            </a:xfrm>
+            <a:prstGeom prst="octagon">
+              <a:avLst>
+                <a:gd name="adj" fmla="val 11945"/>
+              </a:avLst>
+            </a:prstGeom>
+            <a:solidFill>
+              <a:srgbClr val="838D90"/>
+            </a:solidFill>
+            <a:ln w="38100">
+              <a:solidFill>
+                <a:schemeClr val="tx1"/>
+              </a:solidFill>
+            </a:ln>
+          </p:spPr>
+          <p:style>
+            <a:lnRef idx="2">
+              <a:schemeClr val="accent1">
+                <a:shade val="50000"/>
+              </a:schemeClr>
+            </a:lnRef>
+            <a:fillRef idx="1">
+              <a:schemeClr val="accent1"/>
+            </a:fillRef>
+            <a:effectRef idx="0">
+              <a:schemeClr val="accent1"/>
+            </a:effectRef>
+            <a:fontRef idx="minor">
+              <a:schemeClr val="lt1"/>
+            </a:fontRef>
+          </p:style>
+          <p:txBody>
+            <a:bodyPr rtlCol="0" anchor="ctr"/>
+            <a:lstStyle/>
+            <a:p>
+              <a:pPr algn="ctr"/>
+              <a:endParaRPr lang="ko-KR" altLang="en-US"/>
+            </a:p>
+          </p:txBody>
+        </p:sp>
+        <p:sp>
+          <p:nvSpPr>
+            <p:cNvPr id="196" name="팔각형 195"/>
+            <p:cNvSpPr/>
+            <p:nvPr/>
+          </p:nvSpPr>
+          <p:spPr>
+            <a:xfrm>
+              <a:off x="3181913" y="2347910"/>
+              <a:ext cx="293890" cy="293890"/>
+            </a:xfrm>
+            <a:prstGeom prst="octagon">
+              <a:avLst>
+                <a:gd name="adj" fmla="val 11945"/>
+              </a:avLst>
+            </a:prstGeom>
+            <a:solidFill>
+              <a:srgbClr val="6E3232"/>
+            </a:solidFill>
+            <a:ln w="38100">
+              <a:solidFill>
+                <a:schemeClr val="tx1"/>
+              </a:solidFill>
+            </a:ln>
+          </p:spPr>
+          <p:style>
+            <a:lnRef idx="2">
+              <a:schemeClr val="accent1">
+                <a:shade val="50000"/>
+              </a:schemeClr>
+            </a:lnRef>
+            <a:fillRef idx="1">
+              <a:schemeClr val="accent1"/>
+            </a:fillRef>
+            <a:effectRef idx="0">
+              <a:schemeClr val="accent1"/>
+            </a:effectRef>
+            <a:fontRef idx="minor">
+              <a:schemeClr val="lt1"/>
+            </a:fontRef>
+          </p:style>
+          <p:txBody>
+            <a:bodyPr rtlCol="0" anchor="ctr"/>
+            <a:lstStyle/>
+            <a:p>
+              <a:pPr algn="ctr"/>
+              <a:endParaRPr lang="ko-KR" altLang="en-US"/>
+            </a:p>
+          </p:txBody>
+        </p:sp>
+      </p:grpSp>
+      <p:grpSp>
+        <p:nvGrpSpPr>
+          <p:cNvPr id="197" name="그룹 196"/>
+          <p:cNvGrpSpPr/>
           <p:nvPr/>
-        </p:nvSpPr>
-        <p:spPr>
-          <a:xfrm rot="16200000">
-            <a:off x="5088837" y="3016492"/>
-            <a:ext cx="255364" cy="125342"/>
+        </p:nvGrpSpPr>
+        <p:grpSpPr>
+          <a:xfrm>
+            <a:off x="6328623" y="2634985"/>
+            <a:ext cx="465340" cy="465340"/>
+            <a:chOff x="3096188" y="2262185"/>
+            <a:chExt cx="465340" cy="465340"/>
           </a:xfrm>
-          <a:prstGeom prst="snip2SameRect">
-            <a:avLst>
-              <a:gd name="adj1" fmla="val 50000"/>
-              <a:gd name="adj2" fmla="val 50000"/>
-            </a:avLst>
-          </a:prstGeom>
-          <a:solidFill>
-            <a:srgbClr val="6E3232"/>
-          </a:solidFill>
-          <a:ln w="38100">
-            <a:solidFill>
-              <a:schemeClr val="tx1"/>
-            </a:solidFill>
-          </a:ln>
-        </p:spPr>
-        <p:style>
-          <a:lnRef idx="2">
-            <a:schemeClr val="accent1">
-              <a:shade val="50000"/>
-            </a:schemeClr>
-          </a:lnRef>
-          <a:fillRef idx="1">
-            <a:schemeClr val="accent1"/>
-          </a:fillRef>
-          <a:effectRef idx="0">
-            <a:schemeClr val="accent1"/>
-          </a:effectRef>
-          <a:fontRef idx="minor">
-            <a:schemeClr val="lt1"/>
-          </a:fontRef>
-        </p:style>
-        <p:txBody>
-          <a:bodyPr rtlCol="0" anchor="ctr"/>
-          <a:lstStyle/>
-          <a:p>
-            <a:pPr algn="ctr"/>
-            <a:endParaRPr lang="ko-KR" altLang="en-US"/>
-          </a:p>
-        </p:txBody>
-      </p:sp>
-      <p:sp>
-        <p:nvSpPr>
-          <p:cNvPr id="159" name="직사각형 158"/>
-          <p:cNvSpPr/>
+        </p:grpSpPr>
+        <p:sp>
+          <p:nvSpPr>
+            <p:cNvPr id="198" name="팔각형 197"/>
+            <p:cNvSpPr/>
+            <p:nvPr/>
+          </p:nvSpPr>
+          <p:spPr>
+            <a:xfrm>
+              <a:off x="3096188" y="2262185"/>
+              <a:ext cx="465340" cy="465340"/>
+            </a:xfrm>
+            <a:prstGeom prst="octagon">
+              <a:avLst>
+                <a:gd name="adj" fmla="val 11945"/>
+              </a:avLst>
+            </a:prstGeom>
+            <a:solidFill>
+              <a:srgbClr val="838D90"/>
+            </a:solidFill>
+            <a:ln w="38100">
+              <a:solidFill>
+                <a:schemeClr val="tx1"/>
+              </a:solidFill>
+            </a:ln>
+          </p:spPr>
+          <p:style>
+            <a:lnRef idx="2">
+              <a:schemeClr val="accent1">
+                <a:shade val="50000"/>
+              </a:schemeClr>
+            </a:lnRef>
+            <a:fillRef idx="1">
+              <a:schemeClr val="accent1"/>
+            </a:fillRef>
+            <a:effectRef idx="0">
+              <a:schemeClr val="accent1"/>
+            </a:effectRef>
+            <a:fontRef idx="minor">
+              <a:schemeClr val="lt1"/>
+            </a:fontRef>
+          </p:style>
+          <p:txBody>
+            <a:bodyPr rtlCol="0" anchor="ctr"/>
+            <a:lstStyle/>
+            <a:p>
+              <a:pPr algn="ctr"/>
+              <a:endParaRPr lang="ko-KR" altLang="en-US"/>
+            </a:p>
+          </p:txBody>
+        </p:sp>
+        <p:sp>
+          <p:nvSpPr>
+            <p:cNvPr id="199" name="팔각형 198"/>
+            <p:cNvSpPr/>
+            <p:nvPr/>
+          </p:nvSpPr>
+          <p:spPr>
+            <a:xfrm>
+              <a:off x="3181913" y="2347910"/>
+              <a:ext cx="293890" cy="293890"/>
+            </a:xfrm>
+            <a:prstGeom prst="octagon">
+              <a:avLst>
+                <a:gd name="adj" fmla="val 11945"/>
+              </a:avLst>
+            </a:prstGeom>
+            <a:solidFill>
+              <a:srgbClr val="6E3232"/>
+            </a:solidFill>
+            <a:ln w="38100">
+              <a:solidFill>
+                <a:schemeClr val="tx1"/>
+              </a:solidFill>
+            </a:ln>
+          </p:spPr>
+          <p:style>
+            <a:lnRef idx="2">
+              <a:schemeClr val="accent1">
+                <a:shade val="50000"/>
+              </a:schemeClr>
+            </a:lnRef>
+            <a:fillRef idx="1">
+              <a:schemeClr val="accent1"/>
+            </a:fillRef>
+            <a:effectRef idx="0">
+              <a:schemeClr val="accent1"/>
+            </a:effectRef>
+            <a:fontRef idx="minor">
+              <a:schemeClr val="lt1"/>
+            </a:fontRef>
+          </p:style>
+          <p:txBody>
+            <a:bodyPr rtlCol="0" anchor="ctr"/>
+            <a:lstStyle/>
+            <a:p>
+              <a:pPr algn="ctr"/>
+              <a:endParaRPr lang="ko-KR" altLang="en-US"/>
+            </a:p>
+          </p:txBody>
+        </p:sp>
+      </p:grpSp>
+      <p:grpSp>
+        <p:nvGrpSpPr>
+          <p:cNvPr id="200" name="그룹 199"/>
+          <p:cNvGrpSpPr/>
           <p:nvPr/>
-        </p:nvSpPr>
-        <p:spPr>
+        </p:nvGrpSpPr>
+        <p:grpSpPr>
           <a:xfrm>
-            <a:off x="5338246" y="2986597"/>
-            <a:ext cx="167089" cy="183012"/>
+            <a:off x="6328623" y="1759102"/>
+            <a:ext cx="465340" cy="465340"/>
+            <a:chOff x="3096188" y="2262185"/>
+            <a:chExt cx="465340" cy="465340"/>
           </a:xfrm>
-          <a:prstGeom prst="rect">
-            <a:avLst/>
-          </a:prstGeom>
-          <a:solidFill>
-            <a:srgbClr val="838D90"/>
-          </a:solidFill>
-          <a:ln w="38100">
-            <a:solidFill>
-              <a:schemeClr val="tx1"/>
-            </a:solidFill>
-          </a:ln>
-        </p:spPr>
-        <p:style>
-          <a:lnRef idx="2">
-            <a:schemeClr val="accent1">
-              <a:shade val="50000"/>
-            </a:schemeClr>
-          </a:lnRef>
-          <a:fillRef idx="1">
-            <a:schemeClr val="accent1"/>
-          </a:fillRef>
-          <a:effectRef idx="0">
-            <a:schemeClr val="accent1"/>
-          </a:effectRef>
-          <a:fontRef idx="minor">
-            <a:schemeClr val="lt1"/>
-          </a:fontRef>
-        </p:style>
-        <p:txBody>
-          <a:bodyPr rtlCol="0" anchor="ctr"/>
-          <a:lstStyle/>
-          <a:p>
-            <a:pPr algn="ctr"/>
-            <a:endParaRPr lang="ko-KR" altLang="en-US"/>
-          </a:p>
-        </p:txBody>
-      </p:sp>
-      <p:sp>
-        <p:nvSpPr>
-          <p:cNvPr id="161" name="직사각형 160"/>
-          <p:cNvSpPr/>
-          <p:nvPr/>
-        </p:nvSpPr>
-        <p:spPr>
-          <a:xfrm>
-            <a:off x="5505335" y="2850838"/>
-            <a:ext cx="1102967" cy="450906"/>
-          </a:xfrm>
-          <a:prstGeom prst="rect">
-            <a:avLst/>
-          </a:prstGeom>
-          <a:solidFill>
-            <a:srgbClr val="838D90"/>
-          </a:solidFill>
-          <a:ln w="38100">
-            <a:solidFill>
-              <a:schemeClr val="tx1"/>
-            </a:solidFill>
-          </a:ln>
-        </p:spPr>
-        <p:style>
-          <a:lnRef idx="2">
-            <a:schemeClr val="accent1">
-              <a:shade val="50000"/>
-            </a:schemeClr>
-          </a:lnRef>
-          <a:fillRef idx="1">
-            <a:schemeClr val="accent1"/>
-          </a:fillRef>
-          <a:effectRef idx="0">
-            <a:schemeClr val="accent1"/>
-          </a:effectRef>
-          <a:fontRef idx="minor">
-            <a:schemeClr val="lt1"/>
-          </a:fontRef>
-        </p:style>
-        <p:txBody>
-          <a:bodyPr rtlCol="0" anchor="ctr"/>
-          <a:lstStyle/>
-          <a:p>
-            <a:pPr algn="ctr"/>
-            <a:endParaRPr lang="ko-KR" altLang="en-US"/>
-          </a:p>
-        </p:txBody>
-      </p:sp>
-      <p:sp>
-        <p:nvSpPr>
-          <p:cNvPr id="171" name="직사각형 170"/>
-          <p:cNvSpPr/>
-          <p:nvPr/>
-        </p:nvSpPr>
-        <p:spPr>
-          <a:xfrm>
-            <a:off x="5587999" y="2949514"/>
-            <a:ext cx="945670" cy="253554"/>
-          </a:xfrm>
-          <a:prstGeom prst="rect">
-            <a:avLst/>
-          </a:prstGeom>
-          <a:solidFill>
-            <a:srgbClr val="838D90"/>
-          </a:solidFill>
-          <a:ln w="38100">
-            <a:solidFill>
-              <a:schemeClr val="tx1"/>
-            </a:solidFill>
-          </a:ln>
-        </p:spPr>
-        <p:style>
-          <a:lnRef idx="2">
-            <a:schemeClr val="accent1">
-              <a:shade val="50000"/>
-            </a:schemeClr>
-          </a:lnRef>
-          <a:fillRef idx="1">
-            <a:schemeClr val="accent1"/>
-          </a:fillRef>
-          <a:effectRef idx="0">
-            <a:schemeClr val="accent1"/>
-          </a:effectRef>
-          <a:fontRef idx="minor">
-            <a:schemeClr val="lt1"/>
-          </a:fontRef>
-        </p:style>
-        <p:txBody>
-          <a:bodyPr rtlCol="0" anchor="ctr"/>
-          <a:lstStyle/>
-          <a:p>
-            <a:pPr algn="ctr"/>
-            <a:endParaRPr lang="ko-KR" altLang="en-US"/>
-          </a:p>
-        </p:txBody>
-      </p:sp>
-      <p:cxnSp>
-        <p:nvCxnSpPr>
-          <p:cNvPr id="1032" name="직선 연결선 1031"/>
-          <p:cNvCxnSpPr/>
-          <p:nvPr/>
-        </p:nvCxnSpPr>
-        <p:spPr>
-          <a:xfrm flipH="1" flipV="1">
-            <a:off x="5505335" y="2850837"/>
-            <a:ext cx="82664" cy="98677"/>
-          </a:xfrm>
-          <a:prstGeom prst="line">
-            <a:avLst/>
-          </a:prstGeom>
-          <a:ln w="38100">
-            <a:solidFill>
-              <a:schemeClr val="tx1"/>
-            </a:solidFill>
-          </a:ln>
-        </p:spPr>
-        <p:style>
-          <a:lnRef idx="1">
-            <a:schemeClr val="accent1"/>
-          </a:lnRef>
-          <a:fillRef idx="0">
-            <a:schemeClr val="accent1"/>
-          </a:fillRef>
-          <a:effectRef idx="0">
-            <a:schemeClr val="accent1"/>
-          </a:effectRef>
-          <a:fontRef idx="minor">
-            <a:schemeClr val="tx1"/>
-          </a:fontRef>
-        </p:style>
-      </p:cxnSp>
-      <p:cxnSp>
-        <p:nvCxnSpPr>
-          <p:cNvPr id="174" name="직선 연결선 173"/>
-          <p:cNvCxnSpPr/>
-          <p:nvPr/>
-        </p:nvCxnSpPr>
-        <p:spPr>
-          <a:xfrm flipV="1">
-            <a:off x="6530603" y="2850837"/>
-            <a:ext cx="78648" cy="98677"/>
-          </a:xfrm>
-          <a:prstGeom prst="line">
-            <a:avLst/>
-          </a:prstGeom>
-          <a:ln w="38100">
-            <a:solidFill>
-              <a:schemeClr val="tx1"/>
-            </a:solidFill>
-          </a:ln>
-        </p:spPr>
-        <p:style>
-          <a:lnRef idx="1">
-            <a:schemeClr val="accent1"/>
-          </a:lnRef>
-          <a:fillRef idx="0">
-            <a:schemeClr val="accent1"/>
-          </a:fillRef>
-          <a:effectRef idx="0">
-            <a:schemeClr val="accent1"/>
-          </a:effectRef>
-          <a:fontRef idx="minor">
-            <a:schemeClr val="tx1"/>
-          </a:fontRef>
-        </p:style>
-      </p:cxnSp>
-      <p:cxnSp>
-        <p:nvCxnSpPr>
-          <p:cNvPr id="179" name="직선 연결선 178"/>
-          <p:cNvCxnSpPr/>
-          <p:nvPr/>
-        </p:nvCxnSpPr>
-        <p:spPr>
-          <a:xfrm>
-            <a:off x="6526004" y="3199444"/>
-            <a:ext cx="77699" cy="102299"/>
-          </a:xfrm>
-          <a:prstGeom prst="line">
-            <a:avLst/>
-          </a:prstGeom>
-          <a:ln w="38100">
-            <a:solidFill>
-              <a:schemeClr val="tx1"/>
-            </a:solidFill>
-          </a:ln>
-        </p:spPr>
-        <p:style>
-          <a:lnRef idx="1">
-            <a:schemeClr val="accent1"/>
-          </a:lnRef>
-          <a:fillRef idx="0">
-            <a:schemeClr val="accent1"/>
-          </a:fillRef>
-          <a:effectRef idx="0">
-            <a:schemeClr val="accent1"/>
-          </a:effectRef>
-          <a:fontRef idx="minor">
-            <a:schemeClr val="tx1"/>
-          </a:fontRef>
-        </p:style>
-      </p:cxnSp>
+        </p:grpSpPr>
+        <p:sp>
+          <p:nvSpPr>
+            <p:cNvPr id="201" name="팔각형 200"/>
+            <p:cNvSpPr/>
+            <p:nvPr/>
+          </p:nvSpPr>
+          <p:spPr>
+            <a:xfrm>
+              <a:off x="3096188" y="2262185"/>
+              <a:ext cx="465340" cy="465340"/>
+            </a:xfrm>
+            <a:prstGeom prst="octagon">
+              <a:avLst>
+                <a:gd name="adj" fmla="val 11945"/>
+              </a:avLst>
+            </a:prstGeom>
+            <a:solidFill>
+              <a:srgbClr val="838D90"/>
+            </a:solidFill>
+            <a:ln w="38100">
+              <a:solidFill>
+                <a:schemeClr val="tx1"/>
+              </a:solidFill>
+            </a:ln>
+          </p:spPr>
+          <p:style>
+            <a:lnRef idx="2">
+              <a:schemeClr val="accent1">
+                <a:shade val="50000"/>
+              </a:schemeClr>
+            </a:lnRef>
+            <a:fillRef idx="1">
+              <a:schemeClr val="accent1"/>
+            </a:fillRef>
+            <a:effectRef idx="0">
+              <a:schemeClr val="accent1"/>
+            </a:effectRef>
+            <a:fontRef idx="minor">
+              <a:schemeClr val="lt1"/>
+            </a:fontRef>
+          </p:style>
+          <p:txBody>
+            <a:bodyPr rtlCol="0" anchor="ctr"/>
+            <a:lstStyle/>
+            <a:p>
+              <a:pPr algn="ctr"/>
+              <a:endParaRPr lang="ko-KR" altLang="en-US"/>
+            </a:p>
+          </p:txBody>
+        </p:sp>
+        <p:sp>
+          <p:nvSpPr>
+            <p:cNvPr id="202" name="팔각형 201"/>
+            <p:cNvSpPr/>
+            <p:nvPr/>
+          </p:nvSpPr>
+          <p:spPr>
+            <a:xfrm>
+              <a:off x="3181913" y="2347910"/>
+              <a:ext cx="293890" cy="293890"/>
+            </a:xfrm>
+            <a:prstGeom prst="octagon">
+              <a:avLst>
+                <a:gd name="adj" fmla="val 11945"/>
+              </a:avLst>
+            </a:prstGeom>
+            <a:solidFill>
+              <a:srgbClr val="6E3232"/>
+            </a:solidFill>
+            <a:ln w="38100">
+              <a:solidFill>
+                <a:schemeClr val="tx1"/>
+              </a:solidFill>
+            </a:ln>
+          </p:spPr>
+          <p:style>
+            <a:lnRef idx="2">
+              <a:schemeClr val="accent1">
+                <a:shade val="50000"/>
+              </a:schemeClr>
+            </a:lnRef>
+            <a:fillRef idx="1">
+              <a:schemeClr val="accent1"/>
+            </a:fillRef>
+            <a:effectRef idx="0">
+              <a:schemeClr val="accent1"/>
+            </a:effectRef>
+            <a:fontRef idx="minor">
+              <a:schemeClr val="lt1"/>
+            </a:fontRef>
+          </p:style>
+          <p:txBody>
+            <a:bodyPr rtlCol="0" anchor="ctr"/>
+            <a:lstStyle/>
+            <a:p>
+              <a:pPr algn="ctr"/>
+              <a:endParaRPr lang="ko-KR" altLang="en-US"/>
+            </a:p>
+          </p:txBody>
+        </p:sp>
+      </p:grpSp>
     </p:spTree>
     <p:extLst>
       <p:ext uri="{BB962C8B-B14F-4D97-AF65-F5344CB8AC3E}">
-        <p14:creationId xmlns:p14="http://schemas.microsoft.com/office/powerpoint/2010/main" val="869583626"/>
+        <p14:creationId xmlns:p14="http://schemas.microsoft.com/office/powerpoint/2010/main" val="3065726321"/>
       </p:ext>
     </p:extLst>
   </p:cSld>

--- a/이미지 리소스 제작용.pptx
+++ b/이미지 리소스 제작용.pptx
@@ -245,7 +245,7 @@
           <a:p>
             <a:fld id="{BA0D242D-412C-401D-84BE-2B6089EA261E}" type="datetimeFigureOut">
               <a:rPr lang="ko-KR" altLang="en-US" smtClean="0"/>
-              <a:t>2022-01-18</a:t>
+              <a:t>2022-01-19</a:t>
             </a:fld>
             <a:endParaRPr lang="ko-KR" altLang="en-US"/>
           </a:p>
@@ -415,7 +415,7 @@
           <a:p>
             <a:fld id="{BA0D242D-412C-401D-84BE-2B6089EA261E}" type="datetimeFigureOut">
               <a:rPr lang="ko-KR" altLang="en-US" smtClean="0"/>
-              <a:t>2022-01-18</a:t>
+              <a:t>2022-01-19</a:t>
             </a:fld>
             <a:endParaRPr lang="ko-KR" altLang="en-US"/>
           </a:p>
@@ -595,7 +595,7 @@
           <a:p>
             <a:fld id="{BA0D242D-412C-401D-84BE-2B6089EA261E}" type="datetimeFigureOut">
               <a:rPr lang="ko-KR" altLang="en-US" smtClean="0"/>
-              <a:t>2022-01-18</a:t>
+              <a:t>2022-01-19</a:t>
             </a:fld>
             <a:endParaRPr lang="ko-KR" altLang="en-US"/>
           </a:p>
@@ -765,7 +765,7 @@
           <a:p>
             <a:fld id="{BA0D242D-412C-401D-84BE-2B6089EA261E}" type="datetimeFigureOut">
               <a:rPr lang="ko-KR" altLang="en-US" smtClean="0"/>
-              <a:t>2022-01-18</a:t>
+              <a:t>2022-01-19</a:t>
             </a:fld>
             <a:endParaRPr lang="ko-KR" altLang="en-US"/>
           </a:p>
@@ -1011,7 +1011,7 @@
           <a:p>
             <a:fld id="{BA0D242D-412C-401D-84BE-2B6089EA261E}" type="datetimeFigureOut">
               <a:rPr lang="ko-KR" altLang="en-US" smtClean="0"/>
-              <a:t>2022-01-18</a:t>
+              <a:t>2022-01-19</a:t>
             </a:fld>
             <a:endParaRPr lang="ko-KR" altLang="en-US"/>
           </a:p>
@@ -1243,7 +1243,7 @@
           <a:p>
             <a:fld id="{BA0D242D-412C-401D-84BE-2B6089EA261E}" type="datetimeFigureOut">
               <a:rPr lang="ko-KR" altLang="en-US" smtClean="0"/>
-              <a:t>2022-01-18</a:t>
+              <a:t>2022-01-19</a:t>
             </a:fld>
             <a:endParaRPr lang="ko-KR" altLang="en-US"/>
           </a:p>
@@ -1610,7 +1610,7 @@
           <a:p>
             <a:fld id="{BA0D242D-412C-401D-84BE-2B6089EA261E}" type="datetimeFigureOut">
               <a:rPr lang="ko-KR" altLang="en-US" smtClean="0"/>
-              <a:t>2022-01-18</a:t>
+              <a:t>2022-01-19</a:t>
             </a:fld>
             <a:endParaRPr lang="ko-KR" altLang="en-US"/>
           </a:p>
@@ -1728,7 +1728,7 @@
           <a:p>
             <a:fld id="{BA0D242D-412C-401D-84BE-2B6089EA261E}" type="datetimeFigureOut">
               <a:rPr lang="ko-KR" altLang="en-US" smtClean="0"/>
-              <a:t>2022-01-18</a:t>
+              <a:t>2022-01-19</a:t>
             </a:fld>
             <a:endParaRPr lang="ko-KR" altLang="en-US"/>
           </a:p>
@@ -1823,7 +1823,7 @@
           <a:p>
             <a:fld id="{BA0D242D-412C-401D-84BE-2B6089EA261E}" type="datetimeFigureOut">
               <a:rPr lang="ko-KR" altLang="en-US" smtClean="0"/>
-              <a:t>2022-01-18</a:t>
+              <a:t>2022-01-19</a:t>
             </a:fld>
             <a:endParaRPr lang="ko-KR" altLang="en-US"/>
           </a:p>
@@ -2100,7 +2100,7 @@
           <a:p>
             <a:fld id="{BA0D242D-412C-401D-84BE-2B6089EA261E}" type="datetimeFigureOut">
               <a:rPr lang="ko-KR" altLang="en-US" smtClean="0"/>
-              <a:t>2022-01-18</a:t>
+              <a:t>2022-01-19</a:t>
             </a:fld>
             <a:endParaRPr lang="ko-KR" altLang="en-US"/>
           </a:p>
@@ -2353,7 +2353,7 @@
           <a:p>
             <a:fld id="{BA0D242D-412C-401D-84BE-2B6089EA261E}" type="datetimeFigureOut">
               <a:rPr lang="ko-KR" altLang="en-US" smtClean="0"/>
-              <a:t>2022-01-18</a:t>
+              <a:t>2022-01-19</a:t>
             </a:fld>
             <a:endParaRPr lang="ko-KR" altLang="en-US"/>
           </a:p>
@@ -2566,7 +2566,7 @@
           <a:p>
             <a:fld id="{BA0D242D-412C-401D-84BE-2B6089EA261E}" type="datetimeFigureOut">
               <a:rPr lang="ko-KR" altLang="en-US" smtClean="0"/>
-              <a:t>2022-01-18</a:t>
+              <a:t>2022-01-19</a:t>
             </a:fld>
             <a:endParaRPr lang="ko-KR" altLang="en-US"/>
           </a:p>
@@ -9715,104 +9715,6 @@
           <a:chExt cx="0" cy="0"/>
         </a:xfrm>
       </p:grpSpPr>
-      <p:sp>
-        <p:nvSpPr>
-          <p:cNvPr id="16" name="팔각형 15"/>
-          <p:cNvSpPr/>
-          <p:nvPr/>
-        </p:nvSpPr>
-        <p:spPr>
-          <a:xfrm>
-            <a:off x="6268399" y="819755"/>
-            <a:ext cx="585788" cy="2343150"/>
-          </a:xfrm>
-          <a:prstGeom prst="octagon">
-            <a:avLst>
-              <a:gd name="adj" fmla="val 12622"/>
-            </a:avLst>
-          </a:prstGeom>
-          <a:solidFill>
-            <a:srgbClr val="6E3232"/>
-          </a:solidFill>
-          <a:ln w="38100">
-            <a:solidFill>
-              <a:schemeClr val="tx1"/>
-            </a:solidFill>
-          </a:ln>
-        </p:spPr>
-        <p:style>
-          <a:lnRef idx="2">
-            <a:schemeClr val="accent1">
-              <a:shade val="50000"/>
-            </a:schemeClr>
-          </a:lnRef>
-          <a:fillRef idx="1">
-            <a:schemeClr val="accent1"/>
-          </a:fillRef>
-          <a:effectRef idx="0">
-            <a:schemeClr val="accent1"/>
-          </a:effectRef>
-          <a:fontRef idx="minor">
-            <a:schemeClr val="lt1"/>
-          </a:fontRef>
-        </p:style>
-        <p:txBody>
-          <a:bodyPr rtlCol="0" anchor="ctr"/>
-          <a:lstStyle/>
-          <a:p>
-            <a:pPr algn="ctr"/>
-            <a:endParaRPr lang="ko-KR" altLang="en-US"/>
-          </a:p>
-        </p:txBody>
-      </p:sp>
-      <p:sp>
-        <p:nvSpPr>
-          <p:cNvPr id="203" name="직사각형 202"/>
-          <p:cNvSpPr/>
-          <p:nvPr/>
-        </p:nvSpPr>
-        <p:spPr>
-          <a:xfrm>
-            <a:off x="6514979" y="1348117"/>
-            <a:ext cx="92628" cy="1286427"/>
-          </a:xfrm>
-          <a:prstGeom prst="rect">
-            <a:avLst/>
-          </a:prstGeom>
-          <a:solidFill>
-            <a:srgbClr val="838D90"/>
-          </a:solidFill>
-          <a:ln w="38100">
-            <a:solidFill>
-              <a:schemeClr val="tx1"/>
-            </a:solidFill>
-          </a:ln>
-        </p:spPr>
-        <p:style>
-          <a:lnRef idx="2">
-            <a:schemeClr val="accent1">
-              <a:shade val="50000"/>
-            </a:schemeClr>
-          </a:lnRef>
-          <a:fillRef idx="1">
-            <a:schemeClr val="accent1"/>
-          </a:fillRef>
-          <a:effectRef idx="0">
-            <a:schemeClr val="accent1"/>
-          </a:effectRef>
-          <a:fontRef idx="minor">
-            <a:schemeClr val="lt1"/>
-          </a:fontRef>
-        </p:style>
-        <p:txBody>
-          <a:bodyPr rtlCol="0" anchor="ctr"/>
-          <a:lstStyle/>
-          <a:p>
-            <a:pPr algn="ctr"/>
-            <a:endParaRPr lang="ko-KR" altLang="en-US"/>
-          </a:p>
-        </p:txBody>
-      </p:sp>
       <p:pic>
         <p:nvPicPr>
           <p:cNvPr id="1026" name="Picture 2" descr="https://static.wikia.nocookie.net/survivio/images/d/d4/Space_Cubes.jpeg/revision/latest/scale-to-width-down/180?cb=20200505222241"/>
@@ -10596,19 +10498,135 @@
           </p:txBody>
         </p:sp>
       </p:grpSp>
+      <p:grpSp>
+        <p:nvGrpSpPr>
+          <p:cNvPr id="15" name="그룹 14"/>
+          <p:cNvGrpSpPr/>
+          <p:nvPr/>
+        </p:nvGrpSpPr>
+        <p:grpSpPr>
+          <a:xfrm>
+            <a:off x="7279396" y="1097021"/>
+            <a:ext cx="1174818" cy="1756800"/>
+            <a:chOff x="7279396" y="1097021"/>
+            <a:chExt cx="1174818" cy="1756800"/>
+          </a:xfrm>
+        </p:grpSpPr>
+        <p:sp>
+          <p:nvSpPr>
+            <p:cNvPr id="123" name="양쪽 모서리가 잘린 사각형 122"/>
+            <p:cNvSpPr/>
+            <p:nvPr/>
+          </p:nvSpPr>
+          <p:spPr>
+            <a:xfrm>
+              <a:off x="7868426" y="1097021"/>
+              <a:ext cx="585788" cy="1756800"/>
+            </a:xfrm>
+            <a:prstGeom prst="snip2SameRect">
+              <a:avLst>
+                <a:gd name="adj1" fmla="val 16667"/>
+                <a:gd name="adj2" fmla="val 16259"/>
+              </a:avLst>
+            </a:prstGeom>
+            <a:solidFill>
+              <a:srgbClr val="6E3232"/>
+            </a:solidFill>
+            <a:ln w="38100">
+              <a:solidFill>
+                <a:schemeClr val="tx1"/>
+              </a:solidFill>
+            </a:ln>
+          </p:spPr>
+          <p:style>
+            <a:lnRef idx="2">
+              <a:schemeClr val="accent1">
+                <a:shade val="50000"/>
+              </a:schemeClr>
+            </a:lnRef>
+            <a:fillRef idx="1">
+              <a:schemeClr val="accent1"/>
+            </a:fillRef>
+            <a:effectRef idx="0">
+              <a:schemeClr val="accent1"/>
+            </a:effectRef>
+            <a:fontRef idx="minor">
+              <a:schemeClr val="lt1"/>
+            </a:fontRef>
+          </p:style>
+          <p:txBody>
+            <a:bodyPr rtlCol="0" anchor="ctr"/>
+            <a:lstStyle/>
+            <a:p>
+              <a:pPr algn="ctr"/>
+              <a:endParaRPr lang="ko-KR" altLang="en-US"/>
+            </a:p>
+          </p:txBody>
+        </p:sp>
+        <p:sp>
+          <p:nvSpPr>
+            <p:cNvPr id="125" name="양쪽 모서리가 잘린 사각형 124"/>
+            <p:cNvSpPr/>
+            <p:nvPr/>
+          </p:nvSpPr>
+          <p:spPr>
+            <a:xfrm rot="16200000">
+              <a:off x="7279902" y="1682021"/>
+              <a:ext cx="585788" cy="586800"/>
+            </a:xfrm>
+            <a:prstGeom prst="snip2SameRect">
+              <a:avLst/>
+            </a:prstGeom>
+            <a:solidFill>
+              <a:srgbClr val="6E3232"/>
+            </a:solidFill>
+            <a:ln w="38100">
+              <a:solidFill>
+                <a:schemeClr val="tx1"/>
+              </a:solidFill>
+            </a:ln>
+          </p:spPr>
+          <p:style>
+            <a:lnRef idx="2">
+              <a:schemeClr val="accent1">
+                <a:shade val="50000"/>
+              </a:schemeClr>
+            </a:lnRef>
+            <a:fillRef idx="1">
+              <a:schemeClr val="accent1"/>
+            </a:fillRef>
+            <a:effectRef idx="0">
+              <a:schemeClr val="accent1"/>
+            </a:effectRef>
+            <a:fontRef idx="minor">
+              <a:schemeClr val="lt1"/>
+            </a:fontRef>
+          </p:style>
+          <p:txBody>
+            <a:bodyPr rtlCol="0" anchor="ctr"/>
+            <a:lstStyle/>
+            <a:p>
+              <a:pPr algn="ctr"/>
+              <a:endParaRPr lang="ko-KR" altLang="en-US"/>
+            </a:p>
+          </p:txBody>
+        </p:sp>
+      </p:grpSp>
       <p:sp>
         <p:nvSpPr>
-          <p:cNvPr id="86" name="직사각형 85"/>
+          <p:cNvPr id="16" name="팔각형 15"/>
           <p:cNvSpPr/>
           <p:nvPr/>
         </p:nvSpPr>
         <p:spPr>
-          <a:xfrm rot="5400000">
-            <a:off x="3035457" y="3808515"/>
-            <a:ext cx="585788" cy="586800"/>
+          <a:xfrm>
+            <a:off x="6268399" y="819755"/>
+            <a:ext cx="585788" cy="2343150"/>
           </a:xfrm>
-          <a:prstGeom prst="rect">
-            <a:avLst/>
+          <a:prstGeom prst="octagon">
+            <a:avLst>
+              <a:gd name="adj" fmla="val 12622"/>
+            </a:avLst>
           </a:prstGeom>
           <a:solidFill>
             <a:srgbClr val="6E3232"/>
@@ -10646,308 +10664,20 @@
       </p:sp>
       <p:sp>
         <p:nvSpPr>
-          <p:cNvPr id="94" name="직사각형 93"/>
+          <p:cNvPr id="203" name="직사각형 202"/>
           <p:cNvSpPr/>
           <p:nvPr/>
         </p:nvSpPr>
         <p:spPr>
-          <a:xfrm rot="5400000">
-            <a:off x="3035457" y="4394303"/>
-            <a:ext cx="585788" cy="586800"/>
+          <a:xfrm>
+            <a:off x="6499692" y="1348117"/>
+            <a:ext cx="123202" cy="1286427"/>
           </a:xfrm>
           <a:prstGeom prst="rect">
             <a:avLst/>
           </a:prstGeom>
           <a:solidFill>
-            <a:srgbClr val="6E3232"/>
-          </a:solidFill>
-          <a:ln w="38100">
-            <a:solidFill>
-              <a:schemeClr val="tx1"/>
-            </a:solidFill>
-          </a:ln>
-        </p:spPr>
-        <p:style>
-          <a:lnRef idx="2">
-            <a:schemeClr val="accent1">
-              <a:shade val="50000"/>
-            </a:schemeClr>
-          </a:lnRef>
-          <a:fillRef idx="1">
-            <a:schemeClr val="accent1"/>
-          </a:fillRef>
-          <a:effectRef idx="0">
-            <a:schemeClr val="accent1"/>
-          </a:effectRef>
-          <a:fontRef idx="minor">
-            <a:schemeClr val="lt1"/>
-          </a:fontRef>
-        </p:style>
-        <p:txBody>
-          <a:bodyPr rtlCol="0" anchor="ctr"/>
-          <a:lstStyle/>
-          <a:p>
-            <a:pPr algn="ctr"/>
-            <a:endParaRPr lang="ko-KR" altLang="en-US"/>
-          </a:p>
-        </p:txBody>
-      </p:sp>
-      <p:sp>
-        <p:nvSpPr>
-          <p:cNvPr id="95" name="직사각형 94"/>
-          <p:cNvSpPr/>
-          <p:nvPr/>
-        </p:nvSpPr>
-        <p:spPr>
-          <a:xfrm rot="5400000">
-            <a:off x="3621243" y="4394303"/>
-            <a:ext cx="585788" cy="586800"/>
-          </a:xfrm>
-          <a:prstGeom prst="rect">
-            <a:avLst/>
-          </a:prstGeom>
-          <a:solidFill>
-            <a:srgbClr val="6E3232"/>
-          </a:solidFill>
-          <a:ln w="38100">
-            <a:solidFill>
-              <a:schemeClr val="tx1"/>
-            </a:solidFill>
-          </a:ln>
-        </p:spPr>
-        <p:style>
-          <a:lnRef idx="2">
-            <a:schemeClr val="accent1">
-              <a:shade val="50000"/>
-            </a:schemeClr>
-          </a:lnRef>
-          <a:fillRef idx="1">
-            <a:schemeClr val="accent1"/>
-          </a:fillRef>
-          <a:effectRef idx="0">
-            <a:schemeClr val="accent1"/>
-          </a:effectRef>
-          <a:fontRef idx="minor">
-            <a:schemeClr val="lt1"/>
-          </a:fontRef>
-        </p:style>
-        <p:txBody>
-          <a:bodyPr rtlCol="0" anchor="ctr"/>
-          <a:lstStyle/>
-          <a:p>
-            <a:pPr algn="ctr"/>
-            <a:endParaRPr lang="ko-KR" altLang="en-US"/>
-          </a:p>
-        </p:txBody>
-      </p:sp>
-      <p:sp>
-        <p:nvSpPr>
-          <p:cNvPr id="96" name="직사각형 95"/>
-          <p:cNvSpPr/>
-          <p:nvPr/>
-        </p:nvSpPr>
-        <p:spPr>
-          <a:xfrm rot="5400000">
-            <a:off x="3621243" y="4977599"/>
-            <a:ext cx="585788" cy="586800"/>
-          </a:xfrm>
-          <a:prstGeom prst="rect">
-            <a:avLst/>
-          </a:prstGeom>
-          <a:solidFill>
-            <a:srgbClr val="6E3232"/>
-          </a:solidFill>
-          <a:ln w="38100">
-            <a:solidFill>
-              <a:schemeClr val="tx1"/>
-            </a:solidFill>
-          </a:ln>
-        </p:spPr>
-        <p:style>
-          <a:lnRef idx="2">
-            <a:schemeClr val="accent1">
-              <a:shade val="50000"/>
-            </a:schemeClr>
-          </a:lnRef>
-          <a:fillRef idx="1">
-            <a:schemeClr val="accent1"/>
-          </a:fillRef>
-          <a:effectRef idx="0">
-            <a:schemeClr val="accent1"/>
-          </a:effectRef>
-          <a:fontRef idx="minor">
-            <a:schemeClr val="lt1"/>
-          </a:fontRef>
-        </p:style>
-        <p:txBody>
-          <a:bodyPr rtlCol="0" anchor="ctr"/>
-          <a:lstStyle/>
-          <a:p>
-            <a:pPr algn="ctr"/>
-            <a:endParaRPr lang="ko-KR" altLang="en-US"/>
-          </a:p>
-        </p:txBody>
-      </p:sp>
-      <p:sp>
-        <p:nvSpPr>
-          <p:cNvPr id="97" name="직사각형 96"/>
-          <p:cNvSpPr/>
-          <p:nvPr/>
-        </p:nvSpPr>
-        <p:spPr>
-          <a:xfrm rot="5400000">
-            <a:off x="4938524" y="3808515"/>
-            <a:ext cx="585788" cy="586800"/>
-          </a:xfrm>
-          <a:prstGeom prst="rect">
-            <a:avLst/>
-          </a:prstGeom>
-          <a:solidFill>
-            <a:srgbClr val="6E3232"/>
-          </a:solidFill>
-          <a:ln w="38100">
-            <a:solidFill>
-              <a:schemeClr val="tx1"/>
-            </a:solidFill>
-          </a:ln>
-        </p:spPr>
-        <p:style>
-          <a:lnRef idx="2">
-            <a:schemeClr val="accent1">
-              <a:shade val="50000"/>
-            </a:schemeClr>
-          </a:lnRef>
-          <a:fillRef idx="1">
-            <a:schemeClr val="accent1"/>
-          </a:fillRef>
-          <a:effectRef idx="0">
-            <a:schemeClr val="accent1"/>
-          </a:effectRef>
-          <a:fontRef idx="minor">
-            <a:schemeClr val="lt1"/>
-          </a:fontRef>
-        </p:style>
-        <p:txBody>
-          <a:bodyPr rtlCol="0" anchor="ctr"/>
-          <a:lstStyle/>
-          <a:p>
-            <a:pPr algn="ctr"/>
-            <a:endParaRPr lang="ko-KR" altLang="en-US"/>
-          </a:p>
-        </p:txBody>
-      </p:sp>
-      <p:sp>
-        <p:nvSpPr>
-          <p:cNvPr id="98" name="직사각형 97"/>
-          <p:cNvSpPr/>
-          <p:nvPr/>
-        </p:nvSpPr>
-        <p:spPr>
-          <a:xfrm rot="5400000">
-            <a:off x="4352738" y="4394303"/>
-            <a:ext cx="585788" cy="586800"/>
-          </a:xfrm>
-          <a:prstGeom prst="rect">
-            <a:avLst/>
-          </a:prstGeom>
-          <a:solidFill>
-            <a:srgbClr val="6E3232"/>
-          </a:solidFill>
-          <a:ln w="38100">
-            <a:solidFill>
-              <a:schemeClr val="tx1"/>
-            </a:solidFill>
-          </a:ln>
-        </p:spPr>
-        <p:style>
-          <a:lnRef idx="2">
-            <a:schemeClr val="accent1">
-              <a:shade val="50000"/>
-            </a:schemeClr>
-          </a:lnRef>
-          <a:fillRef idx="1">
-            <a:schemeClr val="accent1"/>
-          </a:fillRef>
-          <a:effectRef idx="0">
-            <a:schemeClr val="accent1"/>
-          </a:effectRef>
-          <a:fontRef idx="minor">
-            <a:schemeClr val="lt1"/>
-          </a:fontRef>
-        </p:style>
-        <p:txBody>
-          <a:bodyPr rtlCol="0" anchor="ctr"/>
-          <a:lstStyle/>
-          <a:p>
-            <a:pPr algn="ctr"/>
-            <a:endParaRPr lang="ko-KR" altLang="en-US"/>
-          </a:p>
-        </p:txBody>
-      </p:sp>
-      <p:sp>
-        <p:nvSpPr>
-          <p:cNvPr id="99" name="직사각형 98"/>
-          <p:cNvSpPr/>
-          <p:nvPr/>
-        </p:nvSpPr>
-        <p:spPr>
-          <a:xfrm rot="5400000">
-            <a:off x="4938524" y="4394303"/>
-            <a:ext cx="585788" cy="586800"/>
-          </a:xfrm>
-          <a:prstGeom prst="rect">
-            <a:avLst/>
-          </a:prstGeom>
-          <a:solidFill>
-            <a:srgbClr val="6E3232"/>
-          </a:solidFill>
-          <a:ln w="38100">
-            <a:solidFill>
-              <a:schemeClr val="tx1"/>
-            </a:solidFill>
-          </a:ln>
-        </p:spPr>
-        <p:style>
-          <a:lnRef idx="2">
-            <a:schemeClr val="accent1">
-              <a:shade val="50000"/>
-            </a:schemeClr>
-          </a:lnRef>
-          <a:fillRef idx="1">
-            <a:schemeClr val="accent1"/>
-          </a:fillRef>
-          <a:effectRef idx="0">
-            <a:schemeClr val="accent1"/>
-          </a:effectRef>
-          <a:fontRef idx="minor">
-            <a:schemeClr val="lt1"/>
-          </a:fontRef>
-        </p:style>
-        <p:txBody>
-          <a:bodyPr rtlCol="0" anchor="ctr"/>
-          <a:lstStyle/>
-          <a:p>
-            <a:pPr algn="ctr"/>
-            <a:endParaRPr lang="ko-KR" altLang="en-US"/>
-          </a:p>
-        </p:txBody>
-      </p:sp>
-      <p:sp>
-        <p:nvSpPr>
-          <p:cNvPr id="100" name="직사각형 99"/>
-          <p:cNvSpPr/>
-          <p:nvPr/>
-        </p:nvSpPr>
-        <p:spPr>
-          <a:xfrm rot="5400000">
-            <a:off x="4358590" y="4977599"/>
-            <a:ext cx="585788" cy="586800"/>
-          </a:xfrm>
-          <a:prstGeom prst="rect">
-            <a:avLst/>
-          </a:prstGeom>
-          <a:solidFill>
-            <a:srgbClr val="6E3232"/>
+            <a:srgbClr val="838D90"/>
           </a:solidFill>
           <a:ln w="38100">
             <a:solidFill>
@@ -10982,34 +10712,36 @@
       </p:sp>
       <p:grpSp>
         <p:nvGrpSpPr>
-          <p:cNvPr id="32" name="그룹 31"/>
+          <p:cNvPr id="194" name="그룹 193"/>
           <p:cNvGrpSpPr/>
           <p:nvPr/>
         </p:nvGrpSpPr>
         <p:grpSpPr>
-          <a:xfrm rot="16200000">
-            <a:off x="9332488" y="4101682"/>
-            <a:ext cx="587814" cy="2340660"/>
-            <a:chOff x="8991614" y="3223233"/>
-            <a:chExt cx="587814" cy="2340660"/>
+          <a:xfrm>
+            <a:off x="6328623" y="883218"/>
+            <a:ext cx="465340" cy="465340"/>
+            <a:chOff x="3096188" y="2262185"/>
+            <a:chExt cx="465340" cy="465340"/>
           </a:xfrm>
         </p:grpSpPr>
         <p:sp>
           <p:nvSpPr>
-            <p:cNvPr id="113" name="직사각형 112"/>
+            <p:cNvPr id="195" name="팔각형 194"/>
             <p:cNvSpPr/>
             <p:nvPr/>
           </p:nvSpPr>
           <p:spPr>
-            <a:xfrm rot="5400000">
-              <a:off x="8992121" y="3222727"/>
-              <a:ext cx="585788" cy="586800"/>
-            </a:xfrm>
-            <a:prstGeom prst="rect">
-              <a:avLst/>
+            <a:xfrm>
+              <a:off x="3096188" y="2262185"/>
+              <a:ext cx="465340" cy="465340"/>
+            </a:xfrm>
+            <a:prstGeom prst="octagon">
+              <a:avLst>
+                <a:gd name="adj" fmla="val 11945"/>
+              </a:avLst>
             </a:prstGeom>
             <a:solidFill>
-              <a:srgbClr val="6E3232"/>
+              <a:srgbClr val="838D90"/>
             </a:solidFill>
             <a:ln w="38100">
               <a:solidFill>
@@ -11044,512 +10776,19 @@
         </p:sp>
         <p:sp>
           <p:nvSpPr>
-            <p:cNvPr id="114" name="직사각형 113"/>
+            <p:cNvPr id="196" name="팔각형 195"/>
             <p:cNvSpPr/>
             <p:nvPr/>
           </p:nvSpPr>
           <p:spPr>
-            <a:xfrm rot="5400000">
-              <a:off x="8993134" y="4394303"/>
-              <a:ext cx="585788" cy="586800"/>
-            </a:xfrm>
-            <a:prstGeom prst="rect">
-              <a:avLst/>
-            </a:prstGeom>
-            <a:solidFill>
-              <a:srgbClr val="6E3232"/>
-            </a:solidFill>
-            <a:ln w="38100">
-              <a:solidFill>
-                <a:schemeClr val="tx1"/>
-              </a:solidFill>
-            </a:ln>
-          </p:spPr>
-          <p:style>
-            <a:lnRef idx="2">
-              <a:schemeClr val="accent1">
-                <a:shade val="50000"/>
-              </a:schemeClr>
-            </a:lnRef>
-            <a:fillRef idx="1">
-              <a:schemeClr val="accent1"/>
-            </a:fillRef>
-            <a:effectRef idx="0">
-              <a:schemeClr val="accent1"/>
-            </a:effectRef>
-            <a:fontRef idx="minor">
-              <a:schemeClr val="lt1"/>
-            </a:fontRef>
-          </p:style>
-          <p:txBody>
-            <a:bodyPr rtlCol="0" anchor="ctr"/>
-            <a:lstStyle/>
-            <a:p>
-              <a:pPr algn="ctr"/>
-              <a:endParaRPr lang="ko-KR" altLang="en-US"/>
-            </a:p>
-          </p:txBody>
-        </p:sp>
-        <p:sp>
-          <p:nvSpPr>
-            <p:cNvPr id="115" name="직사각형 114"/>
-            <p:cNvSpPr/>
-            <p:nvPr/>
-          </p:nvSpPr>
-          <p:spPr>
-            <a:xfrm rot="5400000">
-              <a:off x="8992121" y="3808515"/>
-              <a:ext cx="585788" cy="586800"/>
-            </a:xfrm>
-            <a:prstGeom prst="rect">
-              <a:avLst/>
-            </a:prstGeom>
-            <a:solidFill>
-              <a:srgbClr val="6E3232"/>
-            </a:solidFill>
-            <a:ln w="38100">
-              <a:solidFill>
-                <a:schemeClr val="tx1"/>
-              </a:solidFill>
-            </a:ln>
-          </p:spPr>
-          <p:style>
-            <a:lnRef idx="2">
-              <a:schemeClr val="accent1">
-                <a:shade val="50000"/>
-              </a:schemeClr>
-            </a:lnRef>
-            <a:fillRef idx="1">
-              <a:schemeClr val="accent1"/>
-            </a:fillRef>
-            <a:effectRef idx="0">
-              <a:schemeClr val="accent1"/>
-            </a:effectRef>
-            <a:fontRef idx="minor">
-              <a:schemeClr val="lt1"/>
-            </a:fontRef>
-          </p:style>
-          <p:txBody>
-            <a:bodyPr rtlCol="0" anchor="ctr"/>
-            <a:lstStyle/>
-            <a:p>
-              <a:pPr algn="ctr"/>
-              <a:endParaRPr lang="ko-KR" altLang="en-US"/>
-            </a:p>
-          </p:txBody>
-        </p:sp>
-        <p:sp>
-          <p:nvSpPr>
-            <p:cNvPr id="116" name="직사각형 115"/>
-            <p:cNvSpPr/>
-            <p:nvPr/>
-          </p:nvSpPr>
-          <p:spPr>
-            <a:xfrm rot="5400000">
-              <a:off x="8992120" y="4977599"/>
-              <a:ext cx="585788" cy="586800"/>
-            </a:xfrm>
-            <a:prstGeom prst="rect">
-              <a:avLst/>
-            </a:prstGeom>
-            <a:solidFill>
-              <a:srgbClr val="6E3232"/>
-            </a:solidFill>
-            <a:ln w="38100">
-              <a:solidFill>
-                <a:schemeClr val="tx1"/>
-              </a:solidFill>
-            </a:ln>
-          </p:spPr>
-          <p:style>
-            <a:lnRef idx="2">
-              <a:schemeClr val="accent1">
-                <a:shade val="50000"/>
-              </a:schemeClr>
-            </a:lnRef>
-            <a:fillRef idx="1">
-              <a:schemeClr val="accent1"/>
-            </a:fillRef>
-            <a:effectRef idx="0">
-              <a:schemeClr val="accent1"/>
-            </a:effectRef>
-            <a:fontRef idx="minor">
-              <a:schemeClr val="lt1"/>
-            </a:fontRef>
-          </p:style>
-          <p:txBody>
-            <a:bodyPr rtlCol="0" anchor="ctr"/>
-            <a:lstStyle/>
-            <a:p>
-              <a:pPr algn="ctr"/>
-              <a:endParaRPr lang="ko-KR" altLang="en-US"/>
-            </a:p>
-          </p:txBody>
-        </p:sp>
-      </p:grpSp>
-      <p:sp>
-        <p:nvSpPr>
-          <p:cNvPr id="118" name="직사각형 117"/>
-          <p:cNvSpPr/>
-          <p:nvPr/>
-        </p:nvSpPr>
-        <p:spPr>
-          <a:xfrm rot="5400000">
-            <a:off x="1518065" y="2418516"/>
-            <a:ext cx="585788" cy="586800"/>
-          </a:xfrm>
-          <a:prstGeom prst="rect">
-            <a:avLst/>
-          </a:prstGeom>
-          <a:solidFill>
-            <a:srgbClr val="6E3232"/>
-          </a:solidFill>
-          <a:ln w="38100">
-            <a:solidFill>
-              <a:schemeClr val="tx1"/>
-            </a:solidFill>
-          </a:ln>
-        </p:spPr>
-        <p:style>
-          <a:lnRef idx="2">
-            <a:schemeClr val="accent1">
-              <a:shade val="50000"/>
-            </a:schemeClr>
-          </a:lnRef>
-          <a:fillRef idx="1">
-            <a:schemeClr val="accent1"/>
-          </a:fillRef>
-          <a:effectRef idx="0">
-            <a:schemeClr val="accent1"/>
-          </a:effectRef>
-          <a:fontRef idx="minor">
-            <a:schemeClr val="lt1"/>
-          </a:fontRef>
-        </p:style>
-        <p:txBody>
-          <a:bodyPr rtlCol="0" anchor="ctr"/>
-          <a:lstStyle/>
-          <a:p>
-            <a:pPr algn="ctr"/>
-            <a:endParaRPr lang="ko-KR" altLang="en-US"/>
-          </a:p>
-        </p:txBody>
-      </p:sp>
-      <p:sp>
-        <p:nvSpPr>
-          <p:cNvPr id="119" name="직사각형 118"/>
-          <p:cNvSpPr/>
-          <p:nvPr/>
-        </p:nvSpPr>
-        <p:spPr>
-          <a:xfrm rot="5400000">
-            <a:off x="1519078" y="3590092"/>
-            <a:ext cx="585788" cy="586800"/>
-          </a:xfrm>
-          <a:prstGeom prst="rect">
-            <a:avLst/>
-          </a:prstGeom>
-          <a:solidFill>
-            <a:srgbClr val="6E3232"/>
-          </a:solidFill>
-          <a:ln w="38100">
-            <a:solidFill>
-              <a:schemeClr val="tx1"/>
-            </a:solidFill>
-          </a:ln>
-        </p:spPr>
-        <p:style>
-          <a:lnRef idx="2">
-            <a:schemeClr val="accent1">
-              <a:shade val="50000"/>
-            </a:schemeClr>
-          </a:lnRef>
-          <a:fillRef idx="1">
-            <a:schemeClr val="accent1"/>
-          </a:fillRef>
-          <a:effectRef idx="0">
-            <a:schemeClr val="accent1"/>
-          </a:effectRef>
-          <a:fontRef idx="minor">
-            <a:schemeClr val="lt1"/>
-          </a:fontRef>
-        </p:style>
-        <p:txBody>
-          <a:bodyPr rtlCol="0" anchor="ctr"/>
-          <a:lstStyle/>
-          <a:p>
-            <a:pPr algn="ctr"/>
-            <a:endParaRPr lang="ko-KR" altLang="en-US"/>
-          </a:p>
-        </p:txBody>
-      </p:sp>
-      <p:sp>
-        <p:nvSpPr>
-          <p:cNvPr id="120" name="직사각형 119"/>
-          <p:cNvSpPr/>
-          <p:nvPr/>
-        </p:nvSpPr>
-        <p:spPr>
-          <a:xfrm rot="5400000">
-            <a:off x="1518065" y="3004304"/>
-            <a:ext cx="585788" cy="586800"/>
-          </a:xfrm>
-          <a:prstGeom prst="rect">
-            <a:avLst/>
-          </a:prstGeom>
-          <a:solidFill>
-            <a:srgbClr val="6E3232"/>
-          </a:solidFill>
-          <a:ln w="38100">
-            <a:solidFill>
-              <a:schemeClr val="tx1"/>
-            </a:solidFill>
-          </a:ln>
-        </p:spPr>
-        <p:style>
-          <a:lnRef idx="2">
-            <a:schemeClr val="accent1">
-              <a:shade val="50000"/>
-            </a:schemeClr>
-          </a:lnRef>
-          <a:fillRef idx="1">
-            <a:schemeClr val="accent1"/>
-          </a:fillRef>
-          <a:effectRef idx="0">
-            <a:schemeClr val="accent1"/>
-          </a:effectRef>
-          <a:fontRef idx="minor">
-            <a:schemeClr val="lt1"/>
-          </a:fontRef>
-        </p:style>
-        <p:txBody>
-          <a:bodyPr rtlCol="0" anchor="ctr"/>
-          <a:lstStyle/>
-          <a:p>
-            <a:pPr algn="ctr"/>
-            <a:endParaRPr lang="ko-KR" altLang="en-US"/>
-          </a:p>
-        </p:txBody>
-      </p:sp>
-      <p:sp>
-        <p:nvSpPr>
-          <p:cNvPr id="121" name="직사각형 120"/>
-          <p:cNvSpPr/>
-          <p:nvPr/>
-        </p:nvSpPr>
-        <p:spPr>
-          <a:xfrm rot="5400000">
-            <a:off x="2102840" y="3004304"/>
-            <a:ext cx="585788" cy="586800"/>
-          </a:xfrm>
-          <a:prstGeom prst="rect">
-            <a:avLst/>
-          </a:prstGeom>
-          <a:solidFill>
-            <a:srgbClr val="6E3232"/>
-          </a:solidFill>
-          <a:ln w="38100">
-            <a:solidFill>
-              <a:schemeClr val="tx1"/>
-            </a:solidFill>
-          </a:ln>
-        </p:spPr>
-        <p:style>
-          <a:lnRef idx="2">
-            <a:schemeClr val="accent1">
-              <a:shade val="50000"/>
-            </a:schemeClr>
-          </a:lnRef>
-          <a:fillRef idx="1">
-            <a:schemeClr val="accent1"/>
-          </a:fillRef>
-          <a:effectRef idx="0">
-            <a:schemeClr val="accent1"/>
-          </a:effectRef>
-          <a:fontRef idx="minor">
-            <a:schemeClr val="lt1"/>
-          </a:fontRef>
-        </p:style>
-        <p:txBody>
-          <a:bodyPr rtlCol="0" anchor="ctr"/>
-          <a:lstStyle/>
-          <a:p>
-            <a:pPr algn="ctr"/>
-            <a:endParaRPr lang="ko-KR" altLang="en-US"/>
-          </a:p>
-        </p:txBody>
-      </p:sp>
-      <p:grpSp>
-        <p:nvGrpSpPr>
-          <p:cNvPr id="33" name="그룹 32"/>
-          <p:cNvGrpSpPr/>
-          <p:nvPr/>
-        </p:nvGrpSpPr>
-        <p:grpSpPr>
-          <a:xfrm rot="10800000">
-            <a:off x="111233" y="2419022"/>
-            <a:ext cx="1171575" cy="1757364"/>
-            <a:chOff x="8475140" y="2087218"/>
-            <a:chExt cx="1171575" cy="1757364"/>
-          </a:xfrm>
-        </p:grpSpPr>
-        <p:sp>
-          <p:nvSpPr>
-            <p:cNvPr id="122" name="직사각형 121"/>
-            <p:cNvSpPr/>
-            <p:nvPr/>
-          </p:nvSpPr>
-          <p:spPr>
-            <a:xfrm rot="5400000">
-              <a:off x="8475646" y="2086712"/>
-              <a:ext cx="585788" cy="586800"/>
-            </a:xfrm>
-            <a:prstGeom prst="rect">
-              <a:avLst/>
-            </a:prstGeom>
-            <a:solidFill>
-              <a:srgbClr val="6E3232"/>
-            </a:solidFill>
-            <a:ln w="38100">
-              <a:solidFill>
-                <a:schemeClr val="tx1"/>
-              </a:solidFill>
-            </a:ln>
-          </p:spPr>
-          <p:style>
-            <a:lnRef idx="2">
-              <a:schemeClr val="accent1">
-                <a:shade val="50000"/>
-              </a:schemeClr>
-            </a:lnRef>
-            <a:fillRef idx="1">
-              <a:schemeClr val="accent1"/>
-            </a:fillRef>
-            <a:effectRef idx="0">
-              <a:schemeClr val="accent1"/>
-            </a:effectRef>
-            <a:fontRef idx="minor">
-              <a:schemeClr val="lt1"/>
-            </a:fontRef>
-          </p:style>
-          <p:txBody>
-            <a:bodyPr rtlCol="0" anchor="ctr"/>
-            <a:lstStyle/>
-            <a:p>
-              <a:pPr algn="ctr"/>
-              <a:endParaRPr lang="ko-KR" altLang="en-US"/>
-            </a:p>
-          </p:txBody>
-        </p:sp>
-        <p:sp>
-          <p:nvSpPr>
-            <p:cNvPr id="123" name="직사각형 122"/>
-            <p:cNvSpPr/>
-            <p:nvPr/>
-          </p:nvSpPr>
-          <p:spPr>
-            <a:xfrm rot="5400000">
-              <a:off x="8476659" y="3258288"/>
-              <a:ext cx="585788" cy="586800"/>
-            </a:xfrm>
-            <a:prstGeom prst="rect">
-              <a:avLst/>
-            </a:prstGeom>
-            <a:solidFill>
-              <a:srgbClr val="6E3232"/>
-            </a:solidFill>
-            <a:ln w="38100">
-              <a:solidFill>
-                <a:schemeClr val="tx1"/>
-              </a:solidFill>
-            </a:ln>
-          </p:spPr>
-          <p:style>
-            <a:lnRef idx="2">
-              <a:schemeClr val="accent1">
-                <a:shade val="50000"/>
-              </a:schemeClr>
-            </a:lnRef>
-            <a:fillRef idx="1">
-              <a:schemeClr val="accent1"/>
-            </a:fillRef>
-            <a:effectRef idx="0">
-              <a:schemeClr val="accent1"/>
-            </a:effectRef>
-            <a:fontRef idx="minor">
-              <a:schemeClr val="lt1"/>
-            </a:fontRef>
-          </p:style>
-          <p:txBody>
-            <a:bodyPr rtlCol="0" anchor="ctr"/>
-            <a:lstStyle/>
-            <a:p>
-              <a:pPr algn="ctr"/>
-              <a:endParaRPr lang="ko-KR" altLang="en-US"/>
-            </a:p>
-          </p:txBody>
-        </p:sp>
-        <p:sp>
-          <p:nvSpPr>
-            <p:cNvPr id="124" name="직사각형 123"/>
-            <p:cNvSpPr/>
-            <p:nvPr/>
-          </p:nvSpPr>
-          <p:spPr>
-            <a:xfrm rot="5400000">
-              <a:off x="8475646" y="2672500"/>
-              <a:ext cx="585788" cy="586800"/>
-            </a:xfrm>
-            <a:prstGeom prst="rect">
-              <a:avLst/>
-            </a:prstGeom>
-            <a:solidFill>
-              <a:srgbClr val="6E3232"/>
-            </a:solidFill>
-            <a:ln w="38100">
-              <a:solidFill>
-                <a:schemeClr val="tx1"/>
-              </a:solidFill>
-            </a:ln>
-          </p:spPr>
-          <p:style>
-            <a:lnRef idx="2">
-              <a:schemeClr val="accent1">
-                <a:shade val="50000"/>
-              </a:schemeClr>
-            </a:lnRef>
-            <a:fillRef idx="1">
-              <a:schemeClr val="accent1"/>
-            </a:fillRef>
-            <a:effectRef idx="0">
-              <a:schemeClr val="accent1"/>
-            </a:effectRef>
-            <a:fontRef idx="minor">
-              <a:schemeClr val="lt1"/>
-            </a:fontRef>
-          </p:style>
-          <p:txBody>
-            <a:bodyPr rtlCol="0" anchor="ctr"/>
-            <a:lstStyle/>
-            <a:p>
-              <a:pPr algn="ctr"/>
-              <a:endParaRPr lang="ko-KR" altLang="en-US"/>
-            </a:p>
-          </p:txBody>
-        </p:sp>
-        <p:sp>
-          <p:nvSpPr>
-            <p:cNvPr id="125" name="직사각형 124"/>
-            <p:cNvSpPr/>
-            <p:nvPr/>
-          </p:nvSpPr>
-          <p:spPr>
-            <a:xfrm rot="5400000">
-              <a:off x="9060421" y="2672500"/>
-              <a:ext cx="585788" cy="586800"/>
-            </a:xfrm>
-            <a:prstGeom prst="rect">
-              <a:avLst/>
+            <a:xfrm>
+              <a:off x="3181913" y="2347910"/>
+              <a:ext cx="293890" cy="293890"/>
+            </a:xfrm>
+            <a:prstGeom prst="octagon">
+              <a:avLst>
+                <a:gd name="adj" fmla="val 11945"/>
+              </a:avLst>
             </a:prstGeom>
             <a:solidFill>
               <a:srgbClr val="6E3232"/>
@@ -11588,34 +10827,36 @@
       </p:grpSp>
       <p:grpSp>
         <p:nvGrpSpPr>
-          <p:cNvPr id="34" name="그룹 33"/>
+          <p:cNvPr id="197" name="그룹 196"/>
           <p:cNvGrpSpPr/>
           <p:nvPr/>
         </p:nvGrpSpPr>
         <p:grpSpPr>
-          <a:xfrm rot="16200000">
-            <a:off x="1695547" y="5195516"/>
-            <a:ext cx="1170563" cy="1758376"/>
-            <a:chOff x="1518065" y="4601080"/>
-            <a:chExt cx="1170563" cy="1758376"/>
+          <a:xfrm>
+            <a:off x="6328623" y="2634985"/>
+            <a:ext cx="465340" cy="465340"/>
+            <a:chOff x="3096188" y="2262185"/>
+            <a:chExt cx="465340" cy="465340"/>
           </a:xfrm>
         </p:grpSpPr>
         <p:sp>
           <p:nvSpPr>
-            <p:cNvPr id="126" name="직사각형 125"/>
+            <p:cNvPr id="198" name="팔각형 197"/>
             <p:cNvSpPr/>
             <p:nvPr/>
           </p:nvSpPr>
           <p:spPr>
             <a:xfrm>
-              <a:off x="1518065" y="4601080"/>
-              <a:ext cx="585788" cy="586800"/>
-            </a:xfrm>
-            <a:prstGeom prst="rect">
-              <a:avLst/>
+              <a:off x="3096188" y="2262185"/>
+              <a:ext cx="465340" cy="465340"/>
+            </a:xfrm>
+            <a:prstGeom prst="octagon">
+              <a:avLst>
+                <a:gd name="adj" fmla="val 11945"/>
+              </a:avLst>
             </a:prstGeom>
             <a:solidFill>
-              <a:srgbClr val="6E3232"/>
+              <a:srgbClr val="838D90"/>
             </a:solidFill>
             <a:ln w="38100">
               <a:solidFill>
@@ -11650,113 +10891,19 @@
         </p:sp>
         <p:sp>
           <p:nvSpPr>
-            <p:cNvPr id="127" name="직사각형 126"/>
+            <p:cNvPr id="199" name="팔각형 198"/>
             <p:cNvSpPr/>
             <p:nvPr/>
           </p:nvSpPr>
           <p:spPr>
             <a:xfrm>
-              <a:off x="1519078" y="5772656"/>
-              <a:ext cx="585788" cy="586800"/>
-            </a:xfrm>
-            <a:prstGeom prst="rect">
-              <a:avLst/>
-            </a:prstGeom>
-            <a:solidFill>
-              <a:srgbClr val="6E3232"/>
-            </a:solidFill>
-            <a:ln w="38100">
-              <a:solidFill>
-                <a:schemeClr val="tx1"/>
-              </a:solidFill>
-            </a:ln>
-          </p:spPr>
-          <p:style>
-            <a:lnRef idx="2">
-              <a:schemeClr val="accent1">
-                <a:shade val="50000"/>
-              </a:schemeClr>
-            </a:lnRef>
-            <a:fillRef idx="1">
-              <a:schemeClr val="accent1"/>
-            </a:fillRef>
-            <a:effectRef idx="0">
-              <a:schemeClr val="accent1"/>
-            </a:effectRef>
-            <a:fontRef idx="minor">
-              <a:schemeClr val="lt1"/>
-            </a:fontRef>
-          </p:style>
-          <p:txBody>
-            <a:bodyPr rtlCol="0" anchor="ctr"/>
-            <a:lstStyle/>
-            <a:p>
-              <a:pPr algn="ctr"/>
-              <a:endParaRPr lang="ko-KR" altLang="en-US"/>
-            </a:p>
-          </p:txBody>
-        </p:sp>
-        <p:sp>
-          <p:nvSpPr>
-            <p:cNvPr id="128" name="직사각형 127"/>
-            <p:cNvSpPr/>
-            <p:nvPr/>
-          </p:nvSpPr>
-          <p:spPr>
-            <a:xfrm>
-              <a:off x="1518065" y="5186868"/>
-              <a:ext cx="585788" cy="586800"/>
-            </a:xfrm>
-            <a:prstGeom prst="rect">
-              <a:avLst/>
-            </a:prstGeom>
-            <a:solidFill>
-              <a:srgbClr val="6E3232"/>
-            </a:solidFill>
-            <a:ln w="38100">
-              <a:solidFill>
-                <a:schemeClr val="tx1"/>
-              </a:solidFill>
-            </a:ln>
-          </p:spPr>
-          <p:style>
-            <a:lnRef idx="2">
-              <a:schemeClr val="accent1">
-                <a:shade val="50000"/>
-              </a:schemeClr>
-            </a:lnRef>
-            <a:fillRef idx="1">
-              <a:schemeClr val="accent1"/>
-            </a:fillRef>
-            <a:effectRef idx="0">
-              <a:schemeClr val="accent1"/>
-            </a:effectRef>
-            <a:fontRef idx="minor">
-              <a:schemeClr val="lt1"/>
-            </a:fontRef>
-          </p:style>
-          <p:txBody>
-            <a:bodyPr rtlCol="0" anchor="ctr"/>
-            <a:lstStyle/>
-            <a:p>
-              <a:pPr algn="ctr"/>
-              <a:endParaRPr lang="ko-KR" altLang="en-US"/>
-            </a:p>
-          </p:txBody>
-        </p:sp>
-        <p:sp>
-          <p:nvSpPr>
-            <p:cNvPr id="129" name="직사각형 128"/>
-            <p:cNvSpPr/>
-            <p:nvPr/>
-          </p:nvSpPr>
-          <p:spPr>
-            <a:xfrm>
-              <a:off x="2102840" y="5186868"/>
-              <a:ext cx="585788" cy="586800"/>
-            </a:xfrm>
-            <a:prstGeom prst="rect">
-              <a:avLst/>
+              <a:off x="3181913" y="2347910"/>
+              <a:ext cx="293890" cy="293890"/>
+            </a:xfrm>
+            <a:prstGeom prst="octagon">
+              <a:avLst>
+                <a:gd name="adj" fmla="val 11945"/>
+              </a:avLst>
             </a:prstGeom>
             <a:solidFill>
               <a:srgbClr val="6E3232"/>
@@ -11795,34 +10942,36 @@
       </p:grpSp>
       <p:grpSp>
         <p:nvGrpSpPr>
-          <p:cNvPr id="130" name="그룹 129"/>
+          <p:cNvPr id="200" name="그룹 199"/>
           <p:cNvGrpSpPr/>
           <p:nvPr/>
         </p:nvGrpSpPr>
         <p:grpSpPr>
-          <a:xfrm rot="5400000">
-            <a:off x="345180" y="4978105"/>
-            <a:ext cx="1171575" cy="1757364"/>
-            <a:chOff x="8475140" y="2087218"/>
-            <a:chExt cx="1171575" cy="1757364"/>
+          <a:xfrm>
+            <a:off x="6328623" y="1467140"/>
+            <a:ext cx="465340" cy="465340"/>
+            <a:chOff x="3096188" y="2262185"/>
+            <a:chExt cx="465340" cy="465340"/>
           </a:xfrm>
         </p:grpSpPr>
         <p:sp>
           <p:nvSpPr>
-            <p:cNvPr id="131" name="직사각형 130"/>
+            <p:cNvPr id="201" name="팔각형 200"/>
             <p:cNvSpPr/>
             <p:nvPr/>
           </p:nvSpPr>
           <p:spPr>
-            <a:xfrm rot="5400000">
-              <a:off x="8475646" y="2086712"/>
-              <a:ext cx="585788" cy="586800"/>
-            </a:xfrm>
-            <a:prstGeom prst="rect">
-              <a:avLst/>
+            <a:xfrm>
+              <a:off x="3096188" y="2262185"/>
+              <a:ext cx="465340" cy="465340"/>
+            </a:xfrm>
+            <a:prstGeom prst="donut">
+              <a:avLst>
+                <a:gd name="adj" fmla="val 18331"/>
+              </a:avLst>
             </a:prstGeom>
             <a:solidFill>
-              <a:srgbClr val="6E3232"/>
+              <a:srgbClr val="838D90"/>
             </a:solidFill>
             <a:ln w="38100">
               <a:solidFill>
@@ -11857,113 +11006,19 @@
         </p:sp>
         <p:sp>
           <p:nvSpPr>
-            <p:cNvPr id="132" name="직사각형 131"/>
+            <p:cNvPr id="202" name="도넛 201"/>
             <p:cNvSpPr/>
             <p:nvPr/>
           </p:nvSpPr>
           <p:spPr>
-            <a:xfrm rot="5400000">
-              <a:off x="8476659" y="3258288"/>
-              <a:ext cx="585788" cy="586800"/>
-            </a:xfrm>
-            <a:prstGeom prst="rect">
-              <a:avLst/>
-            </a:prstGeom>
-            <a:solidFill>
-              <a:srgbClr val="6E3232"/>
-            </a:solidFill>
-            <a:ln w="38100">
-              <a:solidFill>
-                <a:schemeClr val="tx1"/>
-              </a:solidFill>
-            </a:ln>
-          </p:spPr>
-          <p:style>
-            <a:lnRef idx="2">
-              <a:schemeClr val="accent1">
-                <a:shade val="50000"/>
-              </a:schemeClr>
-            </a:lnRef>
-            <a:fillRef idx="1">
-              <a:schemeClr val="accent1"/>
-            </a:fillRef>
-            <a:effectRef idx="0">
-              <a:schemeClr val="accent1"/>
-            </a:effectRef>
-            <a:fontRef idx="minor">
-              <a:schemeClr val="lt1"/>
-            </a:fontRef>
-          </p:style>
-          <p:txBody>
-            <a:bodyPr rtlCol="0" anchor="ctr"/>
-            <a:lstStyle/>
-            <a:p>
-              <a:pPr algn="ctr"/>
-              <a:endParaRPr lang="ko-KR" altLang="en-US"/>
-            </a:p>
-          </p:txBody>
-        </p:sp>
-        <p:sp>
-          <p:nvSpPr>
-            <p:cNvPr id="133" name="직사각형 132"/>
-            <p:cNvSpPr/>
-            <p:nvPr/>
-          </p:nvSpPr>
-          <p:spPr>
-            <a:xfrm rot="5400000">
-              <a:off x="8475646" y="2672500"/>
-              <a:ext cx="585788" cy="586800"/>
-            </a:xfrm>
-            <a:prstGeom prst="rect">
-              <a:avLst/>
-            </a:prstGeom>
-            <a:solidFill>
-              <a:srgbClr val="6E3232"/>
-            </a:solidFill>
-            <a:ln w="38100">
-              <a:solidFill>
-                <a:schemeClr val="tx1"/>
-              </a:solidFill>
-            </a:ln>
-          </p:spPr>
-          <p:style>
-            <a:lnRef idx="2">
-              <a:schemeClr val="accent1">
-                <a:shade val="50000"/>
-              </a:schemeClr>
-            </a:lnRef>
-            <a:fillRef idx="1">
-              <a:schemeClr val="accent1"/>
-            </a:fillRef>
-            <a:effectRef idx="0">
-              <a:schemeClr val="accent1"/>
-            </a:effectRef>
-            <a:fontRef idx="minor">
-              <a:schemeClr val="lt1"/>
-            </a:fontRef>
-          </p:style>
-          <p:txBody>
-            <a:bodyPr rtlCol="0" anchor="ctr"/>
-            <a:lstStyle/>
-            <a:p>
-              <a:pPr algn="ctr"/>
-              <a:endParaRPr lang="ko-KR" altLang="en-US"/>
-            </a:p>
-          </p:txBody>
-        </p:sp>
-        <p:sp>
-          <p:nvSpPr>
-            <p:cNvPr id="134" name="직사각형 133"/>
-            <p:cNvSpPr/>
-            <p:nvPr/>
-          </p:nvSpPr>
-          <p:spPr>
-            <a:xfrm rot="5400000">
-              <a:off x="9060421" y="2672500"/>
-              <a:ext cx="585788" cy="586800"/>
-            </a:xfrm>
-            <a:prstGeom prst="rect">
-              <a:avLst/>
+            <a:xfrm>
+              <a:off x="3181913" y="2347910"/>
+              <a:ext cx="293890" cy="293890"/>
+            </a:xfrm>
+            <a:prstGeom prst="donut">
+              <a:avLst>
+                <a:gd name="adj" fmla="val 33873"/>
+              </a:avLst>
             </a:prstGeom>
             <a:solidFill>
               <a:srgbClr val="6E3232"/>
@@ -12002,7 +11057,869 @@
       </p:grpSp>
       <p:grpSp>
         <p:nvGrpSpPr>
-          <p:cNvPr id="11" name="그룹 10"/>
+          <p:cNvPr id="105" name="그룹 104"/>
+          <p:cNvGrpSpPr/>
+          <p:nvPr/>
+        </p:nvGrpSpPr>
+        <p:grpSpPr>
+          <a:xfrm>
+            <a:off x="6328623" y="2051062"/>
+            <a:ext cx="465340" cy="465340"/>
+            <a:chOff x="3096188" y="2262185"/>
+            <a:chExt cx="465340" cy="465340"/>
+          </a:xfrm>
+        </p:grpSpPr>
+        <p:sp>
+          <p:nvSpPr>
+            <p:cNvPr id="106" name="팔각형 200"/>
+            <p:cNvSpPr/>
+            <p:nvPr/>
+          </p:nvSpPr>
+          <p:spPr>
+            <a:xfrm>
+              <a:off x="3096188" y="2262185"/>
+              <a:ext cx="465340" cy="465340"/>
+            </a:xfrm>
+            <a:prstGeom prst="donut">
+              <a:avLst>
+                <a:gd name="adj" fmla="val 18331"/>
+              </a:avLst>
+            </a:prstGeom>
+            <a:solidFill>
+              <a:srgbClr val="838D90"/>
+            </a:solidFill>
+            <a:ln w="38100">
+              <a:solidFill>
+                <a:schemeClr val="tx1"/>
+              </a:solidFill>
+            </a:ln>
+          </p:spPr>
+          <p:style>
+            <a:lnRef idx="2">
+              <a:schemeClr val="accent1">
+                <a:shade val="50000"/>
+              </a:schemeClr>
+            </a:lnRef>
+            <a:fillRef idx="1">
+              <a:schemeClr val="accent1"/>
+            </a:fillRef>
+            <a:effectRef idx="0">
+              <a:schemeClr val="accent1"/>
+            </a:effectRef>
+            <a:fontRef idx="minor">
+              <a:schemeClr val="lt1"/>
+            </a:fontRef>
+          </p:style>
+          <p:txBody>
+            <a:bodyPr rtlCol="0" anchor="ctr"/>
+            <a:lstStyle/>
+            <a:p>
+              <a:pPr algn="ctr"/>
+              <a:endParaRPr lang="ko-KR" altLang="en-US"/>
+            </a:p>
+          </p:txBody>
+        </p:sp>
+        <p:sp>
+          <p:nvSpPr>
+            <p:cNvPr id="107" name="도넛 106"/>
+            <p:cNvSpPr/>
+            <p:nvPr/>
+          </p:nvSpPr>
+          <p:spPr>
+            <a:xfrm>
+              <a:off x="3181913" y="2347910"/>
+              <a:ext cx="293890" cy="293890"/>
+            </a:xfrm>
+            <a:prstGeom prst="donut">
+              <a:avLst>
+                <a:gd name="adj" fmla="val 33873"/>
+              </a:avLst>
+            </a:prstGeom>
+            <a:solidFill>
+              <a:srgbClr val="6E3232"/>
+            </a:solidFill>
+            <a:ln w="38100">
+              <a:solidFill>
+                <a:schemeClr val="tx1"/>
+              </a:solidFill>
+            </a:ln>
+          </p:spPr>
+          <p:style>
+            <a:lnRef idx="2">
+              <a:schemeClr val="accent1">
+                <a:shade val="50000"/>
+              </a:schemeClr>
+            </a:lnRef>
+            <a:fillRef idx="1">
+              <a:schemeClr val="accent1"/>
+            </a:fillRef>
+            <a:effectRef idx="0">
+              <a:schemeClr val="accent1"/>
+            </a:effectRef>
+            <a:fontRef idx="minor">
+              <a:schemeClr val="lt1"/>
+            </a:fontRef>
+          </p:style>
+          <p:txBody>
+            <a:bodyPr rtlCol="0" anchor="ctr"/>
+            <a:lstStyle/>
+            <a:p>
+              <a:pPr algn="ctr"/>
+              <a:endParaRPr lang="ko-KR" altLang="en-US"/>
+            </a:p>
+          </p:txBody>
+        </p:sp>
+      </p:grpSp>
+      <p:grpSp>
+        <p:nvGrpSpPr>
+          <p:cNvPr id="6" name="그룹 5"/>
+          <p:cNvGrpSpPr/>
+          <p:nvPr/>
+        </p:nvGrpSpPr>
+        <p:grpSpPr>
+          <a:xfrm>
+            <a:off x="4626818" y="819755"/>
+            <a:ext cx="1176747" cy="1861789"/>
+            <a:chOff x="4626818" y="819755"/>
+            <a:chExt cx="1176747" cy="1861789"/>
+          </a:xfrm>
+        </p:grpSpPr>
+        <p:sp>
+          <p:nvSpPr>
+            <p:cNvPr id="2" name="양쪽 모서리가 잘린 사각형 1"/>
+            <p:cNvSpPr/>
+            <p:nvPr/>
+          </p:nvSpPr>
+          <p:spPr>
+            <a:xfrm>
+              <a:off x="4626818" y="819755"/>
+              <a:ext cx="585788" cy="1173600"/>
+            </a:xfrm>
+            <a:prstGeom prst="snip2SameRect">
+              <a:avLst/>
+            </a:prstGeom>
+            <a:solidFill>
+              <a:srgbClr val="6E3232"/>
+            </a:solidFill>
+            <a:ln w="38100">
+              <a:solidFill>
+                <a:schemeClr val="tx1"/>
+              </a:solidFill>
+            </a:ln>
+          </p:spPr>
+          <p:style>
+            <a:lnRef idx="2">
+              <a:schemeClr val="accent1">
+                <a:shade val="50000"/>
+              </a:schemeClr>
+            </a:lnRef>
+            <a:fillRef idx="1">
+              <a:schemeClr val="accent1"/>
+            </a:fillRef>
+            <a:effectRef idx="0">
+              <a:schemeClr val="accent1"/>
+            </a:effectRef>
+            <a:fontRef idx="minor">
+              <a:schemeClr val="lt1"/>
+            </a:fontRef>
+          </p:style>
+          <p:txBody>
+            <a:bodyPr rtlCol="0" anchor="ctr"/>
+            <a:lstStyle/>
+            <a:p>
+              <a:pPr algn="ctr"/>
+              <a:endParaRPr lang="ko-KR" altLang="en-US"/>
+            </a:p>
+          </p:txBody>
+        </p:sp>
+        <p:grpSp>
+          <p:nvGrpSpPr>
+            <p:cNvPr id="147" name="그룹 146"/>
+            <p:cNvGrpSpPr/>
+            <p:nvPr/>
+          </p:nvGrpSpPr>
+          <p:grpSpPr>
+            <a:xfrm rot="10800000">
+              <a:off x="5217777" y="1507944"/>
+              <a:ext cx="585788" cy="1173600"/>
+              <a:chOff x="5519051" y="1946796"/>
+              <a:chExt cx="585788" cy="1173600"/>
+            </a:xfrm>
+          </p:grpSpPr>
+          <p:sp>
+            <p:nvSpPr>
+              <p:cNvPr id="148" name="양쪽 모서리가 잘린 사각형 147"/>
+              <p:cNvSpPr/>
+              <p:nvPr/>
+            </p:nvSpPr>
+            <p:spPr>
+              <a:xfrm>
+                <a:off x="5519051" y="1946796"/>
+                <a:ext cx="585788" cy="1173600"/>
+              </a:xfrm>
+              <a:prstGeom prst="snip2SameRect">
+                <a:avLst/>
+              </a:prstGeom>
+              <a:solidFill>
+                <a:srgbClr val="6E3232"/>
+              </a:solidFill>
+              <a:ln w="38100">
+                <a:solidFill>
+                  <a:schemeClr val="tx1"/>
+                </a:solidFill>
+              </a:ln>
+            </p:spPr>
+            <p:style>
+              <a:lnRef idx="2">
+                <a:schemeClr val="accent1">
+                  <a:shade val="50000"/>
+                </a:schemeClr>
+              </a:lnRef>
+              <a:fillRef idx="1">
+                <a:schemeClr val="accent1"/>
+              </a:fillRef>
+              <a:effectRef idx="0">
+                <a:schemeClr val="accent1"/>
+              </a:effectRef>
+              <a:fontRef idx="minor">
+                <a:schemeClr val="lt1"/>
+              </a:fontRef>
+            </p:style>
+            <p:txBody>
+              <a:bodyPr rtlCol="0" anchor="ctr"/>
+              <a:lstStyle/>
+              <a:p>
+                <a:pPr algn="ctr"/>
+                <a:endParaRPr lang="ko-KR" altLang="en-US"/>
+              </a:p>
+            </p:txBody>
+          </p:sp>
+          <p:grpSp>
+            <p:nvGrpSpPr>
+              <p:cNvPr id="149" name="그룹 148"/>
+              <p:cNvGrpSpPr/>
+              <p:nvPr/>
+            </p:nvGrpSpPr>
+            <p:grpSpPr>
+              <a:xfrm>
+                <a:off x="5579275" y="2022700"/>
+                <a:ext cx="465340" cy="465340"/>
+                <a:chOff x="3096188" y="2262185"/>
+                <a:chExt cx="465340" cy="465340"/>
+              </a:xfrm>
+            </p:grpSpPr>
+            <p:sp>
+              <p:nvSpPr>
+                <p:cNvPr id="150" name="팔각형 149"/>
+                <p:cNvSpPr/>
+                <p:nvPr/>
+              </p:nvSpPr>
+              <p:spPr>
+                <a:xfrm>
+                  <a:off x="3096188" y="2262185"/>
+                  <a:ext cx="465340" cy="465340"/>
+                </a:xfrm>
+                <a:prstGeom prst="octagon">
+                  <a:avLst>
+                    <a:gd name="adj" fmla="val 11945"/>
+                  </a:avLst>
+                </a:prstGeom>
+                <a:solidFill>
+                  <a:srgbClr val="838D90"/>
+                </a:solidFill>
+                <a:ln w="38100">
+                  <a:solidFill>
+                    <a:schemeClr val="tx1"/>
+                  </a:solidFill>
+                </a:ln>
+              </p:spPr>
+              <p:style>
+                <a:lnRef idx="2">
+                  <a:schemeClr val="accent1">
+                    <a:shade val="50000"/>
+                  </a:schemeClr>
+                </a:lnRef>
+                <a:fillRef idx="1">
+                  <a:schemeClr val="accent1"/>
+                </a:fillRef>
+                <a:effectRef idx="0">
+                  <a:schemeClr val="accent1"/>
+                </a:effectRef>
+                <a:fontRef idx="minor">
+                  <a:schemeClr val="lt1"/>
+                </a:fontRef>
+              </p:style>
+              <p:txBody>
+                <a:bodyPr rtlCol="0" anchor="ctr"/>
+                <a:lstStyle/>
+                <a:p>
+                  <a:pPr algn="ctr"/>
+                  <a:endParaRPr lang="ko-KR" altLang="en-US"/>
+                </a:p>
+              </p:txBody>
+            </p:sp>
+            <p:sp>
+              <p:nvSpPr>
+                <p:cNvPr id="151" name="팔각형 150"/>
+                <p:cNvSpPr/>
+                <p:nvPr/>
+              </p:nvSpPr>
+              <p:spPr>
+                <a:xfrm>
+                  <a:off x="3181913" y="2347910"/>
+                  <a:ext cx="293890" cy="293890"/>
+                </a:xfrm>
+                <a:prstGeom prst="octagon">
+                  <a:avLst>
+                    <a:gd name="adj" fmla="val 11945"/>
+                  </a:avLst>
+                </a:prstGeom>
+                <a:solidFill>
+                  <a:srgbClr val="6E3232"/>
+                </a:solidFill>
+                <a:ln w="38100">
+                  <a:solidFill>
+                    <a:schemeClr val="tx1"/>
+                  </a:solidFill>
+                </a:ln>
+              </p:spPr>
+              <p:style>
+                <a:lnRef idx="2">
+                  <a:schemeClr val="accent1">
+                    <a:shade val="50000"/>
+                  </a:schemeClr>
+                </a:lnRef>
+                <a:fillRef idx="1">
+                  <a:schemeClr val="accent1"/>
+                </a:fillRef>
+                <a:effectRef idx="0">
+                  <a:schemeClr val="accent1"/>
+                </a:effectRef>
+                <a:fontRef idx="minor">
+                  <a:schemeClr val="lt1"/>
+                </a:fontRef>
+              </p:style>
+              <p:txBody>
+                <a:bodyPr rtlCol="0" anchor="ctr"/>
+                <a:lstStyle/>
+                <a:p>
+                  <a:pPr algn="ctr"/>
+                  <a:endParaRPr lang="ko-KR" altLang="en-US"/>
+                </a:p>
+              </p:txBody>
+            </p:sp>
+          </p:grpSp>
+        </p:grpSp>
+        <p:sp>
+          <p:nvSpPr>
+            <p:cNvPr id="152" name="직사각형 151"/>
+            <p:cNvSpPr/>
+            <p:nvPr/>
+          </p:nvSpPr>
+          <p:spPr>
+            <a:xfrm>
+              <a:off x="4866391" y="1364702"/>
+              <a:ext cx="106642" cy="434113"/>
+            </a:xfrm>
+            <a:prstGeom prst="rect">
+              <a:avLst/>
+            </a:prstGeom>
+            <a:solidFill>
+              <a:srgbClr val="838D90"/>
+            </a:solidFill>
+            <a:ln w="38100">
+              <a:solidFill>
+                <a:schemeClr val="tx1"/>
+              </a:solidFill>
+            </a:ln>
+          </p:spPr>
+          <p:style>
+            <a:lnRef idx="2">
+              <a:schemeClr val="accent1">
+                <a:shade val="50000"/>
+              </a:schemeClr>
+            </a:lnRef>
+            <a:fillRef idx="1">
+              <a:schemeClr val="accent1"/>
+            </a:fillRef>
+            <a:effectRef idx="0">
+              <a:schemeClr val="accent1"/>
+            </a:effectRef>
+            <a:fontRef idx="minor">
+              <a:schemeClr val="lt1"/>
+            </a:fontRef>
+          </p:style>
+          <p:txBody>
+            <a:bodyPr rtlCol="0" anchor="ctr"/>
+            <a:lstStyle/>
+            <a:p>
+              <a:pPr algn="ctr"/>
+              <a:endParaRPr lang="ko-KR" altLang="en-US"/>
+            </a:p>
+          </p:txBody>
+        </p:sp>
+        <p:sp>
+          <p:nvSpPr>
+            <p:cNvPr id="154" name="직사각형 153"/>
+            <p:cNvSpPr/>
+            <p:nvPr/>
+          </p:nvSpPr>
+          <p:spPr>
+            <a:xfrm>
+              <a:off x="5452179" y="1713204"/>
+              <a:ext cx="106642" cy="427096"/>
+            </a:xfrm>
+            <a:prstGeom prst="rect">
+              <a:avLst/>
+            </a:prstGeom>
+            <a:solidFill>
+              <a:srgbClr val="838D90"/>
+            </a:solidFill>
+            <a:ln w="38100">
+              <a:solidFill>
+                <a:schemeClr val="tx1"/>
+              </a:solidFill>
+            </a:ln>
+          </p:spPr>
+          <p:style>
+            <a:lnRef idx="2">
+              <a:schemeClr val="accent1">
+                <a:shade val="50000"/>
+              </a:schemeClr>
+            </a:lnRef>
+            <a:fillRef idx="1">
+              <a:schemeClr val="accent1"/>
+            </a:fillRef>
+            <a:effectRef idx="0">
+              <a:schemeClr val="accent1"/>
+            </a:effectRef>
+            <a:fontRef idx="minor">
+              <a:schemeClr val="lt1"/>
+            </a:fontRef>
+          </p:style>
+          <p:txBody>
+            <a:bodyPr rtlCol="0" anchor="ctr"/>
+            <a:lstStyle/>
+            <a:p>
+              <a:pPr algn="ctr"/>
+              <a:endParaRPr lang="ko-KR" altLang="en-US"/>
+            </a:p>
+          </p:txBody>
+        </p:sp>
+        <p:sp>
+          <p:nvSpPr>
+            <p:cNvPr id="13" name="직사각형 12"/>
+            <p:cNvSpPr/>
+            <p:nvPr/>
+          </p:nvSpPr>
+          <p:spPr>
+            <a:xfrm>
+              <a:off x="5162909" y="1526292"/>
+              <a:ext cx="95250" cy="448161"/>
+            </a:xfrm>
+            <a:prstGeom prst="rect">
+              <a:avLst/>
+            </a:prstGeom>
+            <a:solidFill>
+              <a:srgbClr val="6E3232"/>
+            </a:solidFill>
+            <a:ln w="38100">
+              <a:noFill/>
+            </a:ln>
+          </p:spPr>
+          <p:style>
+            <a:lnRef idx="2">
+              <a:schemeClr val="accent1">
+                <a:shade val="50000"/>
+              </a:schemeClr>
+            </a:lnRef>
+            <a:fillRef idx="1">
+              <a:schemeClr val="accent1"/>
+            </a:fillRef>
+            <a:effectRef idx="0">
+              <a:schemeClr val="accent1"/>
+            </a:effectRef>
+            <a:fontRef idx="minor">
+              <a:schemeClr val="lt1"/>
+            </a:fontRef>
+          </p:style>
+          <p:txBody>
+            <a:bodyPr rtlCol="0" anchor="ctr"/>
+            <a:lstStyle/>
+            <a:p>
+              <a:pPr algn="ctr"/>
+              <a:endParaRPr lang="ko-KR" altLang="en-US"/>
+            </a:p>
+          </p:txBody>
+        </p:sp>
+        <p:sp>
+          <p:nvSpPr>
+            <p:cNvPr id="162" name="직사각형 161"/>
+            <p:cNvSpPr/>
+            <p:nvPr/>
+          </p:nvSpPr>
+          <p:spPr>
+            <a:xfrm rot="5400000">
+              <a:off x="5183730" y="1509505"/>
+              <a:ext cx="57749" cy="678416"/>
+            </a:xfrm>
+            <a:prstGeom prst="rect">
+              <a:avLst/>
+            </a:prstGeom>
+            <a:solidFill>
+              <a:srgbClr val="838D90"/>
+            </a:solidFill>
+            <a:ln w="38100">
+              <a:solidFill>
+                <a:schemeClr val="tx1"/>
+              </a:solidFill>
+            </a:ln>
+          </p:spPr>
+          <p:style>
+            <a:lnRef idx="2">
+              <a:schemeClr val="accent1">
+                <a:shade val="50000"/>
+              </a:schemeClr>
+            </a:lnRef>
+            <a:fillRef idx="1">
+              <a:schemeClr val="accent1"/>
+            </a:fillRef>
+            <a:effectRef idx="0">
+              <a:schemeClr val="accent1"/>
+            </a:effectRef>
+            <a:fontRef idx="minor">
+              <a:schemeClr val="lt1"/>
+            </a:fontRef>
+          </p:style>
+          <p:txBody>
+            <a:bodyPr rtlCol="0" anchor="ctr"/>
+            <a:lstStyle/>
+            <a:p>
+              <a:pPr algn="ctr"/>
+              <a:endParaRPr lang="ko-KR" altLang="en-US"/>
+            </a:p>
+          </p:txBody>
+        </p:sp>
+        <p:sp>
+          <p:nvSpPr>
+            <p:cNvPr id="155" name="직사각형 154"/>
+            <p:cNvSpPr/>
+            <p:nvPr/>
+          </p:nvSpPr>
+          <p:spPr>
+            <a:xfrm rot="5400000">
+              <a:off x="5181602" y="1319524"/>
+              <a:ext cx="62006" cy="678416"/>
+            </a:xfrm>
+            <a:prstGeom prst="rect">
+              <a:avLst/>
+            </a:prstGeom>
+            <a:solidFill>
+              <a:srgbClr val="838D90"/>
+            </a:solidFill>
+            <a:ln w="38100">
+              <a:solidFill>
+                <a:schemeClr val="tx1"/>
+              </a:solidFill>
+            </a:ln>
+          </p:spPr>
+          <p:style>
+            <a:lnRef idx="2">
+              <a:schemeClr val="accent1">
+                <a:shade val="50000"/>
+              </a:schemeClr>
+            </a:lnRef>
+            <a:fillRef idx="1">
+              <a:schemeClr val="accent1"/>
+            </a:fillRef>
+            <a:effectRef idx="0">
+              <a:schemeClr val="accent1"/>
+            </a:effectRef>
+            <a:fontRef idx="minor">
+              <a:schemeClr val="lt1"/>
+            </a:fontRef>
+          </p:style>
+          <p:txBody>
+            <a:bodyPr rtlCol="0" anchor="ctr"/>
+            <a:lstStyle/>
+            <a:p>
+              <a:pPr algn="ctr"/>
+              <a:endParaRPr lang="ko-KR" altLang="en-US"/>
+            </a:p>
+          </p:txBody>
+        </p:sp>
+        <p:sp>
+          <p:nvSpPr>
+            <p:cNvPr id="159" name="양쪽 모서리가 잘린 사각형 158"/>
+            <p:cNvSpPr/>
+            <p:nvPr/>
+          </p:nvSpPr>
+          <p:spPr>
+            <a:xfrm>
+              <a:off x="5261487" y="1629566"/>
+              <a:ext cx="500928" cy="245873"/>
+            </a:xfrm>
+            <a:prstGeom prst="snip2SameRect">
+              <a:avLst>
+                <a:gd name="adj1" fmla="val 50000"/>
+                <a:gd name="adj2" fmla="val 50000"/>
+              </a:avLst>
+            </a:prstGeom>
+            <a:solidFill>
+              <a:srgbClr val="838D90"/>
+            </a:solidFill>
+            <a:ln w="38100">
+              <a:solidFill>
+                <a:schemeClr val="tx1"/>
+              </a:solidFill>
+            </a:ln>
+          </p:spPr>
+          <p:style>
+            <a:lnRef idx="2">
+              <a:schemeClr val="accent1">
+                <a:shade val="50000"/>
+              </a:schemeClr>
+            </a:lnRef>
+            <a:fillRef idx="1">
+              <a:schemeClr val="accent1"/>
+            </a:fillRef>
+            <a:effectRef idx="0">
+              <a:schemeClr val="accent1"/>
+            </a:effectRef>
+            <a:fontRef idx="minor">
+              <a:schemeClr val="lt1"/>
+            </a:fontRef>
+          </p:style>
+          <p:txBody>
+            <a:bodyPr rtlCol="0" anchor="ctr"/>
+            <a:lstStyle/>
+            <a:p>
+              <a:pPr algn="ctr"/>
+              <a:endParaRPr lang="ko-KR" altLang="en-US"/>
+            </a:p>
+          </p:txBody>
+        </p:sp>
+        <p:sp>
+          <p:nvSpPr>
+            <p:cNvPr id="156" name="양쪽 모서리가 잘린 사각형 155"/>
+            <p:cNvSpPr/>
+            <p:nvPr/>
+          </p:nvSpPr>
+          <p:spPr>
+            <a:xfrm>
+              <a:off x="4669248" y="1629565"/>
+              <a:ext cx="500928" cy="245873"/>
+            </a:xfrm>
+            <a:prstGeom prst="snip2SameRect">
+              <a:avLst>
+                <a:gd name="adj1" fmla="val 50000"/>
+                <a:gd name="adj2" fmla="val 50000"/>
+              </a:avLst>
+            </a:prstGeom>
+            <a:solidFill>
+              <a:srgbClr val="838D90"/>
+            </a:solidFill>
+            <a:ln w="38100">
+              <a:solidFill>
+                <a:schemeClr val="tx1"/>
+              </a:solidFill>
+            </a:ln>
+          </p:spPr>
+          <p:style>
+            <a:lnRef idx="2">
+              <a:schemeClr val="accent1">
+                <a:shade val="50000"/>
+              </a:schemeClr>
+            </a:lnRef>
+            <a:fillRef idx="1">
+              <a:schemeClr val="accent1"/>
+            </a:fillRef>
+            <a:effectRef idx="0">
+              <a:schemeClr val="accent1"/>
+            </a:effectRef>
+            <a:fontRef idx="minor">
+              <a:schemeClr val="lt1"/>
+            </a:fontRef>
+          </p:style>
+          <p:txBody>
+            <a:bodyPr rtlCol="0" anchor="ctr"/>
+            <a:lstStyle/>
+            <a:p>
+              <a:pPr algn="ctr"/>
+              <a:endParaRPr lang="ko-KR" altLang="en-US"/>
+            </a:p>
+          </p:txBody>
+        </p:sp>
+        <p:grpSp>
+          <p:nvGrpSpPr>
+            <p:cNvPr id="144" name="그룹 143"/>
+            <p:cNvGrpSpPr/>
+            <p:nvPr/>
+          </p:nvGrpSpPr>
+          <p:grpSpPr>
+            <a:xfrm>
+              <a:off x="4687042" y="895659"/>
+              <a:ext cx="465340" cy="465340"/>
+              <a:chOff x="3096188" y="2262185"/>
+              <a:chExt cx="465340" cy="465340"/>
+            </a:xfrm>
+          </p:grpSpPr>
+          <p:sp>
+            <p:nvSpPr>
+              <p:cNvPr id="145" name="팔각형 144"/>
+              <p:cNvSpPr/>
+              <p:nvPr/>
+            </p:nvSpPr>
+            <p:spPr>
+              <a:xfrm>
+                <a:off x="3096188" y="2262185"/>
+                <a:ext cx="465340" cy="465340"/>
+              </a:xfrm>
+              <a:prstGeom prst="octagon">
+                <a:avLst>
+                  <a:gd name="adj" fmla="val 11945"/>
+                </a:avLst>
+              </a:prstGeom>
+              <a:solidFill>
+                <a:srgbClr val="838D90"/>
+              </a:solidFill>
+              <a:ln w="38100">
+                <a:solidFill>
+                  <a:schemeClr val="tx1"/>
+                </a:solidFill>
+              </a:ln>
+            </p:spPr>
+            <p:style>
+              <a:lnRef idx="2">
+                <a:schemeClr val="accent1">
+                  <a:shade val="50000"/>
+                </a:schemeClr>
+              </a:lnRef>
+              <a:fillRef idx="1">
+                <a:schemeClr val="accent1"/>
+              </a:fillRef>
+              <a:effectRef idx="0">
+                <a:schemeClr val="accent1"/>
+              </a:effectRef>
+              <a:fontRef idx="minor">
+                <a:schemeClr val="lt1"/>
+              </a:fontRef>
+            </p:style>
+            <p:txBody>
+              <a:bodyPr rtlCol="0" anchor="ctr"/>
+              <a:lstStyle/>
+              <a:p>
+                <a:pPr algn="ctr"/>
+                <a:endParaRPr lang="ko-KR" altLang="en-US"/>
+              </a:p>
+            </p:txBody>
+          </p:sp>
+          <p:sp>
+            <p:nvSpPr>
+              <p:cNvPr id="146" name="팔각형 145"/>
+              <p:cNvSpPr/>
+              <p:nvPr/>
+            </p:nvSpPr>
+            <p:spPr>
+              <a:xfrm>
+                <a:off x="3181913" y="2347910"/>
+                <a:ext cx="293890" cy="293890"/>
+              </a:xfrm>
+              <a:prstGeom prst="octagon">
+                <a:avLst>
+                  <a:gd name="adj" fmla="val 11945"/>
+                </a:avLst>
+              </a:prstGeom>
+              <a:solidFill>
+                <a:srgbClr val="6E3232"/>
+              </a:solidFill>
+              <a:ln w="38100">
+                <a:solidFill>
+                  <a:schemeClr val="tx1"/>
+                </a:solidFill>
+              </a:ln>
+            </p:spPr>
+            <p:style>
+              <a:lnRef idx="2">
+                <a:schemeClr val="accent1">
+                  <a:shade val="50000"/>
+                </a:schemeClr>
+              </a:lnRef>
+              <a:fillRef idx="1">
+                <a:schemeClr val="accent1"/>
+              </a:fillRef>
+              <a:effectRef idx="0">
+                <a:schemeClr val="accent1"/>
+              </a:effectRef>
+              <a:fontRef idx="minor">
+                <a:schemeClr val="lt1"/>
+              </a:fontRef>
+            </p:style>
+            <p:txBody>
+              <a:bodyPr rtlCol="0" anchor="ctr"/>
+              <a:lstStyle/>
+              <a:p>
+                <a:pPr algn="ctr"/>
+                <a:endParaRPr lang="ko-KR" altLang="en-US"/>
+              </a:p>
+            </p:txBody>
+          </p:sp>
+        </p:grpSp>
+        <p:sp>
+          <p:nvSpPr>
+            <p:cNvPr id="157" name="양쪽 모서리가 잘린 사각형 156"/>
+            <p:cNvSpPr/>
+            <p:nvPr/>
+          </p:nvSpPr>
+          <p:spPr>
+            <a:xfrm>
+              <a:off x="4790970" y="1692116"/>
+              <a:ext cx="847603" cy="125342"/>
+            </a:xfrm>
+            <a:prstGeom prst="snip2SameRect">
+              <a:avLst>
+                <a:gd name="adj1" fmla="val 50000"/>
+                <a:gd name="adj2" fmla="val 50000"/>
+              </a:avLst>
+            </a:prstGeom>
+            <a:solidFill>
+              <a:srgbClr val="6E3232"/>
+            </a:solidFill>
+            <a:ln w="38100">
+              <a:solidFill>
+                <a:schemeClr val="tx1"/>
+              </a:solidFill>
+            </a:ln>
+          </p:spPr>
+          <p:style>
+            <a:lnRef idx="2">
+              <a:schemeClr val="accent1">
+                <a:shade val="50000"/>
+              </a:schemeClr>
+            </a:lnRef>
+            <a:fillRef idx="1">
+              <a:schemeClr val="accent1"/>
+            </a:fillRef>
+            <a:effectRef idx="0">
+              <a:schemeClr val="accent1"/>
+            </a:effectRef>
+            <a:fontRef idx="minor">
+              <a:schemeClr val="lt1"/>
+            </a:fontRef>
+          </p:style>
+          <p:txBody>
+            <a:bodyPr rtlCol="0" anchor="ctr"/>
+            <a:lstStyle/>
+            <a:p>
+              <a:pPr algn="ctr"/>
+              <a:endParaRPr lang="ko-KR" altLang="en-US"/>
+            </a:p>
+          </p:txBody>
+        </p:sp>
+      </p:grpSp>
+      <p:grpSp>
+        <p:nvGrpSpPr>
+          <p:cNvPr id="10" name="그룹 9"/>
           <p:cNvGrpSpPr/>
           <p:nvPr/>
         </p:nvGrpSpPr>
@@ -12273,156 +12190,6 @@
             </p:txBody>
           </p:sp>
         </p:grpSp>
-        <p:sp>
-          <p:nvSpPr>
-            <p:cNvPr id="189" name="직사각형 188"/>
-            <p:cNvSpPr/>
-            <p:nvPr/>
-          </p:nvSpPr>
-          <p:spPr>
-            <a:xfrm>
-              <a:off x="3284562" y="2736995"/>
-              <a:ext cx="153554" cy="222295"/>
-            </a:xfrm>
-            <a:prstGeom prst="rect">
-              <a:avLst/>
-            </a:prstGeom>
-            <a:solidFill>
-              <a:srgbClr val="838D90"/>
-            </a:solidFill>
-            <a:ln w="38100">
-              <a:solidFill>
-                <a:schemeClr val="tx1"/>
-              </a:solidFill>
-            </a:ln>
-          </p:spPr>
-          <p:style>
-            <a:lnRef idx="2">
-              <a:schemeClr val="accent1">
-                <a:shade val="50000"/>
-              </a:schemeClr>
-            </a:lnRef>
-            <a:fillRef idx="1">
-              <a:schemeClr val="accent1"/>
-            </a:fillRef>
-            <a:effectRef idx="0">
-              <a:schemeClr val="accent1"/>
-            </a:effectRef>
-            <a:fontRef idx="minor">
-              <a:schemeClr val="lt1"/>
-            </a:fontRef>
-          </p:style>
-          <p:txBody>
-            <a:bodyPr rtlCol="0" anchor="ctr"/>
-            <a:lstStyle/>
-            <a:p>
-              <a:pPr algn="ctr"/>
-              <a:endParaRPr lang="ko-KR" altLang="en-US"/>
-            </a:p>
-          </p:txBody>
-        </p:sp>
-        <p:sp>
-          <p:nvSpPr>
-            <p:cNvPr id="190" name="양쪽 모서리가 잘린 사각형 189"/>
-            <p:cNvSpPr/>
-            <p:nvPr/>
-          </p:nvSpPr>
-          <p:spPr>
-            <a:xfrm rot="16200000">
-              <a:off x="3109765" y="2956051"/>
-              <a:ext cx="500928" cy="245873"/>
-            </a:xfrm>
-            <a:prstGeom prst="snip2SameRect">
-              <a:avLst>
-                <a:gd name="adj1" fmla="val 50000"/>
-                <a:gd name="adj2" fmla="val 50000"/>
-              </a:avLst>
-            </a:prstGeom>
-            <a:solidFill>
-              <a:srgbClr val="838D90"/>
-            </a:solidFill>
-            <a:ln w="38100">
-              <a:solidFill>
-                <a:schemeClr val="tx1"/>
-              </a:solidFill>
-            </a:ln>
-          </p:spPr>
-          <p:style>
-            <a:lnRef idx="2">
-              <a:schemeClr val="accent1">
-                <a:shade val="50000"/>
-              </a:schemeClr>
-            </a:lnRef>
-            <a:fillRef idx="1">
-              <a:schemeClr val="accent1"/>
-            </a:fillRef>
-            <a:effectRef idx="0">
-              <a:schemeClr val="accent1"/>
-            </a:effectRef>
-            <a:fontRef idx="minor">
-              <a:schemeClr val="lt1"/>
-            </a:fontRef>
-          </p:style>
-          <p:txBody>
-            <a:bodyPr rtlCol="0" anchor="ctr"/>
-            <a:lstStyle/>
-            <a:p>
-              <a:pPr algn="ctr"/>
-              <a:endParaRPr lang="ko-KR" altLang="en-US"/>
-            </a:p>
-          </p:txBody>
-        </p:sp>
-        <p:sp>
-          <p:nvSpPr>
-            <p:cNvPr id="191" name="양쪽 모서리가 잘린 사각형 190"/>
-            <p:cNvSpPr/>
-            <p:nvPr/>
-          </p:nvSpPr>
-          <p:spPr>
-            <a:xfrm rot="16200000">
-              <a:off x="3234832" y="3017376"/>
-              <a:ext cx="255364" cy="125342"/>
-            </a:xfrm>
-            <a:prstGeom prst="snip2SameRect">
-              <a:avLst>
-                <a:gd name="adj1" fmla="val 50000"/>
-                <a:gd name="adj2" fmla="val 50000"/>
-              </a:avLst>
-            </a:prstGeom>
-            <a:solidFill>
-              <a:srgbClr val="6E3232"/>
-            </a:solidFill>
-            <a:ln w="38100">
-              <a:solidFill>
-                <a:schemeClr val="tx1"/>
-              </a:solidFill>
-            </a:ln>
-          </p:spPr>
-          <p:style>
-            <a:lnRef idx="2">
-              <a:schemeClr val="accent1">
-                <a:shade val="50000"/>
-              </a:schemeClr>
-            </a:lnRef>
-            <a:fillRef idx="1">
-              <a:schemeClr val="accent1"/>
-            </a:fillRef>
-            <a:effectRef idx="0">
-              <a:schemeClr val="accent1"/>
-            </a:effectRef>
-            <a:fontRef idx="minor">
-              <a:schemeClr val="lt1"/>
-            </a:fontRef>
-          </p:style>
-          <p:txBody>
-            <a:bodyPr rtlCol="0" anchor="ctr"/>
-            <a:lstStyle/>
-            <a:p>
-              <a:pPr algn="ctr"/>
-              <a:endParaRPr lang="ko-KR" altLang="en-US"/>
-            </a:p>
-          </p:txBody>
-        </p:sp>
         <p:grpSp>
           <p:nvGrpSpPr>
             <p:cNvPr id="206" name="그룹 205"/>
@@ -12987,78 +12754,231 @@
             </a:p>
           </p:txBody>
         </p:sp>
+        <p:sp>
+          <p:nvSpPr>
+            <p:cNvPr id="9" name="직사각형 8"/>
+            <p:cNvSpPr/>
+            <p:nvPr/>
+          </p:nvSpPr>
+          <p:spPr>
+            <a:xfrm>
+              <a:off x="3086327" y="2747876"/>
+              <a:ext cx="547200" cy="110529"/>
+            </a:xfrm>
+            <a:prstGeom prst="rect">
+              <a:avLst/>
+            </a:prstGeom>
+            <a:solidFill>
+              <a:srgbClr val="6E3232"/>
+            </a:solidFill>
+            <a:ln w="38100">
+              <a:noFill/>
+            </a:ln>
+          </p:spPr>
+          <p:style>
+            <a:lnRef idx="2">
+              <a:schemeClr val="accent1">
+                <a:shade val="50000"/>
+              </a:schemeClr>
+            </a:lnRef>
+            <a:fillRef idx="1">
+              <a:schemeClr val="accent1"/>
+            </a:fillRef>
+            <a:effectRef idx="0">
+              <a:schemeClr val="accent1"/>
+            </a:effectRef>
+            <a:fontRef idx="minor">
+              <a:schemeClr val="lt1"/>
+            </a:fontRef>
+          </p:style>
+          <p:txBody>
+            <a:bodyPr rot="0" spcFirstLastPara="0" vertOverflow="overflow" horzOverflow="overflow" vert="horz" wrap="square" lIns="91440" tIns="45720" rIns="91440" bIns="45720" numCol="1" spcCol="0" rtlCol="0" fromWordArt="0" anchor="ctr" anchorCtr="0" forceAA="0" compatLnSpc="1">
+              <a:prstTxWarp prst="textNoShape">
+                <a:avLst/>
+              </a:prstTxWarp>
+              <a:noAutofit/>
+            </a:bodyPr>
+            <a:lstStyle/>
+            <a:p>
+              <a:pPr algn="ctr"/>
+              <a:endParaRPr lang="ko-KR" altLang="en-US"/>
+            </a:p>
+          </p:txBody>
+        </p:sp>
+        <p:sp>
+          <p:nvSpPr>
+            <p:cNvPr id="189" name="직사각형 188"/>
+            <p:cNvSpPr/>
+            <p:nvPr/>
+          </p:nvSpPr>
+          <p:spPr>
+            <a:xfrm>
+              <a:off x="3284562" y="2736995"/>
+              <a:ext cx="153554" cy="222295"/>
+            </a:xfrm>
+            <a:prstGeom prst="rect">
+              <a:avLst/>
+            </a:prstGeom>
+            <a:solidFill>
+              <a:srgbClr val="838D90"/>
+            </a:solidFill>
+            <a:ln w="38100">
+              <a:solidFill>
+                <a:schemeClr val="tx1"/>
+              </a:solidFill>
+            </a:ln>
+          </p:spPr>
+          <p:style>
+            <a:lnRef idx="2">
+              <a:schemeClr val="accent1">
+                <a:shade val="50000"/>
+              </a:schemeClr>
+            </a:lnRef>
+            <a:fillRef idx="1">
+              <a:schemeClr val="accent1"/>
+            </a:fillRef>
+            <a:effectRef idx="0">
+              <a:schemeClr val="accent1"/>
+            </a:effectRef>
+            <a:fontRef idx="minor">
+              <a:schemeClr val="lt1"/>
+            </a:fontRef>
+          </p:style>
+          <p:txBody>
+            <a:bodyPr rtlCol="0" anchor="ctr"/>
+            <a:lstStyle/>
+            <a:p>
+              <a:pPr algn="ctr"/>
+              <a:endParaRPr lang="ko-KR" altLang="en-US"/>
+            </a:p>
+          </p:txBody>
+        </p:sp>
+        <p:sp>
+          <p:nvSpPr>
+            <p:cNvPr id="190" name="양쪽 모서리가 잘린 사각형 189"/>
+            <p:cNvSpPr/>
+            <p:nvPr/>
+          </p:nvSpPr>
+          <p:spPr>
+            <a:xfrm rot="16200000">
+              <a:off x="3109765" y="2956051"/>
+              <a:ext cx="500928" cy="245873"/>
+            </a:xfrm>
+            <a:prstGeom prst="snip2SameRect">
+              <a:avLst>
+                <a:gd name="adj1" fmla="val 50000"/>
+                <a:gd name="adj2" fmla="val 50000"/>
+              </a:avLst>
+            </a:prstGeom>
+            <a:solidFill>
+              <a:srgbClr val="838D90"/>
+            </a:solidFill>
+            <a:ln w="38100">
+              <a:solidFill>
+                <a:schemeClr val="tx1"/>
+              </a:solidFill>
+            </a:ln>
+          </p:spPr>
+          <p:style>
+            <a:lnRef idx="2">
+              <a:schemeClr val="accent1">
+                <a:shade val="50000"/>
+              </a:schemeClr>
+            </a:lnRef>
+            <a:fillRef idx="1">
+              <a:schemeClr val="accent1"/>
+            </a:fillRef>
+            <a:effectRef idx="0">
+              <a:schemeClr val="accent1"/>
+            </a:effectRef>
+            <a:fontRef idx="minor">
+              <a:schemeClr val="lt1"/>
+            </a:fontRef>
+          </p:style>
+          <p:txBody>
+            <a:bodyPr rtlCol="0" anchor="ctr"/>
+            <a:lstStyle/>
+            <a:p>
+              <a:pPr algn="ctr"/>
+              <a:endParaRPr lang="ko-KR" altLang="en-US"/>
+            </a:p>
+          </p:txBody>
+        </p:sp>
+        <p:sp>
+          <p:nvSpPr>
+            <p:cNvPr id="191" name="양쪽 모서리가 잘린 사각형 190"/>
+            <p:cNvSpPr/>
+            <p:nvPr/>
+          </p:nvSpPr>
+          <p:spPr>
+            <a:xfrm rot="16200000">
+              <a:off x="3234832" y="3017376"/>
+              <a:ext cx="255364" cy="125342"/>
+            </a:xfrm>
+            <a:prstGeom prst="snip2SameRect">
+              <a:avLst>
+                <a:gd name="adj1" fmla="val 50000"/>
+                <a:gd name="adj2" fmla="val 50000"/>
+              </a:avLst>
+            </a:prstGeom>
+            <a:solidFill>
+              <a:srgbClr val="6E3232"/>
+            </a:solidFill>
+            <a:ln w="38100">
+              <a:solidFill>
+                <a:schemeClr val="tx1"/>
+              </a:solidFill>
+            </a:ln>
+          </p:spPr>
+          <p:style>
+            <a:lnRef idx="2">
+              <a:schemeClr val="accent1">
+                <a:shade val="50000"/>
+              </a:schemeClr>
+            </a:lnRef>
+            <a:fillRef idx="1">
+              <a:schemeClr val="accent1"/>
+            </a:fillRef>
+            <a:effectRef idx="0">
+              <a:schemeClr val="accent1"/>
+            </a:effectRef>
+            <a:fontRef idx="minor">
+              <a:schemeClr val="lt1"/>
+            </a:fontRef>
+          </p:style>
+          <p:txBody>
+            <a:bodyPr rtlCol="0" anchor="ctr"/>
+            <a:lstStyle/>
+            <a:p>
+              <a:pPr algn="ctr"/>
+              <a:endParaRPr lang="ko-KR" altLang="en-US"/>
+            </a:p>
+          </p:txBody>
+        </p:sp>
       </p:grpSp>
-      <p:sp>
-        <p:nvSpPr>
-          <p:cNvPr id="2" name="양쪽 모서리가 잘린 사각형 1"/>
-          <p:cNvSpPr/>
-          <p:nvPr/>
-        </p:nvSpPr>
-        <p:spPr>
-          <a:xfrm>
-            <a:off x="4626818" y="819755"/>
-            <a:ext cx="585788" cy="1173600"/>
-          </a:xfrm>
-          <a:prstGeom prst="snip2SameRect">
-            <a:avLst/>
-          </a:prstGeom>
-          <a:solidFill>
-            <a:srgbClr val="6E3232"/>
-          </a:solidFill>
-          <a:ln w="38100">
-            <a:solidFill>
-              <a:schemeClr val="tx1"/>
-            </a:solidFill>
-          </a:ln>
-        </p:spPr>
-        <p:style>
-          <a:lnRef idx="2">
-            <a:schemeClr val="accent1">
-              <a:shade val="50000"/>
-            </a:schemeClr>
-          </a:lnRef>
-          <a:fillRef idx="1">
-            <a:schemeClr val="accent1"/>
-          </a:fillRef>
-          <a:effectRef idx="0">
-            <a:schemeClr val="accent1"/>
-          </a:effectRef>
-          <a:fontRef idx="minor">
-            <a:schemeClr val="lt1"/>
-          </a:fontRef>
-        </p:style>
-        <p:txBody>
-          <a:bodyPr rtlCol="0" anchor="ctr"/>
-          <a:lstStyle/>
-          <a:p>
-            <a:pPr algn="ctr"/>
-            <a:endParaRPr lang="ko-KR" altLang="en-US"/>
-          </a:p>
-        </p:txBody>
-      </p:sp>
       <p:grpSp>
         <p:nvGrpSpPr>
-          <p:cNvPr id="147" name="그룹 146"/>
+          <p:cNvPr id="117" name="그룹 116"/>
           <p:cNvGrpSpPr/>
           <p:nvPr/>
         </p:nvGrpSpPr>
         <p:grpSpPr>
-          <a:xfrm rot="10800000">
-            <a:off x="5217777" y="1507944"/>
-            <a:ext cx="585788" cy="1173600"/>
-            <a:chOff x="5519051" y="1946796"/>
-            <a:chExt cx="585788" cy="1173600"/>
+          <a:xfrm>
+            <a:off x="10425640" y="819755"/>
+            <a:ext cx="1176747" cy="1861789"/>
+            <a:chOff x="4626818" y="819755"/>
+            <a:chExt cx="1176747" cy="1861789"/>
           </a:xfrm>
         </p:grpSpPr>
         <p:sp>
           <p:nvSpPr>
-            <p:cNvPr id="148" name="양쪽 모서리가 잘린 사각형 147"/>
+            <p:cNvPr id="135" name="양쪽 모서리가 잘린 사각형 134"/>
             <p:cNvSpPr/>
             <p:nvPr/>
           </p:nvSpPr>
           <p:spPr>
             <a:xfrm>
-              <a:off x="5519051" y="1946796"/>
+              <a:off x="4626818" y="819755"/>
               <a:ext cx="585788" cy="1173600"/>
             </a:xfrm>
             <a:prstGeom prst="snip2SameRect">
@@ -13100,13 +13020,531 @@
         </p:sp>
         <p:grpSp>
           <p:nvGrpSpPr>
-            <p:cNvPr id="149" name="그룹 148"/>
+            <p:cNvPr id="136" name="그룹 135"/>
+            <p:cNvGrpSpPr/>
+            <p:nvPr/>
+          </p:nvGrpSpPr>
+          <p:grpSpPr>
+            <a:xfrm rot="10800000">
+              <a:off x="5217777" y="1507944"/>
+              <a:ext cx="585788" cy="1173600"/>
+              <a:chOff x="5519051" y="1946796"/>
+              <a:chExt cx="585788" cy="1173600"/>
+            </a:xfrm>
+          </p:grpSpPr>
+          <p:sp>
+            <p:nvSpPr>
+              <p:cNvPr id="165" name="양쪽 모서리가 잘린 사각형 164"/>
+              <p:cNvSpPr/>
+              <p:nvPr/>
+            </p:nvSpPr>
+            <p:spPr>
+              <a:xfrm>
+                <a:off x="5519051" y="1946796"/>
+                <a:ext cx="585788" cy="1173600"/>
+              </a:xfrm>
+              <a:prstGeom prst="snip2SameRect">
+                <a:avLst/>
+              </a:prstGeom>
+              <a:solidFill>
+                <a:srgbClr val="6E3232"/>
+              </a:solidFill>
+              <a:ln w="38100">
+                <a:solidFill>
+                  <a:schemeClr val="tx1"/>
+                </a:solidFill>
+              </a:ln>
+            </p:spPr>
+            <p:style>
+              <a:lnRef idx="2">
+                <a:schemeClr val="accent1">
+                  <a:shade val="50000"/>
+                </a:schemeClr>
+              </a:lnRef>
+              <a:fillRef idx="1">
+                <a:schemeClr val="accent1"/>
+              </a:fillRef>
+              <a:effectRef idx="0">
+                <a:schemeClr val="accent1"/>
+              </a:effectRef>
+              <a:fontRef idx="minor">
+                <a:schemeClr val="lt1"/>
+              </a:fontRef>
+            </p:style>
+            <p:txBody>
+              <a:bodyPr rtlCol="0" anchor="ctr"/>
+              <a:lstStyle/>
+              <a:p>
+                <a:pPr algn="ctr"/>
+                <a:endParaRPr lang="ko-KR" altLang="en-US"/>
+              </a:p>
+            </p:txBody>
+          </p:sp>
+          <p:grpSp>
+            <p:nvGrpSpPr>
+              <p:cNvPr id="166" name="그룹 165"/>
+              <p:cNvGrpSpPr/>
+              <p:nvPr/>
+            </p:nvGrpSpPr>
+            <p:grpSpPr>
+              <a:xfrm>
+                <a:off x="5579275" y="2022700"/>
+                <a:ext cx="465340" cy="465340"/>
+                <a:chOff x="3096188" y="2262185"/>
+                <a:chExt cx="465340" cy="465340"/>
+              </a:xfrm>
+            </p:grpSpPr>
+            <p:sp>
+              <p:nvSpPr>
+                <p:cNvPr id="167" name="팔각형 166"/>
+                <p:cNvSpPr/>
+                <p:nvPr/>
+              </p:nvSpPr>
+              <p:spPr>
+                <a:xfrm>
+                  <a:off x="3096188" y="2262185"/>
+                  <a:ext cx="465340" cy="465340"/>
+                </a:xfrm>
+                <a:prstGeom prst="octagon">
+                  <a:avLst>
+                    <a:gd name="adj" fmla="val 11945"/>
+                  </a:avLst>
+                </a:prstGeom>
+                <a:solidFill>
+                  <a:srgbClr val="838D90"/>
+                </a:solidFill>
+                <a:ln w="38100">
+                  <a:solidFill>
+                    <a:schemeClr val="tx1"/>
+                  </a:solidFill>
+                </a:ln>
+              </p:spPr>
+              <p:style>
+                <a:lnRef idx="2">
+                  <a:schemeClr val="accent1">
+                    <a:shade val="50000"/>
+                  </a:schemeClr>
+                </a:lnRef>
+                <a:fillRef idx="1">
+                  <a:schemeClr val="accent1"/>
+                </a:fillRef>
+                <a:effectRef idx="0">
+                  <a:schemeClr val="accent1"/>
+                </a:effectRef>
+                <a:fontRef idx="minor">
+                  <a:schemeClr val="lt1"/>
+                </a:fontRef>
+              </p:style>
+              <p:txBody>
+                <a:bodyPr rtlCol="0" anchor="ctr"/>
+                <a:lstStyle/>
+                <a:p>
+                  <a:pPr algn="ctr"/>
+                  <a:endParaRPr lang="ko-KR" altLang="en-US"/>
+                </a:p>
+              </p:txBody>
+            </p:sp>
+            <p:sp>
+              <p:nvSpPr>
+                <p:cNvPr id="168" name="팔각형 167"/>
+                <p:cNvSpPr/>
+                <p:nvPr/>
+              </p:nvSpPr>
+              <p:spPr>
+                <a:xfrm>
+                  <a:off x="3181913" y="2347910"/>
+                  <a:ext cx="293890" cy="293890"/>
+                </a:xfrm>
+                <a:prstGeom prst="octagon">
+                  <a:avLst>
+                    <a:gd name="adj" fmla="val 11945"/>
+                  </a:avLst>
+                </a:prstGeom>
+                <a:solidFill>
+                  <a:srgbClr val="6E3232"/>
+                </a:solidFill>
+                <a:ln w="38100">
+                  <a:solidFill>
+                    <a:schemeClr val="tx1"/>
+                  </a:solidFill>
+                </a:ln>
+              </p:spPr>
+              <p:style>
+                <a:lnRef idx="2">
+                  <a:schemeClr val="accent1">
+                    <a:shade val="50000"/>
+                  </a:schemeClr>
+                </a:lnRef>
+                <a:fillRef idx="1">
+                  <a:schemeClr val="accent1"/>
+                </a:fillRef>
+                <a:effectRef idx="0">
+                  <a:schemeClr val="accent1"/>
+                </a:effectRef>
+                <a:fontRef idx="minor">
+                  <a:schemeClr val="lt1"/>
+                </a:fontRef>
+              </p:style>
+              <p:txBody>
+                <a:bodyPr rtlCol="0" anchor="ctr"/>
+                <a:lstStyle/>
+                <a:p>
+                  <a:pPr algn="ctr"/>
+                  <a:endParaRPr lang="ko-KR" altLang="en-US"/>
+                </a:p>
+              </p:txBody>
+            </p:sp>
+          </p:grpSp>
+        </p:grpSp>
+        <p:sp>
+          <p:nvSpPr>
+            <p:cNvPr id="137" name="직사각형 136"/>
+            <p:cNvSpPr/>
+            <p:nvPr/>
+          </p:nvSpPr>
+          <p:spPr>
+            <a:xfrm>
+              <a:off x="4873398" y="1364702"/>
+              <a:ext cx="92628" cy="434113"/>
+            </a:xfrm>
+            <a:prstGeom prst="rect">
+              <a:avLst/>
+            </a:prstGeom>
+            <a:solidFill>
+              <a:srgbClr val="838D90"/>
+            </a:solidFill>
+            <a:ln w="38100">
+              <a:solidFill>
+                <a:schemeClr val="tx1"/>
+              </a:solidFill>
+            </a:ln>
+          </p:spPr>
+          <p:style>
+            <a:lnRef idx="2">
+              <a:schemeClr val="accent1">
+                <a:shade val="50000"/>
+              </a:schemeClr>
+            </a:lnRef>
+            <a:fillRef idx="1">
+              <a:schemeClr val="accent1"/>
+            </a:fillRef>
+            <a:effectRef idx="0">
+              <a:schemeClr val="accent1"/>
+            </a:effectRef>
+            <a:fontRef idx="minor">
+              <a:schemeClr val="lt1"/>
+            </a:fontRef>
+          </p:style>
+          <p:txBody>
+            <a:bodyPr rtlCol="0" anchor="ctr"/>
+            <a:lstStyle/>
+            <a:p>
+              <a:pPr algn="ctr"/>
+              <a:endParaRPr lang="ko-KR" altLang="en-US"/>
+            </a:p>
+          </p:txBody>
+        </p:sp>
+        <p:sp>
+          <p:nvSpPr>
+            <p:cNvPr id="138" name="직사각형 137"/>
+            <p:cNvSpPr/>
+            <p:nvPr/>
+          </p:nvSpPr>
+          <p:spPr>
+            <a:xfrm>
+              <a:off x="5459186" y="1713204"/>
+              <a:ext cx="92628" cy="427096"/>
+            </a:xfrm>
+            <a:prstGeom prst="rect">
+              <a:avLst/>
+            </a:prstGeom>
+            <a:solidFill>
+              <a:srgbClr val="838D90"/>
+            </a:solidFill>
+            <a:ln w="38100">
+              <a:solidFill>
+                <a:schemeClr val="tx1"/>
+              </a:solidFill>
+            </a:ln>
+          </p:spPr>
+          <p:style>
+            <a:lnRef idx="2">
+              <a:schemeClr val="accent1">
+                <a:shade val="50000"/>
+              </a:schemeClr>
+            </a:lnRef>
+            <a:fillRef idx="1">
+              <a:schemeClr val="accent1"/>
+            </a:fillRef>
+            <a:effectRef idx="0">
+              <a:schemeClr val="accent1"/>
+            </a:effectRef>
+            <a:fontRef idx="minor">
+              <a:schemeClr val="lt1"/>
+            </a:fontRef>
+          </p:style>
+          <p:txBody>
+            <a:bodyPr rtlCol="0" anchor="ctr"/>
+            <a:lstStyle/>
+            <a:p>
+              <a:pPr algn="ctr"/>
+              <a:endParaRPr lang="ko-KR" altLang="en-US"/>
+            </a:p>
+          </p:txBody>
+        </p:sp>
+        <p:sp>
+          <p:nvSpPr>
+            <p:cNvPr id="139" name="직사각형 138"/>
+            <p:cNvSpPr/>
+            <p:nvPr/>
+          </p:nvSpPr>
+          <p:spPr>
+            <a:xfrm>
+              <a:off x="5162909" y="1526292"/>
+              <a:ext cx="95250" cy="448161"/>
+            </a:xfrm>
+            <a:prstGeom prst="rect">
+              <a:avLst/>
+            </a:prstGeom>
+            <a:solidFill>
+              <a:srgbClr val="6E3232"/>
+            </a:solidFill>
+            <a:ln w="38100">
+              <a:noFill/>
+            </a:ln>
+          </p:spPr>
+          <p:style>
+            <a:lnRef idx="2">
+              <a:schemeClr val="accent1">
+                <a:shade val="50000"/>
+              </a:schemeClr>
+            </a:lnRef>
+            <a:fillRef idx="1">
+              <a:schemeClr val="accent1"/>
+            </a:fillRef>
+            <a:effectRef idx="0">
+              <a:schemeClr val="accent1"/>
+            </a:effectRef>
+            <a:fontRef idx="minor">
+              <a:schemeClr val="lt1"/>
+            </a:fontRef>
+          </p:style>
+          <p:txBody>
+            <a:bodyPr rtlCol="0" anchor="ctr"/>
+            <a:lstStyle/>
+            <a:p>
+              <a:pPr algn="ctr"/>
+              <a:endParaRPr lang="ko-KR" altLang="en-US"/>
+            </a:p>
+          </p:txBody>
+        </p:sp>
+        <p:sp>
+          <p:nvSpPr>
+            <p:cNvPr id="140" name="직사각형 139"/>
+            <p:cNvSpPr/>
+            <p:nvPr/>
+          </p:nvSpPr>
+          <p:spPr>
+            <a:xfrm rot="5400000">
+              <a:off x="5183730" y="1509505"/>
+              <a:ext cx="57749" cy="678416"/>
+            </a:xfrm>
+            <a:prstGeom prst="rect">
+              <a:avLst/>
+            </a:prstGeom>
+            <a:solidFill>
+              <a:srgbClr val="838D90"/>
+            </a:solidFill>
+            <a:ln w="38100">
+              <a:solidFill>
+                <a:schemeClr val="tx1"/>
+              </a:solidFill>
+            </a:ln>
+          </p:spPr>
+          <p:style>
+            <a:lnRef idx="2">
+              <a:schemeClr val="accent1">
+                <a:shade val="50000"/>
+              </a:schemeClr>
+            </a:lnRef>
+            <a:fillRef idx="1">
+              <a:schemeClr val="accent1"/>
+            </a:fillRef>
+            <a:effectRef idx="0">
+              <a:schemeClr val="accent1"/>
+            </a:effectRef>
+            <a:fontRef idx="minor">
+              <a:schemeClr val="lt1"/>
+            </a:fontRef>
+          </p:style>
+          <p:txBody>
+            <a:bodyPr rtlCol="0" anchor="ctr"/>
+            <a:lstStyle/>
+            <a:p>
+              <a:pPr algn="ctr"/>
+              <a:endParaRPr lang="ko-KR" altLang="en-US"/>
+            </a:p>
+          </p:txBody>
+        </p:sp>
+        <p:sp>
+          <p:nvSpPr>
+            <p:cNvPr id="141" name="직사각형 140"/>
+            <p:cNvSpPr/>
+            <p:nvPr/>
+          </p:nvSpPr>
+          <p:spPr>
+            <a:xfrm rot="5400000">
+              <a:off x="5181602" y="1319524"/>
+              <a:ext cx="62006" cy="678416"/>
+            </a:xfrm>
+            <a:prstGeom prst="rect">
+              <a:avLst/>
+            </a:prstGeom>
+            <a:solidFill>
+              <a:srgbClr val="838D90"/>
+            </a:solidFill>
+            <a:ln w="38100">
+              <a:solidFill>
+                <a:schemeClr val="tx1"/>
+              </a:solidFill>
+            </a:ln>
+          </p:spPr>
+          <p:style>
+            <a:lnRef idx="2">
+              <a:schemeClr val="accent1">
+                <a:shade val="50000"/>
+              </a:schemeClr>
+            </a:lnRef>
+            <a:fillRef idx="1">
+              <a:schemeClr val="accent1"/>
+            </a:fillRef>
+            <a:effectRef idx="0">
+              <a:schemeClr val="accent1"/>
+            </a:effectRef>
+            <a:fontRef idx="minor">
+              <a:schemeClr val="lt1"/>
+            </a:fontRef>
+          </p:style>
+          <p:txBody>
+            <a:bodyPr rtlCol="0" anchor="ctr"/>
+            <a:lstStyle/>
+            <a:p>
+              <a:pPr algn="ctr"/>
+              <a:endParaRPr lang="ko-KR" altLang="en-US"/>
+            </a:p>
+          </p:txBody>
+        </p:sp>
+        <p:sp>
+          <p:nvSpPr>
+            <p:cNvPr id="142" name="양쪽 모서리가 잘린 사각형 141"/>
+            <p:cNvSpPr/>
+            <p:nvPr/>
+          </p:nvSpPr>
+          <p:spPr>
+            <a:xfrm>
+              <a:off x="5261487" y="1629566"/>
+              <a:ext cx="500928" cy="245873"/>
+            </a:xfrm>
+            <a:prstGeom prst="snip2SameRect">
+              <a:avLst>
+                <a:gd name="adj1" fmla="val 50000"/>
+                <a:gd name="adj2" fmla="val 50000"/>
+              </a:avLst>
+            </a:prstGeom>
+            <a:solidFill>
+              <a:srgbClr val="838D90"/>
+            </a:solidFill>
+            <a:ln w="38100">
+              <a:solidFill>
+                <a:schemeClr val="tx1"/>
+              </a:solidFill>
+            </a:ln>
+          </p:spPr>
+          <p:style>
+            <a:lnRef idx="2">
+              <a:schemeClr val="accent1">
+                <a:shade val="50000"/>
+              </a:schemeClr>
+            </a:lnRef>
+            <a:fillRef idx="1">
+              <a:schemeClr val="accent1"/>
+            </a:fillRef>
+            <a:effectRef idx="0">
+              <a:schemeClr val="accent1"/>
+            </a:effectRef>
+            <a:fontRef idx="minor">
+              <a:schemeClr val="lt1"/>
+            </a:fontRef>
+          </p:style>
+          <p:txBody>
+            <a:bodyPr rtlCol="0" anchor="ctr"/>
+            <a:lstStyle/>
+            <a:p>
+              <a:pPr algn="ctr"/>
+              <a:endParaRPr lang="ko-KR" altLang="en-US"/>
+            </a:p>
+          </p:txBody>
+        </p:sp>
+        <p:sp>
+          <p:nvSpPr>
+            <p:cNvPr id="143" name="양쪽 모서리가 잘린 사각형 142"/>
+            <p:cNvSpPr/>
+            <p:nvPr/>
+          </p:nvSpPr>
+          <p:spPr>
+            <a:xfrm>
+              <a:off x="4669248" y="1629565"/>
+              <a:ext cx="500928" cy="245873"/>
+            </a:xfrm>
+            <a:prstGeom prst="snip2SameRect">
+              <a:avLst>
+                <a:gd name="adj1" fmla="val 50000"/>
+                <a:gd name="adj2" fmla="val 50000"/>
+              </a:avLst>
+            </a:prstGeom>
+            <a:solidFill>
+              <a:srgbClr val="838D90"/>
+            </a:solidFill>
+            <a:ln w="38100">
+              <a:solidFill>
+                <a:schemeClr val="tx1"/>
+              </a:solidFill>
+            </a:ln>
+          </p:spPr>
+          <p:style>
+            <a:lnRef idx="2">
+              <a:schemeClr val="accent1">
+                <a:shade val="50000"/>
+              </a:schemeClr>
+            </a:lnRef>
+            <a:fillRef idx="1">
+              <a:schemeClr val="accent1"/>
+            </a:fillRef>
+            <a:effectRef idx="0">
+              <a:schemeClr val="accent1"/>
+            </a:effectRef>
+            <a:fontRef idx="minor">
+              <a:schemeClr val="lt1"/>
+            </a:fontRef>
+          </p:style>
+          <p:txBody>
+            <a:bodyPr rtlCol="0" anchor="ctr"/>
+            <a:lstStyle/>
+            <a:p>
+              <a:pPr algn="ctr"/>
+              <a:endParaRPr lang="ko-KR" altLang="en-US"/>
+            </a:p>
+          </p:txBody>
+        </p:sp>
+        <p:grpSp>
+          <p:nvGrpSpPr>
+            <p:cNvPr id="153" name="그룹 152"/>
             <p:cNvGrpSpPr/>
             <p:nvPr/>
           </p:nvGrpSpPr>
           <p:grpSpPr>
             <a:xfrm>
-              <a:off x="5579275" y="2022700"/>
+              <a:off x="4687042" y="895659"/>
               <a:ext cx="465340" cy="465340"/>
               <a:chOff x="3096188" y="2262185"/>
               <a:chExt cx="465340" cy="465340"/>
@@ -13114,7 +13552,7 @@
           </p:grpSpPr>
           <p:sp>
             <p:nvSpPr>
-              <p:cNvPr id="150" name="팔각형 149"/>
+              <p:cNvPr id="163" name="팔각형 162"/>
               <p:cNvSpPr/>
               <p:nvPr/>
             </p:nvSpPr>
@@ -13164,7 +13602,7 @@
           </p:sp>
           <p:sp>
             <p:nvSpPr>
-              <p:cNvPr id="151" name="팔각형 150"/>
+              <p:cNvPr id="164" name="팔각형 163"/>
               <p:cNvSpPr/>
               <p:nvPr/>
             </p:nvSpPr>
@@ -13213,19 +13651,1160 @@
             </p:txBody>
           </p:sp>
         </p:grpSp>
+        <p:sp>
+          <p:nvSpPr>
+            <p:cNvPr id="161" name="양쪽 모서리가 잘린 사각형 160"/>
+            <p:cNvSpPr/>
+            <p:nvPr/>
+          </p:nvSpPr>
+          <p:spPr>
+            <a:xfrm>
+              <a:off x="4790970" y="1692116"/>
+              <a:ext cx="847603" cy="125342"/>
+            </a:xfrm>
+            <a:prstGeom prst="snip2SameRect">
+              <a:avLst>
+                <a:gd name="adj1" fmla="val 50000"/>
+                <a:gd name="adj2" fmla="val 50000"/>
+              </a:avLst>
+            </a:prstGeom>
+            <a:solidFill>
+              <a:srgbClr val="6E3232"/>
+            </a:solidFill>
+            <a:ln w="38100">
+              <a:solidFill>
+                <a:schemeClr val="tx1"/>
+              </a:solidFill>
+            </a:ln>
+          </p:spPr>
+          <p:style>
+            <a:lnRef idx="2">
+              <a:schemeClr val="accent1">
+                <a:shade val="50000"/>
+              </a:schemeClr>
+            </a:lnRef>
+            <a:fillRef idx="1">
+              <a:schemeClr val="accent1"/>
+            </a:fillRef>
+            <a:effectRef idx="0">
+              <a:schemeClr val="accent1"/>
+            </a:effectRef>
+            <a:fontRef idx="minor">
+              <a:schemeClr val="lt1"/>
+            </a:fontRef>
+          </p:style>
+          <p:txBody>
+            <a:bodyPr rtlCol="0" anchor="ctr"/>
+            <a:lstStyle/>
+            <a:p>
+              <a:pPr algn="ctr"/>
+              <a:endParaRPr lang="ko-KR" altLang="en-US"/>
+            </a:p>
+          </p:txBody>
+        </p:sp>
+      </p:grpSp>
+      <p:grpSp>
+        <p:nvGrpSpPr>
+          <p:cNvPr id="169" name="그룹 168"/>
+          <p:cNvGrpSpPr/>
+          <p:nvPr/>
+        </p:nvGrpSpPr>
+        <p:grpSpPr>
+          <a:xfrm>
+            <a:off x="8866154" y="2194464"/>
+            <a:ext cx="1757364" cy="1177418"/>
+            <a:chOff x="3067332" y="2194464"/>
+            <a:chExt cx="1757364" cy="1177418"/>
+          </a:xfrm>
+        </p:grpSpPr>
+        <p:sp>
+          <p:nvSpPr>
+            <p:cNvPr id="170" name="양쪽 모서리가 잘린 사각형 169"/>
+            <p:cNvSpPr/>
+            <p:nvPr/>
+          </p:nvSpPr>
+          <p:spPr>
+            <a:xfrm rot="5400000">
+              <a:off x="3653120" y="2200306"/>
+              <a:ext cx="585788" cy="1757363"/>
+            </a:xfrm>
+            <a:prstGeom prst="snip2SameRect">
+              <a:avLst/>
+            </a:prstGeom>
+            <a:solidFill>
+              <a:srgbClr val="6E3232"/>
+            </a:solidFill>
+            <a:ln w="38100">
+              <a:solidFill>
+                <a:schemeClr val="tx1"/>
+              </a:solidFill>
+            </a:ln>
+          </p:spPr>
+          <p:style>
+            <a:lnRef idx="2">
+              <a:schemeClr val="accent1">
+                <a:shade val="50000"/>
+              </a:schemeClr>
+            </a:lnRef>
+            <a:fillRef idx="1">
+              <a:schemeClr val="accent1"/>
+            </a:fillRef>
+            <a:effectRef idx="0">
+              <a:schemeClr val="accent1"/>
+            </a:effectRef>
+            <a:fontRef idx="minor">
+              <a:schemeClr val="lt1"/>
+            </a:fontRef>
+          </p:style>
+          <p:txBody>
+            <a:bodyPr rtlCol="0" anchor="ctr"/>
+            <a:lstStyle/>
+            <a:p>
+              <a:pPr algn="ctr"/>
+              <a:endParaRPr lang="ko-KR" altLang="en-US"/>
+            </a:p>
+          </p:txBody>
+        </p:sp>
+        <p:sp>
+          <p:nvSpPr>
+            <p:cNvPr id="171" name="직사각형 170"/>
+            <p:cNvSpPr/>
+            <p:nvPr/>
+          </p:nvSpPr>
+          <p:spPr>
+            <a:xfrm>
+              <a:off x="3483165" y="3113157"/>
+              <a:ext cx="198191" cy="82538"/>
+            </a:xfrm>
+            <a:prstGeom prst="rect">
+              <a:avLst/>
+            </a:prstGeom>
+            <a:solidFill>
+              <a:srgbClr val="838D90"/>
+            </a:solidFill>
+            <a:ln w="38100">
+              <a:solidFill>
+                <a:schemeClr val="tx1"/>
+              </a:solidFill>
+            </a:ln>
+          </p:spPr>
+          <p:style>
+            <a:lnRef idx="2">
+              <a:schemeClr val="accent1">
+                <a:shade val="50000"/>
+              </a:schemeClr>
+            </a:lnRef>
+            <a:fillRef idx="1">
+              <a:schemeClr val="accent1"/>
+            </a:fillRef>
+            <a:effectRef idx="0">
+              <a:schemeClr val="accent1"/>
+            </a:effectRef>
+            <a:fontRef idx="minor">
+              <a:schemeClr val="lt1"/>
+            </a:fontRef>
+          </p:style>
+          <p:txBody>
+            <a:bodyPr rtlCol="0" anchor="ctr"/>
+            <a:lstStyle/>
+            <a:p>
+              <a:pPr algn="ctr"/>
+              <a:endParaRPr lang="ko-KR" altLang="en-US"/>
+            </a:p>
+          </p:txBody>
+        </p:sp>
+        <p:sp>
+          <p:nvSpPr>
+            <p:cNvPr id="172" name="양쪽 모서리가 잘린 사각형 171"/>
+            <p:cNvSpPr/>
+            <p:nvPr/>
+          </p:nvSpPr>
+          <p:spPr>
+            <a:xfrm>
+              <a:off x="3067333" y="2194464"/>
+              <a:ext cx="585788" cy="591628"/>
+            </a:xfrm>
+            <a:prstGeom prst="snip2SameRect">
+              <a:avLst/>
+            </a:prstGeom>
+            <a:solidFill>
+              <a:srgbClr val="6E3232"/>
+            </a:solidFill>
+            <a:ln w="38100">
+              <a:solidFill>
+                <a:schemeClr val="tx1"/>
+              </a:solidFill>
+            </a:ln>
+          </p:spPr>
+          <p:style>
+            <a:lnRef idx="2">
+              <a:schemeClr val="accent1">
+                <a:shade val="50000"/>
+              </a:schemeClr>
+            </a:lnRef>
+            <a:fillRef idx="1">
+              <a:schemeClr val="accent1"/>
+            </a:fillRef>
+            <a:effectRef idx="0">
+              <a:schemeClr val="accent1"/>
+            </a:effectRef>
+            <a:fontRef idx="minor">
+              <a:schemeClr val="lt1"/>
+            </a:fontRef>
+          </p:style>
+          <p:txBody>
+            <a:bodyPr rtlCol="0" anchor="ctr"/>
+            <a:lstStyle/>
+            <a:p>
+              <a:pPr algn="ctr"/>
+              <a:endParaRPr lang="ko-KR" altLang="en-US"/>
+            </a:p>
+          </p:txBody>
+        </p:sp>
+        <p:grpSp>
+          <p:nvGrpSpPr>
+            <p:cNvPr id="173" name="그룹 172"/>
+            <p:cNvGrpSpPr/>
+            <p:nvPr/>
+          </p:nvGrpSpPr>
+          <p:grpSpPr>
+            <a:xfrm>
+              <a:off x="3127557" y="2255370"/>
+              <a:ext cx="465340" cy="465340"/>
+              <a:chOff x="3096188" y="2262185"/>
+              <a:chExt cx="465340" cy="465340"/>
+            </a:xfrm>
+          </p:grpSpPr>
+          <p:sp>
+            <p:nvSpPr>
+              <p:cNvPr id="223" name="팔각형 222"/>
+              <p:cNvSpPr/>
+              <p:nvPr/>
+            </p:nvSpPr>
+            <p:spPr>
+              <a:xfrm>
+                <a:off x="3096188" y="2262185"/>
+                <a:ext cx="465340" cy="465340"/>
+              </a:xfrm>
+              <a:prstGeom prst="octagon">
+                <a:avLst>
+                  <a:gd name="adj" fmla="val 11945"/>
+                </a:avLst>
+              </a:prstGeom>
+              <a:solidFill>
+                <a:srgbClr val="838D90"/>
+              </a:solidFill>
+              <a:ln w="38100">
+                <a:solidFill>
+                  <a:schemeClr val="tx1"/>
+                </a:solidFill>
+              </a:ln>
+            </p:spPr>
+            <p:style>
+              <a:lnRef idx="2">
+                <a:schemeClr val="accent1">
+                  <a:shade val="50000"/>
+                </a:schemeClr>
+              </a:lnRef>
+              <a:fillRef idx="1">
+                <a:schemeClr val="accent1"/>
+              </a:fillRef>
+              <a:effectRef idx="0">
+                <a:schemeClr val="accent1"/>
+              </a:effectRef>
+              <a:fontRef idx="minor">
+                <a:schemeClr val="lt1"/>
+              </a:fontRef>
+            </p:style>
+            <p:txBody>
+              <a:bodyPr rtlCol="0" anchor="ctr"/>
+              <a:lstStyle/>
+              <a:p>
+                <a:pPr algn="ctr"/>
+                <a:endParaRPr lang="ko-KR" altLang="en-US"/>
+              </a:p>
+            </p:txBody>
+          </p:sp>
+          <p:sp>
+            <p:nvSpPr>
+              <p:cNvPr id="224" name="팔각형 223"/>
+              <p:cNvSpPr/>
+              <p:nvPr/>
+            </p:nvSpPr>
+            <p:spPr>
+              <a:xfrm>
+                <a:off x="3181913" y="2347910"/>
+                <a:ext cx="293890" cy="293890"/>
+              </a:xfrm>
+              <a:prstGeom prst="octagon">
+                <a:avLst>
+                  <a:gd name="adj" fmla="val 11945"/>
+                </a:avLst>
+              </a:prstGeom>
+              <a:solidFill>
+                <a:srgbClr val="6E3232"/>
+              </a:solidFill>
+              <a:ln w="38100">
+                <a:solidFill>
+                  <a:schemeClr val="tx1"/>
+                </a:solidFill>
+              </a:ln>
+            </p:spPr>
+            <p:style>
+              <a:lnRef idx="2">
+                <a:schemeClr val="accent1">
+                  <a:shade val="50000"/>
+                </a:schemeClr>
+              </a:lnRef>
+              <a:fillRef idx="1">
+                <a:schemeClr val="accent1"/>
+              </a:fillRef>
+              <a:effectRef idx="0">
+                <a:schemeClr val="accent1"/>
+              </a:effectRef>
+              <a:fontRef idx="minor">
+                <a:schemeClr val="lt1"/>
+              </a:fontRef>
+            </p:style>
+            <p:txBody>
+              <a:bodyPr rtlCol="0" anchor="ctr"/>
+              <a:lstStyle/>
+              <a:p>
+                <a:pPr algn="ctr"/>
+                <a:endParaRPr lang="ko-KR" altLang="en-US"/>
+              </a:p>
+            </p:txBody>
+          </p:sp>
+        </p:grpSp>
+        <p:grpSp>
+          <p:nvGrpSpPr>
+            <p:cNvPr id="174" name="그룹 173"/>
+            <p:cNvGrpSpPr/>
+            <p:nvPr/>
+          </p:nvGrpSpPr>
+          <p:grpSpPr>
+            <a:xfrm>
+              <a:off x="3681357" y="2840245"/>
+              <a:ext cx="465340" cy="477485"/>
+              <a:chOff x="3096188" y="2262185"/>
+              <a:chExt cx="465340" cy="465340"/>
+            </a:xfrm>
+          </p:grpSpPr>
+          <p:sp>
+            <p:nvSpPr>
+              <p:cNvPr id="221" name="팔각형 220"/>
+              <p:cNvSpPr/>
+              <p:nvPr/>
+            </p:nvSpPr>
+            <p:spPr>
+              <a:xfrm>
+                <a:off x="3096188" y="2262185"/>
+                <a:ext cx="465340" cy="465340"/>
+              </a:xfrm>
+              <a:prstGeom prst="octagon">
+                <a:avLst>
+                  <a:gd name="adj" fmla="val 11945"/>
+                </a:avLst>
+              </a:prstGeom>
+              <a:solidFill>
+                <a:srgbClr val="838D90"/>
+              </a:solidFill>
+              <a:ln w="38100">
+                <a:solidFill>
+                  <a:schemeClr val="tx1"/>
+                </a:solidFill>
+              </a:ln>
+            </p:spPr>
+            <p:style>
+              <a:lnRef idx="2">
+                <a:schemeClr val="accent1">
+                  <a:shade val="50000"/>
+                </a:schemeClr>
+              </a:lnRef>
+              <a:fillRef idx="1">
+                <a:schemeClr val="accent1"/>
+              </a:fillRef>
+              <a:effectRef idx="0">
+                <a:schemeClr val="accent1"/>
+              </a:effectRef>
+              <a:fontRef idx="minor">
+                <a:schemeClr val="lt1"/>
+              </a:fontRef>
+            </p:style>
+            <p:txBody>
+              <a:bodyPr rtlCol="0" anchor="ctr"/>
+              <a:lstStyle/>
+              <a:p>
+                <a:pPr algn="ctr"/>
+                <a:endParaRPr lang="ko-KR" altLang="en-US"/>
+              </a:p>
+            </p:txBody>
+          </p:sp>
+          <p:sp>
+            <p:nvSpPr>
+              <p:cNvPr id="222" name="팔각형 221"/>
+              <p:cNvSpPr/>
+              <p:nvPr/>
+            </p:nvSpPr>
+            <p:spPr>
+              <a:xfrm>
+                <a:off x="3181913" y="2347910"/>
+                <a:ext cx="293890" cy="293890"/>
+              </a:xfrm>
+              <a:prstGeom prst="octagon">
+                <a:avLst>
+                  <a:gd name="adj" fmla="val 11945"/>
+                </a:avLst>
+              </a:prstGeom>
+              <a:solidFill>
+                <a:srgbClr val="6E3232"/>
+              </a:solidFill>
+              <a:ln w="38100">
+                <a:solidFill>
+                  <a:schemeClr val="tx1"/>
+                </a:solidFill>
+              </a:ln>
+            </p:spPr>
+            <p:style>
+              <a:lnRef idx="2">
+                <a:schemeClr val="accent1">
+                  <a:shade val="50000"/>
+                </a:schemeClr>
+              </a:lnRef>
+              <a:fillRef idx="1">
+                <a:schemeClr val="accent1"/>
+              </a:fillRef>
+              <a:effectRef idx="0">
+                <a:schemeClr val="accent1"/>
+              </a:effectRef>
+              <a:fontRef idx="minor">
+                <a:schemeClr val="lt1"/>
+              </a:fontRef>
+            </p:style>
+            <p:txBody>
+              <a:bodyPr rtlCol="0" anchor="ctr"/>
+              <a:lstStyle/>
+              <a:p>
+                <a:pPr algn="ctr"/>
+                <a:endParaRPr lang="ko-KR" altLang="en-US"/>
+              </a:p>
+            </p:txBody>
+          </p:sp>
+        </p:grpSp>
+        <p:grpSp>
+          <p:nvGrpSpPr>
+            <p:cNvPr id="175" name="그룹 174"/>
+            <p:cNvGrpSpPr/>
+            <p:nvPr/>
+          </p:nvGrpSpPr>
+          <p:grpSpPr>
+            <a:xfrm>
+              <a:off x="4289042" y="2840245"/>
+              <a:ext cx="465340" cy="477485"/>
+              <a:chOff x="3096188" y="2262185"/>
+              <a:chExt cx="465340" cy="465340"/>
+            </a:xfrm>
+          </p:grpSpPr>
+          <p:sp>
+            <p:nvSpPr>
+              <p:cNvPr id="219" name="팔각형 218"/>
+              <p:cNvSpPr/>
+              <p:nvPr/>
+            </p:nvSpPr>
+            <p:spPr>
+              <a:xfrm>
+                <a:off x="3096188" y="2262185"/>
+                <a:ext cx="465340" cy="465340"/>
+              </a:xfrm>
+              <a:prstGeom prst="octagon">
+                <a:avLst>
+                  <a:gd name="adj" fmla="val 11945"/>
+                </a:avLst>
+              </a:prstGeom>
+              <a:solidFill>
+                <a:srgbClr val="838D90"/>
+              </a:solidFill>
+              <a:ln w="38100">
+                <a:solidFill>
+                  <a:schemeClr val="tx1"/>
+                </a:solidFill>
+              </a:ln>
+            </p:spPr>
+            <p:style>
+              <a:lnRef idx="2">
+                <a:schemeClr val="accent1">
+                  <a:shade val="50000"/>
+                </a:schemeClr>
+              </a:lnRef>
+              <a:fillRef idx="1">
+                <a:schemeClr val="accent1"/>
+              </a:fillRef>
+              <a:effectRef idx="0">
+                <a:schemeClr val="accent1"/>
+              </a:effectRef>
+              <a:fontRef idx="minor">
+                <a:schemeClr val="lt1"/>
+              </a:fontRef>
+            </p:style>
+            <p:txBody>
+              <a:bodyPr rtlCol="0" anchor="ctr"/>
+              <a:lstStyle/>
+              <a:p>
+                <a:pPr algn="ctr"/>
+                <a:endParaRPr lang="ko-KR" altLang="en-US"/>
+              </a:p>
+            </p:txBody>
+          </p:sp>
+          <p:sp>
+            <p:nvSpPr>
+              <p:cNvPr id="220" name="팔각형 219"/>
+              <p:cNvSpPr/>
+              <p:nvPr/>
+            </p:nvSpPr>
+            <p:spPr>
+              <a:xfrm>
+                <a:off x="3181913" y="2347910"/>
+                <a:ext cx="293890" cy="293890"/>
+              </a:xfrm>
+              <a:prstGeom prst="octagon">
+                <a:avLst>
+                  <a:gd name="adj" fmla="val 11945"/>
+                </a:avLst>
+              </a:prstGeom>
+              <a:solidFill>
+                <a:srgbClr val="6E3232"/>
+              </a:solidFill>
+              <a:ln w="38100">
+                <a:solidFill>
+                  <a:schemeClr val="tx1"/>
+                </a:solidFill>
+              </a:ln>
+            </p:spPr>
+            <p:style>
+              <a:lnRef idx="2">
+                <a:schemeClr val="accent1">
+                  <a:shade val="50000"/>
+                </a:schemeClr>
+              </a:lnRef>
+              <a:fillRef idx="1">
+                <a:schemeClr val="accent1"/>
+              </a:fillRef>
+              <a:effectRef idx="0">
+                <a:schemeClr val="accent1"/>
+              </a:effectRef>
+              <a:fontRef idx="minor">
+                <a:schemeClr val="lt1"/>
+              </a:fontRef>
+            </p:style>
+            <p:txBody>
+              <a:bodyPr rtlCol="0" anchor="ctr"/>
+              <a:lstStyle/>
+              <a:p>
+                <a:pPr algn="ctr"/>
+                <a:endParaRPr lang="ko-KR" altLang="en-US"/>
+              </a:p>
+            </p:txBody>
+          </p:sp>
+        </p:grpSp>
+        <p:sp>
+          <p:nvSpPr>
+            <p:cNvPr id="176" name="직사각형 175"/>
+            <p:cNvSpPr/>
+            <p:nvPr/>
+          </p:nvSpPr>
+          <p:spPr>
+            <a:xfrm>
+              <a:off x="4754382" y="3024987"/>
+              <a:ext cx="70314" cy="108000"/>
+            </a:xfrm>
+            <a:prstGeom prst="rect">
+              <a:avLst/>
+            </a:prstGeom>
+            <a:solidFill>
+              <a:srgbClr val="838D90"/>
+            </a:solidFill>
+            <a:ln w="38100">
+              <a:solidFill>
+                <a:schemeClr val="tx1"/>
+              </a:solidFill>
+            </a:ln>
+          </p:spPr>
+          <p:style>
+            <a:lnRef idx="2">
+              <a:schemeClr val="accent1">
+                <a:shade val="50000"/>
+              </a:schemeClr>
+            </a:lnRef>
+            <a:fillRef idx="1">
+              <a:schemeClr val="accent1"/>
+            </a:fillRef>
+            <a:effectRef idx="0">
+              <a:schemeClr val="accent1"/>
+            </a:effectRef>
+            <a:fontRef idx="minor">
+              <a:schemeClr val="lt1"/>
+            </a:fontRef>
+          </p:style>
+          <p:txBody>
+            <a:bodyPr rtlCol="0" anchor="ctr"/>
+            <a:lstStyle/>
+            <a:p>
+              <a:pPr algn="ctr"/>
+              <a:endParaRPr lang="ko-KR" altLang="en-US"/>
+            </a:p>
+          </p:txBody>
+        </p:sp>
+        <p:sp>
+          <p:nvSpPr>
+            <p:cNvPr id="177" name="직사각형 176"/>
+            <p:cNvSpPr/>
+            <p:nvPr/>
+          </p:nvSpPr>
+          <p:spPr>
+            <a:xfrm>
+              <a:off x="4150692" y="2952364"/>
+              <a:ext cx="138349" cy="253246"/>
+            </a:xfrm>
+            <a:prstGeom prst="rect">
+              <a:avLst/>
+            </a:prstGeom>
+            <a:solidFill>
+              <a:srgbClr val="838D90"/>
+            </a:solidFill>
+            <a:ln w="38100">
+              <a:solidFill>
+                <a:schemeClr val="tx1"/>
+              </a:solidFill>
+            </a:ln>
+          </p:spPr>
+          <p:style>
+            <a:lnRef idx="2">
+              <a:schemeClr val="accent1">
+                <a:shade val="50000"/>
+              </a:schemeClr>
+            </a:lnRef>
+            <a:fillRef idx="1">
+              <a:schemeClr val="accent1"/>
+            </a:fillRef>
+            <a:effectRef idx="0">
+              <a:schemeClr val="accent1"/>
+            </a:effectRef>
+            <a:fontRef idx="minor">
+              <a:schemeClr val="lt1"/>
+            </a:fontRef>
+          </p:style>
+          <p:txBody>
+            <a:bodyPr rtlCol="0" anchor="ctr"/>
+            <a:lstStyle/>
+            <a:p>
+              <a:pPr algn="ctr"/>
+              <a:endParaRPr lang="ko-KR" altLang="en-US"/>
+            </a:p>
+          </p:txBody>
+        </p:sp>
+        <p:sp>
+          <p:nvSpPr>
+            <p:cNvPr id="178" name="직사각형 177"/>
+            <p:cNvSpPr/>
+            <p:nvPr/>
+          </p:nvSpPr>
+          <p:spPr>
+            <a:xfrm>
+              <a:off x="4060972" y="3024987"/>
+              <a:ext cx="313796" cy="108000"/>
+            </a:xfrm>
+            <a:prstGeom prst="rect">
+              <a:avLst/>
+            </a:prstGeom>
+            <a:solidFill>
+              <a:srgbClr val="6E3232"/>
+            </a:solidFill>
+            <a:ln w="38100">
+              <a:solidFill>
+                <a:schemeClr val="tx1"/>
+              </a:solidFill>
+            </a:ln>
+          </p:spPr>
+          <p:style>
+            <a:lnRef idx="2">
+              <a:schemeClr val="accent1">
+                <a:shade val="50000"/>
+              </a:schemeClr>
+            </a:lnRef>
+            <a:fillRef idx="1">
+              <a:schemeClr val="accent1"/>
+            </a:fillRef>
+            <a:effectRef idx="0">
+              <a:schemeClr val="accent1"/>
+            </a:effectRef>
+            <a:fontRef idx="minor">
+              <a:schemeClr val="lt1"/>
+            </a:fontRef>
+          </p:style>
+          <p:txBody>
+            <a:bodyPr rtlCol="0" anchor="ctr"/>
+            <a:lstStyle/>
+            <a:p>
+              <a:pPr algn="ctr"/>
+              <a:endParaRPr lang="ko-KR" altLang="en-US"/>
+            </a:p>
+          </p:txBody>
+        </p:sp>
+        <p:sp>
+          <p:nvSpPr>
+            <p:cNvPr id="179" name="직사각형 178"/>
+            <p:cNvSpPr/>
+            <p:nvPr/>
+          </p:nvSpPr>
+          <p:spPr>
+            <a:xfrm>
+              <a:off x="4041958" y="3041351"/>
+              <a:ext cx="352425" cy="75272"/>
+            </a:xfrm>
+            <a:prstGeom prst="rect">
+              <a:avLst/>
+            </a:prstGeom>
+            <a:solidFill>
+              <a:srgbClr val="6E3232"/>
+            </a:solidFill>
+            <a:ln w="38100">
+              <a:noFill/>
+            </a:ln>
+          </p:spPr>
+          <p:style>
+            <a:lnRef idx="2">
+              <a:schemeClr val="accent1">
+                <a:shade val="50000"/>
+              </a:schemeClr>
+            </a:lnRef>
+            <a:fillRef idx="1">
+              <a:schemeClr val="accent1"/>
+            </a:fillRef>
+            <a:effectRef idx="0">
+              <a:schemeClr val="accent1"/>
+            </a:effectRef>
+            <a:fontRef idx="minor">
+              <a:schemeClr val="lt1"/>
+            </a:fontRef>
+          </p:style>
+          <p:txBody>
+            <a:bodyPr rtlCol="0" anchor="ctr"/>
+            <a:lstStyle/>
+            <a:p>
+              <a:pPr algn="ctr"/>
+              <a:endParaRPr lang="ko-KR" altLang="en-US"/>
+            </a:p>
+          </p:txBody>
+        </p:sp>
+        <p:sp>
+          <p:nvSpPr>
+            <p:cNvPr id="180" name="직사각형 179"/>
+            <p:cNvSpPr/>
+            <p:nvPr/>
+          </p:nvSpPr>
+          <p:spPr>
+            <a:xfrm>
+              <a:off x="3483165" y="2959290"/>
+              <a:ext cx="198191" cy="82538"/>
+            </a:xfrm>
+            <a:prstGeom prst="rect">
+              <a:avLst/>
+            </a:prstGeom>
+            <a:solidFill>
+              <a:srgbClr val="838D90"/>
+            </a:solidFill>
+            <a:ln w="38100">
+              <a:solidFill>
+                <a:schemeClr val="tx1"/>
+              </a:solidFill>
+            </a:ln>
+          </p:spPr>
+          <p:style>
+            <a:lnRef idx="2">
+              <a:schemeClr val="accent1">
+                <a:shade val="50000"/>
+              </a:schemeClr>
+            </a:lnRef>
+            <a:fillRef idx="1">
+              <a:schemeClr val="accent1"/>
+            </a:fillRef>
+            <a:effectRef idx="0">
+              <a:schemeClr val="accent1"/>
+            </a:effectRef>
+            <a:fontRef idx="minor">
+              <a:schemeClr val="lt1"/>
+            </a:fontRef>
+          </p:style>
+          <p:txBody>
+            <a:bodyPr rtlCol="0" anchor="ctr"/>
+            <a:lstStyle/>
+            <a:p>
+              <a:pPr algn="ctr"/>
+              <a:endParaRPr lang="ko-KR" altLang="en-US"/>
+            </a:p>
+          </p:txBody>
+        </p:sp>
+        <p:sp>
+          <p:nvSpPr>
+            <p:cNvPr id="181" name="직사각형 180"/>
+            <p:cNvSpPr/>
+            <p:nvPr/>
+          </p:nvSpPr>
+          <p:spPr>
+            <a:xfrm>
+              <a:off x="3069557" y="3113157"/>
+              <a:ext cx="164216" cy="82538"/>
+            </a:xfrm>
+            <a:prstGeom prst="rect">
+              <a:avLst/>
+            </a:prstGeom>
+            <a:solidFill>
+              <a:srgbClr val="838D90"/>
+            </a:solidFill>
+            <a:ln w="38100">
+              <a:solidFill>
+                <a:schemeClr val="tx1"/>
+              </a:solidFill>
+            </a:ln>
+          </p:spPr>
+          <p:style>
+            <a:lnRef idx="2">
+              <a:schemeClr val="accent1">
+                <a:shade val="50000"/>
+              </a:schemeClr>
+            </a:lnRef>
+            <a:fillRef idx="1">
+              <a:schemeClr val="accent1"/>
+            </a:fillRef>
+            <a:effectRef idx="0">
+              <a:schemeClr val="accent1"/>
+            </a:effectRef>
+            <a:fontRef idx="minor">
+              <a:schemeClr val="lt1"/>
+            </a:fontRef>
+          </p:style>
+          <p:txBody>
+            <a:bodyPr rtlCol="0" anchor="ctr"/>
+            <a:lstStyle/>
+            <a:p>
+              <a:pPr algn="ctr"/>
+              <a:endParaRPr lang="ko-KR" altLang="en-US"/>
+            </a:p>
+          </p:txBody>
+        </p:sp>
+        <p:sp>
+          <p:nvSpPr>
+            <p:cNvPr id="182" name="직사각형 181"/>
+            <p:cNvSpPr/>
+            <p:nvPr/>
+          </p:nvSpPr>
+          <p:spPr>
+            <a:xfrm>
+              <a:off x="3069557" y="2959290"/>
+              <a:ext cx="164216" cy="82538"/>
+            </a:xfrm>
+            <a:prstGeom prst="rect">
+              <a:avLst/>
+            </a:prstGeom>
+            <a:solidFill>
+              <a:srgbClr val="838D90"/>
+            </a:solidFill>
+            <a:ln w="38100">
+              <a:solidFill>
+                <a:schemeClr val="tx1"/>
+              </a:solidFill>
+            </a:ln>
+          </p:spPr>
+          <p:style>
+            <a:lnRef idx="2">
+              <a:schemeClr val="accent1">
+                <a:shade val="50000"/>
+              </a:schemeClr>
+            </a:lnRef>
+            <a:fillRef idx="1">
+              <a:schemeClr val="accent1"/>
+            </a:fillRef>
+            <a:effectRef idx="0">
+              <a:schemeClr val="accent1"/>
+            </a:effectRef>
+            <a:fontRef idx="minor">
+              <a:schemeClr val="lt1"/>
+            </a:fontRef>
+          </p:style>
+          <p:txBody>
+            <a:bodyPr rtlCol="0" anchor="ctr"/>
+            <a:lstStyle/>
+            <a:p>
+              <a:pPr algn="ctr"/>
+              <a:endParaRPr lang="ko-KR" altLang="en-US"/>
+            </a:p>
+          </p:txBody>
+        </p:sp>
+        <p:sp>
+          <p:nvSpPr>
+            <p:cNvPr id="183" name="직사각형 182"/>
+            <p:cNvSpPr/>
+            <p:nvPr/>
+          </p:nvSpPr>
+          <p:spPr>
+            <a:xfrm>
+              <a:off x="3086327" y="2747876"/>
+              <a:ext cx="547200" cy="110529"/>
+            </a:xfrm>
+            <a:prstGeom prst="rect">
+              <a:avLst/>
+            </a:prstGeom>
+            <a:solidFill>
+              <a:srgbClr val="6E3232"/>
+            </a:solidFill>
+            <a:ln w="38100">
+              <a:noFill/>
+            </a:ln>
+          </p:spPr>
+          <p:style>
+            <a:lnRef idx="2">
+              <a:schemeClr val="accent1">
+                <a:shade val="50000"/>
+              </a:schemeClr>
+            </a:lnRef>
+            <a:fillRef idx="1">
+              <a:schemeClr val="accent1"/>
+            </a:fillRef>
+            <a:effectRef idx="0">
+              <a:schemeClr val="accent1"/>
+            </a:effectRef>
+            <a:fontRef idx="minor">
+              <a:schemeClr val="lt1"/>
+            </a:fontRef>
+          </p:style>
+          <p:txBody>
+            <a:bodyPr rot="0" spcFirstLastPara="0" vertOverflow="overflow" horzOverflow="overflow" vert="horz" wrap="square" lIns="91440" tIns="45720" rIns="91440" bIns="45720" numCol="1" spcCol="0" rtlCol="0" fromWordArt="0" anchor="ctr" anchorCtr="0" forceAA="0" compatLnSpc="1">
+              <a:prstTxWarp prst="textNoShape">
+                <a:avLst/>
+              </a:prstTxWarp>
+              <a:noAutofit/>
+            </a:bodyPr>
+            <a:lstStyle/>
+            <a:p>
+              <a:pPr algn="ctr"/>
+              <a:endParaRPr lang="ko-KR" altLang="en-US"/>
+            </a:p>
+          </p:txBody>
+        </p:sp>
+        <p:sp>
+          <p:nvSpPr>
+            <p:cNvPr id="188" name="직사각형 187"/>
+            <p:cNvSpPr/>
+            <p:nvPr/>
+          </p:nvSpPr>
+          <p:spPr>
+            <a:xfrm>
+              <a:off x="3284562" y="2736995"/>
+              <a:ext cx="153554" cy="222295"/>
+            </a:xfrm>
+            <a:prstGeom prst="rect">
+              <a:avLst/>
+            </a:prstGeom>
+            <a:solidFill>
+              <a:srgbClr val="838D90"/>
+            </a:solidFill>
+            <a:ln w="38100">
+              <a:solidFill>
+                <a:schemeClr val="tx1"/>
+              </a:solidFill>
+            </a:ln>
+          </p:spPr>
+          <p:style>
+            <a:lnRef idx="2">
+              <a:schemeClr val="accent1">
+                <a:shade val="50000"/>
+              </a:schemeClr>
+            </a:lnRef>
+            <a:fillRef idx="1">
+              <a:schemeClr val="accent1"/>
+            </a:fillRef>
+            <a:effectRef idx="0">
+              <a:schemeClr val="accent1"/>
+            </a:effectRef>
+            <a:fontRef idx="minor">
+              <a:schemeClr val="lt1"/>
+            </a:fontRef>
+          </p:style>
+          <p:txBody>
+            <a:bodyPr rtlCol="0" anchor="ctr"/>
+            <a:lstStyle/>
+            <a:p>
+              <a:pPr algn="ctr"/>
+              <a:endParaRPr lang="ko-KR" altLang="en-US"/>
+            </a:p>
+          </p:txBody>
+        </p:sp>
+        <p:sp>
+          <p:nvSpPr>
+            <p:cNvPr id="192" name="양쪽 모서리가 잘린 사각형 191"/>
+            <p:cNvSpPr/>
+            <p:nvPr/>
+          </p:nvSpPr>
+          <p:spPr>
+            <a:xfrm rot="16200000">
+              <a:off x="3109765" y="2956051"/>
+              <a:ext cx="500928" cy="245873"/>
+            </a:xfrm>
+            <a:prstGeom prst="snip2SameRect">
+              <a:avLst>
+                <a:gd name="adj1" fmla="val 50000"/>
+                <a:gd name="adj2" fmla="val 50000"/>
+              </a:avLst>
+            </a:prstGeom>
+            <a:solidFill>
+              <a:srgbClr val="838D90"/>
+            </a:solidFill>
+            <a:ln w="38100">
+              <a:solidFill>
+                <a:schemeClr val="tx1"/>
+              </a:solidFill>
+            </a:ln>
+          </p:spPr>
+          <p:style>
+            <a:lnRef idx="2">
+              <a:schemeClr val="accent1">
+                <a:shade val="50000"/>
+              </a:schemeClr>
+            </a:lnRef>
+            <a:fillRef idx="1">
+              <a:schemeClr val="accent1"/>
+            </a:fillRef>
+            <a:effectRef idx="0">
+              <a:schemeClr val="accent1"/>
+            </a:effectRef>
+            <a:fontRef idx="minor">
+              <a:schemeClr val="lt1"/>
+            </a:fontRef>
+          </p:style>
+          <p:txBody>
+            <a:bodyPr rtlCol="0" anchor="ctr"/>
+            <a:lstStyle/>
+            <a:p>
+              <a:pPr algn="ctr"/>
+              <a:endParaRPr lang="ko-KR" altLang="en-US"/>
+            </a:p>
+          </p:txBody>
+        </p:sp>
+        <p:sp>
+          <p:nvSpPr>
+            <p:cNvPr id="193" name="양쪽 모서리가 잘린 사각형 192"/>
+            <p:cNvSpPr/>
+            <p:nvPr/>
+          </p:nvSpPr>
+          <p:spPr>
+            <a:xfrm rot="16200000">
+              <a:off x="3234832" y="3017376"/>
+              <a:ext cx="255364" cy="125342"/>
+            </a:xfrm>
+            <a:prstGeom prst="snip2SameRect">
+              <a:avLst>
+                <a:gd name="adj1" fmla="val 50000"/>
+                <a:gd name="adj2" fmla="val 50000"/>
+              </a:avLst>
+            </a:prstGeom>
+            <a:solidFill>
+              <a:srgbClr val="6E3232"/>
+            </a:solidFill>
+            <a:ln w="38100">
+              <a:solidFill>
+                <a:schemeClr val="tx1"/>
+              </a:solidFill>
+            </a:ln>
+          </p:spPr>
+          <p:style>
+            <a:lnRef idx="2">
+              <a:schemeClr val="accent1">
+                <a:shade val="50000"/>
+              </a:schemeClr>
+            </a:lnRef>
+            <a:fillRef idx="1">
+              <a:schemeClr val="accent1"/>
+            </a:fillRef>
+            <a:effectRef idx="0">
+              <a:schemeClr val="accent1"/>
+            </a:effectRef>
+            <a:fontRef idx="minor">
+              <a:schemeClr val="lt1"/>
+            </a:fontRef>
+          </p:style>
+          <p:txBody>
+            <a:bodyPr rtlCol="0" anchor="ctr"/>
+            <a:lstStyle/>
+            <a:p>
+              <a:pPr algn="ctr"/>
+              <a:endParaRPr lang="ko-KR" altLang="en-US"/>
+            </a:p>
+          </p:txBody>
+        </p:sp>
       </p:grpSp>
       <p:sp>
         <p:nvSpPr>
-          <p:cNvPr id="152" name="직사각형 151"/>
+          <p:cNvPr id="225" name="직사각형 224"/>
           <p:cNvSpPr/>
           <p:nvPr/>
         </p:nvSpPr>
         <p:spPr>
           <a:xfrm>
-            <a:off x="4873398" y="1364702"/>
-            <a:ext cx="92628" cy="434113"/>
+            <a:off x="7843923" y="1703680"/>
+            <a:ext cx="60402" cy="547200"/>
           </a:xfrm>
           <a:prstGeom prst="rect">
+            <a:avLst/>
+          </a:prstGeom>
+          <a:solidFill>
+            <a:srgbClr val="6E3232"/>
+          </a:solidFill>
+          <a:ln w="38100">
+            <a:noFill/>
+          </a:ln>
+        </p:spPr>
+        <p:style>
+          <a:lnRef idx="2">
+            <a:schemeClr val="accent1">
+              <a:shade val="50000"/>
+            </a:schemeClr>
+          </a:lnRef>
+          <a:fillRef idx="1">
+            <a:schemeClr val="accent1"/>
+          </a:fillRef>
+          <a:effectRef idx="0">
+            <a:schemeClr val="accent1"/>
+          </a:effectRef>
+          <a:fontRef idx="minor">
+            <a:schemeClr val="lt1"/>
+          </a:fontRef>
+        </p:style>
+        <p:txBody>
+          <a:bodyPr rot="0" spcFirstLastPara="0" vertOverflow="overflow" horzOverflow="overflow" vert="horz" wrap="square" lIns="91440" tIns="45720" rIns="91440" bIns="45720" numCol="1" spcCol="0" rtlCol="0" fromWordArt="0" anchor="ctr" anchorCtr="0" forceAA="0" compatLnSpc="1">
+            <a:prstTxWarp prst="textNoShape">
+              <a:avLst/>
+            </a:prstTxWarp>
+            <a:noAutofit/>
+          </a:bodyPr>
+          <a:lstStyle/>
+          <a:p>
+            <a:pPr algn="ctr"/>
+            <a:endParaRPr lang="ko-KR" altLang="en-US"/>
+          </a:p>
+        </p:txBody>
+      </p:sp>
+      <p:sp>
+        <p:nvSpPr>
+          <p:cNvPr id="226" name="팔각형 225"/>
+          <p:cNvSpPr/>
+          <p:nvPr/>
+        </p:nvSpPr>
+        <p:spPr>
+          <a:xfrm rot="16200000">
+            <a:off x="7353041" y="1754597"/>
+            <a:ext cx="444270" cy="445038"/>
+          </a:xfrm>
+          <a:prstGeom prst="octagon">
             <a:avLst/>
           </a:prstGeom>
           <a:solidFill>
@@ -13264,162 +14843,20 @@
       </p:sp>
       <p:sp>
         <p:nvSpPr>
-          <p:cNvPr id="154" name="직사각형 153"/>
+          <p:cNvPr id="230" name="다이아몬드 229"/>
           <p:cNvSpPr/>
           <p:nvPr/>
         </p:nvSpPr>
         <p:spPr>
-          <a:xfrm>
-            <a:off x="5459186" y="1713204"/>
-            <a:ext cx="92628" cy="427096"/>
+          <a:xfrm rot="16200000">
+            <a:off x="7372696" y="1772454"/>
+            <a:ext cx="408618" cy="409324"/>
           </a:xfrm>
-          <a:prstGeom prst="rect">
-            <a:avLst/>
-          </a:prstGeom>
-          <a:solidFill>
-            <a:srgbClr val="838D90"/>
-          </a:solidFill>
-          <a:ln w="38100">
-            <a:solidFill>
-              <a:schemeClr val="tx1"/>
-            </a:solidFill>
-          </a:ln>
-        </p:spPr>
-        <p:style>
-          <a:lnRef idx="2">
-            <a:schemeClr val="accent1">
-              <a:shade val="50000"/>
-            </a:schemeClr>
-          </a:lnRef>
-          <a:fillRef idx="1">
-            <a:schemeClr val="accent1"/>
-          </a:fillRef>
-          <a:effectRef idx="0">
-            <a:schemeClr val="accent1"/>
-          </a:effectRef>
-          <a:fontRef idx="minor">
-            <a:schemeClr val="lt1"/>
-          </a:fontRef>
-        </p:style>
-        <p:txBody>
-          <a:bodyPr rtlCol="0" anchor="ctr"/>
-          <a:lstStyle/>
-          <a:p>
-            <a:pPr algn="ctr"/>
-            <a:endParaRPr lang="ko-KR" altLang="en-US"/>
-          </a:p>
-        </p:txBody>
-      </p:sp>
-      <p:sp>
-        <p:nvSpPr>
-          <p:cNvPr id="13" name="직사각형 12"/>
-          <p:cNvSpPr/>
-          <p:nvPr/>
-        </p:nvSpPr>
-        <p:spPr>
-          <a:xfrm>
-            <a:off x="5162909" y="1526292"/>
-            <a:ext cx="95250" cy="448161"/>
-          </a:xfrm>
-          <a:prstGeom prst="rect">
+          <a:prstGeom prst="diamond">
             <a:avLst/>
           </a:prstGeom>
           <a:solidFill>
             <a:srgbClr val="6E3232"/>
-          </a:solidFill>
-          <a:ln w="38100">
-            <a:noFill/>
-          </a:ln>
-        </p:spPr>
-        <p:style>
-          <a:lnRef idx="2">
-            <a:schemeClr val="accent1">
-              <a:shade val="50000"/>
-            </a:schemeClr>
-          </a:lnRef>
-          <a:fillRef idx="1">
-            <a:schemeClr val="accent1"/>
-          </a:fillRef>
-          <a:effectRef idx="0">
-            <a:schemeClr val="accent1"/>
-          </a:effectRef>
-          <a:fontRef idx="minor">
-            <a:schemeClr val="lt1"/>
-          </a:fontRef>
-        </p:style>
-        <p:txBody>
-          <a:bodyPr rtlCol="0" anchor="ctr"/>
-          <a:lstStyle/>
-          <a:p>
-            <a:pPr algn="ctr"/>
-            <a:endParaRPr lang="ko-KR" altLang="en-US"/>
-          </a:p>
-        </p:txBody>
-      </p:sp>
-      <p:sp>
-        <p:nvSpPr>
-          <p:cNvPr id="162" name="직사각형 161"/>
-          <p:cNvSpPr/>
-          <p:nvPr/>
-        </p:nvSpPr>
-        <p:spPr>
-          <a:xfrm rot="5400000">
-            <a:off x="5183730" y="1507124"/>
-            <a:ext cx="57749" cy="678416"/>
-          </a:xfrm>
-          <a:prstGeom prst="rect">
-            <a:avLst/>
-          </a:prstGeom>
-          <a:solidFill>
-            <a:srgbClr val="838D90"/>
-          </a:solidFill>
-          <a:ln w="38100">
-            <a:solidFill>
-              <a:schemeClr val="tx1"/>
-            </a:solidFill>
-          </a:ln>
-        </p:spPr>
-        <p:style>
-          <a:lnRef idx="2">
-            <a:schemeClr val="accent1">
-              <a:shade val="50000"/>
-            </a:schemeClr>
-          </a:lnRef>
-          <a:fillRef idx="1">
-            <a:schemeClr val="accent1"/>
-          </a:fillRef>
-          <a:effectRef idx="0">
-            <a:schemeClr val="accent1"/>
-          </a:effectRef>
-          <a:fontRef idx="minor">
-            <a:schemeClr val="lt1"/>
-          </a:fontRef>
-        </p:style>
-        <p:txBody>
-          <a:bodyPr rtlCol="0" anchor="ctr"/>
-          <a:lstStyle/>
-          <a:p>
-            <a:pPr algn="ctr"/>
-            <a:endParaRPr lang="ko-KR" altLang="en-US"/>
-          </a:p>
-        </p:txBody>
-      </p:sp>
-      <p:sp>
-        <p:nvSpPr>
-          <p:cNvPr id="155" name="직사각형 154"/>
-          <p:cNvSpPr/>
-          <p:nvPr/>
-        </p:nvSpPr>
-        <p:spPr>
-          <a:xfrm rot="5400000">
-            <a:off x="5181602" y="1321905"/>
-            <a:ext cx="62006" cy="678416"/>
-          </a:xfrm>
-          <a:prstGeom prst="rect">
-            <a:avLst/>
-          </a:prstGeom>
-          <a:solidFill>
-            <a:srgbClr val="838D90"/>
           </a:solidFill>
           <a:ln w="38100">
             <a:solidFill>
@@ -13454,697 +14891,248 @@
       </p:sp>
       <p:grpSp>
         <p:nvGrpSpPr>
-          <p:cNvPr id="158" name="그룹 157"/>
-          <p:cNvGrpSpPr/>
-          <p:nvPr/>
-        </p:nvGrpSpPr>
-        <p:grpSpPr>
-          <a:xfrm rot="5400000">
-            <a:off x="5389014" y="1502038"/>
-            <a:ext cx="245873" cy="500928"/>
-            <a:chOff x="3389692" y="2980924"/>
-            <a:chExt cx="245873" cy="500928"/>
-          </a:xfrm>
-        </p:grpSpPr>
-        <p:sp>
-          <p:nvSpPr>
-            <p:cNvPr id="159" name="양쪽 모서리가 잘린 사각형 158"/>
-            <p:cNvSpPr/>
-            <p:nvPr/>
-          </p:nvSpPr>
-          <p:spPr>
-            <a:xfrm rot="16200000">
-              <a:off x="3262165" y="3108451"/>
-              <a:ext cx="500928" cy="245873"/>
-            </a:xfrm>
-            <a:prstGeom prst="snip2SameRect">
-              <a:avLst>
-                <a:gd name="adj1" fmla="val 50000"/>
-                <a:gd name="adj2" fmla="val 50000"/>
-              </a:avLst>
-            </a:prstGeom>
-            <a:solidFill>
-              <a:srgbClr val="838D90"/>
-            </a:solidFill>
-            <a:ln w="38100">
-              <a:solidFill>
-                <a:schemeClr val="tx1"/>
-              </a:solidFill>
-            </a:ln>
-          </p:spPr>
-          <p:style>
-            <a:lnRef idx="2">
-              <a:schemeClr val="accent1">
-                <a:shade val="50000"/>
-              </a:schemeClr>
-            </a:lnRef>
-            <a:fillRef idx="1">
-              <a:schemeClr val="accent1"/>
-            </a:fillRef>
-            <a:effectRef idx="0">
-              <a:schemeClr val="accent1"/>
-            </a:effectRef>
-            <a:fontRef idx="minor">
-              <a:schemeClr val="lt1"/>
-            </a:fontRef>
-          </p:style>
-          <p:txBody>
-            <a:bodyPr rtlCol="0" anchor="ctr"/>
-            <a:lstStyle/>
-            <a:p>
-              <a:pPr algn="ctr"/>
-              <a:endParaRPr lang="ko-KR" altLang="en-US"/>
-            </a:p>
-          </p:txBody>
-        </p:sp>
-        <p:sp>
-          <p:nvSpPr>
-            <p:cNvPr id="160" name="양쪽 모서리가 잘린 사각형 159"/>
-            <p:cNvSpPr/>
-            <p:nvPr/>
-          </p:nvSpPr>
-          <p:spPr>
-            <a:xfrm rot="16200000">
-              <a:off x="3387232" y="3169776"/>
-              <a:ext cx="255364" cy="125342"/>
-            </a:xfrm>
-            <a:prstGeom prst="snip2SameRect">
-              <a:avLst>
-                <a:gd name="adj1" fmla="val 50000"/>
-                <a:gd name="adj2" fmla="val 50000"/>
-              </a:avLst>
-            </a:prstGeom>
-            <a:solidFill>
-              <a:srgbClr val="6E3232"/>
-            </a:solidFill>
-            <a:ln w="38100">
-              <a:solidFill>
-                <a:schemeClr val="tx1"/>
-              </a:solidFill>
-            </a:ln>
-          </p:spPr>
-          <p:style>
-            <a:lnRef idx="2">
-              <a:schemeClr val="accent1">
-                <a:shade val="50000"/>
-              </a:schemeClr>
-            </a:lnRef>
-            <a:fillRef idx="1">
-              <a:schemeClr val="accent1"/>
-            </a:fillRef>
-            <a:effectRef idx="0">
-              <a:schemeClr val="accent1"/>
-            </a:effectRef>
-            <a:fontRef idx="minor">
-              <a:schemeClr val="lt1"/>
-            </a:fontRef>
-          </p:style>
-          <p:txBody>
-            <a:bodyPr rtlCol="0" anchor="ctr"/>
-            <a:lstStyle/>
-            <a:p>
-              <a:pPr algn="ctr"/>
-              <a:endParaRPr lang="ko-KR" altLang="en-US"/>
-            </a:p>
-          </p:txBody>
-        </p:sp>
-      </p:grpSp>
-      <p:grpSp>
-        <p:nvGrpSpPr>
-          <p:cNvPr id="12" name="그룹 11"/>
-          <p:cNvGrpSpPr/>
-          <p:nvPr/>
-        </p:nvGrpSpPr>
-        <p:grpSpPr>
-          <a:xfrm rot="5400000">
-            <a:off x="4796775" y="1502037"/>
-            <a:ext cx="245873" cy="500928"/>
-            <a:chOff x="3389692" y="2980924"/>
-            <a:chExt cx="245873" cy="500928"/>
-          </a:xfrm>
-        </p:grpSpPr>
-        <p:sp>
-          <p:nvSpPr>
-            <p:cNvPr id="156" name="양쪽 모서리가 잘린 사각형 155"/>
-            <p:cNvSpPr/>
-            <p:nvPr/>
-          </p:nvSpPr>
-          <p:spPr>
-            <a:xfrm rot="16200000">
-              <a:off x="3262165" y="3108451"/>
-              <a:ext cx="500928" cy="245873"/>
-            </a:xfrm>
-            <a:prstGeom prst="snip2SameRect">
-              <a:avLst>
-                <a:gd name="adj1" fmla="val 50000"/>
-                <a:gd name="adj2" fmla="val 50000"/>
-              </a:avLst>
-            </a:prstGeom>
-            <a:solidFill>
-              <a:srgbClr val="838D90"/>
-            </a:solidFill>
-            <a:ln w="38100">
-              <a:solidFill>
-                <a:schemeClr val="tx1"/>
-              </a:solidFill>
-            </a:ln>
-          </p:spPr>
-          <p:style>
-            <a:lnRef idx="2">
-              <a:schemeClr val="accent1">
-                <a:shade val="50000"/>
-              </a:schemeClr>
-            </a:lnRef>
-            <a:fillRef idx="1">
-              <a:schemeClr val="accent1"/>
-            </a:fillRef>
-            <a:effectRef idx="0">
-              <a:schemeClr val="accent1"/>
-            </a:effectRef>
-            <a:fontRef idx="minor">
-              <a:schemeClr val="lt1"/>
-            </a:fontRef>
-          </p:style>
-          <p:txBody>
-            <a:bodyPr rtlCol="0" anchor="ctr"/>
-            <a:lstStyle/>
-            <a:p>
-              <a:pPr algn="ctr"/>
-              <a:endParaRPr lang="ko-KR" altLang="en-US"/>
-            </a:p>
-          </p:txBody>
-        </p:sp>
-        <p:sp>
-          <p:nvSpPr>
-            <p:cNvPr id="157" name="양쪽 모서리가 잘린 사각형 156"/>
-            <p:cNvSpPr/>
-            <p:nvPr/>
-          </p:nvSpPr>
-          <p:spPr>
-            <a:xfrm rot="16200000">
-              <a:off x="3387232" y="3169776"/>
-              <a:ext cx="255364" cy="125342"/>
-            </a:xfrm>
-            <a:prstGeom prst="snip2SameRect">
-              <a:avLst>
-                <a:gd name="adj1" fmla="val 50000"/>
-                <a:gd name="adj2" fmla="val 50000"/>
-              </a:avLst>
-            </a:prstGeom>
-            <a:solidFill>
-              <a:srgbClr val="6E3232"/>
-            </a:solidFill>
-            <a:ln w="38100">
-              <a:solidFill>
-                <a:schemeClr val="tx1"/>
-              </a:solidFill>
-            </a:ln>
-          </p:spPr>
-          <p:style>
-            <a:lnRef idx="2">
-              <a:schemeClr val="accent1">
-                <a:shade val="50000"/>
-              </a:schemeClr>
-            </a:lnRef>
-            <a:fillRef idx="1">
-              <a:schemeClr val="accent1"/>
-            </a:fillRef>
-            <a:effectRef idx="0">
-              <a:schemeClr val="accent1"/>
-            </a:effectRef>
-            <a:fontRef idx="minor">
-              <a:schemeClr val="lt1"/>
-            </a:fontRef>
-          </p:style>
-          <p:txBody>
-            <a:bodyPr rtlCol="0" anchor="ctr"/>
-            <a:lstStyle/>
-            <a:p>
-              <a:pPr algn="ctr"/>
-              <a:endParaRPr lang="ko-KR" altLang="en-US"/>
-            </a:p>
-          </p:txBody>
-        </p:sp>
-      </p:grpSp>
-      <p:grpSp>
-        <p:nvGrpSpPr>
-          <p:cNvPr id="144" name="그룹 143"/>
+          <p:cNvPr id="18" name="그룹 17"/>
           <p:cNvGrpSpPr/>
           <p:nvPr/>
         </p:nvGrpSpPr>
         <p:grpSpPr>
           <a:xfrm>
-            <a:off x="4687042" y="895659"/>
-            <a:ext cx="465340" cy="465340"/>
-            <a:chOff x="3096188" y="2262185"/>
-            <a:chExt cx="465340" cy="465340"/>
+            <a:off x="7930342" y="1172873"/>
+            <a:ext cx="465340" cy="1613219"/>
+            <a:chOff x="7930342" y="1172873"/>
+            <a:chExt cx="465340" cy="1613219"/>
           </a:xfrm>
         </p:grpSpPr>
-        <p:sp>
-          <p:nvSpPr>
-            <p:cNvPr id="145" name="팔각형 144"/>
-            <p:cNvSpPr/>
-            <p:nvPr/>
-          </p:nvSpPr>
-          <p:spPr>
+        <p:grpSp>
+          <p:nvGrpSpPr>
+            <p:cNvPr id="231" name="그룹 230"/>
+            <p:cNvGrpSpPr/>
+            <p:nvPr/>
+          </p:nvGrpSpPr>
+          <p:grpSpPr>
             <a:xfrm>
-              <a:off x="3096188" y="2262185"/>
+              <a:off x="7930342" y="1172873"/>
               <a:ext cx="465340" cy="465340"/>
-            </a:xfrm>
-            <a:prstGeom prst="octagon">
-              <a:avLst>
-                <a:gd name="adj" fmla="val 11945"/>
-              </a:avLst>
-            </a:prstGeom>
-            <a:solidFill>
-              <a:srgbClr val="838D90"/>
-            </a:solidFill>
-            <a:ln w="38100">
-              <a:solidFill>
-                <a:schemeClr val="tx1"/>
-              </a:solidFill>
-            </a:ln>
-          </p:spPr>
-          <p:style>
-            <a:lnRef idx="2">
-              <a:schemeClr val="accent1">
-                <a:shade val="50000"/>
-              </a:schemeClr>
-            </a:lnRef>
-            <a:fillRef idx="1">
-              <a:schemeClr val="accent1"/>
-            </a:fillRef>
-            <a:effectRef idx="0">
-              <a:schemeClr val="accent1"/>
-            </a:effectRef>
-            <a:fontRef idx="minor">
-              <a:schemeClr val="lt1"/>
-            </a:fontRef>
-          </p:style>
-          <p:txBody>
-            <a:bodyPr rtlCol="0" anchor="ctr"/>
-            <a:lstStyle/>
-            <a:p>
-              <a:pPr algn="ctr"/>
-              <a:endParaRPr lang="ko-KR" altLang="en-US"/>
-            </a:p>
-          </p:txBody>
-        </p:sp>
-        <p:sp>
-          <p:nvSpPr>
-            <p:cNvPr id="146" name="팔각형 145"/>
-            <p:cNvSpPr/>
-            <p:nvPr/>
-          </p:nvSpPr>
-          <p:spPr>
+              <a:chOff x="3096188" y="2262185"/>
+              <a:chExt cx="465340" cy="465340"/>
+            </a:xfrm>
+          </p:grpSpPr>
+          <p:sp>
+            <p:nvSpPr>
+              <p:cNvPr id="232" name="팔각형 231"/>
+              <p:cNvSpPr/>
+              <p:nvPr/>
+            </p:nvSpPr>
+            <p:spPr>
+              <a:xfrm>
+                <a:off x="3096188" y="2262185"/>
+                <a:ext cx="465340" cy="465340"/>
+              </a:xfrm>
+              <a:prstGeom prst="octagon">
+                <a:avLst>
+                  <a:gd name="adj" fmla="val 11945"/>
+                </a:avLst>
+              </a:prstGeom>
+              <a:solidFill>
+                <a:srgbClr val="838D90"/>
+              </a:solidFill>
+              <a:ln w="38100">
+                <a:solidFill>
+                  <a:schemeClr val="tx1"/>
+                </a:solidFill>
+              </a:ln>
+            </p:spPr>
+            <p:style>
+              <a:lnRef idx="2">
+                <a:schemeClr val="accent1">
+                  <a:shade val="50000"/>
+                </a:schemeClr>
+              </a:lnRef>
+              <a:fillRef idx="1">
+                <a:schemeClr val="accent1"/>
+              </a:fillRef>
+              <a:effectRef idx="0">
+                <a:schemeClr val="accent1"/>
+              </a:effectRef>
+              <a:fontRef idx="minor">
+                <a:schemeClr val="lt1"/>
+              </a:fontRef>
+            </p:style>
+            <p:txBody>
+              <a:bodyPr rtlCol="0" anchor="ctr"/>
+              <a:lstStyle/>
+              <a:p>
+                <a:pPr algn="ctr"/>
+                <a:endParaRPr lang="ko-KR" altLang="en-US"/>
+              </a:p>
+            </p:txBody>
+          </p:sp>
+          <p:sp>
+            <p:nvSpPr>
+              <p:cNvPr id="233" name="팔각형 232"/>
+              <p:cNvSpPr/>
+              <p:nvPr/>
+            </p:nvSpPr>
+            <p:spPr>
+              <a:xfrm>
+                <a:off x="3181913" y="2347910"/>
+                <a:ext cx="293890" cy="293890"/>
+              </a:xfrm>
+              <a:prstGeom prst="octagon">
+                <a:avLst>
+                  <a:gd name="adj" fmla="val 11945"/>
+                </a:avLst>
+              </a:prstGeom>
+              <a:solidFill>
+                <a:srgbClr val="6E3232"/>
+              </a:solidFill>
+              <a:ln w="38100">
+                <a:solidFill>
+                  <a:schemeClr val="tx1"/>
+                </a:solidFill>
+              </a:ln>
+            </p:spPr>
+            <p:style>
+              <a:lnRef idx="2">
+                <a:schemeClr val="accent1">
+                  <a:shade val="50000"/>
+                </a:schemeClr>
+              </a:lnRef>
+              <a:fillRef idx="1">
+                <a:schemeClr val="accent1"/>
+              </a:fillRef>
+              <a:effectRef idx="0">
+                <a:schemeClr val="accent1"/>
+              </a:effectRef>
+              <a:fontRef idx="minor">
+                <a:schemeClr val="lt1"/>
+              </a:fontRef>
+            </p:style>
+            <p:txBody>
+              <a:bodyPr rtlCol="0" anchor="ctr"/>
+              <a:lstStyle/>
+              <a:p>
+                <a:pPr algn="ctr"/>
+                <a:endParaRPr lang="ko-KR" altLang="en-US"/>
+              </a:p>
+            </p:txBody>
+          </p:sp>
+        </p:grpSp>
+        <p:grpSp>
+          <p:nvGrpSpPr>
+            <p:cNvPr id="234" name="그룹 233"/>
+            <p:cNvGrpSpPr/>
+            <p:nvPr/>
+          </p:nvGrpSpPr>
+          <p:grpSpPr>
             <a:xfrm>
-              <a:off x="3181913" y="2347910"/>
-              <a:ext cx="293890" cy="293890"/>
-            </a:xfrm>
-            <a:prstGeom prst="octagon">
-              <a:avLst>
-                <a:gd name="adj" fmla="val 11945"/>
-              </a:avLst>
-            </a:prstGeom>
-            <a:solidFill>
-              <a:srgbClr val="6E3232"/>
-            </a:solidFill>
-            <a:ln w="38100">
-              <a:solidFill>
-                <a:schemeClr val="tx1"/>
-              </a:solidFill>
-            </a:ln>
-          </p:spPr>
-          <p:style>
-            <a:lnRef idx="2">
-              <a:schemeClr val="accent1">
-                <a:shade val="50000"/>
-              </a:schemeClr>
-            </a:lnRef>
-            <a:fillRef idx="1">
-              <a:schemeClr val="accent1"/>
-            </a:fillRef>
-            <a:effectRef idx="0">
-              <a:schemeClr val="accent1"/>
-            </a:effectRef>
-            <a:fontRef idx="minor">
-              <a:schemeClr val="lt1"/>
-            </a:fontRef>
-          </p:style>
-          <p:txBody>
-            <a:bodyPr rtlCol="0" anchor="ctr"/>
-            <a:lstStyle/>
-            <a:p>
-              <a:pPr algn="ctr"/>
-              <a:endParaRPr lang="ko-KR" altLang="en-US"/>
-            </a:p>
-          </p:txBody>
-        </p:sp>
-      </p:grpSp>
-      <p:grpSp>
-        <p:nvGrpSpPr>
-          <p:cNvPr id="194" name="그룹 193"/>
-          <p:cNvGrpSpPr/>
-          <p:nvPr/>
-        </p:nvGrpSpPr>
-        <p:grpSpPr>
-          <a:xfrm>
-            <a:off x="6328623" y="883218"/>
-            <a:ext cx="465340" cy="465340"/>
-            <a:chOff x="3096188" y="2262185"/>
-            <a:chExt cx="465340" cy="465340"/>
-          </a:xfrm>
-        </p:grpSpPr>
-        <p:sp>
-          <p:nvSpPr>
-            <p:cNvPr id="195" name="팔각형 194"/>
-            <p:cNvSpPr/>
-            <p:nvPr/>
-          </p:nvSpPr>
-          <p:spPr>
-            <a:xfrm>
-              <a:off x="3096188" y="2262185"/>
+              <a:off x="7930342" y="2320752"/>
               <a:ext cx="465340" cy="465340"/>
-            </a:xfrm>
-            <a:prstGeom prst="octagon">
-              <a:avLst>
-                <a:gd name="adj" fmla="val 11945"/>
-              </a:avLst>
-            </a:prstGeom>
-            <a:solidFill>
-              <a:srgbClr val="838D90"/>
-            </a:solidFill>
-            <a:ln w="38100">
-              <a:solidFill>
-                <a:schemeClr val="tx1"/>
-              </a:solidFill>
-            </a:ln>
-          </p:spPr>
-          <p:style>
-            <a:lnRef idx="2">
-              <a:schemeClr val="accent1">
-                <a:shade val="50000"/>
-              </a:schemeClr>
-            </a:lnRef>
-            <a:fillRef idx="1">
-              <a:schemeClr val="accent1"/>
-            </a:fillRef>
-            <a:effectRef idx="0">
-              <a:schemeClr val="accent1"/>
-            </a:effectRef>
-            <a:fontRef idx="minor">
-              <a:schemeClr val="lt1"/>
-            </a:fontRef>
-          </p:style>
-          <p:txBody>
-            <a:bodyPr rtlCol="0" anchor="ctr"/>
-            <a:lstStyle/>
-            <a:p>
-              <a:pPr algn="ctr"/>
-              <a:endParaRPr lang="ko-KR" altLang="en-US"/>
-            </a:p>
-          </p:txBody>
-        </p:sp>
-        <p:sp>
-          <p:nvSpPr>
-            <p:cNvPr id="196" name="팔각형 195"/>
-            <p:cNvSpPr/>
-            <p:nvPr/>
-          </p:nvSpPr>
-          <p:spPr>
-            <a:xfrm>
-              <a:off x="3181913" y="2347910"/>
-              <a:ext cx="293890" cy="293890"/>
-            </a:xfrm>
-            <a:prstGeom prst="octagon">
-              <a:avLst>
-                <a:gd name="adj" fmla="val 11945"/>
-              </a:avLst>
-            </a:prstGeom>
-            <a:solidFill>
-              <a:srgbClr val="6E3232"/>
-            </a:solidFill>
-            <a:ln w="38100">
-              <a:solidFill>
-                <a:schemeClr val="tx1"/>
-              </a:solidFill>
-            </a:ln>
-          </p:spPr>
-          <p:style>
-            <a:lnRef idx="2">
-              <a:schemeClr val="accent1">
-                <a:shade val="50000"/>
-              </a:schemeClr>
-            </a:lnRef>
-            <a:fillRef idx="1">
-              <a:schemeClr val="accent1"/>
-            </a:fillRef>
-            <a:effectRef idx="0">
-              <a:schemeClr val="accent1"/>
-            </a:effectRef>
-            <a:fontRef idx="minor">
-              <a:schemeClr val="lt1"/>
-            </a:fontRef>
-          </p:style>
-          <p:txBody>
-            <a:bodyPr rtlCol="0" anchor="ctr"/>
-            <a:lstStyle/>
-            <a:p>
-              <a:pPr algn="ctr"/>
-              <a:endParaRPr lang="ko-KR" altLang="en-US"/>
-            </a:p>
-          </p:txBody>
-        </p:sp>
-      </p:grpSp>
-      <p:grpSp>
-        <p:nvGrpSpPr>
-          <p:cNvPr id="197" name="그룹 196"/>
-          <p:cNvGrpSpPr/>
-          <p:nvPr/>
-        </p:nvGrpSpPr>
-        <p:grpSpPr>
-          <a:xfrm>
-            <a:off x="6328623" y="2634985"/>
-            <a:ext cx="465340" cy="465340"/>
-            <a:chOff x="3096188" y="2262185"/>
-            <a:chExt cx="465340" cy="465340"/>
-          </a:xfrm>
-        </p:grpSpPr>
-        <p:sp>
-          <p:nvSpPr>
-            <p:cNvPr id="198" name="팔각형 197"/>
-            <p:cNvSpPr/>
-            <p:nvPr/>
-          </p:nvSpPr>
-          <p:spPr>
-            <a:xfrm>
-              <a:off x="3096188" y="2262185"/>
-              <a:ext cx="465340" cy="465340"/>
-            </a:xfrm>
-            <a:prstGeom prst="octagon">
-              <a:avLst>
-                <a:gd name="adj" fmla="val 11945"/>
-              </a:avLst>
-            </a:prstGeom>
-            <a:solidFill>
-              <a:srgbClr val="838D90"/>
-            </a:solidFill>
-            <a:ln w="38100">
-              <a:solidFill>
-                <a:schemeClr val="tx1"/>
-              </a:solidFill>
-            </a:ln>
-          </p:spPr>
-          <p:style>
-            <a:lnRef idx="2">
-              <a:schemeClr val="accent1">
-                <a:shade val="50000"/>
-              </a:schemeClr>
-            </a:lnRef>
-            <a:fillRef idx="1">
-              <a:schemeClr val="accent1"/>
-            </a:fillRef>
-            <a:effectRef idx="0">
-              <a:schemeClr val="accent1"/>
-            </a:effectRef>
-            <a:fontRef idx="minor">
-              <a:schemeClr val="lt1"/>
-            </a:fontRef>
-          </p:style>
-          <p:txBody>
-            <a:bodyPr rtlCol="0" anchor="ctr"/>
-            <a:lstStyle/>
-            <a:p>
-              <a:pPr algn="ctr"/>
-              <a:endParaRPr lang="ko-KR" altLang="en-US"/>
-            </a:p>
-          </p:txBody>
-        </p:sp>
-        <p:sp>
-          <p:nvSpPr>
-            <p:cNvPr id="199" name="팔각형 198"/>
-            <p:cNvSpPr/>
-            <p:nvPr/>
-          </p:nvSpPr>
-          <p:spPr>
-            <a:xfrm>
-              <a:off x="3181913" y="2347910"/>
-              <a:ext cx="293890" cy="293890"/>
-            </a:xfrm>
-            <a:prstGeom prst="octagon">
-              <a:avLst>
-                <a:gd name="adj" fmla="val 11945"/>
-              </a:avLst>
-            </a:prstGeom>
-            <a:solidFill>
-              <a:srgbClr val="6E3232"/>
-            </a:solidFill>
-            <a:ln w="38100">
-              <a:solidFill>
-                <a:schemeClr val="tx1"/>
-              </a:solidFill>
-            </a:ln>
-          </p:spPr>
-          <p:style>
-            <a:lnRef idx="2">
-              <a:schemeClr val="accent1">
-                <a:shade val="50000"/>
-              </a:schemeClr>
-            </a:lnRef>
-            <a:fillRef idx="1">
-              <a:schemeClr val="accent1"/>
-            </a:fillRef>
-            <a:effectRef idx="0">
-              <a:schemeClr val="accent1"/>
-            </a:effectRef>
-            <a:fontRef idx="minor">
-              <a:schemeClr val="lt1"/>
-            </a:fontRef>
-          </p:style>
-          <p:txBody>
-            <a:bodyPr rtlCol="0" anchor="ctr"/>
-            <a:lstStyle/>
-            <a:p>
-              <a:pPr algn="ctr"/>
-              <a:endParaRPr lang="ko-KR" altLang="en-US"/>
-            </a:p>
-          </p:txBody>
-        </p:sp>
-      </p:grpSp>
-      <p:grpSp>
-        <p:nvGrpSpPr>
-          <p:cNvPr id="200" name="그룹 199"/>
-          <p:cNvGrpSpPr/>
-          <p:nvPr/>
-        </p:nvGrpSpPr>
-        <p:grpSpPr>
-          <a:xfrm>
-            <a:off x="6328623" y="1759102"/>
-            <a:ext cx="465340" cy="465340"/>
-            <a:chOff x="3096188" y="2262185"/>
-            <a:chExt cx="465340" cy="465340"/>
-          </a:xfrm>
-        </p:grpSpPr>
-        <p:sp>
-          <p:nvSpPr>
-            <p:cNvPr id="201" name="팔각형 200"/>
-            <p:cNvSpPr/>
-            <p:nvPr/>
-          </p:nvSpPr>
-          <p:spPr>
-            <a:xfrm>
-              <a:off x="3096188" y="2262185"/>
-              <a:ext cx="465340" cy="465340"/>
-            </a:xfrm>
-            <a:prstGeom prst="octagon">
-              <a:avLst>
-                <a:gd name="adj" fmla="val 11945"/>
-              </a:avLst>
-            </a:prstGeom>
-            <a:solidFill>
-              <a:srgbClr val="838D90"/>
-            </a:solidFill>
-            <a:ln w="38100">
-              <a:solidFill>
-                <a:schemeClr val="tx1"/>
-              </a:solidFill>
-            </a:ln>
-          </p:spPr>
-          <p:style>
-            <a:lnRef idx="2">
-              <a:schemeClr val="accent1">
-                <a:shade val="50000"/>
-              </a:schemeClr>
-            </a:lnRef>
-            <a:fillRef idx="1">
-              <a:schemeClr val="accent1"/>
-            </a:fillRef>
-            <a:effectRef idx="0">
-              <a:schemeClr val="accent1"/>
-            </a:effectRef>
-            <a:fontRef idx="minor">
-              <a:schemeClr val="lt1"/>
-            </a:fontRef>
-          </p:style>
-          <p:txBody>
-            <a:bodyPr rtlCol="0" anchor="ctr"/>
-            <a:lstStyle/>
-            <a:p>
-              <a:pPr algn="ctr"/>
-              <a:endParaRPr lang="ko-KR" altLang="en-US"/>
-            </a:p>
-          </p:txBody>
-        </p:sp>
-        <p:sp>
-          <p:nvSpPr>
-            <p:cNvPr id="202" name="팔각형 201"/>
-            <p:cNvSpPr/>
-            <p:nvPr/>
-          </p:nvSpPr>
-          <p:spPr>
-            <a:xfrm>
-              <a:off x="3181913" y="2347910"/>
-              <a:ext cx="293890" cy="293890"/>
-            </a:xfrm>
-            <a:prstGeom prst="octagon">
-              <a:avLst>
-                <a:gd name="adj" fmla="val 11945"/>
-              </a:avLst>
-            </a:prstGeom>
-            <a:solidFill>
-              <a:srgbClr val="6E3232"/>
-            </a:solidFill>
-            <a:ln w="38100">
-              <a:solidFill>
-                <a:schemeClr val="tx1"/>
-              </a:solidFill>
-            </a:ln>
-          </p:spPr>
-          <p:style>
-            <a:lnRef idx="2">
-              <a:schemeClr val="accent1">
-                <a:shade val="50000"/>
-              </a:schemeClr>
-            </a:lnRef>
-            <a:fillRef idx="1">
-              <a:schemeClr val="accent1"/>
-            </a:fillRef>
-            <a:effectRef idx="0">
-              <a:schemeClr val="accent1"/>
-            </a:effectRef>
-            <a:fontRef idx="minor">
-              <a:schemeClr val="lt1"/>
-            </a:fontRef>
-          </p:style>
-          <p:txBody>
-            <a:bodyPr rtlCol="0" anchor="ctr"/>
-            <a:lstStyle/>
-            <a:p>
-              <a:pPr algn="ctr"/>
-              <a:endParaRPr lang="ko-KR" altLang="en-US"/>
-            </a:p>
-          </p:txBody>
-        </p:sp>
+              <a:chOff x="3096188" y="2262185"/>
+              <a:chExt cx="465340" cy="465340"/>
+            </a:xfrm>
+          </p:grpSpPr>
+          <p:sp>
+            <p:nvSpPr>
+              <p:cNvPr id="235" name="팔각형 234"/>
+              <p:cNvSpPr/>
+              <p:nvPr/>
+            </p:nvSpPr>
+            <p:spPr>
+              <a:xfrm>
+                <a:off x="3096188" y="2262185"/>
+                <a:ext cx="465340" cy="465340"/>
+              </a:xfrm>
+              <a:prstGeom prst="octagon">
+                <a:avLst>
+                  <a:gd name="adj" fmla="val 11945"/>
+                </a:avLst>
+              </a:prstGeom>
+              <a:solidFill>
+                <a:srgbClr val="838D90"/>
+              </a:solidFill>
+              <a:ln w="38100">
+                <a:solidFill>
+                  <a:schemeClr val="tx1"/>
+                </a:solidFill>
+              </a:ln>
+            </p:spPr>
+            <p:style>
+              <a:lnRef idx="2">
+                <a:schemeClr val="accent1">
+                  <a:shade val="50000"/>
+                </a:schemeClr>
+              </a:lnRef>
+              <a:fillRef idx="1">
+                <a:schemeClr val="accent1"/>
+              </a:fillRef>
+              <a:effectRef idx="0">
+                <a:schemeClr val="accent1"/>
+              </a:effectRef>
+              <a:fontRef idx="minor">
+                <a:schemeClr val="lt1"/>
+              </a:fontRef>
+            </p:style>
+            <p:txBody>
+              <a:bodyPr rtlCol="0" anchor="ctr"/>
+              <a:lstStyle/>
+              <a:p>
+                <a:pPr algn="ctr"/>
+                <a:endParaRPr lang="ko-KR" altLang="en-US"/>
+              </a:p>
+            </p:txBody>
+          </p:sp>
+          <p:sp>
+            <p:nvSpPr>
+              <p:cNvPr id="236" name="팔각형 235"/>
+              <p:cNvSpPr/>
+              <p:nvPr/>
+            </p:nvSpPr>
+            <p:spPr>
+              <a:xfrm>
+                <a:off x="3181913" y="2347910"/>
+                <a:ext cx="293890" cy="293890"/>
+              </a:xfrm>
+              <a:prstGeom prst="octagon">
+                <a:avLst>
+                  <a:gd name="adj" fmla="val 11945"/>
+                </a:avLst>
+              </a:prstGeom>
+              <a:solidFill>
+                <a:srgbClr val="6E3232"/>
+              </a:solidFill>
+              <a:ln w="38100">
+                <a:solidFill>
+                  <a:schemeClr val="tx1"/>
+                </a:solidFill>
+              </a:ln>
+            </p:spPr>
+            <p:style>
+              <a:lnRef idx="2">
+                <a:schemeClr val="accent1">
+                  <a:shade val="50000"/>
+                </a:schemeClr>
+              </a:lnRef>
+              <a:fillRef idx="1">
+                <a:schemeClr val="accent1"/>
+              </a:fillRef>
+              <a:effectRef idx="0">
+                <a:schemeClr val="accent1"/>
+              </a:effectRef>
+              <a:fontRef idx="minor">
+                <a:schemeClr val="lt1"/>
+              </a:fontRef>
+            </p:style>
+            <p:txBody>
+              <a:bodyPr rtlCol="0" anchor="ctr"/>
+              <a:lstStyle/>
+              <a:p>
+                <a:pPr algn="ctr"/>
+                <a:endParaRPr lang="ko-KR" altLang="en-US"/>
+              </a:p>
+            </p:txBody>
+          </p:sp>
+        </p:grpSp>
       </p:grpSp>
     </p:spTree>
     <p:extLst>
@@ -14413,6 +15401,9 @@
   <a:objectDefaults>
     <a:spDef>
       <a:spPr>
+        <a:solidFill>
+          <a:srgbClr val="838D90"/>
+        </a:solidFill>
         <a:ln w="38100">
           <a:solidFill>
             <a:schemeClr val="tx1"/>

--- a/이미지 리소스 제작용.pptx
+++ b/이미지 리소스 제작용.pptx
@@ -9756,32 +9756,32 @@
       </p:pic>
       <p:grpSp>
         <p:nvGrpSpPr>
-          <p:cNvPr id="79" name="그룹 78"/>
+          <p:cNvPr id="12" name="그룹 11"/>
           <p:cNvGrpSpPr/>
           <p:nvPr/>
         </p:nvGrpSpPr>
         <p:grpSpPr>
           <a:xfrm>
-            <a:off x="3035964" y="819756"/>
-            <a:ext cx="1173421" cy="1171574"/>
-            <a:chOff x="131763" y="138112"/>
-            <a:chExt cx="1173421" cy="1171574"/>
+            <a:off x="5189169" y="819755"/>
+            <a:ext cx="585788" cy="2343150"/>
+            <a:chOff x="6268399" y="819755"/>
+            <a:chExt cx="585788" cy="2343150"/>
           </a:xfrm>
         </p:grpSpPr>
         <p:sp>
           <p:nvSpPr>
-            <p:cNvPr id="3" name="팔각형 2"/>
+            <p:cNvPr id="16" name="팔각형 15"/>
             <p:cNvSpPr/>
             <p:nvPr/>
           </p:nvSpPr>
           <p:spPr>
             <a:xfrm>
-              <a:off x="131764" y="138114"/>
-              <a:ext cx="1171572" cy="1171572"/>
+              <a:off x="6268399" y="819755"/>
+              <a:ext cx="585788" cy="2343150"/>
             </a:xfrm>
             <a:prstGeom prst="octagon">
               <a:avLst>
-                <a:gd name="adj" fmla="val 11945"/>
+                <a:gd name="adj" fmla="val 12622"/>
               </a:avLst>
             </a:prstGeom>
             <a:solidFill>
@@ -9820,383 +9820,17 @@
         </p:sp>
         <p:sp>
           <p:nvSpPr>
-            <p:cNvPr id="5" name="사다리꼴 4"/>
+            <p:cNvPr id="203" name="직사각형 202"/>
             <p:cNvSpPr/>
             <p:nvPr/>
           </p:nvSpPr>
           <p:spPr>
             <a:xfrm>
-              <a:off x="296069" y="1124843"/>
-              <a:ext cx="842962" cy="184843"/>
+              <a:off x="6499692" y="1348117"/>
+              <a:ext cx="123202" cy="1286427"/>
             </a:xfrm>
-            <a:prstGeom prst="trapezoid">
+            <a:prstGeom prst="rect">
               <a:avLst/>
-            </a:prstGeom>
-            <a:solidFill>
-              <a:srgbClr val="838D90"/>
-            </a:solidFill>
-            <a:ln w="38100">
-              <a:solidFill>
-                <a:schemeClr val="tx1"/>
-              </a:solidFill>
-            </a:ln>
-          </p:spPr>
-          <p:style>
-            <a:lnRef idx="2">
-              <a:schemeClr val="accent1">
-                <a:shade val="50000"/>
-              </a:schemeClr>
-            </a:lnRef>
-            <a:fillRef idx="1">
-              <a:schemeClr val="accent1"/>
-            </a:fillRef>
-            <a:effectRef idx="0">
-              <a:schemeClr val="accent1"/>
-            </a:effectRef>
-            <a:fontRef idx="minor">
-              <a:schemeClr val="lt1"/>
-            </a:fontRef>
-          </p:style>
-          <p:txBody>
-            <a:bodyPr rot="0" spcFirstLastPara="0" vertOverflow="overflow" horzOverflow="overflow" vert="horz" wrap="square" lIns="91440" tIns="45720" rIns="91440" bIns="45720" numCol="1" spcCol="0" rtlCol="0" fromWordArt="0" anchor="ctr" anchorCtr="0" forceAA="0" compatLnSpc="1">
-              <a:prstTxWarp prst="textNoShape">
-                <a:avLst/>
-              </a:prstTxWarp>
-              <a:noAutofit/>
-            </a:bodyPr>
-            <a:lstStyle/>
-            <a:p>
-              <a:pPr algn="ctr"/>
-              <a:endParaRPr lang="ko-KR" altLang="en-US"/>
-            </a:p>
-          </p:txBody>
-        </p:sp>
-        <p:sp>
-          <p:nvSpPr>
-            <p:cNvPr id="28" name="사다리꼴 27"/>
-            <p:cNvSpPr/>
-            <p:nvPr/>
-          </p:nvSpPr>
-          <p:spPr>
-            <a:xfrm rot="10800000">
-              <a:off x="296069" y="138112"/>
-              <a:ext cx="842962" cy="184844"/>
-            </a:xfrm>
-            <a:prstGeom prst="trapezoid">
-              <a:avLst/>
-            </a:prstGeom>
-            <a:solidFill>
-              <a:srgbClr val="838D90"/>
-            </a:solidFill>
-            <a:ln w="38100">
-              <a:solidFill>
-                <a:schemeClr val="tx1"/>
-              </a:solidFill>
-            </a:ln>
-          </p:spPr>
-          <p:style>
-            <a:lnRef idx="2">
-              <a:schemeClr val="accent1">
-                <a:shade val="50000"/>
-              </a:schemeClr>
-            </a:lnRef>
-            <a:fillRef idx="1">
-              <a:schemeClr val="accent1"/>
-            </a:fillRef>
-            <a:effectRef idx="0">
-              <a:schemeClr val="accent1"/>
-            </a:effectRef>
-            <a:fontRef idx="minor">
-              <a:schemeClr val="lt1"/>
-            </a:fontRef>
-          </p:style>
-          <p:txBody>
-            <a:bodyPr rot="0" spcFirstLastPara="0" vertOverflow="overflow" horzOverflow="overflow" vert="horz" wrap="square" lIns="91440" tIns="45720" rIns="91440" bIns="45720" numCol="1" spcCol="0" rtlCol="0" fromWordArt="0" anchor="ctr" anchorCtr="0" forceAA="0" compatLnSpc="1">
-              <a:prstTxWarp prst="textNoShape">
-                <a:avLst/>
-              </a:prstTxWarp>
-              <a:noAutofit/>
-            </a:bodyPr>
-            <a:lstStyle/>
-            <a:p>
-              <a:pPr algn="ctr"/>
-              <a:endParaRPr lang="ko-KR" altLang="en-US"/>
-            </a:p>
-          </p:txBody>
-        </p:sp>
-        <p:sp>
-          <p:nvSpPr>
-            <p:cNvPr id="37" name="사다리꼴 36"/>
-            <p:cNvSpPr/>
-            <p:nvPr/>
-          </p:nvSpPr>
-          <p:spPr>
-            <a:xfrm rot="5400000">
-              <a:off x="-197296" y="631478"/>
-              <a:ext cx="842962" cy="184843"/>
-            </a:xfrm>
-            <a:prstGeom prst="trapezoid">
-              <a:avLst/>
-            </a:prstGeom>
-            <a:solidFill>
-              <a:srgbClr val="838D90"/>
-            </a:solidFill>
-            <a:ln w="38100">
-              <a:solidFill>
-                <a:schemeClr val="tx1"/>
-              </a:solidFill>
-            </a:ln>
-          </p:spPr>
-          <p:style>
-            <a:lnRef idx="2">
-              <a:schemeClr val="accent1">
-                <a:shade val="50000"/>
-              </a:schemeClr>
-            </a:lnRef>
-            <a:fillRef idx="1">
-              <a:schemeClr val="accent1"/>
-            </a:fillRef>
-            <a:effectRef idx="0">
-              <a:schemeClr val="accent1"/>
-            </a:effectRef>
-            <a:fontRef idx="minor">
-              <a:schemeClr val="lt1"/>
-            </a:fontRef>
-          </p:style>
-          <p:txBody>
-            <a:bodyPr rot="0" spcFirstLastPara="0" vertOverflow="overflow" horzOverflow="overflow" vert="horz" wrap="square" lIns="91440" tIns="45720" rIns="91440" bIns="45720" numCol="1" spcCol="0" rtlCol="0" fromWordArt="0" anchor="ctr" anchorCtr="0" forceAA="0" compatLnSpc="1">
-              <a:prstTxWarp prst="textNoShape">
-                <a:avLst/>
-              </a:prstTxWarp>
-              <a:noAutofit/>
-            </a:bodyPr>
-            <a:lstStyle/>
-            <a:p>
-              <a:pPr algn="ctr"/>
-              <a:endParaRPr lang="ko-KR" altLang="en-US"/>
-            </a:p>
-          </p:txBody>
-        </p:sp>
-        <p:sp>
-          <p:nvSpPr>
-            <p:cNvPr id="38" name="사다리꼴 37"/>
-            <p:cNvSpPr/>
-            <p:nvPr/>
-          </p:nvSpPr>
-          <p:spPr>
-            <a:xfrm rot="16200000">
-              <a:off x="789436" y="631479"/>
-              <a:ext cx="842962" cy="184842"/>
-            </a:xfrm>
-            <a:prstGeom prst="trapezoid">
-              <a:avLst/>
-            </a:prstGeom>
-            <a:solidFill>
-              <a:srgbClr val="838D90"/>
-            </a:solidFill>
-            <a:ln w="38100">
-              <a:solidFill>
-                <a:schemeClr val="tx1"/>
-              </a:solidFill>
-            </a:ln>
-          </p:spPr>
-          <p:style>
-            <a:lnRef idx="2">
-              <a:schemeClr val="accent1">
-                <a:shade val="50000"/>
-              </a:schemeClr>
-            </a:lnRef>
-            <a:fillRef idx="1">
-              <a:schemeClr val="accent1"/>
-            </a:fillRef>
-            <a:effectRef idx="0">
-              <a:schemeClr val="accent1"/>
-            </a:effectRef>
-            <a:fontRef idx="minor">
-              <a:schemeClr val="lt1"/>
-            </a:fontRef>
-          </p:style>
-          <p:txBody>
-            <a:bodyPr rot="0" spcFirstLastPara="0" vertOverflow="overflow" horzOverflow="overflow" vert="horz" wrap="square" lIns="91440" tIns="45720" rIns="91440" bIns="45720" numCol="1" spcCol="0" rtlCol="0" fromWordArt="0" anchor="ctr" anchorCtr="0" forceAA="0" compatLnSpc="1">
-              <a:prstTxWarp prst="textNoShape">
-                <a:avLst/>
-              </a:prstTxWarp>
-              <a:noAutofit/>
-            </a:bodyPr>
-            <a:lstStyle/>
-            <a:p>
-              <a:pPr algn="ctr"/>
-              <a:endParaRPr lang="ko-KR" altLang="en-US"/>
-            </a:p>
-          </p:txBody>
-        </p:sp>
-        <p:cxnSp>
-          <p:nvCxnSpPr>
-            <p:cNvPr id="7" name="직선 연결선 6"/>
-            <p:cNvCxnSpPr>
-              <a:stCxn id="28" idx="3"/>
-              <a:endCxn id="37" idx="1"/>
-            </p:cNvCxnSpPr>
-            <p:nvPr/>
-          </p:nvCxnSpPr>
-          <p:spPr>
-            <a:xfrm flipH="1">
-              <a:off x="224185" y="230534"/>
-              <a:ext cx="94989" cy="94990"/>
-            </a:xfrm>
-            <a:prstGeom prst="line">
-              <a:avLst/>
-            </a:prstGeom>
-            <a:ln w="38100">
-              <a:solidFill>
-                <a:schemeClr val="tx1"/>
-              </a:solidFill>
-            </a:ln>
-          </p:spPr>
-          <p:style>
-            <a:lnRef idx="1">
-              <a:schemeClr val="accent1"/>
-            </a:lnRef>
-            <a:fillRef idx="0">
-              <a:schemeClr val="accent1"/>
-            </a:fillRef>
-            <a:effectRef idx="0">
-              <a:schemeClr val="accent1"/>
-            </a:effectRef>
-            <a:fontRef idx="minor">
-              <a:schemeClr val="tx1"/>
-            </a:fontRef>
-          </p:style>
-        </p:cxnSp>
-        <p:cxnSp>
-          <p:nvCxnSpPr>
-            <p:cNvPr id="39" name="직선 연결선 38"/>
-            <p:cNvCxnSpPr>
-              <a:stCxn id="5" idx="1"/>
-              <a:endCxn id="37" idx="3"/>
-            </p:cNvCxnSpPr>
-            <p:nvPr/>
-          </p:nvCxnSpPr>
-          <p:spPr>
-            <a:xfrm flipH="1" flipV="1">
-              <a:off x="224185" y="1122276"/>
-              <a:ext cx="94989" cy="94989"/>
-            </a:xfrm>
-            <a:prstGeom prst="line">
-              <a:avLst/>
-            </a:prstGeom>
-            <a:ln w="38100">
-              <a:solidFill>
-                <a:schemeClr val="tx1"/>
-              </a:solidFill>
-            </a:ln>
-          </p:spPr>
-          <p:style>
-            <a:lnRef idx="1">
-              <a:schemeClr val="accent1"/>
-            </a:lnRef>
-            <a:fillRef idx="0">
-              <a:schemeClr val="accent1"/>
-            </a:fillRef>
-            <a:effectRef idx="0">
-              <a:schemeClr val="accent1"/>
-            </a:effectRef>
-            <a:fontRef idx="minor">
-              <a:schemeClr val="tx1"/>
-            </a:fontRef>
-          </p:style>
-        </p:cxnSp>
-        <p:cxnSp>
-          <p:nvCxnSpPr>
-            <p:cNvPr id="40" name="직선 연결선 39"/>
-            <p:cNvCxnSpPr>
-              <a:stCxn id="38" idx="1"/>
-              <a:endCxn id="5" idx="3"/>
-            </p:cNvCxnSpPr>
-            <p:nvPr/>
-          </p:nvCxnSpPr>
-          <p:spPr>
-            <a:xfrm flipH="1">
-              <a:off x="1115926" y="1122276"/>
-              <a:ext cx="94991" cy="94989"/>
-            </a:xfrm>
-            <a:prstGeom prst="line">
-              <a:avLst/>
-            </a:prstGeom>
-            <a:ln w="38100">
-              <a:solidFill>
-                <a:schemeClr val="tx1"/>
-              </a:solidFill>
-            </a:ln>
-          </p:spPr>
-          <p:style>
-            <a:lnRef idx="1">
-              <a:schemeClr val="accent1"/>
-            </a:lnRef>
-            <a:fillRef idx="0">
-              <a:schemeClr val="accent1"/>
-            </a:fillRef>
-            <a:effectRef idx="0">
-              <a:schemeClr val="accent1"/>
-            </a:effectRef>
-            <a:fontRef idx="minor">
-              <a:schemeClr val="tx1"/>
-            </a:fontRef>
-          </p:style>
-        </p:cxnSp>
-        <p:cxnSp>
-          <p:nvCxnSpPr>
-            <p:cNvPr id="41" name="직선 연결선 40"/>
-            <p:cNvCxnSpPr>
-              <a:stCxn id="38" idx="3"/>
-              <a:endCxn id="28" idx="1"/>
-            </p:cNvCxnSpPr>
-            <p:nvPr/>
-          </p:nvCxnSpPr>
-          <p:spPr>
-            <a:xfrm flipH="1" flipV="1">
-              <a:off x="1115925" y="230534"/>
-              <a:ext cx="94992" cy="94990"/>
-            </a:xfrm>
-            <a:prstGeom prst="line">
-              <a:avLst/>
-            </a:prstGeom>
-            <a:ln w="38100">
-              <a:solidFill>
-                <a:schemeClr val="tx1"/>
-              </a:solidFill>
-            </a:ln>
-          </p:spPr>
-          <p:style>
-            <a:lnRef idx="1">
-              <a:schemeClr val="accent1"/>
-            </a:lnRef>
-            <a:fillRef idx="0">
-              <a:schemeClr val="accent1"/>
-            </a:fillRef>
-            <a:effectRef idx="0">
-              <a:schemeClr val="accent1"/>
-            </a:effectRef>
-            <a:fontRef idx="minor">
-              <a:schemeClr val="tx1"/>
-            </a:fontRef>
-          </p:style>
-        </p:cxnSp>
-        <p:sp>
-          <p:nvSpPr>
-            <p:cNvPr id="51" name="팔각형 50"/>
-            <p:cNvSpPr/>
-            <p:nvPr/>
-          </p:nvSpPr>
-          <p:spPr>
-            <a:xfrm>
-              <a:off x="409027" y="415377"/>
-              <a:ext cx="617046" cy="617046"/>
-            </a:xfrm>
-            <a:prstGeom prst="octagon">
-              <a:avLst>
-                <a:gd name="adj" fmla="val 11945"/>
-              </a:avLst>
             </a:prstGeom>
             <a:solidFill>
               <a:srgbClr val="838D90"/>
@@ -10232,943 +9866,466 @@
             </a:p>
           </p:txBody>
         </p:sp>
-        <p:sp>
-          <p:nvSpPr>
-            <p:cNvPr id="50" name="타원 49"/>
-            <p:cNvSpPr/>
+        <p:grpSp>
+          <p:nvGrpSpPr>
+            <p:cNvPr id="194" name="그룹 193"/>
+            <p:cNvGrpSpPr/>
             <p:nvPr/>
-          </p:nvSpPr>
-          <p:spPr>
+          </p:nvGrpSpPr>
+          <p:grpSpPr>
             <a:xfrm>
-              <a:off x="531812" y="538162"/>
-              <a:ext cx="371476" cy="371476"/>
+              <a:off x="6328623" y="883218"/>
+              <a:ext cx="465340" cy="465340"/>
+              <a:chOff x="3096188" y="2262185"/>
+              <a:chExt cx="465340" cy="465340"/>
             </a:xfrm>
-            <a:prstGeom prst="ellipse">
-              <a:avLst/>
-            </a:prstGeom>
-            <a:solidFill>
-              <a:srgbClr val="6E3232"/>
-            </a:solidFill>
-            <a:ln w="38100">
-              <a:solidFill>
-                <a:schemeClr val="tx1"/>
-              </a:solidFill>
-            </a:ln>
-          </p:spPr>
-          <p:style>
-            <a:lnRef idx="2">
-              <a:schemeClr val="accent1">
-                <a:shade val="50000"/>
-              </a:schemeClr>
-            </a:lnRef>
-            <a:fillRef idx="1">
-              <a:schemeClr val="accent1"/>
-            </a:fillRef>
-            <a:effectRef idx="0">
-              <a:schemeClr val="accent1"/>
-            </a:effectRef>
-            <a:fontRef idx="minor">
-              <a:schemeClr val="lt1"/>
-            </a:fontRef>
-          </p:style>
-          <p:txBody>
-            <a:bodyPr rot="0" spcFirstLastPara="0" vertOverflow="overflow" horzOverflow="overflow" vert="horz" wrap="square" lIns="91440" tIns="45720" rIns="91440" bIns="45720" numCol="1" spcCol="0" rtlCol="0" fromWordArt="0" anchor="ctr" anchorCtr="0" forceAA="0" compatLnSpc="1">
-              <a:prstTxWarp prst="textNoShape">
-                <a:avLst/>
-              </a:prstTxWarp>
-              <a:noAutofit/>
-            </a:bodyPr>
-            <a:lstStyle/>
-            <a:p>
-              <a:pPr algn="ctr"/>
-              <a:endParaRPr lang="ko-KR" altLang="en-US"/>
-            </a:p>
-          </p:txBody>
-        </p:sp>
-        <p:sp>
-          <p:nvSpPr>
-            <p:cNvPr id="56" name="사다리꼴 55"/>
-            <p:cNvSpPr/>
+          </p:grpSpPr>
+          <p:sp>
+            <p:nvSpPr>
+              <p:cNvPr id="195" name="팔각형 194"/>
+              <p:cNvSpPr/>
+              <p:nvPr/>
+            </p:nvSpPr>
+            <p:spPr>
+              <a:xfrm>
+                <a:off x="3096188" y="2262185"/>
+                <a:ext cx="465340" cy="465340"/>
+              </a:xfrm>
+              <a:prstGeom prst="octagon">
+                <a:avLst>
+                  <a:gd name="adj" fmla="val 11945"/>
+                </a:avLst>
+              </a:prstGeom>
+              <a:solidFill>
+                <a:srgbClr val="838D90"/>
+              </a:solidFill>
+              <a:ln w="38100">
+                <a:solidFill>
+                  <a:schemeClr val="tx1"/>
+                </a:solidFill>
+              </a:ln>
+            </p:spPr>
+            <p:style>
+              <a:lnRef idx="2">
+                <a:schemeClr val="accent1">
+                  <a:shade val="50000"/>
+                </a:schemeClr>
+              </a:lnRef>
+              <a:fillRef idx="1">
+                <a:schemeClr val="accent1"/>
+              </a:fillRef>
+              <a:effectRef idx="0">
+                <a:schemeClr val="accent1"/>
+              </a:effectRef>
+              <a:fontRef idx="minor">
+                <a:schemeClr val="lt1"/>
+              </a:fontRef>
+            </p:style>
+            <p:txBody>
+              <a:bodyPr rtlCol="0" anchor="ctr"/>
+              <a:lstStyle/>
+              <a:p>
+                <a:pPr algn="ctr"/>
+                <a:endParaRPr lang="ko-KR" altLang="en-US"/>
+              </a:p>
+            </p:txBody>
+          </p:sp>
+          <p:sp>
+            <p:nvSpPr>
+              <p:cNvPr id="196" name="팔각형 195"/>
+              <p:cNvSpPr/>
+              <p:nvPr/>
+            </p:nvSpPr>
+            <p:spPr>
+              <a:xfrm>
+                <a:off x="3181913" y="2347910"/>
+                <a:ext cx="293890" cy="293890"/>
+              </a:xfrm>
+              <a:prstGeom prst="octagon">
+                <a:avLst>
+                  <a:gd name="adj" fmla="val 11945"/>
+                </a:avLst>
+              </a:prstGeom>
+              <a:solidFill>
+                <a:srgbClr val="6E3232"/>
+              </a:solidFill>
+              <a:ln w="38100">
+                <a:solidFill>
+                  <a:schemeClr val="tx1"/>
+                </a:solidFill>
+              </a:ln>
+            </p:spPr>
+            <p:style>
+              <a:lnRef idx="2">
+                <a:schemeClr val="accent1">
+                  <a:shade val="50000"/>
+                </a:schemeClr>
+              </a:lnRef>
+              <a:fillRef idx="1">
+                <a:schemeClr val="accent1"/>
+              </a:fillRef>
+              <a:effectRef idx="0">
+                <a:schemeClr val="accent1"/>
+              </a:effectRef>
+              <a:fontRef idx="minor">
+                <a:schemeClr val="lt1"/>
+              </a:fontRef>
+            </p:style>
+            <p:txBody>
+              <a:bodyPr rtlCol="0" anchor="ctr"/>
+              <a:lstStyle/>
+              <a:p>
+                <a:pPr algn="ctr"/>
+                <a:endParaRPr lang="ko-KR" altLang="en-US"/>
+              </a:p>
+            </p:txBody>
+          </p:sp>
+        </p:grpSp>
+        <p:grpSp>
+          <p:nvGrpSpPr>
+            <p:cNvPr id="197" name="그룹 196"/>
+            <p:cNvGrpSpPr/>
             <p:nvPr/>
-          </p:nvSpPr>
-          <p:spPr>
+          </p:nvGrpSpPr>
+          <p:grpSpPr>
             <a:xfrm>
-              <a:off x="531813" y="1124842"/>
-              <a:ext cx="371475" cy="184844"/>
+              <a:off x="6328623" y="2634985"/>
+              <a:ext cx="465340" cy="465340"/>
+              <a:chOff x="3096188" y="2262185"/>
+              <a:chExt cx="465340" cy="465340"/>
             </a:xfrm>
-            <a:prstGeom prst="trapezoid">
-              <a:avLst/>
-            </a:prstGeom>
-            <a:solidFill>
-              <a:srgbClr val="6E3232"/>
-            </a:solidFill>
-            <a:ln w="38100">
-              <a:solidFill>
-                <a:schemeClr val="tx1"/>
-              </a:solidFill>
-            </a:ln>
-          </p:spPr>
-          <p:style>
-            <a:lnRef idx="2">
-              <a:schemeClr val="accent1">
-                <a:shade val="50000"/>
-              </a:schemeClr>
-            </a:lnRef>
-            <a:fillRef idx="1">
-              <a:schemeClr val="accent1"/>
-            </a:fillRef>
-            <a:effectRef idx="0">
-              <a:schemeClr val="accent1"/>
-            </a:effectRef>
-            <a:fontRef idx="minor">
-              <a:schemeClr val="lt1"/>
-            </a:fontRef>
-          </p:style>
-          <p:txBody>
-            <a:bodyPr rot="0" spcFirstLastPara="0" vertOverflow="overflow" horzOverflow="overflow" vert="horz" wrap="square" lIns="91440" tIns="45720" rIns="91440" bIns="45720" numCol="1" spcCol="0" rtlCol="0" fromWordArt="0" anchor="ctr" anchorCtr="0" forceAA="0" compatLnSpc="1">
-              <a:prstTxWarp prst="textNoShape">
-                <a:avLst/>
-              </a:prstTxWarp>
-              <a:noAutofit/>
-            </a:bodyPr>
-            <a:lstStyle/>
-            <a:p>
-              <a:pPr algn="ctr"/>
-              <a:endParaRPr lang="ko-KR" altLang="en-US"/>
-            </a:p>
-          </p:txBody>
-        </p:sp>
-        <p:sp>
-          <p:nvSpPr>
-            <p:cNvPr id="58" name="사다리꼴 57"/>
-            <p:cNvSpPr/>
+          </p:grpSpPr>
+          <p:sp>
+            <p:nvSpPr>
+              <p:cNvPr id="198" name="팔각형 197"/>
+              <p:cNvSpPr/>
+              <p:nvPr/>
+            </p:nvSpPr>
+            <p:spPr>
+              <a:xfrm>
+                <a:off x="3096188" y="2262185"/>
+                <a:ext cx="465340" cy="465340"/>
+              </a:xfrm>
+              <a:prstGeom prst="octagon">
+                <a:avLst>
+                  <a:gd name="adj" fmla="val 11945"/>
+                </a:avLst>
+              </a:prstGeom>
+              <a:solidFill>
+                <a:srgbClr val="838D90"/>
+              </a:solidFill>
+              <a:ln w="38100">
+                <a:solidFill>
+                  <a:schemeClr val="tx1"/>
+                </a:solidFill>
+              </a:ln>
+            </p:spPr>
+            <p:style>
+              <a:lnRef idx="2">
+                <a:schemeClr val="accent1">
+                  <a:shade val="50000"/>
+                </a:schemeClr>
+              </a:lnRef>
+              <a:fillRef idx="1">
+                <a:schemeClr val="accent1"/>
+              </a:fillRef>
+              <a:effectRef idx="0">
+                <a:schemeClr val="accent1"/>
+              </a:effectRef>
+              <a:fontRef idx="minor">
+                <a:schemeClr val="lt1"/>
+              </a:fontRef>
+            </p:style>
+            <p:txBody>
+              <a:bodyPr rtlCol="0" anchor="ctr"/>
+              <a:lstStyle/>
+              <a:p>
+                <a:pPr algn="ctr"/>
+                <a:endParaRPr lang="ko-KR" altLang="en-US"/>
+              </a:p>
+            </p:txBody>
+          </p:sp>
+          <p:sp>
+            <p:nvSpPr>
+              <p:cNvPr id="199" name="팔각형 198"/>
+              <p:cNvSpPr/>
+              <p:nvPr/>
+            </p:nvSpPr>
+            <p:spPr>
+              <a:xfrm>
+                <a:off x="3181913" y="2347910"/>
+                <a:ext cx="293890" cy="293890"/>
+              </a:xfrm>
+              <a:prstGeom prst="octagon">
+                <a:avLst>
+                  <a:gd name="adj" fmla="val 11945"/>
+                </a:avLst>
+              </a:prstGeom>
+              <a:solidFill>
+                <a:srgbClr val="6E3232"/>
+              </a:solidFill>
+              <a:ln w="38100">
+                <a:solidFill>
+                  <a:schemeClr val="tx1"/>
+                </a:solidFill>
+              </a:ln>
+            </p:spPr>
+            <p:style>
+              <a:lnRef idx="2">
+                <a:schemeClr val="accent1">
+                  <a:shade val="50000"/>
+                </a:schemeClr>
+              </a:lnRef>
+              <a:fillRef idx="1">
+                <a:schemeClr val="accent1"/>
+              </a:fillRef>
+              <a:effectRef idx="0">
+                <a:schemeClr val="accent1"/>
+              </a:effectRef>
+              <a:fontRef idx="minor">
+                <a:schemeClr val="lt1"/>
+              </a:fontRef>
+            </p:style>
+            <p:txBody>
+              <a:bodyPr rtlCol="0" anchor="ctr"/>
+              <a:lstStyle/>
+              <a:p>
+                <a:pPr algn="ctr"/>
+                <a:endParaRPr lang="ko-KR" altLang="en-US"/>
+              </a:p>
+            </p:txBody>
+          </p:sp>
+        </p:grpSp>
+        <p:grpSp>
+          <p:nvGrpSpPr>
+            <p:cNvPr id="200" name="그룹 199"/>
+            <p:cNvGrpSpPr/>
             <p:nvPr/>
-          </p:nvSpPr>
-          <p:spPr>
-            <a:xfrm rot="16200000">
-              <a:off x="1027025" y="631481"/>
-              <a:ext cx="371475" cy="184842"/>
+          </p:nvGrpSpPr>
+          <p:grpSpPr>
+            <a:xfrm>
+              <a:off x="6328623" y="1467140"/>
+              <a:ext cx="465340" cy="465340"/>
+              <a:chOff x="3096188" y="2262185"/>
+              <a:chExt cx="465340" cy="465340"/>
             </a:xfrm>
-            <a:prstGeom prst="trapezoid">
-              <a:avLst/>
-            </a:prstGeom>
-            <a:solidFill>
-              <a:srgbClr val="6E3232"/>
-            </a:solidFill>
-            <a:ln w="38100">
-              <a:solidFill>
-                <a:schemeClr val="tx1"/>
-              </a:solidFill>
-            </a:ln>
-          </p:spPr>
-          <p:style>
-            <a:lnRef idx="2">
-              <a:schemeClr val="accent1">
-                <a:shade val="50000"/>
-              </a:schemeClr>
-            </a:lnRef>
-            <a:fillRef idx="1">
-              <a:schemeClr val="accent1"/>
-            </a:fillRef>
-            <a:effectRef idx="0">
-              <a:schemeClr val="accent1"/>
-            </a:effectRef>
-            <a:fontRef idx="minor">
-              <a:schemeClr val="lt1"/>
-            </a:fontRef>
-          </p:style>
-          <p:txBody>
-            <a:bodyPr rot="0" spcFirstLastPara="0" vertOverflow="overflow" horzOverflow="overflow" vert="horz" wrap="square" lIns="91440" tIns="45720" rIns="91440" bIns="45720" numCol="1" spcCol="0" rtlCol="0" fromWordArt="0" anchor="ctr" anchorCtr="0" forceAA="0" compatLnSpc="1">
-              <a:prstTxWarp prst="textNoShape">
-                <a:avLst/>
-              </a:prstTxWarp>
-              <a:noAutofit/>
-            </a:bodyPr>
-            <a:lstStyle/>
-            <a:p>
-              <a:pPr algn="ctr"/>
-              <a:endParaRPr lang="ko-KR" altLang="en-US"/>
-            </a:p>
-          </p:txBody>
-        </p:sp>
-        <p:sp>
-          <p:nvSpPr>
-            <p:cNvPr id="60" name="사다리꼴 59"/>
-            <p:cNvSpPr/>
+          </p:grpSpPr>
+          <p:sp>
+            <p:nvSpPr>
+              <p:cNvPr id="201" name="팔각형 200"/>
+              <p:cNvSpPr/>
+              <p:nvPr/>
+            </p:nvSpPr>
+            <p:spPr>
+              <a:xfrm>
+                <a:off x="3096188" y="2262185"/>
+                <a:ext cx="465340" cy="465340"/>
+              </a:xfrm>
+              <a:prstGeom prst="donut">
+                <a:avLst>
+                  <a:gd name="adj" fmla="val 18331"/>
+                </a:avLst>
+              </a:prstGeom>
+              <a:solidFill>
+                <a:srgbClr val="838D90"/>
+              </a:solidFill>
+              <a:ln w="38100">
+                <a:solidFill>
+                  <a:schemeClr val="tx1"/>
+                </a:solidFill>
+              </a:ln>
+            </p:spPr>
+            <p:style>
+              <a:lnRef idx="2">
+                <a:schemeClr val="accent1">
+                  <a:shade val="50000"/>
+                </a:schemeClr>
+              </a:lnRef>
+              <a:fillRef idx="1">
+                <a:schemeClr val="accent1"/>
+              </a:fillRef>
+              <a:effectRef idx="0">
+                <a:schemeClr val="accent1"/>
+              </a:effectRef>
+              <a:fontRef idx="minor">
+                <a:schemeClr val="lt1"/>
+              </a:fontRef>
+            </p:style>
+            <p:txBody>
+              <a:bodyPr rtlCol="0" anchor="ctr"/>
+              <a:lstStyle/>
+              <a:p>
+                <a:pPr algn="ctr"/>
+                <a:endParaRPr lang="ko-KR" altLang="en-US"/>
+              </a:p>
+            </p:txBody>
+          </p:sp>
+          <p:sp>
+            <p:nvSpPr>
+              <p:cNvPr id="202" name="도넛 201"/>
+              <p:cNvSpPr/>
+              <p:nvPr/>
+            </p:nvSpPr>
+            <p:spPr>
+              <a:xfrm>
+                <a:off x="3181913" y="2347910"/>
+                <a:ext cx="293890" cy="293890"/>
+              </a:xfrm>
+              <a:prstGeom prst="donut">
+                <a:avLst>
+                  <a:gd name="adj" fmla="val 33873"/>
+                </a:avLst>
+              </a:prstGeom>
+              <a:solidFill>
+                <a:srgbClr val="6E3232"/>
+              </a:solidFill>
+              <a:ln w="38100">
+                <a:solidFill>
+                  <a:schemeClr val="tx1"/>
+                </a:solidFill>
+              </a:ln>
+            </p:spPr>
+            <p:style>
+              <a:lnRef idx="2">
+                <a:schemeClr val="accent1">
+                  <a:shade val="50000"/>
+                </a:schemeClr>
+              </a:lnRef>
+              <a:fillRef idx="1">
+                <a:schemeClr val="accent1"/>
+              </a:fillRef>
+              <a:effectRef idx="0">
+                <a:schemeClr val="accent1"/>
+              </a:effectRef>
+              <a:fontRef idx="minor">
+                <a:schemeClr val="lt1"/>
+              </a:fontRef>
+            </p:style>
+            <p:txBody>
+              <a:bodyPr rtlCol="0" anchor="ctr"/>
+              <a:lstStyle/>
+              <a:p>
+                <a:pPr algn="ctr"/>
+                <a:endParaRPr lang="ko-KR" altLang="en-US"/>
+              </a:p>
+            </p:txBody>
+          </p:sp>
+        </p:grpSp>
+        <p:grpSp>
+          <p:nvGrpSpPr>
+            <p:cNvPr id="105" name="그룹 104"/>
+            <p:cNvGrpSpPr/>
             <p:nvPr/>
-          </p:nvSpPr>
-          <p:spPr>
-            <a:xfrm rot="10800000">
-              <a:off x="531813" y="138112"/>
-              <a:ext cx="371475" cy="184844"/>
+          </p:nvGrpSpPr>
+          <p:grpSpPr>
+            <a:xfrm>
+              <a:off x="6328623" y="2051062"/>
+              <a:ext cx="465340" cy="465340"/>
+              <a:chOff x="3096188" y="2262185"/>
+              <a:chExt cx="465340" cy="465340"/>
             </a:xfrm>
-            <a:prstGeom prst="trapezoid">
-              <a:avLst/>
-            </a:prstGeom>
-            <a:solidFill>
-              <a:srgbClr val="6E3232"/>
-            </a:solidFill>
-            <a:ln w="38100">
-              <a:solidFill>
-                <a:schemeClr val="tx1"/>
-              </a:solidFill>
-            </a:ln>
-          </p:spPr>
-          <p:style>
-            <a:lnRef idx="2">
-              <a:schemeClr val="accent1">
-                <a:shade val="50000"/>
-              </a:schemeClr>
-            </a:lnRef>
-            <a:fillRef idx="1">
-              <a:schemeClr val="accent1"/>
-            </a:fillRef>
-            <a:effectRef idx="0">
-              <a:schemeClr val="accent1"/>
-            </a:effectRef>
-            <a:fontRef idx="minor">
-              <a:schemeClr val="lt1"/>
-            </a:fontRef>
-          </p:style>
-          <p:txBody>
-            <a:bodyPr rot="0" spcFirstLastPara="0" vertOverflow="overflow" horzOverflow="overflow" vert="horz" wrap="square" lIns="91440" tIns="45720" rIns="91440" bIns="45720" numCol="1" spcCol="0" rtlCol="0" fromWordArt="0" anchor="ctr" anchorCtr="0" forceAA="0" compatLnSpc="1">
-              <a:prstTxWarp prst="textNoShape">
-                <a:avLst/>
-              </a:prstTxWarp>
-              <a:noAutofit/>
-            </a:bodyPr>
-            <a:lstStyle/>
-            <a:p>
-              <a:pPr algn="ctr"/>
-              <a:endParaRPr lang="ko-KR" altLang="en-US"/>
-            </a:p>
-          </p:txBody>
-        </p:sp>
-        <p:sp>
-          <p:nvSpPr>
-            <p:cNvPr id="78" name="사다리꼴 77"/>
-            <p:cNvSpPr/>
-            <p:nvPr/>
-          </p:nvSpPr>
-          <p:spPr>
-            <a:xfrm rot="5400000">
-              <a:off x="39321" y="632354"/>
-              <a:ext cx="371475" cy="183097"/>
-            </a:xfrm>
-            <a:prstGeom prst="trapezoid">
-              <a:avLst/>
-            </a:prstGeom>
-            <a:solidFill>
-              <a:srgbClr val="6E3232"/>
-            </a:solidFill>
-            <a:ln w="38100">
-              <a:solidFill>
-                <a:schemeClr val="tx1"/>
-              </a:solidFill>
-            </a:ln>
-          </p:spPr>
-          <p:style>
-            <a:lnRef idx="2">
-              <a:schemeClr val="accent1">
-                <a:shade val="50000"/>
-              </a:schemeClr>
-            </a:lnRef>
-            <a:fillRef idx="1">
-              <a:schemeClr val="accent1"/>
-            </a:fillRef>
-            <a:effectRef idx="0">
-              <a:schemeClr val="accent1"/>
-            </a:effectRef>
-            <a:fontRef idx="minor">
-              <a:schemeClr val="lt1"/>
-            </a:fontRef>
-          </p:style>
-          <p:txBody>
-            <a:bodyPr rot="0" spcFirstLastPara="0" vertOverflow="overflow" horzOverflow="overflow" vert="horz" wrap="square" lIns="91440" tIns="45720" rIns="91440" bIns="45720" numCol="1" spcCol="0" rtlCol="0" fromWordArt="0" anchor="ctr" anchorCtr="0" forceAA="0" compatLnSpc="1">
-              <a:prstTxWarp prst="textNoShape">
-                <a:avLst/>
-              </a:prstTxWarp>
-              <a:noAutofit/>
-            </a:bodyPr>
-            <a:lstStyle/>
-            <a:p>
-              <a:pPr algn="ctr"/>
-              <a:endParaRPr lang="ko-KR" altLang="en-US"/>
-            </a:p>
-          </p:txBody>
-        </p:sp>
-      </p:grpSp>
-      <p:grpSp>
-        <p:nvGrpSpPr>
-          <p:cNvPr id="15" name="그룹 14"/>
-          <p:cNvGrpSpPr/>
-          <p:nvPr/>
-        </p:nvGrpSpPr>
-        <p:grpSpPr>
-          <a:xfrm>
-            <a:off x="7279396" y="1097021"/>
-            <a:ext cx="1174818" cy="1756800"/>
-            <a:chOff x="7279396" y="1097021"/>
-            <a:chExt cx="1174818" cy="1756800"/>
-          </a:xfrm>
-        </p:grpSpPr>
-        <p:sp>
-          <p:nvSpPr>
-            <p:cNvPr id="123" name="양쪽 모서리가 잘린 사각형 122"/>
-            <p:cNvSpPr/>
-            <p:nvPr/>
-          </p:nvSpPr>
-          <p:spPr>
-            <a:xfrm>
-              <a:off x="7868426" y="1097021"/>
-              <a:ext cx="585788" cy="1756800"/>
-            </a:xfrm>
-            <a:prstGeom prst="snip2SameRect">
-              <a:avLst>
-                <a:gd name="adj1" fmla="val 16667"/>
-                <a:gd name="adj2" fmla="val 16259"/>
-              </a:avLst>
-            </a:prstGeom>
-            <a:solidFill>
-              <a:srgbClr val="6E3232"/>
-            </a:solidFill>
-            <a:ln w="38100">
-              <a:solidFill>
-                <a:schemeClr val="tx1"/>
-              </a:solidFill>
-            </a:ln>
-          </p:spPr>
-          <p:style>
-            <a:lnRef idx="2">
-              <a:schemeClr val="accent1">
-                <a:shade val="50000"/>
-              </a:schemeClr>
-            </a:lnRef>
-            <a:fillRef idx="1">
-              <a:schemeClr val="accent1"/>
-            </a:fillRef>
-            <a:effectRef idx="0">
-              <a:schemeClr val="accent1"/>
-            </a:effectRef>
-            <a:fontRef idx="minor">
-              <a:schemeClr val="lt1"/>
-            </a:fontRef>
-          </p:style>
-          <p:txBody>
-            <a:bodyPr rtlCol="0" anchor="ctr"/>
-            <a:lstStyle/>
-            <a:p>
-              <a:pPr algn="ctr"/>
-              <a:endParaRPr lang="ko-KR" altLang="en-US"/>
-            </a:p>
-          </p:txBody>
-        </p:sp>
-        <p:sp>
-          <p:nvSpPr>
-            <p:cNvPr id="125" name="양쪽 모서리가 잘린 사각형 124"/>
-            <p:cNvSpPr/>
-            <p:nvPr/>
-          </p:nvSpPr>
-          <p:spPr>
-            <a:xfrm rot="16200000">
-              <a:off x="7279902" y="1682021"/>
-              <a:ext cx="585788" cy="586800"/>
-            </a:xfrm>
-            <a:prstGeom prst="snip2SameRect">
-              <a:avLst/>
-            </a:prstGeom>
-            <a:solidFill>
-              <a:srgbClr val="6E3232"/>
-            </a:solidFill>
-            <a:ln w="38100">
-              <a:solidFill>
-                <a:schemeClr val="tx1"/>
-              </a:solidFill>
-            </a:ln>
-          </p:spPr>
-          <p:style>
-            <a:lnRef idx="2">
-              <a:schemeClr val="accent1">
-                <a:shade val="50000"/>
-              </a:schemeClr>
-            </a:lnRef>
-            <a:fillRef idx="1">
-              <a:schemeClr val="accent1"/>
-            </a:fillRef>
-            <a:effectRef idx="0">
-              <a:schemeClr val="accent1"/>
-            </a:effectRef>
-            <a:fontRef idx="minor">
-              <a:schemeClr val="lt1"/>
-            </a:fontRef>
-          </p:style>
-          <p:txBody>
-            <a:bodyPr rtlCol="0" anchor="ctr"/>
-            <a:lstStyle/>
-            <a:p>
-              <a:pPr algn="ctr"/>
-              <a:endParaRPr lang="ko-KR" altLang="en-US"/>
-            </a:p>
-          </p:txBody>
-        </p:sp>
-      </p:grpSp>
-      <p:sp>
-        <p:nvSpPr>
-          <p:cNvPr id="16" name="팔각형 15"/>
-          <p:cNvSpPr/>
-          <p:nvPr/>
-        </p:nvSpPr>
-        <p:spPr>
-          <a:xfrm>
-            <a:off x="6268399" y="819755"/>
-            <a:ext cx="585788" cy="2343150"/>
-          </a:xfrm>
-          <a:prstGeom prst="octagon">
-            <a:avLst>
-              <a:gd name="adj" fmla="val 12622"/>
-            </a:avLst>
-          </a:prstGeom>
-          <a:solidFill>
-            <a:srgbClr val="6E3232"/>
-          </a:solidFill>
-          <a:ln w="38100">
-            <a:solidFill>
-              <a:schemeClr val="tx1"/>
-            </a:solidFill>
-          </a:ln>
-        </p:spPr>
-        <p:style>
-          <a:lnRef idx="2">
-            <a:schemeClr val="accent1">
-              <a:shade val="50000"/>
-            </a:schemeClr>
-          </a:lnRef>
-          <a:fillRef idx="1">
-            <a:schemeClr val="accent1"/>
-          </a:fillRef>
-          <a:effectRef idx="0">
-            <a:schemeClr val="accent1"/>
-          </a:effectRef>
-          <a:fontRef idx="minor">
-            <a:schemeClr val="lt1"/>
-          </a:fontRef>
-        </p:style>
-        <p:txBody>
-          <a:bodyPr rtlCol="0" anchor="ctr"/>
-          <a:lstStyle/>
-          <a:p>
-            <a:pPr algn="ctr"/>
-            <a:endParaRPr lang="ko-KR" altLang="en-US"/>
-          </a:p>
-        </p:txBody>
-      </p:sp>
-      <p:sp>
-        <p:nvSpPr>
-          <p:cNvPr id="203" name="직사각형 202"/>
-          <p:cNvSpPr/>
-          <p:nvPr/>
-        </p:nvSpPr>
-        <p:spPr>
-          <a:xfrm>
-            <a:off x="6499692" y="1348117"/>
-            <a:ext cx="123202" cy="1286427"/>
-          </a:xfrm>
-          <a:prstGeom prst="rect">
-            <a:avLst/>
-          </a:prstGeom>
-          <a:solidFill>
-            <a:srgbClr val="838D90"/>
-          </a:solidFill>
-          <a:ln w="38100">
-            <a:solidFill>
-              <a:schemeClr val="tx1"/>
-            </a:solidFill>
-          </a:ln>
-        </p:spPr>
-        <p:style>
-          <a:lnRef idx="2">
-            <a:schemeClr val="accent1">
-              <a:shade val="50000"/>
-            </a:schemeClr>
-          </a:lnRef>
-          <a:fillRef idx="1">
-            <a:schemeClr val="accent1"/>
-          </a:fillRef>
-          <a:effectRef idx="0">
-            <a:schemeClr val="accent1"/>
-          </a:effectRef>
-          <a:fontRef idx="minor">
-            <a:schemeClr val="lt1"/>
-          </a:fontRef>
-        </p:style>
-        <p:txBody>
-          <a:bodyPr rtlCol="0" anchor="ctr"/>
-          <a:lstStyle/>
-          <a:p>
-            <a:pPr algn="ctr"/>
-            <a:endParaRPr lang="ko-KR" altLang="en-US"/>
-          </a:p>
-        </p:txBody>
-      </p:sp>
-      <p:grpSp>
-        <p:nvGrpSpPr>
-          <p:cNvPr id="194" name="그룹 193"/>
-          <p:cNvGrpSpPr/>
-          <p:nvPr/>
-        </p:nvGrpSpPr>
-        <p:grpSpPr>
-          <a:xfrm>
-            <a:off x="6328623" y="883218"/>
-            <a:ext cx="465340" cy="465340"/>
-            <a:chOff x="3096188" y="2262185"/>
-            <a:chExt cx="465340" cy="465340"/>
-          </a:xfrm>
-        </p:grpSpPr>
-        <p:sp>
-          <p:nvSpPr>
-            <p:cNvPr id="195" name="팔각형 194"/>
-            <p:cNvSpPr/>
-            <p:nvPr/>
-          </p:nvSpPr>
-          <p:spPr>
-            <a:xfrm>
-              <a:off x="3096188" y="2262185"/>
-              <a:ext cx="465340" cy="465340"/>
-            </a:xfrm>
-            <a:prstGeom prst="octagon">
-              <a:avLst>
-                <a:gd name="adj" fmla="val 11945"/>
-              </a:avLst>
-            </a:prstGeom>
-            <a:solidFill>
-              <a:srgbClr val="838D90"/>
-            </a:solidFill>
-            <a:ln w="38100">
-              <a:solidFill>
-                <a:schemeClr val="tx1"/>
-              </a:solidFill>
-            </a:ln>
-          </p:spPr>
-          <p:style>
-            <a:lnRef idx="2">
-              <a:schemeClr val="accent1">
-                <a:shade val="50000"/>
-              </a:schemeClr>
-            </a:lnRef>
-            <a:fillRef idx="1">
-              <a:schemeClr val="accent1"/>
-            </a:fillRef>
-            <a:effectRef idx="0">
-              <a:schemeClr val="accent1"/>
-            </a:effectRef>
-            <a:fontRef idx="minor">
-              <a:schemeClr val="lt1"/>
-            </a:fontRef>
-          </p:style>
-          <p:txBody>
-            <a:bodyPr rtlCol="0" anchor="ctr"/>
-            <a:lstStyle/>
-            <a:p>
-              <a:pPr algn="ctr"/>
-              <a:endParaRPr lang="ko-KR" altLang="en-US"/>
-            </a:p>
-          </p:txBody>
-        </p:sp>
-        <p:sp>
-          <p:nvSpPr>
-            <p:cNvPr id="196" name="팔각형 195"/>
-            <p:cNvSpPr/>
-            <p:nvPr/>
-          </p:nvSpPr>
-          <p:spPr>
-            <a:xfrm>
-              <a:off x="3181913" y="2347910"/>
-              <a:ext cx="293890" cy="293890"/>
-            </a:xfrm>
-            <a:prstGeom prst="octagon">
-              <a:avLst>
-                <a:gd name="adj" fmla="val 11945"/>
-              </a:avLst>
-            </a:prstGeom>
-            <a:solidFill>
-              <a:srgbClr val="6E3232"/>
-            </a:solidFill>
-            <a:ln w="38100">
-              <a:solidFill>
-                <a:schemeClr val="tx1"/>
-              </a:solidFill>
-            </a:ln>
-          </p:spPr>
-          <p:style>
-            <a:lnRef idx="2">
-              <a:schemeClr val="accent1">
-                <a:shade val="50000"/>
-              </a:schemeClr>
-            </a:lnRef>
-            <a:fillRef idx="1">
-              <a:schemeClr val="accent1"/>
-            </a:fillRef>
-            <a:effectRef idx="0">
-              <a:schemeClr val="accent1"/>
-            </a:effectRef>
-            <a:fontRef idx="minor">
-              <a:schemeClr val="lt1"/>
-            </a:fontRef>
-          </p:style>
-          <p:txBody>
-            <a:bodyPr rtlCol="0" anchor="ctr"/>
-            <a:lstStyle/>
-            <a:p>
-              <a:pPr algn="ctr"/>
-              <a:endParaRPr lang="ko-KR" altLang="en-US"/>
-            </a:p>
-          </p:txBody>
-        </p:sp>
-      </p:grpSp>
-      <p:grpSp>
-        <p:nvGrpSpPr>
-          <p:cNvPr id="197" name="그룹 196"/>
-          <p:cNvGrpSpPr/>
-          <p:nvPr/>
-        </p:nvGrpSpPr>
-        <p:grpSpPr>
-          <a:xfrm>
-            <a:off x="6328623" y="2634985"/>
-            <a:ext cx="465340" cy="465340"/>
-            <a:chOff x="3096188" y="2262185"/>
-            <a:chExt cx="465340" cy="465340"/>
-          </a:xfrm>
-        </p:grpSpPr>
-        <p:sp>
-          <p:nvSpPr>
-            <p:cNvPr id="198" name="팔각형 197"/>
-            <p:cNvSpPr/>
-            <p:nvPr/>
-          </p:nvSpPr>
-          <p:spPr>
-            <a:xfrm>
-              <a:off x="3096188" y="2262185"/>
-              <a:ext cx="465340" cy="465340"/>
-            </a:xfrm>
-            <a:prstGeom prst="octagon">
-              <a:avLst>
-                <a:gd name="adj" fmla="val 11945"/>
-              </a:avLst>
-            </a:prstGeom>
-            <a:solidFill>
-              <a:srgbClr val="838D90"/>
-            </a:solidFill>
-            <a:ln w="38100">
-              <a:solidFill>
-                <a:schemeClr val="tx1"/>
-              </a:solidFill>
-            </a:ln>
-          </p:spPr>
-          <p:style>
-            <a:lnRef idx="2">
-              <a:schemeClr val="accent1">
-                <a:shade val="50000"/>
-              </a:schemeClr>
-            </a:lnRef>
-            <a:fillRef idx="1">
-              <a:schemeClr val="accent1"/>
-            </a:fillRef>
-            <a:effectRef idx="0">
-              <a:schemeClr val="accent1"/>
-            </a:effectRef>
-            <a:fontRef idx="minor">
-              <a:schemeClr val="lt1"/>
-            </a:fontRef>
-          </p:style>
-          <p:txBody>
-            <a:bodyPr rtlCol="0" anchor="ctr"/>
-            <a:lstStyle/>
-            <a:p>
-              <a:pPr algn="ctr"/>
-              <a:endParaRPr lang="ko-KR" altLang="en-US"/>
-            </a:p>
-          </p:txBody>
-        </p:sp>
-        <p:sp>
-          <p:nvSpPr>
-            <p:cNvPr id="199" name="팔각형 198"/>
-            <p:cNvSpPr/>
-            <p:nvPr/>
-          </p:nvSpPr>
-          <p:spPr>
-            <a:xfrm>
-              <a:off x="3181913" y="2347910"/>
-              <a:ext cx="293890" cy="293890"/>
-            </a:xfrm>
-            <a:prstGeom prst="octagon">
-              <a:avLst>
-                <a:gd name="adj" fmla="val 11945"/>
-              </a:avLst>
-            </a:prstGeom>
-            <a:solidFill>
-              <a:srgbClr val="6E3232"/>
-            </a:solidFill>
-            <a:ln w="38100">
-              <a:solidFill>
-                <a:schemeClr val="tx1"/>
-              </a:solidFill>
-            </a:ln>
-          </p:spPr>
-          <p:style>
-            <a:lnRef idx="2">
-              <a:schemeClr val="accent1">
-                <a:shade val="50000"/>
-              </a:schemeClr>
-            </a:lnRef>
-            <a:fillRef idx="1">
-              <a:schemeClr val="accent1"/>
-            </a:fillRef>
-            <a:effectRef idx="0">
-              <a:schemeClr val="accent1"/>
-            </a:effectRef>
-            <a:fontRef idx="minor">
-              <a:schemeClr val="lt1"/>
-            </a:fontRef>
-          </p:style>
-          <p:txBody>
-            <a:bodyPr rtlCol="0" anchor="ctr"/>
-            <a:lstStyle/>
-            <a:p>
-              <a:pPr algn="ctr"/>
-              <a:endParaRPr lang="ko-KR" altLang="en-US"/>
-            </a:p>
-          </p:txBody>
-        </p:sp>
-      </p:grpSp>
-      <p:grpSp>
-        <p:nvGrpSpPr>
-          <p:cNvPr id="200" name="그룹 199"/>
-          <p:cNvGrpSpPr/>
-          <p:nvPr/>
-        </p:nvGrpSpPr>
-        <p:grpSpPr>
-          <a:xfrm>
-            <a:off x="6328623" y="1467140"/>
-            <a:ext cx="465340" cy="465340"/>
-            <a:chOff x="3096188" y="2262185"/>
-            <a:chExt cx="465340" cy="465340"/>
-          </a:xfrm>
-        </p:grpSpPr>
-        <p:sp>
-          <p:nvSpPr>
-            <p:cNvPr id="201" name="팔각형 200"/>
-            <p:cNvSpPr/>
-            <p:nvPr/>
-          </p:nvSpPr>
-          <p:spPr>
-            <a:xfrm>
-              <a:off x="3096188" y="2262185"/>
-              <a:ext cx="465340" cy="465340"/>
-            </a:xfrm>
-            <a:prstGeom prst="donut">
-              <a:avLst>
-                <a:gd name="adj" fmla="val 18331"/>
-              </a:avLst>
-            </a:prstGeom>
-            <a:solidFill>
-              <a:srgbClr val="838D90"/>
-            </a:solidFill>
-            <a:ln w="38100">
-              <a:solidFill>
-                <a:schemeClr val="tx1"/>
-              </a:solidFill>
-            </a:ln>
-          </p:spPr>
-          <p:style>
-            <a:lnRef idx="2">
-              <a:schemeClr val="accent1">
-                <a:shade val="50000"/>
-              </a:schemeClr>
-            </a:lnRef>
-            <a:fillRef idx="1">
-              <a:schemeClr val="accent1"/>
-            </a:fillRef>
-            <a:effectRef idx="0">
-              <a:schemeClr val="accent1"/>
-            </a:effectRef>
-            <a:fontRef idx="minor">
-              <a:schemeClr val="lt1"/>
-            </a:fontRef>
-          </p:style>
-          <p:txBody>
-            <a:bodyPr rtlCol="0" anchor="ctr"/>
-            <a:lstStyle/>
-            <a:p>
-              <a:pPr algn="ctr"/>
-              <a:endParaRPr lang="ko-KR" altLang="en-US"/>
-            </a:p>
-          </p:txBody>
-        </p:sp>
-        <p:sp>
-          <p:nvSpPr>
-            <p:cNvPr id="202" name="도넛 201"/>
-            <p:cNvSpPr/>
-            <p:nvPr/>
-          </p:nvSpPr>
-          <p:spPr>
-            <a:xfrm>
-              <a:off x="3181913" y="2347910"/>
-              <a:ext cx="293890" cy="293890"/>
-            </a:xfrm>
-            <a:prstGeom prst="donut">
-              <a:avLst>
-                <a:gd name="adj" fmla="val 33873"/>
-              </a:avLst>
-            </a:prstGeom>
-            <a:solidFill>
-              <a:srgbClr val="6E3232"/>
-            </a:solidFill>
-            <a:ln w="38100">
-              <a:solidFill>
-                <a:schemeClr val="tx1"/>
-              </a:solidFill>
-            </a:ln>
-          </p:spPr>
-          <p:style>
-            <a:lnRef idx="2">
-              <a:schemeClr val="accent1">
-                <a:shade val="50000"/>
-              </a:schemeClr>
-            </a:lnRef>
-            <a:fillRef idx="1">
-              <a:schemeClr val="accent1"/>
-            </a:fillRef>
-            <a:effectRef idx="0">
-              <a:schemeClr val="accent1"/>
-            </a:effectRef>
-            <a:fontRef idx="minor">
-              <a:schemeClr val="lt1"/>
-            </a:fontRef>
-          </p:style>
-          <p:txBody>
-            <a:bodyPr rtlCol="0" anchor="ctr"/>
-            <a:lstStyle/>
-            <a:p>
-              <a:pPr algn="ctr"/>
-              <a:endParaRPr lang="ko-KR" altLang="en-US"/>
-            </a:p>
-          </p:txBody>
-        </p:sp>
-      </p:grpSp>
-      <p:grpSp>
-        <p:nvGrpSpPr>
-          <p:cNvPr id="105" name="그룹 104"/>
-          <p:cNvGrpSpPr/>
-          <p:nvPr/>
-        </p:nvGrpSpPr>
-        <p:grpSpPr>
-          <a:xfrm>
-            <a:off x="6328623" y="2051062"/>
-            <a:ext cx="465340" cy="465340"/>
-            <a:chOff x="3096188" y="2262185"/>
-            <a:chExt cx="465340" cy="465340"/>
-          </a:xfrm>
-        </p:grpSpPr>
-        <p:sp>
-          <p:nvSpPr>
-            <p:cNvPr id="106" name="팔각형 200"/>
-            <p:cNvSpPr/>
-            <p:nvPr/>
-          </p:nvSpPr>
-          <p:spPr>
-            <a:xfrm>
-              <a:off x="3096188" y="2262185"/>
-              <a:ext cx="465340" cy="465340"/>
-            </a:xfrm>
-            <a:prstGeom prst="donut">
-              <a:avLst>
-                <a:gd name="adj" fmla="val 18331"/>
-              </a:avLst>
-            </a:prstGeom>
-            <a:solidFill>
-              <a:srgbClr val="838D90"/>
-            </a:solidFill>
-            <a:ln w="38100">
-              <a:solidFill>
-                <a:schemeClr val="tx1"/>
-              </a:solidFill>
-            </a:ln>
-          </p:spPr>
-          <p:style>
-            <a:lnRef idx="2">
-              <a:schemeClr val="accent1">
-                <a:shade val="50000"/>
-              </a:schemeClr>
-            </a:lnRef>
-            <a:fillRef idx="1">
-              <a:schemeClr val="accent1"/>
-            </a:fillRef>
-            <a:effectRef idx="0">
-              <a:schemeClr val="accent1"/>
-            </a:effectRef>
-            <a:fontRef idx="minor">
-              <a:schemeClr val="lt1"/>
-            </a:fontRef>
-          </p:style>
-          <p:txBody>
-            <a:bodyPr rtlCol="0" anchor="ctr"/>
-            <a:lstStyle/>
-            <a:p>
-              <a:pPr algn="ctr"/>
-              <a:endParaRPr lang="ko-KR" altLang="en-US"/>
-            </a:p>
-          </p:txBody>
-        </p:sp>
-        <p:sp>
-          <p:nvSpPr>
-            <p:cNvPr id="107" name="도넛 106"/>
-            <p:cNvSpPr/>
-            <p:nvPr/>
-          </p:nvSpPr>
-          <p:spPr>
-            <a:xfrm>
-              <a:off x="3181913" y="2347910"/>
-              <a:ext cx="293890" cy="293890"/>
-            </a:xfrm>
-            <a:prstGeom prst="donut">
-              <a:avLst>
-                <a:gd name="adj" fmla="val 33873"/>
-              </a:avLst>
-            </a:prstGeom>
-            <a:solidFill>
-              <a:srgbClr val="6E3232"/>
-            </a:solidFill>
-            <a:ln w="38100">
-              <a:solidFill>
-                <a:schemeClr val="tx1"/>
-              </a:solidFill>
-            </a:ln>
-          </p:spPr>
-          <p:style>
-            <a:lnRef idx="2">
-              <a:schemeClr val="accent1">
-                <a:shade val="50000"/>
-              </a:schemeClr>
-            </a:lnRef>
-            <a:fillRef idx="1">
-              <a:schemeClr val="accent1"/>
-            </a:fillRef>
-            <a:effectRef idx="0">
-              <a:schemeClr val="accent1"/>
-            </a:effectRef>
-            <a:fontRef idx="minor">
-              <a:schemeClr val="lt1"/>
-            </a:fontRef>
-          </p:style>
-          <p:txBody>
-            <a:bodyPr rtlCol="0" anchor="ctr"/>
-            <a:lstStyle/>
-            <a:p>
-              <a:pPr algn="ctr"/>
-              <a:endParaRPr lang="ko-KR" altLang="en-US"/>
-            </a:p>
-          </p:txBody>
-        </p:sp>
+          </p:grpSpPr>
+          <p:sp>
+            <p:nvSpPr>
+              <p:cNvPr id="106" name="팔각형 200"/>
+              <p:cNvSpPr/>
+              <p:nvPr/>
+            </p:nvSpPr>
+            <p:spPr>
+              <a:xfrm>
+                <a:off x="3096188" y="2262185"/>
+                <a:ext cx="465340" cy="465340"/>
+              </a:xfrm>
+              <a:prstGeom prst="donut">
+                <a:avLst>
+                  <a:gd name="adj" fmla="val 18331"/>
+                </a:avLst>
+              </a:prstGeom>
+              <a:solidFill>
+                <a:srgbClr val="838D90"/>
+              </a:solidFill>
+              <a:ln w="38100">
+                <a:solidFill>
+                  <a:schemeClr val="tx1"/>
+                </a:solidFill>
+              </a:ln>
+            </p:spPr>
+            <p:style>
+              <a:lnRef idx="2">
+                <a:schemeClr val="accent1">
+                  <a:shade val="50000"/>
+                </a:schemeClr>
+              </a:lnRef>
+              <a:fillRef idx="1">
+                <a:schemeClr val="accent1"/>
+              </a:fillRef>
+              <a:effectRef idx="0">
+                <a:schemeClr val="accent1"/>
+              </a:effectRef>
+              <a:fontRef idx="minor">
+                <a:schemeClr val="lt1"/>
+              </a:fontRef>
+            </p:style>
+            <p:txBody>
+              <a:bodyPr rtlCol="0" anchor="ctr"/>
+              <a:lstStyle/>
+              <a:p>
+                <a:pPr algn="ctr"/>
+                <a:endParaRPr lang="ko-KR" altLang="en-US"/>
+              </a:p>
+            </p:txBody>
+          </p:sp>
+          <p:sp>
+            <p:nvSpPr>
+              <p:cNvPr id="107" name="도넛 106"/>
+              <p:cNvSpPr/>
+              <p:nvPr/>
+            </p:nvSpPr>
+            <p:spPr>
+              <a:xfrm>
+                <a:off x="3181913" y="2347910"/>
+                <a:ext cx="293890" cy="293890"/>
+              </a:xfrm>
+              <a:prstGeom prst="donut">
+                <a:avLst>
+                  <a:gd name="adj" fmla="val 33873"/>
+                </a:avLst>
+              </a:prstGeom>
+              <a:solidFill>
+                <a:srgbClr val="6E3232"/>
+              </a:solidFill>
+              <a:ln w="38100">
+                <a:solidFill>
+                  <a:schemeClr val="tx1"/>
+                </a:solidFill>
+              </a:ln>
+            </p:spPr>
+            <p:style>
+              <a:lnRef idx="2">
+                <a:schemeClr val="accent1">
+                  <a:shade val="50000"/>
+                </a:schemeClr>
+              </a:lnRef>
+              <a:fillRef idx="1">
+                <a:schemeClr val="accent1"/>
+              </a:fillRef>
+              <a:effectRef idx="0">
+                <a:schemeClr val="accent1"/>
+              </a:effectRef>
+              <a:fontRef idx="minor">
+                <a:schemeClr val="lt1"/>
+              </a:fontRef>
+            </p:style>
+            <p:txBody>
+              <a:bodyPr rtlCol="0" anchor="ctr"/>
+              <a:lstStyle/>
+              <a:p>
+                <a:pPr algn="ctr"/>
+                <a:endParaRPr lang="ko-KR" altLang="en-US"/>
+              </a:p>
+            </p:txBody>
+          </p:sp>
+        </p:grpSp>
       </p:grpSp>
       <p:grpSp>
         <p:nvGrpSpPr>
@@ -11178,7 +10335,7 @@
         </p:nvGrpSpPr>
         <p:grpSpPr>
           <a:xfrm>
-            <a:off x="4626818" y="819755"/>
+            <a:off x="3041123" y="3562931"/>
             <a:ext cx="1176747" cy="1861789"/>
             <a:chOff x="4626818" y="819755"/>
             <a:chExt cx="1176747" cy="1861789"/>
@@ -11925,7 +11082,7 @@
         </p:nvGrpSpPr>
         <p:grpSpPr>
           <a:xfrm>
-            <a:off x="3067332" y="2194464"/>
+            <a:off x="3030408" y="2219242"/>
             <a:ext cx="1757364" cy="1177418"/>
             <a:chOff x="3067332" y="2194464"/>
             <a:chExt cx="1757364" cy="1177418"/>
@@ -12958,89 +12115,41 @@
       </p:grpSp>
       <p:grpSp>
         <p:nvGrpSpPr>
-          <p:cNvPr id="117" name="그룹 116"/>
+          <p:cNvPr id="25" name="그룹 24"/>
           <p:cNvGrpSpPr/>
           <p:nvPr/>
         </p:nvGrpSpPr>
         <p:grpSpPr>
           <a:xfrm>
-            <a:off x="10425640" y="819755"/>
-            <a:ext cx="1176747" cy="1861789"/>
-            <a:chOff x="4626818" y="819755"/>
-            <a:chExt cx="1176747" cy="1861789"/>
+            <a:off x="6076949" y="3564782"/>
+            <a:ext cx="1174130" cy="1861789"/>
+            <a:chOff x="6486886" y="3545068"/>
+            <a:chExt cx="1174130" cy="1861789"/>
           </a:xfrm>
         </p:grpSpPr>
-        <p:sp>
-          <p:nvSpPr>
-            <p:cNvPr id="135" name="양쪽 모서리가 잘린 사각형 134"/>
-            <p:cNvSpPr/>
-            <p:nvPr/>
-          </p:nvSpPr>
-          <p:spPr>
-            <a:xfrm>
-              <a:off x="4626818" y="819755"/>
-              <a:ext cx="585788" cy="1173600"/>
-            </a:xfrm>
-            <a:prstGeom prst="snip2SameRect">
-              <a:avLst/>
-            </a:prstGeom>
-            <a:solidFill>
-              <a:srgbClr val="6E3232"/>
-            </a:solidFill>
-            <a:ln w="38100">
-              <a:solidFill>
-                <a:schemeClr val="tx1"/>
-              </a:solidFill>
-            </a:ln>
-          </p:spPr>
-          <p:style>
-            <a:lnRef idx="2">
-              <a:schemeClr val="accent1">
-                <a:shade val="50000"/>
-              </a:schemeClr>
-            </a:lnRef>
-            <a:fillRef idx="1">
-              <a:schemeClr val="accent1"/>
-            </a:fillRef>
-            <a:effectRef idx="0">
-              <a:schemeClr val="accent1"/>
-            </a:effectRef>
-            <a:fontRef idx="minor">
-              <a:schemeClr val="lt1"/>
-            </a:fontRef>
-          </p:style>
-          <p:txBody>
-            <a:bodyPr rtlCol="0" anchor="ctr"/>
-            <a:lstStyle/>
-            <a:p>
-              <a:pPr algn="ctr"/>
-              <a:endParaRPr lang="ko-KR" altLang="en-US"/>
-            </a:p>
-          </p:txBody>
-        </p:sp>
         <p:grpSp>
           <p:nvGrpSpPr>
-            <p:cNvPr id="136" name="그룹 135"/>
+            <p:cNvPr id="24" name="그룹 23"/>
             <p:cNvGrpSpPr/>
             <p:nvPr/>
           </p:nvGrpSpPr>
           <p:grpSpPr>
-            <a:xfrm rot="10800000">
-              <a:off x="5217777" y="1507944"/>
+            <a:xfrm>
+              <a:off x="7075228" y="3545068"/>
               <a:ext cx="585788" cy="1173600"/>
-              <a:chOff x="5519051" y="1946796"/>
+              <a:chOff x="6486164" y="3545068"/>
               <a:chExt cx="585788" cy="1173600"/>
             </a:xfrm>
           </p:grpSpPr>
           <p:sp>
             <p:nvSpPr>
-              <p:cNvPr id="165" name="양쪽 모서리가 잘린 사각형 164"/>
+              <p:cNvPr id="135" name="양쪽 모서리가 잘린 사각형 134"/>
               <p:cNvSpPr/>
               <p:nvPr/>
             </p:nvSpPr>
             <p:spPr>
               <a:xfrm>
-                <a:off x="5519051" y="1946796"/>
+                <a:off x="6486164" y="3545068"/>
                 <a:ext cx="585788" cy="1173600"/>
               </a:xfrm>
               <a:prstGeom prst="snip2SameRect">
@@ -13048,6 +12157,54 @@
               </a:prstGeom>
               <a:solidFill>
                 <a:srgbClr val="6E3232"/>
+              </a:solidFill>
+              <a:ln w="38100">
+                <a:solidFill>
+                  <a:schemeClr val="tx1"/>
+                </a:solidFill>
+              </a:ln>
+            </p:spPr>
+            <p:style>
+              <a:lnRef idx="2">
+                <a:schemeClr val="accent1">
+                  <a:shade val="50000"/>
+                </a:schemeClr>
+              </a:lnRef>
+              <a:fillRef idx="1">
+                <a:schemeClr val="accent1"/>
+              </a:fillRef>
+              <a:effectRef idx="0">
+                <a:schemeClr val="accent1"/>
+              </a:effectRef>
+              <a:fontRef idx="minor">
+                <a:schemeClr val="lt1"/>
+              </a:fontRef>
+            </p:style>
+            <p:txBody>
+              <a:bodyPr rtlCol="0" anchor="ctr"/>
+              <a:lstStyle/>
+              <a:p>
+                <a:pPr algn="ctr"/>
+                <a:endParaRPr lang="ko-KR" altLang="en-US"/>
+              </a:p>
+            </p:txBody>
+          </p:sp>
+          <p:sp>
+            <p:nvSpPr>
+              <p:cNvPr id="137" name="직사각형 136"/>
+              <p:cNvSpPr/>
+              <p:nvPr/>
+            </p:nvSpPr>
+            <p:spPr>
+              <a:xfrm>
+                <a:off x="6732744" y="4090015"/>
+                <a:ext cx="92628" cy="434113"/>
+              </a:xfrm>
+              <a:prstGeom prst="rect">
+                <a:avLst/>
+              </a:prstGeom>
+              <a:solidFill>
+                <a:srgbClr val="838D90"/>
               </a:solidFill>
               <a:ln w="38100">
                 <a:solidFill>
@@ -13082,13 +12239,13 @@
           </p:sp>
           <p:grpSp>
             <p:nvGrpSpPr>
-              <p:cNvPr id="166" name="그룹 165"/>
+              <p:cNvPr id="153" name="그룹 152"/>
               <p:cNvGrpSpPr/>
               <p:nvPr/>
             </p:nvGrpSpPr>
             <p:grpSpPr>
               <a:xfrm>
-                <a:off x="5579275" y="2022700"/>
+                <a:off x="6546388" y="3620972"/>
                 <a:ext cx="465340" cy="465340"/>
                 <a:chOff x="3096188" y="2262185"/>
                 <a:chExt cx="465340" cy="465340"/>
@@ -13096,7 +12253,7 @@
             </p:grpSpPr>
             <p:sp>
               <p:nvSpPr>
-                <p:cNvPr id="167" name="팔각형 166"/>
+                <p:cNvPr id="163" name="팔각형 162"/>
                 <p:cNvSpPr/>
                 <p:nvPr/>
               </p:nvSpPr>
@@ -13146,7 +12303,3031 @@
             </p:sp>
             <p:sp>
               <p:nvSpPr>
-                <p:cNvPr id="168" name="팔각형 167"/>
+                <p:cNvPr id="164" name="팔각형 163"/>
+                <p:cNvSpPr/>
+                <p:nvPr/>
+              </p:nvSpPr>
+              <p:spPr>
+                <a:xfrm>
+                  <a:off x="3181913" y="2347910"/>
+                  <a:ext cx="293890" cy="293890"/>
+                </a:xfrm>
+                <a:prstGeom prst="octagon">
+                  <a:avLst>
+                    <a:gd name="adj" fmla="val 11945"/>
+                  </a:avLst>
+                </a:prstGeom>
+                <a:solidFill>
+                  <a:srgbClr val="6E3232"/>
+                </a:solidFill>
+                <a:ln w="38100">
+                  <a:solidFill>
+                    <a:schemeClr val="tx1"/>
+                  </a:solidFill>
+                </a:ln>
+              </p:spPr>
+              <p:style>
+                <a:lnRef idx="2">
+                  <a:schemeClr val="accent1">
+                    <a:shade val="50000"/>
+                  </a:schemeClr>
+                </a:lnRef>
+                <a:fillRef idx="1">
+                  <a:schemeClr val="accent1"/>
+                </a:fillRef>
+                <a:effectRef idx="0">
+                  <a:schemeClr val="accent1"/>
+                </a:effectRef>
+                <a:fontRef idx="minor">
+                  <a:schemeClr val="lt1"/>
+                </a:fontRef>
+              </p:style>
+              <p:txBody>
+                <a:bodyPr rtlCol="0" anchor="ctr"/>
+                <a:lstStyle/>
+                <a:p>
+                  <a:pPr algn="ctr"/>
+                  <a:endParaRPr lang="ko-KR" altLang="en-US"/>
+                </a:p>
+              </p:txBody>
+            </p:sp>
+          </p:grpSp>
+        </p:grpSp>
+        <p:grpSp>
+          <p:nvGrpSpPr>
+            <p:cNvPr id="23" name="그룹 22"/>
+            <p:cNvGrpSpPr/>
+            <p:nvPr/>
+          </p:nvGrpSpPr>
+          <p:grpSpPr>
+            <a:xfrm>
+              <a:off x="6486886" y="4233257"/>
+              <a:ext cx="585788" cy="1173600"/>
+              <a:chOff x="7077123" y="4233257"/>
+              <a:chExt cx="585788" cy="1173600"/>
+            </a:xfrm>
+          </p:grpSpPr>
+          <p:grpSp>
+            <p:nvGrpSpPr>
+              <p:cNvPr id="136" name="그룹 135"/>
+              <p:cNvGrpSpPr/>
+              <p:nvPr/>
+            </p:nvGrpSpPr>
+            <p:grpSpPr>
+              <a:xfrm rot="10800000">
+                <a:off x="7077123" y="4233257"/>
+                <a:ext cx="585788" cy="1173600"/>
+                <a:chOff x="5519051" y="1946796"/>
+                <a:chExt cx="585788" cy="1173600"/>
+              </a:xfrm>
+            </p:grpSpPr>
+            <p:sp>
+              <p:nvSpPr>
+                <p:cNvPr id="165" name="양쪽 모서리가 잘린 사각형 164"/>
+                <p:cNvSpPr/>
+                <p:nvPr/>
+              </p:nvSpPr>
+              <p:spPr>
+                <a:xfrm>
+                  <a:off x="5519051" y="1946796"/>
+                  <a:ext cx="585788" cy="1173600"/>
+                </a:xfrm>
+                <a:prstGeom prst="snip2SameRect">
+                  <a:avLst/>
+                </a:prstGeom>
+                <a:solidFill>
+                  <a:srgbClr val="6E3232"/>
+                </a:solidFill>
+                <a:ln w="38100">
+                  <a:solidFill>
+                    <a:schemeClr val="tx1"/>
+                  </a:solidFill>
+                </a:ln>
+              </p:spPr>
+              <p:style>
+                <a:lnRef idx="2">
+                  <a:schemeClr val="accent1">
+                    <a:shade val="50000"/>
+                  </a:schemeClr>
+                </a:lnRef>
+                <a:fillRef idx="1">
+                  <a:schemeClr val="accent1"/>
+                </a:fillRef>
+                <a:effectRef idx="0">
+                  <a:schemeClr val="accent1"/>
+                </a:effectRef>
+                <a:fontRef idx="minor">
+                  <a:schemeClr val="lt1"/>
+                </a:fontRef>
+              </p:style>
+              <p:txBody>
+                <a:bodyPr rtlCol="0" anchor="ctr"/>
+                <a:lstStyle/>
+                <a:p>
+                  <a:pPr algn="ctr"/>
+                  <a:endParaRPr lang="ko-KR" altLang="en-US"/>
+                </a:p>
+              </p:txBody>
+            </p:sp>
+            <p:grpSp>
+              <p:nvGrpSpPr>
+                <p:cNvPr id="166" name="그룹 165"/>
+                <p:cNvGrpSpPr/>
+                <p:nvPr/>
+              </p:nvGrpSpPr>
+              <p:grpSpPr>
+                <a:xfrm>
+                  <a:off x="5579275" y="2022700"/>
+                  <a:ext cx="465340" cy="465340"/>
+                  <a:chOff x="3096188" y="2262185"/>
+                  <a:chExt cx="465340" cy="465340"/>
+                </a:xfrm>
+              </p:grpSpPr>
+              <p:sp>
+                <p:nvSpPr>
+                  <p:cNvPr id="167" name="팔각형 166"/>
+                  <p:cNvSpPr/>
+                  <p:nvPr/>
+                </p:nvSpPr>
+                <p:spPr>
+                  <a:xfrm>
+                    <a:off x="3096188" y="2262185"/>
+                    <a:ext cx="465340" cy="465340"/>
+                  </a:xfrm>
+                  <a:prstGeom prst="octagon">
+                    <a:avLst>
+                      <a:gd name="adj" fmla="val 11945"/>
+                    </a:avLst>
+                  </a:prstGeom>
+                  <a:solidFill>
+                    <a:srgbClr val="838D90"/>
+                  </a:solidFill>
+                  <a:ln w="38100">
+                    <a:solidFill>
+                      <a:schemeClr val="tx1"/>
+                    </a:solidFill>
+                  </a:ln>
+                </p:spPr>
+                <p:style>
+                  <a:lnRef idx="2">
+                    <a:schemeClr val="accent1">
+                      <a:shade val="50000"/>
+                    </a:schemeClr>
+                  </a:lnRef>
+                  <a:fillRef idx="1">
+                    <a:schemeClr val="accent1"/>
+                  </a:fillRef>
+                  <a:effectRef idx="0">
+                    <a:schemeClr val="accent1"/>
+                  </a:effectRef>
+                  <a:fontRef idx="minor">
+                    <a:schemeClr val="lt1"/>
+                  </a:fontRef>
+                </p:style>
+                <p:txBody>
+                  <a:bodyPr rtlCol="0" anchor="ctr"/>
+                  <a:lstStyle/>
+                  <a:p>
+                    <a:pPr algn="ctr"/>
+                    <a:endParaRPr lang="ko-KR" altLang="en-US"/>
+                  </a:p>
+                </p:txBody>
+              </p:sp>
+              <p:sp>
+                <p:nvSpPr>
+                  <p:cNvPr id="168" name="팔각형 167"/>
+                  <p:cNvSpPr/>
+                  <p:nvPr/>
+                </p:nvSpPr>
+                <p:spPr>
+                  <a:xfrm>
+                    <a:off x="3181913" y="2347910"/>
+                    <a:ext cx="293890" cy="293890"/>
+                  </a:xfrm>
+                  <a:prstGeom prst="octagon">
+                    <a:avLst>
+                      <a:gd name="adj" fmla="val 11945"/>
+                    </a:avLst>
+                  </a:prstGeom>
+                  <a:solidFill>
+                    <a:srgbClr val="6E3232"/>
+                  </a:solidFill>
+                  <a:ln w="38100">
+                    <a:solidFill>
+                      <a:schemeClr val="tx1"/>
+                    </a:solidFill>
+                  </a:ln>
+                </p:spPr>
+                <p:style>
+                  <a:lnRef idx="2">
+                    <a:schemeClr val="accent1">
+                      <a:shade val="50000"/>
+                    </a:schemeClr>
+                  </a:lnRef>
+                  <a:fillRef idx="1">
+                    <a:schemeClr val="accent1"/>
+                  </a:fillRef>
+                  <a:effectRef idx="0">
+                    <a:schemeClr val="accent1"/>
+                  </a:effectRef>
+                  <a:fontRef idx="minor">
+                    <a:schemeClr val="lt1"/>
+                  </a:fontRef>
+                </p:style>
+                <p:txBody>
+                  <a:bodyPr rtlCol="0" anchor="ctr"/>
+                  <a:lstStyle/>
+                  <a:p>
+                    <a:pPr algn="ctr"/>
+                    <a:endParaRPr lang="ko-KR" altLang="en-US"/>
+                  </a:p>
+                </p:txBody>
+              </p:sp>
+            </p:grpSp>
+          </p:grpSp>
+          <p:sp>
+            <p:nvSpPr>
+              <p:cNvPr id="138" name="직사각형 137"/>
+              <p:cNvSpPr/>
+              <p:nvPr/>
+            </p:nvSpPr>
+            <p:spPr>
+              <a:xfrm>
+                <a:off x="7318532" y="4438517"/>
+                <a:ext cx="92628" cy="427096"/>
+              </a:xfrm>
+              <a:prstGeom prst="rect">
+                <a:avLst/>
+              </a:prstGeom>
+              <a:solidFill>
+                <a:srgbClr val="838D90"/>
+              </a:solidFill>
+              <a:ln w="38100">
+                <a:solidFill>
+                  <a:schemeClr val="tx1"/>
+                </a:solidFill>
+              </a:ln>
+            </p:spPr>
+            <p:style>
+              <a:lnRef idx="2">
+                <a:schemeClr val="accent1">
+                  <a:shade val="50000"/>
+                </a:schemeClr>
+              </a:lnRef>
+              <a:fillRef idx="1">
+                <a:schemeClr val="accent1"/>
+              </a:fillRef>
+              <a:effectRef idx="0">
+                <a:schemeClr val="accent1"/>
+              </a:effectRef>
+              <a:fontRef idx="minor">
+                <a:schemeClr val="lt1"/>
+              </a:fontRef>
+            </p:style>
+            <p:txBody>
+              <a:bodyPr rtlCol="0" anchor="ctr"/>
+              <a:lstStyle/>
+              <a:p>
+                <a:pPr algn="ctr"/>
+                <a:endParaRPr lang="ko-KR" altLang="en-US"/>
+              </a:p>
+            </p:txBody>
+          </p:sp>
+        </p:grpSp>
+        <p:sp>
+          <p:nvSpPr>
+            <p:cNvPr id="139" name="직사각형 138"/>
+            <p:cNvSpPr/>
+            <p:nvPr/>
+          </p:nvSpPr>
+          <p:spPr>
+            <a:xfrm>
+              <a:off x="7022255" y="4251605"/>
+              <a:ext cx="95250" cy="448161"/>
+            </a:xfrm>
+            <a:prstGeom prst="rect">
+              <a:avLst/>
+            </a:prstGeom>
+            <a:solidFill>
+              <a:srgbClr val="6E3232"/>
+            </a:solidFill>
+            <a:ln w="38100">
+              <a:noFill/>
+            </a:ln>
+          </p:spPr>
+          <p:style>
+            <a:lnRef idx="2">
+              <a:schemeClr val="accent1">
+                <a:shade val="50000"/>
+              </a:schemeClr>
+            </a:lnRef>
+            <a:fillRef idx="1">
+              <a:schemeClr val="accent1"/>
+            </a:fillRef>
+            <a:effectRef idx="0">
+              <a:schemeClr val="accent1"/>
+            </a:effectRef>
+            <a:fontRef idx="minor">
+              <a:schemeClr val="lt1"/>
+            </a:fontRef>
+          </p:style>
+          <p:txBody>
+            <a:bodyPr rtlCol="0" anchor="ctr"/>
+            <a:lstStyle/>
+            <a:p>
+              <a:pPr algn="ctr"/>
+              <a:endParaRPr lang="ko-KR" altLang="en-US"/>
+            </a:p>
+          </p:txBody>
+        </p:sp>
+        <p:sp>
+          <p:nvSpPr>
+            <p:cNvPr id="140" name="직사각형 139"/>
+            <p:cNvSpPr/>
+            <p:nvPr/>
+          </p:nvSpPr>
+          <p:spPr>
+            <a:xfrm rot="5400000">
+              <a:off x="7043076" y="4234818"/>
+              <a:ext cx="57749" cy="678416"/>
+            </a:xfrm>
+            <a:prstGeom prst="rect">
+              <a:avLst/>
+            </a:prstGeom>
+            <a:solidFill>
+              <a:srgbClr val="838D90"/>
+            </a:solidFill>
+            <a:ln w="38100">
+              <a:solidFill>
+                <a:schemeClr val="tx1"/>
+              </a:solidFill>
+            </a:ln>
+          </p:spPr>
+          <p:style>
+            <a:lnRef idx="2">
+              <a:schemeClr val="accent1">
+                <a:shade val="50000"/>
+              </a:schemeClr>
+            </a:lnRef>
+            <a:fillRef idx="1">
+              <a:schemeClr val="accent1"/>
+            </a:fillRef>
+            <a:effectRef idx="0">
+              <a:schemeClr val="accent1"/>
+            </a:effectRef>
+            <a:fontRef idx="minor">
+              <a:schemeClr val="lt1"/>
+            </a:fontRef>
+          </p:style>
+          <p:txBody>
+            <a:bodyPr rtlCol="0" anchor="ctr"/>
+            <a:lstStyle/>
+            <a:p>
+              <a:pPr algn="ctr"/>
+              <a:endParaRPr lang="ko-KR" altLang="en-US"/>
+            </a:p>
+          </p:txBody>
+        </p:sp>
+        <p:sp>
+          <p:nvSpPr>
+            <p:cNvPr id="141" name="직사각형 140"/>
+            <p:cNvSpPr/>
+            <p:nvPr/>
+          </p:nvSpPr>
+          <p:spPr>
+            <a:xfrm rot="5400000">
+              <a:off x="7040948" y="4044837"/>
+              <a:ext cx="62006" cy="678416"/>
+            </a:xfrm>
+            <a:prstGeom prst="rect">
+              <a:avLst/>
+            </a:prstGeom>
+            <a:solidFill>
+              <a:srgbClr val="838D90"/>
+            </a:solidFill>
+            <a:ln w="38100">
+              <a:solidFill>
+                <a:schemeClr val="tx1"/>
+              </a:solidFill>
+            </a:ln>
+          </p:spPr>
+          <p:style>
+            <a:lnRef idx="2">
+              <a:schemeClr val="accent1">
+                <a:shade val="50000"/>
+              </a:schemeClr>
+            </a:lnRef>
+            <a:fillRef idx="1">
+              <a:schemeClr val="accent1"/>
+            </a:fillRef>
+            <a:effectRef idx="0">
+              <a:schemeClr val="accent1"/>
+            </a:effectRef>
+            <a:fontRef idx="minor">
+              <a:schemeClr val="lt1"/>
+            </a:fontRef>
+          </p:style>
+          <p:txBody>
+            <a:bodyPr rtlCol="0" anchor="ctr"/>
+            <a:lstStyle/>
+            <a:p>
+              <a:pPr algn="ctr"/>
+              <a:endParaRPr lang="ko-KR" altLang="en-US"/>
+            </a:p>
+          </p:txBody>
+        </p:sp>
+        <p:sp>
+          <p:nvSpPr>
+            <p:cNvPr id="142" name="양쪽 모서리가 잘린 사각형 141"/>
+            <p:cNvSpPr/>
+            <p:nvPr/>
+          </p:nvSpPr>
+          <p:spPr>
+            <a:xfrm>
+              <a:off x="7120833" y="4354879"/>
+              <a:ext cx="500928" cy="245873"/>
+            </a:xfrm>
+            <a:prstGeom prst="snip2SameRect">
+              <a:avLst>
+                <a:gd name="adj1" fmla="val 50000"/>
+                <a:gd name="adj2" fmla="val 50000"/>
+              </a:avLst>
+            </a:prstGeom>
+            <a:solidFill>
+              <a:srgbClr val="838D90"/>
+            </a:solidFill>
+            <a:ln w="38100">
+              <a:solidFill>
+                <a:schemeClr val="tx1"/>
+              </a:solidFill>
+            </a:ln>
+          </p:spPr>
+          <p:style>
+            <a:lnRef idx="2">
+              <a:schemeClr val="accent1">
+                <a:shade val="50000"/>
+              </a:schemeClr>
+            </a:lnRef>
+            <a:fillRef idx="1">
+              <a:schemeClr val="accent1"/>
+            </a:fillRef>
+            <a:effectRef idx="0">
+              <a:schemeClr val="accent1"/>
+            </a:effectRef>
+            <a:fontRef idx="minor">
+              <a:schemeClr val="lt1"/>
+            </a:fontRef>
+          </p:style>
+          <p:txBody>
+            <a:bodyPr rtlCol="0" anchor="ctr"/>
+            <a:lstStyle/>
+            <a:p>
+              <a:pPr algn="ctr"/>
+              <a:endParaRPr lang="ko-KR" altLang="en-US"/>
+            </a:p>
+          </p:txBody>
+        </p:sp>
+        <p:sp>
+          <p:nvSpPr>
+            <p:cNvPr id="143" name="양쪽 모서리가 잘린 사각형 142"/>
+            <p:cNvSpPr/>
+            <p:nvPr/>
+          </p:nvSpPr>
+          <p:spPr>
+            <a:xfrm>
+              <a:off x="6528594" y="4354878"/>
+              <a:ext cx="500928" cy="245873"/>
+            </a:xfrm>
+            <a:prstGeom prst="snip2SameRect">
+              <a:avLst>
+                <a:gd name="adj1" fmla="val 50000"/>
+                <a:gd name="adj2" fmla="val 50000"/>
+              </a:avLst>
+            </a:prstGeom>
+            <a:solidFill>
+              <a:srgbClr val="838D90"/>
+            </a:solidFill>
+            <a:ln w="38100">
+              <a:solidFill>
+                <a:schemeClr val="tx1"/>
+              </a:solidFill>
+            </a:ln>
+          </p:spPr>
+          <p:style>
+            <a:lnRef idx="2">
+              <a:schemeClr val="accent1">
+                <a:shade val="50000"/>
+              </a:schemeClr>
+            </a:lnRef>
+            <a:fillRef idx="1">
+              <a:schemeClr val="accent1"/>
+            </a:fillRef>
+            <a:effectRef idx="0">
+              <a:schemeClr val="accent1"/>
+            </a:effectRef>
+            <a:fontRef idx="minor">
+              <a:schemeClr val="lt1"/>
+            </a:fontRef>
+          </p:style>
+          <p:txBody>
+            <a:bodyPr rtlCol="0" anchor="ctr"/>
+            <a:lstStyle/>
+            <a:p>
+              <a:pPr algn="ctr"/>
+              <a:endParaRPr lang="ko-KR" altLang="en-US"/>
+            </a:p>
+          </p:txBody>
+        </p:sp>
+        <p:sp>
+          <p:nvSpPr>
+            <p:cNvPr id="161" name="양쪽 모서리가 잘린 사각형 160"/>
+            <p:cNvSpPr/>
+            <p:nvPr/>
+          </p:nvSpPr>
+          <p:spPr>
+            <a:xfrm>
+              <a:off x="6650316" y="4417429"/>
+              <a:ext cx="847603" cy="125342"/>
+            </a:xfrm>
+            <a:prstGeom prst="snip2SameRect">
+              <a:avLst>
+                <a:gd name="adj1" fmla="val 50000"/>
+                <a:gd name="adj2" fmla="val 50000"/>
+              </a:avLst>
+            </a:prstGeom>
+            <a:solidFill>
+              <a:srgbClr val="6E3232"/>
+            </a:solidFill>
+            <a:ln w="38100">
+              <a:solidFill>
+                <a:schemeClr val="tx1"/>
+              </a:solidFill>
+            </a:ln>
+          </p:spPr>
+          <p:style>
+            <a:lnRef idx="2">
+              <a:schemeClr val="accent1">
+                <a:shade val="50000"/>
+              </a:schemeClr>
+            </a:lnRef>
+            <a:fillRef idx="1">
+              <a:schemeClr val="accent1"/>
+            </a:fillRef>
+            <a:effectRef idx="0">
+              <a:schemeClr val="accent1"/>
+            </a:effectRef>
+            <a:fontRef idx="minor">
+              <a:schemeClr val="lt1"/>
+            </a:fontRef>
+          </p:style>
+          <p:txBody>
+            <a:bodyPr rtlCol="0" anchor="ctr"/>
+            <a:lstStyle/>
+            <a:p>
+              <a:pPr algn="ctr"/>
+              <a:endParaRPr lang="ko-KR" altLang="en-US"/>
+            </a:p>
+          </p:txBody>
+        </p:sp>
+      </p:grpSp>
+      <p:grpSp>
+        <p:nvGrpSpPr>
+          <p:cNvPr id="29" name="그룹 28"/>
+          <p:cNvGrpSpPr/>
+          <p:nvPr/>
+        </p:nvGrpSpPr>
+        <p:grpSpPr>
+          <a:xfrm rot="10800000">
+            <a:off x="6176354" y="2119242"/>
+            <a:ext cx="1757364" cy="1176973"/>
+            <a:chOff x="6583546" y="1470061"/>
+            <a:chExt cx="1757364" cy="1176973"/>
+          </a:xfrm>
+        </p:grpSpPr>
+        <p:sp>
+          <p:nvSpPr>
+            <p:cNvPr id="170" name="양쪽 모서리가 잘린 사각형 169"/>
+            <p:cNvSpPr/>
+            <p:nvPr/>
+          </p:nvSpPr>
+          <p:spPr>
+            <a:xfrm rot="5400000">
+              <a:off x="7169334" y="884273"/>
+              <a:ext cx="585788" cy="1757363"/>
+            </a:xfrm>
+            <a:prstGeom prst="snip2SameRect">
+              <a:avLst/>
+            </a:prstGeom>
+            <a:solidFill>
+              <a:srgbClr val="6E3232"/>
+            </a:solidFill>
+            <a:ln w="38100">
+              <a:solidFill>
+                <a:schemeClr val="tx1"/>
+              </a:solidFill>
+            </a:ln>
+          </p:spPr>
+          <p:style>
+            <a:lnRef idx="2">
+              <a:schemeClr val="accent1">
+                <a:shade val="50000"/>
+              </a:schemeClr>
+            </a:lnRef>
+            <a:fillRef idx="1">
+              <a:schemeClr val="accent1"/>
+            </a:fillRef>
+            <a:effectRef idx="0">
+              <a:schemeClr val="accent1"/>
+            </a:effectRef>
+            <a:fontRef idx="minor">
+              <a:schemeClr val="lt1"/>
+            </a:fontRef>
+          </p:style>
+          <p:txBody>
+            <a:bodyPr rtlCol="0" anchor="ctr"/>
+            <a:lstStyle/>
+            <a:p>
+              <a:pPr algn="ctr"/>
+              <a:endParaRPr lang="ko-KR" altLang="en-US"/>
+            </a:p>
+          </p:txBody>
+        </p:sp>
+        <p:sp>
+          <p:nvSpPr>
+            <p:cNvPr id="171" name="직사각형 170"/>
+            <p:cNvSpPr/>
+            <p:nvPr/>
+          </p:nvSpPr>
+          <p:spPr>
+            <a:xfrm>
+              <a:off x="6999379" y="1797124"/>
+              <a:ext cx="198191" cy="82538"/>
+            </a:xfrm>
+            <a:prstGeom prst="rect">
+              <a:avLst/>
+            </a:prstGeom>
+            <a:solidFill>
+              <a:srgbClr val="838D90"/>
+            </a:solidFill>
+            <a:ln w="38100">
+              <a:solidFill>
+                <a:schemeClr val="tx1"/>
+              </a:solidFill>
+            </a:ln>
+          </p:spPr>
+          <p:style>
+            <a:lnRef idx="2">
+              <a:schemeClr val="accent1">
+                <a:shade val="50000"/>
+              </a:schemeClr>
+            </a:lnRef>
+            <a:fillRef idx="1">
+              <a:schemeClr val="accent1"/>
+            </a:fillRef>
+            <a:effectRef idx="0">
+              <a:schemeClr val="accent1"/>
+            </a:effectRef>
+            <a:fontRef idx="minor">
+              <a:schemeClr val="lt1"/>
+            </a:fontRef>
+          </p:style>
+          <p:txBody>
+            <a:bodyPr rtlCol="0" anchor="ctr"/>
+            <a:lstStyle/>
+            <a:p>
+              <a:pPr algn="ctr"/>
+              <a:endParaRPr lang="ko-KR" altLang="en-US"/>
+            </a:p>
+          </p:txBody>
+        </p:sp>
+        <p:grpSp>
+          <p:nvGrpSpPr>
+            <p:cNvPr id="174" name="그룹 173"/>
+            <p:cNvGrpSpPr/>
+            <p:nvPr/>
+          </p:nvGrpSpPr>
+          <p:grpSpPr>
+            <a:xfrm>
+              <a:off x="7197571" y="1524212"/>
+              <a:ext cx="465340" cy="477485"/>
+              <a:chOff x="3096188" y="2262185"/>
+              <a:chExt cx="465340" cy="465340"/>
+            </a:xfrm>
+          </p:grpSpPr>
+          <p:sp>
+            <p:nvSpPr>
+              <p:cNvPr id="221" name="팔각형 220"/>
+              <p:cNvSpPr/>
+              <p:nvPr/>
+            </p:nvSpPr>
+            <p:spPr>
+              <a:xfrm>
+                <a:off x="3096188" y="2262185"/>
+                <a:ext cx="465340" cy="465340"/>
+              </a:xfrm>
+              <a:prstGeom prst="octagon">
+                <a:avLst>
+                  <a:gd name="adj" fmla="val 11945"/>
+                </a:avLst>
+              </a:prstGeom>
+              <a:solidFill>
+                <a:srgbClr val="838D90"/>
+              </a:solidFill>
+              <a:ln w="38100">
+                <a:solidFill>
+                  <a:schemeClr val="tx1"/>
+                </a:solidFill>
+              </a:ln>
+            </p:spPr>
+            <p:style>
+              <a:lnRef idx="2">
+                <a:schemeClr val="accent1">
+                  <a:shade val="50000"/>
+                </a:schemeClr>
+              </a:lnRef>
+              <a:fillRef idx="1">
+                <a:schemeClr val="accent1"/>
+              </a:fillRef>
+              <a:effectRef idx="0">
+                <a:schemeClr val="accent1"/>
+              </a:effectRef>
+              <a:fontRef idx="minor">
+                <a:schemeClr val="lt1"/>
+              </a:fontRef>
+            </p:style>
+            <p:txBody>
+              <a:bodyPr rtlCol="0" anchor="ctr"/>
+              <a:lstStyle/>
+              <a:p>
+                <a:pPr algn="ctr"/>
+                <a:endParaRPr lang="ko-KR" altLang="en-US"/>
+              </a:p>
+            </p:txBody>
+          </p:sp>
+          <p:sp>
+            <p:nvSpPr>
+              <p:cNvPr id="222" name="팔각형 221"/>
+              <p:cNvSpPr/>
+              <p:nvPr/>
+            </p:nvSpPr>
+            <p:spPr>
+              <a:xfrm>
+                <a:off x="3181913" y="2347910"/>
+                <a:ext cx="293890" cy="293890"/>
+              </a:xfrm>
+              <a:prstGeom prst="octagon">
+                <a:avLst>
+                  <a:gd name="adj" fmla="val 11945"/>
+                </a:avLst>
+              </a:prstGeom>
+              <a:solidFill>
+                <a:srgbClr val="6E3232"/>
+              </a:solidFill>
+              <a:ln w="38100">
+                <a:solidFill>
+                  <a:schemeClr val="tx1"/>
+                </a:solidFill>
+              </a:ln>
+            </p:spPr>
+            <p:style>
+              <a:lnRef idx="2">
+                <a:schemeClr val="accent1">
+                  <a:shade val="50000"/>
+                </a:schemeClr>
+              </a:lnRef>
+              <a:fillRef idx="1">
+                <a:schemeClr val="accent1"/>
+              </a:fillRef>
+              <a:effectRef idx="0">
+                <a:schemeClr val="accent1"/>
+              </a:effectRef>
+              <a:fontRef idx="minor">
+                <a:schemeClr val="lt1"/>
+              </a:fontRef>
+            </p:style>
+            <p:txBody>
+              <a:bodyPr rtlCol="0" anchor="ctr"/>
+              <a:lstStyle/>
+              <a:p>
+                <a:pPr algn="ctr"/>
+                <a:endParaRPr lang="ko-KR" altLang="en-US"/>
+              </a:p>
+            </p:txBody>
+          </p:sp>
+        </p:grpSp>
+        <p:grpSp>
+          <p:nvGrpSpPr>
+            <p:cNvPr id="175" name="그룹 174"/>
+            <p:cNvGrpSpPr/>
+            <p:nvPr/>
+          </p:nvGrpSpPr>
+          <p:grpSpPr>
+            <a:xfrm>
+              <a:off x="7805256" y="1524212"/>
+              <a:ext cx="465340" cy="477485"/>
+              <a:chOff x="3096188" y="2262185"/>
+              <a:chExt cx="465340" cy="465340"/>
+            </a:xfrm>
+          </p:grpSpPr>
+          <p:sp>
+            <p:nvSpPr>
+              <p:cNvPr id="219" name="팔각형 218"/>
+              <p:cNvSpPr/>
+              <p:nvPr/>
+            </p:nvSpPr>
+            <p:spPr>
+              <a:xfrm>
+                <a:off x="3096188" y="2262185"/>
+                <a:ext cx="465340" cy="465340"/>
+              </a:xfrm>
+              <a:prstGeom prst="octagon">
+                <a:avLst>
+                  <a:gd name="adj" fmla="val 11945"/>
+                </a:avLst>
+              </a:prstGeom>
+              <a:solidFill>
+                <a:srgbClr val="838D90"/>
+              </a:solidFill>
+              <a:ln w="38100">
+                <a:solidFill>
+                  <a:schemeClr val="tx1"/>
+                </a:solidFill>
+              </a:ln>
+            </p:spPr>
+            <p:style>
+              <a:lnRef idx="2">
+                <a:schemeClr val="accent1">
+                  <a:shade val="50000"/>
+                </a:schemeClr>
+              </a:lnRef>
+              <a:fillRef idx="1">
+                <a:schemeClr val="accent1"/>
+              </a:fillRef>
+              <a:effectRef idx="0">
+                <a:schemeClr val="accent1"/>
+              </a:effectRef>
+              <a:fontRef idx="minor">
+                <a:schemeClr val="lt1"/>
+              </a:fontRef>
+            </p:style>
+            <p:txBody>
+              <a:bodyPr rtlCol="0" anchor="ctr"/>
+              <a:lstStyle/>
+              <a:p>
+                <a:pPr algn="ctr"/>
+                <a:endParaRPr lang="ko-KR" altLang="en-US"/>
+              </a:p>
+            </p:txBody>
+          </p:sp>
+          <p:sp>
+            <p:nvSpPr>
+              <p:cNvPr id="220" name="팔각형 219"/>
+              <p:cNvSpPr/>
+              <p:nvPr/>
+            </p:nvSpPr>
+            <p:spPr>
+              <a:xfrm>
+                <a:off x="3181913" y="2347910"/>
+                <a:ext cx="293890" cy="293890"/>
+              </a:xfrm>
+              <a:prstGeom prst="octagon">
+                <a:avLst>
+                  <a:gd name="adj" fmla="val 11945"/>
+                </a:avLst>
+              </a:prstGeom>
+              <a:solidFill>
+                <a:srgbClr val="6E3232"/>
+              </a:solidFill>
+              <a:ln w="38100">
+                <a:solidFill>
+                  <a:schemeClr val="tx1"/>
+                </a:solidFill>
+              </a:ln>
+            </p:spPr>
+            <p:style>
+              <a:lnRef idx="2">
+                <a:schemeClr val="accent1">
+                  <a:shade val="50000"/>
+                </a:schemeClr>
+              </a:lnRef>
+              <a:fillRef idx="1">
+                <a:schemeClr val="accent1"/>
+              </a:fillRef>
+              <a:effectRef idx="0">
+                <a:schemeClr val="accent1"/>
+              </a:effectRef>
+              <a:fontRef idx="minor">
+                <a:schemeClr val="lt1"/>
+              </a:fontRef>
+            </p:style>
+            <p:txBody>
+              <a:bodyPr rtlCol="0" anchor="ctr"/>
+              <a:lstStyle/>
+              <a:p>
+                <a:pPr algn="ctr"/>
+                <a:endParaRPr lang="ko-KR" altLang="en-US"/>
+              </a:p>
+            </p:txBody>
+          </p:sp>
+        </p:grpSp>
+        <p:sp>
+          <p:nvSpPr>
+            <p:cNvPr id="176" name="직사각형 175"/>
+            <p:cNvSpPr/>
+            <p:nvPr/>
+          </p:nvSpPr>
+          <p:spPr>
+            <a:xfrm>
+              <a:off x="8270596" y="1708954"/>
+              <a:ext cx="70314" cy="108000"/>
+            </a:xfrm>
+            <a:prstGeom prst="rect">
+              <a:avLst/>
+            </a:prstGeom>
+            <a:solidFill>
+              <a:srgbClr val="838D90"/>
+            </a:solidFill>
+            <a:ln w="38100">
+              <a:solidFill>
+                <a:schemeClr val="tx1"/>
+              </a:solidFill>
+            </a:ln>
+          </p:spPr>
+          <p:style>
+            <a:lnRef idx="2">
+              <a:schemeClr val="accent1">
+                <a:shade val="50000"/>
+              </a:schemeClr>
+            </a:lnRef>
+            <a:fillRef idx="1">
+              <a:schemeClr val="accent1"/>
+            </a:fillRef>
+            <a:effectRef idx="0">
+              <a:schemeClr val="accent1"/>
+            </a:effectRef>
+            <a:fontRef idx="minor">
+              <a:schemeClr val="lt1"/>
+            </a:fontRef>
+          </p:style>
+          <p:txBody>
+            <a:bodyPr rtlCol="0" anchor="ctr"/>
+            <a:lstStyle/>
+            <a:p>
+              <a:pPr algn="ctr"/>
+              <a:endParaRPr lang="ko-KR" altLang="en-US"/>
+            </a:p>
+          </p:txBody>
+        </p:sp>
+        <p:sp>
+          <p:nvSpPr>
+            <p:cNvPr id="177" name="직사각형 176"/>
+            <p:cNvSpPr/>
+            <p:nvPr/>
+          </p:nvSpPr>
+          <p:spPr>
+            <a:xfrm>
+              <a:off x="7666906" y="1636331"/>
+              <a:ext cx="138349" cy="253246"/>
+            </a:xfrm>
+            <a:prstGeom prst="rect">
+              <a:avLst/>
+            </a:prstGeom>
+            <a:solidFill>
+              <a:srgbClr val="838D90"/>
+            </a:solidFill>
+            <a:ln w="38100">
+              <a:solidFill>
+                <a:schemeClr val="tx1"/>
+              </a:solidFill>
+            </a:ln>
+          </p:spPr>
+          <p:style>
+            <a:lnRef idx="2">
+              <a:schemeClr val="accent1">
+                <a:shade val="50000"/>
+              </a:schemeClr>
+            </a:lnRef>
+            <a:fillRef idx="1">
+              <a:schemeClr val="accent1"/>
+            </a:fillRef>
+            <a:effectRef idx="0">
+              <a:schemeClr val="accent1"/>
+            </a:effectRef>
+            <a:fontRef idx="minor">
+              <a:schemeClr val="lt1"/>
+            </a:fontRef>
+          </p:style>
+          <p:txBody>
+            <a:bodyPr rtlCol="0" anchor="ctr"/>
+            <a:lstStyle/>
+            <a:p>
+              <a:pPr algn="ctr"/>
+              <a:endParaRPr lang="ko-KR" altLang="en-US"/>
+            </a:p>
+          </p:txBody>
+        </p:sp>
+        <p:sp>
+          <p:nvSpPr>
+            <p:cNvPr id="178" name="직사각형 177"/>
+            <p:cNvSpPr/>
+            <p:nvPr/>
+          </p:nvSpPr>
+          <p:spPr>
+            <a:xfrm>
+              <a:off x="7577186" y="1708954"/>
+              <a:ext cx="313796" cy="108000"/>
+            </a:xfrm>
+            <a:prstGeom prst="rect">
+              <a:avLst/>
+            </a:prstGeom>
+            <a:solidFill>
+              <a:srgbClr val="6E3232"/>
+            </a:solidFill>
+            <a:ln w="38100">
+              <a:solidFill>
+                <a:schemeClr val="tx1"/>
+              </a:solidFill>
+            </a:ln>
+          </p:spPr>
+          <p:style>
+            <a:lnRef idx="2">
+              <a:schemeClr val="accent1">
+                <a:shade val="50000"/>
+              </a:schemeClr>
+            </a:lnRef>
+            <a:fillRef idx="1">
+              <a:schemeClr val="accent1"/>
+            </a:fillRef>
+            <a:effectRef idx="0">
+              <a:schemeClr val="accent1"/>
+            </a:effectRef>
+            <a:fontRef idx="minor">
+              <a:schemeClr val="lt1"/>
+            </a:fontRef>
+          </p:style>
+          <p:txBody>
+            <a:bodyPr rtlCol="0" anchor="ctr"/>
+            <a:lstStyle/>
+            <a:p>
+              <a:pPr algn="ctr"/>
+              <a:endParaRPr lang="ko-KR" altLang="en-US"/>
+            </a:p>
+          </p:txBody>
+        </p:sp>
+        <p:sp>
+          <p:nvSpPr>
+            <p:cNvPr id="179" name="직사각형 178"/>
+            <p:cNvSpPr/>
+            <p:nvPr/>
+          </p:nvSpPr>
+          <p:spPr>
+            <a:xfrm>
+              <a:off x="7558172" y="1725318"/>
+              <a:ext cx="352425" cy="75272"/>
+            </a:xfrm>
+            <a:prstGeom prst="rect">
+              <a:avLst/>
+            </a:prstGeom>
+            <a:solidFill>
+              <a:srgbClr val="6E3232"/>
+            </a:solidFill>
+            <a:ln w="38100">
+              <a:noFill/>
+            </a:ln>
+          </p:spPr>
+          <p:style>
+            <a:lnRef idx="2">
+              <a:schemeClr val="accent1">
+                <a:shade val="50000"/>
+              </a:schemeClr>
+            </a:lnRef>
+            <a:fillRef idx="1">
+              <a:schemeClr val="accent1"/>
+            </a:fillRef>
+            <a:effectRef idx="0">
+              <a:schemeClr val="accent1"/>
+            </a:effectRef>
+            <a:fontRef idx="minor">
+              <a:schemeClr val="lt1"/>
+            </a:fontRef>
+          </p:style>
+          <p:txBody>
+            <a:bodyPr rtlCol="0" anchor="ctr"/>
+            <a:lstStyle/>
+            <a:p>
+              <a:pPr algn="ctr"/>
+              <a:endParaRPr lang="ko-KR" altLang="en-US"/>
+            </a:p>
+          </p:txBody>
+        </p:sp>
+        <p:sp>
+          <p:nvSpPr>
+            <p:cNvPr id="180" name="직사각형 179"/>
+            <p:cNvSpPr/>
+            <p:nvPr/>
+          </p:nvSpPr>
+          <p:spPr>
+            <a:xfrm>
+              <a:off x="6999379" y="1643257"/>
+              <a:ext cx="198191" cy="82538"/>
+            </a:xfrm>
+            <a:prstGeom prst="rect">
+              <a:avLst/>
+            </a:prstGeom>
+            <a:solidFill>
+              <a:srgbClr val="838D90"/>
+            </a:solidFill>
+            <a:ln w="38100">
+              <a:solidFill>
+                <a:schemeClr val="tx1"/>
+              </a:solidFill>
+            </a:ln>
+          </p:spPr>
+          <p:style>
+            <a:lnRef idx="2">
+              <a:schemeClr val="accent1">
+                <a:shade val="50000"/>
+              </a:schemeClr>
+            </a:lnRef>
+            <a:fillRef idx="1">
+              <a:schemeClr val="accent1"/>
+            </a:fillRef>
+            <a:effectRef idx="0">
+              <a:schemeClr val="accent1"/>
+            </a:effectRef>
+            <a:fontRef idx="minor">
+              <a:schemeClr val="lt1"/>
+            </a:fontRef>
+          </p:style>
+          <p:txBody>
+            <a:bodyPr rtlCol="0" anchor="ctr"/>
+            <a:lstStyle/>
+            <a:p>
+              <a:pPr algn="ctr"/>
+              <a:endParaRPr lang="ko-KR" altLang="en-US"/>
+            </a:p>
+          </p:txBody>
+        </p:sp>
+        <p:sp>
+          <p:nvSpPr>
+            <p:cNvPr id="181" name="직사각형 180"/>
+            <p:cNvSpPr/>
+            <p:nvPr/>
+          </p:nvSpPr>
+          <p:spPr>
+            <a:xfrm>
+              <a:off x="6585771" y="1797124"/>
+              <a:ext cx="164216" cy="82538"/>
+            </a:xfrm>
+            <a:prstGeom prst="rect">
+              <a:avLst/>
+            </a:prstGeom>
+            <a:solidFill>
+              <a:srgbClr val="838D90"/>
+            </a:solidFill>
+            <a:ln w="38100">
+              <a:solidFill>
+                <a:schemeClr val="tx1"/>
+              </a:solidFill>
+            </a:ln>
+          </p:spPr>
+          <p:style>
+            <a:lnRef idx="2">
+              <a:schemeClr val="accent1">
+                <a:shade val="50000"/>
+              </a:schemeClr>
+            </a:lnRef>
+            <a:fillRef idx="1">
+              <a:schemeClr val="accent1"/>
+            </a:fillRef>
+            <a:effectRef idx="0">
+              <a:schemeClr val="accent1"/>
+            </a:effectRef>
+            <a:fontRef idx="minor">
+              <a:schemeClr val="lt1"/>
+            </a:fontRef>
+          </p:style>
+          <p:txBody>
+            <a:bodyPr rtlCol="0" anchor="ctr"/>
+            <a:lstStyle/>
+            <a:p>
+              <a:pPr algn="ctr"/>
+              <a:endParaRPr lang="ko-KR" altLang="en-US"/>
+            </a:p>
+          </p:txBody>
+        </p:sp>
+        <p:sp>
+          <p:nvSpPr>
+            <p:cNvPr id="182" name="직사각형 181"/>
+            <p:cNvSpPr/>
+            <p:nvPr/>
+          </p:nvSpPr>
+          <p:spPr>
+            <a:xfrm>
+              <a:off x="6585771" y="1643257"/>
+              <a:ext cx="164216" cy="82538"/>
+            </a:xfrm>
+            <a:prstGeom prst="rect">
+              <a:avLst/>
+            </a:prstGeom>
+            <a:solidFill>
+              <a:srgbClr val="838D90"/>
+            </a:solidFill>
+            <a:ln w="38100">
+              <a:solidFill>
+                <a:schemeClr val="tx1"/>
+              </a:solidFill>
+            </a:ln>
+          </p:spPr>
+          <p:style>
+            <a:lnRef idx="2">
+              <a:schemeClr val="accent1">
+                <a:shade val="50000"/>
+              </a:schemeClr>
+            </a:lnRef>
+            <a:fillRef idx="1">
+              <a:schemeClr val="accent1"/>
+            </a:fillRef>
+            <a:effectRef idx="0">
+              <a:schemeClr val="accent1"/>
+            </a:effectRef>
+            <a:fontRef idx="minor">
+              <a:schemeClr val="lt1"/>
+            </a:fontRef>
+          </p:style>
+          <p:txBody>
+            <a:bodyPr rtlCol="0" anchor="ctr"/>
+            <a:lstStyle/>
+            <a:p>
+              <a:pPr algn="ctr"/>
+              <a:endParaRPr lang="ko-KR" altLang="en-US"/>
+            </a:p>
+          </p:txBody>
+        </p:sp>
+        <p:grpSp>
+          <p:nvGrpSpPr>
+            <p:cNvPr id="27" name="그룹 26"/>
+            <p:cNvGrpSpPr/>
+            <p:nvPr/>
+          </p:nvGrpSpPr>
+          <p:grpSpPr>
+            <a:xfrm rot="10800000">
+              <a:off x="6583547" y="1882208"/>
+              <a:ext cx="585788" cy="764826"/>
+              <a:chOff x="6583547" y="878431"/>
+              <a:chExt cx="585788" cy="764826"/>
+            </a:xfrm>
+          </p:grpSpPr>
+          <p:grpSp>
+            <p:nvGrpSpPr>
+              <p:cNvPr id="26" name="그룹 25"/>
+              <p:cNvGrpSpPr/>
+              <p:nvPr/>
+            </p:nvGrpSpPr>
+            <p:grpSpPr>
+              <a:xfrm>
+                <a:off x="6583547" y="878431"/>
+                <a:ext cx="585788" cy="663941"/>
+                <a:chOff x="6583547" y="878431"/>
+                <a:chExt cx="585788" cy="663941"/>
+              </a:xfrm>
+            </p:grpSpPr>
+            <p:sp>
+              <p:nvSpPr>
+                <p:cNvPr id="172" name="양쪽 모서리가 잘린 사각형 171"/>
+                <p:cNvSpPr/>
+                <p:nvPr/>
+              </p:nvSpPr>
+              <p:spPr>
+                <a:xfrm>
+                  <a:off x="6583547" y="878431"/>
+                  <a:ext cx="585788" cy="591628"/>
+                </a:xfrm>
+                <a:prstGeom prst="snip2SameRect">
+                  <a:avLst/>
+                </a:prstGeom>
+                <a:solidFill>
+                  <a:srgbClr val="6E3232"/>
+                </a:solidFill>
+                <a:ln w="38100">
+                  <a:solidFill>
+                    <a:schemeClr val="tx1"/>
+                  </a:solidFill>
+                </a:ln>
+              </p:spPr>
+              <p:style>
+                <a:lnRef idx="2">
+                  <a:schemeClr val="accent1">
+                    <a:shade val="50000"/>
+                  </a:schemeClr>
+                </a:lnRef>
+                <a:fillRef idx="1">
+                  <a:schemeClr val="accent1"/>
+                </a:fillRef>
+                <a:effectRef idx="0">
+                  <a:schemeClr val="accent1"/>
+                </a:effectRef>
+                <a:fontRef idx="minor">
+                  <a:schemeClr val="lt1"/>
+                </a:fontRef>
+              </p:style>
+              <p:txBody>
+                <a:bodyPr rtlCol="0" anchor="ctr"/>
+                <a:lstStyle/>
+                <a:p>
+                  <a:pPr algn="ctr"/>
+                  <a:endParaRPr lang="ko-KR" altLang="en-US"/>
+                </a:p>
+              </p:txBody>
+            </p:sp>
+            <p:grpSp>
+              <p:nvGrpSpPr>
+                <p:cNvPr id="173" name="그룹 172"/>
+                <p:cNvGrpSpPr/>
+                <p:nvPr/>
+              </p:nvGrpSpPr>
+              <p:grpSpPr>
+                <a:xfrm>
+                  <a:off x="6643771" y="939337"/>
+                  <a:ext cx="465340" cy="465340"/>
+                  <a:chOff x="3096188" y="2262185"/>
+                  <a:chExt cx="465340" cy="465340"/>
+                </a:xfrm>
+              </p:grpSpPr>
+              <p:sp>
+                <p:nvSpPr>
+                  <p:cNvPr id="223" name="팔각형 222"/>
+                  <p:cNvSpPr/>
+                  <p:nvPr/>
+                </p:nvSpPr>
+                <p:spPr>
+                  <a:xfrm>
+                    <a:off x="3096188" y="2262185"/>
+                    <a:ext cx="465340" cy="465340"/>
+                  </a:xfrm>
+                  <a:prstGeom prst="octagon">
+                    <a:avLst>
+                      <a:gd name="adj" fmla="val 11945"/>
+                    </a:avLst>
+                  </a:prstGeom>
+                  <a:solidFill>
+                    <a:srgbClr val="838D90"/>
+                  </a:solidFill>
+                  <a:ln w="38100">
+                    <a:solidFill>
+                      <a:schemeClr val="tx1"/>
+                    </a:solidFill>
+                  </a:ln>
+                </p:spPr>
+                <p:style>
+                  <a:lnRef idx="2">
+                    <a:schemeClr val="accent1">
+                      <a:shade val="50000"/>
+                    </a:schemeClr>
+                  </a:lnRef>
+                  <a:fillRef idx="1">
+                    <a:schemeClr val="accent1"/>
+                  </a:fillRef>
+                  <a:effectRef idx="0">
+                    <a:schemeClr val="accent1"/>
+                  </a:effectRef>
+                  <a:fontRef idx="minor">
+                    <a:schemeClr val="lt1"/>
+                  </a:fontRef>
+                </p:style>
+                <p:txBody>
+                  <a:bodyPr rtlCol="0" anchor="ctr"/>
+                  <a:lstStyle/>
+                  <a:p>
+                    <a:pPr algn="ctr"/>
+                    <a:endParaRPr lang="ko-KR" altLang="en-US"/>
+                  </a:p>
+                </p:txBody>
+              </p:sp>
+              <p:sp>
+                <p:nvSpPr>
+                  <p:cNvPr id="224" name="팔각형 223"/>
+                  <p:cNvSpPr/>
+                  <p:nvPr/>
+                </p:nvSpPr>
+                <p:spPr>
+                  <a:xfrm>
+                    <a:off x="3181913" y="2347910"/>
+                    <a:ext cx="293890" cy="293890"/>
+                  </a:xfrm>
+                  <a:prstGeom prst="octagon">
+                    <a:avLst>
+                      <a:gd name="adj" fmla="val 11945"/>
+                    </a:avLst>
+                  </a:prstGeom>
+                  <a:solidFill>
+                    <a:srgbClr val="6E3232"/>
+                  </a:solidFill>
+                  <a:ln w="38100">
+                    <a:solidFill>
+                      <a:schemeClr val="tx1"/>
+                    </a:solidFill>
+                  </a:ln>
+                </p:spPr>
+                <p:style>
+                  <a:lnRef idx="2">
+                    <a:schemeClr val="accent1">
+                      <a:shade val="50000"/>
+                    </a:schemeClr>
+                  </a:lnRef>
+                  <a:fillRef idx="1">
+                    <a:schemeClr val="accent1"/>
+                  </a:fillRef>
+                  <a:effectRef idx="0">
+                    <a:schemeClr val="accent1"/>
+                  </a:effectRef>
+                  <a:fontRef idx="minor">
+                    <a:schemeClr val="lt1"/>
+                  </a:fontRef>
+                </p:style>
+                <p:txBody>
+                  <a:bodyPr rtlCol="0" anchor="ctr"/>
+                  <a:lstStyle/>
+                  <a:p>
+                    <a:pPr algn="ctr"/>
+                    <a:endParaRPr lang="ko-KR" altLang="en-US"/>
+                  </a:p>
+                </p:txBody>
+              </p:sp>
+            </p:grpSp>
+            <p:sp>
+              <p:nvSpPr>
+                <p:cNvPr id="183" name="직사각형 182"/>
+                <p:cNvSpPr/>
+                <p:nvPr/>
+              </p:nvSpPr>
+              <p:spPr>
+                <a:xfrm>
+                  <a:off x="6602541" y="1431843"/>
+                  <a:ext cx="547200" cy="110529"/>
+                </a:xfrm>
+                <a:prstGeom prst="rect">
+                  <a:avLst/>
+                </a:prstGeom>
+                <a:solidFill>
+                  <a:srgbClr val="6E3232"/>
+                </a:solidFill>
+                <a:ln w="38100">
+                  <a:noFill/>
+                </a:ln>
+              </p:spPr>
+              <p:style>
+                <a:lnRef idx="2">
+                  <a:schemeClr val="accent1">
+                    <a:shade val="50000"/>
+                  </a:schemeClr>
+                </a:lnRef>
+                <a:fillRef idx="1">
+                  <a:schemeClr val="accent1"/>
+                </a:fillRef>
+                <a:effectRef idx="0">
+                  <a:schemeClr val="accent1"/>
+                </a:effectRef>
+                <a:fontRef idx="minor">
+                  <a:schemeClr val="lt1"/>
+                </a:fontRef>
+              </p:style>
+              <p:txBody>
+                <a:bodyPr rot="0" spcFirstLastPara="0" vertOverflow="overflow" horzOverflow="overflow" vert="horz" wrap="square" lIns="91440" tIns="45720" rIns="91440" bIns="45720" numCol="1" spcCol="0" rtlCol="0" fromWordArt="0" anchor="ctr" anchorCtr="0" forceAA="0" compatLnSpc="1">
+                  <a:prstTxWarp prst="textNoShape">
+                    <a:avLst/>
+                  </a:prstTxWarp>
+                  <a:noAutofit/>
+                </a:bodyPr>
+                <a:lstStyle/>
+                <a:p>
+                  <a:pPr algn="ctr"/>
+                  <a:endParaRPr lang="ko-KR" altLang="en-US"/>
+                </a:p>
+              </p:txBody>
+            </p:sp>
+          </p:grpSp>
+          <p:sp>
+            <p:nvSpPr>
+              <p:cNvPr id="188" name="직사각형 187"/>
+              <p:cNvSpPr/>
+              <p:nvPr/>
+            </p:nvSpPr>
+            <p:spPr>
+              <a:xfrm>
+                <a:off x="6800776" y="1420962"/>
+                <a:ext cx="153554" cy="222295"/>
+              </a:xfrm>
+              <a:prstGeom prst="rect">
+                <a:avLst/>
+              </a:prstGeom>
+              <a:solidFill>
+                <a:srgbClr val="838D90"/>
+              </a:solidFill>
+              <a:ln w="38100">
+                <a:solidFill>
+                  <a:schemeClr val="tx1"/>
+                </a:solidFill>
+              </a:ln>
+            </p:spPr>
+            <p:style>
+              <a:lnRef idx="2">
+                <a:schemeClr val="accent1">
+                  <a:shade val="50000"/>
+                </a:schemeClr>
+              </a:lnRef>
+              <a:fillRef idx="1">
+                <a:schemeClr val="accent1"/>
+              </a:fillRef>
+              <a:effectRef idx="0">
+                <a:schemeClr val="accent1"/>
+              </a:effectRef>
+              <a:fontRef idx="minor">
+                <a:schemeClr val="lt1"/>
+              </a:fontRef>
+            </p:style>
+            <p:txBody>
+              <a:bodyPr rtlCol="0" anchor="ctr"/>
+              <a:lstStyle/>
+              <a:p>
+                <a:pPr algn="ctr"/>
+                <a:endParaRPr lang="ko-KR" altLang="en-US"/>
+              </a:p>
+            </p:txBody>
+          </p:sp>
+        </p:grpSp>
+        <p:sp>
+          <p:nvSpPr>
+            <p:cNvPr id="192" name="양쪽 모서리가 잘린 사각형 191"/>
+            <p:cNvSpPr/>
+            <p:nvPr/>
+          </p:nvSpPr>
+          <p:spPr>
+            <a:xfrm rot="16200000">
+              <a:off x="6625979" y="1640018"/>
+              <a:ext cx="500928" cy="245873"/>
+            </a:xfrm>
+            <a:prstGeom prst="snip2SameRect">
+              <a:avLst>
+                <a:gd name="adj1" fmla="val 50000"/>
+                <a:gd name="adj2" fmla="val 50000"/>
+              </a:avLst>
+            </a:prstGeom>
+            <a:solidFill>
+              <a:srgbClr val="838D90"/>
+            </a:solidFill>
+            <a:ln w="38100">
+              <a:solidFill>
+                <a:schemeClr val="tx1"/>
+              </a:solidFill>
+            </a:ln>
+          </p:spPr>
+          <p:style>
+            <a:lnRef idx="2">
+              <a:schemeClr val="accent1">
+                <a:shade val="50000"/>
+              </a:schemeClr>
+            </a:lnRef>
+            <a:fillRef idx="1">
+              <a:schemeClr val="accent1"/>
+            </a:fillRef>
+            <a:effectRef idx="0">
+              <a:schemeClr val="accent1"/>
+            </a:effectRef>
+            <a:fontRef idx="minor">
+              <a:schemeClr val="lt1"/>
+            </a:fontRef>
+          </p:style>
+          <p:txBody>
+            <a:bodyPr rtlCol="0" anchor="ctr"/>
+            <a:lstStyle/>
+            <a:p>
+              <a:pPr algn="ctr"/>
+              <a:endParaRPr lang="ko-KR" altLang="en-US"/>
+            </a:p>
+          </p:txBody>
+        </p:sp>
+        <p:sp>
+          <p:nvSpPr>
+            <p:cNvPr id="193" name="양쪽 모서리가 잘린 사각형 192"/>
+            <p:cNvSpPr/>
+            <p:nvPr/>
+          </p:nvSpPr>
+          <p:spPr>
+            <a:xfrm rot="16200000">
+              <a:off x="6751046" y="1701343"/>
+              <a:ext cx="255364" cy="125342"/>
+            </a:xfrm>
+            <a:prstGeom prst="snip2SameRect">
+              <a:avLst>
+                <a:gd name="adj1" fmla="val 50000"/>
+                <a:gd name="adj2" fmla="val 50000"/>
+              </a:avLst>
+            </a:prstGeom>
+            <a:solidFill>
+              <a:srgbClr val="6E3232"/>
+            </a:solidFill>
+            <a:ln w="38100">
+              <a:solidFill>
+                <a:schemeClr val="tx1"/>
+              </a:solidFill>
+            </a:ln>
+          </p:spPr>
+          <p:style>
+            <a:lnRef idx="2">
+              <a:schemeClr val="accent1">
+                <a:shade val="50000"/>
+              </a:schemeClr>
+            </a:lnRef>
+            <a:fillRef idx="1">
+              <a:schemeClr val="accent1"/>
+            </a:fillRef>
+            <a:effectRef idx="0">
+              <a:schemeClr val="accent1"/>
+            </a:effectRef>
+            <a:fontRef idx="minor">
+              <a:schemeClr val="lt1"/>
+            </a:fontRef>
+          </p:style>
+          <p:txBody>
+            <a:bodyPr rtlCol="0" anchor="ctr"/>
+            <a:lstStyle/>
+            <a:p>
+              <a:pPr algn="ctr"/>
+              <a:endParaRPr lang="ko-KR" altLang="en-US"/>
+            </a:p>
+          </p:txBody>
+        </p:sp>
+      </p:grpSp>
+      <p:grpSp>
+        <p:nvGrpSpPr>
+          <p:cNvPr id="11" name="그룹 10"/>
+          <p:cNvGrpSpPr/>
+          <p:nvPr/>
+        </p:nvGrpSpPr>
+        <p:grpSpPr>
+          <a:xfrm>
+            <a:off x="3035964" y="819756"/>
+            <a:ext cx="1173421" cy="1171574"/>
+            <a:chOff x="3035964" y="819756"/>
+            <a:chExt cx="1173421" cy="1171574"/>
+          </a:xfrm>
+        </p:grpSpPr>
+        <p:grpSp>
+          <p:nvGrpSpPr>
+            <p:cNvPr id="79" name="그룹 78"/>
+            <p:cNvGrpSpPr/>
+            <p:nvPr/>
+          </p:nvGrpSpPr>
+          <p:grpSpPr>
+            <a:xfrm>
+              <a:off x="3035964" y="819756"/>
+              <a:ext cx="1173421" cy="1171574"/>
+              <a:chOff x="131763" y="138112"/>
+              <a:chExt cx="1173421" cy="1171574"/>
+            </a:xfrm>
+          </p:grpSpPr>
+          <p:sp>
+            <p:nvSpPr>
+              <p:cNvPr id="3" name="팔각형 2"/>
+              <p:cNvSpPr/>
+              <p:nvPr/>
+            </p:nvSpPr>
+            <p:spPr>
+              <a:xfrm>
+                <a:off x="131764" y="138114"/>
+                <a:ext cx="1171572" cy="1171572"/>
+              </a:xfrm>
+              <a:prstGeom prst="octagon">
+                <a:avLst>
+                  <a:gd name="adj" fmla="val 11945"/>
+                </a:avLst>
+              </a:prstGeom>
+              <a:solidFill>
+                <a:srgbClr val="6E3232"/>
+              </a:solidFill>
+              <a:ln w="38100">
+                <a:solidFill>
+                  <a:schemeClr val="tx1"/>
+                </a:solidFill>
+              </a:ln>
+            </p:spPr>
+            <p:style>
+              <a:lnRef idx="2">
+                <a:schemeClr val="accent1">
+                  <a:shade val="50000"/>
+                </a:schemeClr>
+              </a:lnRef>
+              <a:fillRef idx="1">
+                <a:schemeClr val="accent1"/>
+              </a:fillRef>
+              <a:effectRef idx="0">
+                <a:schemeClr val="accent1"/>
+              </a:effectRef>
+              <a:fontRef idx="minor">
+                <a:schemeClr val="lt1"/>
+              </a:fontRef>
+            </p:style>
+            <p:txBody>
+              <a:bodyPr rtlCol="0" anchor="ctr"/>
+              <a:lstStyle/>
+              <a:p>
+                <a:pPr algn="ctr"/>
+                <a:endParaRPr lang="ko-KR" altLang="en-US"/>
+              </a:p>
+            </p:txBody>
+          </p:sp>
+          <p:sp>
+            <p:nvSpPr>
+              <p:cNvPr id="51" name="팔각형 50"/>
+              <p:cNvSpPr/>
+              <p:nvPr/>
+            </p:nvSpPr>
+            <p:spPr>
+              <a:xfrm>
+                <a:off x="409027" y="415377"/>
+                <a:ext cx="617046" cy="617046"/>
+              </a:xfrm>
+              <a:prstGeom prst="octagon">
+                <a:avLst>
+                  <a:gd name="adj" fmla="val 11945"/>
+                </a:avLst>
+              </a:prstGeom>
+              <a:solidFill>
+                <a:srgbClr val="838D90"/>
+              </a:solidFill>
+              <a:ln w="38100">
+                <a:solidFill>
+                  <a:schemeClr val="tx1"/>
+                </a:solidFill>
+              </a:ln>
+            </p:spPr>
+            <p:style>
+              <a:lnRef idx="2">
+                <a:schemeClr val="accent1">
+                  <a:shade val="50000"/>
+                </a:schemeClr>
+              </a:lnRef>
+              <a:fillRef idx="1">
+                <a:schemeClr val="accent1"/>
+              </a:fillRef>
+              <a:effectRef idx="0">
+                <a:schemeClr val="accent1"/>
+              </a:effectRef>
+              <a:fontRef idx="minor">
+                <a:schemeClr val="lt1"/>
+              </a:fontRef>
+            </p:style>
+            <p:txBody>
+              <a:bodyPr rtlCol="0" anchor="ctr"/>
+              <a:lstStyle/>
+              <a:p>
+                <a:pPr algn="ctr"/>
+                <a:endParaRPr lang="ko-KR" altLang="en-US"/>
+              </a:p>
+            </p:txBody>
+          </p:sp>
+          <p:sp>
+            <p:nvSpPr>
+              <p:cNvPr id="50" name="타원 49"/>
+              <p:cNvSpPr/>
+              <p:nvPr/>
+            </p:nvSpPr>
+            <p:spPr>
+              <a:xfrm>
+                <a:off x="480143" y="486493"/>
+                <a:ext cx="474814" cy="474814"/>
+              </a:xfrm>
+              <a:prstGeom prst="ellipse">
+                <a:avLst/>
+              </a:prstGeom>
+              <a:solidFill>
+                <a:srgbClr val="6E3232"/>
+              </a:solidFill>
+              <a:ln w="38100">
+                <a:solidFill>
+                  <a:schemeClr val="tx1"/>
+                </a:solidFill>
+              </a:ln>
+            </p:spPr>
+            <p:style>
+              <a:lnRef idx="2">
+                <a:schemeClr val="accent1">
+                  <a:shade val="50000"/>
+                </a:schemeClr>
+              </a:lnRef>
+              <a:fillRef idx="1">
+                <a:schemeClr val="accent1"/>
+              </a:fillRef>
+              <a:effectRef idx="0">
+                <a:schemeClr val="accent1"/>
+              </a:effectRef>
+              <a:fontRef idx="minor">
+                <a:schemeClr val="lt1"/>
+              </a:fontRef>
+            </p:style>
+            <p:txBody>
+              <a:bodyPr rot="0" spcFirstLastPara="0" vertOverflow="overflow" horzOverflow="overflow" vert="horz" wrap="square" lIns="91440" tIns="45720" rIns="91440" bIns="45720" numCol="1" spcCol="0" rtlCol="0" fromWordArt="0" anchor="ctr" anchorCtr="0" forceAA="0" compatLnSpc="1">
+                <a:prstTxWarp prst="textNoShape">
+                  <a:avLst/>
+                </a:prstTxWarp>
+                <a:noAutofit/>
+              </a:bodyPr>
+              <a:lstStyle/>
+              <a:p>
+                <a:pPr algn="ctr"/>
+                <a:endParaRPr lang="ko-KR" altLang="en-US"/>
+              </a:p>
+            </p:txBody>
+          </p:sp>
+          <p:sp>
+            <p:nvSpPr>
+              <p:cNvPr id="5" name="사다리꼴 4"/>
+              <p:cNvSpPr/>
+              <p:nvPr/>
+            </p:nvSpPr>
+            <p:spPr>
+              <a:xfrm>
+                <a:off x="296069" y="1124843"/>
+                <a:ext cx="842962" cy="184843"/>
+              </a:xfrm>
+              <a:prstGeom prst="trapezoid">
+                <a:avLst/>
+              </a:prstGeom>
+              <a:solidFill>
+                <a:srgbClr val="838D90"/>
+              </a:solidFill>
+              <a:ln w="38100">
+                <a:solidFill>
+                  <a:schemeClr val="tx1"/>
+                </a:solidFill>
+              </a:ln>
+            </p:spPr>
+            <p:style>
+              <a:lnRef idx="2">
+                <a:schemeClr val="accent1">
+                  <a:shade val="50000"/>
+                </a:schemeClr>
+              </a:lnRef>
+              <a:fillRef idx="1">
+                <a:schemeClr val="accent1"/>
+              </a:fillRef>
+              <a:effectRef idx="0">
+                <a:schemeClr val="accent1"/>
+              </a:effectRef>
+              <a:fontRef idx="minor">
+                <a:schemeClr val="lt1"/>
+              </a:fontRef>
+            </p:style>
+            <p:txBody>
+              <a:bodyPr rot="0" spcFirstLastPara="0" vertOverflow="overflow" horzOverflow="overflow" vert="horz" wrap="square" lIns="91440" tIns="45720" rIns="91440" bIns="45720" numCol="1" spcCol="0" rtlCol="0" fromWordArt="0" anchor="ctr" anchorCtr="0" forceAA="0" compatLnSpc="1">
+                <a:prstTxWarp prst="textNoShape">
+                  <a:avLst/>
+                </a:prstTxWarp>
+                <a:noAutofit/>
+              </a:bodyPr>
+              <a:lstStyle/>
+              <a:p>
+                <a:pPr algn="ctr"/>
+                <a:endParaRPr lang="ko-KR" altLang="en-US"/>
+              </a:p>
+            </p:txBody>
+          </p:sp>
+          <p:sp>
+            <p:nvSpPr>
+              <p:cNvPr id="28" name="사다리꼴 27"/>
+              <p:cNvSpPr/>
+              <p:nvPr/>
+            </p:nvSpPr>
+            <p:spPr>
+              <a:xfrm rot="10800000">
+                <a:off x="296069" y="138112"/>
+                <a:ext cx="842962" cy="184844"/>
+              </a:xfrm>
+              <a:prstGeom prst="trapezoid">
+                <a:avLst/>
+              </a:prstGeom>
+              <a:solidFill>
+                <a:srgbClr val="838D90"/>
+              </a:solidFill>
+              <a:ln w="38100">
+                <a:solidFill>
+                  <a:schemeClr val="tx1"/>
+                </a:solidFill>
+              </a:ln>
+            </p:spPr>
+            <p:style>
+              <a:lnRef idx="2">
+                <a:schemeClr val="accent1">
+                  <a:shade val="50000"/>
+                </a:schemeClr>
+              </a:lnRef>
+              <a:fillRef idx="1">
+                <a:schemeClr val="accent1"/>
+              </a:fillRef>
+              <a:effectRef idx="0">
+                <a:schemeClr val="accent1"/>
+              </a:effectRef>
+              <a:fontRef idx="minor">
+                <a:schemeClr val="lt1"/>
+              </a:fontRef>
+            </p:style>
+            <p:txBody>
+              <a:bodyPr rot="0" spcFirstLastPara="0" vertOverflow="overflow" horzOverflow="overflow" vert="horz" wrap="square" lIns="91440" tIns="45720" rIns="91440" bIns="45720" numCol="1" spcCol="0" rtlCol="0" fromWordArt="0" anchor="ctr" anchorCtr="0" forceAA="0" compatLnSpc="1">
+                <a:prstTxWarp prst="textNoShape">
+                  <a:avLst/>
+                </a:prstTxWarp>
+                <a:noAutofit/>
+              </a:bodyPr>
+              <a:lstStyle/>
+              <a:p>
+                <a:pPr algn="ctr"/>
+                <a:endParaRPr lang="ko-KR" altLang="en-US"/>
+              </a:p>
+            </p:txBody>
+          </p:sp>
+          <p:sp>
+            <p:nvSpPr>
+              <p:cNvPr id="37" name="사다리꼴 36"/>
+              <p:cNvSpPr/>
+              <p:nvPr/>
+            </p:nvSpPr>
+            <p:spPr>
+              <a:xfrm rot="5400000">
+                <a:off x="-197296" y="631478"/>
+                <a:ext cx="842962" cy="184843"/>
+              </a:xfrm>
+              <a:prstGeom prst="trapezoid">
+                <a:avLst/>
+              </a:prstGeom>
+              <a:solidFill>
+                <a:srgbClr val="838D90"/>
+              </a:solidFill>
+              <a:ln w="38100">
+                <a:solidFill>
+                  <a:schemeClr val="tx1"/>
+                </a:solidFill>
+              </a:ln>
+            </p:spPr>
+            <p:style>
+              <a:lnRef idx="2">
+                <a:schemeClr val="accent1">
+                  <a:shade val="50000"/>
+                </a:schemeClr>
+              </a:lnRef>
+              <a:fillRef idx="1">
+                <a:schemeClr val="accent1"/>
+              </a:fillRef>
+              <a:effectRef idx="0">
+                <a:schemeClr val="accent1"/>
+              </a:effectRef>
+              <a:fontRef idx="minor">
+                <a:schemeClr val="lt1"/>
+              </a:fontRef>
+            </p:style>
+            <p:txBody>
+              <a:bodyPr rot="0" spcFirstLastPara="0" vertOverflow="overflow" horzOverflow="overflow" vert="horz" wrap="square" lIns="91440" tIns="45720" rIns="91440" bIns="45720" numCol="1" spcCol="0" rtlCol="0" fromWordArt="0" anchor="ctr" anchorCtr="0" forceAA="0" compatLnSpc="1">
+                <a:prstTxWarp prst="textNoShape">
+                  <a:avLst/>
+                </a:prstTxWarp>
+                <a:noAutofit/>
+              </a:bodyPr>
+              <a:lstStyle/>
+              <a:p>
+                <a:pPr algn="ctr"/>
+                <a:endParaRPr lang="ko-KR" altLang="en-US"/>
+              </a:p>
+            </p:txBody>
+          </p:sp>
+          <p:sp>
+            <p:nvSpPr>
+              <p:cNvPr id="38" name="사다리꼴 37"/>
+              <p:cNvSpPr/>
+              <p:nvPr/>
+            </p:nvSpPr>
+            <p:spPr>
+              <a:xfrm rot="16200000">
+                <a:off x="789436" y="631479"/>
+                <a:ext cx="842962" cy="184842"/>
+              </a:xfrm>
+              <a:prstGeom prst="trapezoid">
+                <a:avLst/>
+              </a:prstGeom>
+              <a:solidFill>
+                <a:srgbClr val="838D90"/>
+              </a:solidFill>
+              <a:ln w="38100">
+                <a:solidFill>
+                  <a:schemeClr val="tx1"/>
+                </a:solidFill>
+              </a:ln>
+            </p:spPr>
+            <p:style>
+              <a:lnRef idx="2">
+                <a:schemeClr val="accent1">
+                  <a:shade val="50000"/>
+                </a:schemeClr>
+              </a:lnRef>
+              <a:fillRef idx="1">
+                <a:schemeClr val="accent1"/>
+              </a:fillRef>
+              <a:effectRef idx="0">
+                <a:schemeClr val="accent1"/>
+              </a:effectRef>
+              <a:fontRef idx="minor">
+                <a:schemeClr val="lt1"/>
+              </a:fontRef>
+            </p:style>
+            <p:txBody>
+              <a:bodyPr rot="0" spcFirstLastPara="0" vertOverflow="overflow" horzOverflow="overflow" vert="horz" wrap="square" lIns="91440" tIns="45720" rIns="91440" bIns="45720" numCol="1" spcCol="0" rtlCol="0" fromWordArt="0" anchor="ctr" anchorCtr="0" forceAA="0" compatLnSpc="1">
+                <a:prstTxWarp prst="textNoShape">
+                  <a:avLst/>
+                </a:prstTxWarp>
+                <a:noAutofit/>
+              </a:bodyPr>
+              <a:lstStyle/>
+              <a:p>
+                <a:pPr algn="ctr"/>
+                <a:endParaRPr lang="ko-KR" altLang="en-US"/>
+              </a:p>
+            </p:txBody>
+          </p:sp>
+          <p:cxnSp>
+            <p:nvCxnSpPr>
+              <p:cNvPr id="7" name="직선 연결선 6"/>
+              <p:cNvCxnSpPr>
+                <a:stCxn id="28" idx="3"/>
+                <a:endCxn id="37" idx="1"/>
+              </p:cNvCxnSpPr>
+              <p:nvPr/>
+            </p:nvCxnSpPr>
+            <p:spPr>
+              <a:xfrm flipH="1">
+                <a:off x="224185" y="230534"/>
+                <a:ext cx="94989" cy="94990"/>
+              </a:xfrm>
+              <a:prstGeom prst="line">
+                <a:avLst/>
+              </a:prstGeom>
+              <a:ln w="38100">
+                <a:solidFill>
+                  <a:schemeClr val="tx1"/>
+                </a:solidFill>
+              </a:ln>
+            </p:spPr>
+            <p:style>
+              <a:lnRef idx="1">
+                <a:schemeClr val="accent1"/>
+              </a:lnRef>
+              <a:fillRef idx="0">
+                <a:schemeClr val="accent1"/>
+              </a:fillRef>
+              <a:effectRef idx="0">
+                <a:schemeClr val="accent1"/>
+              </a:effectRef>
+              <a:fontRef idx="minor">
+                <a:schemeClr val="tx1"/>
+              </a:fontRef>
+            </p:style>
+          </p:cxnSp>
+          <p:cxnSp>
+            <p:nvCxnSpPr>
+              <p:cNvPr id="39" name="직선 연결선 38"/>
+              <p:cNvCxnSpPr>
+                <a:stCxn id="5" idx="1"/>
+                <a:endCxn id="37" idx="3"/>
+              </p:cNvCxnSpPr>
+              <p:nvPr/>
+            </p:nvCxnSpPr>
+            <p:spPr>
+              <a:xfrm flipH="1" flipV="1">
+                <a:off x="224185" y="1122276"/>
+                <a:ext cx="94989" cy="94989"/>
+              </a:xfrm>
+              <a:prstGeom prst="line">
+                <a:avLst/>
+              </a:prstGeom>
+              <a:ln w="38100">
+                <a:solidFill>
+                  <a:schemeClr val="tx1"/>
+                </a:solidFill>
+              </a:ln>
+            </p:spPr>
+            <p:style>
+              <a:lnRef idx="1">
+                <a:schemeClr val="accent1"/>
+              </a:lnRef>
+              <a:fillRef idx="0">
+                <a:schemeClr val="accent1"/>
+              </a:fillRef>
+              <a:effectRef idx="0">
+                <a:schemeClr val="accent1"/>
+              </a:effectRef>
+              <a:fontRef idx="minor">
+                <a:schemeClr val="tx1"/>
+              </a:fontRef>
+            </p:style>
+          </p:cxnSp>
+          <p:cxnSp>
+            <p:nvCxnSpPr>
+              <p:cNvPr id="40" name="직선 연결선 39"/>
+              <p:cNvCxnSpPr>
+                <a:stCxn id="38" idx="1"/>
+                <a:endCxn id="5" idx="3"/>
+              </p:cNvCxnSpPr>
+              <p:nvPr/>
+            </p:nvCxnSpPr>
+            <p:spPr>
+              <a:xfrm flipH="1">
+                <a:off x="1115926" y="1122276"/>
+                <a:ext cx="94991" cy="94989"/>
+              </a:xfrm>
+              <a:prstGeom prst="line">
+                <a:avLst/>
+              </a:prstGeom>
+              <a:ln w="38100">
+                <a:solidFill>
+                  <a:schemeClr val="tx1"/>
+                </a:solidFill>
+              </a:ln>
+            </p:spPr>
+            <p:style>
+              <a:lnRef idx="1">
+                <a:schemeClr val="accent1"/>
+              </a:lnRef>
+              <a:fillRef idx="0">
+                <a:schemeClr val="accent1"/>
+              </a:fillRef>
+              <a:effectRef idx="0">
+                <a:schemeClr val="accent1"/>
+              </a:effectRef>
+              <a:fontRef idx="minor">
+                <a:schemeClr val="tx1"/>
+              </a:fontRef>
+            </p:style>
+          </p:cxnSp>
+          <p:cxnSp>
+            <p:nvCxnSpPr>
+              <p:cNvPr id="41" name="직선 연결선 40"/>
+              <p:cNvCxnSpPr>
+                <a:stCxn id="38" idx="3"/>
+                <a:endCxn id="28" idx="1"/>
+              </p:cNvCxnSpPr>
+              <p:nvPr/>
+            </p:nvCxnSpPr>
+            <p:spPr>
+              <a:xfrm flipH="1" flipV="1">
+                <a:off x="1115925" y="230534"/>
+                <a:ext cx="94992" cy="94990"/>
+              </a:xfrm>
+              <a:prstGeom prst="line">
+                <a:avLst/>
+              </a:prstGeom>
+              <a:ln w="38100">
+                <a:solidFill>
+                  <a:schemeClr val="tx1"/>
+                </a:solidFill>
+              </a:ln>
+            </p:spPr>
+            <p:style>
+              <a:lnRef idx="1">
+                <a:schemeClr val="accent1"/>
+              </a:lnRef>
+              <a:fillRef idx="0">
+                <a:schemeClr val="accent1"/>
+              </a:fillRef>
+              <a:effectRef idx="0">
+                <a:schemeClr val="accent1"/>
+              </a:effectRef>
+              <a:fontRef idx="minor">
+                <a:schemeClr val="tx1"/>
+              </a:fontRef>
+            </p:style>
+          </p:cxnSp>
+          <p:sp>
+            <p:nvSpPr>
+              <p:cNvPr id="56" name="사다리꼴 55"/>
+              <p:cNvSpPr/>
+              <p:nvPr/>
+            </p:nvSpPr>
+            <p:spPr>
+              <a:xfrm>
+                <a:off x="531813" y="1124842"/>
+                <a:ext cx="371475" cy="184844"/>
+              </a:xfrm>
+              <a:prstGeom prst="trapezoid">
+                <a:avLst/>
+              </a:prstGeom>
+              <a:solidFill>
+                <a:srgbClr val="6E3232"/>
+              </a:solidFill>
+              <a:ln w="38100">
+                <a:solidFill>
+                  <a:schemeClr val="tx1"/>
+                </a:solidFill>
+              </a:ln>
+            </p:spPr>
+            <p:style>
+              <a:lnRef idx="2">
+                <a:schemeClr val="accent1">
+                  <a:shade val="50000"/>
+                </a:schemeClr>
+              </a:lnRef>
+              <a:fillRef idx="1">
+                <a:schemeClr val="accent1"/>
+              </a:fillRef>
+              <a:effectRef idx="0">
+                <a:schemeClr val="accent1"/>
+              </a:effectRef>
+              <a:fontRef idx="minor">
+                <a:schemeClr val="lt1"/>
+              </a:fontRef>
+            </p:style>
+            <p:txBody>
+              <a:bodyPr rot="0" spcFirstLastPara="0" vertOverflow="overflow" horzOverflow="overflow" vert="horz" wrap="square" lIns="91440" tIns="45720" rIns="91440" bIns="45720" numCol="1" spcCol="0" rtlCol="0" fromWordArt="0" anchor="ctr" anchorCtr="0" forceAA="0" compatLnSpc="1">
+                <a:prstTxWarp prst="textNoShape">
+                  <a:avLst/>
+                </a:prstTxWarp>
+                <a:noAutofit/>
+              </a:bodyPr>
+              <a:lstStyle/>
+              <a:p>
+                <a:pPr algn="ctr"/>
+                <a:endParaRPr lang="ko-KR" altLang="en-US"/>
+              </a:p>
+            </p:txBody>
+          </p:sp>
+          <p:sp>
+            <p:nvSpPr>
+              <p:cNvPr id="58" name="사다리꼴 57"/>
+              <p:cNvSpPr/>
+              <p:nvPr/>
+            </p:nvSpPr>
+            <p:spPr>
+              <a:xfrm rot="16200000">
+                <a:off x="1027025" y="631481"/>
+                <a:ext cx="371475" cy="184842"/>
+              </a:xfrm>
+              <a:prstGeom prst="trapezoid">
+                <a:avLst/>
+              </a:prstGeom>
+              <a:solidFill>
+                <a:srgbClr val="6E3232"/>
+              </a:solidFill>
+              <a:ln w="38100">
+                <a:solidFill>
+                  <a:schemeClr val="tx1"/>
+                </a:solidFill>
+              </a:ln>
+            </p:spPr>
+            <p:style>
+              <a:lnRef idx="2">
+                <a:schemeClr val="accent1">
+                  <a:shade val="50000"/>
+                </a:schemeClr>
+              </a:lnRef>
+              <a:fillRef idx="1">
+                <a:schemeClr val="accent1"/>
+              </a:fillRef>
+              <a:effectRef idx="0">
+                <a:schemeClr val="accent1"/>
+              </a:effectRef>
+              <a:fontRef idx="minor">
+                <a:schemeClr val="lt1"/>
+              </a:fontRef>
+            </p:style>
+            <p:txBody>
+              <a:bodyPr rot="0" spcFirstLastPara="0" vertOverflow="overflow" horzOverflow="overflow" vert="horz" wrap="square" lIns="91440" tIns="45720" rIns="91440" bIns="45720" numCol="1" spcCol="0" rtlCol="0" fromWordArt="0" anchor="ctr" anchorCtr="0" forceAA="0" compatLnSpc="1">
+                <a:prstTxWarp prst="textNoShape">
+                  <a:avLst/>
+                </a:prstTxWarp>
+                <a:noAutofit/>
+              </a:bodyPr>
+              <a:lstStyle/>
+              <a:p>
+                <a:pPr algn="ctr"/>
+                <a:endParaRPr lang="ko-KR" altLang="en-US"/>
+              </a:p>
+            </p:txBody>
+          </p:sp>
+          <p:sp>
+            <p:nvSpPr>
+              <p:cNvPr id="60" name="사다리꼴 59"/>
+              <p:cNvSpPr/>
+              <p:nvPr/>
+            </p:nvSpPr>
+            <p:spPr>
+              <a:xfrm rot="10800000">
+                <a:off x="531813" y="138112"/>
+                <a:ext cx="371475" cy="184844"/>
+              </a:xfrm>
+              <a:prstGeom prst="trapezoid">
+                <a:avLst/>
+              </a:prstGeom>
+              <a:solidFill>
+                <a:srgbClr val="6E3232"/>
+              </a:solidFill>
+              <a:ln w="38100">
+                <a:solidFill>
+                  <a:schemeClr val="tx1"/>
+                </a:solidFill>
+              </a:ln>
+            </p:spPr>
+            <p:style>
+              <a:lnRef idx="2">
+                <a:schemeClr val="accent1">
+                  <a:shade val="50000"/>
+                </a:schemeClr>
+              </a:lnRef>
+              <a:fillRef idx="1">
+                <a:schemeClr val="accent1"/>
+              </a:fillRef>
+              <a:effectRef idx="0">
+                <a:schemeClr val="accent1"/>
+              </a:effectRef>
+              <a:fontRef idx="minor">
+                <a:schemeClr val="lt1"/>
+              </a:fontRef>
+            </p:style>
+            <p:txBody>
+              <a:bodyPr rot="0" spcFirstLastPara="0" vertOverflow="overflow" horzOverflow="overflow" vert="horz" wrap="square" lIns="91440" tIns="45720" rIns="91440" bIns="45720" numCol="1" spcCol="0" rtlCol="0" fromWordArt="0" anchor="ctr" anchorCtr="0" forceAA="0" compatLnSpc="1">
+                <a:prstTxWarp prst="textNoShape">
+                  <a:avLst/>
+                </a:prstTxWarp>
+                <a:noAutofit/>
+              </a:bodyPr>
+              <a:lstStyle/>
+              <a:p>
+                <a:pPr algn="ctr"/>
+                <a:endParaRPr lang="ko-KR" altLang="en-US"/>
+              </a:p>
+            </p:txBody>
+          </p:sp>
+          <p:sp>
+            <p:nvSpPr>
+              <p:cNvPr id="78" name="사다리꼴 77"/>
+              <p:cNvSpPr/>
+              <p:nvPr/>
+            </p:nvSpPr>
+            <p:spPr>
+              <a:xfrm rot="5400000">
+                <a:off x="39321" y="632354"/>
+                <a:ext cx="371475" cy="183097"/>
+              </a:xfrm>
+              <a:prstGeom prst="trapezoid">
+                <a:avLst/>
+              </a:prstGeom>
+              <a:solidFill>
+                <a:srgbClr val="6E3232"/>
+              </a:solidFill>
+              <a:ln w="38100">
+                <a:solidFill>
+                  <a:schemeClr val="tx1"/>
+                </a:solidFill>
+              </a:ln>
+            </p:spPr>
+            <p:style>
+              <a:lnRef idx="2">
+                <a:schemeClr val="accent1">
+                  <a:shade val="50000"/>
+                </a:schemeClr>
+              </a:lnRef>
+              <a:fillRef idx="1">
+                <a:schemeClr val="accent1"/>
+              </a:fillRef>
+              <a:effectRef idx="0">
+                <a:schemeClr val="accent1"/>
+              </a:effectRef>
+              <a:fontRef idx="minor">
+                <a:schemeClr val="lt1"/>
+              </a:fontRef>
+            </p:style>
+            <p:txBody>
+              <a:bodyPr rot="0" spcFirstLastPara="0" vertOverflow="overflow" horzOverflow="overflow" vert="horz" wrap="square" lIns="91440" tIns="45720" rIns="91440" bIns="45720" numCol="1" spcCol="0" rtlCol="0" fromWordArt="0" anchor="ctr" anchorCtr="0" forceAA="0" compatLnSpc="1">
+                <a:prstTxWarp prst="textNoShape">
+                  <a:avLst/>
+                </a:prstTxWarp>
+                <a:noAutofit/>
+              </a:bodyPr>
+              <a:lstStyle/>
+              <a:p>
+                <a:pPr algn="ctr"/>
+                <a:endParaRPr lang="ko-KR" altLang="en-US"/>
+              </a:p>
+            </p:txBody>
+          </p:sp>
+          <p:sp>
+            <p:nvSpPr>
+              <p:cNvPr id="265" name="타원 264"/>
+              <p:cNvSpPr/>
+              <p:nvPr/>
+            </p:nvSpPr>
+            <p:spPr>
+              <a:xfrm>
+                <a:off x="598357" y="604707"/>
+                <a:ext cx="238386" cy="238386"/>
+              </a:xfrm>
+              <a:prstGeom prst="ellipse">
+                <a:avLst/>
+              </a:prstGeom>
+              <a:solidFill>
+                <a:srgbClr val="838D90"/>
+              </a:solidFill>
+              <a:ln w="38100">
+                <a:solidFill>
+                  <a:schemeClr val="tx1"/>
+                </a:solidFill>
+              </a:ln>
+            </p:spPr>
+            <p:style>
+              <a:lnRef idx="2">
+                <a:schemeClr val="accent1">
+                  <a:shade val="50000"/>
+                </a:schemeClr>
+              </a:lnRef>
+              <a:fillRef idx="1">
+                <a:schemeClr val="accent1"/>
+              </a:fillRef>
+              <a:effectRef idx="0">
+                <a:schemeClr val="accent1"/>
+              </a:effectRef>
+              <a:fontRef idx="minor">
+                <a:schemeClr val="lt1"/>
+              </a:fontRef>
+            </p:style>
+            <p:txBody>
+              <a:bodyPr rot="0" spcFirstLastPara="0" vertOverflow="overflow" horzOverflow="overflow" vert="horz" wrap="square" lIns="91440" tIns="45720" rIns="91440" bIns="45720" numCol="1" spcCol="0" rtlCol="0" fromWordArt="0" anchor="ctr" anchorCtr="0" forceAA="0" compatLnSpc="1">
+                <a:prstTxWarp prst="textNoShape">
+                  <a:avLst/>
+                </a:prstTxWarp>
+                <a:noAutofit/>
+              </a:bodyPr>
+              <a:lstStyle/>
+              <a:p>
+                <a:pPr algn="ctr"/>
+                <a:endParaRPr lang="ko-KR" altLang="en-US"/>
+              </a:p>
+            </p:txBody>
+          </p:sp>
+        </p:grpSp>
+        <p:grpSp>
+          <p:nvGrpSpPr>
+            <p:cNvPr id="8" name="그룹 7"/>
+            <p:cNvGrpSpPr/>
+            <p:nvPr/>
+          </p:nvGrpSpPr>
+          <p:grpSpPr>
+            <a:xfrm rot="8100000">
+              <a:off x="3438379" y="1221248"/>
+              <a:ext cx="368590" cy="368590"/>
+              <a:chOff x="3438379" y="1221248"/>
+              <a:chExt cx="368590" cy="368590"/>
+            </a:xfrm>
+          </p:grpSpPr>
+          <p:sp>
+            <p:nvSpPr>
+              <p:cNvPr id="4" name="원호 3"/>
+              <p:cNvSpPr/>
+              <p:nvPr/>
+            </p:nvSpPr>
+            <p:spPr>
+              <a:xfrm>
+                <a:off x="3438379" y="1221248"/>
+                <a:ext cx="368590" cy="368590"/>
+              </a:xfrm>
+              <a:prstGeom prst="arc">
+                <a:avLst/>
+              </a:prstGeom>
+              <a:ln w="38100">
+                <a:solidFill>
+                  <a:srgbClr val="838D90"/>
+                </a:solidFill>
+              </a:ln>
+            </p:spPr>
+            <p:style>
+              <a:lnRef idx="1">
+                <a:schemeClr val="accent1"/>
+              </a:lnRef>
+              <a:fillRef idx="0">
+                <a:schemeClr val="accent1"/>
+              </a:fillRef>
+              <a:effectRef idx="0">
+                <a:schemeClr val="accent1"/>
+              </a:effectRef>
+              <a:fontRef idx="minor">
+                <a:schemeClr val="tx1"/>
+              </a:fontRef>
+            </p:style>
+            <p:txBody>
+              <a:bodyPr rtlCol="0" anchor="ctr"/>
+              <a:lstStyle/>
+              <a:p>
+                <a:pPr algn="ctr"/>
+                <a:endParaRPr lang="ko-KR" altLang="en-US"/>
+              </a:p>
+            </p:txBody>
+          </p:sp>
+          <p:sp>
+            <p:nvSpPr>
+              <p:cNvPr id="264" name="원호 263"/>
+              <p:cNvSpPr/>
+              <p:nvPr/>
+            </p:nvSpPr>
+            <p:spPr>
+              <a:xfrm rot="10800000">
+                <a:off x="3438379" y="1221248"/>
+                <a:ext cx="368590" cy="368590"/>
+              </a:xfrm>
+              <a:prstGeom prst="arc">
+                <a:avLst/>
+              </a:prstGeom>
+              <a:ln w="38100">
+                <a:solidFill>
+                  <a:srgbClr val="838D90"/>
+                </a:solidFill>
+              </a:ln>
+            </p:spPr>
+            <p:style>
+              <a:lnRef idx="1">
+                <a:schemeClr val="accent1"/>
+              </a:lnRef>
+              <a:fillRef idx="0">
+                <a:schemeClr val="accent1"/>
+              </a:fillRef>
+              <a:effectRef idx="0">
+                <a:schemeClr val="accent1"/>
+              </a:effectRef>
+              <a:fontRef idx="minor">
+                <a:schemeClr val="tx1"/>
+              </a:fontRef>
+            </p:style>
+            <p:txBody>
+              <a:bodyPr rtlCol="0" anchor="ctr"/>
+              <a:lstStyle/>
+              <a:p>
+                <a:pPr algn="ctr"/>
+                <a:endParaRPr lang="ko-KR" altLang="en-US"/>
+              </a:p>
+            </p:txBody>
+          </p:sp>
+        </p:grpSp>
+      </p:grpSp>
+      <p:grpSp>
+        <p:nvGrpSpPr>
+          <p:cNvPr id="63" name="그룹 62"/>
+          <p:cNvGrpSpPr/>
+          <p:nvPr/>
+        </p:nvGrpSpPr>
+        <p:grpSpPr>
+          <a:xfrm>
+            <a:off x="4601759" y="3609718"/>
+            <a:ext cx="1174820" cy="1756800"/>
+            <a:chOff x="4601759" y="3609718"/>
+            <a:chExt cx="1174820" cy="1756800"/>
+          </a:xfrm>
+        </p:grpSpPr>
+        <p:sp>
+          <p:nvSpPr>
+            <p:cNvPr id="123" name="양쪽 모서리가 잘린 사각형 122"/>
+            <p:cNvSpPr/>
+            <p:nvPr/>
+          </p:nvSpPr>
+          <p:spPr>
+            <a:xfrm>
+              <a:off x="5190789" y="3609718"/>
+              <a:ext cx="585788" cy="1756800"/>
+            </a:xfrm>
+            <a:prstGeom prst="snip2SameRect">
+              <a:avLst>
+                <a:gd name="adj1" fmla="val 16667"/>
+                <a:gd name="adj2" fmla="val 16259"/>
+              </a:avLst>
+            </a:prstGeom>
+            <a:solidFill>
+              <a:srgbClr val="6E3232"/>
+            </a:solidFill>
+            <a:ln w="38100">
+              <a:solidFill>
+                <a:schemeClr val="tx1"/>
+              </a:solidFill>
+            </a:ln>
+          </p:spPr>
+          <p:style>
+            <a:lnRef idx="2">
+              <a:schemeClr val="accent1">
+                <a:shade val="50000"/>
+              </a:schemeClr>
+            </a:lnRef>
+            <a:fillRef idx="1">
+              <a:schemeClr val="accent1"/>
+            </a:fillRef>
+            <a:effectRef idx="0">
+              <a:schemeClr val="accent1"/>
+            </a:effectRef>
+            <a:fontRef idx="minor">
+              <a:schemeClr val="lt1"/>
+            </a:fontRef>
+          </p:style>
+          <p:txBody>
+            <a:bodyPr rtlCol="0" anchor="ctr"/>
+            <a:lstStyle/>
+            <a:p>
+              <a:pPr algn="ctr"/>
+              <a:endParaRPr lang="ko-KR" altLang="en-US"/>
+            </a:p>
+          </p:txBody>
+        </p:sp>
+        <p:sp>
+          <p:nvSpPr>
+            <p:cNvPr id="125" name="양쪽 모서리가 잘린 사각형 124"/>
+            <p:cNvSpPr/>
+            <p:nvPr/>
+          </p:nvSpPr>
+          <p:spPr>
+            <a:xfrm rot="16200000">
+              <a:off x="4602265" y="4194718"/>
+              <a:ext cx="585788" cy="586800"/>
+            </a:xfrm>
+            <a:prstGeom prst="snip2SameRect">
+              <a:avLst/>
+            </a:prstGeom>
+            <a:solidFill>
+              <a:srgbClr val="6E3232"/>
+            </a:solidFill>
+            <a:ln w="38100">
+              <a:solidFill>
+                <a:schemeClr val="tx1"/>
+              </a:solidFill>
+            </a:ln>
+          </p:spPr>
+          <p:style>
+            <a:lnRef idx="2">
+              <a:schemeClr val="accent1">
+                <a:shade val="50000"/>
+              </a:schemeClr>
+            </a:lnRef>
+            <a:fillRef idx="1">
+              <a:schemeClr val="accent1"/>
+            </a:fillRef>
+            <a:effectRef idx="0">
+              <a:schemeClr val="accent1"/>
+            </a:effectRef>
+            <a:fontRef idx="minor">
+              <a:schemeClr val="lt1"/>
+            </a:fontRef>
+          </p:style>
+          <p:txBody>
+            <a:bodyPr rtlCol="0" anchor="ctr"/>
+            <a:lstStyle/>
+            <a:p>
+              <a:pPr algn="ctr"/>
+              <a:endParaRPr lang="ko-KR" altLang="en-US"/>
+            </a:p>
+          </p:txBody>
+        </p:sp>
+        <p:sp>
+          <p:nvSpPr>
+            <p:cNvPr id="225" name="직사각형 224"/>
+            <p:cNvSpPr/>
+            <p:nvPr/>
+          </p:nvSpPr>
+          <p:spPr>
+            <a:xfrm>
+              <a:off x="5166286" y="4216377"/>
+              <a:ext cx="60402" cy="547200"/>
+            </a:xfrm>
+            <a:prstGeom prst="rect">
+              <a:avLst/>
+            </a:prstGeom>
+            <a:solidFill>
+              <a:srgbClr val="6E3232"/>
+            </a:solidFill>
+            <a:ln w="38100">
+              <a:noFill/>
+            </a:ln>
+          </p:spPr>
+          <p:style>
+            <a:lnRef idx="2">
+              <a:schemeClr val="accent1">
+                <a:shade val="50000"/>
+              </a:schemeClr>
+            </a:lnRef>
+            <a:fillRef idx="1">
+              <a:schemeClr val="accent1"/>
+            </a:fillRef>
+            <a:effectRef idx="0">
+              <a:schemeClr val="accent1"/>
+            </a:effectRef>
+            <a:fontRef idx="minor">
+              <a:schemeClr val="lt1"/>
+            </a:fontRef>
+          </p:style>
+          <p:txBody>
+            <a:bodyPr rot="0" spcFirstLastPara="0" vertOverflow="overflow" horzOverflow="overflow" vert="horz" wrap="square" lIns="91440" tIns="45720" rIns="91440" bIns="45720" numCol="1" spcCol="0" rtlCol="0" fromWordArt="0" anchor="ctr" anchorCtr="0" forceAA="0" compatLnSpc="1">
+              <a:prstTxWarp prst="textNoShape">
+                <a:avLst/>
+              </a:prstTxWarp>
+              <a:noAutofit/>
+            </a:bodyPr>
+            <a:lstStyle/>
+            <a:p>
+              <a:pPr algn="ctr"/>
+              <a:endParaRPr lang="ko-KR" altLang="en-US"/>
+            </a:p>
+          </p:txBody>
+        </p:sp>
+        <p:sp>
+          <p:nvSpPr>
+            <p:cNvPr id="226" name="팔각형 225"/>
+            <p:cNvSpPr/>
+            <p:nvPr/>
+          </p:nvSpPr>
+          <p:spPr>
+            <a:xfrm rot="16200000">
+              <a:off x="4675404" y="4267294"/>
+              <a:ext cx="444270" cy="445038"/>
+            </a:xfrm>
+            <a:prstGeom prst="octagon">
+              <a:avLst/>
+            </a:prstGeom>
+            <a:solidFill>
+              <a:srgbClr val="838D90"/>
+            </a:solidFill>
+            <a:ln w="38100">
+              <a:solidFill>
+                <a:schemeClr val="tx1"/>
+              </a:solidFill>
+            </a:ln>
+          </p:spPr>
+          <p:style>
+            <a:lnRef idx="2">
+              <a:schemeClr val="accent1">
+                <a:shade val="50000"/>
+              </a:schemeClr>
+            </a:lnRef>
+            <a:fillRef idx="1">
+              <a:schemeClr val="accent1"/>
+            </a:fillRef>
+            <a:effectRef idx="0">
+              <a:schemeClr val="accent1"/>
+            </a:effectRef>
+            <a:fontRef idx="minor">
+              <a:schemeClr val="lt1"/>
+            </a:fontRef>
+          </p:style>
+          <p:txBody>
+            <a:bodyPr rtlCol="0" anchor="ctr"/>
+            <a:lstStyle/>
+            <a:p>
+              <a:pPr algn="ctr"/>
+              <a:endParaRPr lang="ko-KR" altLang="en-US"/>
+            </a:p>
+          </p:txBody>
+        </p:sp>
+        <p:sp>
+          <p:nvSpPr>
+            <p:cNvPr id="230" name="다이아몬드 229"/>
+            <p:cNvSpPr/>
+            <p:nvPr/>
+          </p:nvSpPr>
+          <p:spPr>
+            <a:xfrm rot="16200000">
+              <a:off x="4695059" y="4285151"/>
+              <a:ext cx="408618" cy="409324"/>
+            </a:xfrm>
+            <a:prstGeom prst="diamond">
+              <a:avLst/>
+            </a:prstGeom>
+            <a:solidFill>
+              <a:srgbClr val="6E3232"/>
+            </a:solidFill>
+            <a:ln w="38100">
+              <a:solidFill>
+                <a:schemeClr val="tx1"/>
+              </a:solidFill>
+            </a:ln>
+          </p:spPr>
+          <p:style>
+            <a:lnRef idx="2">
+              <a:schemeClr val="accent1">
+                <a:shade val="50000"/>
+              </a:schemeClr>
+            </a:lnRef>
+            <a:fillRef idx="1">
+              <a:schemeClr val="accent1"/>
+            </a:fillRef>
+            <a:effectRef idx="0">
+              <a:schemeClr val="accent1"/>
+            </a:effectRef>
+            <a:fontRef idx="minor">
+              <a:schemeClr val="lt1"/>
+            </a:fontRef>
+          </p:style>
+          <p:txBody>
+            <a:bodyPr rtlCol="0" anchor="ctr"/>
+            <a:lstStyle/>
+            <a:p>
+              <a:pPr algn="ctr"/>
+              <a:endParaRPr lang="ko-KR" altLang="en-US"/>
+            </a:p>
+          </p:txBody>
+        </p:sp>
+        <p:grpSp>
+          <p:nvGrpSpPr>
+            <p:cNvPr id="18" name="그룹 17"/>
+            <p:cNvGrpSpPr/>
+            <p:nvPr/>
+          </p:nvGrpSpPr>
+          <p:grpSpPr>
+            <a:xfrm>
+              <a:off x="5252705" y="3685570"/>
+              <a:ext cx="465340" cy="1613219"/>
+              <a:chOff x="7930342" y="1172873"/>
+              <a:chExt cx="465340" cy="1613219"/>
+            </a:xfrm>
+          </p:grpSpPr>
+          <p:grpSp>
+            <p:nvGrpSpPr>
+              <p:cNvPr id="231" name="그룹 230"/>
+              <p:cNvGrpSpPr/>
+              <p:nvPr/>
+            </p:nvGrpSpPr>
+            <p:grpSpPr>
+              <a:xfrm>
+                <a:off x="7930342" y="1172873"/>
+                <a:ext cx="465340" cy="465340"/>
+                <a:chOff x="3096188" y="2262185"/>
+                <a:chExt cx="465340" cy="465340"/>
+              </a:xfrm>
+            </p:grpSpPr>
+            <p:sp>
+              <p:nvSpPr>
+                <p:cNvPr id="232" name="팔각형 231"/>
+                <p:cNvSpPr/>
+                <p:nvPr/>
+              </p:nvSpPr>
+              <p:spPr>
+                <a:xfrm>
+                  <a:off x="3096188" y="2262185"/>
+                  <a:ext cx="465340" cy="465340"/>
+                </a:xfrm>
+                <a:prstGeom prst="octagon">
+                  <a:avLst>
+                    <a:gd name="adj" fmla="val 11945"/>
+                  </a:avLst>
+                </a:prstGeom>
+                <a:solidFill>
+                  <a:srgbClr val="838D90"/>
+                </a:solidFill>
+                <a:ln w="38100">
+                  <a:solidFill>
+                    <a:schemeClr val="tx1"/>
+                  </a:solidFill>
+                </a:ln>
+              </p:spPr>
+              <p:style>
+                <a:lnRef idx="2">
+                  <a:schemeClr val="accent1">
+                    <a:shade val="50000"/>
+                  </a:schemeClr>
+                </a:lnRef>
+                <a:fillRef idx="1">
+                  <a:schemeClr val="accent1"/>
+                </a:fillRef>
+                <a:effectRef idx="0">
+                  <a:schemeClr val="accent1"/>
+                </a:effectRef>
+                <a:fontRef idx="minor">
+                  <a:schemeClr val="lt1"/>
+                </a:fontRef>
+              </p:style>
+              <p:txBody>
+                <a:bodyPr rtlCol="0" anchor="ctr"/>
+                <a:lstStyle/>
+                <a:p>
+                  <a:pPr algn="ctr"/>
+                  <a:endParaRPr lang="ko-KR" altLang="en-US"/>
+                </a:p>
+              </p:txBody>
+            </p:sp>
+            <p:sp>
+              <p:nvSpPr>
+                <p:cNvPr id="233" name="팔각형 232"/>
+                <p:cNvSpPr/>
+                <p:nvPr/>
+              </p:nvSpPr>
+              <p:spPr>
+                <a:xfrm>
+                  <a:off x="3181913" y="2347910"/>
+                  <a:ext cx="293890" cy="293890"/>
+                </a:xfrm>
+                <a:prstGeom prst="octagon">
+                  <a:avLst>
+                    <a:gd name="adj" fmla="val 11945"/>
+                  </a:avLst>
+                </a:prstGeom>
+                <a:solidFill>
+                  <a:srgbClr val="6E3232"/>
+                </a:solidFill>
+                <a:ln w="38100">
+                  <a:solidFill>
+                    <a:schemeClr val="tx1"/>
+                  </a:solidFill>
+                </a:ln>
+              </p:spPr>
+              <p:style>
+                <a:lnRef idx="2">
+                  <a:schemeClr val="accent1">
+                    <a:shade val="50000"/>
+                  </a:schemeClr>
+                </a:lnRef>
+                <a:fillRef idx="1">
+                  <a:schemeClr val="accent1"/>
+                </a:fillRef>
+                <a:effectRef idx="0">
+                  <a:schemeClr val="accent1"/>
+                </a:effectRef>
+                <a:fontRef idx="minor">
+                  <a:schemeClr val="lt1"/>
+                </a:fontRef>
+              </p:style>
+              <p:txBody>
+                <a:bodyPr rtlCol="0" anchor="ctr"/>
+                <a:lstStyle/>
+                <a:p>
+                  <a:pPr algn="ctr"/>
+                  <a:endParaRPr lang="ko-KR" altLang="en-US"/>
+                </a:p>
+              </p:txBody>
+            </p:sp>
+          </p:grpSp>
+          <p:grpSp>
+            <p:nvGrpSpPr>
+              <p:cNvPr id="234" name="그룹 233"/>
+              <p:cNvGrpSpPr/>
+              <p:nvPr/>
+            </p:nvGrpSpPr>
+            <p:grpSpPr>
+              <a:xfrm>
+                <a:off x="7930342" y="2320752"/>
+                <a:ext cx="465340" cy="465340"/>
+                <a:chOff x="3096188" y="2262185"/>
+                <a:chExt cx="465340" cy="465340"/>
+              </a:xfrm>
+            </p:grpSpPr>
+            <p:sp>
+              <p:nvSpPr>
+                <p:cNvPr id="235" name="팔각형 234"/>
+                <p:cNvSpPr/>
+                <p:nvPr/>
+              </p:nvSpPr>
+              <p:spPr>
+                <a:xfrm>
+                  <a:off x="3096188" y="2262185"/>
+                  <a:ext cx="465340" cy="465340"/>
+                </a:xfrm>
+                <a:prstGeom prst="octagon">
+                  <a:avLst>
+                    <a:gd name="adj" fmla="val 11945"/>
+                  </a:avLst>
+                </a:prstGeom>
+                <a:solidFill>
+                  <a:srgbClr val="838D90"/>
+                </a:solidFill>
+                <a:ln w="38100">
+                  <a:solidFill>
+                    <a:schemeClr val="tx1"/>
+                  </a:solidFill>
+                </a:ln>
+              </p:spPr>
+              <p:style>
+                <a:lnRef idx="2">
+                  <a:schemeClr val="accent1">
+                    <a:shade val="50000"/>
+                  </a:schemeClr>
+                </a:lnRef>
+                <a:fillRef idx="1">
+                  <a:schemeClr val="accent1"/>
+                </a:fillRef>
+                <a:effectRef idx="0">
+                  <a:schemeClr val="accent1"/>
+                </a:effectRef>
+                <a:fontRef idx="minor">
+                  <a:schemeClr val="lt1"/>
+                </a:fontRef>
+              </p:style>
+              <p:txBody>
+                <a:bodyPr rtlCol="0" anchor="ctr"/>
+                <a:lstStyle/>
+                <a:p>
+                  <a:pPr algn="ctr"/>
+                  <a:endParaRPr lang="ko-KR" altLang="en-US"/>
+                </a:p>
+              </p:txBody>
+            </p:sp>
+            <p:sp>
+              <p:nvSpPr>
+                <p:cNvPr id="236" name="팔각형 235"/>
                 <p:cNvSpPr/>
                 <p:nvPr/>
               </p:nvSpPr>
@@ -13198,16 +15379,16 @@
         </p:grpSp>
         <p:sp>
           <p:nvSpPr>
-            <p:cNvPr id="137" name="직사각형 136"/>
+            <p:cNvPr id="14" name="1/2 액자 13"/>
             <p:cNvSpPr/>
             <p:nvPr/>
           </p:nvSpPr>
           <p:spPr>
             <a:xfrm>
-              <a:off x="4873398" y="1364702"/>
-              <a:ext cx="92628" cy="434113"/>
+              <a:off x="5251328" y="4258592"/>
+              <a:ext cx="254692" cy="254692"/>
             </a:xfrm>
-            <a:prstGeom prst="rect">
+            <a:prstGeom prst="halfFrame">
               <a:avLst/>
             </a:prstGeom>
             <a:solidFill>
@@ -13240,22 +15421,26 @@
             <a:lstStyle/>
             <a:p>
               <a:pPr algn="ctr"/>
-              <a:endParaRPr lang="ko-KR" altLang="en-US"/>
+              <a:endParaRPr lang="ko-KR" altLang="en-US">
+                <a:solidFill>
+                  <a:schemeClr val="tx1"/>
+                </a:solidFill>
+              </a:endParaRPr>
             </a:p>
           </p:txBody>
         </p:sp>
         <p:sp>
           <p:nvSpPr>
-            <p:cNvPr id="138" name="직사각형 137"/>
+            <p:cNvPr id="266" name="1/2 액자 265"/>
             <p:cNvSpPr/>
             <p:nvPr/>
           </p:nvSpPr>
           <p:spPr>
-            <a:xfrm>
-              <a:off x="5459186" y="1713204"/>
-              <a:ext cx="92628" cy="427096"/>
+            <a:xfrm rot="16200000">
+              <a:off x="5251328" y="4475964"/>
+              <a:ext cx="254692" cy="254692"/>
             </a:xfrm>
-            <a:prstGeom prst="rect">
+            <a:prstGeom prst="halfFrame">
               <a:avLst/>
             </a:prstGeom>
             <a:solidFill>
@@ -13288,283 +15473,160 @@
             <a:lstStyle/>
             <a:p>
               <a:pPr algn="ctr"/>
-              <a:endParaRPr lang="ko-KR" altLang="en-US"/>
-            </a:p>
-          </p:txBody>
-        </p:sp>
-        <p:sp>
-          <p:nvSpPr>
-            <p:cNvPr id="139" name="직사각형 138"/>
-            <p:cNvSpPr/>
-            <p:nvPr/>
-          </p:nvSpPr>
-          <p:spPr>
-            <a:xfrm>
-              <a:off x="5162909" y="1526292"/>
-              <a:ext cx="95250" cy="448161"/>
-            </a:xfrm>
-            <a:prstGeom prst="rect">
-              <a:avLst/>
-            </a:prstGeom>
-            <a:solidFill>
-              <a:srgbClr val="6E3232"/>
-            </a:solidFill>
-            <a:ln w="38100">
-              <a:noFill/>
-            </a:ln>
-          </p:spPr>
-          <p:style>
-            <a:lnRef idx="2">
-              <a:schemeClr val="accent1">
-                <a:shade val="50000"/>
-              </a:schemeClr>
-            </a:lnRef>
-            <a:fillRef idx="1">
-              <a:schemeClr val="accent1"/>
-            </a:fillRef>
-            <a:effectRef idx="0">
-              <a:schemeClr val="accent1"/>
-            </a:effectRef>
-            <a:fontRef idx="minor">
-              <a:schemeClr val="lt1"/>
-            </a:fontRef>
-          </p:style>
-          <p:txBody>
-            <a:bodyPr rtlCol="0" anchor="ctr"/>
-            <a:lstStyle/>
-            <a:p>
-              <a:pPr algn="ctr"/>
-              <a:endParaRPr lang="ko-KR" altLang="en-US"/>
-            </a:p>
-          </p:txBody>
-        </p:sp>
-        <p:sp>
-          <p:nvSpPr>
-            <p:cNvPr id="140" name="직사각형 139"/>
-            <p:cNvSpPr/>
-            <p:nvPr/>
-          </p:nvSpPr>
-          <p:spPr>
-            <a:xfrm rot="5400000">
-              <a:off x="5183730" y="1509505"/>
-              <a:ext cx="57749" cy="678416"/>
-            </a:xfrm>
-            <a:prstGeom prst="rect">
-              <a:avLst/>
-            </a:prstGeom>
-            <a:solidFill>
-              <a:srgbClr val="838D90"/>
-            </a:solidFill>
-            <a:ln w="38100">
-              <a:solidFill>
-                <a:schemeClr val="tx1"/>
-              </a:solidFill>
-            </a:ln>
-          </p:spPr>
-          <p:style>
-            <a:lnRef idx="2">
-              <a:schemeClr val="accent1">
-                <a:shade val="50000"/>
-              </a:schemeClr>
-            </a:lnRef>
-            <a:fillRef idx="1">
-              <a:schemeClr val="accent1"/>
-            </a:fillRef>
-            <a:effectRef idx="0">
-              <a:schemeClr val="accent1"/>
-            </a:effectRef>
-            <a:fontRef idx="minor">
-              <a:schemeClr val="lt1"/>
-            </a:fontRef>
-          </p:style>
-          <p:txBody>
-            <a:bodyPr rtlCol="0" anchor="ctr"/>
-            <a:lstStyle/>
-            <a:p>
-              <a:pPr algn="ctr"/>
-              <a:endParaRPr lang="ko-KR" altLang="en-US"/>
-            </a:p>
-          </p:txBody>
-        </p:sp>
-        <p:sp>
-          <p:nvSpPr>
-            <p:cNvPr id="141" name="직사각형 140"/>
-            <p:cNvSpPr/>
-            <p:nvPr/>
-          </p:nvSpPr>
-          <p:spPr>
-            <a:xfrm rot="5400000">
-              <a:off x="5181602" y="1319524"/>
-              <a:ext cx="62006" cy="678416"/>
-            </a:xfrm>
-            <a:prstGeom prst="rect">
-              <a:avLst/>
-            </a:prstGeom>
-            <a:solidFill>
-              <a:srgbClr val="838D90"/>
-            </a:solidFill>
-            <a:ln w="38100">
-              <a:solidFill>
-                <a:schemeClr val="tx1"/>
-              </a:solidFill>
-            </a:ln>
-          </p:spPr>
-          <p:style>
-            <a:lnRef idx="2">
-              <a:schemeClr val="accent1">
-                <a:shade val="50000"/>
-              </a:schemeClr>
-            </a:lnRef>
-            <a:fillRef idx="1">
-              <a:schemeClr val="accent1"/>
-            </a:fillRef>
-            <a:effectRef idx="0">
-              <a:schemeClr val="accent1"/>
-            </a:effectRef>
-            <a:fontRef idx="minor">
-              <a:schemeClr val="lt1"/>
-            </a:fontRef>
-          </p:style>
-          <p:txBody>
-            <a:bodyPr rtlCol="0" anchor="ctr"/>
-            <a:lstStyle/>
-            <a:p>
-              <a:pPr algn="ctr"/>
-              <a:endParaRPr lang="ko-KR" altLang="en-US"/>
-            </a:p>
-          </p:txBody>
-        </p:sp>
-        <p:sp>
-          <p:nvSpPr>
-            <p:cNvPr id="142" name="양쪽 모서리가 잘린 사각형 141"/>
-            <p:cNvSpPr/>
-            <p:nvPr/>
-          </p:nvSpPr>
-          <p:spPr>
-            <a:xfrm>
-              <a:off x="5261487" y="1629566"/>
-              <a:ext cx="500928" cy="245873"/>
-            </a:xfrm>
-            <a:prstGeom prst="snip2SameRect">
-              <a:avLst>
-                <a:gd name="adj1" fmla="val 50000"/>
-                <a:gd name="adj2" fmla="val 50000"/>
-              </a:avLst>
-            </a:prstGeom>
-            <a:solidFill>
-              <a:srgbClr val="838D90"/>
-            </a:solidFill>
-            <a:ln w="38100">
-              <a:solidFill>
-                <a:schemeClr val="tx1"/>
-              </a:solidFill>
-            </a:ln>
-          </p:spPr>
-          <p:style>
-            <a:lnRef idx="2">
-              <a:schemeClr val="accent1">
-                <a:shade val="50000"/>
-              </a:schemeClr>
-            </a:lnRef>
-            <a:fillRef idx="1">
-              <a:schemeClr val="accent1"/>
-            </a:fillRef>
-            <a:effectRef idx="0">
-              <a:schemeClr val="accent1"/>
-            </a:effectRef>
-            <a:fontRef idx="minor">
-              <a:schemeClr val="lt1"/>
-            </a:fontRef>
-          </p:style>
-          <p:txBody>
-            <a:bodyPr rtlCol="0" anchor="ctr"/>
-            <a:lstStyle/>
-            <a:p>
-              <a:pPr algn="ctr"/>
-              <a:endParaRPr lang="ko-KR" altLang="en-US"/>
-            </a:p>
-          </p:txBody>
-        </p:sp>
-        <p:sp>
-          <p:nvSpPr>
-            <p:cNvPr id="143" name="양쪽 모서리가 잘린 사각형 142"/>
-            <p:cNvSpPr/>
-            <p:nvPr/>
-          </p:nvSpPr>
-          <p:spPr>
-            <a:xfrm>
-              <a:off x="4669248" y="1629565"/>
-              <a:ext cx="500928" cy="245873"/>
-            </a:xfrm>
-            <a:prstGeom prst="snip2SameRect">
-              <a:avLst>
-                <a:gd name="adj1" fmla="val 50000"/>
-                <a:gd name="adj2" fmla="val 50000"/>
-              </a:avLst>
-            </a:prstGeom>
-            <a:solidFill>
-              <a:srgbClr val="838D90"/>
-            </a:solidFill>
-            <a:ln w="38100">
-              <a:solidFill>
-                <a:schemeClr val="tx1"/>
-              </a:solidFill>
-            </a:ln>
-          </p:spPr>
-          <p:style>
-            <a:lnRef idx="2">
-              <a:schemeClr val="accent1">
-                <a:shade val="50000"/>
-              </a:schemeClr>
-            </a:lnRef>
-            <a:fillRef idx="1">
-              <a:schemeClr val="accent1"/>
-            </a:fillRef>
-            <a:effectRef idx="0">
-              <a:schemeClr val="accent1"/>
-            </a:effectRef>
-            <a:fontRef idx="minor">
-              <a:schemeClr val="lt1"/>
-            </a:fontRef>
-          </p:style>
-          <p:txBody>
-            <a:bodyPr rtlCol="0" anchor="ctr"/>
-            <a:lstStyle/>
-            <a:p>
-              <a:pPr algn="ctr"/>
-              <a:endParaRPr lang="ko-KR" altLang="en-US"/>
+              <a:endParaRPr lang="ko-KR" altLang="en-US">
+                <a:solidFill>
+                  <a:schemeClr val="tx1"/>
+                </a:solidFill>
+              </a:endParaRPr>
             </a:p>
           </p:txBody>
         </p:sp>
         <p:grpSp>
           <p:nvGrpSpPr>
-            <p:cNvPr id="153" name="그룹 152"/>
+            <p:cNvPr id="19" name="그룹 18"/>
+            <p:cNvGrpSpPr/>
+            <p:nvPr/>
+          </p:nvGrpSpPr>
+          <p:grpSpPr>
+            <a:xfrm rot="10800000">
+              <a:off x="5471752" y="4258592"/>
+              <a:ext cx="254692" cy="472064"/>
+              <a:chOff x="8011553" y="1745895"/>
+              <a:chExt cx="254692" cy="472064"/>
+            </a:xfrm>
+          </p:grpSpPr>
+          <p:sp>
+            <p:nvSpPr>
+              <p:cNvPr id="267" name="1/2 액자 266"/>
+              <p:cNvSpPr/>
+              <p:nvPr/>
+            </p:nvSpPr>
+            <p:spPr>
+              <a:xfrm>
+                <a:off x="8011553" y="1745895"/>
+                <a:ext cx="254692" cy="254692"/>
+              </a:xfrm>
+              <a:prstGeom prst="halfFrame">
+                <a:avLst/>
+              </a:prstGeom>
+              <a:solidFill>
+                <a:srgbClr val="838D90"/>
+              </a:solidFill>
+              <a:ln w="38100">
+                <a:solidFill>
+                  <a:schemeClr val="tx1"/>
+                </a:solidFill>
+              </a:ln>
+            </p:spPr>
+            <p:style>
+              <a:lnRef idx="2">
+                <a:schemeClr val="accent1">
+                  <a:shade val="50000"/>
+                </a:schemeClr>
+              </a:lnRef>
+              <a:fillRef idx="1">
+                <a:schemeClr val="accent1"/>
+              </a:fillRef>
+              <a:effectRef idx="0">
+                <a:schemeClr val="accent1"/>
+              </a:effectRef>
+              <a:fontRef idx="minor">
+                <a:schemeClr val="lt1"/>
+              </a:fontRef>
+            </p:style>
+            <p:txBody>
+              <a:bodyPr rtlCol="0" anchor="ctr"/>
+              <a:lstStyle/>
+              <a:p>
+                <a:pPr algn="ctr"/>
+                <a:endParaRPr lang="ko-KR" altLang="en-US">
+                  <a:solidFill>
+                    <a:schemeClr val="tx1"/>
+                  </a:solidFill>
+                </a:endParaRPr>
+              </a:p>
+            </p:txBody>
+          </p:sp>
+          <p:sp>
+            <p:nvSpPr>
+              <p:cNvPr id="268" name="1/2 액자 267"/>
+              <p:cNvSpPr/>
+              <p:nvPr/>
+            </p:nvSpPr>
+            <p:spPr>
+              <a:xfrm rot="16200000">
+                <a:off x="8011553" y="1963267"/>
+                <a:ext cx="254692" cy="254692"/>
+              </a:xfrm>
+              <a:prstGeom prst="halfFrame">
+                <a:avLst/>
+              </a:prstGeom>
+              <a:solidFill>
+                <a:srgbClr val="838D90"/>
+              </a:solidFill>
+              <a:ln w="38100">
+                <a:solidFill>
+                  <a:schemeClr val="tx1"/>
+                </a:solidFill>
+              </a:ln>
+            </p:spPr>
+            <p:style>
+              <a:lnRef idx="2">
+                <a:schemeClr val="accent1">
+                  <a:shade val="50000"/>
+                </a:schemeClr>
+              </a:lnRef>
+              <a:fillRef idx="1">
+                <a:schemeClr val="accent1"/>
+              </a:fillRef>
+              <a:effectRef idx="0">
+                <a:schemeClr val="accent1"/>
+              </a:effectRef>
+              <a:fontRef idx="minor">
+                <a:schemeClr val="lt1"/>
+              </a:fontRef>
+            </p:style>
+            <p:txBody>
+              <a:bodyPr rtlCol="0" anchor="ctr"/>
+              <a:lstStyle/>
+              <a:p>
+                <a:pPr algn="ctr"/>
+                <a:endParaRPr lang="ko-KR" altLang="en-US">
+                  <a:solidFill>
+                    <a:schemeClr val="tx1"/>
+                  </a:solidFill>
+                </a:endParaRPr>
+              </a:p>
+            </p:txBody>
+          </p:sp>
+        </p:grpSp>
+        <p:grpSp>
+          <p:nvGrpSpPr>
+            <p:cNvPr id="17" name="그룹 16"/>
             <p:cNvGrpSpPr/>
             <p:nvPr/>
           </p:nvGrpSpPr>
           <p:grpSpPr>
             <a:xfrm>
-              <a:off x="4687042" y="895659"/>
-              <a:ext cx="465340" cy="465340"/>
-              <a:chOff x="3096188" y="2262185"/>
-              <a:chExt cx="465340" cy="465340"/>
+              <a:off x="5120062" y="4150910"/>
+              <a:ext cx="656517" cy="682539"/>
+              <a:chOff x="7797699" y="1638213"/>
+              <a:chExt cx="656517" cy="682539"/>
             </a:xfrm>
           </p:grpSpPr>
           <p:sp>
             <p:nvSpPr>
-              <p:cNvPr id="163" name="팔각형 162"/>
+              <p:cNvPr id="131" name="직사각형 130"/>
               <p:cNvSpPr/>
               <p:nvPr/>
             </p:nvSpPr>
             <p:spPr>
-              <a:xfrm>
-                <a:off x="3096188" y="2262185"/>
-                <a:ext cx="465340" cy="465340"/>
+              <a:xfrm rot="16200000">
+                <a:off x="8072637" y="1651224"/>
+                <a:ext cx="106642" cy="656517"/>
               </a:xfrm>
-              <a:prstGeom prst="octagon">
-                <a:avLst>
-                  <a:gd name="adj" fmla="val 11945"/>
-                </a:avLst>
+              <a:prstGeom prst="rect">
+                <a:avLst/>
               </a:prstGeom>
               <a:solidFill>
                 <a:srgbClr val="838D90"/>
@@ -13602,22 +15664,20 @@
           </p:sp>
           <p:sp>
             <p:nvSpPr>
-              <p:cNvPr id="164" name="팔각형 163"/>
+              <p:cNvPr id="130" name="직사각형 129"/>
               <p:cNvSpPr/>
               <p:nvPr/>
             </p:nvSpPr>
             <p:spPr>
               <a:xfrm>
-                <a:off x="3181913" y="2347910"/>
-                <a:ext cx="293890" cy="293890"/>
+                <a:off x="8113359" y="1638213"/>
+                <a:ext cx="106642" cy="682539"/>
               </a:xfrm>
-              <a:prstGeom prst="octagon">
-                <a:avLst>
-                  <a:gd name="adj" fmla="val 11945"/>
-                </a:avLst>
+              <a:prstGeom prst="rect">
+                <a:avLst/>
               </a:prstGeom>
               <a:solidFill>
-                <a:srgbClr val="6E3232"/>
+                <a:srgbClr val="838D90"/>
               </a:solidFill>
               <a:ln w="38100">
                 <a:solidFill>
@@ -13653,20 +15713,17 @@
         </p:grpSp>
         <p:sp>
           <p:nvSpPr>
-            <p:cNvPr id="161" name="양쪽 모서리가 잘린 사각형 160"/>
+            <p:cNvPr id="30" name="타원 29"/>
             <p:cNvSpPr/>
             <p:nvPr/>
           </p:nvSpPr>
           <p:spPr>
             <a:xfrm>
-              <a:off x="4790970" y="1692116"/>
-              <a:ext cx="847603" cy="125342"/>
+              <a:off x="5390272" y="4390454"/>
+              <a:ext cx="203450" cy="203450"/>
             </a:xfrm>
-            <a:prstGeom prst="snip2SameRect">
-              <a:avLst>
-                <a:gd name="adj1" fmla="val 50000"/>
-                <a:gd name="adj2" fmla="val 50000"/>
-              </a:avLst>
+            <a:prstGeom prst="ellipse">
+              <a:avLst/>
             </a:prstGeom>
             <a:solidFill>
               <a:srgbClr val="6E3232"/>
@@ -13705,31 +15762,33 @@
       </p:grpSp>
       <p:grpSp>
         <p:nvGrpSpPr>
-          <p:cNvPr id="169" name="그룹 168"/>
+          <p:cNvPr id="62" name="그룹 61"/>
           <p:cNvGrpSpPr/>
           <p:nvPr/>
         </p:nvGrpSpPr>
         <p:grpSpPr>
           <a:xfrm>
-            <a:off x="8866154" y="2194464"/>
-            <a:ext cx="1757364" cy="1177418"/>
-            <a:chOff x="3067332" y="2194464"/>
-            <a:chExt cx="1757364" cy="1177418"/>
+            <a:off x="6030452" y="732768"/>
+            <a:ext cx="1459646" cy="1459646"/>
+            <a:chOff x="6030452" y="-3133"/>
+            <a:chExt cx="1459646" cy="1459646"/>
           </a:xfrm>
         </p:grpSpPr>
         <p:sp>
           <p:nvSpPr>
-            <p:cNvPr id="170" name="양쪽 모서리가 잘린 사각형 169"/>
+            <p:cNvPr id="274" name="팔각형 273"/>
             <p:cNvSpPr/>
             <p:nvPr/>
           </p:nvSpPr>
           <p:spPr>
-            <a:xfrm rot="5400000">
-              <a:off x="3653120" y="2200306"/>
-              <a:ext cx="585788" cy="1757363"/>
+            <a:xfrm>
+              <a:off x="6174509" y="141563"/>
+              <a:ext cx="1171572" cy="1171572"/>
             </a:xfrm>
-            <a:prstGeom prst="snip2SameRect">
-              <a:avLst/>
+            <a:prstGeom prst="octagon">
+              <a:avLst>
+                <a:gd name="adj" fmla="val 11945"/>
+              </a:avLst>
             </a:prstGeom>
             <a:solidFill>
               <a:srgbClr val="6E3232"/>
@@ -13767,14 +15826,68 @@
         </p:sp>
         <p:sp>
           <p:nvSpPr>
-            <p:cNvPr id="171" name="직사각형 170"/>
+            <p:cNvPr id="61" name="도넛 60"/>
             <p:cNvSpPr/>
             <p:nvPr/>
           </p:nvSpPr>
           <p:spPr>
             <a:xfrm>
-              <a:off x="3483165" y="3113157"/>
-              <a:ext cx="198191" cy="82538"/>
+              <a:off x="6274235" y="236215"/>
+              <a:ext cx="976844" cy="976844"/>
+            </a:xfrm>
+            <a:prstGeom prst="donut">
+              <a:avLst>
+                <a:gd name="adj" fmla="val 9142"/>
+              </a:avLst>
+            </a:prstGeom>
+            <a:solidFill>
+              <a:srgbClr val="838D90"/>
+            </a:solidFill>
+            <a:ln w="38100">
+              <a:solidFill>
+                <a:schemeClr val="tx1"/>
+              </a:solidFill>
+            </a:ln>
+          </p:spPr>
+          <p:style>
+            <a:lnRef idx="2">
+              <a:schemeClr val="accent1">
+                <a:shade val="50000"/>
+              </a:schemeClr>
+            </a:lnRef>
+            <a:fillRef idx="1">
+              <a:schemeClr val="accent1"/>
+            </a:fillRef>
+            <a:effectRef idx="0">
+              <a:schemeClr val="accent1"/>
+            </a:effectRef>
+            <a:fontRef idx="minor">
+              <a:schemeClr val="lt1"/>
+            </a:fontRef>
+          </p:style>
+          <p:txBody>
+            <a:bodyPr rtlCol="0" anchor="ctr"/>
+            <a:lstStyle/>
+            <a:p>
+              <a:pPr algn="ctr"/>
+              <a:endParaRPr lang="ko-KR" altLang="en-US">
+                <a:solidFill>
+                  <a:schemeClr val="tx1"/>
+                </a:solidFill>
+              </a:endParaRPr>
+            </a:p>
+          </p:txBody>
+        </p:sp>
+        <p:sp>
+          <p:nvSpPr>
+            <p:cNvPr id="298" name="직사각형 297"/>
+            <p:cNvSpPr/>
+            <p:nvPr/>
+          </p:nvSpPr>
+          <p:spPr>
+            <a:xfrm>
+              <a:off x="6677964" y="140241"/>
+              <a:ext cx="153554" cy="1172894"/>
             </a:xfrm>
             <a:prstGeom prst="rect">
               <a:avLst/>
@@ -13815,20 +15928,116 @@
         </p:sp>
         <p:sp>
           <p:nvSpPr>
-            <p:cNvPr id="172" name="양쪽 모서리가 잘린 사각형 171"/>
+            <p:cNvPr id="300" name="직사각형 299"/>
             <p:cNvSpPr/>
             <p:nvPr/>
           </p:nvSpPr>
           <p:spPr>
-            <a:xfrm>
-              <a:off x="3067333" y="2194464"/>
-              <a:ext cx="585788" cy="591628"/>
+            <a:xfrm rot="5400000">
+              <a:off x="6683517" y="140902"/>
+              <a:ext cx="153554" cy="1171572"/>
             </a:xfrm>
-            <a:prstGeom prst="snip2SameRect">
+            <a:prstGeom prst="rect">
               <a:avLst/>
             </a:prstGeom>
             <a:solidFill>
-              <a:srgbClr val="6E3232"/>
+              <a:srgbClr val="838D90"/>
+            </a:solidFill>
+            <a:ln w="38100">
+              <a:solidFill>
+                <a:schemeClr val="tx1"/>
+              </a:solidFill>
+            </a:ln>
+          </p:spPr>
+          <p:style>
+            <a:lnRef idx="2">
+              <a:schemeClr val="accent1">
+                <a:shade val="50000"/>
+              </a:schemeClr>
+            </a:lnRef>
+            <a:fillRef idx="1">
+              <a:schemeClr val="accent1"/>
+            </a:fillRef>
+            <a:effectRef idx="0">
+              <a:schemeClr val="accent1"/>
+            </a:effectRef>
+            <a:fontRef idx="minor">
+              <a:schemeClr val="lt1"/>
+            </a:fontRef>
+          </p:style>
+          <p:txBody>
+            <a:bodyPr rtlCol="0" anchor="ctr"/>
+            <a:lstStyle/>
+            <a:p>
+              <a:pPr algn="ctr"/>
+              <a:endParaRPr lang="ko-KR" altLang="en-US"/>
+            </a:p>
+          </p:txBody>
+        </p:sp>
+        <p:sp>
+          <p:nvSpPr>
+            <p:cNvPr id="301" name="직사각형 300"/>
+            <p:cNvSpPr/>
+            <p:nvPr/>
+          </p:nvSpPr>
+          <p:spPr>
+            <a:xfrm rot="2700000">
+              <a:off x="6683498" y="-3115"/>
+              <a:ext cx="153554" cy="1459646"/>
+            </a:xfrm>
+            <a:prstGeom prst="rect">
+              <a:avLst/>
+            </a:prstGeom>
+            <a:solidFill>
+              <a:srgbClr val="838D90"/>
+            </a:solidFill>
+            <a:ln w="38100">
+              <a:solidFill>
+                <a:schemeClr val="tx1"/>
+              </a:solidFill>
+            </a:ln>
+          </p:spPr>
+          <p:style>
+            <a:lnRef idx="2">
+              <a:schemeClr val="accent1">
+                <a:shade val="50000"/>
+              </a:schemeClr>
+            </a:lnRef>
+            <a:fillRef idx="1">
+              <a:schemeClr val="accent1"/>
+            </a:fillRef>
+            <a:effectRef idx="0">
+              <a:schemeClr val="accent1"/>
+            </a:effectRef>
+            <a:fontRef idx="minor">
+              <a:schemeClr val="lt1"/>
+            </a:fontRef>
+          </p:style>
+          <p:txBody>
+            <a:bodyPr rtlCol="0" anchor="ctr"/>
+            <a:lstStyle/>
+            <a:p>
+              <a:pPr algn="ctr"/>
+              <a:endParaRPr lang="ko-KR" altLang="en-US"/>
+            </a:p>
+          </p:txBody>
+        </p:sp>
+        <p:sp>
+          <p:nvSpPr>
+            <p:cNvPr id="302" name="직사각형 301"/>
+            <p:cNvSpPr/>
+            <p:nvPr/>
+          </p:nvSpPr>
+          <p:spPr>
+            <a:xfrm rot="8100000">
+              <a:off x="6685880" y="-3133"/>
+              <a:ext cx="153554" cy="1459646"/>
+            </a:xfrm>
+            <a:prstGeom prst="rect">
+              <a:avLst/>
+            </a:prstGeom>
+            <a:solidFill>
+              <a:srgbClr val="838D90"/>
             </a:solidFill>
             <a:ln w="38100">
               <a:solidFill>
@@ -13863,28 +16072,28 @@
         </p:sp>
         <p:grpSp>
           <p:nvGrpSpPr>
-            <p:cNvPr id="173" name="그룹 172"/>
+            <p:cNvPr id="59" name="그룹 58"/>
             <p:cNvGrpSpPr/>
             <p:nvPr/>
           </p:nvGrpSpPr>
           <p:grpSpPr>
             <a:xfrm>
-              <a:off x="3127557" y="2255370"/>
-              <a:ext cx="465340" cy="465340"/>
-              <a:chOff x="3096188" y="2262185"/>
-              <a:chExt cx="465340" cy="465340"/>
+              <a:off x="6451772" y="418826"/>
+              <a:ext cx="617046" cy="617046"/>
+              <a:chOff x="6451772" y="418826"/>
+              <a:chExt cx="617046" cy="617046"/>
             </a:xfrm>
           </p:grpSpPr>
           <p:sp>
             <p:nvSpPr>
-              <p:cNvPr id="223" name="팔각형 222"/>
+              <p:cNvPr id="275" name="팔각형 274"/>
               <p:cNvSpPr/>
               <p:nvPr/>
             </p:nvSpPr>
             <p:spPr>
               <a:xfrm>
-                <a:off x="3096188" y="2262185"/>
-                <a:ext cx="465340" cy="465340"/>
+                <a:off x="6451772" y="418826"/>
+                <a:ext cx="617046" cy="617046"/>
               </a:xfrm>
               <a:prstGeom prst="octagon">
                 <a:avLst>
@@ -13927,19 +16136,17 @@
           </p:sp>
           <p:sp>
             <p:nvSpPr>
-              <p:cNvPr id="224" name="팔각형 223"/>
+              <p:cNvPr id="276" name="타원 275"/>
               <p:cNvSpPr/>
               <p:nvPr/>
             </p:nvSpPr>
             <p:spPr>
               <a:xfrm>
-                <a:off x="3181913" y="2347910"/>
-                <a:ext cx="293890" cy="293890"/>
+                <a:off x="6522888" y="489942"/>
+                <a:ext cx="474814" cy="474814"/>
               </a:xfrm>
-              <a:prstGeom prst="octagon">
-                <a:avLst>
-                  <a:gd name="adj" fmla="val 11945"/>
-                </a:avLst>
+              <a:prstGeom prst="ellipse">
+                <a:avLst/>
               </a:prstGeom>
               <a:solidFill>
                 <a:srgbClr val="6E3232"/>
@@ -13967,7 +16174,12 @@
               </a:fontRef>
             </p:style>
             <p:txBody>
-              <a:bodyPr rtlCol="0" anchor="ctr"/>
+              <a:bodyPr rot="0" spcFirstLastPara="0" vertOverflow="overflow" horzOverflow="overflow" vert="horz" wrap="square" lIns="91440" tIns="45720" rIns="91440" bIns="45720" numCol="1" spcCol="0" rtlCol="0" fromWordArt="0" anchor="ctr" anchorCtr="0" forceAA="0" compatLnSpc="1">
+                <a:prstTxWarp prst="textNoShape">
+                  <a:avLst/>
+                </a:prstTxWarp>
+                <a:noAutofit/>
+              </a:bodyPr>
               <a:lstStyle/>
               <a:p>
                 <a:pPr algn="ctr"/>
@@ -13975,36 +16187,19 @@
               </a:p>
             </p:txBody>
           </p:sp>
-        </p:grpSp>
-        <p:grpSp>
-          <p:nvGrpSpPr>
-            <p:cNvPr id="174" name="그룹 173"/>
-            <p:cNvGrpSpPr/>
-            <p:nvPr/>
-          </p:nvGrpSpPr>
-          <p:grpSpPr>
-            <a:xfrm>
-              <a:off x="3681357" y="2840245"/>
-              <a:ext cx="465340" cy="477485"/>
-              <a:chOff x="3096188" y="2262185"/>
-              <a:chExt cx="465340" cy="465340"/>
-            </a:xfrm>
-          </p:grpSpPr>
           <p:sp>
             <p:nvSpPr>
-              <p:cNvPr id="221" name="팔각형 220"/>
+              <p:cNvPr id="289" name="타원 288"/>
               <p:cNvSpPr/>
               <p:nvPr/>
             </p:nvSpPr>
             <p:spPr>
               <a:xfrm>
-                <a:off x="3096188" y="2262185"/>
-                <a:ext cx="465340" cy="465340"/>
+                <a:off x="6641102" y="608156"/>
+                <a:ext cx="238386" cy="238386"/>
               </a:xfrm>
-              <a:prstGeom prst="octagon">
-                <a:avLst>
-                  <a:gd name="adj" fmla="val 11945"/>
-                </a:avLst>
+              <a:prstGeom prst="ellipse">
+                <a:avLst/>
               </a:prstGeom>
               <a:solidFill>
                 <a:srgbClr val="838D90"/>
@@ -14032,1099 +16227,12 @@
               </a:fontRef>
             </p:style>
             <p:txBody>
-              <a:bodyPr rtlCol="0" anchor="ctr"/>
-              <a:lstStyle/>
-              <a:p>
-                <a:pPr algn="ctr"/>
-                <a:endParaRPr lang="ko-KR" altLang="en-US"/>
-              </a:p>
-            </p:txBody>
-          </p:sp>
-          <p:sp>
-            <p:nvSpPr>
-              <p:cNvPr id="222" name="팔각형 221"/>
-              <p:cNvSpPr/>
-              <p:nvPr/>
-            </p:nvSpPr>
-            <p:spPr>
-              <a:xfrm>
-                <a:off x="3181913" y="2347910"/>
-                <a:ext cx="293890" cy="293890"/>
-              </a:xfrm>
-              <a:prstGeom prst="octagon">
-                <a:avLst>
-                  <a:gd name="adj" fmla="val 11945"/>
-                </a:avLst>
-              </a:prstGeom>
-              <a:solidFill>
-                <a:srgbClr val="6E3232"/>
-              </a:solidFill>
-              <a:ln w="38100">
-                <a:solidFill>
-                  <a:schemeClr val="tx1"/>
-                </a:solidFill>
-              </a:ln>
-            </p:spPr>
-            <p:style>
-              <a:lnRef idx="2">
-                <a:schemeClr val="accent1">
-                  <a:shade val="50000"/>
-                </a:schemeClr>
-              </a:lnRef>
-              <a:fillRef idx="1">
-                <a:schemeClr val="accent1"/>
-              </a:fillRef>
-              <a:effectRef idx="0">
-                <a:schemeClr val="accent1"/>
-              </a:effectRef>
-              <a:fontRef idx="minor">
-                <a:schemeClr val="lt1"/>
-              </a:fontRef>
-            </p:style>
-            <p:txBody>
-              <a:bodyPr rtlCol="0" anchor="ctr"/>
-              <a:lstStyle/>
-              <a:p>
-                <a:pPr algn="ctr"/>
-                <a:endParaRPr lang="ko-KR" altLang="en-US"/>
-              </a:p>
-            </p:txBody>
-          </p:sp>
-        </p:grpSp>
-        <p:grpSp>
-          <p:nvGrpSpPr>
-            <p:cNvPr id="175" name="그룹 174"/>
-            <p:cNvGrpSpPr/>
-            <p:nvPr/>
-          </p:nvGrpSpPr>
-          <p:grpSpPr>
-            <a:xfrm>
-              <a:off x="4289042" y="2840245"/>
-              <a:ext cx="465340" cy="477485"/>
-              <a:chOff x="3096188" y="2262185"/>
-              <a:chExt cx="465340" cy="465340"/>
-            </a:xfrm>
-          </p:grpSpPr>
-          <p:sp>
-            <p:nvSpPr>
-              <p:cNvPr id="219" name="팔각형 218"/>
-              <p:cNvSpPr/>
-              <p:nvPr/>
-            </p:nvSpPr>
-            <p:spPr>
-              <a:xfrm>
-                <a:off x="3096188" y="2262185"/>
-                <a:ext cx="465340" cy="465340"/>
-              </a:xfrm>
-              <a:prstGeom prst="octagon">
-                <a:avLst>
-                  <a:gd name="adj" fmla="val 11945"/>
-                </a:avLst>
-              </a:prstGeom>
-              <a:solidFill>
-                <a:srgbClr val="838D90"/>
-              </a:solidFill>
-              <a:ln w="38100">
-                <a:solidFill>
-                  <a:schemeClr val="tx1"/>
-                </a:solidFill>
-              </a:ln>
-            </p:spPr>
-            <p:style>
-              <a:lnRef idx="2">
-                <a:schemeClr val="accent1">
-                  <a:shade val="50000"/>
-                </a:schemeClr>
-              </a:lnRef>
-              <a:fillRef idx="1">
-                <a:schemeClr val="accent1"/>
-              </a:fillRef>
-              <a:effectRef idx="0">
-                <a:schemeClr val="accent1"/>
-              </a:effectRef>
-              <a:fontRef idx="minor">
-                <a:schemeClr val="lt1"/>
-              </a:fontRef>
-            </p:style>
-            <p:txBody>
-              <a:bodyPr rtlCol="0" anchor="ctr"/>
-              <a:lstStyle/>
-              <a:p>
-                <a:pPr algn="ctr"/>
-                <a:endParaRPr lang="ko-KR" altLang="en-US"/>
-              </a:p>
-            </p:txBody>
-          </p:sp>
-          <p:sp>
-            <p:nvSpPr>
-              <p:cNvPr id="220" name="팔각형 219"/>
-              <p:cNvSpPr/>
-              <p:nvPr/>
-            </p:nvSpPr>
-            <p:spPr>
-              <a:xfrm>
-                <a:off x="3181913" y="2347910"/>
-                <a:ext cx="293890" cy="293890"/>
-              </a:xfrm>
-              <a:prstGeom prst="octagon">
-                <a:avLst>
-                  <a:gd name="adj" fmla="val 11945"/>
-                </a:avLst>
-              </a:prstGeom>
-              <a:solidFill>
-                <a:srgbClr val="6E3232"/>
-              </a:solidFill>
-              <a:ln w="38100">
-                <a:solidFill>
-                  <a:schemeClr val="tx1"/>
-                </a:solidFill>
-              </a:ln>
-            </p:spPr>
-            <p:style>
-              <a:lnRef idx="2">
-                <a:schemeClr val="accent1">
-                  <a:shade val="50000"/>
-                </a:schemeClr>
-              </a:lnRef>
-              <a:fillRef idx="1">
-                <a:schemeClr val="accent1"/>
-              </a:fillRef>
-              <a:effectRef idx="0">
-                <a:schemeClr val="accent1"/>
-              </a:effectRef>
-              <a:fontRef idx="minor">
-                <a:schemeClr val="lt1"/>
-              </a:fontRef>
-            </p:style>
-            <p:txBody>
-              <a:bodyPr rtlCol="0" anchor="ctr"/>
-              <a:lstStyle/>
-              <a:p>
-                <a:pPr algn="ctr"/>
-                <a:endParaRPr lang="ko-KR" altLang="en-US"/>
-              </a:p>
-            </p:txBody>
-          </p:sp>
-        </p:grpSp>
-        <p:sp>
-          <p:nvSpPr>
-            <p:cNvPr id="176" name="직사각형 175"/>
-            <p:cNvSpPr/>
-            <p:nvPr/>
-          </p:nvSpPr>
-          <p:spPr>
-            <a:xfrm>
-              <a:off x="4754382" y="3024987"/>
-              <a:ext cx="70314" cy="108000"/>
-            </a:xfrm>
-            <a:prstGeom prst="rect">
-              <a:avLst/>
-            </a:prstGeom>
-            <a:solidFill>
-              <a:srgbClr val="838D90"/>
-            </a:solidFill>
-            <a:ln w="38100">
-              <a:solidFill>
-                <a:schemeClr val="tx1"/>
-              </a:solidFill>
-            </a:ln>
-          </p:spPr>
-          <p:style>
-            <a:lnRef idx="2">
-              <a:schemeClr val="accent1">
-                <a:shade val="50000"/>
-              </a:schemeClr>
-            </a:lnRef>
-            <a:fillRef idx="1">
-              <a:schemeClr val="accent1"/>
-            </a:fillRef>
-            <a:effectRef idx="0">
-              <a:schemeClr val="accent1"/>
-            </a:effectRef>
-            <a:fontRef idx="minor">
-              <a:schemeClr val="lt1"/>
-            </a:fontRef>
-          </p:style>
-          <p:txBody>
-            <a:bodyPr rtlCol="0" anchor="ctr"/>
-            <a:lstStyle/>
-            <a:p>
-              <a:pPr algn="ctr"/>
-              <a:endParaRPr lang="ko-KR" altLang="en-US"/>
-            </a:p>
-          </p:txBody>
-        </p:sp>
-        <p:sp>
-          <p:nvSpPr>
-            <p:cNvPr id="177" name="직사각형 176"/>
-            <p:cNvSpPr/>
-            <p:nvPr/>
-          </p:nvSpPr>
-          <p:spPr>
-            <a:xfrm>
-              <a:off x="4150692" y="2952364"/>
-              <a:ext cx="138349" cy="253246"/>
-            </a:xfrm>
-            <a:prstGeom prst="rect">
-              <a:avLst/>
-            </a:prstGeom>
-            <a:solidFill>
-              <a:srgbClr val="838D90"/>
-            </a:solidFill>
-            <a:ln w="38100">
-              <a:solidFill>
-                <a:schemeClr val="tx1"/>
-              </a:solidFill>
-            </a:ln>
-          </p:spPr>
-          <p:style>
-            <a:lnRef idx="2">
-              <a:schemeClr val="accent1">
-                <a:shade val="50000"/>
-              </a:schemeClr>
-            </a:lnRef>
-            <a:fillRef idx="1">
-              <a:schemeClr val="accent1"/>
-            </a:fillRef>
-            <a:effectRef idx="0">
-              <a:schemeClr val="accent1"/>
-            </a:effectRef>
-            <a:fontRef idx="minor">
-              <a:schemeClr val="lt1"/>
-            </a:fontRef>
-          </p:style>
-          <p:txBody>
-            <a:bodyPr rtlCol="0" anchor="ctr"/>
-            <a:lstStyle/>
-            <a:p>
-              <a:pPr algn="ctr"/>
-              <a:endParaRPr lang="ko-KR" altLang="en-US"/>
-            </a:p>
-          </p:txBody>
-        </p:sp>
-        <p:sp>
-          <p:nvSpPr>
-            <p:cNvPr id="178" name="직사각형 177"/>
-            <p:cNvSpPr/>
-            <p:nvPr/>
-          </p:nvSpPr>
-          <p:spPr>
-            <a:xfrm>
-              <a:off x="4060972" y="3024987"/>
-              <a:ext cx="313796" cy="108000"/>
-            </a:xfrm>
-            <a:prstGeom prst="rect">
-              <a:avLst/>
-            </a:prstGeom>
-            <a:solidFill>
-              <a:srgbClr val="6E3232"/>
-            </a:solidFill>
-            <a:ln w="38100">
-              <a:solidFill>
-                <a:schemeClr val="tx1"/>
-              </a:solidFill>
-            </a:ln>
-          </p:spPr>
-          <p:style>
-            <a:lnRef idx="2">
-              <a:schemeClr val="accent1">
-                <a:shade val="50000"/>
-              </a:schemeClr>
-            </a:lnRef>
-            <a:fillRef idx="1">
-              <a:schemeClr val="accent1"/>
-            </a:fillRef>
-            <a:effectRef idx="0">
-              <a:schemeClr val="accent1"/>
-            </a:effectRef>
-            <a:fontRef idx="minor">
-              <a:schemeClr val="lt1"/>
-            </a:fontRef>
-          </p:style>
-          <p:txBody>
-            <a:bodyPr rtlCol="0" anchor="ctr"/>
-            <a:lstStyle/>
-            <a:p>
-              <a:pPr algn="ctr"/>
-              <a:endParaRPr lang="ko-KR" altLang="en-US"/>
-            </a:p>
-          </p:txBody>
-        </p:sp>
-        <p:sp>
-          <p:nvSpPr>
-            <p:cNvPr id="179" name="직사각형 178"/>
-            <p:cNvSpPr/>
-            <p:nvPr/>
-          </p:nvSpPr>
-          <p:spPr>
-            <a:xfrm>
-              <a:off x="4041958" y="3041351"/>
-              <a:ext cx="352425" cy="75272"/>
-            </a:xfrm>
-            <a:prstGeom prst="rect">
-              <a:avLst/>
-            </a:prstGeom>
-            <a:solidFill>
-              <a:srgbClr val="6E3232"/>
-            </a:solidFill>
-            <a:ln w="38100">
-              <a:noFill/>
-            </a:ln>
-          </p:spPr>
-          <p:style>
-            <a:lnRef idx="2">
-              <a:schemeClr val="accent1">
-                <a:shade val="50000"/>
-              </a:schemeClr>
-            </a:lnRef>
-            <a:fillRef idx="1">
-              <a:schemeClr val="accent1"/>
-            </a:fillRef>
-            <a:effectRef idx="0">
-              <a:schemeClr val="accent1"/>
-            </a:effectRef>
-            <a:fontRef idx="minor">
-              <a:schemeClr val="lt1"/>
-            </a:fontRef>
-          </p:style>
-          <p:txBody>
-            <a:bodyPr rtlCol="0" anchor="ctr"/>
-            <a:lstStyle/>
-            <a:p>
-              <a:pPr algn="ctr"/>
-              <a:endParaRPr lang="ko-KR" altLang="en-US"/>
-            </a:p>
-          </p:txBody>
-        </p:sp>
-        <p:sp>
-          <p:nvSpPr>
-            <p:cNvPr id="180" name="직사각형 179"/>
-            <p:cNvSpPr/>
-            <p:nvPr/>
-          </p:nvSpPr>
-          <p:spPr>
-            <a:xfrm>
-              <a:off x="3483165" y="2959290"/>
-              <a:ext cx="198191" cy="82538"/>
-            </a:xfrm>
-            <a:prstGeom prst="rect">
-              <a:avLst/>
-            </a:prstGeom>
-            <a:solidFill>
-              <a:srgbClr val="838D90"/>
-            </a:solidFill>
-            <a:ln w="38100">
-              <a:solidFill>
-                <a:schemeClr val="tx1"/>
-              </a:solidFill>
-            </a:ln>
-          </p:spPr>
-          <p:style>
-            <a:lnRef idx="2">
-              <a:schemeClr val="accent1">
-                <a:shade val="50000"/>
-              </a:schemeClr>
-            </a:lnRef>
-            <a:fillRef idx="1">
-              <a:schemeClr val="accent1"/>
-            </a:fillRef>
-            <a:effectRef idx="0">
-              <a:schemeClr val="accent1"/>
-            </a:effectRef>
-            <a:fontRef idx="minor">
-              <a:schemeClr val="lt1"/>
-            </a:fontRef>
-          </p:style>
-          <p:txBody>
-            <a:bodyPr rtlCol="0" anchor="ctr"/>
-            <a:lstStyle/>
-            <a:p>
-              <a:pPr algn="ctr"/>
-              <a:endParaRPr lang="ko-KR" altLang="en-US"/>
-            </a:p>
-          </p:txBody>
-        </p:sp>
-        <p:sp>
-          <p:nvSpPr>
-            <p:cNvPr id="181" name="직사각형 180"/>
-            <p:cNvSpPr/>
-            <p:nvPr/>
-          </p:nvSpPr>
-          <p:spPr>
-            <a:xfrm>
-              <a:off x="3069557" y="3113157"/>
-              <a:ext cx="164216" cy="82538"/>
-            </a:xfrm>
-            <a:prstGeom prst="rect">
-              <a:avLst/>
-            </a:prstGeom>
-            <a:solidFill>
-              <a:srgbClr val="838D90"/>
-            </a:solidFill>
-            <a:ln w="38100">
-              <a:solidFill>
-                <a:schemeClr val="tx1"/>
-              </a:solidFill>
-            </a:ln>
-          </p:spPr>
-          <p:style>
-            <a:lnRef idx="2">
-              <a:schemeClr val="accent1">
-                <a:shade val="50000"/>
-              </a:schemeClr>
-            </a:lnRef>
-            <a:fillRef idx="1">
-              <a:schemeClr val="accent1"/>
-            </a:fillRef>
-            <a:effectRef idx="0">
-              <a:schemeClr val="accent1"/>
-            </a:effectRef>
-            <a:fontRef idx="minor">
-              <a:schemeClr val="lt1"/>
-            </a:fontRef>
-          </p:style>
-          <p:txBody>
-            <a:bodyPr rtlCol="0" anchor="ctr"/>
-            <a:lstStyle/>
-            <a:p>
-              <a:pPr algn="ctr"/>
-              <a:endParaRPr lang="ko-KR" altLang="en-US"/>
-            </a:p>
-          </p:txBody>
-        </p:sp>
-        <p:sp>
-          <p:nvSpPr>
-            <p:cNvPr id="182" name="직사각형 181"/>
-            <p:cNvSpPr/>
-            <p:nvPr/>
-          </p:nvSpPr>
-          <p:spPr>
-            <a:xfrm>
-              <a:off x="3069557" y="2959290"/>
-              <a:ext cx="164216" cy="82538"/>
-            </a:xfrm>
-            <a:prstGeom prst="rect">
-              <a:avLst/>
-            </a:prstGeom>
-            <a:solidFill>
-              <a:srgbClr val="838D90"/>
-            </a:solidFill>
-            <a:ln w="38100">
-              <a:solidFill>
-                <a:schemeClr val="tx1"/>
-              </a:solidFill>
-            </a:ln>
-          </p:spPr>
-          <p:style>
-            <a:lnRef idx="2">
-              <a:schemeClr val="accent1">
-                <a:shade val="50000"/>
-              </a:schemeClr>
-            </a:lnRef>
-            <a:fillRef idx="1">
-              <a:schemeClr val="accent1"/>
-            </a:fillRef>
-            <a:effectRef idx="0">
-              <a:schemeClr val="accent1"/>
-            </a:effectRef>
-            <a:fontRef idx="minor">
-              <a:schemeClr val="lt1"/>
-            </a:fontRef>
-          </p:style>
-          <p:txBody>
-            <a:bodyPr rtlCol="0" anchor="ctr"/>
-            <a:lstStyle/>
-            <a:p>
-              <a:pPr algn="ctr"/>
-              <a:endParaRPr lang="ko-KR" altLang="en-US"/>
-            </a:p>
-          </p:txBody>
-        </p:sp>
-        <p:sp>
-          <p:nvSpPr>
-            <p:cNvPr id="183" name="직사각형 182"/>
-            <p:cNvSpPr/>
-            <p:nvPr/>
-          </p:nvSpPr>
-          <p:spPr>
-            <a:xfrm>
-              <a:off x="3086327" y="2747876"/>
-              <a:ext cx="547200" cy="110529"/>
-            </a:xfrm>
-            <a:prstGeom prst="rect">
-              <a:avLst/>
-            </a:prstGeom>
-            <a:solidFill>
-              <a:srgbClr val="6E3232"/>
-            </a:solidFill>
-            <a:ln w="38100">
-              <a:noFill/>
-            </a:ln>
-          </p:spPr>
-          <p:style>
-            <a:lnRef idx="2">
-              <a:schemeClr val="accent1">
-                <a:shade val="50000"/>
-              </a:schemeClr>
-            </a:lnRef>
-            <a:fillRef idx="1">
-              <a:schemeClr val="accent1"/>
-            </a:fillRef>
-            <a:effectRef idx="0">
-              <a:schemeClr val="accent1"/>
-            </a:effectRef>
-            <a:fontRef idx="minor">
-              <a:schemeClr val="lt1"/>
-            </a:fontRef>
-          </p:style>
-          <p:txBody>
-            <a:bodyPr rot="0" spcFirstLastPara="0" vertOverflow="overflow" horzOverflow="overflow" vert="horz" wrap="square" lIns="91440" tIns="45720" rIns="91440" bIns="45720" numCol="1" spcCol="0" rtlCol="0" fromWordArt="0" anchor="ctr" anchorCtr="0" forceAA="0" compatLnSpc="1">
-              <a:prstTxWarp prst="textNoShape">
-                <a:avLst/>
-              </a:prstTxWarp>
-              <a:noAutofit/>
-            </a:bodyPr>
-            <a:lstStyle/>
-            <a:p>
-              <a:pPr algn="ctr"/>
-              <a:endParaRPr lang="ko-KR" altLang="en-US"/>
-            </a:p>
-          </p:txBody>
-        </p:sp>
-        <p:sp>
-          <p:nvSpPr>
-            <p:cNvPr id="188" name="직사각형 187"/>
-            <p:cNvSpPr/>
-            <p:nvPr/>
-          </p:nvSpPr>
-          <p:spPr>
-            <a:xfrm>
-              <a:off x="3284562" y="2736995"/>
-              <a:ext cx="153554" cy="222295"/>
-            </a:xfrm>
-            <a:prstGeom prst="rect">
-              <a:avLst/>
-            </a:prstGeom>
-            <a:solidFill>
-              <a:srgbClr val="838D90"/>
-            </a:solidFill>
-            <a:ln w="38100">
-              <a:solidFill>
-                <a:schemeClr val="tx1"/>
-              </a:solidFill>
-            </a:ln>
-          </p:spPr>
-          <p:style>
-            <a:lnRef idx="2">
-              <a:schemeClr val="accent1">
-                <a:shade val="50000"/>
-              </a:schemeClr>
-            </a:lnRef>
-            <a:fillRef idx="1">
-              <a:schemeClr val="accent1"/>
-            </a:fillRef>
-            <a:effectRef idx="0">
-              <a:schemeClr val="accent1"/>
-            </a:effectRef>
-            <a:fontRef idx="minor">
-              <a:schemeClr val="lt1"/>
-            </a:fontRef>
-          </p:style>
-          <p:txBody>
-            <a:bodyPr rtlCol="0" anchor="ctr"/>
-            <a:lstStyle/>
-            <a:p>
-              <a:pPr algn="ctr"/>
-              <a:endParaRPr lang="ko-KR" altLang="en-US"/>
-            </a:p>
-          </p:txBody>
-        </p:sp>
-        <p:sp>
-          <p:nvSpPr>
-            <p:cNvPr id="192" name="양쪽 모서리가 잘린 사각형 191"/>
-            <p:cNvSpPr/>
-            <p:nvPr/>
-          </p:nvSpPr>
-          <p:spPr>
-            <a:xfrm rot="16200000">
-              <a:off x="3109765" y="2956051"/>
-              <a:ext cx="500928" cy="245873"/>
-            </a:xfrm>
-            <a:prstGeom prst="snip2SameRect">
-              <a:avLst>
-                <a:gd name="adj1" fmla="val 50000"/>
-                <a:gd name="adj2" fmla="val 50000"/>
-              </a:avLst>
-            </a:prstGeom>
-            <a:solidFill>
-              <a:srgbClr val="838D90"/>
-            </a:solidFill>
-            <a:ln w="38100">
-              <a:solidFill>
-                <a:schemeClr val="tx1"/>
-              </a:solidFill>
-            </a:ln>
-          </p:spPr>
-          <p:style>
-            <a:lnRef idx="2">
-              <a:schemeClr val="accent1">
-                <a:shade val="50000"/>
-              </a:schemeClr>
-            </a:lnRef>
-            <a:fillRef idx="1">
-              <a:schemeClr val="accent1"/>
-            </a:fillRef>
-            <a:effectRef idx="0">
-              <a:schemeClr val="accent1"/>
-            </a:effectRef>
-            <a:fontRef idx="minor">
-              <a:schemeClr val="lt1"/>
-            </a:fontRef>
-          </p:style>
-          <p:txBody>
-            <a:bodyPr rtlCol="0" anchor="ctr"/>
-            <a:lstStyle/>
-            <a:p>
-              <a:pPr algn="ctr"/>
-              <a:endParaRPr lang="ko-KR" altLang="en-US"/>
-            </a:p>
-          </p:txBody>
-        </p:sp>
-        <p:sp>
-          <p:nvSpPr>
-            <p:cNvPr id="193" name="양쪽 모서리가 잘린 사각형 192"/>
-            <p:cNvSpPr/>
-            <p:nvPr/>
-          </p:nvSpPr>
-          <p:spPr>
-            <a:xfrm rot="16200000">
-              <a:off x="3234832" y="3017376"/>
-              <a:ext cx="255364" cy="125342"/>
-            </a:xfrm>
-            <a:prstGeom prst="snip2SameRect">
-              <a:avLst>
-                <a:gd name="adj1" fmla="val 50000"/>
-                <a:gd name="adj2" fmla="val 50000"/>
-              </a:avLst>
-            </a:prstGeom>
-            <a:solidFill>
-              <a:srgbClr val="6E3232"/>
-            </a:solidFill>
-            <a:ln w="38100">
-              <a:solidFill>
-                <a:schemeClr val="tx1"/>
-              </a:solidFill>
-            </a:ln>
-          </p:spPr>
-          <p:style>
-            <a:lnRef idx="2">
-              <a:schemeClr val="accent1">
-                <a:shade val="50000"/>
-              </a:schemeClr>
-            </a:lnRef>
-            <a:fillRef idx="1">
-              <a:schemeClr val="accent1"/>
-            </a:fillRef>
-            <a:effectRef idx="0">
-              <a:schemeClr val="accent1"/>
-            </a:effectRef>
-            <a:fontRef idx="minor">
-              <a:schemeClr val="lt1"/>
-            </a:fontRef>
-          </p:style>
-          <p:txBody>
-            <a:bodyPr rtlCol="0" anchor="ctr"/>
-            <a:lstStyle/>
-            <a:p>
-              <a:pPr algn="ctr"/>
-              <a:endParaRPr lang="ko-KR" altLang="en-US"/>
-            </a:p>
-          </p:txBody>
-        </p:sp>
-      </p:grpSp>
-      <p:sp>
-        <p:nvSpPr>
-          <p:cNvPr id="225" name="직사각형 224"/>
-          <p:cNvSpPr/>
-          <p:nvPr/>
-        </p:nvSpPr>
-        <p:spPr>
-          <a:xfrm>
-            <a:off x="7843923" y="1703680"/>
-            <a:ext cx="60402" cy="547200"/>
-          </a:xfrm>
-          <a:prstGeom prst="rect">
-            <a:avLst/>
-          </a:prstGeom>
-          <a:solidFill>
-            <a:srgbClr val="6E3232"/>
-          </a:solidFill>
-          <a:ln w="38100">
-            <a:noFill/>
-          </a:ln>
-        </p:spPr>
-        <p:style>
-          <a:lnRef idx="2">
-            <a:schemeClr val="accent1">
-              <a:shade val="50000"/>
-            </a:schemeClr>
-          </a:lnRef>
-          <a:fillRef idx="1">
-            <a:schemeClr val="accent1"/>
-          </a:fillRef>
-          <a:effectRef idx="0">
-            <a:schemeClr val="accent1"/>
-          </a:effectRef>
-          <a:fontRef idx="minor">
-            <a:schemeClr val="lt1"/>
-          </a:fontRef>
-        </p:style>
-        <p:txBody>
-          <a:bodyPr rot="0" spcFirstLastPara="0" vertOverflow="overflow" horzOverflow="overflow" vert="horz" wrap="square" lIns="91440" tIns="45720" rIns="91440" bIns="45720" numCol="1" spcCol="0" rtlCol="0" fromWordArt="0" anchor="ctr" anchorCtr="0" forceAA="0" compatLnSpc="1">
-            <a:prstTxWarp prst="textNoShape">
-              <a:avLst/>
-            </a:prstTxWarp>
-            <a:noAutofit/>
-          </a:bodyPr>
-          <a:lstStyle/>
-          <a:p>
-            <a:pPr algn="ctr"/>
-            <a:endParaRPr lang="ko-KR" altLang="en-US"/>
-          </a:p>
-        </p:txBody>
-      </p:sp>
-      <p:sp>
-        <p:nvSpPr>
-          <p:cNvPr id="226" name="팔각형 225"/>
-          <p:cNvSpPr/>
-          <p:nvPr/>
-        </p:nvSpPr>
-        <p:spPr>
-          <a:xfrm rot="16200000">
-            <a:off x="7353041" y="1754597"/>
-            <a:ext cx="444270" cy="445038"/>
-          </a:xfrm>
-          <a:prstGeom prst="octagon">
-            <a:avLst/>
-          </a:prstGeom>
-          <a:solidFill>
-            <a:srgbClr val="838D90"/>
-          </a:solidFill>
-          <a:ln w="38100">
-            <a:solidFill>
-              <a:schemeClr val="tx1"/>
-            </a:solidFill>
-          </a:ln>
-        </p:spPr>
-        <p:style>
-          <a:lnRef idx="2">
-            <a:schemeClr val="accent1">
-              <a:shade val="50000"/>
-            </a:schemeClr>
-          </a:lnRef>
-          <a:fillRef idx="1">
-            <a:schemeClr val="accent1"/>
-          </a:fillRef>
-          <a:effectRef idx="0">
-            <a:schemeClr val="accent1"/>
-          </a:effectRef>
-          <a:fontRef idx="minor">
-            <a:schemeClr val="lt1"/>
-          </a:fontRef>
-        </p:style>
-        <p:txBody>
-          <a:bodyPr rtlCol="0" anchor="ctr"/>
-          <a:lstStyle/>
-          <a:p>
-            <a:pPr algn="ctr"/>
-            <a:endParaRPr lang="ko-KR" altLang="en-US"/>
-          </a:p>
-        </p:txBody>
-      </p:sp>
-      <p:sp>
-        <p:nvSpPr>
-          <p:cNvPr id="230" name="다이아몬드 229"/>
-          <p:cNvSpPr/>
-          <p:nvPr/>
-        </p:nvSpPr>
-        <p:spPr>
-          <a:xfrm rot="16200000">
-            <a:off x="7372696" y="1772454"/>
-            <a:ext cx="408618" cy="409324"/>
-          </a:xfrm>
-          <a:prstGeom prst="diamond">
-            <a:avLst/>
-          </a:prstGeom>
-          <a:solidFill>
-            <a:srgbClr val="6E3232"/>
-          </a:solidFill>
-          <a:ln w="38100">
-            <a:solidFill>
-              <a:schemeClr val="tx1"/>
-            </a:solidFill>
-          </a:ln>
-        </p:spPr>
-        <p:style>
-          <a:lnRef idx="2">
-            <a:schemeClr val="accent1">
-              <a:shade val="50000"/>
-            </a:schemeClr>
-          </a:lnRef>
-          <a:fillRef idx="1">
-            <a:schemeClr val="accent1"/>
-          </a:fillRef>
-          <a:effectRef idx="0">
-            <a:schemeClr val="accent1"/>
-          </a:effectRef>
-          <a:fontRef idx="minor">
-            <a:schemeClr val="lt1"/>
-          </a:fontRef>
-        </p:style>
-        <p:txBody>
-          <a:bodyPr rtlCol="0" anchor="ctr"/>
-          <a:lstStyle/>
-          <a:p>
-            <a:pPr algn="ctr"/>
-            <a:endParaRPr lang="ko-KR" altLang="en-US"/>
-          </a:p>
-        </p:txBody>
-      </p:sp>
-      <p:grpSp>
-        <p:nvGrpSpPr>
-          <p:cNvPr id="18" name="그룹 17"/>
-          <p:cNvGrpSpPr/>
-          <p:nvPr/>
-        </p:nvGrpSpPr>
-        <p:grpSpPr>
-          <a:xfrm>
-            <a:off x="7930342" y="1172873"/>
-            <a:ext cx="465340" cy="1613219"/>
-            <a:chOff x="7930342" y="1172873"/>
-            <a:chExt cx="465340" cy="1613219"/>
-          </a:xfrm>
-        </p:grpSpPr>
-        <p:grpSp>
-          <p:nvGrpSpPr>
-            <p:cNvPr id="231" name="그룹 230"/>
-            <p:cNvGrpSpPr/>
-            <p:nvPr/>
-          </p:nvGrpSpPr>
-          <p:grpSpPr>
-            <a:xfrm>
-              <a:off x="7930342" y="1172873"/>
-              <a:ext cx="465340" cy="465340"/>
-              <a:chOff x="3096188" y="2262185"/>
-              <a:chExt cx="465340" cy="465340"/>
-            </a:xfrm>
-          </p:grpSpPr>
-          <p:sp>
-            <p:nvSpPr>
-              <p:cNvPr id="232" name="팔각형 231"/>
-              <p:cNvSpPr/>
-              <p:nvPr/>
-            </p:nvSpPr>
-            <p:spPr>
-              <a:xfrm>
-                <a:off x="3096188" y="2262185"/>
-                <a:ext cx="465340" cy="465340"/>
-              </a:xfrm>
-              <a:prstGeom prst="octagon">
-                <a:avLst>
-                  <a:gd name="adj" fmla="val 11945"/>
-                </a:avLst>
-              </a:prstGeom>
-              <a:solidFill>
-                <a:srgbClr val="838D90"/>
-              </a:solidFill>
-              <a:ln w="38100">
-                <a:solidFill>
-                  <a:schemeClr val="tx1"/>
-                </a:solidFill>
-              </a:ln>
-            </p:spPr>
-            <p:style>
-              <a:lnRef idx="2">
-                <a:schemeClr val="accent1">
-                  <a:shade val="50000"/>
-                </a:schemeClr>
-              </a:lnRef>
-              <a:fillRef idx="1">
-                <a:schemeClr val="accent1"/>
-              </a:fillRef>
-              <a:effectRef idx="0">
-                <a:schemeClr val="accent1"/>
-              </a:effectRef>
-              <a:fontRef idx="minor">
-                <a:schemeClr val="lt1"/>
-              </a:fontRef>
-            </p:style>
-            <p:txBody>
-              <a:bodyPr rtlCol="0" anchor="ctr"/>
-              <a:lstStyle/>
-              <a:p>
-                <a:pPr algn="ctr"/>
-                <a:endParaRPr lang="ko-KR" altLang="en-US"/>
-              </a:p>
-            </p:txBody>
-          </p:sp>
-          <p:sp>
-            <p:nvSpPr>
-              <p:cNvPr id="233" name="팔각형 232"/>
-              <p:cNvSpPr/>
-              <p:nvPr/>
-            </p:nvSpPr>
-            <p:spPr>
-              <a:xfrm>
-                <a:off x="3181913" y="2347910"/>
-                <a:ext cx="293890" cy="293890"/>
-              </a:xfrm>
-              <a:prstGeom prst="octagon">
-                <a:avLst>
-                  <a:gd name="adj" fmla="val 11945"/>
-                </a:avLst>
-              </a:prstGeom>
-              <a:solidFill>
-                <a:srgbClr val="6E3232"/>
-              </a:solidFill>
-              <a:ln w="38100">
-                <a:solidFill>
-                  <a:schemeClr val="tx1"/>
-                </a:solidFill>
-              </a:ln>
-            </p:spPr>
-            <p:style>
-              <a:lnRef idx="2">
-                <a:schemeClr val="accent1">
-                  <a:shade val="50000"/>
-                </a:schemeClr>
-              </a:lnRef>
-              <a:fillRef idx="1">
-                <a:schemeClr val="accent1"/>
-              </a:fillRef>
-              <a:effectRef idx="0">
-                <a:schemeClr val="accent1"/>
-              </a:effectRef>
-              <a:fontRef idx="minor">
-                <a:schemeClr val="lt1"/>
-              </a:fontRef>
-            </p:style>
-            <p:txBody>
-              <a:bodyPr rtlCol="0" anchor="ctr"/>
-              <a:lstStyle/>
-              <a:p>
-                <a:pPr algn="ctr"/>
-                <a:endParaRPr lang="ko-KR" altLang="en-US"/>
-              </a:p>
-            </p:txBody>
-          </p:sp>
-        </p:grpSp>
-        <p:grpSp>
-          <p:nvGrpSpPr>
-            <p:cNvPr id="234" name="그룹 233"/>
-            <p:cNvGrpSpPr/>
-            <p:nvPr/>
-          </p:nvGrpSpPr>
-          <p:grpSpPr>
-            <a:xfrm>
-              <a:off x="7930342" y="2320752"/>
-              <a:ext cx="465340" cy="465340"/>
-              <a:chOff x="3096188" y="2262185"/>
-              <a:chExt cx="465340" cy="465340"/>
-            </a:xfrm>
-          </p:grpSpPr>
-          <p:sp>
-            <p:nvSpPr>
-              <p:cNvPr id="235" name="팔각형 234"/>
-              <p:cNvSpPr/>
-              <p:nvPr/>
-            </p:nvSpPr>
-            <p:spPr>
-              <a:xfrm>
-                <a:off x="3096188" y="2262185"/>
-                <a:ext cx="465340" cy="465340"/>
-              </a:xfrm>
-              <a:prstGeom prst="octagon">
-                <a:avLst>
-                  <a:gd name="adj" fmla="val 11945"/>
-                </a:avLst>
-              </a:prstGeom>
-              <a:solidFill>
-                <a:srgbClr val="838D90"/>
-              </a:solidFill>
-              <a:ln w="38100">
-                <a:solidFill>
-                  <a:schemeClr val="tx1"/>
-                </a:solidFill>
-              </a:ln>
-            </p:spPr>
-            <p:style>
-              <a:lnRef idx="2">
-                <a:schemeClr val="accent1">
-                  <a:shade val="50000"/>
-                </a:schemeClr>
-              </a:lnRef>
-              <a:fillRef idx="1">
-                <a:schemeClr val="accent1"/>
-              </a:fillRef>
-              <a:effectRef idx="0">
-                <a:schemeClr val="accent1"/>
-              </a:effectRef>
-              <a:fontRef idx="minor">
-                <a:schemeClr val="lt1"/>
-              </a:fontRef>
-            </p:style>
-            <p:txBody>
-              <a:bodyPr rtlCol="0" anchor="ctr"/>
-              <a:lstStyle/>
-              <a:p>
-                <a:pPr algn="ctr"/>
-                <a:endParaRPr lang="ko-KR" altLang="en-US"/>
-              </a:p>
-            </p:txBody>
-          </p:sp>
-          <p:sp>
-            <p:nvSpPr>
-              <p:cNvPr id="236" name="팔각형 235"/>
-              <p:cNvSpPr/>
-              <p:nvPr/>
-            </p:nvSpPr>
-            <p:spPr>
-              <a:xfrm>
-                <a:off x="3181913" y="2347910"/>
-                <a:ext cx="293890" cy="293890"/>
-              </a:xfrm>
-              <a:prstGeom prst="octagon">
-                <a:avLst>
-                  <a:gd name="adj" fmla="val 11945"/>
-                </a:avLst>
-              </a:prstGeom>
-              <a:solidFill>
-                <a:srgbClr val="6E3232"/>
-              </a:solidFill>
-              <a:ln w="38100">
-                <a:solidFill>
-                  <a:schemeClr val="tx1"/>
-                </a:solidFill>
-              </a:ln>
-            </p:spPr>
-            <p:style>
-              <a:lnRef idx="2">
-                <a:schemeClr val="accent1">
-                  <a:shade val="50000"/>
-                </a:schemeClr>
-              </a:lnRef>
-              <a:fillRef idx="1">
-                <a:schemeClr val="accent1"/>
-              </a:fillRef>
-              <a:effectRef idx="0">
-                <a:schemeClr val="accent1"/>
-              </a:effectRef>
-              <a:fontRef idx="minor">
-                <a:schemeClr val="lt1"/>
-              </a:fontRef>
-            </p:style>
-            <p:txBody>
-              <a:bodyPr rtlCol="0" anchor="ctr"/>
+              <a:bodyPr rot="0" spcFirstLastPara="0" vertOverflow="overflow" horzOverflow="overflow" vert="horz" wrap="square" lIns="91440" tIns="45720" rIns="91440" bIns="45720" numCol="1" spcCol="0" rtlCol="0" fromWordArt="0" anchor="ctr" anchorCtr="0" forceAA="0" compatLnSpc="1">
+                <a:prstTxWarp prst="textNoShape">
+                  <a:avLst/>
+                </a:prstTxWarp>
+                <a:noAutofit/>
+              </a:bodyPr>
               <a:lstStyle/>
               <a:p>
                 <a:pPr algn="ctr"/>

--- a/이미지 리소스 제작용.pptx
+++ b/이미지 리소스 제작용.pptx
@@ -8,6 +8,7 @@
     <p:sldId id="256" r:id="rId2"/>
     <p:sldId id="257" r:id="rId3"/>
     <p:sldId id="258" r:id="rId4"/>
+    <p:sldId id="259" r:id="rId5"/>
   </p:sldIdLst>
   <p:sldSz cx="12192000" cy="6858000"/>
   <p:notesSz cx="6858000" cy="9144000"/>
@@ -245,7 +246,7 @@
           <a:p>
             <a:fld id="{BA0D242D-412C-401D-84BE-2B6089EA261E}" type="datetimeFigureOut">
               <a:rPr lang="ko-KR" altLang="en-US" smtClean="0"/>
-              <a:t>2022-01-19</a:t>
+              <a:t>2022-01-26</a:t>
             </a:fld>
             <a:endParaRPr lang="ko-KR" altLang="en-US"/>
           </a:p>
@@ -415,7 +416,7 @@
           <a:p>
             <a:fld id="{BA0D242D-412C-401D-84BE-2B6089EA261E}" type="datetimeFigureOut">
               <a:rPr lang="ko-KR" altLang="en-US" smtClean="0"/>
-              <a:t>2022-01-19</a:t>
+              <a:t>2022-01-26</a:t>
             </a:fld>
             <a:endParaRPr lang="ko-KR" altLang="en-US"/>
           </a:p>
@@ -595,7 +596,7 @@
           <a:p>
             <a:fld id="{BA0D242D-412C-401D-84BE-2B6089EA261E}" type="datetimeFigureOut">
               <a:rPr lang="ko-KR" altLang="en-US" smtClean="0"/>
-              <a:t>2022-01-19</a:t>
+              <a:t>2022-01-26</a:t>
             </a:fld>
             <a:endParaRPr lang="ko-KR" altLang="en-US"/>
           </a:p>
@@ -765,7 +766,7 @@
           <a:p>
             <a:fld id="{BA0D242D-412C-401D-84BE-2B6089EA261E}" type="datetimeFigureOut">
               <a:rPr lang="ko-KR" altLang="en-US" smtClean="0"/>
-              <a:t>2022-01-19</a:t>
+              <a:t>2022-01-26</a:t>
             </a:fld>
             <a:endParaRPr lang="ko-KR" altLang="en-US"/>
           </a:p>
@@ -1011,7 +1012,7 @@
           <a:p>
             <a:fld id="{BA0D242D-412C-401D-84BE-2B6089EA261E}" type="datetimeFigureOut">
               <a:rPr lang="ko-KR" altLang="en-US" smtClean="0"/>
-              <a:t>2022-01-19</a:t>
+              <a:t>2022-01-26</a:t>
             </a:fld>
             <a:endParaRPr lang="ko-KR" altLang="en-US"/>
           </a:p>
@@ -1243,7 +1244,7 @@
           <a:p>
             <a:fld id="{BA0D242D-412C-401D-84BE-2B6089EA261E}" type="datetimeFigureOut">
               <a:rPr lang="ko-KR" altLang="en-US" smtClean="0"/>
-              <a:t>2022-01-19</a:t>
+              <a:t>2022-01-26</a:t>
             </a:fld>
             <a:endParaRPr lang="ko-KR" altLang="en-US"/>
           </a:p>
@@ -1610,7 +1611,7 @@
           <a:p>
             <a:fld id="{BA0D242D-412C-401D-84BE-2B6089EA261E}" type="datetimeFigureOut">
               <a:rPr lang="ko-KR" altLang="en-US" smtClean="0"/>
-              <a:t>2022-01-19</a:t>
+              <a:t>2022-01-26</a:t>
             </a:fld>
             <a:endParaRPr lang="ko-KR" altLang="en-US"/>
           </a:p>
@@ -1728,7 +1729,7 @@
           <a:p>
             <a:fld id="{BA0D242D-412C-401D-84BE-2B6089EA261E}" type="datetimeFigureOut">
               <a:rPr lang="ko-KR" altLang="en-US" smtClean="0"/>
-              <a:t>2022-01-19</a:t>
+              <a:t>2022-01-26</a:t>
             </a:fld>
             <a:endParaRPr lang="ko-KR" altLang="en-US"/>
           </a:p>
@@ -1823,7 +1824,7 @@
           <a:p>
             <a:fld id="{BA0D242D-412C-401D-84BE-2B6089EA261E}" type="datetimeFigureOut">
               <a:rPr lang="ko-KR" altLang="en-US" smtClean="0"/>
-              <a:t>2022-01-19</a:t>
+              <a:t>2022-01-26</a:t>
             </a:fld>
             <a:endParaRPr lang="ko-KR" altLang="en-US"/>
           </a:p>
@@ -2100,7 +2101,7 @@
           <a:p>
             <a:fld id="{BA0D242D-412C-401D-84BE-2B6089EA261E}" type="datetimeFigureOut">
               <a:rPr lang="ko-KR" altLang="en-US" smtClean="0"/>
-              <a:t>2022-01-19</a:t>
+              <a:t>2022-01-26</a:t>
             </a:fld>
             <a:endParaRPr lang="ko-KR" altLang="en-US"/>
           </a:p>
@@ -2353,7 +2354,7 @@
           <a:p>
             <a:fld id="{BA0D242D-412C-401D-84BE-2B6089EA261E}" type="datetimeFigureOut">
               <a:rPr lang="ko-KR" altLang="en-US" smtClean="0"/>
-              <a:t>2022-01-19</a:t>
+              <a:t>2022-01-26</a:t>
             </a:fld>
             <a:endParaRPr lang="ko-KR" altLang="en-US"/>
           </a:p>
@@ -2566,7 +2567,7 @@
           <a:p>
             <a:fld id="{BA0D242D-412C-401D-84BE-2B6089EA261E}" type="datetimeFigureOut">
               <a:rPr lang="ko-KR" altLang="en-US" smtClean="0"/>
-              <a:t>2022-01-19</a:t>
+              <a:t>2022-01-26</a:t>
             </a:fld>
             <a:endParaRPr lang="ko-KR" altLang="en-US"/>
           </a:p>
@@ -16255,6 +16256,5650 @@
 </p:sld>
 </file>
 
+<file path=ppt/slides/slide4.xml><?xml version="1.0" encoding="utf-8"?>
+<p:sld xmlns:a="http://schemas.openxmlformats.org/drawingml/2006/main" xmlns:r="http://schemas.openxmlformats.org/officeDocument/2006/relationships" xmlns:p="http://schemas.openxmlformats.org/presentationml/2006/main">
+  <p:cSld>
+    <p:spTree>
+      <p:nvGrpSpPr>
+        <p:cNvPr id="1" name=""/>
+        <p:cNvGrpSpPr/>
+        <p:nvPr/>
+      </p:nvGrpSpPr>
+      <p:grpSpPr>
+        <a:xfrm>
+          <a:off x="0" y="0"/>
+          <a:ext cx="0" cy="0"/>
+          <a:chOff x="0" y="0"/>
+          <a:chExt cx="0" cy="0"/>
+        </a:xfrm>
+      </p:grpSpPr>
+      <p:pic>
+        <p:nvPicPr>
+          <p:cNvPr id="1026" name="Picture 2" descr="https://static.wikia.nocookie.net/survivio/images/d/d4/Space_Cubes.jpeg/revision/latest/scale-to-width-down/180?cb=20200505222241"/>
+          <p:cNvPicPr>
+            <a:picLocks noChangeAspect="1" noChangeArrowheads="1"/>
+          </p:cNvPicPr>
+          <p:nvPr/>
+        </p:nvPicPr>
+        <p:blipFill rotWithShape="1">
+          <a:blip r:embed="rId2">
+            <a:extLst>
+              <a:ext uri="{28A0092B-C50C-407E-A947-70E740481C1C}">
+                <a14:useLocalDpi xmlns:a14="http://schemas.microsoft.com/office/drawing/2010/main" val="0"/>
+              </a:ext>
+            </a:extLst>
+          </a:blip>
+          <a:srcRect l="7963"/>
+          <a:stretch/>
+        </p:blipFill>
+        <p:spPr bwMode="auto">
+          <a:xfrm>
+            <a:off x="0" y="0"/>
+            <a:ext cx="1577975" cy="1590675"/>
+          </a:xfrm>
+          <a:prstGeom prst="rect">
+            <a:avLst/>
+          </a:prstGeom>
+          <a:noFill/>
+          <a:extLst>
+            <a:ext uri="{909E8E84-426E-40DD-AFC4-6F175D3DCCD1}">
+              <a14:hiddenFill xmlns:a14="http://schemas.microsoft.com/office/drawing/2010/main">
+                <a:solidFill>
+                  <a:srgbClr val="FFFFFF"/>
+                </a:solidFill>
+              </a14:hiddenFill>
+            </a:ext>
+          </a:extLst>
+        </p:spPr>
+      </p:pic>
+      <p:grpSp>
+        <p:nvGrpSpPr>
+          <p:cNvPr id="12" name="그룹 11"/>
+          <p:cNvGrpSpPr/>
+          <p:nvPr/>
+        </p:nvGrpSpPr>
+        <p:grpSpPr>
+          <a:xfrm>
+            <a:off x="5189169" y="819755"/>
+            <a:ext cx="585788" cy="2343150"/>
+            <a:chOff x="6268399" y="819755"/>
+            <a:chExt cx="585788" cy="2343150"/>
+          </a:xfrm>
+        </p:grpSpPr>
+        <p:sp>
+          <p:nvSpPr>
+            <p:cNvPr id="16" name="팔각형 15"/>
+            <p:cNvSpPr/>
+            <p:nvPr/>
+          </p:nvSpPr>
+          <p:spPr>
+            <a:xfrm>
+              <a:off x="6268399" y="819755"/>
+              <a:ext cx="585788" cy="2343150"/>
+            </a:xfrm>
+            <a:prstGeom prst="octagon">
+              <a:avLst>
+                <a:gd name="adj" fmla="val 12622"/>
+              </a:avLst>
+            </a:prstGeom>
+            <a:solidFill>
+              <a:srgbClr val="6E3232"/>
+            </a:solidFill>
+            <a:ln w="38100">
+              <a:solidFill>
+                <a:schemeClr val="tx1"/>
+              </a:solidFill>
+            </a:ln>
+          </p:spPr>
+          <p:style>
+            <a:lnRef idx="2">
+              <a:schemeClr val="accent1">
+                <a:shade val="50000"/>
+              </a:schemeClr>
+            </a:lnRef>
+            <a:fillRef idx="1">
+              <a:schemeClr val="accent1"/>
+            </a:fillRef>
+            <a:effectRef idx="0">
+              <a:schemeClr val="accent1"/>
+            </a:effectRef>
+            <a:fontRef idx="minor">
+              <a:schemeClr val="lt1"/>
+            </a:fontRef>
+          </p:style>
+          <p:txBody>
+            <a:bodyPr rtlCol="0" anchor="ctr"/>
+            <a:lstStyle/>
+            <a:p>
+              <a:pPr algn="ctr"/>
+              <a:endParaRPr lang="ko-KR" altLang="en-US"/>
+            </a:p>
+          </p:txBody>
+        </p:sp>
+        <p:sp>
+          <p:nvSpPr>
+            <p:cNvPr id="203" name="직사각형 202"/>
+            <p:cNvSpPr/>
+            <p:nvPr/>
+          </p:nvSpPr>
+          <p:spPr>
+            <a:xfrm>
+              <a:off x="6499692" y="1348117"/>
+              <a:ext cx="123202" cy="1286427"/>
+            </a:xfrm>
+            <a:prstGeom prst="rect">
+              <a:avLst/>
+            </a:prstGeom>
+            <a:solidFill>
+              <a:srgbClr val="838D90"/>
+            </a:solidFill>
+            <a:ln w="38100">
+              <a:solidFill>
+                <a:schemeClr val="tx1"/>
+              </a:solidFill>
+            </a:ln>
+          </p:spPr>
+          <p:style>
+            <a:lnRef idx="2">
+              <a:schemeClr val="accent1">
+                <a:shade val="50000"/>
+              </a:schemeClr>
+            </a:lnRef>
+            <a:fillRef idx="1">
+              <a:schemeClr val="accent1"/>
+            </a:fillRef>
+            <a:effectRef idx="0">
+              <a:schemeClr val="accent1"/>
+            </a:effectRef>
+            <a:fontRef idx="minor">
+              <a:schemeClr val="lt1"/>
+            </a:fontRef>
+          </p:style>
+          <p:txBody>
+            <a:bodyPr rtlCol="0" anchor="ctr"/>
+            <a:lstStyle/>
+            <a:p>
+              <a:pPr algn="ctr"/>
+              <a:endParaRPr lang="ko-KR" altLang="en-US"/>
+            </a:p>
+          </p:txBody>
+        </p:sp>
+        <p:grpSp>
+          <p:nvGrpSpPr>
+            <p:cNvPr id="194" name="그룹 193"/>
+            <p:cNvGrpSpPr/>
+            <p:nvPr/>
+          </p:nvGrpSpPr>
+          <p:grpSpPr>
+            <a:xfrm>
+              <a:off x="6328623" y="883218"/>
+              <a:ext cx="465340" cy="465340"/>
+              <a:chOff x="3096188" y="2262185"/>
+              <a:chExt cx="465340" cy="465340"/>
+            </a:xfrm>
+          </p:grpSpPr>
+          <p:sp>
+            <p:nvSpPr>
+              <p:cNvPr id="195" name="팔각형 194"/>
+              <p:cNvSpPr/>
+              <p:nvPr/>
+            </p:nvSpPr>
+            <p:spPr>
+              <a:xfrm>
+                <a:off x="3096188" y="2262185"/>
+                <a:ext cx="465340" cy="465340"/>
+              </a:xfrm>
+              <a:prstGeom prst="octagon">
+                <a:avLst>
+                  <a:gd name="adj" fmla="val 11945"/>
+                </a:avLst>
+              </a:prstGeom>
+              <a:solidFill>
+                <a:srgbClr val="838D90"/>
+              </a:solidFill>
+              <a:ln w="38100">
+                <a:solidFill>
+                  <a:schemeClr val="tx1"/>
+                </a:solidFill>
+              </a:ln>
+            </p:spPr>
+            <p:style>
+              <a:lnRef idx="2">
+                <a:schemeClr val="accent1">
+                  <a:shade val="50000"/>
+                </a:schemeClr>
+              </a:lnRef>
+              <a:fillRef idx="1">
+                <a:schemeClr val="accent1"/>
+              </a:fillRef>
+              <a:effectRef idx="0">
+                <a:schemeClr val="accent1"/>
+              </a:effectRef>
+              <a:fontRef idx="minor">
+                <a:schemeClr val="lt1"/>
+              </a:fontRef>
+            </p:style>
+            <p:txBody>
+              <a:bodyPr rtlCol="0" anchor="ctr"/>
+              <a:lstStyle/>
+              <a:p>
+                <a:pPr algn="ctr"/>
+                <a:endParaRPr lang="ko-KR" altLang="en-US"/>
+              </a:p>
+            </p:txBody>
+          </p:sp>
+          <p:sp>
+            <p:nvSpPr>
+              <p:cNvPr id="196" name="팔각형 195"/>
+              <p:cNvSpPr/>
+              <p:nvPr/>
+            </p:nvSpPr>
+            <p:spPr>
+              <a:xfrm>
+                <a:off x="3181913" y="2347910"/>
+                <a:ext cx="293890" cy="293890"/>
+              </a:xfrm>
+              <a:prstGeom prst="octagon">
+                <a:avLst>
+                  <a:gd name="adj" fmla="val 11945"/>
+                </a:avLst>
+              </a:prstGeom>
+              <a:solidFill>
+                <a:srgbClr val="6E3232"/>
+              </a:solidFill>
+              <a:ln w="38100">
+                <a:solidFill>
+                  <a:schemeClr val="tx1"/>
+                </a:solidFill>
+              </a:ln>
+            </p:spPr>
+            <p:style>
+              <a:lnRef idx="2">
+                <a:schemeClr val="accent1">
+                  <a:shade val="50000"/>
+                </a:schemeClr>
+              </a:lnRef>
+              <a:fillRef idx="1">
+                <a:schemeClr val="accent1"/>
+              </a:fillRef>
+              <a:effectRef idx="0">
+                <a:schemeClr val="accent1"/>
+              </a:effectRef>
+              <a:fontRef idx="minor">
+                <a:schemeClr val="lt1"/>
+              </a:fontRef>
+            </p:style>
+            <p:txBody>
+              <a:bodyPr rtlCol="0" anchor="ctr"/>
+              <a:lstStyle/>
+              <a:p>
+                <a:pPr algn="ctr"/>
+                <a:endParaRPr lang="ko-KR" altLang="en-US"/>
+              </a:p>
+            </p:txBody>
+          </p:sp>
+        </p:grpSp>
+        <p:grpSp>
+          <p:nvGrpSpPr>
+            <p:cNvPr id="197" name="그룹 196"/>
+            <p:cNvGrpSpPr/>
+            <p:nvPr/>
+          </p:nvGrpSpPr>
+          <p:grpSpPr>
+            <a:xfrm>
+              <a:off x="6328623" y="2634985"/>
+              <a:ext cx="465340" cy="465340"/>
+              <a:chOff x="3096188" y="2262185"/>
+              <a:chExt cx="465340" cy="465340"/>
+            </a:xfrm>
+          </p:grpSpPr>
+          <p:sp>
+            <p:nvSpPr>
+              <p:cNvPr id="198" name="팔각형 197"/>
+              <p:cNvSpPr/>
+              <p:nvPr/>
+            </p:nvSpPr>
+            <p:spPr>
+              <a:xfrm>
+                <a:off x="3096188" y="2262185"/>
+                <a:ext cx="465340" cy="465340"/>
+              </a:xfrm>
+              <a:prstGeom prst="octagon">
+                <a:avLst>
+                  <a:gd name="adj" fmla="val 11945"/>
+                </a:avLst>
+              </a:prstGeom>
+              <a:solidFill>
+                <a:srgbClr val="838D90"/>
+              </a:solidFill>
+              <a:ln w="38100">
+                <a:solidFill>
+                  <a:schemeClr val="tx1"/>
+                </a:solidFill>
+              </a:ln>
+            </p:spPr>
+            <p:style>
+              <a:lnRef idx="2">
+                <a:schemeClr val="accent1">
+                  <a:shade val="50000"/>
+                </a:schemeClr>
+              </a:lnRef>
+              <a:fillRef idx="1">
+                <a:schemeClr val="accent1"/>
+              </a:fillRef>
+              <a:effectRef idx="0">
+                <a:schemeClr val="accent1"/>
+              </a:effectRef>
+              <a:fontRef idx="minor">
+                <a:schemeClr val="lt1"/>
+              </a:fontRef>
+            </p:style>
+            <p:txBody>
+              <a:bodyPr rtlCol="0" anchor="ctr"/>
+              <a:lstStyle/>
+              <a:p>
+                <a:pPr algn="ctr"/>
+                <a:endParaRPr lang="ko-KR" altLang="en-US"/>
+              </a:p>
+            </p:txBody>
+          </p:sp>
+          <p:sp>
+            <p:nvSpPr>
+              <p:cNvPr id="199" name="팔각형 198"/>
+              <p:cNvSpPr/>
+              <p:nvPr/>
+            </p:nvSpPr>
+            <p:spPr>
+              <a:xfrm>
+                <a:off x="3181913" y="2347910"/>
+                <a:ext cx="293890" cy="293890"/>
+              </a:xfrm>
+              <a:prstGeom prst="octagon">
+                <a:avLst>
+                  <a:gd name="adj" fmla="val 11945"/>
+                </a:avLst>
+              </a:prstGeom>
+              <a:solidFill>
+                <a:srgbClr val="6E3232"/>
+              </a:solidFill>
+              <a:ln w="38100">
+                <a:solidFill>
+                  <a:schemeClr val="tx1"/>
+                </a:solidFill>
+              </a:ln>
+            </p:spPr>
+            <p:style>
+              <a:lnRef idx="2">
+                <a:schemeClr val="accent1">
+                  <a:shade val="50000"/>
+                </a:schemeClr>
+              </a:lnRef>
+              <a:fillRef idx="1">
+                <a:schemeClr val="accent1"/>
+              </a:fillRef>
+              <a:effectRef idx="0">
+                <a:schemeClr val="accent1"/>
+              </a:effectRef>
+              <a:fontRef idx="minor">
+                <a:schemeClr val="lt1"/>
+              </a:fontRef>
+            </p:style>
+            <p:txBody>
+              <a:bodyPr rtlCol="0" anchor="ctr"/>
+              <a:lstStyle/>
+              <a:p>
+                <a:pPr algn="ctr"/>
+                <a:endParaRPr lang="ko-KR" altLang="en-US"/>
+              </a:p>
+            </p:txBody>
+          </p:sp>
+        </p:grpSp>
+        <p:grpSp>
+          <p:nvGrpSpPr>
+            <p:cNvPr id="200" name="그룹 199"/>
+            <p:cNvGrpSpPr/>
+            <p:nvPr/>
+          </p:nvGrpSpPr>
+          <p:grpSpPr>
+            <a:xfrm>
+              <a:off x="6328623" y="1467140"/>
+              <a:ext cx="465340" cy="465340"/>
+              <a:chOff x="3096188" y="2262185"/>
+              <a:chExt cx="465340" cy="465340"/>
+            </a:xfrm>
+          </p:grpSpPr>
+          <p:sp>
+            <p:nvSpPr>
+              <p:cNvPr id="201" name="팔각형 200"/>
+              <p:cNvSpPr/>
+              <p:nvPr/>
+            </p:nvSpPr>
+            <p:spPr>
+              <a:xfrm>
+                <a:off x="3096188" y="2262185"/>
+                <a:ext cx="465340" cy="465340"/>
+              </a:xfrm>
+              <a:prstGeom prst="donut">
+                <a:avLst>
+                  <a:gd name="adj" fmla="val 18331"/>
+                </a:avLst>
+              </a:prstGeom>
+              <a:solidFill>
+                <a:srgbClr val="838D90"/>
+              </a:solidFill>
+              <a:ln w="38100">
+                <a:solidFill>
+                  <a:schemeClr val="tx1"/>
+                </a:solidFill>
+              </a:ln>
+            </p:spPr>
+            <p:style>
+              <a:lnRef idx="2">
+                <a:schemeClr val="accent1">
+                  <a:shade val="50000"/>
+                </a:schemeClr>
+              </a:lnRef>
+              <a:fillRef idx="1">
+                <a:schemeClr val="accent1"/>
+              </a:fillRef>
+              <a:effectRef idx="0">
+                <a:schemeClr val="accent1"/>
+              </a:effectRef>
+              <a:fontRef idx="minor">
+                <a:schemeClr val="lt1"/>
+              </a:fontRef>
+            </p:style>
+            <p:txBody>
+              <a:bodyPr rtlCol="0" anchor="ctr"/>
+              <a:lstStyle/>
+              <a:p>
+                <a:pPr algn="ctr"/>
+                <a:endParaRPr lang="ko-KR" altLang="en-US"/>
+              </a:p>
+            </p:txBody>
+          </p:sp>
+          <p:sp>
+            <p:nvSpPr>
+              <p:cNvPr id="202" name="도넛 201"/>
+              <p:cNvSpPr/>
+              <p:nvPr/>
+            </p:nvSpPr>
+            <p:spPr>
+              <a:xfrm>
+                <a:off x="3181913" y="2347910"/>
+                <a:ext cx="293890" cy="293890"/>
+              </a:xfrm>
+              <a:prstGeom prst="donut">
+                <a:avLst>
+                  <a:gd name="adj" fmla="val 33873"/>
+                </a:avLst>
+              </a:prstGeom>
+              <a:solidFill>
+                <a:srgbClr val="6E3232"/>
+              </a:solidFill>
+              <a:ln w="38100">
+                <a:solidFill>
+                  <a:schemeClr val="tx1"/>
+                </a:solidFill>
+              </a:ln>
+            </p:spPr>
+            <p:style>
+              <a:lnRef idx="2">
+                <a:schemeClr val="accent1">
+                  <a:shade val="50000"/>
+                </a:schemeClr>
+              </a:lnRef>
+              <a:fillRef idx="1">
+                <a:schemeClr val="accent1"/>
+              </a:fillRef>
+              <a:effectRef idx="0">
+                <a:schemeClr val="accent1"/>
+              </a:effectRef>
+              <a:fontRef idx="minor">
+                <a:schemeClr val="lt1"/>
+              </a:fontRef>
+            </p:style>
+            <p:txBody>
+              <a:bodyPr rtlCol="0" anchor="ctr"/>
+              <a:lstStyle/>
+              <a:p>
+                <a:pPr algn="ctr"/>
+                <a:endParaRPr lang="ko-KR" altLang="en-US"/>
+              </a:p>
+            </p:txBody>
+          </p:sp>
+        </p:grpSp>
+        <p:grpSp>
+          <p:nvGrpSpPr>
+            <p:cNvPr id="105" name="그룹 104"/>
+            <p:cNvGrpSpPr/>
+            <p:nvPr/>
+          </p:nvGrpSpPr>
+          <p:grpSpPr>
+            <a:xfrm>
+              <a:off x="6328623" y="2051062"/>
+              <a:ext cx="465340" cy="465340"/>
+              <a:chOff x="3096188" y="2262185"/>
+              <a:chExt cx="465340" cy="465340"/>
+            </a:xfrm>
+          </p:grpSpPr>
+          <p:sp>
+            <p:nvSpPr>
+              <p:cNvPr id="106" name="팔각형 200"/>
+              <p:cNvSpPr/>
+              <p:nvPr/>
+            </p:nvSpPr>
+            <p:spPr>
+              <a:xfrm>
+                <a:off x="3096188" y="2262185"/>
+                <a:ext cx="465340" cy="465340"/>
+              </a:xfrm>
+              <a:prstGeom prst="donut">
+                <a:avLst>
+                  <a:gd name="adj" fmla="val 18331"/>
+                </a:avLst>
+              </a:prstGeom>
+              <a:solidFill>
+                <a:srgbClr val="838D90"/>
+              </a:solidFill>
+              <a:ln w="38100">
+                <a:solidFill>
+                  <a:schemeClr val="tx1"/>
+                </a:solidFill>
+              </a:ln>
+            </p:spPr>
+            <p:style>
+              <a:lnRef idx="2">
+                <a:schemeClr val="accent1">
+                  <a:shade val="50000"/>
+                </a:schemeClr>
+              </a:lnRef>
+              <a:fillRef idx="1">
+                <a:schemeClr val="accent1"/>
+              </a:fillRef>
+              <a:effectRef idx="0">
+                <a:schemeClr val="accent1"/>
+              </a:effectRef>
+              <a:fontRef idx="minor">
+                <a:schemeClr val="lt1"/>
+              </a:fontRef>
+            </p:style>
+            <p:txBody>
+              <a:bodyPr rtlCol="0" anchor="ctr"/>
+              <a:lstStyle/>
+              <a:p>
+                <a:pPr algn="ctr"/>
+                <a:endParaRPr lang="ko-KR" altLang="en-US"/>
+              </a:p>
+            </p:txBody>
+          </p:sp>
+          <p:sp>
+            <p:nvSpPr>
+              <p:cNvPr id="107" name="도넛 106"/>
+              <p:cNvSpPr/>
+              <p:nvPr/>
+            </p:nvSpPr>
+            <p:spPr>
+              <a:xfrm>
+                <a:off x="3181913" y="2347910"/>
+                <a:ext cx="293890" cy="293890"/>
+              </a:xfrm>
+              <a:prstGeom prst="donut">
+                <a:avLst>
+                  <a:gd name="adj" fmla="val 33873"/>
+                </a:avLst>
+              </a:prstGeom>
+              <a:solidFill>
+                <a:srgbClr val="6E3232"/>
+              </a:solidFill>
+              <a:ln w="38100">
+                <a:solidFill>
+                  <a:schemeClr val="tx1"/>
+                </a:solidFill>
+              </a:ln>
+            </p:spPr>
+            <p:style>
+              <a:lnRef idx="2">
+                <a:schemeClr val="accent1">
+                  <a:shade val="50000"/>
+                </a:schemeClr>
+              </a:lnRef>
+              <a:fillRef idx="1">
+                <a:schemeClr val="accent1"/>
+              </a:fillRef>
+              <a:effectRef idx="0">
+                <a:schemeClr val="accent1"/>
+              </a:effectRef>
+              <a:fontRef idx="minor">
+                <a:schemeClr val="lt1"/>
+              </a:fontRef>
+            </p:style>
+            <p:txBody>
+              <a:bodyPr rtlCol="0" anchor="ctr"/>
+              <a:lstStyle/>
+              <a:p>
+                <a:pPr algn="ctr"/>
+                <a:endParaRPr lang="ko-KR" altLang="en-US"/>
+              </a:p>
+            </p:txBody>
+          </p:sp>
+        </p:grpSp>
+      </p:grpSp>
+      <p:grpSp>
+        <p:nvGrpSpPr>
+          <p:cNvPr id="6" name="그룹 5"/>
+          <p:cNvGrpSpPr/>
+          <p:nvPr/>
+        </p:nvGrpSpPr>
+        <p:grpSpPr>
+          <a:xfrm>
+            <a:off x="3041123" y="3562931"/>
+            <a:ext cx="1176747" cy="1861789"/>
+            <a:chOff x="4626818" y="819755"/>
+            <a:chExt cx="1176747" cy="1861789"/>
+          </a:xfrm>
+        </p:grpSpPr>
+        <p:sp>
+          <p:nvSpPr>
+            <p:cNvPr id="2" name="양쪽 모서리가 잘린 사각형 1"/>
+            <p:cNvSpPr/>
+            <p:nvPr/>
+          </p:nvSpPr>
+          <p:spPr>
+            <a:xfrm>
+              <a:off x="4626818" y="819755"/>
+              <a:ext cx="585788" cy="1206000"/>
+            </a:xfrm>
+            <a:prstGeom prst="snip2SameRect">
+              <a:avLst/>
+            </a:prstGeom>
+            <a:solidFill>
+              <a:srgbClr val="6E3232"/>
+            </a:solidFill>
+            <a:ln w="38100">
+              <a:solidFill>
+                <a:schemeClr val="tx1"/>
+              </a:solidFill>
+            </a:ln>
+          </p:spPr>
+          <p:style>
+            <a:lnRef idx="2">
+              <a:schemeClr val="accent1">
+                <a:shade val="50000"/>
+              </a:schemeClr>
+            </a:lnRef>
+            <a:fillRef idx="1">
+              <a:schemeClr val="accent1"/>
+            </a:fillRef>
+            <a:effectRef idx="0">
+              <a:schemeClr val="accent1"/>
+            </a:effectRef>
+            <a:fontRef idx="minor">
+              <a:schemeClr val="lt1"/>
+            </a:fontRef>
+          </p:style>
+          <p:txBody>
+            <a:bodyPr rtlCol="0" anchor="ctr"/>
+            <a:lstStyle/>
+            <a:p>
+              <a:pPr algn="ctr"/>
+              <a:endParaRPr lang="ko-KR" altLang="en-US"/>
+            </a:p>
+          </p:txBody>
+        </p:sp>
+        <p:grpSp>
+          <p:nvGrpSpPr>
+            <p:cNvPr id="147" name="그룹 146"/>
+            <p:cNvGrpSpPr/>
+            <p:nvPr/>
+          </p:nvGrpSpPr>
+          <p:grpSpPr>
+            <a:xfrm rot="10800000">
+              <a:off x="5217777" y="1475544"/>
+              <a:ext cx="585788" cy="1206000"/>
+              <a:chOff x="5519051" y="1946796"/>
+              <a:chExt cx="585788" cy="1206000"/>
+            </a:xfrm>
+          </p:grpSpPr>
+          <p:sp>
+            <p:nvSpPr>
+              <p:cNvPr id="148" name="양쪽 모서리가 잘린 사각형 147"/>
+              <p:cNvSpPr/>
+              <p:nvPr/>
+            </p:nvSpPr>
+            <p:spPr>
+              <a:xfrm>
+                <a:off x="5519051" y="1946796"/>
+                <a:ext cx="585788" cy="1206000"/>
+              </a:xfrm>
+              <a:prstGeom prst="snip2SameRect">
+                <a:avLst/>
+              </a:prstGeom>
+              <a:solidFill>
+                <a:srgbClr val="6E3232"/>
+              </a:solidFill>
+              <a:ln w="38100">
+                <a:solidFill>
+                  <a:schemeClr val="tx1"/>
+                </a:solidFill>
+              </a:ln>
+            </p:spPr>
+            <p:style>
+              <a:lnRef idx="2">
+                <a:schemeClr val="accent1">
+                  <a:shade val="50000"/>
+                </a:schemeClr>
+              </a:lnRef>
+              <a:fillRef idx="1">
+                <a:schemeClr val="accent1"/>
+              </a:fillRef>
+              <a:effectRef idx="0">
+                <a:schemeClr val="accent1"/>
+              </a:effectRef>
+              <a:fontRef idx="minor">
+                <a:schemeClr val="lt1"/>
+              </a:fontRef>
+            </p:style>
+            <p:txBody>
+              <a:bodyPr rtlCol="0" anchor="ctr"/>
+              <a:lstStyle/>
+              <a:p>
+                <a:pPr algn="ctr"/>
+                <a:endParaRPr lang="ko-KR" altLang="en-US"/>
+              </a:p>
+            </p:txBody>
+          </p:sp>
+          <p:grpSp>
+            <p:nvGrpSpPr>
+              <p:cNvPr id="149" name="그룹 148"/>
+              <p:cNvGrpSpPr/>
+              <p:nvPr/>
+            </p:nvGrpSpPr>
+            <p:grpSpPr>
+              <a:xfrm>
+                <a:off x="5579275" y="2022700"/>
+                <a:ext cx="465340" cy="465340"/>
+                <a:chOff x="3096188" y="2262185"/>
+                <a:chExt cx="465340" cy="465340"/>
+              </a:xfrm>
+            </p:grpSpPr>
+            <p:sp>
+              <p:nvSpPr>
+                <p:cNvPr id="150" name="팔각형 149"/>
+                <p:cNvSpPr/>
+                <p:nvPr/>
+              </p:nvSpPr>
+              <p:spPr>
+                <a:xfrm>
+                  <a:off x="3096188" y="2262185"/>
+                  <a:ext cx="465340" cy="465340"/>
+                </a:xfrm>
+                <a:prstGeom prst="octagon">
+                  <a:avLst>
+                    <a:gd name="adj" fmla="val 11945"/>
+                  </a:avLst>
+                </a:prstGeom>
+                <a:solidFill>
+                  <a:srgbClr val="838D90"/>
+                </a:solidFill>
+                <a:ln w="38100">
+                  <a:solidFill>
+                    <a:schemeClr val="tx1"/>
+                  </a:solidFill>
+                </a:ln>
+              </p:spPr>
+              <p:style>
+                <a:lnRef idx="2">
+                  <a:schemeClr val="accent1">
+                    <a:shade val="50000"/>
+                  </a:schemeClr>
+                </a:lnRef>
+                <a:fillRef idx="1">
+                  <a:schemeClr val="accent1"/>
+                </a:fillRef>
+                <a:effectRef idx="0">
+                  <a:schemeClr val="accent1"/>
+                </a:effectRef>
+                <a:fontRef idx="minor">
+                  <a:schemeClr val="lt1"/>
+                </a:fontRef>
+              </p:style>
+              <p:txBody>
+                <a:bodyPr rtlCol="0" anchor="ctr"/>
+                <a:lstStyle/>
+                <a:p>
+                  <a:pPr algn="ctr"/>
+                  <a:endParaRPr lang="ko-KR" altLang="en-US"/>
+                </a:p>
+              </p:txBody>
+            </p:sp>
+            <p:sp>
+              <p:nvSpPr>
+                <p:cNvPr id="151" name="팔각형 150"/>
+                <p:cNvSpPr/>
+                <p:nvPr/>
+              </p:nvSpPr>
+              <p:spPr>
+                <a:xfrm>
+                  <a:off x="3181913" y="2347910"/>
+                  <a:ext cx="293890" cy="293890"/>
+                </a:xfrm>
+                <a:prstGeom prst="octagon">
+                  <a:avLst>
+                    <a:gd name="adj" fmla="val 11945"/>
+                  </a:avLst>
+                </a:prstGeom>
+                <a:solidFill>
+                  <a:srgbClr val="6E3232"/>
+                </a:solidFill>
+                <a:ln w="38100">
+                  <a:solidFill>
+                    <a:schemeClr val="tx1"/>
+                  </a:solidFill>
+                </a:ln>
+              </p:spPr>
+              <p:style>
+                <a:lnRef idx="2">
+                  <a:schemeClr val="accent1">
+                    <a:shade val="50000"/>
+                  </a:schemeClr>
+                </a:lnRef>
+                <a:fillRef idx="1">
+                  <a:schemeClr val="accent1"/>
+                </a:fillRef>
+                <a:effectRef idx="0">
+                  <a:schemeClr val="accent1"/>
+                </a:effectRef>
+                <a:fontRef idx="minor">
+                  <a:schemeClr val="lt1"/>
+                </a:fontRef>
+              </p:style>
+              <p:txBody>
+                <a:bodyPr rtlCol="0" anchor="ctr"/>
+                <a:lstStyle/>
+                <a:p>
+                  <a:pPr algn="ctr"/>
+                  <a:endParaRPr lang="ko-KR" altLang="en-US"/>
+                </a:p>
+              </p:txBody>
+            </p:sp>
+          </p:grpSp>
+        </p:grpSp>
+        <p:sp>
+          <p:nvSpPr>
+            <p:cNvPr id="152" name="직사각형 151"/>
+            <p:cNvSpPr/>
+            <p:nvPr/>
+          </p:nvSpPr>
+          <p:spPr>
+            <a:xfrm>
+              <a:off x="4866391" y="1364702"/>
+              <a:ext cx="106642" cy="434113"/>
+            </a:xfrm>
+            <a:prstGeom prst="rect">
+              <a:avLst/>
+            </a:prstGeom>
+            <a:solidFill>
+              <a:srgbClr val="838D90"/>
+            </a:solidFill>
+            <a:ln w="38100">
+              <a:solidFill>
+                <a:schemeClr val="tx1"/>
+              </a:solidFill>
+            </a:ln>
+          </p:spPr>
+          <p:style>
+            <a:lnRef idx="2">
+              <a:schemeClr val="accent1">
+                <a:shade val="50000"/>
+              </a:schemeClr>
+            </a:lnRef>
+            <a:fillRef idx="1">
+              <a:schemeClr val="accent1"/>
+            </a:fillRef>
+            <a:effectRef idx="0">
+              <a:schemeClr val="accent1"/>
+            </a:effectRef>
+            <a:fontRef idx="minor">
+              <a:schemeClr val="lt1"/>
+            </a:fontRef>
+          </p:style>
+          <p:txBody>
+            <a:bodyPr rtlCol="0" anchor="ctr"/>
+            <a:lstStyle/>
+            <a:p>
+              <a:pPr algn="ctr"/>
+              <a:endParaRPr lang="ko-KR" altLang="en-US"/>
+            </a:p>
+          </p:txBody>
+        </p:sp>
+        <p:sp>
+          <p:nvSpPr>
+            <p:cNvPr id="154" name="직사각형 153"/>
+            <p:cNvSpPr/>
+            <p:nvPr/>
+          </p:nvSpPr>
+          <p:spPr>
+            <a:xfrm>
+              <a:off x="5452179" y="1713204"/>
+              <a:ext cx="106642" cy="427096"/>
+            </a:xfrm>
+            <a:prstGeom prst="rect">
+              <a:avLst/>
+            </a:prstGeom>
+            <a:solidFill>
+              <a:srgbClr val="838D90"/>
+            </a:solidFill>
+            <a:ln w="38100">
+              <a:solidFill>
+                <a:schemeClr val="tx1"/>
+              </a:solidFill>
+            </a:ln>
+          </p:spPr>
+          <p:style>
+            <a:lnRef idx="2">
+              <a:schemeClr val="accent1">
+                <a:shade val="50000"/>
+              </a:schemeClr>
+            </a:lnRef>
+            <a:fillRef idx="1">
+              <a:schemeClr val="accent1"/>
+            </a:fillRef>
+            <a:effectRef idx="0">
+              <a:schemeClr val="accent1"/>
+            </a:effectRef>
+            <a:fontRef idx="minor">
+              <a:schemeClr val="lt1"/>
+            </a:fontRef>
+          </p:style>
+          <p:txBody>
+            <a:bodyPr rtlCol="0" anchor="ctr"/>
+            <a:lstStyle/>
+            <a:p>
+              <a:pPr algn="ctr"/>
+              <a:endParaRPr lang="ko-KR" altLang="en-US"/>
+            </a:p>
+          </p:txBody>
+        </p:sp>
+        <p:sp>
+          <p:nvSpPr>
+            <p:cNvPr id="13" name="직사각형 12"/>
+            <p:cNvSpPr/>
+            <p:nvPr/>
+          </p:nvSpPr>
+          <p:spPr>
+            <a:xfrm>
+              <a:off x="5162909" y="1495509"/>
+              <a:ext cx="95250" cy="511200"/>
+            </a:xfrm>
+            <a:prstGeom prst="rect">
+              <a:avLst/>
+            </a:prstGeom>
+            <a:solidFill>
+              <a:srgbClr val="6E3232"/>
+            </a:solidFill>
+            <a:ln w="38100">
+              <a:noFill/>
+            </a:ln>
+          </p:spPr>
+          <p:style>
+            <a:lnRef idx="2">
+              <a:schemeClr val="accent1">
+                <a:shade val="50000"/>
+              </a:schemeClr>
+            </a:lnRef>
+            <a:fillRef idx="1">
+              <a:schemeClr val="accent1"/>
+            </a:fillRef>
+            <a:effectRef idx="0">
+              <a:schemeClr val="accent1"/>
+            </a:effectRef>
+            <a:fontRef idx="minor">
+              <a:schemeClr val="lt1"/>
+            </a:fontRef>
+          </p:style>
+          <p:txBody>
+            <a:bodyPr rtlCol="0" anchor="ctr"/>
+            <a:lstStyle/>
+            <a:p>
+              <a:pPr algn="ctr"/>
+              <a:endParaRPr lang="ko-KR" altLang="en-US"/>
+            </a:p>
+          </p:txBody>
+        </p:sp>
+        <p:sp>
+          <p:nvSpPr>
+            <p:cNvPr id="162" name="직사각형 161"/>
+            <p:cNvSpPr/>
+            <p:nvPr/>
+          </p:nvSpPr>
+          <p:spPr>
+            <a:xfrm rot="5400000">
+              <a:off x="5183730" y="1509505"/>
+              <a:ext cx="57749" cy="678416"/>
+            </a:xfrm>
+            <a:prstGeom prst="rect">
+              <a:avLst/>
+            </a:prstGeom>
+            <a:solidFill>
+              <a:srgbClr val="838D90"/>
+            </a:solidFill>
+            <a:ln w="38100">
+              <a:solidFill>
+                <a:schemeClr val="tx1"/>
+              </a:solidFill>
+            </a:ln>
+          </p:spPr>
+          <p:style>
+            <a:lnRef idx="2">
+              <a:schemeClr val="accent1">
+                <a:shade val="50000"/>
+              </a:schemeClr>
+            </a:lnRef>
+            <a:fillRef idx="1">
+              <a:schemeClr val="accent1"/>
+            </a:fillRef>
+            <a:effectRef idx="0">
+              <a:schemeClr val="accent1"/>
+            </a:effectRef>
+            <a:fontRef idx="minor">
+              <a:schemeClr val="lt1"/>
+            </a:fontRef>
+          </p:style>
+          <p:txBody>
+            <a:bodyPr rtlCol="0" anchor="ctr"/>
+            <a:lstStyle/>
+            <a:p>
+              <a:pPr algn="ctr"/>
+              <a:endParaRPr lang="ko-KR" altLang="en-US"/>
+            </a:p>
+          </p:txBody>
+        </p:sp>
+        <p:sp>
+          <p:nvSpPr>
+            <p:cNvPr id="155" name="직사각형 154"/>
+            <p:cNvSpPr/>
+            <p:nvPr/>
+          </p:nvSpPr>
+          <p:spPr>
+            <a:xfrm rot="5400000">
+              <a:off x="5181602" y="1319524"/>
+              <a:ext cx="62006" cy="678416"/>
+            </a:xfrm>
+            <a:prstGeom prst="rect">
+              <a:avLst/>
+            </a:prstGeom>
+            <a:solidFill>
+              <a:srgbClr val="838D90"/>
+            </a:solidFill>
+            <a:ln w="38100">
+              <a:solidFill>
+                <a:schemeClr val="tx1"/>
+              </a:solidFill>
+            </a:ln>
+          </p:spPr>
+          <p:style>
+            <a:lnRef idx="2">
+              <a:schemeClr val="accent1">
+                <a:shade val="50000"/>
+              </a:schemeClr>
+            </a:lnRef>
+            <a:fillRef idx="1">
+              <a:schemeClr val="accent1"/>
+            </a:fillRef>
+            <a:effectRef idx="0">
+              <a:schemeClr val="accent1"/>
+            </a:effectRef>
+            <a:fontRef idx="minor">
+              <a:schemeClr val="lt1"/>
+            </a:fontRef>
+          </p:style>
+          <p:txBody>
+            <a:bodyPr rtlCol="0" anchor="ctr"/>
+            <a:lstStyle/>
+            <a:p>
+              <a:pPr algn="ctr"/>
+              <a:endParaRPr lang="ko-KR" altLang="en-US"/>
+            </a:p>
+          </p:txBody>
+        </p:sp>
+        <p:sp>
+          <p:nvSpPr>
+            <p:cNvPr id="159" name="양쪽 모서리가 잘린 사각형 158"/>
+            <p:cNvSpPr/>
+            <p:nvPr/>
+          </p:nvSpPr>
+          <p:spPr>
+            <a:xfrm>
+              <a:off x="5261487" y="1629566"/>
+              <a:ext cx="500928" cy="245873"/>
+            </a:xfrm>
+            <a:prstGeom prst="snip2SameRect">
+              <a:avLst>
+                <a:gd name="adj1" fmla="val 50000"/>
+                <a:gd name="adj2" fmla="val 50000"/>
+              </a:avLst>
+            </a:prstGeom>
+            <a:solidFill>
+              <a:srgbClr val="838D90"/>
+            </a:solidFill>
+            <a:ln w="38100">
+              <a:solidFill>
+                <a:schemeClr val="tx1"/>
+              </a:solidFill>
+            </a:ln>
+          </p:spPr>
+          <p:style>
+            <a:lnRef idx="2">
+              <a:schemeClr val="accent1">
+                <a:shade val="50000"/>
+              </a:schemeClr>
+            </a:lnRef>
+            <a:fillRef idx="1">
+              <a:schemeClr val="accent1"/>
+            </a:fillRef>
+            <a:effectRef idx="0">
+              <a:schemeClr val="accent1"/>
+            </a:effectRef>
+            <a:fontRef idx="minor">
+              <a:schemeClr val="lt1"/>
+            </a:fontRef>
+          </p:style>
+          <p:txBody>
+            <a:bodyPr rtlCol="0" anchor="ctr"/>
+            <a:lstStyle/>
+            <a:p>
+              <a:pPr algn="ctr"/>
+              <a:endParaRPr lang="ko-KR" altLang="en-US"/>
+            </a:p>
+          </p:txBody>
+        </p:sp>
+        <p:sp>
+          <p:nvSpPr>
+            <p:cNvPr id="156" name="양쪽 모서리가 잘린 사각형 155"/>
+            <p:cNvSpPr/>
+            <p:nvPr/>
+          </p:nvSpPr>
+          <p:spPr>
+            <a:xfrm>
+              <a:off x="4669248" y="1629565"/>
+              <a:ext cx="500928" cy="245873"/>
+            </a:xfrm>
+            <a:prstGeom prst="snip2SameRect">
+              <a:avLst>
+                <a:gd name="adj1" fmla="val 50000"/>
+                <a:gd name="adj2" fmla="val 50000"/>
+              </a:avLst>
+            </a:prstGeom>
+            <a:solidFill>
+              <a:srgbClr val="838D90"/>
+            </a:solidFill>
+            <a:ln w="38100">
+              <a:solidFill>
+                <a:schemeClr val="tx1"/>
+              </a:solidFill>
+            </a:ln>
+          </p:spPr>
+          <p:style>
+            <a:lnRef idx="2">
+              <a:schemeClr val="accent1">
+                <a:shade val="50000"/>
+              </a:schemeClr>
+            </a:lnRef>
+            <a:fillRef idx="1">
+              <a:schemeClr val="accent1"/>
+            </a:fillRef>
+            <a:effectRef idx="0">
+              <a:schemeClr val="accent1"/>
+            </a:effectRef>
+            <a:fontRef idx="minor">
+              <a:schemeClr val="lt1"/>
+            </a:fontRef>
+          </p:style>
+          <p:txBody>
+            <a:bodyPr rtlCol="0" anchor="ctr"/>
+            <a:lstStyle/>
+            <a:p>
+              <a:pPr algn="ctr"/>
+              <a:endParaRPr lang="ko-KR" altLang="en-US"/>
+            </a:p>
+          </p:txBody>
+        </p:sp>
+        <p:grpSp>
+          <p:nvGrpSpPr>
+            <p:cNvPr id="144" name="그룹 143"/>
+            <p:cNvGrpSpPr/>
+            <p:nvPr/>
+          </p:nvGrpSpPr>
+          <p:grpSpPr>
+            <a:xfrm>
+              <a:off x="4687042" y="895659"/>
+              <a:ext cx="465340" cy="465340"/>
+              <a:chOff x="3096188" y="2262185"/>
+              <a:chExt cx="465340" cy="465340"/>
+            </a:xfrm>
+          </p:grpSpPr>
+          <p:sp>
+            <p:nvSpPr>
+              <p:cNvPr id="145" name="팔각형 144"/>
+              <p:cNvSpPr/>
+              <p:nvPr/>
+            </p:nvSpPr>
+            <p:spPr>
+              <a:xfrm>
+                <a:off x="3096188" y="2262185"/>
+                <a:ext cx="465340" cy="465340"/>
+              </a:xfrm>
+              <a:prstGeom prst="octagon">
+                <a:avLst>
+                  <a:gd name="adj" fmla="val 11945"/>
+                </a:avLst>
+              </a:prstGeom>
+              <a:solidFill>
+                <a:srgbClr val="838D90"/>
+              </a:solidFill>
+              <a:ln w="38100">
+                <a:solidFill>
+                  <a:schemeClr val="tx1"/>
+                </a:solidFill>
+              </a:ln>
+            </p:spPr>
+            <p:style>
+              <a:lnRef idx="2">
+                <a:schemeClr val="accent1">
+                  <a:shade val="50000"/>
+                </a:schemeClr>
+              </a:lnRef>
+              <a:fillRef idx="1">
+                <a:schemeClr val="accent1"/>
+              </a:fillRef>
+              <a:effectRef idx="0">
+                <a:schemeClr val="accent1"/>
+              </a:effectRef>
+              <a:fontRef idx="minor">
+                <a:schemeClr val="lt1"/>
+              </a:fontRef>
+            </p:style>
+            <p:txBody>
+              <a:bodyPr rtlCol="0" anchor="ctr"/>
+              <a:lstStyle/>
+              <a:p>
+                <a:pPr algn="ctr"/>
+                <a:endParaRPr lang="ko-KR" altLang="en-US"/>
+              </a:p>
+            </p:txBody>
+          </p:sp>
+          <p:sp>
+            <p:nvSpPr>
+              <p:cNvPr id="146" name="팔각형 145"/>
+              <p:cNvSpPr/>
+              <p:nvPr/>
+            </p:nvSpPr>
+            <p:spPr>
+              <a:xfrm>
+                <a:off x="3181913" y="2347910"/>
+                <a:ext cx="293890" cy="293890"/>
+              </a:xfrm>
+              <a:prstGeom prst="octagon">
+                <a:avLst>
+                  <a:gd name="adj" fmla="val 11945"/>
+                </a:avLst>
+              </a:prstGeom>
+              <a:solidFill>
+                <a:srgbClr val="6E3232"/>
+              </a:solidFill>
+              <a:ln w="38100">
+                <a:solidFill>
+                  <a:schemeClr val="tx1"/>
+                </a:solidFill>
+              </a:ln>
+            </p:spPr>
+            <p:style>
+              <a:lnRef idx="2">
+                <a:schemeClr val="accent1">
+                  <a:shade val="50000"/>
+                </a:schemeClr>
+              </a:lnRef>
+              <a:fillRef idx="1">
+                <a:schemeClr val="accent1"/>
+              </a:fillRef>
+              <a:effectRef idx="0">
+                <a:schemeClr val="accent1"/>
+              </a:effectRef>
+              <a:fontRef idx="minor">
+                <a:schemeClr val="lt1"/>
+              </a:fontRef>
+            </p:style>
+            <p:txBody>
+              <a:bodyPr rtlCol="0" anchor="ctr"/>
+              <a:lstStyle/>
+              <a:p>
+                <a:pPr algn="ctr"/>
+                <a:endParaRPr lang="ko-KR" altLang="en-US"/>
+              </a:p>
+            </p:txBody>
+          </p:sp>
+        </p:grpSp>
+        <p:sp>
+          <p:nvSpPr>
+            <p:cNvPr id="157" name="양쪽 모서리가 잘린 사각형 156"/>
+            <p:cNvSpPr/>
+            <p:nvPr/>
+          </p:nvSpPr>
+          <p:spPr>
+            <a:xfrm>
+              <a:off x="4790970" y="1692116"/>
+              <a:ext cx="847603" cy="125342"/>
+            </a:xfrm>
+            <a:prstGeom prst="snip2SameRect">
+              <a:avLst>
+                <a:gd name="adj1" fmla="val 50000"/>
+                <a:gd name="adj2" fmla="val 50000"/>
+              </a:avLst>
+            </a:prstGeom>
+            <a:solidFill>
+              <a:srgbClr val="6E3232"/>
+            </a:solidFill>
+            <a:ln w="38100">
+              <a:solidFill>
+                <a:schemeClr val="tx1"/>
+              </a:solidFill>
+            </a:ln>
+          </p:spPr>
+          <p:style>
+            <a:lnRef idx="2">
+              <a:schemeClr val="accent1">
+                <a:shade val="50000"/>
+              </a:schemeClr>
+            </a:lnRef>
+            <a:fillRef idx="1">
+              <a:schemeClr val="accent1"/>
+            </a:fillRef>
+            <a:effectRef idx="0">
+              <a:schemeClr val="accent1"/>
+            </a:effectRef>
+            <a:fontRef idx="minor">
+              <a:schemeClr val="lt1"/>
+            </a:fontRef>
+          </p:style>
+          <p:txBody>
+            <a:bodyPr rtlCol="0" anchor="ctr"/>
+            <a:lstStyle/>
+            <a:p>
+              <a:pPr algn="ctr"/>
+              <a:endParaRPr lang="ko-KR" altLang="en-US"/>
+            </a:p>
+          </p:txBody>
+        </p:sp>
+      </p:grpSp>
+      <p:grpSp>
+        <p:nvGrpSpPr>
+          <p:cNvPr id="10" name="그룹 9"/>
+          <p:cNvGrpSpPr/>
+          <p:nvPr/>
+        </p:nvGrpSpPr>
+        <p:grpSpPr>
+          <a:xfrm>
+            <a:off x="3030408" y="2219242"/>
+            <a:ext cx="1757364" cy="1177418"/>
+            <a:chOff x="3067332" y="2194464"/>
+            <a:chExt cx="1757364" cy="1177418"/>
+          </a:xfrm>
+        </p:grpSpPr>
+        <p:sp>
+          <p:nvSpPr>
+            <p:cNvPr id="184" name="양쪽 모서리가 잘린 사각형 183"/>
+            <p:cNvSpPr/>
+            <p:nvPr/>
+          </p:nvSpPr>
+          <p:spPr>
+            <a:xfrm rot="5400000">
+              <a:off x="3653120" y="2200306"/>
+              <a:ext cx="585788" cy="1757363"/>
+            </a:xfrm>
+            <a:prstGeom prst="snip2SameRect">
+              <a:avLst/>
+            </a:prstGeom>
+            <a:solidFill>
+              <a:srgbClr val="6E3232"/>
+            </a:solidFill>
+            <a:ln w="38100">
+              <a:solidFill>
+                <a:schemeClr val="tx1"/>
+              </a:solidFill>
+            </a:ln>
+          </p:spPr>
+          <p:style>
+            <a:lnRef idx="2">
+              <a:schemeClr val="accent1">
+                <a:shade val="50000"/>
+              </a:schemeClr>
+            </a:lnRef>
+            <a:fillRef idx="1">
+              <a:schemeClr val="accent1"/>
+            </a:fillRef>
+            <a:effectRef idx="0">
+              <a:schemeClr val="accent1"/>
+            </a:effectRef>
+            <a:fontRef idx="minor">
+              <a:schemeClr val="lt1"/>
+            </a:fontRef>
+          </p:style>
+          <p:txBody>
+            <a:bodyPr rtlCol="0" anchor="ctr"/>
+            <a:lstStyle/>
+            <a:p>
+              <a:pPr algn="ctr"/>
+              <a:endParaRPr lang="ko-KR" altLang="en-US"/>
+            </a:p>
+          </p:txBody>
+        </p:sp>
+        <p:sp>
+          <p:nvSpPr>
+            <p:cNvPr id="185" name="직사각형 184"/>
+            <p:cNvSpPr/>
+            <p:nvPr/>
+          </p:nvSpPr>
+          <p:spPr>
+            <a:xfrm>
+              <a:off x="3483165" y="3113157"/>
+              <a:ext cx="198191" cy="82538"/>
+            </a:xfrm>
+            <a:prstGeom prst="rect">
+              <a:avLst/>
+            </a:prstGeom>
+            <a:solidFill>
+              <a:srgbClr val="838D90"/>
+            </a:solidFill>
+            <a:ln w="38100">
+              <a:solidFill>
+                <a:schemeClr val="tx1"/>
+              </a:solidFill>
+            </a:ln>
+          </p:spPr>
+          <p:style>
+            <a:lnRef idx="2">
+              <a:schemeClr val="accent1">
+                <a:shade val="50000"/>
+              </a:schemeClr>
+            </a:lnRef>
+            <a:fillRef idx="1">
+              <a:schemeClr val="accent1"/>
+            </a:fillRef>
+            <a:effectRef idx="0">
+              <a:schemeClr val="accent1"/>
+            </a:effectRef>
+            <a:fontRef idx="minor">
+              <a:schemeClr val="lt1"/>
+            </a:fontRef>
+          </p:style>
+          <p:txBody>
+            <a:bodyPr rtlCol="0" anchor="ctr"/>
+            <a:lstStyle/>
+            <a:p>
+              <a:pPr algn="ctr"/>
+              <a:endParaRPr lang="ko-KR" altLang="en-US"/>
+            </a:p>
+          </p:txBody>
+        </p:sp>
+        <p:sp>
+          <p:nvSpPr>
+            <p:cNvPr id="186" name="양쪽 모서리가 잘린 사각형 185"/>
+            <p:cNvSpPr/>
+            <p:nvPr/>
+          </p:nvSpPr>
+          <p:spPr>
+            <a:xfrm>
+              <a:off x="3067333" y="2194464"/>
+              <a:ext cx="585788" cy="591628"/>
+            </a:xfrm>
+            <a:prstGeom prst="snip2SameRect">
+              <a:avLst/>
+            </a:prstGeom>
+            <a:solidFill>
+              <a:srgbClr val="6E3232"/>
+            </a:solidFill>
+            <a:ln w="38100">
+              <a:solidFill>
+                <a:schemeClr val="tx1"/>
+              </a:solidFill>
+            </a:ln>
+          </p:spPr>
+          <p:style>
+            <a:lnRef idx="2">
+              <a:schemeClr val="accent1">
+                <a:shade val="50000"/>
+              </a:schemeClr>
+            </a:lnRef>
+            <a:fillRef idx="1">
+              <a:schemeClr val="accent1"/>
+            </a:fillRef>
+            <a:effectRef idx="0">
+              <a:schemeClr val="accent1"/>
+            </a:effectRef>
+            <a:fontRef idx="minor">
+              <a:schemeClr val="lt1"/>
+            </a:fontRef>
+          </p:style>
+          <p:txBody>
+            <a:bodyPr rtlCol="0" anchor="ctr"/>
+            <a:lstStyle/>
+            <a:p>
+              <a:pPr algn="ctr"/>
+              <a:endParaRPr lang="ko-KR" altLang="en-US"/>
+            </a:p>
+          </p:txBody>
+        </p:sp>
+        <p:grpSp>
+          <p:nvGrpSpPr>
+            <p:cNvPr id="187" name="그룹 186"/>
+            <p:cNvGrpSpPr/>
+            <p:nvPr/>
+          </p:nvGrpSpPr>
+          <p:grpSpPr>
+            <a:xfrm>
+              <a:off x="3127557" y="2255370"/>
+              <a:ext cx="465340" cy="465340"/>
+              <a:chOff x="3096188" y="2262185"/>
+              <a:chExt cx="465340" cy="465340"/>
+            </a:xfrm>
+          </p:grpSpPr>
+          <p:sp>
+            <p:nvSpPr>
+              <p:cNvPr id="204" name="팔각형 203"/>
+              <p:cNvSpPr/>
+              <p:nvPr/>
+            </p:nvSpPr>
+            <p:spPr>
+              <a:xfrm>
+                <a:off x="3096188" y="2262185"/>
+                <a:ext cx="465340" cy="465340"/>
+              </a:xfrm>
+              <a:prstGeom prst="octagon">
+                <a:avLst>
+                  <a:gd name="adj" fmla="val 11945"/>
+                </a:avLst>
+              </a:prstGeom>
+              <a:solidFill>
+                <a:srgbClr val="838D90"/>
+              </a:solidFill>
+              <a:ln w="38100">
+                <a:solidFill>
+                  <a:schemeClr val="tx1"/>
+                </a:solidFill>
+              </a:ln>
+            </p:spPr>
+            <p:style>
+              <a:lnRef idx="2">
+                <a:schemeClr val="accent1">
+                  <a:shade val="50000"/>
+                </a:schemeClr>
+              </a:lnRef>
+              <a:fillRef idx="1">
+                <a:schemeClr val="accent1"/>
+              </a:fillRef>
+              <a:effectRef idx="0">
+                <a:schemeClr val="accent1"/>
+              </a:effectRef>
+              <a:fontRef idx="minor">
+                <a:schemeClr val="lt1"/>
+              </a:fontRef>
+            </p:style>
+            <p:txBody>
+              <a:bodyPr rtlCol="0" anchor="ctr"/>
+              <a:lstStyle/>
+              <a:p>
+                <a:pPr algn="ctr"/>
+                <a:endParaRPr lang="ko-KR" altLang="en-US"/>
+              </a:p>
+            </p:txBody>
+          </p:sp>
+          <p:sp>
+            <p:nvSpPr>
+              <p:cNvPr id="205" name="팔각형 204"/>
+              <p:cNvSpPr/>
+              <p:nvPr/>
+            </p:nvSpPr>
+            <p:spPr>
+              <a:xfrm>
+                <a:off x="3181913" y="2347910"/>
+                <a:ext cx="293890" cy="293890"/>
+              </a:xfrm>
+              <a:prstGeom prst="octagon">
+                <a:avLst>
+                  <a:gd name="adj" fmla="val 11945"/>
+                </a:avLst>
+              </a:prstGeom>
+              <a:solidFill>
+                <a:srgbClr val="6E3232"/>
+              </a:solidFill>
+              <a:ln w="38100">
+                <a:solidFill>
+                  <a:schemeClr val="tx1"/>
+                </a:solidFill>
+              </a:ln>
+            </p:spPr>
+            <p:style>
+              <a:lnRef idx="2">
+                <a:schemeClr val="accent1">
+                  <a:shade val="50000"/>
+                </a:schemeClr>
+              </a:lnRef>
+              <a:fillRef idx="1">
+                <a:schemeClr val="accent1"/>
+              </a:fillRef>
+              <a:effectRef idx="0">
+                <a:schemeClr val="accent1"/>
+              </a:effectRef>
+              <a:fontRef idx="minor">
+                <a:schemeClr val="lt1"/>
+              </a:fontRef>
+            </p:style>
+            <p:txBody>
+              <a:bodyPr rtlCol="0" anchor="ctr"/>
+              <a:lstStyle/>
+              <a:p>
+                <a:pPr algn="ctr"/>
+                <a:endParaRPr lang="ko-KR" altLang="en-US"/>
+              </a:p>
+            </p:txBody>
+          </p:sp>
+        </p:grpSp>
+        <p:grpSp>
+          <p:nvGrpSpPr>
+            <p:cNvPr id="206" name="그룹 205"/>
+            <p:cNvGrpSpPr/>
+            <p:nvPr/>
+          </p:nvGrpSpPr>
+          <p:grpSpPr>
+            <a:xfrm>
+              <a:off x="3681357" y="2840245"/>
+              <a:ext cx="465340" cy="477485"/>
+              <a:chOff x="3096188" y="2262185"/>
+              <a:chExt cx="465340" cy="465340"/>
+            </a:xfrm>
+          </p:grpSpPr>
+          <p:sp>
+            <p:nvSpPr>
+              <p:cNvPr id="207" name="팔각형 206"/>
+              <p:cNvSpPr/>
+              <p:nvPr/>
+            </p:nvSpPr>
+            <p:spPr>
+              <a:xfrm>
+                <a:off x="3096188" y="2262185"/>
+                <a:ext cx="465340" cy="465340"/>
+              </a:xfrm>
+              <a:prstGeom prst="octagon">
+                <a:avLst>
+                  <a:gd name="adj" fmla="val 11945"/>
+                </a:avLst>
+              </a:prstGeom>
+              <a:solidFill>
+                <a:srgbClr val="838D90"/>
+              </a:solidFill>
+              <a:ln w="38100">
+                <a:solidFill>
+                  <a:schemeClr val="tx1"/>
+                </a:solidFill>
+              </a:ln>
+            </p:spPr>
+            <p:style>
+              <a:lnRef idx="2">
+                <a:schemeClr val="accent1">
+                  <a:shade val="50000"/>
+                </a:schemeClr>
+              </a:lnRef>
+              <a:fillRef idx="1">
+                <a:schemeClr val="accent1"/>
+              </a:fillRef>
+              <a:effectRef idx="0">
+                <a:schemeClr val="accent1"/>
+              </a:effectRef>
+              <a:fontRef idx="minor">
+                <a:schemeClr val="lt1"/>
+              </a:fontRef>
+            </p:style>
+            <p:txBody>
+              <a:bodyPr rtlCol="0" anchor="ctr"/>
+              <a:lstStyle/>
+              <a:p>
+                <a:pPr algn="ctr"/>
+                <a:endParaRPr lang="ko-KR" altLang="en-US"/>
+              </a:p>
+            </p:txBody>
+          </p:sp>
+          <p:sp>
+            <p:nvSpPr>
+              <p:cNvPr id="208" name="팔각형 207"/>
+              <p:cNvSpPr/>
+              <p:nvPr/>
+            </p:nvSpPr>
+            <p:spPr>
+              <a:xfrm>
+                <a:off x="3181913" y="2347910"/>
+                <a:ext cx="293890" cy="293890"/>
+              </a:xfrm>
+              <a:prstGeom prst="octagon">
+                <a:avLst>
+                  <a:gd name="adj" fmla="val 11945"/>
+                </a:avLst>
+              </a:prstGeom>
+              <a:solidFill>
+                <a:srgbClr val="6E3232"/>
+              </a:solidFill>
+              <a:ln w="38100">
+                <a:solidFill>
+                  <a:schemeClr val="tx1"/>
+                </a:solidFill>
+              </a:ln>
+            </p:spPr>
+            <p:style>
+              <a:lnRef idx="2">
+                <a:schemeClr val="accent1">
+                  <a:shade val="50000"/>
+                </a:schemeClr>
+              </a:lnRef>
+              <a:fillRef idx="1">
+                <a:schemeClr val="accent1"/>
+              </a:fillRef>
+              <a:effectRef idx="0">
+                <a:schemeClr val="accent1"/>
+              </a:effectRef>
+              <a:fontRef idx="minor">
+                <a:schemeClr val="lt1"/>
+              </a:fontRef>
+            </p:style>
+            <p:txBody>
+              <a:bodyPr rtlCol="0" anchor="ctr"/>
+              <a:lstStyle/>
+              <a:p>
+                <a:pPr algn="ctr"/>
+                <a:endParaRPr lang="ko-KR" altLang="en-US"/>
+              </a:p>
+            </p:txBody>
+          </p:sp>
+        </p:grpSp>
+        <p:grpSp>
+          <p:nvGrpSpPr>
+            <p:cNvPr id="209" name="그룹 208"/>
+            <p:cNvGrpSpPr/>
+            <p:nvPr/>
+          </p:nvGrpSpPr>
+          <p:grpSpPr>
+            <a:xfrm>
+              <a:off x="4289042" y="2840245"/>
+              <a:ext cx="465340" cy="477485"/>
+              <a:chOff x="3096188" y="2262185"/>
+              <a:chExt cx="465340" cy="465340"/>
+            </a:xfrm>
+          </p:grpSpPr>
+          <p:sp>
+            <p:nvSpPr>
+              <p:cNvPr id="210" name="팔각형 209"/>
+              <p:cNvSpPr/>
+              <p:nvPr/>
+            </p:nvSpPr>
+            <p:spPr>
+              <a:xfrm>
+                <a:off x="3096188" y="2262185"/>
+                <a:ext cx="465340" cy="465340"/>
+              </a:xfrm>
+              <a:prstGeom prst="octagon">
+                <a:avLst>
+                  <a:gd name="adj" fmla="val 11945"/>
+                </a:avLst>
+              </a:prstGeom>
+              <a:solidFill>
+                <a:srgbClr val="838D90"/>
+              </a:solidFill>
+              <a:ln w="38100">
+                <a:solidFill>
+                  <a:schemeClr val="tx1"/>
+                </a:solidFill>
+              </a:ln>
+            </p:spPr>
+            <p:style>
+              <a:lnRef idx="2">
+                <a:schemeClr val="accent1">
+                  <a:shade val="50000"/>
+                </a:schemeClr>
+              </a:lnRef>
+              <a:fillRef idx="1">
+                <a:schemeClr val="accent1"/>
+              </a:fillRef>
+              <a:effectRef idx="0">
+                <a:schemeClr val="accent1"/>
+              </a:effectRef>
+              <a:fontRef idx="minor">
+                <a:schemeClr val="lt1"/>
+              </a:fontRef>
+            </p:style>
+            <p:txBody>
+              <a:bodyPr rtlCol="0" anchor="ctr"/>
+              <a:lstStyle/>
+              <a:p>
+                <a:pPr algn="ctr"/>
+                <a:endParaRPr lang="ko-KR" altLang="en-US"/>
+              </a:p>
+            </p:txBody>
+          </p:sp>
+          <p:sp>
+            <p:nvSpPr>
+              <p:cNvPr id="211" name="팔각형 210"/>
+              <p:cNvSpPr/>
+              <p:nvPr/>
+            </p:nvSpPr>
+            <p:spPr>
+              <a:xfrm>
+                <a:off x="3181913" y="2347910"/>
+                <a:ext cx="293890" cy="293890"/>
+              </a:xfrm>
+              <a:prstGeom prst="octagon">
+                <a:avLst>
+                  <a:gd name="adj" fmla="val 11945"/>
+                </a:avLst>
+              </a:prstGeom>
+              <a:solidFill>
+                <a:srgbClr val="6E3232"/>
+              </a:solidFill>
+              <a:ln w="38100">
+                <a:solidFill>
+                  <a:schemeClr val="tx1"/>
+                </a:solidFill>
+              </a:ln>
+            </p:spPr>
+            <p:style>
+              <a:lnRef idx="2">
+                <a:schemeClr val="accent1">
+                  <a:shade val="50000"/>
+                </a:schemeClr>
+              </a:lnRef>
+              <a:fillRef idx="1">
+                <a:schemeClr val="accent1"/>
+              </a:fillRef>
+              <a:effectRef idx="0">
+                <a:schemeClr val="accent1"/>
+              </a:effectRef>
+              <a:fontRef idx="minor">
+                <a:schemeClr val="lt1"/>
+              </a:fontRef>
+            </p:style>
+            <p:txBody>
+              <a:bodyPr rtlCol="0" anchor="ctr"/>
+              <a:lstStyle/>
+              <a:p>
+                <a:pPr algn="ctr"/>
+                <a:endParaRPr lang="ko-KR" altLang="en-US"/>
+              </a:p>
+            </p:txBody>
+          </p:sp>
+        </p:grpSp>
+        <p:sp>
+          <p:nvSpPr>
+            <p:cNvPr id="213" name="직사각형 212"/>
+            <p:cNvSpPr/>
+            <p:nvPr/>
+          </p:nvSpPr>
+          <p:spPr>
+            <a:xfrm>
+              <a:off x="4754382" y="3024987"/>
+              <a:ext cx="70314" cy="108000"/>
+            </a:xfrm>
+            <a:prstGeom prst="rect">
+              <a:avLst/>
+            </a:prstGeom>
+            <a:solidFill>
+              <a:srgbClr val="838D90"/>
+            </a:solidFill>
+            <a:ln w="38100">
+              <a:solidFill>
+                <a:schemeClr val="tx1"/>
+              </a:solidFill>
+            </a:ln>
+          </p:spPr>
+          <p:style>
+            <a:lnRef idx="2">
+              <a:schemeClr val="accent1">
+                <a:shade val="50000"/>
+              </a:schemeClr>
+            </a:lnRef>
+            <a:fillRef idx="1">
+              <a:schemeClr val="accent1"/>
+            </a:fillRef>
+            <a:effectRef idx="0">
+              <a:schemeClr val="accent1"/>
+            </a:effectRef>
+            <a:fontRef idx="minor">
+              <a:schemeClr val="lt1"/>
+            </a:fontRef>
+          </p:style>
+          <p:txBody>
+            <a:bodyPr rtlCol="0" anchor="ctr"/>
+            <a:lstStyle/>
+            <a:p>
+              <a:pPr algn="ctr"/>
+              <a:endParaRPr lang="ko-KR" altLang="en-US"/>
+            </a:p>
+          </p:txBody>
+        </p:sp>
+        <p:sp>
+          <p:nvSpPr>
+            <p:cNvPr id="214" name="직사각형 213"/>
+            <p:cNvSpPr/>
+            <p:nvPr/>
+          </p:nvSpPr>
+          <p:spPr>
+            <a:xfrm>
+              <a:off x="4150692" y="2952364"/>
+              <a:ext cx="138349" cy="253246"/>
+            </a:xfrm>
+            <a:prstGeom prst="rect">
+              <a:avLst/>
+            </a:prstGeom>
+            <a:solidFill>
+              <a:srgbClr val="838D90"/>
+            </a:solidFill>
+            <a:ln w="38100">
+              <a:solidFill>
+                <a:schemeClr val="tx1"/>
+              </a:solidFill>
+            </a:ln>
+          </p:spPr>
+          <p:style>
+            <a:lnRef idx="2">
+              <a:schemeClr val="accent1">
+                <a:shade val="50000"/>
+              </a:schemeClr>
+            </a:lnRef>
+            <a:fillRef idx="1">
+              <a:schemeClr val="accent1"/>
+            </a:fillRef>
+            <a:effectRef idx="0">
+              <a:schemeClr val="accent1"/>
+            </a:effectRef>
+            <a:fontRef idx="minor">
+              <a:schemeClr val="lt1"/>
+            </a:fontRef>
+          </p:style>
+          <p:txBody>
+            <a:bodyPr rtlCol="0" anchor="ctr"/>
+            <a:lstStyle/>
+            <a:p>
+              <a:pPr algn="ctr"/>
+              <a:endParaRPr lang="ko-KR" altLang="en-US"/>
+            </a:p>
+          </p:txBody>
+        </p:sp>
+        <p:sp>
+          <p:nvSpPr>
+            <p:cNvPr id="212" name="직사각형 211"/>
+            <p:cNvSpPr/>
+            <p:nvPr/>
+          </p:nvSpPr>
+          <p:spPr>
+            <a:xfrm>
+              <a:off x="4060972" y="3024987"/>
+              <a:ext cx="313796" cy="108000"/>
+            </a:xfrm>
+            <a:prstGeom prst="rect">
+              <a:avLst/>
+            </a:prstGeom>
+            <a:solidFill>
+              <a:srgbClr val="6E3232"/>
+            </a:solidFill>
+            <a:ln w="38100">
+              <a:solidFill>
+                <a:schemeClr val="tx1"/>
+              </a:solidFill>
+            </a:ln>
+          </p:spPr>
+          <p:style>
+            <a:lnRef idx="2">
+              <a:schemeClr val="accent1">
+                <a:shade val="50000"/>
+              </a:schemeClr>
+            </a:lnRef>
+            <a:fillRef idx="1">
+              <a:schemeClr val="accent1"/>
+            </a:fillRef>
+            <a:effectRef idx="0">
+              <a:schemeClr val="accent1"/>
+            </a:effectRef>
+            <a:fontRef idx="minor">
+              <a:schemeClr val="lt1"/>
+            </a:fontRef>
+          </p:style>
+          <p:txBody>
+            <a:bodyPr rtlCol="0" anchor="ctr"/>
+            <a:lstStyle/>
+            <a:p>
+              <a:pPr algn="ctr"/>
+              <a:endParaRPr lang="ko-KR" altLang="en-US"/>
+            </a:p>
+          </p:txBody>
+        </p:sp>
+        <p:sp>
+          <p:nvSpPr>
+            <p:cNvPr id="215" name="직사각형 214"/>
+            <p:cNvSpPr/>
+            <p:nvPr/>
+          </p:nvSpPr>
+          <p:spPr>
+            <a:xfrm>
+              <a:off x="4041958" y="3041351"/>
+              <a:ext cx="352425" cy="75272"/>
+            </a:xfrm>
+            <a:prstGeom prst="rect">
+              <a:avLst/>
+            </a:prstGeom>
+            <a:solidFill>
+              <a:srgbClr val="6E3232"/>
+            </a:solidFill>
+            <a:ln w="38100">
+              <a:noFill/>
+            </a:ln>
+          </p:spPr>
+          <p:style>
+            <a:lnRef idx="2">
+              <a:schemeClr val="accent1">
+                <a:shade val="50000"/>
+              </a:schemeClr>
+            </a:lnRef>
+            <a:fillRef idx="1">
+              <a:schemeClr val="accent1"/>
+            </a:fillRef>
+            <a:effectRef idx="0">
+              <a:schemeClr val="accent1"/>
+            </a:effectRef>
+            <a:fontRef idx="minor">
+              <a:schemeClr val="lt1"/>
+            </a:fontRef>
+          </p:style>
+          <p:txBody>
+            <a:bodyPr rtlCol="0" anchor="ctr"/>
+            <a:lstStyle/>
+            <a:p>
+              <a:pPr algn="ctr"/>
+              <a:endParaRPr lang="ko-KR" altLang="en-US"/>
+            </a:p>
+          </p:txBody>
+        </p:sp>
+        <p:sp>
+          <p:nvSpPr>
+            <p:cNvPr id="216" name="직사각형 215"/>
+            <p:cNvSpPr/>
+            <p:nvPr/>
+          </p:nvSpPr>
+          <p:spPr>
+            <a:xfrm>
+              <a:off x="3483165" y="2959290"/>
+              <a:ext cx="198191" cy="82538"/>
+            </a:xfrm>
+            <a:prstGeom prst="rect">
+              <a:avLst/>
+            </a:prstGeom>
+            <a:solidFill>
+              <a:srgbClr val="838D90"/>
+            </a:solidFill>
+            <a:ln w="38100">
+              <a:solidFill>
+                <a:schemeClr val="tx1"/>
+              </a:solidFill>
+            </a:ln>
+          </p:spPr>
+          <p:style>
+            <a:lnRef idx="2">
+              <a:schemeClr val="accent1">
+                <a:shade val="50000"/>
+              </a:schemeClr>
+            </a:lnRef>
+            <a:fillRef idx="1">
+              <a:schemeClr val="accent1"/>
+            </a:fillRef>
+            <a:effectRef idx="0">
+              <a:schemeClr val="accent1"/>
+            </a:effectRef>
+            <a:fontRef idx="minor">
+              <a:schemeClr val="lt1"/>
+            </a:fontRef>
+          </p:style>
+          <p:txBody>
+            <a:bodyPr rtlCol="0" anchor="ctr"/>
+            <a:lstStyle/>
+            <a:p>
+              <a:pPr algn="ctr"/>
+              <a:endParaRPr lang="ko-KR" altLang="en-US"/>
+            </a:p>
+          </p:txBody>
+        </p:sp>
+        <p:sp>
+          <p:nvSpPr>
+            <p:cNvPr id="217" name="직사각형 216"/>
+            <p:cNvSpPr/>
+            <p:nvPr/>
+          </p:nvSpPr>
+          <p:spPr>
+            <a:xfrm>
+              <a:off x="3069557" y="3113157"/>
+              <a:ext cx="164216" cy="82538"/>
+            </a:xfrm>
+            <a:prstGeom prst="rect">
+              <a:avLst/>
+            </a:prstGeom>
+            <a:solidFill>
+              <a:srgbClr val="838D90"/>
+            </a:solidFill>
+            <a:ln w="38100">
+              <a:solidFill>
+                <a:schemeClr val="tx1"/>
+              </a:solidFill>
+            </a:ln>
+          </p:spPr>
+          <p:style>
+            <a:lnRef idx="2">
+              <a:schemeClr val="accent1">
+                <a:shade val="50000"/>
+              </a:schemeClr>
+            </a:lnRef>
+            <a:fillRef idx="1">
+              <a:schemeClr val="accent1"/>
+            </a:fillRef>
+            <a:effectRef idx="0">
+              <a:schemeClr val="accent1"/>
+            </a:effectRef>
+            <a:fontRef idx="minor">
+              <a:schemeClr val="lt1"/>
+            </a:fontRef>
+          </p:style>
+          <p:txBody>
+            <a:bodyPr rtlCol="0" anchor="ctr"/>
+            <a:lstStyle/>
+            <a:p>
+              <a:pPr algn="ctr"/>
+              <a:endParaRPr lang="ko-KR" altLang="en-US"/>
+            </a:p>
+          </p:txBody>
+        </p:sp>
+        <p:sp>
+          <p:nvSpPr>
+            <p:cNvPr id="218" name="직사각형 217"/>
+            <p:cNvSpPr/>
+            <p:nvPr/>
+          </p:nvSpPr>
+          <p:spPr>
+            <a:xfrm>
+              <a:off x="3069557" y="2959290"/>
+              <a:ext cx="164216" cy="82538"/>
+            </a:xfrm>
+            <a:prstGeom prst="rect">
+              <a:avLst/>
+            </a:prstGeom>
+            <a:solidFill>
+              <a:srgbClr val="838D90"/>
+            </a:solidFill>
+            <a:ln w="38100">
+              <a:solidFill>
+                <a:schemeClr val="tx1"/>
+              </a:solidFill>
+            </a:ln>
+          </p:spPr>
+          <p:style>
+            <a:lnRef idx="2">
+              <a:schemeClr val="accent1">
+                <a:shade val="50000"/>
+              </a:schemeClr>
+            </a:lnRef>
+            <a:fillRef idx="1">
+              <a:schemeClr val="accent1"/>
+            </a:fillRef>
+            <a:effectRef idx="0">
+              <a:schemeClr val="accent1"/>
+            </a:effectRef>
+            <a:fontRef idx="minor">
+              <a:schemeClr val="lt1"/>
+            </a:fontRef>
+          </p:style>
+          <p:txBody>
+            <a:bodyPr rtlCol="0" anchor="ctr"/>
+            <a:lstStyle/>
+            <a:p>
+              <a:pPr algn="ctr"/>
+              <a:endParaRPr lang="ko-KR" altLang="en-US"/>
+            </a:p>
+          </p:txBody>
+        </p:sp>
+        <p:sp>
+          <p:nvSpPr>
+            <p:cNvPr id="9" name="직사각형 8"/>
+            <p:cNvSpPr/>
+            <p:nvPr/>
+          </p:nvSpPr>
+          <p:spPr>
+            <a:xfrm>
+              <a:off x="3086327" y="2747876"/>
+              <a:ext cx="547200" cy="110529"/>
+            </a:xfrm>
+            <a:prstGeom prst="rect">
+              <a:avLst/>
+            </a:prstGeom>
+            <a:solidFill>
+              <a:srgbClr val="6E3232"/>
+            </a:solidFill>
+            <a:ln w="38100">
+              <a:noFill/>
+            </a:ln>
+          </p:spPr>
+          <p:style>
+            <a:lnRef idx="2">
+              <a:schemeClr val="accent1">
+                <a:shade val="50000"/>
+              </a:schemeClr>
+            </a:lnRef>
+            <a:fillRef idx="1">
+              <a:schemeClr val="accent1"/>
+            </a:fillRef>
+            <a:effectRef idx="0">
+              <a:schemeClr val="accent1"/>
+            </a:effectRef>
+            <a:fontRef idx="minor">
+              <a:schemeClr val="lt1"/>
+            </a:fontRef>
+          </p:style>
+          <p:txBody>
+            <a:bodyPr rot="0" spcFirstLastPara="0" vertOverflow="overflow" horzOverflow="overflow" vert="horz" wrap="square" lIns="91440" tIns="45720" rIns="91440" bIns="45720" numCol="1" spcCol="0" rtlCol="0" fromWordArt="0" anchor="ctr" anchorCtr="0" forceAA="0" compatLnSpc="1">
+              <a:prstTxWarp prst="textNoShape">
+                <a:avLst/>
+              </a:prstTxWarp>
+              <a:noAutofit/>
+            </a:bodyPr>
+            <a:lstStyle/>
+            <a:p>
+              <a:pPr algn="ctr"/>
+              <a:endParaRPr lang="ko-KR" altLang="en-US"/>
+            </a:p>
+          </p:txBody>
+        </p:sp>
+        <p:sp>
+          <p:nvSpPr>
+            <p:cNvPr id="189" name="직사각형 188"/>
+            <p:cNvSpPr/>
+            <p:nvPr/>
+          </p:nvSpPr>
+          <p:spPr>
+            <a:xfrm>
+              <a:off x="3284562" y="2736995"/>
+              <a:ext cx="153554" cy="222295"/>
+            </a:xfrm>
+            <a:prstGeom prst="rect">
+              <a:avLst/>
+            </a:prstGeom>
+            <a:solidFill>
+              <a:srgbClr val="838D90"/>
+            </a:solidFill>
+            <a:ln w="38100">
+              <a:solidFill>
+                <a:schemeClr val="tx1"/>
+              </a:solidFill>
+            </a:ln>
+          </p:spPr>
+          <p:style>
+            <a:lnRef idx="2">
+              <a:schemeClr val="accent1">
+                <a:shade val="50000"/>
+              </a:schemeClr>
+            </a:lnRef>
+            <a:fillRef idx="1">
+              <a:schemeClr val="accent1"/>
+            </a:fillRef>
+            <a:effectRef idx="0">
+              <a:schemeClr val="accent1"/>
+            </a:effectRef>
+            <a:fontRef idx="minor">
+              <a:schemeClr val="lt1"/>
+            </a:fontRef>
+          </p:style>
+          <p:txBody>
+            <a:bodyPr rtlCol="0" anchor="ctr"/>
+            <a:lstStyle/>
+            <a:p>
+              <a:pPr algn="ctr"/>
+              <a:endParaRPr lang="ko-KR" altLang="en-US"/>
+            </a:p>
+          </p:txBody>
+        </p:sp>
+        <p:sp>
+          <p:nvSpPr>
+            <p:cNvPr id="190" name="양쪽 모서리가 잘린 사각형 189"/>
+            <p:cNvSpPr/>
+            <p:nvPr/>
+          </p:nvSpPr>
+          <p:spPr>
+            <a:xfrm rot="16200000">
+              <a:off x="3109765" y="2956051"/>
+              <a:ext cx="500928" cy="245873"/>
+            </a:xfrm>
+            <a:prstGeom prst="snip2SameRect">
+              <a:avLst>
+                <a:gd name="adj1" fmla="val 50000"/>
+                <a:gd name="adj2" fmla="val 50000"/>
+              </a:avLst>
+            </a:prstGeom>
+            <a:solidFill>
+              <a:srgbClr val="838D90"/>
+            </a:solidFill>
+            <a:ln w="38100">
+              <a:solidFill>
+                <a:schemeClr val="tx1"/>
+              </a:solidFill>
+            </a:ln>
+          </p:spPr>
+          <p:style>
+            <a:lnRef idx="2">
+              <a:schemeClr val="accent1">
+                <a:shade val="50000"/>
+              </a:schemeClr>
+            </a:lnRef>
+            <a:fillRef idx="1">
+              <a:schemeClr val="accent1"/>
+            </a:fillRef>
+            <a:effectRef idx="0">
+              <a:schemeClr val="accent1"/>
+            </a:effectRef>
+            <a:fontRef idx="minor">
+              <a:schemeClr val="lt1"/>
+            </a:fontRef>
+          </p:style>
+          <p:txBody>
+            <a:bodyPr rtlCol="0" anchor="ctr"/>
+            <a:lstStyle/>
+            <a:p>
+              <a:pPr algn="ctr"/>
+              <a:endParaRPr lang="ko-KR" altLang="en-US"/>
+            </a:p>
+          </p:txBody>
+        </p:sp>
+        <p:sp>
+          <p:nvSpPr>
+            <p:cNvPr id="191" name="양쪽 모서리가 잘린 사각형 190"/>
+            <p:cNvSpPr/>
+            <p:nvPr/>
+          </p:nvSpPr>
+          <p:spPr>
+            <a:xfrm rot="16200000">
+              <a:off x="3234832" y="3017376"/>
+              <a:ext cx="255364" cy="125342"/>
+            </a:xfrm>
+            <a:prstGeom prst="snip2SameRect">
+              <a:avLst>
+                <a:gd name="adj1" fmla="val 50000"/>
+                <a:gd name="adj2" fmla="val 50000"/>
+              </a:avLst>
+            </a:prstGeom>
+            <a:solidFill>
+              <a:srgbClr val="6E3232"/>
+            </a:solidFill>
+            <a:ln w="38100">
+              <a:solidFill>
+                <a:schemeClr val="tx1"/>
+              </a:solidFill>
+            </a:ln>
+          </p:spPr>
+          <p:style>
+            <a:lnRef idx="2">
+              <a:schemeClr val="accent1">
+                <a:shade val="50000"/>
+              </a:schemeClr>
+            </a:lnRef>
+            <a:fillRef idx="1">
+              <a:schemeClr val="accent1"/>
+            </a:fillRef>
+            <a:effectRef idx="0">
+              <a:schemeClr val="accent1"/>
+            </a:effectRef>
+            <a:fontRef idx="minor">
+              <a:schemeClr val="lt1"/>
+            </a:fontRef>
+          </p:style>
+          <p:txBody>
+            <a:bodyPr rtlCol="0" anchor="ctr"/>
+            <a:lstStyle/>
+            <a:p>
+              <a:pPr algn="ctr"/>
+              <a:endParaRPr lang="ko-KR" altLang="en-US"/>
+            </a:p>
+          </p:txBody>
+        </p:sp>
+      </p:grpSp>
+      <p:grpSp>
+        <p:nvGrpSpPr>
+          <p:cNvPr id="25" name="그룹 24"/>
+          <p:cNvGrpSpPr/>
+          <p:nvPr/>
+        </p:nvGrpSpPr>
+        <p:grpSpPr>
+          <a:xfrm>
+            <a:off x="6076949" y="3564782"/>
+            <a:ext cx="1174130" cy="1861789"/>
+            <a:chOff x="6486886" y="3545068"/>
+            <a:chExt cx="1174130" cy="1861789"/>
+          </a:xfrm>
+        </p:grpSpPr>
+        <p:grpSp>
+          <p:nvGrpSpPr>
+            <p:cNvPr id="24" name="그룹 23"/>
+            <p:cNvGrpSpPr/>
+            <p:nvPr/>
+          </p:nvGrpSpPr>
+          <p:grpSpPr>
+            <a:xfrm>
+              <a:off x="7075228" y="3545068"/>
+              <a:ext cx="585788" cy="1206000"/>
+              <a:chOff x="6486164" y="3545068"/>
+              <a:chExt cx="585788" cy="1206000"/>
+            </a:xfrm>
+          </p:grpSpPr>
+          <p:sp>
+            <p:nvSpPr>
+              <p:cNvPr id="135" name="양쪽 모서리가 잘린 사각형 134"/>
+              <p:cNvSpPr/>
+              <p:nvPr/>
+            </p:nvSpPr>
+            <p:spPr>
+              <a:xfrm>
+                <a:off x="6486164" y="3545068"/>
+                <a:ext cx="585788" cy="1206000"/>
+              </a:xfrm>
+              <a:prstGeom prst="snip2SameRect">
+                <a:avLst/>
+              </a:prstGeom>
+              <a:solidFill>
+                <a:srgbClr val="6E3232"/>
+              </a:solidFill>
+              <a:ln w="38100">
+                <a:solidFill>
+                  <a:schemeClr val="tx1"/>
+                </a:solidFill>
+              </a:ln>
+            </p:spPr>
+            <p:style>
+              <a:lnRef idx="2">
+                <a:schemeClr val="accent1">
+                  <a:shade val="50000"/>
+                </a:schemeClr>
+              </a:lnRef>
+              <a:fillRef idx="1">
+                <a:schemeClr val="accent1"/>
+              </a:fillRef>
+              <a:effectRef idx="0">
+                <a:schemeClr val="accent1"/>
+              </a:effectRef>
+              <a:fontRef idx="minor">
+                <a:schemeClr val="lt1"/>
+              </a:fontRef>
+            </p:style>
+            <p:txBody>
+              <a:bodyPr rtlCol="0" anchor="ctr"/>
+              <a:lstStyle/>
+              <a:p>
+                <a:pPr algn="ctr"/>
+                <a:endParaRPr lang="ko-KR" altLang="en-US"/>
+              </a:p>
+            </p:txBody>
+          </p:sp>
+          <p:sp>
+            <p:nvSpPr>
+              <p:cNvPr id="137" name="직사각형 136"/>
+              <p:cNvSpPr/>
+              <p:nvPr/>
+            </p:nvSpPr>
+            <p:spPr>
+              <a:xfrm>
+                <a:off x="6732744" y="4090015"/>
+                <a:ext cx="92628" cy="434113"/>
+              </a:xfrm>
+              <a:prstGeom prst="rect">
+                <a:avLst/>
+              </a:prstGeom>
+              <a:solidFill>
+                <a:srgbClr val="838D90"/>
+              </a:solidFill>
+              <a:ln w="38100">
+                <a:solidFill>
+                  <a:schemeClr val="tx1"/>
+                </a:solidFill>
+              </a:ln>
+            </p:spPr>
+            <p:style>
+              <a:lnRef idx="2">
+                <a:schemeClr val="accent1">
+                  <a:shade val="50000"/>
+                </a:schemeClr>
+              </a:lnRef>
+              <a:fillRef idx="1">
+                <a:schemeClr val="accent1"/>
+              </a:fillRef>
+              <a:effectRef idx="0">
+                <a:schemeClr val="accent1"/>
+              </a:effectRef>
+              <a:fontRef idx="minor">
+                <a:schemeClr val="lt1"/>
+              </a:fontRef>
+            </p:style>
+            <p:txBody>
+              <a:bodyPr rtlCol="0" anchor="ctr"/>
+              <a:lstStyle/>
+              <a:p>
+                <a:pPr algn="ctr"/>
+                <a:endParaRPr lang="ko-KR" altLang="en-US"/>
+              </a:p>
+            </p:txBody>
+          </p:sp>
+          <p:grpSp>
+            <p:nvGrpSpPr>
+              <p:cNvPr id="153" name="그룹 152"/>
+              <p:cNvGrpSpPr/>
+              <p:nvPr/>
+            </p:nvGrpSpPr>
+            <p:grpSpPr>
+              <a:xfrm>
+                <a:off x="6546388" y="3620972"/>
+                <a:ext cx="465340" cy="465340"/>
+                <a:chOff x="3096188" y="2262185"/>
+                <a:chExt cx="465340" cy="465340"/>
+              </a:xfrm>
+            </p:grpSpPr>
+            <p:sp>
+              <p:nvSpPr>
+                <p:cNvPr id="163" name="팔각형 162"/>
+                <p:cNvSpPr/>
+                <p:nvPr/>
+              </p:nvSpPr>
+              <p:spPr>
+                <a:xfrm>
+                  <a:off x="3096188" y="2262185"/>
+                  <a:ext cx="465340" cy="465340"/>
+                </a:xfrm>
+                <a:prstGeom prst="octagon">
+                  <a:avLst>
+                    <a:gd name="adj" fmla="val 11945"/>
+                  </a:avLst>
+                </a:prstGeom>
+                <a:solidFill>
+                  <a:srgbClr val="838D90"/>
+                </a:solidFill>
+                <a:ln w="38100">
+                  <a:solidFill>
+                    <a:schemeClr val="tx1"/>
+                  </a:solidFill>
+                </a:ln>
+              </p:spPr>
+              <p:style>
+                <a:lnRef idx="2">
+                  <a:schemeClr val="accent1">
+                    <a:shade val="50000"/>
+                  </a:schemeClr>
+                </a:lnRef>
+                <a:fillRef idx="1">
+                  <a:schemeClr val="accent1"/>
+                </a:fillRef>
+                <a:effectRef idx="0">
+                  <a:schemeClr val="accent1"/>
+                </a:effectRef>
+                <a:fontRef idx="minor">
+                  <a:schemeClr val="lt1"/>
+                </a:fontRef>
+              </p:style>
+              <p:txBody>
+                <a:bodyPr rtlCol="0" anchor="ctr"/>
+                <a:lstStyle/>
+                <a:p>
+                  <a:pPr algn="ctr"/>
+                  <a:endParaRPr lang="ko-KR" altLang="en-US"/>
+                </a:p>
+              </p:txBody>
+            </p:sp>
+            <p:sp>
+              <p:nvSpPr>
+                <p:cNvPr id="164" name="팔각형 163"/>
+                <p:cNvSpPr/>
+                <p:nvPr/>
+              </p:nvSpPr>
+              <p:spPr>
+                <a:xfrm>
+                  <a:off x="3181913" y="2347910"/>
+                  <a:ext cx="293890" cy="293890"/>
+                </a:xfrm>
+                <a:prstGeom prst="octagon">
+                  <a:avLst>
+                    <a:gd name="adj" fmla="val 11945"/>
+                  </a:avLst>
+                </a:prstGeom>
+                <a:solidFill>
+                  <a:srgbClr val="6E3232"/>
+                </a:solidFill>
+                <a:ln w="38100">
+                  <a:solidFill>
+                    <a:schemeClr val="tx1"/>
+                  </a:solidFill>
+                </a:ln>
+              </p:spPr>
+              <p:style>
+                <a:lnRef idx="2">
+                  <a:schemeClr val="accent1">
+                    <a:shade val="50000"/>
+                  </a:schemeClr>
+                </a:lnRef>
+                <a:fillRef idx="1">
+                  <a:schemeClr val="accent1"/>
+                </a:fillRef>
+                <a:effectRef idx="0">
+                  <a:schemeClr val="accent1"/>
+                </a:effectRef>
+                <a:fontRef idx="minor">
+                  <a:schemeClr val="lt1"/>
+                </a:fontRef>
+              </p:style>
+              <p:txBody>
+                <a:bodyPr rtlCol="0" anchor="ctr"/>
+                <a:lstStyle/>
+                <a:p>
+                  <a:pPr algn="ctr"/>
+                  <a:endParaRPr lang="ko-KR" altLang="en-US"/>
+                </a:p>
+              </p:txBody>
+            </p:sp>
+          </p:grpSp>
+        </p:grpSp>
+        <p:grpSp>
+          <p:nvGrpSpPr>
+            <p:cNvPr id="23" name="그룹 22"/>
+            <p:cNvGrpSpPr/>
+            <p:nvPr/>
+          </p:nvGrpSpPr>
+          <p:grpSpPr>
+            <a:xfrm>
+              <a:off x="6486886" y="4200857"/>
+              <a:ext cx="585788" cy="1206000"/>
+              <a:chOff x="7077123" y="4200857"/>
+              <a:chExt cx="585788" cy="1206000"/>
+            </a:xfrm>
+          </p:grpSpPr>
+          <p:grpSp>
+            <p:nvGrpSpPr>
+              <p:cNvPr id="136" name="그룹 135"/>
+              <p:cNvGrpSpPr/>
+              <p:nvPr/>
+            </p:nvGrpSpPr>
+            <p:grpSpPr>
+              <a:xfrm rot="10800000">
+                <a:off x="7077123" y="4200857"/>
+                <a:ext cx="585788" cy="1206000"/>
+                <a:chOff x="5519051" y="1946796"/>
+                <a:chExt cx="585788" cy="1206000"/>
+              </a:xfrm>
+            </p:grpSpPr>
+            <p:sp>
+              <p:nvSpPr>
+                <p:cNvPr id="165" name="양쪽 모서리가 잘린 사각형 164"/>
+                <p:cNvSpPr/>
+                <p:nvPr/>
+              </p:nvSpPr>
+              <p:spPr>
+                <a:xfrm>
+                  <a:off x="5519051" y="1946796"/>
+                  <a:ext cx="585788" cy="1206000"/>
+                </a:xfrm>
+                <a:prstGeom prst="snip2SameRect">
+                  <a:avLst/>
+                </a:prstGeom>
+                <a:solidFill>
+                  <a:srgbClr val="6E3232"/>
+                </a:solidFill>
+                <a:ln w="38100">
+                  <a:solidFill>
+                    <a:schemeClr val="tx1"/>
+                  </a:solidFill>
+                </a:ln>
+              </p:spPr>
+              <p:style>
+                <a:lnRef idx="2">
+                  <a:schemeClr val="accent1">
+                    <a:shade val="50000"/>
+                  </a:schemeClr>
+                </a:lnRef>
+                <a:fillRef idx="1">
+                  <a:schemeClr val="accent1"/>
+                </a:fillRef>
+                <a:effectRef idx="0">
+                  <a:schemeClr val="accent1"/>
+                </a:effectRef>
+                <a:fontRef idx="minor">
+                  <a:schemeClr val="lt1"/>
+                </a:fontRef>
+              </p:style>
+              <p:txBody>
+                <a:bodyPr rtlCol="0" anchor="ctr"/>
+                <a:lstStyle/>
+                <a:p>
+                  <a:pPr algn="ctr"/>
+                  <a:endParaRPr lang="ko-KR" altLang="en-US"/>
+                </a:p>
+              </p:txBody>
+            </p:sp>
+            <p:grpSp>
+              <p:nvGrpSpPr>
+                <p:cNvPr id="166" name="그룹 165"/>
+                <p:cNvGrpSpPr/>
+                <p:nvPr/>
+              </p:nvGrpSpPr>
+              <p:grpSpPr>
+                <a:xfrm>
+                  <a:off x="5579275" y="2022700"/>
+                  <a:ext cx="465340" cy="465340"/>
+                  <a:chOff x="3096188" y="2262185"/>
+                  <a:chExt cx="465340" cy="465340"/>
+                </a:xfrm>
+              </p:grpSpPr>
+              <p:sp>
+                <p:nvSpPr>
+                  <p:cNvPr id="167" name="팔각형 166"/>
+                  <p:cNvSpPr/>
+                  <p:nvPr/>
+                </p:nvSpPr>
+                <p:spPr>
+                  <a:xfrm>
+                    <a:off x="3096188" y="2262185"/>
+                    <a:ext cx="465340" cy="465340"/>
+                  </a:xfrm>
+                  <a:prstGeom prst="octagon">
+                    <a:avLst>
+                      <a:gd name="adj" fmla="val 11945"/>
+                    </a:avLst>
+                  </a:prstGeom>
+                  <a:solidFill>
+                    <a:srgbClr val="838D90"/>
+                  </a:solidFill>
+                  <a:ln w="38100">
+                    <a:solidFill>
+                      <a:schemeClr val="tx1"/>
+                    </a:solidFill>
+                  </a:ln>
+                </p:spPr>
+                <p:style>
+                  <a:lnRef idx="2">
+                    <a:schemeClr val="accent1">
+                      <a:shade val="50000"/>
+                    </a:schemeClr>
+                  </a:lnRef>
+                  <a:fillRef idx="1">
+                    <a:schemeClr val="accent1"/>
+                  </a:fillRef>
+                  <a:effectRef idx="0">
+                    <a:schemeClr val="accent1"/>
+                  </a:effectRef>
+                  <a:fontRef idx="minor">
+                    <a:schemeClr val="lt1"/>
+                  </a:fontRef>
+                </p:style>
+                <p:txBody>
+                  <a:bodyPr rtlCol="0" anchor="ctr"/>
+                  <a:lstStyle/>
+                  <a:p>
+                    <a:pPr algn="ctr"/>
+                    <a:endParaRPr lang="ko-KR" altLang="en-US"/>
+                  </a:p>
+                </p:txBody>
+              </p:sp>
+              <p:sp>
+                <p:nvSpPr>
+                  <p:cNvPr id="168" name="팔각형 167"/>
+                  <p:cNvSpPr/>
+                  <p:nvPr/>
+                </p:nvSpPr>
+                <p:spPr>
+                  <a:xfrm>
+                    <a:off x="3181913" y="2347910"/>
+                    <a:ext cx="293890" cy="293890"/>
+                  </a:xfrm>
+                  <a:prstGeom prst="octagon">
+                    <a:avLst>
+                      <a:gd name="adj" fmla="val 11945"/>
+                    </a:avLst>
+                  </a:prstGeom>
+                  <a:solidFill>
+                    <a:srgbClr val="6E3232"/>
+                  </a:solidFill>
+                  <a:ln w="38100">
+                    <a:solidFill>
+                      <a:schemeClr val="tx1"/>
+                    </a:solidFill>
+                  </a:ln>
+                </p:spPr>
+                <p:style>
+                  <a:lnRef idx="2">
+                    <a:schemeClr val="accent1">
+                      <a:shade val="50000"/>
+                    </a:schemeClr>
+                  </a:lnRef>
+                  <a:fillRef idx="1">
+                    <a:schemeClr val="accent1"/>
+                  </a:fillRef>
+                  <a:effectRef idx="0">
+                    <a:schemeClr val="accent1"/>
+                  </a:effectRef>
+                  <a:fontRef idx="minor">
+                    <a:schemeClr val="lt1"/>
+                  </a:fontRef>
+                </p:style>
+                <p:txBody>
+                  <a:bodyPr rtlCol="0" anchor="ctr"/>
+                  <a:lstStyle/>
+                  <a:p>
+                    <a:pPr algn="ctr"/>
+                    <a:endParaRPr lang="ko-KR" altLang="en-US"/>
+                  </a:p>
+                </p:txBody>
+              </p:sp>
+            </p:grpSp>
+          </p:grpSp>
+          <p:sp>
+            <p:nvSpPr>
+              <p:cNvPr id="138" name="직사각형 137"/>
+              <p:cNvSpPr/>
+              <p:nvPr/>
+            </p:nvSpPr>
+            <p:spPr>
+              <a:xfrm>
+                <a:off x="7318532" y="4438517"/>
+                <a:ext cx="92628" cy="427096"/>
+              </a:xfrm>
+              <a:prstGeom prst="rect">
+                <a:avLst/>
+              </a:prstGeom>
+              <a:solidFill>
+                <a:srgbClr val="838D90"/>
+              </a:solidFill>
+              <a:ln w="38100">
+                <a:solidFill>
+                  <a:schemeClr val="tx1"/>
+                </a:solidFill>
+              </a:ln>
+            </p:spPr>
+            <p:style>
+              <a:lnRef idx="2">
+                <a:schemeClr val="accent1">
+                  <a:shade val="50000"/>
+                </a:schemeClr>
+              </a:lnRef>
+              <a:fillRef idx="1">
+                <a:schemeClr val="accent1"/>
+              </a:fillRef>
+              <a:effectRef idx="0">
+                <a:schemeClr val="accent1"/>
+              </a:effectRef>
+              <a:fontRef idx="minor">
+                <a:schemeClr val="lt1"/>
+              </a:fontRef>
+            </p:style>
+            <p:txBody>
+              <a:bodyPr rtlCol="0" anchor="ctr"/>
+              <a:lstStyle/>
+              <a:p>
+                <a:pPr algn="ctr"/>
+                <a:endParaRPr lang="ko-KR" altLang="en-US"/>
+              </a:p>
+            </p:txBody>
+          </p:sp>
+        </p:grpSp>
+        <p:sp>
+          <p:nvSpPr>
+            <p:cNvPr id="139" name="직사각형 138"/>
+            <p:cNvSpPr/>
+            <p:nvPr/>
+          </p:nvSpPr>
+          <p:spPr>
+            <a:xfrm>
+              <a:off x="7022255" y="4218267"/>
+              <a:ext cx="95250" cy="511200"/>
+            </a:xfrm>
+            <a:prstGeom prst="rect">
+              <a:avLst/>
+            </a:prstGeom>
+            <a:solidFill>
+              <a:srgbClr val="6E3232"/>
+            </a:solidFill>
+            <a:ln w="38100">
+              <a:noFill/>
+            </a:ln>
+          </p:spPr>
+          <p:style>
+            <a:lnRef idx="2">
+              <a:schemeClr val="accent1">
+                <a:shade val="50000"/>
+              </a:schemeClr>
+            </a:lnRef>
+            <a:fillRef idx="1">
+              <a:schemeClr val="accent1"/>
+            </a:fillRef>
+            <a:effectRef idx="0">
+              <a:schemeClr val="accent1"/>
+            </a:effectRef>
+            <a:fontRef idx="minor">
+              <a:schemeClr val="lt1"/>
+            </a:fontRef>
+          </p:style>
+          <p:txBody>
+            <a:bodyPr rtlCol="0" anchor="ctr"/>
+            <a:lstStyle/>
+            <a:p>
+              <a:pPr algn="ctr"/>
+              <a:endParaRPr lang="ko-KR" altLang="en-US"/>
+            </a:p>
+          </p:txBody>
+        </p:sp>
+        <p:sp>
+          <p:nvSpPr>
+            <p:cNvPr id="140" name="직사각형 139"/>
+            <p:cNvSpPr/>
+            <p:nvPr/>
+          </p:nvSpPr>
+          <p:spPr>
+            <a:xfrm rot="5400000">
+              <a:off x="7043076" y="4234818"/>
+              <a:ext cx="57749" cy="678416"/>
+            </a:xfrm>
+            <a:prstGeom prst="rect">
+              <a:avLst/>
+            </a:prstGeom>
+            <a:solidFill>
+              <a:srgbClr val="838D90"/>
+            </a:solidFill>
+            <a:ln w="38100">
+              <a:solidFill>
+                <a:schemeClr val="tx1"/>
+              </a:solidFill>
+            </a:ln>
+          </p:spPr>
+          <p:style>
+            <a:lnRef idx="2">
+              <a:schemeClr val="accent1">
+                <a:shade val="50000"/>
+              </a:schemeClr>
+            </a:lnRef>
+            <a:fillRef idx="1">
+              <a:schemeClr val="accent1"/>
+            </a:fillRef>
+            <a:effectRef idx="0">
+              <a:schemeClr val="accent1"/>
+            </a:effectRef>
+            <a:fontRef idx="minor">
+              <a:schemeClr val="lt1"/>
+            </a:fontRef>
+          </p:style>
+          <p:txBody>
+            <a:bodyPr rtlCol="0" anchor="ctr"/>
+            <a:lstStyle/>
+            <a:p>
+              <a:pPr algn="ctr"/>
+              <a:endParaRPr lang="ko-KR" altLang="en-US"/>
+            </a:p>
+          </p:txBody>
+        </p:sp>
+        <p:sp>
+          <p:nvSpPr>
+            <p:cNvPr id="141" name="직사각형 140"/>
+            <p:cNvSpPr/>
+            <p:nvPr/>
+          </p:nvSpPr>
+          <p:spPr>
+            <a:xfrm rot="5400000">
+              <a:off x="7040948" y="4044837"/>
+              <a:ext cx="62006" cy="678416"/>
+            </a:xfrm>
+            <a:prstGeom prst="rect">
+              <a:avLst/>
+            </a:prstGeom>
+            <a:solidFill>
+              <a:srgbClr val="838D90"/>
+            </a:solidFill>
+            <a:ln w="38100">
+              <a:solidFill>
+                <a:schemeClr val="tx1"/>
+              </a:solidFill>
+            </a:ln>
+          </p:spPr>
+          <p:style>
+            <a:lnRef idx="2">
+              <a:schemeClr val="accent1">
+                <a:shade val="50000"/>
+              </a:schemeClr>
+            </a:lnRef>
+            <a:fillRef idx="1">
+              <a:schemeClr val="accent1"/>
+            </a:fillRef>
+            <a:effectRef idx="0">
+              <a:schemeClr val="accent1"/>
+            </a:effectRef>
+            <a:fontRef idx="minor">
+              <a:schemeClr val="lt1"/>
+            </a:fontRef>
+          </p:style>
+          <p:txBody>
+            <a:bodyPr rtlCol="0" anchor="ctr"/>
+            <a:lstStyle/>
+            <a:p>
+              <a:pPr algn="ctr"/>
+              <a:endParaRPr lang="ko-KR" altLang="en-US"/>
+            </a:p>
+          </p:txBody>
+        </p:sp>
+        <p:sp>
+          <p:nvSpPr>
+            <p:cNvPr id="142" name="양쪽 모서리가 잘린 사각형 141"/>
+            <p:cNvSpPr/>
+            <p:nvPr/>
+          </p:nvSpPr>
+          <p:spPr>
+            <a:xfrm>
+              <a:off x="7120833" y="4354879"/>
+              <a:ext cx="500928" cy="245873"/>
+            </a:xfrm>
+            <a:prstGeom prst="snip2SameRect">
+              <a:avLst>
+                <a:gd name="adj1" fmla="val 50000"/>
+                <a:gd name="adj2" fmla="val 50000"/>
+              </a:avLst>
+            </a:prstGeom>
+            <a:solidFill>
+              <a:srgbClr val="838D90"/>
+            </a:solidFill>
+            <a:ln w="38100">
+              <a:solidFill>
+                <a:schemeClr val="tx1"/>
+              </a:solidFill>
+            </a:ln>
+          </p:spPr>
+          <p:style>
+            <a:lnRef idx="2">
+              <a:schemeClr val="accent1">
+                <a:shade val="50000"/>
+              </a:schemeClr>
+            </a:lnRef>
+            <a:fillRef idx="1">
+              <a:schemeClr val="accent1"/>
+            </a:fillRef>
+            <a:effectRef idx="0">
+              <a:schemeClr val="accent1"/>
+            </a:effectRef>
+            <a:fontRef idx="minor">
+              <a:schemeClr val="lt1"/>
+            </a:fontRef>
+          </p:style>
+          <p:txBody>
+            <a:bodyPr rtlCol="0" anchor="ctr"/>
+            <a:lstStyle/>
+            <a:p>
+              <a:pPr algn="ctr"/>
+              <a:endParaRPr lang="ko-KR" altLang="en-US"/>
+            </a:p>
+          </p:txBody>
+        </p:sp>
+        <p:sp>
+          <p:nvSpPr>
+            <p:cNvPr id="143" name="양쪽 모서리가 잘린 사각형 142"/>
+            <p:cNvSpPr/>
+            <p:nvPr/>
+          </p:nvSpPr>
+          <p:spPr>
+            <a:xfrm>
+              <a:off x="6528594" y="4354878"/>
+              <a:ext cx="500928" cy="245873"/>
+            </a:xfrm>
+            <a:prstGeom prst="snip2SameRect">
+              <a:avLst>
+                <a:gd name="adj1" fmla="val 50000"/>
+                <a:gd name="adj2" fmla="val 50000"/>
+              </a:avLst>
+            </a:prstGeom>
+            <a:solidFill>
+              <a:srgbClr val="838D90"/>
+            </a:solidFill>
+            <a:ln w="38100">
+              <a:solidFill>
+                <a:schemeClr val="tx1"/>
+              </a:solidFill>
+            </a:ln>
+          </p:spPr>
+          <p:style>
+            <a:lnRef idx="2">
+              <a:schemeClr val="accent1">
+                <a:shade val="50000"/>
+              </a:schemeClr>
+            </a:lnRef>
+            <a:fillRef idx="1">
+              <a:schemeClr val="accent1"/>
+            </a:fillRef>
+            <a:effectRef idx="0">
+              <a:schemeClr val="accent1"/>
+            </a:effectRef>
+            <a:fontRef idx="minor">
+              <a:schemeClr val="lt1"/>
+            </a:fontRef>
+          </p:style>
+          <p:txBody>
+            <a:bodyPr rtlCol="0" anchor="ctr"/>
+            <a:lstStyle/>
+            <a:p>
+              <a:pPr algn="ctr"/>
+              <a:endParaRPr lang="ko-KR" altLang="en-US"/>
+            </a:p>
+          </p:txBody>
+        </p:sp>
+        <p:sp>
+          <p:nvSpPr>
+            <p:cNvPr id="161" name="양쪽 모서리가 잘린 사각형 160"/>
+            <p:cNvSpPr/>
+            <p:nvPr/>
+          </p:nvSpPr>
+          <p:spPr>
+            <a:xfrm>
+              <a:off x="6650316" y="4417429"/>
+              <a:ext cx="847603" cy="125342"/>
+            </a:xfrm>
+            <a:prstGeom prst="snip2SameRect">
+              <a:avLst>
+                <a:gd name="adj1" fmla="val 50000"/>
+                <a:gd name="adj2" fmla="val 50000"/>
+              </a:avLst>
+            </a:prstGeom>
+            <a:solidFill>
+              <a:srgbClr val="6E3232"/>
+            </a:solidFill>
+            <a:ln w="38100">
+              <a:solidFill>
+                <a:schemeClr val="tx1"/>
+              </a:solidFill>
+            </a:ln>
+          </p:spPr>
+          <p:style>
+            <a:lnRef idx="2">
+              <a:schemeClr val="accent1">
+                <a:shade val="50000"/>
+              </a:schemeClr>
+            </a:lnRef>
+            <a:fillRef idx="1">
+              <a:schemeClr val="accent1"/>
+            </a:fillRef>
+            <a:effectRef idx="0">
+              <a:schemeClr val="accent1"/>
+            </a:effectRef>
+            <a:fontRef idx="minor">
+              <a:schemeClr val="lt1"/>
+            </a:fontRef>
+          </p:style>
+          <p:txBody>
+            <a:bodyPr rtlCol="0" anchor="ctr"/>
+            <a:lstStyle/>
+            <a:p>
+              <a:pPr algn="ctr"/>
+              <a:endParaRPr lang="ko-KR" altLang="en-US"/>
+            </a:p>
+          </p:txBody>
+        </p:sp>
+      </p:grpSp>
+      <p:grpSp>
+        <p:nvGrpSpPr>
+          <p:cNvPr id="29" name="그룹 28"/>
+          <p:cNvGrpSpPr/>
+          <p:nvPr/>
+        </p:nvGrpSpPr>
+        <p:grpSpPr>
+          <a:xfrm rot="10800000">
+            <a:off x="6176354" y="2119242"/>
+            <a:ext cx="1757364" cy="1176973"/>
+            <a:chOff x="6583546" y="1470061"/>
+            <a:chExt cx="1757364" cy="1176973"/>
+          </a:xfrm>
+        </p:grpSpPr>
+        <p:sp>
+          <p:nvSpPr>
+            <p:cNvPr id="170" name="양쪽 모서리가 잘린 사각형 169"/>
+            <p:cNvSpPr/>
+            <p:nvPr/>
+          </p:nvSpPr>
+          <p:spPr>
+            <a:xfrm rot="5400000">
+              <a:off x="7169334" y="884273"/>
+              <a:ext cx="585788" cy="1757363"/>
+            </a:xfrm>
+            <a:prstGeom prst="snip2SameRect">
+              <a:avLst/>
+            </a:prstGeom>
+            <a:solidFill>
+              <a:srgbClr val="6E3232"/>
+            </a:solidFill>
+            <a:ln w="38100">
+              <a:solidFill>
+                <a:schemeClr val="tx1"/>
+              </a:solidFill>
+            </a:ln>
+          </p:spPr>
+          <p:style>
+            <a:lnRef idx="2">
+              <a:schemeClr val="accent1">
+                <a:shade val="50000"/>
+              </a:schemeClr>
+            </a:lnRef>
+            <a:fillRef idx="1">
+              <a:schemeClr val="accent1"/>
+            </a:fillRef>
+            <a:effectRef idx="0">
+              <a:schemeClr val="accent1"/>
+            </a:effectRef>
+            <a:fontRef idx="minor">
+              <a:schemeClr val="lt1"/>
+            </a:fontRef>
+          </p:style>
+          <p:txBody>
+            <a:bodyPr rtlCol="0" anchor="ctr"/>
+            <a:lstStyle/>
+            <a:p>
+              <a:pPr algn="ctr"/>
+              <a:endParaRPr lang="ko-KR" altLang="en-US"/>
+            </a:p>
+          </p:txBody>
+        </p:sp>
+        <p:sp>
+          <p:nvSpPr>
+            <p:cNvPr id="171" name="직사각형 170"/>
+            <p:cNvSpPr/>
+            <p:nvPr/>
+          </p:nvSpPr>
+          <p:spPr>
+            <a:xfrm>
+              <a:off x="6999379" y="1797124"/>
+              <a:ext cx="198191" cy="82538"/>
+            </a:xfrm>
+            <a:prstGeom prst="rect">
+              <a:avLst/>
+            </a:prstGeom>
+            <a:solidFill>
+              <a:srgbClr val="838D90"/>
+            </a:solidFill>
+            <a:ln w="38100">
+              <a:solidFill>
+                <a:schemeClr val="tx1"/>
+              </a:solidFill>
+            </a:ln>
+          </p:spPr>
+          <p:style>
+            <a:lnRef idx="2">
+              <a:schemeClr val="accent1">
+                <a:shade val="50000"/>
+              </a:schemeClr>
+            </a:lnRef>
+            <a:fillRef idx="1">
+              <a:schemeClr val="accent1"/>
+            </a:fillRef>
+            <a:effectRef idx="0">
+              <a:schemeClr val="accent1"/>
+            </a:effectRef>
+            <a:fontRef idx="minor">
+              <a:schemeClr val="lt1"/>
+            </a:fontRef>
+          </p:style>
+          <p:txBody>
+            <a:bodyPr rtlCol="0" anchor="ctr"/>
+            <a:lstStyle/>
+            <a:p>
+              <a:pPr algn="ctr"/>
+              <a:endParaRPr lang="ko-KR" altLang="en-US"/>
+            </a:p>
+          </p:txBody>
+        </p:sp>
+        <p:grpSp>
+          <p:nvGrpSpPr>
+            <p:cNvPr id="174" name="그룹 173"/>
+            <p:cNvGrpSpPr/>
+            <p:nvPr/>
+          </p:nvGrpSpPr>
+          <p:grpSpPr>
+            <a:xfrm>
+              <a:off x="7197571" y="1524212"/>
+              <a:ext cx="465340" cy="477485"/>
+              <a:chOff x="3096188" y="2262185"/>
+              <a:chExt cx="465340" cy="465340"/>
+            </a:xfrm>
+          </p:grpSpPr>
+          <p:sp>
+            <p:nvSpPr>
+              <p:cNvPr id="221" name="팔각형 220"/>
+              <p:cNvSpPr/>
+              <p:nvPr/>
+            </p:nvSpPr>
+            <p:spPr>
+              <a:xfrm>
+                <a:off x="3096188" y="2262185"/>
+                <a:ext cx="465340" cy="465340"/>
+              </a:xfrm>
+              <a:prstGeom prst="octagon">
+                <a:avLst>
+                  <a:gd name="adj" fmla="val 11945"/>
+                </a:avLst>
+              </a:prstGeom>
+              <a:solidFill>
+                <a:srgbClr val="838D90"/>
+              </a:solidFill>
+              <a:ln w="38100">
+                <a:solidFill>
+                  <a:schemeClr val="tx1"/>
+                </a:solidFill>
+              </a:ln>
+            </p:spPr>
+            <p:style>
+              <a:lnRef idx="2">
+                <a:schemeClr val="accent1">
+                  <a:shade val="50000"/>
+                </a:schemeClr>
+              </a:lnRef>
+              <a:fillRef idx="1">
+                <a:schemeClr val="accent1"/>
+              </a:fillRef>
+              <a:effectRef idx="0">
+                <a:schemeClr val="accent1"/>
+              </a:effectRef>
+              <a:fontRef idx="minor">
+                <a:schemeClr val="lt1"/>
+              </a:fontRef>
+            </p:style>
+            <p:txBody>
+              <a:bodyPr rtlCol="0" anchor="ctr"/>
+              <a:lstStyle/>
+              <a:p>
+                <a:pPr algn="ctr"/>
+                <a:endParaRPr lang="ko-KR" altLang="en-US"/>
+              </a:p>
+            </p:txBody>
+          </p:sp>
+          <p:sp>
+            <p:nvSpPr>
+              <p:cNvPr id="222" name="팔각형 221"/>
+              <p:cNvSpPr/>
+              <p:nvPr/>
+            </p:nvSpPr>
+            <p:spPr>
+              <a:xfrm>
+                <a:off x="3181913" y="2347910"/>
+                <a:ext cx="293890" cy="293890"/>
+              </a:xfrm>
+              <a:prstGeom prst="octagon">
+                <a:avLst>
+                  <a:gd name="adj" fmla="val 11945"/>
+                </a:avLst>
+              </a:prstGeom>
+              <a:solidFill>
+                <a:srgbClr val="6E3232"/>
+              </a:solidFill>
+              <a:ln w="38100">
+                <a:solidFill>
+                  <a:schemeClr val="tx1"/>
+                </a:solidFill>
+              </a:ln>
+            </p:spPr>
+            <p:style>
+              <a:lnRef idx="2">
+                <a:schemeClr val="accent1">
+                  <a:shade val="50000"/>
+                </a:schemeClr>
+              </a:lnRef>
+              <a:fillRef idx="1">
+                <a:schemeClr val="accent1"/>
+              </a:fillRef>
+              <a:effectRef idx="0">
+                <a:schemeClr val="accent1"/>
+              </a:effectRef>
+              <a:fontRef idx="minor">
+                <a:schemeClr val="lt1"/>
+              </a:fontRef>
+            </p:style>
+            <p:txBody>
+              <a:bodyPr rtlCol="0" anchor="ctr"/>
+              <a:lstStyle/>
+              <a:p>
+                <a:pPr algn="ctr"/>
+                <a:endParaRPr lang="ko-KR" altLang="en-US"/>
+              </a:p>
+            </p:txBody>
+          </p:sp>
+        </p:grpSp>
+        <p:grpSp>
+          <p:nvGrpSpPr>
+            <p:cNvPr id="175" name="그룹 174"/>
+            <p:cNvGrpSpPr/>
+            <p:nvPr/>
+          </p:nvGrpSpPr>
+          <p:grpSpPr>
+            <a:xfrm>
+              <a:off x="7805256" y="1524212"/>
+              <a:ext cx="465340" cy="477485"/>
+              <a:chOff x="3096188" y="2262185"/>
+              <a:chExt cx="465340" cy="465340"/>
+            </a:xfrm>
+          </p:grpSpPr>
+          <p:sp>
+            <p:nvSpPr>
+              <p:cNvPr id="219" name="팔각형 218"/>
+              <p:cNvSpPr/>
+              <p:nvPr/>
+            </p:nvSpPr>
+            <p:spPr>
+              <a:xfrm>
+                <a:off x="3096188" y="2262185"/>
+                <a:ext cx="465340" cy="465340"/>
+              </a:xfrm>
+              <a:prstGeom prst="octagon">
+                <a:avLst>
+                  <a:gd name="adj" fmla="val 11945"/>
+                </a:avLst>
+              </a:prstGeom>
+              <a:solidFill>
+                <a:srgbClr val="838D90"/>
+              </a:solidFill>
+              <a:ln w="38100">
+                <a:solidFill>
+                  <a:schemeClr val="tx1"/>
+                </a:solidFill>
+              </a:ln>
+            </p:spPr>
+            <p:style>
+              <a:lnRef idx="2">
+                <a:schemeClr val="accent1">
+                  <a:shade val="50000"/>
+                </a:schemeClr>
+              </a:lnRef>
+              <a:fillRef idx="1">
+                <a:schemeClr val="accent1"/>
+              </a:fillRef>
+              <a:effectRef idx="0">
+                <a:schemeClr val="accent1"/>
+              </a:effectRef>
+              <a:fontRef idx="minor">
+                <a:schemeClr val="lt1"/>
+              </a:fontRef>
+            </p:style>
+            <p:txBody>
+              <a:bodyPr rtlCol="0" anchor="ctr"/>
+              <a:lstStyle/>
+              <a:p>
+                <a:pPr algn="ctr"/>
+                <a:endParaRPr lang="ko-KR" altLang="en-US"/>
+              </a:p>
+            </p:txBody>
+          </p:sp>
+          <p:sp>
+            <p:nvSpPr>
+              <p:cNvPr id="220" name="팔각형 219"/>
+              <p:cNvSpPr/>
+              <p:nvPr/>
+            </p:nvSpPr>
+            <p:spPr>
+              <a:xfrm>
+                <a:off x="3181913" y="2347910"/>
+                <a:ext cx="293890" cy="293890"/>
+              </a:xfrm>
+              <a:prstGeom prst="octagon">
+                <a:avLst>
+                  <a:gd name="adj" fmla="val 11945"/>
+                </a:avLst>
+              </a:prstGeom>
+              <a:solidFill>
+                <a:srgbClr val="6E3232"/>
+              </a:solidFill>
+              <a:ln w="38100">
+                <a:solidFill>
+                  <a:schemeClr val="tx1"/>
+                </a:solidFill>
+              </a:ln>
+            </p:spPr>
+            <p:style>
+              <a:lnRef idx="2">
+                <a:schemeClr val="accent1">
+                  <a:shade val="50000"/>
+                </a:schemeClr>
+              </a:lnRef>
+              <a:fillRef idx="1">
+                <a:schemeClr val="accent1"/>
+              </a:fillRef>
+              <a:effectRef idx="0">
+                <a:schemeClr val="accent1"/>
+              </a:effectRef>
+              <a:fontRef idx="minor">
+                <a:schemeClr val="lt1"/>
+              </a:fontRef>
+            </p:style>
+            <p:txBody>
+              <a:bodyPr rtlCol="0" anchor="ctr"/>
+              <a:lstStyle/>
+              <a:p>
+                <a:pPr algn="ctr"/>
+                <a:endParaRPr lang="ko-KR" altLang="en-US"/>
+              </a:p>
+            </p:txBody>
+          </p:sp>
+        </p:grpSp>
+        <p:sp>
+          <p:nvSpPr>
+            <p:cNvPr id="176" name="직사각형 175"/>
+            <p:cNvSpPr/>
+            <p:nvPr/>
+          </p:nvSpPr>
+          <p:spPr>
+            <a:xfrm>
+              <a:off x="8270596" y="1708954"/>
+              <a:ext cx="70314" cy="108000"/>
+            </a:xfrm>
+            <a:prstGeom prst="rect">
+              <a:avLst/>
+            </a:prstGeom>
+            <a:solidFill>
+              <a:srgbClr val="838D90"/>
+            </a:solidFill>
+            <a:ln w="38100">
+              <a:solidFill>
+                <a:schemeClr val="tx1"/>
+              </a:solidFill>
+            </a:ln>
+          </p:spPr>
+          <p:style>
+            <a:lnRef idx="2">
+              <a:schemeClr val="accent1">
+                <a:shade val="50000"/>
+              </a:schemeClr>
+            </a:lnRef>
+            <a:fillRef idx="1">
+              <a:schemeClr val="accent1"/>
+            </a:fillRef>
+            <a:effectRef idx="0">
+              <a:schemeClr val="accent1"/>
+            </a:effectRef>
+            <a:fontRef idx="minor">
+              <a:schemeClr val="lt1"/>
+            </a:fontRef>
+          </p:style>
+          <p:txBody>
+            <a:bodyPr rtlCol="0" anchor="ctr"/>
+            <a:lstStyle/>
+            <a:p>
+              <a:pPr algn="ctr"/>
+              <a:endParaRPr lang="ko-KR" altLang="en-US"/>
+            </a:p>
+          </p:txBody>
+        </p:sp>
+        <p:sp>
+          <p:nvSpPr>
+            <p:cNvPr id="177" name="직사각형 176"/>
+            <p:cNvSpPr/>
+            <p:nvPr/>
+          </p:nvSpPr>
+          <p:spPr>
+            <a:xfrm>
+              <a:off x="7666906" y="1636331"/>
+              <a:ext cx="138349" cy="253246"/>
+            </a:xfrm>
+            <a:prstGeom prst="rect">
+              <a:avLst/>
+            </a:prstGeom>
+            <a:solidFill>
+              <a:srgbClr val="838D90"/>
+            </a:solidFill>
+            <a:ln w="38100">
+              <a:solidFill>
+                <a:schemeClr val="tx1"/>
+              </a:solidFill>
+            </a:ln>
+          </p:spPr>
+          <p:style>
+            <a:lnRef idx="2">
+              <a:schemeClr val="accent1">
+                <a:shade val="50000"/>
+              </a:schemeClr>
+            </a:lnRef>
+            <a:fillRef idx="1">
+              <a:schemeClr val="accent1"/>
+            </a:fillRef>
+            <a:effectRef idx="0">
+              <a:schemeClr val="accent1"/>
+            </a:effectRef>
+            <a:fontRef idx="minor">
+              <a:schemeClr val="lt1"/>
+            </a:fontRef>
+          </p:style>
+          <p:txBody>
+            <a:bodyPr rtlCol="0" anchor="ctr"/>
+            <a:lstStyle/>
+            <a:p>
+              <a:pPr algn="ctr"/>
+              <a:endParaRPr lang="ko-KR" altLang="en-US"/>
+            </a:p>
+          </p:txBody>
+        </p:sp>
+        <p:sp>
+          <p:nvSpPr>
+            <p:cNvPr id="178" name="직사각형 177"/>
+            <p:cNvSpPr/>
+            <p:nvPr/>
+          </p:nvSpPr>
+          <p:spPr>
+            <a:xfrm>
+              <a:off x="7577186" y="1708954"/>
+              <a:ext cx="313796" cy="108000"/>
+            </a:xfrm>
+            <a:prstGeom prst="rect">
+              <a:avLst/>
+            </a:prstGeom>
+            <a:solidFill>
+              <a:srgbClr val="6E3232"/>
+            </a:solidFill>
+            <a:ln w="38100">
+              <a:solidFill>
+                <a:schemeClr val="tx1"/>
+              </a:solidFill>
+            </a:ln>
+          </p:spPr>
+          <p:style>
+            <a:lnRef idx="2">
+              <a:schemeClr val="accent1">
+                <a:shade val="50000"/>
+              </a:schemeClr>
+            </a:lnRef>
+            <a:fillRef idx="1">
+              <a:schemeClr val="accent1"/>
+            </a:fillRef>
+            <a:effectRef idx="0">
+              <a:schemeClr val="accent1"/>
+            </a:effectRef>
+            <a:fontRef idx="minor">
+              <a:schemeClr val="lt1"/>
+            </a:fontRef>
+          </p:style>
+          <p:txBody>
+            <a:bodyPr rtlCol="0" anchor="ctr"/>
+            <a:lstStyle/>
+            <a:p>
+              <a:pPr algn="ctr"/>
+              <a:endParaRPr lang="ko-KR" altLang="en-US"/>
+            </a:p>
+          </p:txBody>
+        </p:sp>
+        <p:sp>
+          <p:nvSpPr>
+            <p:cNvPr id="179" name="직사각형 178"/>
+            <p:cNvSpPr/>
+            <p:nvPr/>
+          </p:nvSpPr>
+          <p:spPr>
+            <a:xfrm>
+              <a:off x="7558172" y="1725318"/>
+              <a:ext cx="352425" cy="75272"/>
+            </a:xfrm>
+            <a:prstGeom prst="rect">
+              <a:avLst/>
+            </a:prstGeom>
+            <a:solidFill>
+              <a:srgbClr val="6E3232"/>
+            </a:solidFill>
+            <a:ln w="38100">
+              <a:noFill/>
+            </a:ln>
+          </p:spPr>
+          <p:style>
+            <a:lnRef idx="2">
+              <a:schemeClr val="accent1">
+                <a:shade val="50000"/>
+              </a:schemeClr>
+            </a:lnRef>
+            <a:fillRef idx="1">
+              <a:schemeClr val="accent1"/>
+            </a:fillRef>
+            <a:effectRef idx="0">
+              <a:schemeClr val="accent1"/>
+            </a:effectRef>
+            <a:fontRef idx="minor">
+              <a:schemeClr val="lt1"/>
+            </a:fontRef>
+          </p:style>
+          <p:txBody>
+            <a:bodyPr rtlCol="0" anchor="ctr"/>
+            <a:lstStyle/>
+            <a:p>
+              <a:pPr algn="ctr"/>
+              <a:endParaRPr lang="ko-KR" altLang="en-US"/>
+            </a:p>
+          </p:txBody>
+        </p:sp>
+        <p:sp>
+          <p:nvSpPr>
+            <p:cNvPr id="180" name="직사각형 179"/>
+            <p:cNvSpPr/>
+            <p:nvPr/>
+          </p:nvSpPr>
+          <p:spPr>
+            <a:xfrm>
+              <a:off x="6999379" y="1643257"/>
+              <a:ext cx="198191" cy="82538"/>
+            </a:xfrm>
+            <a:prstGeom prst="rect">
+              <a:avLst/>
+            </a:prstGeom>
+            <a:solidFill>
+              <a:srgbClr val="838D90"/>
+            </a:solidFill>
+            <a:ln w="38100">
+              <a:solidFill>
+                <a:schemeClr val="tx1"/>
+              </a:solidFill>
+            </a:ln>
+          </p:spPr>
+          <p:style>
+            <a:lnRef idx="2">
+              <a:schemeClr val="accent1">
+                <a:shade val="50000"/>
+              </a:schemeClr>
+            </a:lnRef>
+            <a:fillRef idx="1">
+              <a:schemeClr val="accent1"/>
+            </a:fillRef>
+            <a:effectRef idx="0">
+              <a:schemeClr val="accent1"/>
+            </a:effectRef>
+            <a:fontRef idx="minor">
+              <a:schemeClr val="lt1"/>
+            </a:fontRef>
+          </p:style>
+          <p:txBody>
+            <a:bodyPr rtlCol="0" anchor="ctr"/>
+            <a:lstStyle/>
+            <a:p>
+              <a:pPr algn="ctr"/>
+              <a:endParaRPr lang="ko-KR" altLang="en-US"/>
+            </a:p>
+          </p:txBody>
+        </p:sp>
+        <p:sp>
+          <p:nvSpPr>
+            <p:cNvPr id="181" name="직사각형 180"/>
+            <p:cNvSpPr/>
+            <p:nvPr/>
+          </p:nvSpPr>
+          <p:spPr>
+            <a:xfrm>
+              <a:off x="6585771" y="1797124"/>
+              <a:ext cx="164216" cy="82538"/>
+            </a:xfrm>
+            <a:prstGeom prst="rect">
+              <a:avLst/>
+            </a:prstGeom>
+            <a:solidFill>
+              <a:srgbClr val="838D90"/>
+            </a:solidFill>
+            <a:ln w="38100">
+              <a:solidFill>
+                <a:schemeClr val="tx1"/>
+              </a:solidFill>
+            </a:ln>
+          </p:spPr>
+          <p:style>
+            <a:lnRef idx="2">
+              <a:schemeClr val="accent1">
+                <a:shade val="50000"/>
+              </a:schemeClr>
+            </a:lnRef>
+            <a:fillRef idx="1">
+              <a:schemeClr val="accent1"/>
+            </a:fillRef>
+            <a:effectRef idx="0">
+              <a:schemeClr val="accent1"/>
+            </a:effectRef>
+            <a:fontRef idx="minor">
+              <a:schemeClr val="lt1"/>
+            </a:fontRef>
+          </p:style>
+          <p:txBody>
+            <a:bodyPr rtlCol="0" anchor="ctr"/>
+            <a:lstStyle/>
+            <a:p>
+              <a:pPr algn="ctr"/>
+              <a:endParaRPr lang="ko-KR" altLang="en-US"/>
+            </a:p>
+          </p:txBody>
+        </p:sp>
+        <p:sp>
+          <p:nvSpPr>
+            <p:cNvPr id="182" name="직사각형 181"/>
+            <p:cNvSpPr/>
+            <p:nvPr/>
+          </p:nvSpPr>
+          <p:spPr>
+            <a:xfrm>
+              <a:off x="6585771" y="1643257"/>
+              <a:ext cx="164216" cy="82538"/>
+            </a:xfrm>
+            <a:prstGeom prst="rect">
+              <a:avLst/>
+            </a:prstGeom>
+            <a:solidFill>
+              <a:srgbClr val="838D90"/>
+            </a:solidFill>
+            <a:ln w="38100">
+              <a:solidFill>
+                <a:schemeClr val="tx1"/>
+              </a:solidFill>
+            </a:ln>
+          </p:spPr>
+          <p:style>
+            <a:lnRef idx="2">
+              <a:schemeClr val="accent1">
+                <a:shade val="50000"/>
+              </a:schemeClr>
+            </a:lnRef>
+            <a:fillRef idx="1">
+              <a:schemeClr val="accent1"/>
+            </a:fillRef>
+            <a:effectRef idx="0">
+              <a:schemeClr val="accent1"/>
+            </a:effectRef>
+            <a:fontRef idx="minor">
+              <a:schemeClr val="lt1"/>
+            </a:fontRef>
+          </p:style>
+          <p:txBody>
+            <a:bodyPr rtlCol="0" anchor="ctr"/>
+            <a:lstStyle/>
+            <a:p>
+              <a:pPr algn="ctr"/>
+              <a:endParaRPr lang="ko-KR" altLang="en-US"/>
+            </a:p>
+          </p:txBody>
+        </p:sp>
+        <p:grpSp>
+          <p:nvGrpSpPr>
+            <p:cNvPr id="27" name="그룹 26"/>
+            <p:cNvGrpSpPr/>
+            <p:nvPr/>
+          </p:nvGrpSpPr>
+          <p:grpSpPr>
+            <a:xfrm rot="10800000">
+              <a:off x="6583547" y="1882208"/>
+              <a:ext cx="585788" cy="764826"/>
+              <a:chOff x="6583547" y="878431"/>
+              <a:chExt cx="585788" cy="764826"/>
+            </a:xfrm>
+          </p:grpSpPr>
+          <p:grpSp>
+            <p:nvGrpSpPr>
+              <p:cNvPr id="26" name="그룹 25"/>
+              <p:cNvGrpSpPr/>
+              <p:nvPr/>
+            </p:nvGrpSpPr>
+            <p:grpSpPr>
+              <a:xfrm>
+                <a:off x="6583547" y="878431"/>
+                <a:ext cx="585788" cy="663941"/>
+                <a:chOff x="6583547" y="878431"/>
+                <a:chExt cx="585788" cy="663941"/>
+              </a:xfrm>
+            </p:grpSpPr>
+            <p:sp>
+              <p:nvSpPr>
+                <p:cNvPr id="172" name="양쪽 모서리가 잘린 사각형 171"/>
+                <p:cNvSpPr/>
+                <p:nvPr/>
+              </p:nvSpPr>
+              <p:spPr>
+                <a:xfrm>
+                  <a:off x="6583547" y="878431"/>
+                  <a:ext cx="585788" cy="591628"/>
+                </a:xfrm>
+                <a:prstGeom prst="snip2SameRect">
+                  <a:avLst/>
+                </a:prstGeom>
+                <a:solidFill>
+                  <a:srgbClr val="6E3232"/>
+                </a:solidFill>
+                <a:ln w="38100">
+                  <a:solidFill>
+                    <a:schemeClr val="tx1"/>
+                  </a:solidFill>
+                </a:ln>
+              </p:spPr>
+              <p:style>
+                <a:lnRef idx="2">
+                  <a:schemeClr val="accent1">
+                    <a:shade val="50000"/>
+                  </a:schemeClr>
+                </a:lnRef>
+                <a:fillRef idx="1">
+                  <a:schemeClr val="accent1"/>
+                </a:fillRef>
+                <a:effectRef idx="0">
+                  <a:schemeClr val="accent1"/>
+                </a:effectRef>
+                <a:fontRef idx="minor">
+                  <a:schemeClr val="lt1"/>
+                </a:fontRef>
+              </p:style>
+              <p:txBody>
+                <a:bodyPr rtlCol="0" anchor="ctr"/>
+                <a:lstStyle/>
+                <a:p>
+                  <a:pPr algn="ctr"/>
+                  <a:endParaRPr lang="ko-KR" altLang="en-US"/>
+                </a:p>
+              </p:txBody>
+            </p:sp>
+            <p:grpSp>
+              <p:nvGrpSpPr>
+                <p:cNvPr id="173" name="그룹 172"/>
+                <p:cNvGrpSpPr/>
+                <p:nvPr/>
+              </p:nvGrpSpPr>
+              <p:grpSpPr>
+                <a:xfrm>
+                  <a:off x="6643771" y="939337"/>
+                  <a:ext cx="465340" cy="465340"/>
+                  <a:chOff x="3096188" y="2262185"/>
+                  <a:chExt cx="465340" cy="465340"/>
+                </a:xfrm>
+              </p:grpSpPr>
+              <p:sp>
+                <p:nvSpPr>
+                  <p:cNvPr id="223" name="팔각형 222"/>
+                  <p:cNvSpPr/>
+                  <p:nvPr/>
+                </p:nvSpPr>
+                <p:spPr>
+                  <a:xfrm>
+                    <a:off x="3096188" y="2262185"/>
+                    <a:ext cx="465340" cy="465340"/>
+                  </a:xfrm>
+                  <a:prstGeom prst="octagon">
+                    <a:avLst>
+                      <a:gd name="adj" fmla="val 11945"/>
+                    </a:avLst>
+                  </a:prstGeom>
+                  <a:solidFill>
+                    <a:srgbClr val="838D90"/>
+                  </a:solidFill>
+                  <a:ln w="38100">
+                    <a:solidFill>
+                      <a:schemeClr val="tx1"/>
+                    </a:solidFill>
+                  </a:ln>
+                </p:spPr>
+                <p:style>
+                  <a:lnRef idx="2">
+                    <a:schemeClr val="accent1">
+                      <a:shade val="50000"/>
+                    </a:schemeClr>
+                  </a:lnRef>
+                  <a:fillRef idx="1">
+                    <a:schemeClr val="accent1"/>
+                  </a:fillRef>
+                  <a:effectRef idx="0">
+                    <a:schemeClr val="accent1"/>
+                  </a:effectRef>
+                  <a:fontRef idx="minor">
+                    <a:schemeClr val="lt1"/>
+                  </a:fontRef>
+                </p:style>
+                <p:txBody>
+                  <a:bodyPr rtlCol="0" anchor="ctr"/>
+                  <a:lstStyle/>
+                  <a:p>
+                    <a:pPr algn="ctr"/>
+                    <a:endParaRPr lang="ko-KR" altLang="en-US"/>
+                  </a:p>
+                </p:txBody>
+              </p:sp>
+              <p:sp>
+                <p:nvSpPr>
+                  <p:cNvPr id="224" name="팔각형 223"/>
+                  <p:cNvSpPr/>
+                  <p:nvPr/>
+                </p:nvSpPr>
+                <p:spPr>
+                  <a:xfrm>
+                    <a:off x="3181913" y="2347910"/>
+                    <a:ext cx="293890" cy="293890"/>
+                  </a:xfrm>
+                  <a:prstGeom prst="octagon">
+                    <a:avLst>
+                      <a:gd name="adj" fmla="val 11945"/>
+                    </a:avLst>
+                  </a:prstGeom>
+                  <a:solidFill>
+                    <a:srgbClr val="6E3232"/>
+                  </a:solidFill>
+                  <a:ln w="38100">
+                    <a:solidFill>
+                      <a:schemeClr val="tx1"/>
+                    </a:solidFill>
+                  </a:ln>
+                </p:spPr>
+                <p:style>
+                  <a:lnRef idx="2">
+                    <a:schemeClr val="accent1">
+                      <a:shade val="50000"/>
+                    </a:schemeClr>
+                  </a:lnRef>
+                  <a:fillRef idx="1">
+                    <a:schemeClr val="accent1"/>
+                  </a:fillRef>
+                  <a:effectRef idx="0">
+                    <a:schemeClr val="accent1"/>
+                  </a:effectRef>
+                  <a:fontRef idx="minor">
+                    <a:schemeClr val="lt1"/>
+                  </a:fontRef>
+                </p:style>
+                <p:txBody>
+                  <a:bodyPr rtlCol="0" anchor="ctr"/>
+                  <a:lstStyle/>
+                  <a:p>
+                    <a:pPr algn="ctr"/>
+                    <a:endParaRPr lang="ko-KR" altLang="en-US"/>
+                  </a:p>
+                </p:txBody>
+              </p:sp>
+            </p:grpSp>
+            <p:sp>
+              <p:nvSpPr>
+                <p:cNvPr id="183" name="직사각형 182"/>
+                <p:cNvSpPr/>
+                <p:nvPr/>
+              </p:nvSpPr>
+              <p:spPr>
+                <a:xfrm>
+                  <a:off x="6602541" y="1431843"/>
+                  <a:ext cx="547200" cy="110529"/>
+                </a:xfrm>
+                <a:prstGeom prst="rect">
+                  <a:avLst/>
+                </a:prstGeom>
+                <a:solidFill>
+                  <a:srgbClr val="6E3232"/>
+                </a:solidFill>
+                <a:ln w="38100">
+                  <a:noFill/>
+                </a:ln>
+              </p:spPr>
+              <p:style>
+                <a:lnRef idx="2">
+                  <a:schemeClr val="accent1">
+                    <a:shade val="50000"/>
+                  </a:schemeClr>
+                </a:lnRef>
+                <a:fillRef idx="1">
+                  <a:schemeClr val="accent1"/>
+                </a:fillRef>
+                <a:effectRef idx="0">
+                  <a:schemeClr val="accent1"/>
+                </a:effectRef>
+                <a:fontRef idx="minor">
+                  <a:schemeClr val="lt1"/>
+                </a:fontRef>
+              </p:style>
+              <p:txBody>
+                <a:bodyPr rot="0" spcFirstLastPara="0" vertOverflow="overflow" horzOverflow="overflow" vert="horz" wrap="square" lIns="91440" tIns="45720" rIns="91440" bIns="45720" numCol="1" spcCol="0" rtlCol="0" fromWordArt="0" anchor="ctr" anchorCtr="0" forceAA="0" compatLnSpc="1">
+                  <a:prstTxWarp prst="textNoShape">
+                    <a:avLst/>
+                  </a:prstTxWarp>
+                  <a:noAutofit/>
+                </a:bodyPr>
+                <a:lstStyle/>
+                <a:p>
+                  <a:pPr algn="ctr"/>
+                  <a:endParaRPr lang="ko-KR" altLang="en-US"/>
+                </a:p>
+              </p:txBody>
+            </p:sp>
+          </p:grpSp>
+          <p:sp>
+            <p:nvSpPr>
+              <p:cNvPr id="188" name="직사각형 187"/>
+              <p:cNvSpPr/>
+              <p:nvPr/>
+            </p:nvSpPr>
+            <p:spPr>
+              <a:xfrm>
+                <a:off x="6800776" y="1420962"/>
+                <a:ext cx="153554" cy="222295"/>
+              </a:xfrm>
+              <a:prstGeom prst="rect">
+                <a:avLst/>
+              </a:prstGeom>
+              <a:solidFill>
+                <a:srgbClr val="838D90"/>
+              </a:solidFill>
+              <a:ln w="38100">
+                <a:solidFill>
+                  <a:schemeClr val="tx1"/>
+                </a:solidFill>
+              </a:ln>
+            </p:spPr>
+            <p:style>
+              <a:lnRef idx="2">
+                <a:schemeClr val="accent1">
+                  <a:shade val="50000"/>
+                </a:schemeClr>
+              </a:lnRef>
+              <a:fillRef idx="1">
+                <a:schemeClr val="accent1"/>
+              </a:fillRef>
+              <a:effectRef idx="0">
+                <a:schemeClr val="accent1"/>
+              </a:effectRef>
+              <a:fontRef idx="minor">
+                <a:schemeClr val="lt1"/>
+              </a:fontRef>
+            </p:style>
+            <p:txBody>
+              <a:bodyPr rtlCol="0" anchor="ctr"/>
+              <a:lstStyle/>
+              <a:p>
+                <a:pPr algn="ctr"/>
+                <a:endParaRPr lang="ko-KR" altLang="en-US"/>
+              </a:p>
+            </p:txBody>
+          </p:sp>
+        </p:grpSp>
+        <p:sp>
+          <p:nvSpPr>
+            <p:cNvPr id="192" name="양쪽 모서리가 잘린 사각형 191"/>
+            <p:cNvSpPr/>
+            <p:nvPr/>
+          </p:nvSpPr>
+          <p:spPr>
+            <a:xfrm rot="16200000">
+              <a:off x="6625979" y="1640018"/>
+              <a:ext cx="500928" cy="245873"/>
+            </a:xfrm>
+            <a:prstGeom prst="snip2SameRect">
+              <a:avLst>
+                <a:gd name="adj1" fmla="val 50000"/>
+                <a:gd name="adj2" fmla="val 50000"/>
+              </a:avLst>
+            </a:prstGeom>
+            <a:solidFill>
+              <a:srgbClr val="838D90"/>
+            </a:solidFill>
+            <a:ln w="38100">
+              <a:solidFill>
+                <a:schemeClr val="tx1"/>
+              </a:solidFill>
+            </a:ln>
+          </p:spPr>
+          <p:style>
+            <a:lnRef idx="2">
+              <a:schemeClr val="accent1">
+                <a:shade val="50000"/>
+              </a:schemeClr>
+            </a:lnRef>
+            <a:fillRef idx="1">
+              <a:schemeClr val="accent1"/>
+            </a:fillRef>
+            <a:effectRef idx="0">
+              <a:schemeClr val="accent1"/>
+            </a:effectRef>
+            <a:fontRef idx="minor">
+              <a:schemeClr val="lt1"/>
+            </a:fontRef>
+          </p:style>
+          <p:txBody>
+            <a:bodyPr rtlCol="0" anchor="ctr"/>
+            <a:lstStyle/>
+            <a:p>
+              <a:pPr algn="ctr"/>
+              <a:endParaRPr lang="ko-KR" altLang="en-US"/>
+            </a:p>
+          </p:txBody>
+        </p:sp>
+        <p:sp>
+          <p:nvSpPr>
+            <p:cNvPr id="193" name="양쪽 모서리가 잘린 사각형 192"/>
+            <p:cNvSpPr/>
+            <p:nvPr/>
+          </p:nvSpPr>
+          <p:spPr>
+            <a:xfrm rot="16200000">
+              <a:off x="6751046" y="1701343"/>
+              <a:ext cx="255364" cy="125342"/>
+            </a:xfrm>
+            <a:prstGeom prst="snip2SameRect">
+              <a:avLst>
+                <a:gd name="adj1" fmla="val 50000"/>
+                <a:gd name="adj2" fmla="val 50000"/>
+              </a:avLst>
+            </a:prstGeom>
+            <a:solidFill>
+              <a:srgbClr val="6E3232"/>
+            </a:solidFill>
+            <a:ln w="38100">
+              <a:solidFill>
+                <a:schemeClr val="tx1"/>
+              </a:solidFill>
+            </a:ln>
+          </p:spPr>
+          <p:style>
+            <a:lnRef idx="2">
+              <a:schemeClr val="accent1">
+                <a:shade val="50000"/>
+              </a:schemeClr>
+            </a:lnRef>
+            <a:fillRef idx="1">
+              <a:schemeClr val="accent1"/>
+            </a:fillRef>
+            <a:effectRef idx="0">
+              <a:schemeClr val="accent1"/>
+            </a:effectRef>
+            <a:fontRef idx="minor">
+              <a:schemeClr val="lt1"/>
+            </a:fontRef>
+          </p:style>
+          <p:txBody>
+            <a:bodyPr rtlCol="0" anchor="ctr"/>
+            <a:lstStyle/>
+            <a:p>
+              <a:pPr algn="ctr"/>
+              <a:endParaRPr lang="ko-KR" altLang="en-US"/>
+            </a:p>
+          </p:txBody>
+        </p:sp>
+      </p:grpSp>
+      <p:grpSp>
+        <p:nvGrpSpPr>
+          <p:cNvPr id="63" name="그룹 62"/>
+          <p:cNvGrpSpPr/>
+          <p:nvPr/>
+        </p:nvGrpSpPr>
+        <p:grpSpPr>
+          <a:xfrm>
+            <a:off x="4601759" y="3609718"/>
+            <a:ext cx="1174820" cy="1756800"/>
+            <a:chOff x="4601759" y="3609718"/>
+            <a:chExt cx="1174820" cy="1756800"/>
+          </a:xfrm>
+        </p:grpSpPr>
+        <p:sp>
+          <p:nvSpPr>
+            <p:cNvPr id="123" name="양쪽 모서리가 잘린 사각형 122"/>
+            <p:cNvSpPr/>
+            <p:nvPr/>
+          </p:nvSpPr>
+          <p:spPr>
+            <a:xfrm>
+              <a:off x="5190789" y="3609718"/>
+              <a:ext cx="585788" cy="1756800"/>
+            </a:xfrm>
+            <a:prstGeom prst="snip2SameRect">
+              <a:avLst>
+                <a:gd name="adj1" fmla="val 16667"/>
+                <a:gd name="adj2" fmla="val 16259"/>
+              </a:avLst>
+            </a:prstGeom>
+            <a:solidFill>
+              <a:srgbClr val="6E3232"/>
+            </a:solidFill>
+            <a:ln w="38100">
+              <a:solidFill>
+                <a:schemeClr val="tx1"/>
+              </a:solidFill>
+            </a:ln>
+          </p:spPr>
+          <p:style>
+            <a:lnRef idx="2">
+              <a:schemeClr val="accent1">
+                <a:shade val="50000"/>
+              </a:schemeClr>
+            </a:lnRef>
+            <a:fillRef idx="1">
+              <a:schemeClr val="accent1"/>
+            </a:fillRef>
+            <a:effectRef idx="0">
+              <a:schemeClr val="accent1"/>
+            </a:effectRef>
+            <a:fontRef idx="minor">
+              <a:schemeClr val="lt1"/>
+            </a:fontRef>
+          </p:style>
+          <p:txBody>
+            <a:bodyPr rtlCol="0" anchor="ctr"/>
+            <a:lstStyle/>
+            <a:p>
+              <a:pPr algn="ctr"/>
+              <a:endParaRPr lang="ko-KR" altLang="en-US"/>
+            </a:p>
+          </p:txBody>
+        </p:sp>
+        <p:sp>
+          <p:nvSpPr>
+            <p:cNvPr id="125" name="양쪽 모서리가 잘린 사각형 124"/>
+            <p:cNvSpPr/>
+            <p:nvPr/>
+          </p:nvSpPr>
+          <p:spPr>
+            <a:xfrm rot="16200000">
+              <a:off x="4602265" y="4194718"/>
+              <a:ext cx="585788" cy="586800"/>
+            </a:xfrm>
+            <a:prstGeom prst="snip2SameRect">
+              <a:avLst/>
+            </a:prstGeom>
+            <a:solidFill>
+              <a:srgbClr val="6E3232"/>
+            </a:solidFill>
+            <a:ln w="38100">
+              <a:solidFill>
+                <a:schemeClr val="tx1"/>
+              </a:solidFill>
+            </a:ln>
+          </p:spPr>
+          <p:style>
+            <a:lnRef idx="2">
+              <a:schemeClr val="accent1">
+                <a:shade val="50000"/>
+              </a:schemeClr>
+            </a:lnRef>
+            <a:fillRef idx="1">
+              <a:schemeClr val="accent1"/>
+            </a:fillRef>
+            <a:effectRef idx="0">
+              <a:schemeClr val="accent1"/>
+            </a:effectRef>
+            <a:fontRef idx="minor">
+              <a:schemeClr val="lt1"/>
+            </a:fontRef>
+          </p:style>
+          <p:txBody>
+            <a:bodyPr rtlCol="0" anchor="ctr"/>
+            <a:lstStyle/>
+            <a:p>
+              <a:pPr algn="ctr"/>
+              <a:endParaRPr lang="ko-KR" altLang="en-US"/>
+            </a:p>
+          </p:txBody>
+        </p:sp>
+        <p:sp>
+          <p:nvSpPr>
+            <p:cNvPr id="225" name="직사각형 224"/>
+            <p:cNvSpPr/>
+            <p:nvPr/>
+          </p:nvSpPr>
+          <p:spPr>
+            <a:xfrm>
+              <a:off x="5166286" y="4216377"/>
+              <a:ext cx="60402" cy="547200"/>
+            </a:xfrm>
+            <a:prstGeom prst="rect">
+              <a:avLst/>
+            </a:prstGeom>
+            <a:solidFill>
+              <a:srgbClr val="6E3232"/>
+            </a:solidFill>
+            <a:ln w="38100">
+              <a:noFill/>
+            </a:ln>
+          </p:spPr>
+          <p:style>
+            <a:lnRef idx="2">
+              <a:schemeClr val="accent1">
+                <a:shade val="50000"/>
+              </a:schemeClr>
+            </a:lnRef>
+            <a:fillRef idx="1">
+              <a:schemeClr val="accent1"/>
+            </a:fillRef>
+            <a:effectRef idx="0">
+              <a:schemeClr val="accent1"/>
+            </a:effectRef>
+            <a:fontRef idx="minor">
+              <a:schemeClr val="lt1"/>
+            </a:fontRef>
+          </p:style>
+          <p:txBody>
+            <a:bodyPr rot="0" spcFirstLastPara="0" vertOverflow="overflow" horzOverflow="overflow" vert="horz" wrap="square" lIns="91440" tIns="45720" rIns="91440" bIns="45720" numCol="1" spcCol="0" rtlCol="0" fromWordArt="0" anchor="ctr" anchorCtr="0" forceAA="0" compatLnSpc="1">
+              <a:prstTxWarp prst="textNoShape">
+                <a:avLst/>
+              </a:prstTxWarp>
+              <a:noAutofit/>
+            </a:bodyPr>
+            <a:lstStyle/>
+            <a:p>
+              <a:pPr algn="ctr"/>
+              <a:endParaRPr lang="ko-KR" altLang="en-US"/>
+            </a:p>
+          </p:txBody>
+        </p:sp>
+        <p:sp>
+          <p:nvSpPr>
+            <p:cNvPr id="226" name="팔각형 225"/>
+            <p:cNvSpPr/>
+            <p:nvPr/>
+          </p:nvSpPr>
+          <p:spPr>
+            <a:xfrm rot="16200000">
+              <a:off x="4675404" y="4267294"/>
+              <a:ext cx="444270" cy="445038"/>
+            </a:xfrm>
+            <a:prstGeom prst="octagon">
+              <a:avLst/>
+            </a:prstGeom>
+            <a:solidFill>
+              <a:srgbClr val="838D90"/>
+            </a:solidFill>
+            <a:ln w="38100">
+              <a:solidFill>
+                <a:schemeClr val="tx1"/>
+              </a:solidFill>
+            </a:ln>
+          </p:spPr>
+          <p:style>
+            <a:lnRef idx="2">
+              <a:schemeClr val="accent1">
+                <a:shade val="50000"/>
+              </a:schemeClr>
+            </a:lnRef>
+            <a:fillRef idx="1">
+              <a:schemeClr val="accent1"/>
+            </a:fillRef>
+            <a:effectRef idx="0">
+              <a:schemeClr val="accent1"/>
+            </a:effectRef>
+            <a:fontRef idx="minor">
+              <a:schemeClr val="lt1"/>
+            </a:fontRef>
+          </p:style>
+          <p:txBody>
+            <a:bodyPr rtlCol="0" anchor="ctr"/>
+            <a:lstStyle/>
+            <a:p>
+              <a:pPr algn="ctr"/>
+              <a:endParaRPr lang="ko-KR" altLang="en-US"/>
+            </a:p>
+          </p:txBody>
+        </p:sp>
+        <p:sp>
+          <p:nvSpPr>
+            <p:cNvPr id="230" name="다이아몬드 229"/>
+            <p:cNvSpPr/>
+            <p:nvPr/>
+          </p:nvSpPr>
+          <p:spPr>
+            <a:xfrm rot="16200000">
+              <a:off x="4695059" y="4285151"/>
+              <a:ext cx="408618" cy="409324"/>
+            </a:xfrm>
+            <a:prstGeom prst="diamond">
+              <a:avLst/>
+            </a:prstGeom>
+            <a:solidFill>
+              <a:srgbClr val="6E3232"/>
+            </a:solidFill>
+            <a:ln w="38100">
+              <a:solidFill>
+                <a:schemeClr val="tx1"/>
+              </a:solidFill>
+            </a:ln>
+          </p:spPr>
+          <p:style>
+            <a:lnRef idx="2">
+              <a:schemeClr val="accent1">
+                <a:shade val="50000"/>
+              </a:schemeClr>
+            </a:lnRef>
+            <a:fillRef idx="1">
+              <a:schemeClr val="accent1"/>
+            </a:fillRef>
+            <a:effectRef idx="0">
+              <a:schemeClr val="accent1"/>
+            </a:effectRef>
+            <a:fontRef idx="minor">
+              <a:schemeClr val="lt1"/>
+            </a:fontRef>
+          </p:style>
+          <p:txBody>
+            <a:bodyPr rtlCol="0" anchor="ctr"/>
+            <a:lstStyle/>
+            <a:p>
+              <a:pPr algn="ctr"/>
+              <a:endParaRPr lang="ko-KR" altLang="en-US"/>
+            </a:p>
+          </p:txBody>
+        </p:sp>
+        <p:grpSp>
+          <p:nvGrpSpPr>
+            <p:cNvPr id="18" name="그룹 17"/>
+            <p:cNvGrpSpPr/>
+            <p:nvPr/>
+          </p:nvGrpSpPr>
+          <p:grpSpPr>
+            <a:xfrm>
+              <a:off x="5252705" y="3685570"/>
+              <a:ext cx="465340" cy="1613219"/>
+              <a:chOff x="7930342" y="1172873"/>
+              <a:chExt cx="465340" cy="1613219"/>
+            </a:xfrm>
+          </p:grpSpPr>
+          <p:grpSp>
+            <p:nvGrpSpPr>
+              <p:cNvPr id="231" name="그룹 230"/>
+              <p:cNvGrpSpPr/>
+              <p:nvPr/>
+            </p:nvGrpSpPr>
+            <p:grpSpPr>
+              <a:xfrm>
+                <a:off x="7930342" y="1172873"/>
+                <a:ext cx="465340" cy="465340"/>
+                <a:chOff x="3096188" y="2262185"/>
+                <a:chExt cx="465340" cy="465340"/>
+              </a:xfrm>
+            </p:grpSpPr>
+            <p:sp>
+              <p:nvSpPr>
+                <p:cNvPr id="232" name="팔각형 231"/>
+                <p:cNvSpPr/>
+                <p:nvPr/>
+              </p:nvSpPr>
+              <p:spPr>
+                <a:xfrm>
+                  <a:off x="3096188" y="2262185"/>
+                  <a:ext cx="465340" cy="465340"/>
+                </a:xfrm>
+                <a:prstGeom prst="octagon">
+                  <a:avLst>
+                    <a:gd name="adj" fmla="val 11945"/>
+                  </a:avLst>
+                </a:prstGeom>
+                <a:solidFill>
+                  <a:srgbClr val="838D90"/>
+                </a:solidFill>
+                <a:ln w="38100">
+                  <a:solidFill>
+                    <a:schemeClr val="tx1"/>
+                  </a:solidFill>
+                </a:ln>
+              </p:spPr>
+              <p:style>
+                <a:lnRef idx="2">
+                  <a:schemeClr val="accent1">
+                    <a:shade val="50000"/>
+                  </a:schemeClr>
+                </a:lnRef>
+                <a:fillRef idx="1">
+                  <a:schemeClr val="accent1"/>
+                </a:fillRef>
+                <a:effectRef idx="0">
+                  <a:schemeClr val="accent1"/>
+                </a:effectRef>
+                <a:fontRef idx="minor">
+                  <a:schemeClr val="lt1"/>
+                </a:fontRef>
+              </p:style>
+              <p:txBody>
+                <a:bodyPr rtlCol="0" anchor="ctr"/>
+                <a:lstStyle/>
+                <a:p>
+                  <a:pPr algn="ctr"/>
+                  <a:endParaRPr lang="ko-KR" altLang="en-US"/>
+                </a:p>
+              </p:txBody>
+            </p:sp>
+            <p:sp>
+              <p:nvSpPr>
+                <p:cNvPr id="233" name="팔각형 232"/>
+                <p:cNvSpPr/>
+                <p:nvPr/>
+              </p:nvSpPr>
+              <p:spPr>
+                <a:xfrm>
+                  <a:off x="3181913" y="2347910"/>
+                  <a:ext cx="293890" cy="293890"/>
+                </a:xfrm>
+                <a:prstGeom prst="octagon">
+                  <a:avLst>
+                    <a:gd name="adj" fmla="val 11945"/>
+                  </a:avLst>
+                </a:prstGeom>
+                <a:solidFill>
+                  <a:srgbClr val="6E3232"/>
+                </a:solidFill>
+                <a:ln w="38100">
+                  <a:solidFill>
+                    <a:schemeClr val="tx1"/>
+                  </a:solidFill>
+                </a:ln>
+              </p:spPr>
+              <p:style>
+                <a:lnRef idx="2">
+                  <a:schemeClr val="accent1">
+                    <a:shade val="50000"/>
+                  </a:schemeClr>
+                </a:lnRef>
+                <a:fillRef idx="1">
+                  <a:schemeClr val="accent1"/>
+                </a:fillRef>
+                <a:effectRef idx="0">
+                  <a:schemeClr val="accent1"/>
+                </a:effectRef>
+                <a:fontRef idx="minor">
+                  <a:schemeClr val="lt1"/>
+                </a:fontRef>
+              </p:style>
+              <p:txBody>
+                <a:bodyPr rtlCol="0" anchor="ctr"/>
+                <a:lstStyle/>
+                <a:p>
+                  <a:pPr algn="ctr"/>
+                  <a:endParaRPr lang="ko-KR" altLang="en-US"/>
+                </a:p>
+              </p:txBody>
+            </p:sp>
+          </p:grpSp>
+          <p:grpSp>
+            <p:nvGrpSpPr>
+              <p:cNvPr id="234" name="그룹 233"/>
+              <p:cNvGrpSpPr/>
+              <p:nvPr/>
+            </p:nvGrpSpPr>
+            <p:grpSpPr>
+              <a:xfrm>
+                <a:off x="7930342" y="2320752"/>
+                <a:ext cx="465340" cy="465340"/>
+                <a:chOff x="3096188" y="2262185"/>
+                <a:chExt cx="465340" cy="465340"/>
+              </a:xfrm>
+            </p:grpSpPr>
+            <p:sp>
+              <p:nvSpPr>
+                <p:cNvPr id="235" name="팔각형 234"/>
+                <p:cNvSpPr/>
+                <p:nvPr/>
+              </p:nvSpPr>
+              <p:spPr>
+                <a:xfrm>
+                  <a:off x="3096188" y="2262185"/>
+                  <a:ext cx="465340" cy="465340"/>
+                </a:xfrm>
+                <a:prstGeom prst="octagon">
+                  <a:avLst>
+                    <a:gd name="adj" fmla="val 11945"/>
+                  </a:avLst>
+                </a:prstGeom>
+                <a:solidFill>
+                  <a:srgbClr val="838D90"/>
+                </a:solidFill>
+                <a:ln w="38100">
+                  <a:solidFill>
+                    <a:schemeClr val="tx1"/>
+                  </a:solidFill>
+                </a:ln>
+              </p:spPr>
+              <p:style>
+                <a:lnRef idx="2">
+                  <a:schemeClr val="accent1">
+                    <a:shade val="50000"/>
+                  </a:schemeClr>
+                </a:lnRef>
+                <a:fillRef idx="1">
+                  <a:schemeClr val="accent1"/>
+                </a:fillRef>
+                <a:effectRef idx="0">
+                  <a:schemeClr val="accent1"/>
+                </a:effectRef>
+                <a:fontRef idx="minor">
+                  <a:schemeClr val="lt1"/>
+                </a:fontRef>
+              </p:style>
+              <p:txBody>
+                <a:bodyPr rtlCol="0" anchor="ctr"/>
+                <a:lstStyle/>
+                <a:p>
+                  <a:pPr algn="ctr"/>
+                  <a:endParaRPr lang="ko-KR" altLang="en-US"/>
+                </a:p>
+              </p:txBody>
+            </p:sp>
+            <p:sp>
+              <p:nvSpPr>
+                <p:cNvPr id="236" name="팔각형 235"/>
+                <p:cNvSpPr/>
+                <p:nvPr/>
+              </p:nvSpPr>
+              <p:spPr>
+                <a:xfrm>
+                  <a:off x="3181913" y="2347910"/>
+                  <a:ext cx="293890" cy="293890"/>
+                </a:xfrm>
+                <a:prstGeom prst="octagon">
+                  <a:avLst>
+                    <a:gd name="adj" fmla="val 11945"/>
+                  </a:avLst>
+                </a:prstGeom>
+                <a:solidFill>
+                  <a:srgbClr val="6E3232"/>
+                </a:solidFill>
+                <a:ln w="38100">
+                  <a:solidFill>
+                    <a:schemeClr val="tx1"/>
+                  </a:solidFill>
+                </a:ln>
+              </p:spPr>
+              <p:style>
+                <a:lnRef idx="2">
+                  <a:schemeClr val="accent1">
+                    <a:shade val="50000"/>
+                  </a:schemeClr>
+                </a:lnRef>
+                <a:fillRef idx="1">
+                  <a:schemeClr val="accent1"/>
+                </a:fillRef>
+                <a:effectRef idx="0">
+                  <a:schemeClr val="accent1"/>
+                </a:effectRef>
+                <a:fontRef idx="minor">
+                  <a:schemeClr val="lt1"/>
+                </a:fontRef>
+              </p:style>
+              <p:txBody>
+                <a:bodyPr rtlCol="0" anchor="ctr"/>
+                <a:lstStyle/>
+                <a:p>
+                  <a:pPr algn="ctr"/>
+                  <a:endParaRPr lang="ko-KR" altLang="en-US"/>
+                </a:p>
+              </p:txBody>
+            </p:sp>
+          </p:grpSp>
+        </p:grpSp>
+        <p:sp>
+          <p:nvSpPr>
+            <p:cNvPr id="14" name="1/2 액자 13"/>
+            <p:cNvSpPr/>
+            <p:nvPr/>
+          </p:nvSpPr>
+          <p:spPr>
+            <a:xfrm>
+              <a:off x="5251328" y="4258592"/>
+              <a:ext cx="254692" cy="254692"/>
+            </a:xfrm>
+            <a:prstGeom prst="halfFrame">
+              <a:avLst/>
+            </a:prstGeom>
+            <a:solidFill>
+              <a:srgbClr val="838D90"/>
+            </a:solidFill>
+            <a:ln w="38100">
+              <a:solidFill>
+                <a:schemeClr val="tx1"/>
+              </a:solidFill>
+            </a:ln>
+          </p:spPr>
+          <p:style>
+            <a:lnRef idx="2">
+              <a:schemeClr val="accent1">
+                <a:shade val="50000"/>
+              </a:schemeClr>
+            </a:lnRef>
+            <a:fillRef idx="1">
+              <a:schemeClr val="accent1"/>
+            </a:fillRef>
+            <a:effectRef idx="0">
+              <a:schemeClr val="accent1"/>
+            </a:effectRef>
+            <a:fontRef idx="minor">
+              <a:schemeClr val="lt1"/>
+            </a:fontRef>
+          </p:style>
+          <p:txBody>
+            <a:bodyPr rtlCol="0" anchor="ctr"/>
+            <a:lstStyle/>
+            <a:p>
+              <a:pPr algn="ctr"/>
+              <a:endParaRPr lang="ko-KR" altLang="en-US">
+                <a:solidFill>
+                  <a:schemeClr val="tx1"/>
+                </a:solidFill>
+              </a:endParaRPr>
+            </a:p>
+          </p:txBody>
+        </p:sp>
+        <p:sp>
+          <p:nvSpPr>
+            <p:cNvPr id="266" name="1/2 액자 265"/>
+            <p:cNvSpPr/>
+            <p:nvPr/>
+          </p:nvSpPr>
+          <p:spPr>
+            <a:xfrm rot="16200000">
+              <a:off x="5251328" y="4475964"/>
+              <a:ext cx="254692" cy="254692"/>
+            </a:xfrm>
+            <a:prstGeom prst="halfFrame">
+              <a:avLst/>
+            </a:prstGeom>
+            <a:solidFill>
+              <a:srgbClr val="838D90"/>
+            </a:solidFill>
+            <a:ln w="38100">
+              <a:solidFill>
+                <a:schemeClr val="tx1"/>
+              </a:solidFill>
+            </a:ln>
+          </p:spPr>
+          <p:style>
+            <a:lnRef idx="2">
+              <a:schemeClr val="accent1">
+                <a:shade val="50000"/>
+              </a:schemeClr>
+            </a:lnRef>
+            <a:fillRef idx="1">
+              <a:schemeClr val="accent1"/>
+            </a:fillRef>
+            <a:effectRef idx="0">
+              <a:schemeClr val="accent1"/>
+            </a:effectRef>
+            <a:fontRef idx="minor">
+              <a:schemeClr val="lt1"/>
+            </a:fontRef>
+          </p:style>
+          <p:txBody>
+            <a:bodyPr rtlCol="0" anchor="ctr"/>
+            <a:lstStyle/>
+            <a:p>
+              <a:pPr algn="ctr"/>
+              <a:endParaRPr lang="ko-KR" altLang="en-US">
+                <a:solidFill>
+                  <a:schemeClr val="tx1"/>
+                </a:solidFill>
+              </a:endParaRPr>
+            </a:p>
+          </p:txBody>
+        </p:sp>
+        <p:grpSp>
+          <p:nvGrpSpPr>
+            <p:cNvPr id="19" name="그룹 18"/>
+            <p:cNvGrpSpPr/>
+            <p:nvPr/>
+          </p:nvGrpSpPr>
+          <p:grpSpPr>
+            <a:xfrm rot="10800000">
+              <a:off x="5471752" y="4258592"/>
+              <a:ext cx="254692" cy="472064"/>
+              <a:chOff x="8011553" y="1745895"/>
+              <a:chExt cx="254692" cy="472064"/>
+            </a:xfrm>
+          </p:grpSpPr>
+          <p:sp>
+            <p:nvSpPr>
+              <p:cNvPr id="267" name="1/2 액자 266"/>
+              <p:cNvSpPr/>
+              <p:nvPr/>
+            </p:nvSpPr>
+            <p:spPr>
+              <a:xfrm>
+                <a:off x="8011553" y="1745895"/>
+                <a:ext cx="254692" cy="254692"/>
+              </a:xfrm>
+              <a:prstGeom prst="halfFrame">
+                <a:avLst/>
+              </a:prstGeom>
+              <a:solidFill>
+                <a:srgbClr val="838D90"/>
+              </a:solidFill>
+              <a:ln w="38100">
+                <a:solidFill>
+                  <a:schemeClr val="tx1"/>
+                </a:solidFill>
+              </a:ln>
+            </p:spPr>
+            <p:style>
+              <a:lnRef idx="2">
+                <a:schemeClr val="accent1">
+                  <a:shade val="50000"/>
+                </a:schemeClr>
+              </a:lnRef>
+              <a:fillRef idx="1">
+                <a:schemeClr val="accent1"/>
+              </a:fillRef>
+              <a:effectRef idx="0">
+                <a:schemeClr val="accent1"/>
+              </a:effectRef>
+              <a:fontRef idx="minor">
+                <a:schemeClr val="lt1"/>
+              </a:fontRef>
+            </p:style>
+            <p:txBody>
+              <a:bodyPr rtlCol="0" anchor="ctr"/>
+              <a:lstStyle/>
+              <a:p>
+                <a:pPr algn="ctr"/>
+                <a:endParaRPr lang="ko-KR" altLang="en-US">
+                  <a:solidFill>
+                    <a:schemeClr val="tx1"/>
+                  </a:solidFill>
+                </a:endParaRPr>
+              </a:p>
+            </p:txBody>
+          </p:sp>
+          <p:sp>
+            <p:nvSpPr>
+              <p:cNvPr id="268" name="1/2 액자 267"/>
+              <p:cNvSpPr/>
+              <p:nvPr/>
+            </p:nvSpPr>
+            <p:spPr>
+              <a:xfrm rot="16200000">
+                <a:off x="8011553" y="1963267"/>
+                <a:ext cx="254692" cy="254692"/>
+              </a:xfrm>
+              <a:prstGeom prst="halfFrame">
+                <a:avLst/>
+              </a:prstGeom>
+              <a:solidFill>
+                <a:srgbClr val="838D90"/>
+              </a:solidFill>
+              <a:ln w="38100">
+                <a:solidFill>
+                  <a:schemeClr val="tx1"/>
+                </a:solidFill>
+              </a:ln>
+            </p:spPr>
+            <p:style>
+              <a:lnRef idx="2">
+                <a:schemeClr val="accent1">
+                  <a:shade val="50000"/>
+                </a:schemeClr>
+              </a:lnRef>
+              <a:fillRef idx="1">
+                <a:schemeClr val="accent1"/>
+              </a:fillRef>
+              <a:effectRef idx="0">
+                <a:schemeClr val="accent1"/>
+              </a:effectRef>
+              <a:fontRef idx="minor">
+                <a:schemeClr val="lt1"/>
+              </a:fontRef>
+            </p:style>
+            <p:txBody>
+              <a:bodyPr rtlCol="0" anchor="ctr"/>
+              <a:lstStyle/>
+              <a:p>
+                <a:pPr algn="ctr"/>
+                <a:endParaRPr lang="ko-KR" altLang="en-US">
+                  <a:solidFill>
+                    <a:schemeClr val="tx1"/>
+                  </a:solidFill>
+                </a:endParaRPr>
+              </a:p>
+            </p:txBody>
+          </p:sp>
+        </p:grpSp>
+        <p:grpSp>
+          <p:nvGrpSpPr>
+            <p:cNvPr id="17" name="그룹 16"/>
+            <p:cNvGrpSpPr/>
+            <p:nvPr/>
+          </p:nvGrpSpPr>
+          <p:grpSpPr>
+            <a:xfrm>
+              <a:off x="5120062" y="4150910"/>
+              <a:ext cx="656517" cy="682539"/>
+              <a:chOff x="7797699" y="1638213"/>
+              <a:chExt cx="656517" cy="682539"/>
+            </a:xfrm>
+          </p:grpSpPr>
+          <p:sp>
+            <p:nvSpPr>
+              <p:cNvPr id="131" name="직사각형 130"/>
+              <p:cNvSpPr/>
+              <p:nvPr/>
+            </p:nvSpPr>
+            <p:spPr>
+              <a:xfrm rot="16200000">
+                <a:off x="8072637" y="1651224"/>
+                <a:ext cx="106642" cy="656517"/>
+              </a:xfrm>
+              <a:prstGeom prst="rect">
+                <a:avLst/>
+              </a:prstGeom>
+              <a:solidFill>
+                <a:srgbClr val="838D90"/>
+              </a:solidFill>
+              <a:ln w="38100">
+                <a:solidFill>
+                  <a:schemeClr val="tx1"/>
+                </a:solidFill>
+              </a:ln>
+            </p:spPr>
+            <p:style>
+              <a:lnRef idx="2">
+                <a:schemeClr val="accent1">
+                  <a:shade val="50000"/>
+                </a:schemeClr>
+              </a:lnRef>
+              <a:fillRef idx="1">
+                <a:schemeClr val="accent1"/>
+              </a:fillRef>
+              <a:effectRef idx="0">
+                <a:schemeClr val="accent1"/>
+              </a:effectRef>
+              <a:fontRef idx="minor">
+                <a:schemeClr val="lt1"/>
+              </a:fontRef>
+            </p:style>
+            <p:txBody>
+              <a:bodyPr rtlCol="0" anchor="ctr"/>
+              <a:lstStyle/>
+              <a:p>
+                <a:pPr algn="ctr"/>
+                <a:endParaRPr lang="ko-KR" altLang="en-US"/>
+              </a:p>
+            </p:txBody>
+          </p:sp>
+          <p:sp>
+            <p:nvSpPr>
+              <p:cNvPr id="130" name="직사각형 129"/>
+              <p:cNvSpPr/>
+              <p:nvPr/>
+            </p:nvSpPr>
+            <p:spPr>
+              <a:xfrm>
+                <a:off x="8113359" y="1638213"/>
+                <a:ext cx="106642" cy="682539"/>
+              </a:xfrm>
+              <a:prstGeom prst="rect">
+                <a:avLst/>
+              </a:prstGeom>
+              <a:solidFill>
+                <a:srgbClr val="838D90"/>
+              </a:solidFill>
+              <a:ln w="38100">
+                <a:solidFill>
+                  <a:schemeClr val="tx1"/>
+                </a:solidFill>
+              </a:ln>
+            </p:spPr>
+            <p:style>
+              <a:lnRef idx="2">
+                <a:schemeClr val="accent1">
+                  <a:shade val="50000"/>
+                </a:schemeClr>
+              </a:lnRef>
+              <a:fillRef idx="1">
+                <a:schemeClr val="accent1"/>
+              </a:fillRef>
+              <a:effectRef idx="0">
+                <a:schemeClr val="accent1"/>
+              </a:effectRef>
+              <a:fontRef idx="minor">
+                <a:schemeClr val="lt1"/>
+              </a:fontRef>
+            </p:style>
+            <p:txBody>
+              <a:bodyPr rtlCol="0" anchor="ctr"/>
+              <a:lstStyle/>
+              <a:p>
+                <a:pPr algn="ctr"/>
+                <a:endParaRPr lang="ko-KR" altLang="en-US"/>
+              </a:p>
+            </p:txBody>
+          </p:sp>
+        </p:grpSp>
+        <p:sp>
+          <p:nvSpPr>
+            <p:cNvPr id="30" name="타원 29"/>
+            <p:cNvSpPr/>
+            <p:nvPr/>
+          </p:nvSpPr>
+          <p:spPr>
+            <a:xfrm>
+              <a:off x="5390272" y="4390454"/>
+              <a:ext cx="203450" cy="203450"/>
+            </a:xfrm>
+            <a:prstGeom prst="ellipse">
+              <a:avLst/>
+            </a:prstGeom>
+            <a:solidFill>
+              <a:srgbClr val="6E3232"/>
+            </a:solidFill>
+            <a:ln w="38100">
+              <a:solidFill>
+                <a:schemeClr val="tx1"/>
+              </a:solidFill>
+            </a:ln>
+          </p:spPr>
+          <p:style>
+            <a:lnRef idx="2">
+              <a:schemeClr val="accent1">
+                <a:shade val="50000"/>
+              </a:schemeClr>
+            </a:lnRef>
+            <a:fillRef idx="1">
+              <a:schemeClr val="accent1"/>
+            </a:fillRef>
+            <a:effectRef idx="0">
+              <a:schemeClr val="accent1"/>
+            </a:effectRef>
+            <a:fontRef idx="minor">
+              <a:schemeClr val="lt1"/>
+            </a:fontRef>
+          </p:style>
+          <p:txBody>
+            <a:bodyPr rtlCol="0" anchor="ctr"/>
+            <a:lstStyle/>
+            <a:p>
+              <a:pPr algn="ctr"/>
+              <a:endParaRPr lang="ko-KR" altLang="en-US"/>
+            </a:p>
+          </p:txBody>
+        </p:sp>
+      </p:grpSp>
+      <p:grpSp>
+        <p:nvGrpSpPr>
+          <p:cNvPr id="62" name="그룹 61"/>
+          <p:cNvGrpSpPr/>
+          <p:nvPr/>
+        </p:nvGrpSpPr>
+        <p:grpSpPr>
+          <a:xfrm>
+            <a:off x="6030452" y="732768"/>
+            <a:ext cx="1459646" cy="1459646"/>
+            <a:chOff x="6030452" y="-3133"/>
+            <a:chExt cx="1459646" cy="1459646"/>
+          </a:xfrm>
+        </p:grpSpPr>
+        <p:sp>
+          <p:nvSpPr>
+            <p:cNvPr id="274" name="팔각형 273"/>
+            <p:cNvSpPr/>
+            <p:nvPr/>
+          </p:nvSpPr>
+          <p:spPr>
+            <a:xfrm>
+              <a:off x="6174509" y="141563"/>
+              <a:ext cx="1171572" cy="1171572"/>
+            </a:xfrm>
+            <a:prstGeom prst="octagon">
+              <a:avLst>
+                <a:gd name="adj" fmla="val 11945"/>
+              </a:avLst>
+            </a:prstGeom>
+            <a:solidFill>
+              <a:srgbClr val="6E3232"/>
+            </a:solidFill>
+            <a:ln w="38100">
+              <a:solidFill>
+                <a:schemeClr val="tx1"/>
+              </a:solidFill>
+            </a:ln>
+          </p:spPr>
+          <p:style>
+            <a:lnRef idx="2">
+              <a:schemeClr val="accent1">
+                <a:shade val="50000"/>
+              </a:schemeClr>
+            </a:lnRef>
+            <a:fillRef idx="1">
+              <a:schemeClr val="accent1"/>
+            </a:fillRef>
+            <a:effectRef idx="0">
+              <a:schemeClr val="accent1"/>
+            </a:effectRef>
+            <a:fontRef idx="minor">
+              <a:schemeClr val="lt1"/>
+            </a:fontRef>
+          </p:style>
+          <p:txBody>
+            <a:bodyPr rtlCol="0" anchor="ctr"/>
+            <a:lstStyle/>
+            <a:p>
+              <a:pPr algn="ctr"/>
+              <a:endParaRPr lang="ko-KR" altLang="en-US"/>
+            </a:p>
+          </p:txBody>
+        </p:sp>
+        <p:sp>
+          <p:nvSpPr>
+            <p:cNvPr id="61" name="도넛 60"/>
+            <p:cNvSpPr/>
+            <p:nvPr/>
+          </p:nvSpPr>
+          <p:spPr>
+            <a:xfrm>
+              <a:off x="6274235" y="236215"/>
+              <a:ext cx="976844" cy="976844"/>
+            </a:xfrm>
+            <a:prstGeom prst="donut">
+              <a:avLst>
+                <a:gd name="adj" fmla="val 9142"/>
+              </a:avLst>
+            </a:prstGeom>
+            <a:solidFill>
+              <a:srgbClr val="838D90"/>
+            </a:solidFill>
+            <a:ln w="38100">
+              <a:solidFill>
+                <a:schemeClr val="tx1"/>
+              </a:solidFill>
+            </a:ln>
+          </p:spPr>
+          <p:style>
+            <a:lnRef idx="2">
+              <a:schemeClr val="accent1">
+                <a:shade val="50000"/>
+              </a:schemeClr>
+            </a:lnRef>
+            <a:fillRef idx="1">
+              <a:schemeClr val="accent1"/>
+            </a:fillRef>
+            <a:effectRef idx="0">
+              <a:schemeClr val="accent1"/>
+            </a:effectRef>
+            <a:fontRef idx="minor">
+              <a:schemeClr val="lt1"/>
+            </a:fontRef>
+          </p:style>
+          <p:txBody>
+            <a:bodyPr rtlCol="0" anchor="ctr"/>
+            <a:lstStyle/>
+            <a:p>
+              <a:pPr algn="ctr"/>
+              <a:endParaRPr lang="ko-KR" altLang="en-US">
+                <a:solidFill>
+                  <a:schemeClr val="tx1"/>
+                </a:solidFill>
+              </a:endParaRPr>
+            </a:p>
+          </p:txBody>
+        </p:sp>
+        <p:sp>
+          <p:nvSpPr>
+            <p:cNvPr id="298" name="직사각형 297"/>
+            <p:cNvSpPr/>
+            <p:nvPr/>
+          </p:nvSpPr>
+          <p:spPr>
+            <a:xfrm>
+              <a:off x="6677964" y="140241"/>
+              <a:ext cx="153554" cy="1172894"/>
+            </a:xfrm>
+            <a:prstGeom prst="rect">
+              <a:avLst/>
+            </a:prstGeom>
+            <a:solidFill>
+              <a:srgbClr val="838D90"/>
+            </a:solidFill>
+            <a:ln w="38100">
+              <a:solidFill>
+                <a:schemeClr val="tx1"/>
+              </a:solidFill>
+            </a:ln>
+          </p:spPr>
+          <p:style>
+            <a:lnRef idx="2">
+              <a:schemeClr val="accent1">
+                <a:shade val="50000"/>
+              </a:schemeClr>
+            </a:lnRef>
+            <a:fillRef idx="1">
+              <a:schemeClr val="accent1"/>
+            </a:fillRef>
+            <a:effectRef idx="0">
+              <a:schemeClr val="accent1"/>
+            </a:effectRef>
+            <a:fontRef idx="minor">
+              <a:schemeClr val="lt1"/>
+            </a:fontRef>
+          </p:style>
+          <p:txBody>
+            <a:bodyPr rtlCol="0" anchor="ctr"/>
+            <a:lstStyle/>
+            <a:p>
+              <a:pPr algn="ctr"/>
+              <a:endParaRPr lang="ko-KR" altLang="en-US"/>
+            </a:p>
+          </p:txBody>
+        </p:sp>
+        <p:sp>
+          <p:nvSpPr>
+            <p:cNvPr id="300" name="직사각형 299"/>
+            <p:cNvSpPr/>
+            <p:nvPr/>
+          </p:nvSpPr>
+          <p:spPr>
+            <a:xfrm rot="5400000">
+              <a:off x="6683517" y="140902"/>
+              <a:ext cx="153554" cy="1171572"/>
+            </a:xfrm>
+            <a:prstGeom prst="rect">
+              <a:avLst/>
+            </a:prstGeom>
+            <a:solidFill>
+              <a:srgbClr val="838D90"/>
+            </a:solidFill>
+            <a:ln w="38100">
+              <a:solidFill>
+                <a:schemeClr val="tx1"/>
+              </a:solidFill>
+            </a:ln>
+          </p:spPr>
+          <p:style>
+            <a:lnRef idx="2">
+              <a:schemeClr val="accent1">
+                <a:shade val="50000"/>
+              </a:schemeClr>
+            </a:lnRef>
+            <a:fillRef idx="1">
+              <a:schemeClr val="accent1"/>
+            </a:fillRef>
+            <a:effectRef idx="0">
+              <a:schemeClr val="accent1"/>
+            </a:effectRef>
+            <a:fontRef idx="minor">
+              <a:schemeClr val="lt1"/>
+            </a:fontRef>
+          </p:style>
+          <p:txBody>
+            <a:bodyPr rtlCol="0" anchor="ctr"/>
+            <a:lstStyle/>
+            <a:p>
+              <a:pPr algn="ctr"/>
+              <a:endParaRPr lang="ko-KR" altLang="en-US"/>
+            </a:p>
+          </p:txBody>
+        </p:sp>
+        <p:sp>
+          <p:nvSpPr>
+            <p:cNvPr id="301" name="직사각형 300"/>
+            <p:cNvSpPr/>
+            <p:nvPr/>
+          </p:nvSpPr>
+          <p:spPr>
+            <a:xfrm rot="2700000">
+              <a:off x="6683498" y="-3115"/>
+              <a:ext cx="153554" cy="1459646"/>
+            </a:xfrm>
+            <a:prstGeom prst="rect">
+              <a:avLst/>
+            </a:prstGeom>
+            <a:solidFill>
+              <a:srgbClr val="838D90"/>
+            </a:solidFill>
+            <a:ln w="38100">
+              <a:solidFill>
+                <a:schemeClr val="tx1"/>
+              </a:solidFill>
+            </a:ln>
+          </p:spPr>
+          <p:style>
+            <a:lnRef idx="2">
+              <a:schemeClr val="accent1">
+                <a:shade val="50000"/>
+              </a:schemeClr>
+            </a:lnRef>
+            <a:fillRef idx="1">
+              <a:schemeClr val="accent1"/>
+            </a:fillRef>
+            <a:effectRef idx="0">
+              <a:schemeClr val="accent1"/>
+            </a:effectRef>
+            <a:fontRef idx="minor">
+              <a:schemeClr val="lt1"/>
+            </a:fontRef>
+          </p:style>
+          <p:txBody>
+            <a:bodyPr rtlCol="0" anchor="ctr"/>
+            <a:lstStyle/>
+            <a:p>
+              <a:pPr algn="ctr"/>
+              <a:endParaRPr lang="ko-KR" altLang="en-US"/>
+            </a:p>
+          </p:txBody>
+        </p:sp>
+        <p:sp>
+          <p:nvSpPr>
+            <p:cNvPr id="302" name="직사각형 301"/>
+            <p:cNvSpPr/>
+            <p:nvPr/>
+          </p:nvSpPr>
+          <p:spPr>
+            <a:xfrm rot="8100000">
+              <a:off x="6685880" y="-3133"/>
+              <a:ext cx="153554" cy="1459646"/>
+            </a:xfrm>
+            <a:prstGeom prst="rect">
+              <a:avLst/>
+            </a:prstGeom>
+            <a:solidFill>
+              <a:srgbClr val="838D90"/>
+            </a:solidFill>
+            <a:ln w="38100">
+              <a:solidFill>
+                <a:schemeClr val="tx1"/>
+              </a:solidFill>
+            </a:ln>
+          </p:spPr>
+          <p:style>
+            <a:lnRef idx="2">
+              <a:schemeClr val="accent1">
+                <a:shade val="50000"/>
+              </a:schemeClr>
+            </a:lnRef>
+            <a:fillRef idx="1">
+              <a:schemeClr val="accent1"/>
+            </a:fillRef>
+            <a:effectRef idx="0">
+              <a:schemeClr val="accent1"/>
+            </a:effectRef>
+            <a:fontRef idx="minor">
+              <a:schemeClr val="lt1"/>
+            </a:fontRef>
+          </p:style>
+          <p:txBody>
+            <a:bodyPr rtlCol="0" anchor="ctr"/>
+            <a:lstStyle/>
+            <a:p>
+              <a:pPr algn="ctr"/>
+              <a:endParaRPr lang="ko-KR" altLang="en-US"/>
+            </a:p>
+          </p:txBody>
+        </p:sp>
+        <p:grpSp>
+          <p:nvGrpSpPr>
+            <p:cNvPr id="59" name="그룹 58"/>
+            <p:cNvGrpSpPr/>
+            <p:nvPr/>
+          </p:nvGrpSpPr>
+          <p:grpSpPr>
+            <a:xfrm>
+              <a:off x="6451772" y="418826"/>
+              <a:ext cx="617046" cy="617046"/>
+              <a:chOff x="6451772" y="418826"/>
+              <a:chExt cx="617046" cy="617046"/>
+            </a:xfrm>
+          </p:grpSpPr>
+          <p:sp>
+            <p:nvSpPr>
+              <p:cNvPr id="275" name="팔각형 274"/>
+              <p:cNvSpPr/>
+              <p:nvPr/>
+            </p:nvSpPr>
+            <p:spPr>
+              <a:xfrm>
+                <a:off x="6451772" y="418826"/>
+                <a:ext cx="617046" cy="617046"/>
+              </a:xfrm>
+              <a:prstGeom prst="octagon">
+                <a:avLst>
+                  <a:gd name="adj" fmla="val 11945"/>
+                </a:avLst>
+              </a:prstGeom>
+              <a:solidFill>
+                <a:srgbClr val="838D90"/>
+              </a:solidFill>
+              <a:ln w="38100">
+                <a:solidFill>
+                  <a:schemeClr val="tx1"/>
+                </a:solidFill>
+              </a:ln>
+            </p:spPr>
+            <p:style>
+              <a:lnRef idx="2">
+                <a:schemeClr val="accent1">
+                  <a:shade val="50000"/>
+                </a:schemeClr>
+              </a:lnRef>
+              <a:fillRef idx="1">
+                <a:schemeClr val="accent1"/>
+              </a:fillRef>
+              <a:effectRef idx="0">
+                <a:schemeClr val="accent1"/>
+              </a:effectRef>
+              <a:fontRef idx="minor">
+                <a:schemeClr val="lt1"/>
+              </a:fontRef>
+            </p:style>
+            <p:txBody>
+              <a:bodyPr rtlCol="0" anchor="ctr"/>
+              <a:lstStyle/>
+              <a:p>
+                <a:pPr algn="ctr"/>
+                <a:endParaRPr lang="ko-KR" altLang="en-US"/>
+              </a:p>
+            </p:txBody>
+          </p:sp>
+          <p:sp>
+            <p:nvSpPr>
+              <p:cNvPr id="276" name="타원 275"/>
+              <p:cNvSpPr/>
+              <p:nvPr/>
+            </p:nvSpPr>
+            <p:spPr>
+              <a:xfrm>
+                <a:off x="6522888" y="489942"/>
+                <a:ext cx="474814" cy="474814"/>
+              </a:xfrm>
+              <a:prstGeom prst="ellipse">
+                <a:avLst/>
+              </a:prstGeom>
+              <a:solidFill>
+                <a:srgbClr val="6E3232"/>
+              </a:solidFill>
+              <a:ln w="38100">
+                <a:solidFill>
+                  <a:schemeClr val="tx1"/>
+                </a:solidFill>
+              </a:ln>
+            </p:spPr>
+            <p:style>
+              <a:lnRef idx="2">
+                <a:schemeClr val="accent1">
+                  <a:shade val="50000"/>
+                </a:schemeClr>
+              </a:lnRef>
+              <a:fillRef idx="1">
+                <a:schemeClr val="accent1"/>
+              </a:fillRef>
+              <a:effectRef idx="0">
+                <a:schemeClr val="accent1"/>
+              </a:effectRef>
+              <a:fontRef idx="minor">
+                <a:schemeClr val="lt1"/>
+              </a:fontRef>
+            </p:style>
+            <p:txBody>
+              <a:bodyPr rot="0" spcFirstLastPara="0" vertOverflow="overflow" horzOverflow="overflow" vert="horz" wrap="square" lIns="91440" tIns="45720" rIns="91440" bIns="45720" numCol="1" spcCol="0" rtlCol="0" fromWordArt="0" anchor="ctr" anchorCtr="0" forceAA="0" compatLnSpc="1">
+                <a:prstTxWarp prst="textNoShape">
+                  <a:avLst/>
+                </a:prstTxWarp>
+                <a:noAutofit/>
+              </a:bodyPr>
+              <a:lstStyle/>
+              <a:p>
+                <a:pPr algn="ctr"/>
+                <a:endParaRPr lang="ko-KR" altLang="en-US"/>
+              </a:p>
+            </p:txBody>
+          </p:sp>
+          <p:sp>
+            <p:nvSpPr>
+              <p:cNvPr id="289" name="타원 288"/>
+              <p:cNvSpPr/>
+              <p:nvPr/>
+            </p:nvSpPr>
+            <p:spPr>
+              <a:xfrm>
+                <a:off x="6641102" y="608156"/>
+                <a:ext cx="238386" cy="238386"/>
+              </a:xfrm>
+              <a:prstGeom prst="ellipse">
+                <a:avLst/>
+              </a:prstGeom>
+              <a:solidFill>
+                <a:srgbClr val="838D90"/>
+              </a:solidFill>
+              <a:ln w="38100">
+                <a:solidFill>
+                  <a:schemeClr val="tx1"/>
+                </a:solidFill>
+              </a:ln>
+            </p:spPr>
+            <p:style>
+              <a:lnRef idx="2">
+                <a:schemeClr val="accent1">
+                  <a:shade val="50000"/>
+                </a:schemeClr>
+              </a:lnRef>
+              <a:fillRef idx="1">
+                <a:schemeClr val="accent1"/>
+              </a:fillRef>
+              <a:effectRef idx="0">
+                <a:schemeClr val="accent1"/>
+              </a:effectRef>
+              <a:fontRef idx="minor">
+                <a:schemeClr val="lt1"/>
+              </a:fontRef>
+            </p:style>
+            <p:txBody>
+              <a:bodyPr rot="0" spcFirstLastPara="0" vertOverflow="overflow" horzOverflow="overflow" vert="horz" wrap="square" lIns="91440" tIns="45720" rIns="91440" bIns="45720" numCol="1" spcCol="0" rtlCol="0" fromWordArt="0" anchor="ctr" anchorCtr="0" forceAA="0" compatLnSpc="1">
+                <a:prstTxWarp prst="textNoShape">
+                  <a:avLst/>
+                </a:prstTxWarp>
+                <a:noAutofit/>
+              </a:bodyPr>
+              <a:lstStyle/>
+              <a:p>
+                <a:pPr algn="ctr"/>
+                <a:endParaRPr lang="ko-KR" altLang="en-US"/>
+              </a:p>
+            </p:txBody>
+          </p:sp>
+        </p:grpSp>
+      </p:grpSp>
+    </p:spTree>
+    <p:extLst>
+      <p:ext uri="{BB962C8B-B14F-4D97-AF65-F5344CB8AC3E}">
+        <p14:creationId xmlns:p14="http://schemas.microsoft.com/office/powerpoint/2010/main" val="2377632483"/>
+      </p:ext>
+    </p:extLst>
+  </p:cSld>
+  <p:clrMapOvr>
+    <a:masterClrMapping/>
+  </p:clrMapOvr>
+</p:sld>
+</file>
+
 <file path=ppt/theme/theme1.xml><?xml version="1.0" encoding="utf-8"?>
 <a:theme xmlns:a="http://schemas.openxmlformats.org/drawingml/2006/main" name="Office 테마">
   <a:themeElements>
